--- a/spec/additionalDescription/pictures/MetadataTablePics.pptx
+++ b/spec/additionalDescription/pictures/MetadataTablePics.pptx
@@ -5,9 +5,11 @@
     <p:sldMasterId id="2147483648" r:id="rId1"/>
   </p:sldMasterIdLst>
   <p:sldIdLst>
-    <p:sldId id="258" r:id="rId2"/>
+    <p:sldId id="262" r:id="rId2"/>
     <p:sldId id="261" r:id="rId3"/>
     <p:sldId id="259" r:id="rId4"/>
+    <p:sldId id="258" r:id="rId5"/>
+    <p:sldId id="263" r:id="rId6"/>
   </p:sldIdLst>
   <p:sldSz cx="12192000" cy="6858000"/>
   <p:notesSz cx="6858000" cy="9144000"/>
@@ -261,7 +263,7 @@
           <a:p>
             <a:fld id="{A13AB217-A22B-45C9-B442-C9534E44A269}" type="datetimeFigureOut">
               <a:rPr lang="de-DE" smtClean="0"/>
-              <a:t>09.10.2024</a:t>
+              <a:t>24.04.2025</a:t>
             </a:fld>
             <a:endParaRPr lang="de-DE"/>
           </a:p>
@@ -459,7 +461,7 @@
           <a:p>
             <a:fld id="{A13AB217-A22B-45C9-B442-C9534E44A269}" type="datetimeFigureOut">
               <a:rPr lang="de-DE" smtClean="0"/>
-              <a:t>09.10.2024</a:t>
+              <a:t>24.04.2025</a:t>
             </a:fld>
             <a:endParaRPr lang="de-DE"/>
           </a:p>
@@ -667,7 +669,7 @@
           <a:p>
             <a:fld id="{A13AB217-A22B-45C9-B442-C9534E44A269}" type="datetimeFigureOut">
               <a:rPr lang="de-DE" smtClean="0"/>
-              <a:t>09.10.2024</a:t>
+              <a:t>24.04.2025</a:t>
             </a:fld>
             <a:endParaRPr lang="de-DE"/>
           </a:p>
@@ -865,7 +867,7 @@
           <a:p>
             <a:fld id="{A13AB217-A22B-45C9-B442-C9534E44A269}" type="datetimeFigureOut">
               <a:rPr lang="de-DE" smtClean="0"/>
-              <a:t>09.10.2024</a:t>
+              <a:t>24.04.2025</a:t>
             </a:fld>
             <a:endParaRPr lang="de-DE"/>
           </a:p>
@@ -1140,7 +1142,7 @@
           <a:p>
             <a:fld id="{A13AB217-A22B-45C9-B442-C9534E44A269}" type="datetimeFigureOut">
               <a:rPr lang="de-DE" smtClean="0"/>
-              <a:t>09.10.2024</a:t>
+              <a:t>24.04.2025</a:t>
             </a:fld>
             <a:endParaRPr lang="de-DE"/>
           </a:p>
@@ -1405,7 +1407,7 @@
           <a:p>
             <a:fld id="{A13AB217-A22B-45C9-B442-C9534E44A269}" type="datetimeFigureOut">
               <a:rPr lang="de-DE" smtClean="0"/>
-              <a:t>09.10.2024</a:t>
+              <a:t>24.04.2025</a:t>
             </a:fld>
             <a:endParaRPr lang="de-DE"/>
           </a:p>
@@ -1817,7 +1819,7 @@
           <a:p>
             <a:fld id="{A13AB217-A22B-45C9-B442-C9534E44A269}" type="datetimeFigureOut">
               <a:rPr lang="de-DE" smtClean="0"/>
-              <a:t>09.10.2024</a:t>
+              <a:t>24.04.2025</a:t>
             </a:fld>
             <a:endParaRPr lang="de-DE"/>
           </a:p>
@@ -1958,7 +1960,7 @@
           <a:p>
             <a:fld id="{A13AB217-A22B-45C9-B442-C9534E44A269}" type="datetimeFigureOut">
               <a:rPr lang="de-DE" smtClean="0"/>
-              <a:t>09.10.2024</a:t>
+              <a:t>24.04.2025</a:t>
             </a:fld>
             <a:endParaRPr lang="de-DE"/>
           </a:p>
@@ -2071,7 +2073,7 @@
           <a:p>
             <a:fld id="{A13AB217-A22B-45C9-B442-C9534E44A269}" type="datetimeFigureOut">
               <a:rPr lang="de-DE" smtClean="0"/>
-              <a:t>09.10.2024</a:t>
+              <a:t>24.04.2025</a:t>
             </a:fld>
             <a:endParaRPr lang="de-DE"/>
           </a:p>
@@ -2382,7 +2384,7 @@
           <a:p>
             <a:fld id="{A13AB217-A22B-45C9-B442-C9534E44A269}" type="datetimeFigureOut">
               <a:rPr lang="de-DE" smtClean="0"/>
-              <a:t>09.10.2024</a:t>
+              <a:t>24.04.2025</a:t>
             </a:fld>
             <a:endParaRPr lang="de-DE"/>
           </a:p>
@@ -2670,7 +2672,7 @@
           <a:p>
             <a:fld id="{A13AB217-A22B-45C9-B442-C9534E44A269}" type="datetimeFigureOut">
               <a:rPr lang="de-DE" smtClean="0"/>
-              <a:t>09.10.2024</a:t>
+              <a:t>24.04.2025</a:t>
             </a:fld>
             <a:endParaRPr lang="de-DE"/>
           </a:p>
@@ -2911,7 +2913,7 @@
           <a:p>
             <a:fld id="{A13AB217-A22B-45C9-B442-C9534E44A269}" type="datetimeFigureOut">
               <a:rPr lang="de-DE" smtClean="0"/>
-              <a:t>09.10.2024</a:t>
+              <a:t>24.04.2025</a:t>
             </a:fld>
             <a:endParaRPr lang="de-DE"/>
           </a:p>
@@ -3316,7 +3318,13 @@
   <p:cSld>
     <p:spTree>
       <p:nvGrpSpPr>
-        <p:cNvPr id="1" name=""/>
+        <p:cNvPr id="1" name="">
+          <a:extLst>
+            <a:ext uri="{FF2B5EF4-FFF2-40B4-BE49-F238E27FC236}">
+              <a16:creationId xmlns:a16="http://schemas.microsoft.com/office/drawing/2014/main" id="{3AD4D680-4073-36EC-D47A-A95C36D97726}"/>
+            </a:ext>
+          </a:extLst>
+        </p:cNvPr>
         <p:cNvGrpSpPr/>
         <p:nvPr/>
       </p:nvGrpSpPr>
@@ -3330,10 +3338,62 @@
       </p:grpSpPr>
       <p:sp>
         <p:nvSpPr>
+          <p:cNvPr id="3" name="Rechteck 2">
+            <a:extLst>
+              <a:ext uri="{FF2B5EF4-FFF2-40B4-BE49-F238E27FC236}">
+                <a16:creationId xmlns:a16="http://schemas.microsoft.com/office/drawing/2014/main" id="{DC78AFCD-B878-FEEF-78B4-D09EAB9FD89F}"/>
+              </a:ext>
+            </a:extLst>
+          </p:cNvPr>
+          <p:cNvSpPr/>
+          <p:nvPr/>
+        </p:nvSpPr>
+        <p:spPr>
+          <a:xfrm>
+            <a:off x="-266700" y="-411480"/>
+            <a:ext cx="11536680" cy="7962900"/>
+          </a:xfrm>
+          <a:prstGeom prst="rect">
+            <a:avLst/>
+          </a:prstGeom>
+          <a:solidFill>
+            <a:schemeClr val="bg1"/>
+          </a:solidFill>
+          <a:ln>
+            <a:noFill/>
+          </a:ln>
+        </p:spPr>
+        <p:style>
+          <a:lnRef idx="2">
+            <a:schemeClr val="accent1">
+              <a:shade val="15000"/>
+            </a:schemeClr>
+          </a:lnRef>
+          <a:fillRef idx="1">
+            <a:schemeClr val="accent1"/>
+          </a:fillRef>
+          <a:effectRef idx="0">
+            <a:schemeClr val="accent1"/>
+          </a:effectRef>
+          <a:fontRef idx="minor">
+            <a:schemeClr val="lt1"/>
+          </a:fontRef>
+        </p:style>
+        <p:txBody>
+          <a:bodyPr rtlCol="0" anchor="ctr"/>
+          <a:lstStyle/>
+          <a:p>
+            <a:pPr algn="ctr"/>
+            <a:endParaRPr lang="de-DE"/>
+          </a:p>
+        </p:txBody>
+      </p:sp>
+      <p:sp>
+        <p:nvSpPr>
           <p:cNvPr id="4" name="Rechteck 3">
             <a:extLst>
               <a:ext uri="{FF2B5EF4-FFF2-40B4-BE49-F238E27FC236}">
-                <a16:creationId xmlns:a16="http://schemas.microsoft.com/office/drawing/2014/main" id="{F464661C-4935-14AE-EDCB-C40A7BCD2332}"/>
+                <a16:creationId xmlns:a16="http://schemas.microsoft.com/office/drawing/2014/main" id="{B0AD26B1-47F2-DC35-92D1-BAD74F45797B}"/>
               </a:ext>
             </a:extLst>
           </p:cNvPr>
@@ -3382,7 +3442,7 @@
           <p:cNvPr id="5" name="Rechteck: abgerundete Ecken 4">
             <a:extLst>
               <a:ext uri="{FF2B5EF4-FFF2-40B4-BE49-F238E27FC236}">
-                <a16:creationId xmlns:a16="http://schemas.microsoft.com/office/drawing/2014/main" id="{52AA7FA5-C085-79F2-0107-E0EA0612820E}"/>
+                <a16:creationId xmlns:a16="http://schemas.microsoft.com/office/drawing/2014/main" id="{63866BA8-CF2A-0E9E-5E00-C729AE275AC7}"/>
               </a:ext>
             </a:extLst>
           </p:cNvPr>
@@ -3391,8 +3451,8 @@
         </p:nvSpPr>
         <p:spPr>
           <a:xfrm>
-            <a:off x="347072" y="640747"/>
-            <a:ext cx="4191556" cy="5576506"/>
+            <a:off x="347072" y="640746"/>
+            <a:ext cx="4191556" cy="6678751"/>
           </a:xfrm>
           <a:prstGeom prst="roundRect">
             <a:avLst>
@@ -3454,7 +3514,7 @@
           <p:cNvPr id="6" name="Textfeld 5">
             <a:extLst>
               <a:ext uri="{FF2B5EF4-FFF2-40B4-BE49-F238E27FC236}">
-                <a16:creationId xmlns:a16="http://schemas.microsoft.com/office/drawing/2014/main" id="{441CD519-2B66-00F3-C4CE-00F8A60F9D95}"/>
+                <a16:creationId xmlns:a16="http://schemas.microsoft.com/office/drawing/2014/main" id="{9D396D84-46F0-1709-BEB5-DDCE41EBFDF4}"/>
               </a:ext>
             </a:extLst>
           </p:cNvPr>
@@ -3464,7 +3524,7 @@
         <p:spPr>
           <a:xfrm>
             <a:off x="377107" y="640747"/>
-            <a:ext cx="4131486" cy="5539978"/>
+            <a:ext cx="4161521" cy="6678751"/>
           </a:xfrm>
           <a:prstGeom prst="rect">
             <a:avLst/>
@@ -3657,16 +3717,48 @@
               <a:buChar char="•"/>
             </a:pPr>
             <a:r>
-              <a:rPr lang="de-DE" sz="1200"/>
+              <a:rPr lang="de-DE" sz="1200" b="1"/>
+              <a:t>Cyclic process: sliding window</a:t>
+            </a:r>
+          </a:p>
+          <a:p>
+            <a:pPr marL="541338" lvl="1" indent="-180975">
+              <a:buFont typeface="Arial" panose="020B0604020202020204" pitchFamily="34" charset="0"/>
+              <a:buChar char="•"/>
+            </a:pPr>
+            <a:r>
+              <a:rPr lang="de-DE" sz="1100"/>
               <a:t>To retrieve the CCs of all devices, a </a:t>
             </a:r>
             <a:r>
-              <a:rPr lang="de-DE" sz="1200" b="1"/>
+              <a:rPr lang="de-DE" sz="1100" b="1"/>
               <a:t>sliding window </a:t>
             </a:r>
             <a:r>
-              <a:rPr lang="de-DE" sz="1200"/>
+              <a:rPr lang="de-DE" sz="1100"/>
               <a:t>runs over the deviceList (periodic retrieval)</a:t>
+            </a:r>
+          </a:p>
+          <a:p>
+            <a:pPr marL="541338" lvl="1" indent="-180975">
+              <a:buFont typeface="Arial" panose="020B0604020202020204" pitchFamily="34" charset="0"/>
+              <a:buChar char="•"/>
+            </a:pPr>
+            <a:r>
+              <a:rPr lang="de-DE" sz="1100"/>
+              <a:t>The device‘s </a:t>
+            </a:r>
+            <a:r>
+              <a:rPr lang="de-DE" sz="1100" b="1"/>
+              <a:t>CCs</a:t>
+            </a:r>
+            <a:r>
+              <a:rPr lang="de-DE" sz="1100"/>
+              <a:t> are</a:t>
+            </a:r>
+            <a:r>
+              <a:rPr lang="de-DE" sz="1100" b="1"/>
+              <a:t> updated completely by the periodic retrieval</a:t>
             </a:r>
           </a:p>
           <a:p>
@@ -3675,21 +3767,38 @@
               <a:buChar char="•"/>
             </a:pPr>
             <a:r>
-              <a:rPr lang="de-DE" sz="1200"/>
-              <a:t>The device‘s </a:t>
-            </a:r>
-            <a:r>
               <a:rPr lang="de-DE" sz="1200" b="1"/>
-              <a:t>CCs</a:t>
-            </a:r>
-            <a:r>
-              <a:rPr lang="de-DE" sz="1200"/>
-              <a:t> are</a:t>
-            </a:r>
-            <a:r>
-              <a:rPr lang="de-DE" sz="1200" b="1"/>
-              <a:t> updated completely by the periodic retrieval</a:t>
-            </a:r>
+              <a:t>Cyclic process: quality measurement</a:t>
+            </a:r>
+          </a:p>
+          <a:p>
+            <a:pPr marL="541338" indent="-180975">
+              <a:buFont typeface="Arial" panose="020B0604020202020204" pitchFamily="34" charset="0"/>
+              <a:buChar char="•"/>
+            </a:pPr>
+            <a:r>
+              <a:rPr lang="de-DE" sz="1100"/>
+              <a:t>Every x minutes the CC of a certain device is queried from the Controller for measuring the cache quality</a:t>
+            </a:r>
+          </a:p>
+          <a:p>
+            <a:pPr marL="541338" indent="-180975">
+              <a:buFont typeface="Arial" panose="020B0604020202020204" pitchFamily="34" charset="0"/>
+              <a:buChar char="•"/>
+            </a:pPr>
+            <a:r>
+              <a:rPr lang="de-DE" sz="1100"/>
+              <a:t>The </a:t>
+            </a:r>
+            <a:r>
+              <a:rPr lang="de-DE" sz="1100" b="1"/>
+              <a:t>device‘s CC is updated completely </a:t>
+            </a:r>
+            <a:r>
+              <a:rPr lang="de-DE" sz="1100"/>
+              <a:t>from that as well</a:t>
+            </a:r>
+            <a:endParaRPr lang="de-DE" sz="1200" b="1"/>
           </a:p>
           <a:p>
             <a:pPr marL="285750" indent="-285750">
@@ -3697,31 +3806,37 @@
               <a:buChar char="•"/>
             </a:pPr>
             <a:r>
-              <a:rPr lang="de-DE" sz="1200"/>
-              <a:t>In addition the </a:t>
-            </a:r>
-            <a:r>
               <a:rPr lang="de-DE" sz="1200" b="1"/>
-              <a:t>CCs are updated partially </a:t>
-            </a:r>
-            <a:r>
-              <a:rPr lang="de-DE" sz="1200"/>
-              <a:t>after related </a:t>
-            </a:r>
-            <a:r>
-              <a:rPr lang="de-DE" sz="1200" b="1"/>
-              <a:t>notifications</a:t>
-            </a:r>
-            <a:r>
-              <a:rPr lang="de-DE" sz="1200"/>
-              <a:t> are received</a:t>
-            </a:r>
-          </a:p>
-          <a:p>
-            <a:pPr marL="285750" indent="-285750">
+              <a:t>Notifications</a:t>
+            </a:r>
+          </a:p>
+          <a:p>
+            <a:pPr marL="541338" lvl="1" indent="-180975">
               <a:buFont typeface="Arial" panose="020B0604020202020204" pitchFamily="34" charset="0"/>
               <a:buChar char="•"/>
             </a:pPr>
+            <a:r>
+              <a:rPr lang="de-DE" sz="1100"/>
+              <a:t>In addition the </a:t>
+            </a:r>
+            <a:r>
+              <a:rPr lang="de-DE" sz="1100" b="1"/>
+              <a:t>CCs are updated partially </a:t>
+            </a:r>
+            <a:r>
+              <a:rPr lang="de-DE" sz="1100"/>
+              <a:t>after related </a:t>
+            </a:r>
+            <a:r>
+              <a:rPr lang="de-DE" sz="1100" b="1"/>
+              <a:t>notifications</a:t>
+            </a:r>
+            <a:r>
+              <a:rPr lang="de-DE" sz="1100"/>
+              <a:t> are received</a:t>
+            </a:r>
+          </a:p>
+          <a:p>
             <a:endParaRPr lang="de-DE" sz="1200"/>
           </a:p>
           <a:p>
@@ -3749,7 +3864,7 @@
           <p:cNvPr id="9" name="Rechteck: abgerundete Ecken 8">
             <a:extLst>
               <a:ext uri="{FF2B5EF4-FFF2-40B4-BE49-F238E27FC236}">
-                <a16:creationId xmlns:a16="http://schemas.microsoft.com/office/drawing/2014/main" id="{91F2F1E8-04E1-EB5A-C1CA-3AC3155C5ECC}"/>
+                <a16:creationId xmlns:a16="http://schemas.microsoft.com/office/drawing/2014/main" id="{65984A71-F2C3-709E-00C5-40D85415C8AF}"/>
               </a:ext>
             </a:extLst>
           </p:cNvPr>
@@ -3824,7 +3939,7 @@
           <p:cNvPr id="10" name="Textfeld 9">
             <a:extLst>
               <a:ext uri="{FF2B5EF4-FFF2-40B4-BE49-F238E27FC236}">
-                <a16:creationId xmlns:a16="http://schemas.microsoft.com/office/drawing/2014/main" id="{866064A0-3D33-468D-D66B-665A651E8387}"/>
+                <a16:creationId xmlns:a16="http://schemas.microsoft.com/office/drawing/2014/main" id="{E0AE3B85-D0C7-FCA8-B87F-CC999A9AC266}"/>
               </a:ext>
             </a:extLst>
           </p:cNvPr>
@@ -3834,7 +3949,7 @@
         <p:spPr>
           <a:xfrm>
             <a:off x="5172702" y="677275"/>
-            <a:ext cx="5072584" cy="5109091"/>
+            <a:ext cx="5072584" cy="5293757"/>
           </a:xfrm>
           <a:prstGeom prst="rect">
             <a:avLst/>
@@ -4049,12 +4164,71 @@
               <a:t>schema-cache-directory </a:t>
             </a:r>
           </a:p>
+          <a:p>
+            <a:pPr marL="285750" indent="-285750">
+              <a:buFont typeface="Arial" panose="020B0604020202020204" pitchFamily="34" charset="0"/>
+              <a:buChar char="•"/>
+            </a:pPr>
+            <a:r>
+              <a:rPr lang="de-DE" sz="1200"/>
+              <a:t>device-type</a:t>
+            </a:r>
+          </a:p>
+        </p:txBody>
+      </p:sp>
+      <p:sp>
+        <p:nvSpPr>
+          <p:cNvPr id="2" name="Rechteck 1">
+            <a:extLst>
+              <a:ext uri="{FF2B5EF4-FFF2-40B4-BE49-F238E27FC236}">
+                <a16:creationId xmlns:a16="http://schemas.microsoft.com/office/drawing/2014/main" id="{F1E9301A-5154-8EC7-6378-FBD757B0D67B}"/>
+              </a:ext>
+            </a:extLst>
+          </p:cNvPr>
+          <p:cNvSpPr/>
+          <p:nvPr/>
+        </p:nvSpPr>
+        <p:spPr>
+          <a:xfrm>
+            <a:off x="10659100" y="2623060"/>
+            <a:ext cx="1532899" cy="413816"/>
+          </a:xfrm>
+          <a:prstGeom prst="rect">
+            <a:avLst/>
+          </a:prstGeom>
+        </p:spPr>
+        <p:style>
+          <a:lnRef idx="2">
+            <a:schemeClr val="accent5">
+              <a:shade val="15000"/>
+            </a:schemeClr>
+          </a:lnRef>
+          <a:fillRef idx="1">
+            <a:schemeClr val="accent5"/>
+          </a:fillRef>
+          <a:effectRef idx="0">
+            <a:schemeClr val="accent5"/>
+          </a:effectRef>
+          <a:fontRef idx="minor">
+            <a:schemeClr val="lt1"/>
+          </a:fontRef>
+        </p:style>
+        <p:txBody>
+          <a:bodyPr rtlCol="0" anchor="ctr"/>
+          <a:lstStyle/>
+          <a:p>
+            <a:pPr algn="ctr"/>
+            <a:r>
+              <a:rPr lang="de-DE"/>
+              <a:t>MWDI v1.3.0</a:t>
+            </a:r>
+          </a:p>
         </p:txBody>
       </p:sp>
     </p:spTree>
     <p:extLst>
       <p:ext uri="{BB962C8B-B14F-4D97-AF65-F5344CB8AC3E}">
-        <p14:creationId xmlns:p14="http://schemas.microsoft.com/office/powerpoint/2010/main" val="3096072215"/>
+        <p14:creationId xmlns:p14="http://schemas.microsoft.com/office/powerpoint/2010/main" val="213401116"/>
       </p:ext>
     </p:extLst>
   </p:cSld>
@@ -4096,7 +4270,7 @@
         <p:spPr>
           <a:xfrm>
             <a:off x="30709" y="209480"/>
-            <a:ext cx="13672592" cy="12414320"/>
+            <a:ext cx="13672592" cy="12706420"/>
           </a:xfrm>
           <a:prstGeom prst="rect">
             <a:avLst/>
@@ -4145,7 +4319,7 @@
         <p:spPr>
           <a:xfrm>
             <a:off x="9946321" y="2219038"/>
-            <a:ext cx="2266943" cy="7894469"/>
+            <a:ext cx="2705733" cy="8202245"/>
           </a:xfrm>
           <a:prstGeom prst="rect">
             <a:avLst/>
@@ -4443,6 +4617,10 @@
             </a:endParaRPr>
           </a:p>
           <a:p>
+            <a:pPr marL="361950" indent="-180975">
+              <a:buFont typeface="Wingdings" panose="05000000000000000000" pitchFamily="2" charset="2"/>
+              <a:buChar char="§"/>
+            </a:pPr>
             <a:endParaRPr lang="de-DE" sz="1000">
               <a:solidFill>
                 <a:schemeClr val="accent6">
@@ -4452,6 +4630,10 @@
             </a:endParaRPr>
           </a:p>
           <a:p>
+            <a:pPr marL="361950" indent="-180975">
+              <a:buFont typeface="Wingdings" panose="05000000000000000000" pitchFamily="2" charset="2"/>
+              <a:buChar char="§"/>
+            </a:pPr>
             <a:endParaRPr lang="de-DE" sz="1000">
               <a:solidFill>
                 <a:schemeClr val="accent6">
@@ -4461,6 +4643,10 @@
             </a:endParaRPr>
           </a:p>
           <a:p>
+            <a:pPr marL="361950" indent="-180975">
+              <a:buFont typeface="Wingdings" panose="05000000000000000000" pitchFamily="2" charset="2"/>
+              <a:buChar char="§"/>
+            </a:pPr>
             <a:endParaRPr lang="de-DE" sz="1000">
               <a:solidFill>
                 <a:schemeClr val="accent6">
@@ -4470,6 +4656,10 @@
             </a:endParaRPr>
           </a:p>
           <a:p>
+            <a:pPr marL="361950" indent="-180975">
+              <a:buFont typeface="Wingdings" panose="05000000000000000000" pitchFamily="2" charset="2"/>
+              <a:buChar char="§"/>
+            </a:pPr>
             <a:endParaRPr lang="de-DE" sz="1000">
               <a:solidFill>
                 <a:schemeClr val="accent6">
@@ -4479,6 +4669,7 @@
             </a:endParaRPr>
           </a:p>
           <a:p>
+            <a:pPr marL="180975"/>
             <a:endParaRPr lang="de-DE" sz="1000">
               <a:solidFill>
                 <a:schemeClr val="accent6">
@@ -4617,6 +4808,10 @@
             </a:endParaRPr>
           </a:p>
           <a:p>
+            <a:pPr marL="171450" indent="-171450">
+              <a:buFont typeface="Arial" panose="020B0604020202020204" pitchFamily="34" charset="0"/>
+              <a:buChar char="•"/>
+            </a:pPr>
             <a:r>
               <a:rPr lang="de-DE" sz="1000">
                 <a:solidFill>
@@ -4626,6 +4821,22 @@
                 </a:solidFill>
               </a:rPr>
               <a:t>The schema-cache-directory is only set by the periodic sync</a:t>
+            </a:r>
+          </a:p>
+          <a:p>
+            <a:pPr marL="171450" indent="-171450">
+              <a:buFont typeface="Arial" panose="020B0604020202020204" pitchFamily="34" charset="0"/>
+              <a:buChar char="•"/>
+            </a:pPr>
+            <a:r>
+              <a:rPr lang="de-DE" sz="1000">
+                <a:solidFill>
+                  <a:schemeClr val="accent6">
+                    <a:lumMod val="50000"/>
+                  </a:schemeClr>
+                </a:solidFill>
+              </a:rPr>
+              <a:t>The device-type as well; if it is „unknown“ from previous updates, it shall be attempted to again to derive the device type from the device‘s CC</a:t>
             </a:r>
           </a:p>
         </p:txBody>
@@ -5455,8 +5666,8 @@
         </p:nvSpPr>
         <p:spPr>
           <a:xfrm>
-            <a:off x="187648" y="10357287"/>
-            <a:ext cx="13194696" cy="2117818"/>
+            <a:off x="187648" y="10357286"/>
+            <a:ext cx="13194696" cy="2411655"/>
           </a:xfrm>
           <a:prstGeom prst="roundRect">
             <a:avLst>
@@ -6587,6 +6798,7065 @@
         <p:spPr>
           <a:xfrm>
             <a:off x="3530413" y="3743904"/>
+            <a:ext cx="2310196" cy="2139047"/>
+          </a:xfrm>
+          <a:prstGeom prst="rect">
+            <a:avLst/>
+          </a:prstGeom>
+          <a:noFill/>
+        </p:spPr>
+        <p:txBody>
+          <a:bodyPr wrap="square" rtlCol="0">
+            <a:spAutoFit/>
+          </a:bodyPr>
+          <a:lstStyle/>
+          <a:p>
+            <a:pPr marL="171450" indent="-171450">
+              <a:buFont typeface="Wingdings" panose="05000000000000000000" pitchFamily="2" charset="2"/>
+              <a:buChar char="Ø"/>
+            </a:pPr>
+            <a:r>
+              <a:rPr lang="de-DE" sz="950" b="1"/>
+              <a:t>Upon completion of complete CC retrieval</a:t>
+            </a:r>
+            <a:r>
+              <a:rPr lang="de-DE" sz="950" b="1">
+                <a:solidFill>
+                  <a:schemeClr val="accent5">
+                    <a:lumMod val="75000"/>
+                  </a:schemeClr>
+                </a:solidFill>
+              </a:rPr>
+              <a:t> </a:t>
+            </a:r>
+            <a:r>
+              <a:rPr lang="de-DE" sz="950" b="1"/>
+              <a:t>by </a:t>
+            </a:r>
+            <a:r>
+              <a:rPr lang="de-DE" sz="950" b="1">
+                <a:solidFill>
+                  <a:schemeClr val="accent5">
+                    <a:lumMod val="75000"/>
+                  </a:schemeClr>
+                </a:solidFill>
+              </a:rPr>
+              <a:t>slidingWindow </a:t>
+            </a:r>
+            <a:r>
+              <a:rPr lang="de-DE" sz="950" b="1"/>
+              <a:t>or by </a:t>
+            </a:r>
+            <a:r>
+              <a:rPr lang="de-DE" sz="950" b="1">
+                <a:solidFill>
+                  <a:schemeClr val="accent4">
+                    <a:lumMod val="75000"/>
+                  </a:schemeClr>
+                </a:solidFill>
+              </a:rPr>
+              <a:t>qualityMeasurement process</a:t>
+            </a:r>
+          </a:p>
+          <a:p>
+            <a:pPr marL="171450" indent="-171450">
+              <a:buFont typeface="Wingdings" panose="05000000000000000000" pitchFamily="2" charset="2"/>
+              <a:buChar char="Ø"/>
+            </a:pPr>
+            <a:endParaRPr lang="de-DE" sz="950" b="1">
+              <a:solidFill>
+                <a:schemeClr val="accent5">
+                  <a:lumMod val="75000"/>
+                </a:schemeClr>
+              </a:solidFill>
+            </a:endParaRPr>
+          </a:p>
+          <a:p>
+            <a:pPr marL="171450" indent="-171450">
+              <a:buFont typeface="Wingdings" panose="05000000000000000000" pitchFamily="2" charset="2"/>
+              <a:buChar char="Ø"/>
+            </a:pPr>
+            <a:endParaRPr lang="de-DE" sz="950" b="1">
+              <a:solidFill>
+                <a:schemeClr val="accent5">
+                  <a:lumMod val="75000"/>
+                </a:schemeClr>
+              </a:solidFill>
+            </a:endParaRPr>
+          </a:p>
+          <a:p>
+            <a:pPr marL="171450" indent="-171450">
+              <a:buFont typeface="Wingdings" panose="05000000000000000000" pitchFamily="2" charset="2"/>
+              <a:buChar char="Ø"/>
+            </a:pPr>
+            <a:endParaRPr lang="de-DE" sz="950" b="1">
+              <a:solidFill>
+                <a:schemeClr val="accent5">
+                  <a:lumMod val="75000"/>
+                </a:schemeClr>
+              </a:solidFill>
+            </a:endParaRPr>
+          </a:p>
+          <a:p>
+            <a:pPr marL="182562" lvl="1"/>
+            <a:endParaRPr lang="de-DE" sz="950">
+              <a:solidFill>
+                <a:schemeClr val="accent2">
+                  <a:lumMod val="75000"/>
+                </a:schemeClr>
+              </a:solidFill>
+            </a:endParaRPr>
+          </a:p>
+          <a:p>
+            <a:pPr marL="182562" lvl="1"/>
+            <a:endParaRPr lang="de-DE" sz="950">
+              <a:solidFill>
+                <a:schemeClr val="accent2">
+                  <a:lumMod val="75000"/>
+                </a:schemeClr>
+              </a:solidFill>
+            </a:endParaRPr>
+          </a:p>
+          <a:p>
+            <a:pPr marL="171450" lvl="1" indent="-171450">
+              <a:buFont typeface="Wingdings" panose="05000000000000000000" pitchFamily="2" charset="2"/>
+              <a:buChar char="Ø"/>
+            </a:pPr>
+            <a:r>
+              <a:rPr lang="de-DE" sz="950" b="1">
+                <a:solidFill>
+                  <a:schemeClr val="accent2">
+                    <a:lumMod val="75000"/>
+                  </a:schemeClr>
+                </a:solidFill>
+              </a:rPr>
+              <a:t>Upon completion of partial CC update:</a:t>
+            </a:r>
+          </a:p>
+          <a:p>
+            <a:pPr marL="171450" lvl="1" indent="-171450">
+              <a:buFont typeface="Wingdings" panose="05000000000000000000" pitchFamily="2" charset="2"/>
+              <a:buChar char="Ø"/>
+            </a:pPr>
+            <a:endParaRPr lang="de-DE" sz="950" b="1">
+              <a:solidFill>
+                <a:schemeClr val="accent2">
+                  <a:lumMod val="75000"/>
+                </a:schemeClr>
+              </a:solidFill>
+            </a:endParaRPr>
+          </a:p>
+          <a:p>
+            <a:pPr marL="171450" lvl="1" indent="-171450">
+              <a:buFont typeface="Wingdings" panose="05000000000000000000" pitchFamily="2" charset="2"/>
+              <a:buChar char="Ø"/>
+            </a:pPr>
+            <a:endParaRPr lang="de-DE" sz="950" b="1">
+              <a:solidFill>
+                <a:schemeClr val="accent2">
+                  <a:lumMod val="75000"/>
+                </a:schemeClr>
+              </a:solidFill>
+            </a:endParaRPr>
+          </a:p>
+          <a:p>
+            <a:pPr marL="171450" lvl="1" indent="-171450">
+              <a:buFont typeface="Wingdings" panose="05000000000000000000" pitchFamily="2" charset="2"/>
+              <a:buChar char="Ø"/>
+            </a:pPr>
+            <a:endParaRPr lang="de-DE" sz="950" b="1">
+              <a:solidFill>
+                <a:schemeClr val="accent2">
+                  <a:lumMod val="75000"/>
+                </a:schemeClr>
+              </a:solidFill>
+            </a:endParaRPr>
+          </a:p>
+          <a:p>
+            <a:pPr marL="171450" lvl="1" indent="-171450">
+              <a:buFont typeface="Wingdings" panose="05000000000000000000" pitchFamily="2" charset="2"/>
+              <a:buChar char="Ø"/>
+            </a:pPr>
+            <a:endParaRPr lang="de-DE" sz="950" b="1">
+              <a:solidFill>
+                <a:schemeClr val="accent2">
+                  <a:lumMod val="75000"/>
+                </a:schemeClr>
+              </a:solidFill>
+            </a:endParaRPr>
+          </a:p>
+        </p:txBody>
+      </p:sp>
+      <p:sp>
+        <p:nvSpPr>
+          <p:cNvPr id="56" name="Rechteck 55">
+            <a:extLst>
+              <a:ext uri="{FF2B5EF4-FFF2-40B4-BE49-F238E27FC236}">
+                <a16:creationId xmlns:a16="http://schemas.microsoft.com/office/drawing/2014/main" id="{17388A9D-D2CB-5A6C-DA78-1823CA848FE2}"/>
+              </a:ext>
+            </a:extLst>
+          </p:cNvPr>
+          <p:cNvSpPr/>
+          <p:nvPr/>
+        </p:nvSpPr>
+        <p:spPr>
+          <a:xfrm>
+            <a:off x="10990939" y="10431596"/>
+            <a:ext cx="1942137" cy="833244"/>
+          </a:xfrm>
+          <a:prstGeom prst="rect">
+            <a:avLst/>
+          </a:prstGeom>
+          <a:solidFill>
+            <a:schemeClr val="bg1"/>
+          </a:solidFill>
+          <a:ln w="6350"/>
+        </p:spPr>
+        <p:style>
+          <a:lnRef idx="2">
+            <a:schemeClr val="accent1">
+              <a:shade val="15000"/>
+            </a:schemeClr>
+          </a:lnRef>
+          <a:fillRef idx="1">
+            <a:schemeClr val="accent1"/>
+          </a:fillRef>
+          <a:effectRef idx="0">
+            <a:schemeClr val="accent1"/>
+          </a:effectRef>
+          <a:fontRef idx="minor">
+            <a:schemeClr val="lt1"/>
+          </a:fontRef>
+        </p:style>
+        <p:txBody>
+          <a:bodyPr rtlCol="0" anchor="ctr"/>
+          <a:lstStyle/>
+          <a:p>
+            <a:r>
+              <a:rPr lang="de-DE" sz="900">
+                <a:solidFill>
+                  <a:schemeClr val="tx1"/>
+                </a:solidFill>
+              </a:rPr>
+              <a:t>Initial/default values:</a:t>
+            </a:r>
+          </a:p>
+          <a:p>
+            <a:pPr marL="171450" indent="-171450">
+              <a:buFont typeface="Arial" panose="020B0604020202020204" pitchFamily="34" charset="0"/>
+              <a:buChar char="•"/>
+            </a:pPr>
+            <a:r>
+              <a:rPr lang="de-DE" sz="900">
+                <a:solidFill>
+                  <a:schemeClr val="tx1"/>
+                </a:solidFill>
+              </a:rPr>
+              <a:t>connection-status = unknown</a:t>
+            </a:r>
+          </a:p>
+          <a:p>
+            <a:pPr marL="171450" indent="-171450">
+              <a:buFont typeface="Arial" panose="020B0604020202020204" pitchFamily="34" charset="0"/>
+              <a:buChar char="•"/>
+            </a:pPr>
+            <a:r>
+              <a:rPr lang="de-DE" sz="900">
+                <a:solidFill>
+                  <a:schemeClr val="tx1"/>
+                </a:solidFill>
+              </a:rPr>
+              <a:t>timestamps = null</a:t>
+            </a:r>
+          </a:p>
+          <a:p>
+            <a:pPr marL="171450" indent="-171450">
+              <a:buFont typeface="Arial" panose="020B0604020202020204" pitchFamily="34" charset="0"/>
+              <a:buChar char="•"/>
+            </a:pPr>
+            <a:r>
+              <a:rPr lang="de-DE" sz="900">
+                <a:solidFill>
+                  <a:schemeClr val="tx1"/>
+                </a:solidFill>
+              </a:rPr>
+              <a:t>update counter = 0</a:t>
+            </a:r>
+          </a:p>
+          <a:p>
+            <a:pPr marL="171450" indent="-171450">
+              <a:buFont typeface="Arial" panose="020B0604020202020204" pitchFamily="34" charset="0"/>
+              <a:buChar char="•"/>
+            </a:pPr>
+            <a:r>
+              <a:rPr lang="de-DE" sz="900">
+                <a:solidFill>
+                  <a:schemeClr val="tx1"/>
+                </a:solidFill>
+              </a:rPr>
+              <a:t>schema-cache-directory = null</a:t>
+            </a:r>
+          </a:p>
+          <a:p>
+            <a:pPr marL="171450" indent="-171450">
+              <a:buFont typeface="Arial" panose="020B0604020202020204" pitchFamily="34" charset="0"/>
+              <a:buChar char="•"/>
+            </a:pPr>
+            <a:r>
+              <a:rPr lang="de-DE" sz="900">
+                <a:solidFill>
+                  <a:schemeClr val="tx1"/>
+                </a:solidFill>
+              </a:rPr>
+              <a:t>device-type = unknown</a:t>
+            </a:r>
+          </a:p>
+        </p:txBody>
+      </p:sp>
+      <p:graphicFrame>
+        <p:nvGraphicFramePr>
+          <p:cNvPr id="2" name="Tabelle 1">
+            <a:extLst>
+              <a:ext uri="{FF2B5EF4-FFF2-40B4-BE49-F238E27FC236}">
+                <a16:creationId xmlns:a16="http://schemas.microsoft.com/office/drawing/2014/main" id="{946D5548-63C6-A3FB-46CB-C16406FD78A0}"/>
+              </a:ext>
+            </a:extLst>
+          </p:cNvPr>
+          <p:cNvGraphicFramePr>
+            <a:graphicFrameLocks noGrp="1"/>
+          </p:cNvGraphicFramePr>
+          <p:nvPr>
+            <p:extLst>
+              <p:ext uri="{D42A27DB-BD31-4B8C-83A1-F6EECF244321}">
+                <p14:modId xmlns:p14="http://schemas.microsoft.com/office/powerpoint/2010/main" val="3054001779"/>
+              </p:ext>
+            </p:extLst>
+          </p:nvPr>
+        </p:nvGraphicFramePr>
+        <p:xfrm>
+          <a:off x="535216" y="10562913"/>
+          <a:ext cx="4229100" cy="1920240"/>
+        </p:xfrm>
+        <a:graphic>
+          <a:graphicData uri="http://schemas.openxmlformats.org/drawingml/2006/table">
+            <a:tbl>
+              <a:tblPr firstRow="1" bandRow="1">
+                <a:tableStyleId>{5940675A-B579-460E-94D1-54222C63F5DA}</a:tableStyleId>
+              </a:tblPr>
+              <a:tblGrid>
+                <a:gridCol w="2819400">
+                  <a:extLst>
+                    <a:ext uri="{9D8B030D-6E8A-4147-A177-3AD203B41FA5}">
+                      <a16:colId xmlns:a16="http://schemas.microsoft.com/office/drawing/2014/main" val="3387609796"/>
+                    </a:ext>
+                  </a:extLst>
+                </a:gridCol>
+                <a:gridCol w="1409700">
+                  <a:extLst>
+                    <a:ext uri="{9D8B030D-6E8A-4147-A177-3AD203B41FA5}">
+                      <a16:colId xmlns:a16="http://schemas.microsoft.com/office/drawing/2014/main" val="3492777630"/>
+                    </a:ext>
+                  </a:extLst>
+                </a:gridCol>
+              </a:tblGrid>
+              <a:tr h="0">
+                <a:tc>
+                  <a:txBody>
+                    <a:bodyPr/>
+                    <a:lstStyle/>
+                    <a:p>
+                      <a:r>
+                        <a:rPr lang="de-DE" sz="800" b="1"/>
+                        <a:t>Property name</a:t>
+                      </a:r>
+                    </a:p>
+                  </a:txBody>
+                  <a:tcPr>
+                    <a:solidFill>
+                      <a:schemeClr val="tx1">
+                        <a:lumMod val="50000"/>
+                        <a:lumOff val="50000"/>
+                      </a:schemeClr>
+                    </a:solidFill>
+                  </a:tcPr>
+                </a:tc>
+                <a:tc>
+                  <a:txBody>
+                    <a:bodyPr/>
+                    <a:lstStyle/>
+                    <a:p>
+                      <a:r>
+                        <a:rPr lang="de-DE" sz="800" b="1"/>
+                        <a:t>Abbrebviation</a:t>
+                      </a:r>
+                    </a:p>
+                  </a:txBody>
+                  <a:tcPr>
+                    <a:solidFill>
+                      <a:schemeClr val="tx1">
+                        <a:lumMod val="50000"/>
+                        <a:lumOff val="50000"/>
+                      </a:schemeClr>
+                    </a:solidFill>
+                  </a:tcPr>
+                </a:tc>
+                <a:extLst>
+                  <a:ext uri="{0D108BD9-81ED-4DB2-BD59-A6C34878D82A}">
+                    <a16:rowId xmlns:a16="http://schemas.microsoft.com/office/drawing/2014/main" val="3652824297"/>
+                  </a:ext>
+                </a:extLst>
+              </a:tr>
+              <a:tr h="212696">
+                <a:tc>
+                  <a:txBody>
+                    <a:bodyPr/>
+                    <a:lstStyle/>
+                    <a:p>
+                      <a:r>
+                        <a:rPr lang="de-DE" sz="800"/>
+                        <a:t>Connection-status</a:t>
+                      </a:r>
+                    </a:p>
+                  </a:txBody>
+                  <a:tcPr>
+                    <a:solidFill>
+                      <a:schemeClr val="bg1"/>
+                    </a:solidFill>
+                  </a:tcPr>
+                </a:tc>
+                <a:tc>
+                  <a:txBody>
+                    <a:bodyPr/>
+                    <a:lstStyle/>
+                    <a:p>
+                      <a:r>
+                        <a:rPr lang="de-DE" sz="800"/>
+                        <a:t>connStat</a:t>
+                      </a:r>
+                    </a:p>
+                  </a:txBody>
+                  <a:tcPr>
+                    <a:solidFill>
+                      <a:schemeClr val="bg1"/>
+                    </a:solidFill>
+                  </a:tcPr>
+                </a:tc>
+                <a:extLst>
+                  <a:ext uri="{0D108BD9-81ED-4DB2-BD59-A6C34878D82A}">
+                    <a16:rowId xmlns:a16="http://schemas.microsoft.com/office/drawing/2014/main" val="1740639078"/>
+                  </a:ext>
+                </a:extLst>
+              </a:tr>
+              <a:tr h="212696">
+                <a:tc>
+                  <a:txBody>
+                    <a:bodyPr/>
+                    <a:lstStyle/>
+                    <a:p>
+                      <a:r>
+                        <a:rPr lang="de-DE" sz="800"/>
+                        <a:t>Changed-to-disconnected-time</a:t>
+                      </a:r>
+                    </a:p>
+                  </a:txBody>
+                  <a:tcPr>
+                    <a:solidFill>
+                      <a:schemeClr val="bg1"/>
+                    </a:solidFill>
+                  </a:tcPr>
+                </a:tc>
+                <a:tc>
+                  <a:txBody>
+                    <a:bodyPr/>
+                    <a:lstStyle/>
+                    <a:p>
+                      <a:r>
+                        <a:rPr lang="de-DE" sz="800"/>
+                        <a:t>dcTime</a:t>
+                      </a:r>
+                    </a:p>
+                  </a:txBody>
+                  <a:tcPr>
+                    <a:solidFill>
+                      <a:schemeClr val="bg1"/>
+                    </a:solidFill>
+                  </a:tcPr>
+                </a:tc>
+                <a:extLst>
+                  <a:ext uri="{0D108BD9-81ED-4DB2-BD59-A6C34878D82A}">
+                    <a16:rowId xmlns:a16="http://schemas.microsoft.com/office/drawing/2014/main" val="3066733952"/>
+                  </a:ext>
+                </a:extLst>
+              </a:tr>
+              <a:tr h="212696">
+                <a:tc>
+                  <a:txBody>
+                    <a:bodyPr/>
+                    <a:lstStyle/>
+                    <a:p>
+                      <a:r>
+                        <a:rPr lang="de-DE" sz="800"/>
+                        <a:t>added-to-device-list-time</a:t>
+                      </a:r>
+                    </a:p>
+                  </a:txBody>
+                  <a:tcPr>
+                    <a:solidFill>
+                      <a:schemeClr val="bg1"/>
+                    </a:solidFill>
+                  </a:tcPr>
+                </a:tc>
+                <a:tc>
+                  <a:txBody>
+                    <a:bodyPr/>
+                    <a:lstStyle/>
+                    <a:p>
+                      <a:r>
+                        <a:rPr lang="de-DE" sz="800"/>
+                        <a:t>addDevListTime</a:t>
+                      </a:r>
+                    </a:p>
+                  </a:txBody>
+                  <a:tcPr>
+                    <a:solidFill>
+                      <a:schemeClr val="bg1"/>
+                    </a:solidFill>
+                  </a:tcPr>
+                </a:tc>
+                <a:extLst>
+                  <a:ext uri="{0D108BD9-81ED-4DB2-BD59-A6C34878D82A}">
+                    <a16:rowId xmlns:a16="http://schemas.microsoft.com/office/drawing/2014/main" val="1733436190"/>
+                  </a:ext>
+                </a:extLst>
+              </a:tr>
+              <a:tr h="212696">
+                <a:tc>
+                  <a:txBody>
+                    <a:bodyPr/>
+                    <a:lstStyle/>
+                    <a:p>
+                      <a:r>
+                        <a:rPr lang="de-DE" sz="800"/>
+                        <a:t>last-complete-control-construct-update-time</a:t>
+                      </a:r>
+                    </a:p>
+                  </a:txBody>
+                  <a:tcPr>
+                    <a:solidFill>
+                      <a:schemeClr val="bg1"/>
+                    </a:solidFill>
+                  </a:tcPr>
+                </a:tc>
+                <a:tc>
+                  <a:txBody>
+                    <a:bodyPr/>
+                    <a:lstStyle/>
+                    <a:p>
+                      <a:r>
+                        <a:rPr lang="de-DE" sz="800"/>
+                        <a:t>lastCompleteTime</a:t>
+                      </a:r>
+                    </a:p>
+                  </a:txBody>
+                  <a:tcPr>
+                    <a:solidFill>
+                      <a:schemeClr val="bg1"/>
+                    </a:solidFill>
+                  </a:tcPr>
+                </a:tc>
+                <a:extLst>
+                  <a:ext uri="{0D108BD9-81ED-4DB2-BD59-A6C34878D82A}">
+                    <a16:rowId xmlns:a16="http://schemas.microsoft.com/office/drawing/2014/main" val="2854215282"/>
+                  </a:ext>
+                </a:extLst>
+              </a:tr>
+              <a:tr h="212696">
+                <a:tc>
+                  <a:txBody>
+                    <a:bodyPr/>
+                    <a:lstStyle/>
+                    <a:p>
+                      <a:r>
+                        <a:rPr lang="de-DE" sz="800"/>
+                        <a:t>last-control-construct-notification-update-time</a:t>
+                      </a:r>
+                    </a:p>
+                  </a:txBody>
+                  <a:tcPr>
+                    <a:solidFill>
+                      <a:schemeClr val="bg1"/>
+                    </a:solidFill>
+                  </a:tcPr>
+                </a:tc>
+                <a:tc>
+                  <a:txBody>
+                    <a:bodyPr/>
+                    <a:lstStyle/>
+                    <a:p>
+                      <a:r>
+                        <a:rPr lang="de-DE" sz="800"/>
+                        <a:t>lastNotifUpdateTime</a:t>
+                      </a:r>
+                    </a:p>
+                  </a:txBody>
+                  <a:tcPr>
+                    <a:solidFill>
+                      <a:schemeClr val="bg1"/>
+                    </a:solidFill>
+                  </a:tcPr>
+                </a:tc>
+                <a:extLst>
+                  <a:ext uri="{0D108BD9-81ED-4DB2-BD59-A6C34878D82A}">
+                    <a16:rowId xmlns:a16="http://schemas.microsoft.com/office/drawing/2014/main" val="2092144469"/>
+                  </a:ext>
+                </a:extLst>
+              </a:tr>
+              <a:tr h="212696">
+                <a:tc>
+                  <a:txBody>
+                    <a:bodyPr/>
+                    <a:lstStyle/>
+                    <a:p>
+                      <a:r>
+                        <a:rPr lang="de-DE" sz="800"/>
+                        <a:t>number-of-partial-updates-since-last-complete-update</a:t>
+                      </a:r>
+                    </a:p>
+                  </a:txBody>
+                  <a:tcPr>
+                    <a:solidFill>
+                      <a:schemeClr val="bg1"/>
+                    </a:solidFill>
+                  </a:tcPr>
+                </a:tc>
+                <a:tc>
+                  <a:txBody>
+                    <a:bodyPr/>
+                    <a:lstStyle/>
+                    <a:p>
+                      <a:r>
+                        <a:rPr lang="de-DE" sz="800"/>
+                        <a:t>updateCt</a:t>
+                      </a:r>
+                    </a:p>
+                  </a:txBody>
+                  <a:tcPr>
+                    <a:solidFill>
+                      <a:schemeClr val="bg1"/>
+                    </a:solidFill>
+                  </a:tcPr>
+                </a:tc>
+                <a:extLst>
+                  <a:ext uri="{0D108BD9-81ED-4DB2-BD59-A6C34878D82A}">
+                    <a16:rowId xmlns:a16="http://schemas.microsoft.com/office/drawing/2014/main" val="1232273593"/>
+                  </a:ext>
+                </a:extLst>
+              </a:tr>
+              <a:tr h="212696">
+                <a:tc>
+                  <a:txBody>
+                    <a:bodyPr/>
+                    <a:lstStyle/>
+                    <a:p>
+                      <a:r>
+                        <a:rPr lang="de-DE" sz="800"/>
+                        <a:t>schema-cache-directory</a:t>
+                      </a:r>
+                    </a:p>
+                  </a:txBody>
+                  <a:tcPr>
+                    <a:solidFill>
+                      <a:schemeClr val="bg1"/>
+                    </a:solidFill>
+                  </a:tcPr>
+                </a:tc>
+                <a:tc>
+                  <a:txBody>
+                    <a:bodyPr/>
+                    <a:lstStyle/>
+                    <a:p>
+                      <a:r>
+                        <a:rPr lang="de-DE" sz="800"/>
+                        <a:t>schemaDir</a:t>
+                      </a:r>
+                    </a:p>
+                  </a:txBody>
+                  <a:tcPr>
+                    <a:solidFill>
+                      <a:schemeClr val="bg1"/>
+                    </a:solidFill>
+                  </a:tcPr>
+                </a:tc>
+                <a:extLst>
+                  <a:ext uri="{0D108BD9-81ED-4DB2-BD59-A6C34878D82A}">
+                    <a16:rowId xmlns:a16="http://schemas.microsoft.com/office/drawing/2014/main" val="1266576467"/>
+                  </a:ext>
+                </a:extLst>
+              </a:tr>
+              <a:tr h="212696">
+                <a:tc>
+                  <a:txBody>
+                    <a:bodyPr/>
+                    <a:lstStyle/>
+                    <a:p>
+                      <a:r>
+                        <a:rPr lang="de-DE" sz="800"/>
+                        <a:t>device-type</a:t>
+                      </a:r>
+                    </a:p>
+                  </a:txBody>
+                  <a:tcPr>
+                    <a:solidFill>
+                      <a:schemeClr val="bg1"/>
+                    </a:solidFill>
+                  </a:tcPr>
+                </a:tc>
+                <a:tc>
+                  <a:txBody>
+                    <a:bodyPr/>
+                    <a:lstStyle/>
+                    <a:p>
+                      <a:r>
+                        <a:rPr lang="de-DE" sz="800"/>
+                        <a:t>deviceType</a:t>
+                      </a:r>
+                    </a:p>
+                  </a:txBody>
+                  <a:tcPr>
+                    <a:solidFill>
+                      <a:schemeClr val="bg1"/>
+                    </a:solidFill>
+                  </a:tcPr>
+                </a:tc>
+                <a:extLst>
+                  <a:ext uri="{0D108BD9-81ED-4DB2-BD59-A6C34878D82A}">
+                    <a16:rowId xmlns:a16="http://schemas.microsoft.com/office/drawing/2014/main" val="134600551"/>
+                  </a:ext>
+                </a:extLst>
+              </a:tr>
+            </a:tbl>
+          </a:graphicData>
+        </a:graphic>
+      </p:graphicFrame>
+      <p:sp>
+        <p:nvSpPr>
+          <p:cNvPr id="8" name="Textfeld 7">
+            <a:extLst>
+              <a:ext uri="{FF2B5EF4-FFF2-40B4-BE49-F238E27FC236}">
+                <a16:creationId xmlns:a16="http://schemas.microsoft.com/office/drawing/2014/main" id="{3257BBB6-2A6D-94D0-069D-0590FA325D96}"/>
+              </a:ext>
+            </a:extLst>
+          </p:cNvPr>
+          <p:cNvSpPr txBox="1"/>
+          <p:nvPr/>
+        </p:nvSpPr>
+        <p:spPr>
+          <a:xfrm>
+            <a:off x="7295671" y="3748271"/>
+            <a:ext cx="1375698" cy="954107"/>
+          </a:xfrm>
+          <a:prstGeom prst="rect">
+            <a:avLst/>
+          </a:prstGeom>
+          <a:noFill/>
+          <a:ln>
+            <a:solidFill>
+              <a:schemeClr val="bg1">
+                <a:lumMod val="50000"/>
+              </a:schemeClr>
+            </a:solidFill>
+          </a:ln>
+        </p:spPr>
+        <p:txBody>
+          <a:bodyPr wrap="none" rtlCol="0">
+            <a:spAutoFit/>
+          </a:bodyPr>
+          <a:lstStyle/>
+          <a:p>
+            <a:r>
+              <a:rPr lang="de-DE" sz="800">
+                <a:solidFill>
+                  <a:schemeClr val="tx1">
+                    <a:lumMod val="75000"/>
+                    <a:lumOff val="25000"/>
+                  </a:schemeClr>
+                </a:solidFill>
+              </a:rPr>
+              <a:t>connStat = connected</a:t>
+            </a:r>
+          </a:p>
+          <a:p>
+            <a:r>
+              <a:rPr lang="de-DE" sz="800">
+                <a:solidFill>
+                  <a:schemeClr val="tx1">
+                    <a:lumMod val="75000"/>
+                    <a:lumOff val="25000"/>
+                  </a:schemeClr>
+                </a:solidFill>
+              </a:rPr>
+              <a:t>dcTime = null</a:t>
+            </a:r>
+          </a:p>
+          <a:p>
+            <a:r>
+              <a:rPr lang="de-DE" sz="800">
+                <a:solidFill>
+                  <a:schemeClr val="tx1">
+                    <a:lumMod val="75000"/>
+                    <a:lumOff val="25000"/>
+                  </a:schemeClr>
+                </a:solidFill>
+              </a:rPr>
+              <a:t>addDevListTime = null</a:t>
+            </a:r>
+          </a:p>
+          <a:p>
+            <a:r>
+              <a:rPr lang="de-DE" sz="800">
+                <a:solidFill>
+                  <a:schemeClr val="tx1">
+                    <a:lumMod val="75000"/>
+                    <a:lumOff val="25000"/>
+                  </a:schemeClr>
+                </a:solidFill>
+              </a:rPr>
+              <a:t>lastCompleteTime = null</a:t>
+            </a:r>
+          </a:p>
+          <a:p>
+            <a:r>
+              <a:rPr lang="de-DE" sz="800">
+                <a:solidFill>
+                  <a:schemeClr val="tx1">
+                    <a:lumMod val="75000"/>
+                    <a:lumOff val="25000"/>
+                  </a:schemeClr>
+                </a:solidFill>
+              </a:rPr>
+              <a:t>lastNotifUpdateTime = null</a:t>
+            </a:r>
+          </a:p>
+          <a:p>
+            <a:r>
+              <a:rPr lang="de-DE" sz="800">
+                <a:solidFill>
+                  <a:schemeClr val="tx1">
+                    <a:lumMod val="75000"/>
+                    <a:lumOff val="25000"/>
+                  </a:schemeClr>
+                </a:solidFill>
+              </a:rPr>
+              <a:t>updateCt = 0</a:t>
+            </a:r>
+          </a:p>
+          <a:p>
+            <a:r>
+              <a:rPr lang="de-DE" sz="800">
+                <a:solidFill>
+                  <a:schemeClr val="tx1">
+                    <a:lumMod val="75000"/>
+                    <a:lumOff val="25000"/>
+                  </a:schemeClr>
+                </a:solidFill>
+              </a:rPr>
+              <a:t>schemaDir = null </a:t>
+            </a:r>
+          </a:p>
+        </p:txBody>
+      </p:sp>
+      <p:sp>
+        <p:nvSpPr>
+          <p:cNvPr id="10" name="Textfeld 9">
+            <a:extLst>
+              <a:ext uri="{FF2B5EF4-FFF2-40B4-BE49-F238E27FC236}">
+                <a16:creationId xmlns:a16="http://schemas.microsoft.com/office/drawing/2014/main" id="{6E510005-0E35-B290-977C-27861FF72024}"/>
+              </a:ext>
+            </a:extLst>
+          </p:cNvPr>
+          <p:cNvSpPr txBox="1"/>
+          <p:nvPr/>
+        </p:nvSpPr>
+        <p:spPr>
+          <a:xfrm>
+            <a:off x="6300664" y="6059898"/>
+            <a:ext cx="3001339" cy="1177245"/>
+          </a:xfrm>
+          <a:prstGeom prst="rect">
+            <a:avLst/>
+          </a:prstGeom>
+          <a:noFill/>
+        </p:spPr>
+        <p:txBody>
+          <a:bodyPr wrap="square" rtlCol="0">
+            <a:spAutoFit/>
+          </a:bodyPr>
+          <a:lstStyle/>
+          <a:p>
+            <a:pPr marL="171450" indent="-171450">
+              <a:buFont typeface="Wingdings" panose="05000000000000000000" pitchFamily="2" charset="2"/>
+              <a:buChar char="Ø"/>
+            </a:pPr>
+            <a:r>
+              <a:rPr lang="de-DE" sz="1050" b="1">
+                <a:solidFill>
+                  <a:schemeClr val="accent5">
+                    <a:lumMod val="75000"/>
+                  </a:schemeClr>
+                </a:solidFill>
+              </a:rPr>
+              <a:t>yes</a:t>
+            </a:r>
+            <a:r>
+              <a:rPr lang="de-DE" sz="1050">
+                <a:solidFill>
+                  <a:schemeClr val="accent5">
+                    <a:lumMod val="75000"/>
+                  </a:schemeClr>
+                </a:solidFill>
+              </a:rPr>
+              <a:t>: </a:t>
+            </a:r>
+            <a:r>
+              <a:rPr lang="de-DE" sz="1050" u="sng">
+                <a:solidFill>
+                  <a:schemeClr val="accent5">
+                    <a:lumMod val="75000"/>
+                  </a:schemeClr>
+                </a:solidFill>
+              </a:rPr>
+              <a:t>update</a:t>
+            </a:r>
+            <a:r>
+              <a:rPr lang="de-DE" sz="1050">
+                <a:solidFill>
+                  <a:schemeClr val="accent5">
+                    <a:lumMod val="75000"/>
+                  </a:schemeClr>
+                </a:solidFill>
+              </a:rPr>
+              <a:t> the record in the table</a:t>
+            </a:r>
+          </a:p>
+          <a:p>
+            <a:pPr marL="358775" lvl="1" indent="-171450">
+              <a:buFont typeface="Arial" panose="020B0604020202020204" pitchFamily="34" charset="0"/>
+              <a:buChar char="•"/>
+            </a:pPr>
+            <a:r>
+              <a:rPr lang="de-DE" sz="1000">
+                <a:solidFill>
+                  <a:schemeClr val="accent5">
+                    <a:lumMod val="75000"/>
+                  </a:schemeClr>
+                </a:solidFill>
+              </a:rPr>
+              <a:t>If new status = connected:</a:t>
+            </a:r>
+          </a:p>
+          <a:p>
+            <a:pPr marL="358775" lvl="1" indent="-171450">
+              <a:buFont typeface="Arial" panose="020B0604020202020204" pitchFamily="34" charset="0"/>
+              <a:buChar char="•"/>
+            </a:pPr>
+            <a:endParaRPr lang="de-DE" sz="1000">
+              <a:solidFill>
+                <a:schemeClr val="accent5">
+                  <a:lumMod val="75000"/>
+                </a:schemeClr>
+              </a:solidFill>
+            </a:endParaRPr>
+          </a:p>
+          <a:p>
+            <a:pPr marL="358775" lvl="1" indent="-171450">
+              <a:buFont typeface="Arial" panose="020B0604020202020204" pitchFamily="34" charset="0"/>
+              <a:buChar char="•"/>
+            </a:pPr>
+            <a:endParaRPr lang="de-DE" sz="1000">
+              <a:solidFill>
+                <a:schemeClr val="accent5">
+                  <a:lumMod val="75000"/>
+                </a:schemeClr>
+              </a:solidFill>
+            </a:endParaRPr>
+          </a:p>
+          <a:p>
+            <a:pPr marL="187325" lvl="1"/>
+            <a:endParaRPr lang="de-DE" sz="1000" u="sng">
+              <a:solidFill>
+                <a:schemeClr val="accent5">
+                  <a:lumMod val="75000"/>
+                </a:schemeClr>
+              </a:solidFill>
+            </a:endParaRPr>
+          </a:p>
+          <a:p>
+            <a:pPr marL="358775" lvl="1" indent="-171450">
+              <a:buFont typeface="Arial" panose="020B0604020202020204" pitchFamily="34" charset="0"/>
+              <a:buChar char="•"/>
+            </a:pPr>
+            <a:endParaRPr lang="de-DE" sz="1000" u="sng">
+              <a:solidFill>
+                <a:schemeClr val="accent5">
+                  <a:lumMod val="75000"/>
+                </a:schemeClr>
+              </a:solidFill>
+            </a:endParaRPr>
+          </a:p>
+          <a:p>
+            <a:pPr marL="358775" lvl="1" indent="-171450">
+              <a:buFont typeface="Arial" panose="020B0604020202020204" pitchFamily="34" charset="0"/>
+              <a:buChar char="•"/>
+            </a:pPr>
+            <a:r>
+              <a:rPr lang="de-DE" sz="1000">
+                <a:solidFill>
+                  <a:schemeClr val="accent5">
+                    <a:lumMod val="75000"/>
+                  </a:schemeClr>
+                </a:solidFill>
+              </a:rPr>
+              <a:t>If new status != connected:</a:t>
+            </a:r>
+          </a:p>
+        </p:txBody>
+      </p:sp>
+      <p:sp>
+        <p:nvSpPr>
+          <p:cNvPr id="14" name="Textfeld 13">
+            <a:extLst>
+              <a:ext uri="{FF2B5EF4-FFF2-40B4-BE49-F238E27FC236}">
+                <a16:creationId xmlns:a16="http://schemas.microsoft.com/office/drawing/2014/main" id="{FD18B820-B14A-5917-E67F-AA0CB72C0A9B}"/>
+              </a:ext>
+            </a:extLst>
+          </p:cNvPr>
+          <p:cNvSpPr txBox="1"/>
+          <p:nvPr/>
+        </p:nvSpPr>
+        <p:spPr>
+          <a:xfrm>
+            <a:off x="10230598" y="2877749"/>
+            <a:ext cx="2992958" cy="1077218"/>
+          </a:xfrm>
+          <a:prstGeom prst="rect">
+            <a:avLst/>
+          </a:prstGeom>
+          <a:noFill/>
+          <a:ln>
+            <a:solidFill>
+              <a:schemeClr val="bg1">
+                <a:lumMod val="50000"/>
+              </a:schemeClr>
+            </a:solidFill>
+          </a:ln>
+        </p:spPr>
+        <p:txBody>
+          <a:bodyPr wrap="square" rtlCol="0">
+            <a:spAutoFit/>
+          </a:bodyPr>
+          <a:lstStyle/>
+          <a:p>
+            <a:r>
+              <a:rPr lang="de-DE" sz="800">
+                <a:solidFill>
+                  <a:schemeClr val="tx1">
+                    <a:lumMod val="75000"/>
+                    <a:lumOff val="25000"/>
+                  </a:schemeClr>
+                </a:solidFill>
+              </a:rPr>
+              <a:t>connStat = status from controller</a:t>
+            </a:r>
+          </a:p>
+          <a:p>
+            <a:r>
+              <a:rPr lang="de-DE" sz="800">
+                <a:solidFill>
+                  <a:schemeClr val="tx1">
+                    <a:lumMod val="75000"/>
+                    <a:lumOff val="25000"/>
+                  </a:schemeClr>
+                </a:solidFill>
+              </a:rPr>
+              <a:t>dcTime = null</a:t>
+            </a:r>
+          </a:p>
+          <a:p>
+            <a:r>
+              <a:rPr lang="de-DE" sz="800">
+                <a:solidFill>
+                  <a:schemeClr val="tx1">
+                    <a:lumMod val="75000"/>
+                    <a:lumOff val="25000"/>
+                  </a:schemeClr>
+                </a:solidFill>
+              </a:rPr>
+              <a:t>addDevListTime = null</a:t>
+            </a:r>
+          </a:p>
+          <a:p>
+            <a:r>
+              <a:rPr lang="de-DE" sz="800">
+                <a:solidFill>
+                  <a:schemeClr val="tx1">
+                    <a:lumMod val="75000"/>
+                    <a:lumOff val="25000"/>
+                  </a:schemeClr>
+                </a:solidFill>
+              </a:rPr>
+              <a:t>lastCompleteTime = null</a:t>
+            </a:r>
+          </a:p>
+          <a:p>
+            <a:r>
+              <a:rPr lang="de-DE" sz="800">
+                <a:solidFill>
+                  <a:schemeClr val="tx1">
+                    <a:lumMod val="75000"/>
+                    <a:lumOff val="25000"/>
+                  </a:schemeClr>
+                </a:solidFill>
+              </a:rPr>
+              <a:t>lastNotifUpdateTime = null</a:t>
+            </a:r>
+          </a:p>
+          <a:p>
+            <a:r>
+              <a:rPr lang="de-DE" sz="800">
+                <a:solidFill>
+                  <a:schemeClr val="tx1">
+                    <a:lumMod val="75000"/>
+                    <a:lumOff val="25000"/>
+                  </a:schemeClr>
+                </a:solidFill>
+              </a:rPr>
+              <a:t>updateCt = 0</a:t>
+            </a:r>
+          </a:p>
+          <a:p>
+            <a:r>
+              <a:rPr lang="de-DE" sz="800">
+                <a:solidFill>
+                  <a:schemeClr val="tx1">
+                    <a:lumMod val="75000"/>
+                    <a:lumOff val="25000"/>
+                  </a:schemeClr>
+                </a:solidFill>
+              </a:rPr>
+              <a:t>schemaDir = schema-cache-directory from controller info</a:t>
+            </a:r>
+          </a:p>
+          <a:p>
+            <a:r>
+              <a:rPr lang="de-DE" sz="800">
+                <a:solidFill>
+                  <a:schemeClr val="tx1">
+                    <a:lumMod val="75000"/>
+                    <a:lumOff val="25000"/>
+                  </a:schemeClr>
+                </a:solidFill>
+              </a:rPr>
+              <a:t>deviceType = mapped from CC data</a:t>
+            </a:r>
+          </a:p>
+        </p:txBody>
+      </p:sp>
+      <p:sp>
+        <p:nvSpPr>
+          <p:cNvPr id="17" name="Textfeld 16">
+            <a:extLst>
+              <a:ext uri="{FF2B5EF4-FFF2-40B4-BE49-F238E27FC236}">
+                <a16:creationId xmlns:a16="http://schemas.microsoft.com/office/drawing/2014/main" id="{8E82E923-350D-B352-4937-8BEA2940067A}"/>
+              </a:ext>
+            </a:extLst>
+          </p:cNvPr>
+          <p:cNvSpPr txBox="1"/>
+          <p:nvPr/>
+        </p:nvSpPr>
+        <p:spPr>
+          <a:xfrm>
+            <a:off x="7295671" y="4982680"/>
+            <a:ext cx="1846980" cy="954107"/>
+          </a:xfrm>
+          <a:prstGeom prst="rect">
+            <a:avLst/>
+          </a:prstGeom>
+          <a:noFill/>
+          <a:ln>
+            <a:solidFill>
+              <a:schemeClr val="bg1">
+                <a:lumMod val="50000"/>
+              </a:schemeClr>
+            </a:solidFill>
+          </a:ln>
+        </p:spPr>
+        <p:txBody>
+          <a:bodyPr wrap="none" rtlCol="0">
+            <a:spAutoFit/>
+          </a:bodyPr>
+          <a:lstStyle/>
+          <a:p>
+            <a:r>
+              <a:rPr lang="de-DE" sz="800">
+                <a:solidFill>
+                  <a:schemeClr val="tx1">
+                    <a:lumMod val="75000"/>
+                    <a:lumOff val="25000"/>
+                  </a:schemeClr>
+                </a:solidFill>
+              </a:rPr>
+              <a:t>connStat = status from controller</a:t>
+            </a:r>
+          </a:p>
+          <a:p>
+            <a:r>
+              <a:rPr lang="de-DE" sz="800">
+                <a:solidFill>
+                  <a:schemeClr val="tx1">
+                    <a:lumMod val="75000"/>
+                    <a:lumOff val="25000"/>
+                  </a:schemeClr>
+                </a:solidFill>
+              </a:rPr>
+              <a:t>dcTime = timestamp from notification</a:t>
+            </a:r>
+          </a:p>
+          <a:p>
+            <a:r>
+              <a:rPr lang="de-DE" sz="800">
+                <a:solidFill>
+                  <a:schemeClr val="tx1">
+                    <a:lumMod val="75000"/>
+                    <a:lumOff val="25000"/>
+                  </a:schemeClr>
+                </a:solidFill>
+              </a:rPr>
+              <a:t>addDevListTime = null</a:t>
+            </a:r>
+          </a:p>
+          <a:p>
+            <a:r>
+              <a:rPr lang="de-DE" sz="800">
+                <a:solidFill>
+                  <a:schemeClr val="tx1">
+                    <a:lumMod val="75000"/>
+                    <a:lumOff val="25000"/>
+                  </a:schemeClr>
+                </a:solidFill>
+              </a:rPr>
+              <a:t>lastCompleteTime = null</a:t>
+            </a:r>
+          </a:p>
+          <a:p>
+            <a:r>
+              <a:rPr lang="de-DE" sz="800">
+                <a:solidFill>
+                  <a:schemeClr val="tx1">
+                    <a:lumMod val="75000"/>
+                    <a:lumOff val="25000"/>
+                  </a:schemeClr>
+                </a:solidFill>
+              </a:rPr>
+              <a:t>lastNotifUpdateTime = null</a:t>
+            </a:r>
+          </a:p>
+          <a:p>
+            <a:r>
+              <a:rPr lang="de-DE" sz="800">
+                <a:solidFill>
+                  <a:schemeClr val="tx1">
+                    <a:lumMod val="75000"/>
+                    <a:lumOff val="25000"/>
+                  </a:schemeClr>
+                </a:solidFill>
+              </a:rPr>
+              <a:t>updateCt = 0</a:t>
+            </a:r>
+          </a:p>
+          <a:p>
+            <a:r>
+              <a:rPr lang="de-DE" sz="800">
+                <a:solidFill>
+                  <a:schemeClr val="tx1">
+                    <a:lumMod val="75000"/>
+                    <a:lumOff val="25000"/>
+                  </a:schemeClr>
+                </a:solidFill>
+              </a:rPr>
+              <a:t>schemaDir = null </a:t>
+            </a:r>
+          </a:p>
+        </p:txBody>
+      </p:sp>
+      <p:sp>
+        <p:nvSpPr>
+          <p:cNvPr id="22" name="Textfeld 21">
+            <a:extLst>
+              <a:ext uri="{FF2B5EF4-FFF2-40B4-BE49-F238E27FC236}">
+                <a16:creationId xmlns:a16="http://schemas.microsoft.com/office/drawing/2014/main" id="{EA517859-89EE-F855-CDA8-2CCDEDFED70C}"/>
+              </a:ext>
+            </a:extLst>
+          </p:cNvPr>
+          <p:cNvSpPr txBox="1"/>
+          <p:nvPr/>
+        </p:nvSpPr>
+        <p:spPr>
+          <a:xfrm>
+            <a:off x="7308177" y="6486045"/>
+            <a:ext cx="1160895" cy="461665"/>
+          </a:xfrm>
+          <a:prstGeom prst="rect">
+            <a:avLst/>
+          </a:prstGeom>
+          <a:noFill/>
+          <a:ln>
+            <a:solidFill>
+              <a:schemeClr val="bg1">
+                <a:lumMod val="50000"/>
+              </a:schemeClr>
+            </a:solidFill>
+          </a:ln>
+        </p:spPr>
+        <p:txBody>
+          <a:bodyPr wrap="none" rtlCol="0">
+            <a:spAutoFit/>
+          </a:bodyPr>
+          <a:lstStyle/>
+          <a:p>
+            <a:r>
+              <a:rPr lang="de-DE" sz="800" u="sng">
+                <a:solidFill>
+                  <a:schemeClr val="tx1">
+                    <a:lumMod val="75000"/>
+                    <a:lumOff val="25000"/>
+                  </a:schemeClr>
+                </a:solidFill>
+              </a:rPr>
+              <a:t>Update properties</a:t>
+            </a:r>
+            <a:r>
+              <a:rPr lang="de-DE" sz="800">
+                <a:solidFill>
+                  <a:schemeClr val="tx1">
+                    <a:lumMod val="75000"/>
+                    <a:lumOff val="25000"/>
+                  </a:schemeClr>
+                </a:solidFill>
+              </a:rPr>
+              <a:t>:</a:t>
+            </a:r>
+          </a:p>
+          <a:p>
+            <a:r>
+              <a:rPr lang="de-DE" sz="800">
+                <a:solidFill>
+                  <a:schemeClr val="tx1">
+                    <a:lumMod val="75000"/>
+                    <a:lumOff val="25000"/>
+                  </a:schemeClr>
+                </a:solidFill>
+              </a:rPr>
+              <a:t>connStat = connected</a:t>
+            </a:r>
+          </a:p>
+          <a:p>
+            <a:r>
+              <a:rPr lang="de-DE" sz="800">
+                <a:solidFill>
+                  <a:schemeClr val="tx1">
+                    <a:lumMod val="75000"/>
+                    <a:lumOff val="25000"/>
+                  </a:schemeClr>
+                </a:solidFill>
+              </a:rPr>
+              <a:t>dcTime = null</a:t>
+            </a:r>
+          </a:p>
+        </p:txBody>
+      </p:sp>
+      <p:sp>
+        <p:nvSpPr>
+          <p:cNvPr id="23" name="Textfeld 22">
+            <a:extLst>
+              <a:ext uri="{FF2B5EF4-FFF2-40B4-BE49-F238E27FC236}">
+                <a16:creationId xmlns:a16="http://schemas.microsoft.com/office/drawing/2014/main" id="{173BE658-32E1-BA7E-C685-B3319942F7E4}"/>
+              </a:ext>
+            </a:extLst>
+          </p:cNvPr>
+          <p:cNvSpPr txBox="1"/>
+          <p:nvPr/>
+        </p:nvSpPr>
+        <p:spPr>
+          <a:xfrm>
+            <a:off x="7308177" y="7269063"/>
+            <a:ext cx="1846980" cy="954107"/>
+          </a:xfrm>
+          <a:prstGeom prst="rect">
+            <a:avLst/>
+          </a:prstGeom>
+          <a:noFill/>
+          <a:ln>
+            <a:solidFill>
+              <a:schemeClr val="bg1">
+                <a:lumMod val="50000"/>
+              </a:schemeClr>
+            </a:solidFill>
+          </a:ln>
+        </p:spPr>
+        <p:txBody>
+          <a:bodyPr wrap="none" rtlCol="0">
+            <a:spAutoFit/>
+          </a:bodyPr>
+          <a:lstStyle/>
+          <a:p>
+            <a:r>
+              <a:rPr lang="de-DE" sz="800" u="sng">
+                <a:solidFill>
+                  <a:schemeClr val="tx1">
+                    <a:lumMod val="75000"/>
+                    <a:lumOff val="25000"/>
+                  </a:schemeClr>
+                </a:solidFill>
+              </a:rPr>
+              <a:t>Update properties</a:t>
+            </a:r>
+            <a:r>
+              <a:rPr lang="de-DE" sz="800">
+                <a:solidFill>
+                  <a:schemeClr val="tx1">
+                    <a:lumMod val="75000"/>
+                    <a:lumOff val="25000"/>
+                  </a:schemeClr>
+                </a:solidFill>
+              </a:rPr>
+              <a:t>:</a:t>
+            </a:r>
+          </a:p>
+          <a:p>
+            <a:r>
+              <a:rPr lang="de-DE" sz="800">
+                <a:solidFill>
+                  <a:schemeClr val="tx1">
+                    <a:lumMod val="75000"/>
+                    <a:lumOff val="25000"/>
+                  </a:schemeClr>
+                </a:solidFill>
+              </a:rPr>
+              <a:t>connStat = status from controller</a:t>
+            </a:r>
+          </a:p>
+          <a:p>
+            <a:r>
+              <a:rPr lang="de-DE" sz="800">
+                <a:solidFill>
+                  <a:schemeClr val="tx1">
+                    <a:lumMod val="75000"/>
+                    <a:lumOff val="25000"/>
+                  </a:schemeClr>
+                </a:solidFill>
+              </a:rPr>
+              <a:t>dcTime = timestamp from notification</a:t>
+            </a:r>
+          </a:p>
+          <a:p>
+            <a:r>
+              <a:rPr lang="de-DE" sz="800">
+                <a:solidFill>
+                  <a:schemeClr val="tx1">
+                    <a:lumMod val="75000"/>
+                    <a:lumOff val="25000"/>
+                  </a:schemeClr>
+                </a:solidFill>
+              </a:rPr>
+              <a:t>addDevListTime = null</a:t>
+            </a:r>
+          </a:p>
+          <a:p>
+            <a:r>
+              <a:rPr lang="de-DE" sz="800">
+                <a:solidFill>
+                  <a:schemeClr val="tx1">
+                    <a:lumMod val="75000"/>
+                    <a:lumOff val="25000"/>
+                  </a:schemeClr>
+                </a:solidFill>
+              </a:rPr>
+              <a:t>lastCompleteTime = null</a:t>
+            </a:r>
+          </a:p>
+          <a:p>
+            <a:r>
+              <a:rPr lang="de-DE" sz="800">
+                <a:solidFill>
+                  <a:schemeClr val="tx1">
+                    <a:lumMod val="75000"/>
+                    <a:lumOff val="25000"/>
+                  </a:schemeClr>
+                </a:solidFill>
+              </a:rPr>
+              <a:t>lastNotifUpdateTime = null</a:t>
+            </a:r>
+          </a:p>
+          <a:p>
+            <a:r>
+              <a:rPr lang="de-DE" sz="800">
+                <a:solidFill>
+                  <a:schemeClr val="tx1">
+                    <a:lumMod val="75000"/>
+                    <a:lumOff val="25000"/>
+                  </a:schemeClr>
+                </a:solidFill>
+              </a:rPr>
+              <a:t>updateCt = 0</a:t>
+            </a:r>
+          </a:p>
+        </p:txBody>
+      </p:sp>
+      <p:sp>
+        <p:nvSpPr>
+          <p:cNvPr id="26" name="Textfeld 25">
+            <a:extLst>
+              <a:ext uri="{FF2B5EF4-FFF2-40B4-BE49-F238E27FC236}">
+                <a16:creationId xmlns:a16="http://schemas.microsoft.com/office/drawing/2014/main" id="{B003ED46-5195-39B6-0D7C-9727A827B544}"/>
+              </a:ext>
+            </a:extLst>
+          </p:cNvPr>
+          <p:cNvSpPr txBox="1"/>
+          <p:nvPr/>
+        </p:nvSpPr>
+        <p:spPr>
+          <a:xfrm>
+            <a:off x="10588034" y="4560709"/>
+            <a:ext cx="1160895" cy="461665"/>
+          </a:xfrm>
+          <a:prstGeom prst="rect">
+            <a:avLst/>
+          </a:prstGeom>
+          <a:noFill/>
+          <a:ln>
+            <a:solidFill>
+              <a:schemeClr val="bg1">
+                <a:lumMod val="50000"/>
+              </a:schemeClr>
+            </a:solidFill>
+          </a:ln>
+        </p:spPr>
+        <p:txBody>
+          <a:bodyPr wrap="none" rtlCol="0">
+            <a:spAutoFit/>
+          </a:bodyPr>
+          <a:lstStyle/>
+          <a:p>
+            <a:r>
+              <a:rPr lang="de-DE" sz="800" u="sng">
+                <a:solidFill>
+                  <a:schemeClr val="tx1">
+                    <a:lumMod val="75000"/>
+                    <a:lumOff val="25000"/>
+                  </a:schemeClr>
+                </a:solidFill>
+              </a:rPr>
+              <a:t>Update properties</a:t>
+            </a:r>
+          </a:p>
+          <a:p>
+            <a:r>
+              <a:rPr lang="de-DE" sz="800">
+                <a:solidFill>
+                  <a:schemeClr val="tx1">
+                    <a:lumMod val="75000"/>
+                    <a:lumOff val="25000"/>
+                  </a:schemeClr>
+                </a:solidFill>
+              </a:rPr>
+              <a:t>connStat = connected</a:t>
+            </a:r>
+          </a:p>
+          <a:p>
+            <a:r>
+              <a:rPr lang="de-DE" sz="800">
+                <a:solidFill>
+                  <a:schemeClr val="tx1">
+                    <a:lumMod val="75000"/>
+                    <a:lumOff val="25000"/>
+                  </a:schemeClr>
+                </a:solidFill>
+              </a:rPr>
+              <a:t>dcTime = null</a:t>
+            </a:r>
+          </a:p>
+        </p:txBody>
+      </p:sp>
+      <p:sp>
+        <p:nvSpPr>
+          <p:cNvPr id="27" name="Textfeld 26">
+            <a:extLst>
+              <a:ext uri="{FF2B5EF4-FFF2-40B4-BE49-F238E27FC236}">
+                <a16:creationId xmlns:a16="http://schemas.microsoft.com/office/drawing/2014/main" id="{61785A8A-ADFD-FB0F-6F2F-8E7E29B809F0}"/>
+              </a:ext>
+            </a:extLst>
+          </p:cNvPr>
+          <p:cNvSpPr txBox="1"/>
+          <p:nvPr/>
+        </p:nvSpPr>
+        <p:spPr>
+          <a:xfrm>
+            <a:off x="10492381" y="5674561"/>
+            <a:ext cx="1645002" cy="954107"/>
+          </a:xfrm>
+          <a:prstGeom prst="rect">
+            <a:avLst/>
+          </a:prstGeom>
+          <a:noFill/>
+          <a:ln>
+            <a:solidFill>
+              <a:schemeClr val="bg1">
+                <a:lumMod val="50000"/>
+              </a:schemeClr>
+            </a:solidFill>
+          </a:ln>
+        </p:spPr>
+        <p:txBody>
+          <a:bodyPr wrap="none" rtlCol="0">
+            <a:spAutoFit/>
+          </a:bodyPr>
+          <a:lstStyle/>
+          <a:p>
+            <a:r>
+              <a:rPr lang="de-DE" sz="800" u="sng">
+                <a:solidFill>
+                  <a:schemeClr val="tx1">
+                    <a:lumMod val="75000"/>
+                    <a:lumOff val="25000"/>
+                  </a:schemeClr>
+                </a:solidFill>
+              </a:rPr>
+              <a:t>Update properties:</a:t>
+            </a:r>
+          </a:p>
+          <a:p>
+            <a:r>
+              <a:rPr lang="de-DE" sz="800">
+                <a:solidFill>
+                  <a:schemeClr val="tx1">
+                    <a:lumMod val="75000"/>
+                    <a:lumOff val="25000"/>
+                  </a:schemeClr>
+                </a:solidFill>
+              </a:rPr>
+              <a:t>connStat = status from controller</a:t>
+            </a:r>
+          </a:p>
+          <a:p>
+            <a:r>
+              <a:rPr lang="de-DE" sz="800">
+                <a:solidFill>
+                  <a:schemeClr val="tx1">
+                    <a:lumMod val="75000"/>
+                    <a:lumOff val="25000"/>
+                  </a:schemeClr>
+                </a:solidFill>
+              </a:rPr>
+              <a:t>dcTime = current timestamp *</a:t>
+            </a:r>
+          </a:p>
+          <a:p>
+            <a:r>
+              <a:rPr lang="de-DE" sz="800">
+                <a:solidFill>
+                  <a:schemeClr val="tx1">
+                    <a:lumMod val="75000"/>
+                    <a:lumOff val="25000"/>
+                  </a:schemeClr>
+                </a:solidFill>
+              </a:rPr>
+              <a:t>addDevListTime = null</a:t>
+            </a:r>
+          </a:p>
+          <a:p>
+            <a:r>
+              <a:rPr lang="de-DE" sz="800">
+                <a:solidFill>
+                  <a:schemeClr val="tx1">
+                    <a:lumMod val="75000"/>
+                    <a:lumOff val="25000"/>
+                  </a:schemeClr>
+                </a:solidFill>
+              </a:rPr>
+              <a:t>lastCompleteTime = null</a:t>
+            </a:r>
+          </a:p>
+          <a:p>
+            <a:r>
+              <a:rPr lang="de-DE" sz="800">
+                <a:solidFill>
+                  <a:schemeClr val="tx1">
+                    <a:lumMod val="75000"/>
+                    <a:lumOff val="25000"/>
+                  </a:schemeClr>
+                </a:solidFill>
+              </a:rPr>
+              <a:t>lastNotifUpdateTime = null</a:t>
+            </a:r>
+          </a:p>
+          <a:p>
+            <a:r>
+              <a:rPr lang="de-DE" sz="800">
+                <a:solidFill>
+                  <a:schemeClr val="tx1">
+                    <a:lumMod val="75000"/>
+                    <a:lumOff val="25000"/>
+                  </a:schemeClr>
+                </a:solidFill>
+              </a:rPr>
+              <a:t>updateCt = 0</a:t>
+            </a:r>
+          </a:p>
+        </p:txBody>
+      </p:sp>
+      <p:sp>
+        <p:nvSpPr>
+          <p:cNvPr id="29" name="Textfeld 28">
+            <a:extLst>
+              <a:ext uri="{FF2B5EF4-FFF2-40B4-BE49-F238E27FC236}">
+                <a16:creationId xmlns:a16="http://schemas.microsoft.com/office/drawing/2014/main" id="{79F71CFE-8D74-B9FE-8668-F97EAE5368F0}"/>
+              </a:ext>
+            </a:extLst>
+          </p:cNvPr>
+          <p:cNvSpPr txBox="1"/>
+          <p:nvPr/>
+        </p:nvSpPr>
+        <p:spPr>
+          <a:xfrm>
+            <a:off x="12228554" y="5674561"/>
+            <a:ext cx="1257935" cy="923330"/>
+          </a:xfrm>
+          <a:prstGeom prst="rect">
+            <a:avLst/>
+          </a:prstGeom>
+          <a:solidFill>
+            <a:schemeClr val="bg1"/>
+          </a:solidFill>
+        </p:spPr>
+        <p:txBody>
+          <a:bodyPr wrap="square" rtlCol="0">
+            <a:spAutoFit/>
+          </a:bodyPr>
+          <a:lstStyle/>
+          <a:p>
+            <a:r>
+              <a:rPr lang="de-DE" sz="900" i="1">
+                <a:solidFill>
+                  <a:schemeClr val="bg1">
+                    <a:lumMod val="50000"/>
+                  </a:schemeClr>
+                </a:solidFill>
+              </a:rPr>
+              <a:t>(*) Actual disconnection time is not known, but is set to current timestamp for retention management</a:t>
+            </a:r>
+          </a:p>
+        </p:txBody>
+      </p:sp>
+      <p:sp>
+        <p:nvSpPr>
+          <p:cNvPr id="30" name="Textfeld 29">
+            <a:extLst>
+              <a:ext uri="{FF2B5EF4-FFF2-40B4-BE49-F238E27FC236}">
+                <a16:creationId xmlns:a16="http://schemas.microsoft.com/office/drawing/2014/main" id="{7DB679D7-E52A-6259-89C9-9B8CA95A7943}"/>
+              </a:ext>
+            </a:extLst>
+          </p:cNvPr>
+          <p:cNvSpPr txBox="1"/>
+          <p:nvPr/>
+        </p:nvSpPr>
+        <p:spPr>
+          <a:xfrm>
+            <a:off x="10666460" y="7341571"/>
+            <a:ext cx="1645002" cy="954107"/>
+          </a:xfrm>
+          <a:prstGeom prst="rect">
+            <a:avLst/>
+          </a:prstGeom>
+          <a:noFill/>
+          <a:ln>
+            <a:solidFill>
+              <a:schemeClr val="bg1">
+                <a:lumMod val="50000"/>
+              </a:schemeClr>
+            </a:solidFill>
+          </a:ln>
+        </p:spPr>
+        <p:txBody>
+          <a:bodyPr wrap="none" rtlCol="0">
+            <a:spAutoFit/>
+          </a:bodyPr>
+          <a:lstStyle/>
+          <a:p>
+            <a:r>
+              <a:rPr lang="de-DE" sz="800" u="sng">
+                <a:solidFill>
+                  <a:schemeClr val="tx1">
+                    <a:lumMod val="75000"/>
+                    <a:lumOff val="25000"/>
+                  </a:schemeClr>
+                </a:solidFill>
+              </a:rPr>
+              <a:t>Update properties:</a:t>
+            </a:r>
+          </a:p>
+          <a:p>
+            <a:r>
+              <a:rPr lang="de-DE" sz="800">
+                <a:solidFill>
+                  <a:schemeClr val="tx1">
+                    <a:lumMod val="75000"/>
+                    <a:lumOff val="25000"/>
+                  </a:schemeClr>
+                </a:solidFill>
+              </a:rPr>
+              <a:t>connStat = status from controller</a:t>
+            </a:r>
+          </a:p>
+          <a:p>
+            <a:r>
+              <a:rPr lang="de-DE" sz="800">
+                <a:solidFill>
+                  <a:schemeClr val="tx1">
+                    <a:lumMod val="75000"/>
+                    <a:lumOff val="25000"/>
+                  </a:schemeClr>
+                </a:solidFill>
+              </a:rPr>
+              <a:t>dcTime = current timestamp *</a:t>
+            </a:r>
+          </a:p>
+          <a:p>
+            <a:r>
+              <a:rPr lang="de-DE" sz="800">
+                <a:solidFill>
+                  <a:schemeClr val="tx1">
+                    <a:lumMod val="75000"/>
+                    <a:lumOff val="25000"/>
+                  </a:schemeClr>
+                </a:solidFill>
+              </a:rPr>
+              <a:t>addDevListTime = null</a:t>
+            </a:r>
+          </a:p>
+          <a:p>
+            <a:r>
+              <a:rPr lang="de-DE" sz="800">
+                <a:solidFill>
+                  <a:schemeClr val="tx1">
+                    <a:lumMod val="75000"/>
+                    <a:lumOff val="25000"/>
+                  </a:schemeClr>
+                </a:solidFill>
+              </a:rPr>
+              <a:t>lastCompleteTime = null</a:t>
+            </a:r>
+          </a:p>
+          <a:p>
+            <a:r>
+              <a:rPr lang="de-DE" sz="800">
+                <a:solidFill>
+                  <a:schemeClr val="tx1">
+                    <a:lumMod val="75000"/>
+                    <a:lumOff val="25000"/>
+                  </a:schemeClr>
+                </a:solidFill>
+              </a:rPr>
+              <a:t>lastNotifUpdateTime = null</a:t>
+            </a:r>
+          </a:p>
+          <a:p>
+            <a:r>
+              <a:rPr lang="de-DE" sz="800">
+                <a:solidFill>
+                  <a:schemeClr val="tx1">
+                    <a:lumMod val="75000"/>
+                    <a:lumOff val="25000"/>
+                  </a:schemeClr>
+                </a:solidFill>
+              </a:rPr>
+              <a:t>updateCt = 0</a:t>
+            </a:r>
+          </a:p>
+        </p:txBody>
+      </p:sp>
+      <p:sp>
+        <p:nvSpPr>
+          <p:cNvPr id="40" name="Textfeld 39">
+            <a:extLst>
+              <a:ext uri="{FF2B5EF4-FFF2-40B4-BE49-F238E27FC236}">
+                <a16:creationId xmlns:a16="http://schemas.microsoft.com/office/drawing/2014/main" id="{09FCC31B-6779-19FC-A86E-331BDE089D11}"/>
+              </a:ext>
+            </a:extLst>
+          </p:cNvPr>
+          <p:cNvSpPr txBox="1"/>
+          <p:nvPr/>
+        </p:nvSpPr>
+        <p:spPr>
+          <a:xfrm>
+            <a:off x="6258178" y="2535359"/>
+            <a:ext cx="2883124" cy="430887"/>
+          </a:xfrm>
+          <a:prstGeom prst="rect">
+            <a:avLst/>
+          </a:prstGeom>
+          <a:noFill/>
+          <a:ln>
+            <a:solidFill>
+              <a:srgbClr val="C00000"/>
+            </a:solidFill>
+          </a:ln>
+        </p:spPr>
+        <p:txBody>
+          <a:bodyPr wrap="square" rtlCol="0">
+            <a:spAutoFit/>
+          </a:bodyPr>
+          <a:lstStyle/>
+          <a:p>
+            <a:r>
+              <a:rPr lang="de-DE" sz="1100" i="1">
+                <a:solidFill>
+                  <a:srgbClr val="C00000"/>
+                </a:solidFill>
+              </a:rPr>
+              <a:t>Metadata table updates due to controller attribute value change notifications</a:t>
+            </a:r>
+          </a:p>
+        </p:txBody>
+      </p:sp>
+      <p:sp>
+        <p:nvSpPr>
+          <p:cNvPr id="44" name="Textfeld 43">
+            <a:extLst>
+              <a:ext uri="{FF2B5EF4-FFF2-40B4-BE49-F238E27FC236}">
+                <a16:creationId xmlns:a16="http://schemas.microsoft.com/office/drawing/2014/main" id="{8379C4E6-619E-7FD2-167B-E0AFF1A4509A}"/>
+              </a:ext>
+            </a:extLst>
+          </p:cNvPr>
+          <p:cNvSpPr txBox="1"/>
+          <p:nvPr/>
+        </p:nvSpPr>
+        <p:spPr>
+          <a:xfrm>
+            <a:off x="3547732" y="3241981"/>
+            <a:ext cx="2192237" cy="430887"/>
+          </a:xfrm>
+          <a:prstGeom prst="rect">
+            <a:avLst/>
+          </a:prstGeom>
+          <a:noFill/>
+          <a:ln>
+            <a:solidFill>
+              <a:srgbClr val="C00000"/>
+            </a:solidFill>
+          </a:ln>
+        </p:spPr>
+        <p:txBody>
+          <a:bodyPr wrap="square" rtlCol="0">
+            <a:spAutoFit/>
+          </a:bodyPr>
+          <a:lstStyle/>
+          <a:p>
+            <a:r>
+              <a:rPr lang="de-DE" sz="1100" i="1">
+                <a:solidFill>
+                  <a:srgbClr val="C00000"/>
+                </a:solidFill>
+              </a:rPr>
+              <a:t>Metadata table updates due to CC updates</a:t>
+            </a:r>
+          </a:p>
+        </p:txBody>
+      </p:sp>
+      <p:sp>
+        <p:nvSpPr>
+          <p:cNvPr id="45" name="Textfeld 44">
+            <a:extLst>
+              <a:ext uri="{FF2B5EF4-FFF2-40B4-BE49-F238E27FC236}">
+                <a16:creationId xmlns:a16="http://schemas.microsoft.com/office/drawing/2014/main" id="{D1F9B6A9-CA0F-6E25-C211-E9F078B79D87}"/>
+              </a:ext>
+            </a:extLst>
+          </p:cNvPr>
+          <p:cNvSpPr txBox="1"/>
+          <p:nvPr/>
+        </p:nvSpPr>
+        <p:spPr>
+          <a:xfrm>
+            <a:off x="3957342" y="4314300"/>
+            <a:ext cx="1649811" cy="461665"/>
+          </a:xfrm>
+          <a:prstGeom prst="rect">
+            <a:avLst/>
+          </a:prstGeom>
+          <a:noFill/>
+          <a:ln>
+            <a:solidFill>
+              <a:schemeClr val="bg1">
+                <a:lumMod val="50000"/>
+              </a:schemeClr>
+            </a:solidFill>
+          </a:ln>
+        </p:spPr>
+        <p:txBody>
+          <a:bodyPr wrap="none" rtlCol="0">
+            <a:spAutoFit/>
+          </a:bodyPr>
+          <a:lstStyle/>
+          <a:p>
+            <a:r>
+              <a:rPr lang="de-DE" sz="800" u="sng">
+                <a:solidFill>
+                  <a:schemeClr val="tx1">
+                    <a:lumMod val="75000"/>
+                    <a:lumOff val="25000"/>
+                  </a:schemeClr>
+                </a:solidFill>
+              </a:rPr>
+              <a:t>Update properties:</a:t>
+            </a:r>
+          </a:p>
+          <a:p>
+            <a:r>
+              <a:rPr lang="de-DE" sz="800">
+                <a:solidFill>
+                  <a:schemeClr val="tx1">
+                    <a:lumMod val="75000"/>
+                    <a:lumOff val="25000"/>
+                  </a:schemeClr>
+                </a:solidFill>
+              </a:rPr>
+              <a:t>lastCompleteTime = current time</a:t>
+            </a:r>
+          </a:p>
+          <a:p>
+            <a:r>
+              <a:rPr lang="de-DE" sz="800">
+                <a:solidFill>
+                  <a:schemeClr val="tx1">
+                    <a:lumMod val="75000"/>
+                    <a:lumOff val="25000"/>
+                  </a:schemeClr>
+                </a:solidFill>
+              </a:rPr>
+              <a:t>updateCt = 0</a:t>
+            </a:r>
+          </a:p>
+        </p:txBody>
+      </p:sp>
+      <p:sp>
+        <p:nvSpPr>
+          <p:cNvPr id="46" name="Textfeld 45">
+            <a:extLst>
+              <a:ext uri="{FF2B5EF4-FFF2-40B4-BE49-F238E27FC236}">
+                <a16:creationId xmlns:a16="http://schemas.microsoft.com/office/drawing/2014/main" id="{CABD0686-4E0B-E4CF-038C-5D139CAC034D}"/>
+              </a:ext>
+            </a:extLst>
+          </p:cNvPr>
+          <p:cNvSpPr txBox="1"/>
+          <p:nvPr/>
+        </p:nvSpPr>
+        <p:spPr>
+          <a:xfrm>
+            <a:off x="3888115" y="5272465"/>
+            <a:ext cx="1752403" cy="461665"/>
+          </a:xfrm>
+          <a:prstGeom prst="rect">
+            <a:avLst/>
+          </a:prstGeom>
+          <a:noFill/>
+          <a:ln>
+            <a:solidFill>
+              <a:schemeClr val="bg1">
+                <a:lumMod val="50000"/>
+              </a:schemeClr>
+            </a:solidFill>
+          </a:ln>
+        </p:spPr>
+        <p:txBody>
+          <a:bodyPr wrap="none" rtlCol="0">
+            <a:spAutoFit/>
+          </a:bodyPr>
+          <a:lstStyle/>
+          <a:p>
+            <a:r>
+              <a:rPr lang="de-DE" sz="800" u="sng">
+                <a:solidFill>
+                  <a:schemeClr val="tx1">
+                    <a:lumMod val="75000"/>
+                    <a:lumOff val="25000"/>
+                  </a:schemeClr>
+                </a:solidFill>
+              </a:rPr>
+              <a:t>Update properties:</a:t>
+            </a:r>
+          </a:p>
+          <a:p>
+            <a:r>
+              <a:rPr lang="de-DE" sz="800">
+                <a:solidFill>
+                  <a:schemeClr val="tx1">
+                    <a:lumMod val="75000"/>
+                    <a:lumOff val="25000"/>
+                  </a:schemeClr>
+                </a:solidFill>
+              </a:rPr>
+              <a:t>lastNotifUpdateTime = current time</a:t>
+            </a:r>
+          </a:p>
+          <a:p>
+            <a:r>
+              <a:rPr lang="de-DE" sz="800">
+                <a:solidFill>
+                  <a:schemeClr val="tx1">
+                    <a:lumMod val="75000"/>
+                    <a:lumOff val="25000"/>
+                  </a:schemeClr>
+                </a:solidFill>
+              </a:rPr>
+              <a:t>updateCt = updateCt + 1</a:t>
+            </a:r>
+          </a:p>
+        </p:txBody>
+      </p:sp>
+      <p:sp>
+        <p:nvSpPr>
+          <p:cNvPr id="49" name="Textfeld 48">
+            <a:extLst>
+              <a:ext uri="{FF2B5EF4-FFF2-40B4-BE49-F238E27FC236}">
+                <a16:creationId xmlns:a16="http://schemas.microsoft.com/office/drawing/2014/main" id="{99163760-81CC-D7A0-BD7C-8B30AC6104B0}"/>
+              </a:ext>
+            </a:extLst>
+          </p:cNvPr>
+          <p:cNvSpPr txBox="1"/>
+          <p:nvPr/>
+        </p:nvSpPr>
+        <p:spPr>
+          <a:xfrm>
+            <a:off x="398907" y="3241981"/>
+            <a:ext cx="2823214" cy="430887"/>
+          </a:xfrm>
+          <a:prstGeom prst="rect">
+            <a:avLst/>
+          </a:prstGeom>
+          <a:noFill/>
+          <a:ln>
+            <a:solidFill>
+              <a:srgbClr val="C00000"/>
+            </a:solidFill>
+          </a:ln>
+        </p:spPr>
+        <p:txBody>
+          <a:bodyPr wrap="square" rtlCol="0">
+            <a:spAutoFit/>
+          </a:bodyPr>
+          <a:lstStyle/>
+          <a:p>
+            <a:r>
+              <a:rPr lang="de-DE" sz="1100" i="1">
+                <a:solidFill>
+                  <a:srgbClr val="C00000"/>
+                </a:solidFill>
+              </a:rPr>
+              <a:t>Metadata table updates due to deviceList updates</a:t>
+            </a:r>
+          </a:p>
+        </p:txBody>
+      </p:sp>
+      <p:sp>
+        <p:nvSpPr>
+          <p:cNvPr id="50" name="Textfeld 49">
+            <a:extLst>
+              <a:ext uri="{FF2B5EF4-FFF2-40B4-BE49-F238E27FC236}">
+                <a16:creationId xmlns:a16="http://schemas.microsoft.com/office/drawing/2014/main" id="{C65B7BC0-FB97-364B-C07D-33A52C3B85AA}"/>
+              </a:ext>
+            </a:extLst>
+          </p:cNvPr>
+          <p:cNvSpPr txBox="1"/>
+          <p:nvPr/>
+        </p:nvSpPr>
+        <p:spPr>
+          <a:xfrm>
+            <a:off x="1605712" y="5119078"/>
+            <a:ext cx="1542410" cy="707886"/>
+          </a:xfrm>
+          <a:prstGeom prst="rect">
+            <a:avLst/>
+          </a:prstGeom>
+          <a:noFill/>
+          <a:ln>
+            <a:solidFill>
+              <a:schemeClr val="bg1">
+                <a:lumMod val="50000"/>
+              </a:schemeClr>
+            </a:solidFill>
+          </a:ln>
+        </p:spPr>
+        <p:txBody>
+          <a:bodyPr wrap="none" rtlCol="0">
+            <a:spAutoFit/>
+          </a:bodyPr>
+          <a:lstStyle/>
+          <a:p>
+            <a:r>
+              <a:rPr lang="de-DE" sz="800" u="sng">
+                <a:solidFill>
+                  <a:schemeClr val="tx1">
+                    <a:lumMod val="75000"/>
+                    <a:lumOff val="25000"/>
+                  </a:schemeClr>
+                </a:solidFill>
+              </a:rPr>
+              <a:t>Update properties:</a:t>
+            </a:r>
+          </a:p>
+          <a:p>
+            <a:r>
+              <a:rPr lang="de-DE" sz="800">
+                <a:solidFill>
+                  <a:schemeClr val="tx1">
+                    <a:lumMod val="75000"/>
+                    <a:lumOff val="25000"/>
+                  </a:schemeClr>
+                </a:solidFill>
+              </a:rPr>
+              <a:t>connStat = connected</a:t>
+            </a:r>
+          </a:p>
+          <a:p>
+            <a:r>
+              <a:rPr lang="de-DE" sz="800">
+                <a:solidFill>
+                  <a:schemeClr val="tx1">
+                    <a:lumMod val="75000"/>
+                    <a:lumOff val="25000"/>
+                  </a:schemeClr>
+                </a:solidFill>
+              </a:rPr>
+              <a:t>dcTime = null</a:t>
+            </a:r>
+          </a:p>
+          <a:p>
+            <a:r>
+              <a:rPr lang="de-DE" sz="800">
+                <a:solidFill>
+                  <a:schemeClr val="tx1">
+                    <a:lumMod val="75000"/>
+                    <a:lumOff val="25000"/>
+                  </a:schemeClr>
+                </a:solidFill>
+              </a:rPr>
+              <a:t>addDevListTime = current time</a:t>
+            </a:r>
+          </a:p>
+          <a:p>
+            <a:r>
+              <a:rPr lang="de-DE" sz="800">
+                <a:solidFill>
+                  <a:schemeClr val="tx1">
+                    <a:lumMod val="75000"/>
+                    <a:lumOff val="25000"/>
+                  </a:schemeClr>
+                </a:solidFill>
+              </a:rPr>
+              <a:t>updateCt = 0</a:t>
+            </a:r>
+          </a:p>
+        </p:txBody>
+      </p:sp>
+      <p:sp>
+        <p:nvSpPr>
+          <p:cNvPr id="52" name="Textfeld 51">
+            <a:extLst>
+              <a:ext uri="{FF2B5EF4-FFF2-40B4-BE49-F238E27FC236}">
+                <a16:creationId xmlns:a16="http://schemas.microsoft.com/office/drawing/2014/main" id="{A5CD8E84-F642-6DE6-EC7D-C870CDEB9944}"/>
+              </a:ext>
+            </a:extLst>
+          </p:cNvPr>
+          <p:cNvSpPr txBox="1"/>
+          <p:nvPr/>
+        </p:nvSpPr>
+        <p:spPr>
+          <a:xfrm>
+            <a:off x="1599040" y="6077477"/>
+            <a:ext cx="1542410" cy="954107"/>
+          </a:xfrm>
+          <a:prstGeom prst="rect">
+            <a:avLst/>
+          </a:prstGeom>
+          <a:noFill/>
+          <a:ln>
+            <a:solidFill>
+              <a:schemeClr val="bg1">
+                <a:lumMod val="50000"/>
+              </a:schemeClr>
+            </a:solidFill>
+          </a:ln>
+        </p:spPr>
+        <p:txBody>
+          <a:bodyPr wrap="none" rtlCol="0">
+            <a:spAutoFit/>
+          </a:bodyPr>
+          <a:lstStyle/>
+          <a:p>
+            <a:r>
+              <a:rPr lang="de-DE" sz="800">
+                <a:solidFill>
+                  <a:schemeClr val="tx1">
+                    <a:lumMod val="75000"/>
+                    <a:lumOff val="25000"/>
+                  </a:schemeClr>
+                </a:solidFill>
+              </a:rPr>
+              <a:t>connStat = connected</a:t>
+            </a:r>
+          </a:p>
+          <a:p>
+            <a:r>
+              <a:rPr lang="de-DE" sz="800">
+                <a:solidFill>
+                  <a:schemeClr val="tx1">
+                    <a:lumMod val="75000"/>
+                    <a:lumOff val="25000"/>
+                  </a:schemeClr>
+                </a:solidFill>
+              </a:rPr>
+              <a:t>dcTime = null</a:t>
+            </a:r>
+          </a:p>
+          <a:p>
+            <a:r>
+              <a:rPr lang="de-DE" sz="800">
+                <a:solidFill>
+                  <a:schemeClr val="tx1">
+                    <a:lumMod val="75000"/>
+                    <a:lumOff val="25000"/>
+                  </a:schemeClr>
+                </a:solidFill>
+              </a:rPr>
+              <a:t>addDevListTime = current time</a:t>
+            </a:r>
+          </a:p>
+          <a:p>
+            <a:r>
+              <a:rPr lang="de-DE" sz="800">
+                <a:solidFill>
+                  <a:schemeClr val="tx1">
+                    <a:lumMod val="75000"/>
+                    <a:lumOff val="25000"/>
+                  </a:schemeClr>
+                </a:solidFill>
+              </a:rPr>
+              <a:t>lastCompleteTime = null</a:t>
+            </a:r>
+          </a:p>
+          <a:p>
+            <a:r>
+              <a:rPr lang="de-DE" sz="800">
+                <a:solidFill>
+                  <a:schemeClr val="tx1">
+                    <a:lumMod val="75000"/>
+                    <a:lumOff val="25000"/>
+                  </a:schemeClr>
+                </a:solidFill>
+              </a:rPr>
+              <a:t>lastNotifUpdateTime = null</a:t>
+            </a:r>
+          </a:p>
+          <a:p>
+            <a:r>
+              <a:rPr lang="de-DE" sz="800">
+                <a:solidFill>
+                  <a:schemeClr val="tx1">
+                    <a:lumMod val="75000"/>
+                    <a:lumOff val="25000"/>
+                  </a:schemeClr>
+                </a:solidFill>
+              </a:rPr>
+              <a:t>updateCt = 0</a:t>
+            </a:r>
+          </a:p>
+          <a:p>
+            <a:r>
+              <a:rPr lang="de-DE" sz="800">
+                <a:solidFill>
+                  <a:schemeClr val="tx1">
+                    <a:lumMod val="75000"/>
+                    <a:lumOff val="25000"/>
+                  </a:schemeClr>
+                </a:solidFill>
+              </a:rPr>
+              <a:t>schemaDir = null </a:t>
+            </a:r>
+          </a:p>
+        </p:txBody>
+      </p:sp>
+      <p:sp>
+        <p:nvSpPr>
+          <p:cNvPr id="53" name="Textfeld 52">
+            <a:extLst>
+              <a:ext uri="{FF2B5EF4-FFF2-40B4-BE49-F238E27FC236}">
+                <a16:creationId xmlns:a16="http://schemas.microsoft.com/office/drawing/2014/main" id="{7BFCF8A0-A8A8-AC5B-62CA-A9617834AD02}"/>
+              </a:ext>
+            </a:extLst>
+          </p:cNvPr>
+          <p:cNvSpPr txBox="1"/>
+          <p:nvPr/>
+        </p:nvSpPr>
+        <p:spPr>
+          <a:xfrm>
+            <a:off x="8469072" y="14749678"/>
+            <a:ext cx="1257935" cy="230832"/>
+          </a:xfrm>
+          <a:prstGeom prst="rect">
+            <a:avLst/>
+          </a:prstGeom>
+          <a:solidFill>
+            <a:schemeClr val="bg1"/>
+          </a:solidFill>
+        </p:spPr>
+        <p:txBody>
+          <a:bodyPr wrap="square" rtlCol="0">
+            <a:spAutoFit/>
+          </a:bodyPr>
+          <a:lstStyle/>
+          <a:p>
+            <a:r>
+              <a:rPr lang="de-DE" sz="900" i="1">
+                <a:solidFill>
+                  <a:schemeClr val="bg1">
+                    <a:lumMod val="50000"/>
+                  </a:schemeClr>
+                </a:solidFill>
+              </a:rPr>
+              <a:t>x</a:t>
+            </a:r>
+          </a:p>
+        </p:txBody>
+      </p:sp>
+      <p:sp>
+        <p:nvSpPr>
+          <p:cNvPr id="54" name="Textfeld 53">
+            <a:extLst>
+              <a:ext uri="{FF2B5EF4-FFF2-40B4-BE49-F238E27FC236}">
+                <a16:creationId xmlns:a16="http://schemas.microsoft.com/office/drawing/2014/main" id="{B7DC9D02-854D-50C3-BE00-58DF4B4F85C6}"/>
+              </a:ext>
+            </a:extLst>
+          </p:cNvPr>
+          <p:cNvSpPr txBox="1"/>
+          <p:nvPr/>
+        </p:nvSpPr>
+        <p:spPr>
+          <a:xfrm>
+            <a:off x="846477" y="7233752"/>
+            <a:ext cx="2302056" cy="954107"/>
+          </a:xfrm>
+          <a:prstGeom prst="rect">
+            <a:avLst/>
+          </a:prstGeom>
+          <a:noFill/>
+          <a:ln>
+            <a:solidFill>
+              <a:schemeClr val="bg1">
+                <a:lumMod val="50000"/>
+              </a:schemeClr>
+            </a:solidFill>
+          </a:ln>
+        </p:spPr>
+        <p:txBody>
+          <a:bodyPr wrap="square" rtlCol="0">
+            <a:spAutoFit/>
+          </a:bodyPr>
+          <a:lstStyle/>
+          <a:p>
+            <a:r>
+              <a:rPr lang="de-DE" sz="800" u="sng">
+                <a:solidFill>
+                  <a:schemeClr val="tx1">
+                    <a:lumMod val="75000"/>
+                    <a:lumOff val="25000"/>
+                  </a:schemeClr>
+                </a:solidFill>
+              </a:rPr>
+              <a:t>Update properties:</a:t>
+            </a:r>
+          </a:p>
+          <a:p>
+            <a:r>
+              <a:rPr lang="de-DE" sz="800">
+                <a:solidFill>
+                  <a:schemeClr val="tx1">
+                    <a:lumMod val="75000"/>
+                    <a:lumOff val="25000"/>
+                  </a:schemeClr>
+                </a:solidFill>
+              </a:rPr>
+              <a:t>connStat = connection-status from controller</a:t>
+            </a:r>
+          </a:p>
+          <a:p>
+            <a:r>
+              <a:rPr lang="de-DE" sz="800">
+                <a:solidFill>
+                  <a:schemeClr val="tx1">
+                    <a:lumMod val="75000"/>
+                    <a:lumOff val="25000"/>
+                  </a:schemeClr>
+                </a:solidFill>
+              </a:rPr>
+              <a:t>dcTime = current time  (*)</a:t>
+            </a:r>
+          </a:p>
+          <a:p>
+            <a:r>
+              <a:rPr lang="de-DE" sz="800">
+                <a:solidFill>
+                  <a:schemeClr val="tx1">
+                    <a:lumMod val="75000"/>
+                    <a:lumOff val="25000"/>
+                  </a:schemeClr>
+                </a:solidFill>
+              </a:rPr>
+              <a:t>addDevListTime = null</a:t>
+            </a:r>
+          </a:p>
+          <a:p>
+            <a:r>
+              <a:rPr lang="de-DE" sz="800">
+                <a:solidFill>
+                  <a:schemeClr val="tx1">
+                    <a:lumMod val="75000"/>
+                    <a:lumOff val="25000"/>
+                  </a:schemeClr>
+                </a:solidFill>
+              </a:rPr>
+              <a:t>lastCompleteTime = null</a:t>
+            </a:r>
+          </a:p>
+          <a:p>
+            <a:r>
+              <a:rPr lang="de-DE" sz="800">
+                <a:solidFill>
+                  <a:schemeClr val="tx1">
+                    <a:lumMod val="75000"/>
+                    <a:lumOff val="25000"/>
+                  </a:schemeClr>
+                </a:solidFill>
+              </a:rPr>
+              <a:t>lastNotifUpdateTime = null</a:t>
+            </a:r>
+          </a:p>
+          <a:p>
+            <a:r>
+              <a:rPr lang="de-DE" sz="800">
+                <a:solidFill>
+                  <a:schemeClr val="tx1">
+                    <a:lumMod val="75000"/>
+                    <a:lumOff val="25000"/>
+                  </a:schemeClr>
+                </a:solidFill>
+              </a:rPr>
+              <a:t>updateCt = 0</a:t>
+            </a:r>
+          </a:p>
+        </p:txBody>
+      </p:sp>
+      <p:sp>
+        <p:nvSpPr>
+          <p:cNvPr id="57" name="Textfeld 56">
+            <a:extLst>
+              <a:ext uri="{FF2B5EF4-FFF2-40B4-BE49-F238E27FC236}">
+                <a16:creationId xmlns:a16="http://schemas.microsoft.com/office/drawing/2014/main" id="{C0556668-F443-585C-E309-EE70F5EED3AD}"/>
+              </a:ext>
+            </a:extLst>
+          </p:cNvPr>
+          <p:cNvSpPr txBox="1"/>
+          <p:nvPr/>
+        </p:nvSpPr>
+        <p:spPr>
+          <a:xfrm>
+            <a:off x="3574679" y="6793012"/>
+            <a:ext cx="1091282" cy="646331"/>
+          </a:xfrm>
+          <a:prstGeom prst="rect">
+            <a:avLst/>
+          </a:prstGeom>
+          <a:solidFill>
+            <a:schemeClr val="bg1"/>
+          </a:solidFill>
+        </p:spPr>
+        <p:txBody>
+          <a:bodyPr wrap="square" rtlCol="0">
+            <a:spAutoFit/>
+          </a:bodyPr>
+          <a:lstStyle/>
+          <a:p>
+            <a:r>
+              <a:rPr lang="de-DE" sz="900" i="1">
+                <a:solidFill>
+                  <a:schemeClr val="bg1">
+                    <a:lumMod val="50000"/>
+                  </a:schemeClr>
+                </a:solidFill>
+              </a:rPr>
+              <a:t>(*) Actual disconnection time is only approximated</a:t>
+            </a:r>
+          </a:p>
+        </p:txBody>
+      </p:sp>
+      <p:sp>
+        <p:nvSpPr>
+          <p:cNvPr id="58" name="Textfeld 57">
+            <a:extLst>
+              <a:ext uri="{FF2B5EF4-FFF2-40B4-BE49-F238E27FC236}">
+                <a16:creationId xmlns:a16="http://schemas.microsoft.com/office/drawing/2014/main" id="{91A247BC-E95A-383D-A984-BA57BFCC4366}"/>
+              </a:ext>
+            </a:extLst>
+          </p:cNvPr>
+          <p:cNvSpPr txBox="1"/>
+          <p:nvPr/>
+        </p:nvSpPr>
+        <p:spPr>
+          <a:xfrm>
+            <a:off x="957362" y="8575638"/>
+            <a:ext cx="2182008" cy="954107"/>
+          </a:xfrm>
+          <a:prstGeom prst="rect">
+            <a:avLst/>
+          </a:prstGeom>
+          <a:noFill/>
+          <a:ln>
+            <a:solidFill>
+              <a:schemeClr val="bg1">
+                <a:lumMod val="50000"/>
+              </a:schemeClr>
+            </a:solidFill>
+          </a:ln>
+        </p:spPr>
+        <p:txBody>
+          <a:bodyPr wrap="none" rtlCol="0">
+            <a:spAutoFit/>
+          </a:bodyPr>
+          <a:lstStyle/>
+          <a:p>
+            <a:r>
+              <a:rPr lang="de-DE" sz="800">
+                <a:solidFill>
+                  <a:schemeClr val="tx1">
+                    <a:lumMod val="75000"/>
+                    <a:lumOff val="25000"/>
+                  </a:schemeClr>
+                </a:solidFill>
+              </a:rPr>
+              <a:t>connStat = connection-status from controller</a:t>
+            </a:r>
+          </a:p>
+          <a:p>
+            <a:r>
+              <a:rPr lang="de-DE" sz="800">
+                <a:solidFill>
+                  <a:schemeClr val="tx1">
+                    <a:lumMod val="75000"/>
+                    <a:lumOff val="25000"/>
+                  </a:schemeClr>
+                </a:solidFill>
+              </a:rPr>
+              <a:t>dcTime =current time (*)</a:t>
+            </a:r>
+          </a:p>
+          <a:p>
+            <a:r>
+              <a:rPr lang="de-DE" sz="800">
+                <a:solidFill>
+                  <a:schemeClr val="tx1">
+                    <a:lumMod val="75000"/>
+                    <a:lumOff val="25000"/>
+                  </a:schemeClr>
+                </a:solidFill>
+              </a:rPr>
+              <a:t>addDevListTime = null</a:t>
+            </a:r>
+          </a:p>
+          <a:p>
+            <a:r>
+              <a:rPr lang="de-DE" sz="800">
+                <a:solidFill>
+                  <a:schemeClr val="tx1">
+                    <a:lumMod val="75000"/>
+                    <a:lumOff val="25000"/>
+                  </a:schemeClr>
+                </a:solidFill>
+              </a:rPr>
+              <a:t>lastCompleteTime = null</a:t>
+            </a:r>
+          </a:p>
+          <a:p>
+            <a:r>
+              <a:rPr lang="de-DE" sz="800">
+                <a:solidFill>
+                  <a:schemeClr val="tx1">
+                    <a:lumMod val="75000"/>
+                    <a:lumOff val="25000"/>
+                  </a:schemeClr>
+                </a:solidFill>
+              </a:rPr>
+              <a:t>lastNotifUpdateTime = null</a:t>
+            </a:r>
+          </a:p>
+          <a:p>
+            <a:r>
+              <a:rPr lang="de-DE" sz="800">
+                <a:solidFill>
+                  <a:schemeClr val="tx1">
+                    <a:lumMod val="75000"/>
+                    <a:lumOff val="25000"/>
+                  </a:schemeClr>
+                </a:solidFill>
+              </a:rPr>
+              <a:t>updateCt = 0</a:t>
+            </a:r>
+          </a:p>
+          <a:p>
+            <a:r>
+              <a:rPr lang="de-DE" sz="800">
+                <a:solidFill>
+                  <a:schemeClr val="tx1">
+                    <a:lumMod val="75000"/>
+                    <a:lumOff val="25000"/>
+                  </a:schemeClr>
+                </a:solidFill>
+              </a:rPr>
+              <a:t>schemaDir = null </a:t>
+            </a:r>
+          </a:p>
+        </p:txBody>
+      </p:sp>
+      <p:cxnSp>
+        <p:nvCxnSpPr>
+          <p:cNvPr id="60" name="Gerader Verbinder 59">
+            <a:extLst>
+              <a:ext uri="{FF2B5EF4-FFF2-40B4-BE49-F238E27FC236}">
+                <a16:creationId xmlns:a16="http://schemas.microsoft.com/office/drawing/2014/main" id="{9D51AABB-7890-1D3C-38FE-6BC644DA1E49}"/>
+              </a:ext>
+            </a:extLst>
+          </p:cNvPr>
+          <p:cNvCxnSpPr>
+            <a:cxnSpLocks/>
+            <a:stCxn id="57" idx="1"/>
+          </p:cNvCxnSpPr>
+          <p:nvPr/>
+        </p:nvCxnSpPr>
+        <p:spPr>
+          <a:xfrm flipH="1">
+            <a:off x="3148122" y="7116178"/>
+            <a:ext cx="426557" cy="408134"/>
+          </a:xfrm>
+          <a:prstGeom prst="line">
+            <a:avLst/>
+          </a:prstGeom>
+          <a:ln w="9525">
+            <a:solidFill>
+              <a:schemeClr val="bg1">
+                <a:lumMod val="75000"/>
+              </a:schemeClr>
+            </a:solidFill>
+            <a:prstDash val="dash"/>
+          </a:ln>
+        </p:spPr>
+        <p:style>
+          <a:lnRef idx="2">
+            <a:schemeClr val="accent1"/>
+          </a:lnRef>
+          <a:fillRef idx="0">
+            <a:schemeClr val="accent1"/>
+          </a:fillRef>
+          <a:effectRef idx="1">
+            <a:schemeClr val="accent1"/>
+          </a:effectRef>
+          <a:fontRef idx="minor">
+            <a:schemeClr val="tx1"/>
+          </a:fontRef>
+        </p:style>
+      </p:cxnSp>
+      <p:cxnSp>
+        <p:nvCxnSpPr>
+          <p:cNvPr id="61" name="Gerader Verbinder 60">
+            <a:extLst>
+              <a:ext uri="{FF2B5EF4-FFF2-40B4-BE49-F238E27FC236}">
+                <a16:creationId xmlns:a16="http://schemas.microsoft.com/office/drawing/2014/main" id="{DCE5EAEB-3F5C-E5DF-C233-068CD058695A}"/>
+              </a:ext>
+            </a:extLst>
+          </p:cNvPr>
+          <p:cNvCxnSpPr>
+            <a:cxnSpLocks/>
+            <a:stCxn id="57" idx="1"/>
+          </p:cNvCxnSpPr>
+          <p:nvPr/>
+        </p:nvCxnSpPr>
+        <p:spPr>
+          <a:xfrm flipH="1">
+            <a:off x="3148122" y="7116178"/>
+            <a:ext cx="426557" cy="1459460"/>
+          </a:xfrm>
+          <a:prstGeom prst="line">
+            <a:avLst/>
+          </a:prstGeom>
+          <a:ln w="9525">
+            <a:solidFill>
+              <a:schemeClr val="bg1">
+                <a:lumMod val="75000"/>
+              </a:schemeClr>
+            </a:solidFill>
+            <a:prstDash val="dash"/>
+          </a:ln>
+        </p:spPr>
+        <p:style>
+          <a:lnRef idx="2">
+            <a:schemeClr val="accent1"/>
+          </a:lnRef>
+          <a:fillRef idx="0">
+            <a:schemeClr val="accent1"/>
+          </a:fillRef>
+          <a:effectRef idx="1">
+            <a:schemeClr val="accent1"/>
+          </a:effectRef>
+          <a:fontRef idx="minor">
+            <a:schemeClr val="tx1"/>
+          </a:fontRef>
+        </p:style>
+      </p:cxnSp>
+      <p:cxnSp>
+        <p:nvCxnSpPr>
+          <p:cNvPr id="76" name="Gerade Verbindung mit Pfeil 75">
+            <a:extLst>
+              <a:ext uri="{FF2B5EF4-FFF2-40B4-BE49-F238E27FC236}">
+                <a16:creationId xmlns:a16="http://schemas.microsoft.com/office/drawing/2014/main" id="{77ECC698-5DCE-39C1-9477-DD71481A86F5}"/>
+              </a:ext>
+            </a:extLst>
+          </p:cNvPr>
+          <p:cNvCxnSpPr>
+            <a:cxnSpLocks/>
+          </p:cNvCxnSpPr>
+          <p:nvPr/>
+        </p:nvCxnSpPr>
+        <p:spPr>
+          <a:xfrm flipV="1">
+            <a:off x="3202280" y="4998360"/>
+            <a:ext cx="3269389" cy="4757614"/>
+          </a:xfrm>
+          <a:prstGeom prst="straightConnector1">
+            <a:avLst/>
+          </a:prstGeom>
+          <a:ln w="9525">
+            <a:solidFill>
+              <a:schemeClr val="accent5">
+                <a:lumMod val="75000"/>
+              </a:schemeClr>
+            </a:solidFill>
+            <a:prstDash val="dash"/>
+            <a:tailEnd type="triangle"/>
+          </a:ln>
+        </p:spPr>
+        <p:style>
+          <a:lnRef idx="2">
+            <a:schemeClr val="accent1"/>
+          </a:lnRef>
+          <a:fillRef idx="0">
+            <a:schemeClr val="accent1"/>
+          </a:fillRef>
+          <a:effectRef idx="1">
+            <a:schemeClr val="accent1"/>
+          </a:effectRef>
+          <a:fontRef idx="minor">
+            <a:schemeClr val="tx1"/>
+          </a:fontRef>
+        </p:style>
+      </p:cxnSp>
+      <p:cxnSp>
+        <p:nvCxnSpPr>
+          <p:cNvPr id="79" name="Gerade Verbindung mit Pfeil 78">
+            <a:extLst>
+              <a:ext uri="{FF2B5EF4-FFF2-40B4-BE49-F238E27FC236}">
+                <a16:creationId xmlns:a16="http://schemas.microsoft.com/office/drawing/2014/main" id="{E27B2061-C6F8-A646-CB16-7E4023277313}"/>
+              </a:ext>
+            </a:extLst>
+          </p:cNvPr>
+          <p:cNvCxnSpPr>
+            <a:cxnSpLocks/>
+          </p:cNvCxnSpPr>
+          <p:nvPr/>
+        </p:nvCxnSpPr>
+        <p:spPr>
+          <a:xfrm flipV="1">
+            <a:off x="4386360" y="7160992"/>
+            <a:ext cx="2068924" cy="862906"/>
+          </a:xfrm>
+          <a:prstGeom prst="straightConnector1">
+            <a:avLst/>
+          </a:prstGeom>
+          <a:ln w="9525">
+            <a:solidFill>
+              <a:schemeClr val="accent5">
+                <a:lumMod val="75000"/>
+              </a:schemeClr>
+            </a:solidFill>
+            <a:prstDash val="dash"/>
+            <a:tailEnd type="triangle"/>
+          </a:ln>
+        </p:spPr>
+        <p:style>
+          <a:lnRef idx="2">
+            <a:schemeClr val="accent1"/>
+          </a:lnRef>
+          <a:fillRef idx="0">
+            <a:schemeClr val="accent1"/>
+          </a:fillRef>
+          <a:effectRef idx="1">
+            <a:schemeClr val="accent1"/>
+          </a:effectRef>
+          <a:fontRef idx="minor">
+            <a:schemeClr val="tx1"/>
+          </a:fontRef>
+        </p:style>
+      </p:cxnSp>
+      <p:sp>
+        <p:nvSpPr>
+          <p:cNvPr id="96" name="Textfeld 95">
+            <a:extLst>
+              <a:ext uri="{FF2B5EF4-FFF2-40B4-BE49-F238E27FC236}">
+                <a16:creationId xmlns:a16="http://schemas.microsoft.com/office/drawing/2014/main" id="{F016A024-E1FE-1CB0-E2AD-277F342C4FB9}"/>
+              </a:ext>
+            </a:extLst>
+          </p:cNvPr>
+          <p:cNvSpPr txBox="1"/>
+          <p:nvPr/>
+        </p:nvSpPr>
+        <p:spPr>
+          <a:xfrm>
+            <a:off x="9940188" y="1556050"/>
+            <a:ext cx="2883124" cy="430887"/>
+          </a:xfrm>
+          <a:prstGeom prst="rect">
+            <a:avLst/>
+          </a:prstGeom>
+          <a:noFill/>
+          <a:ln>
+            <a:solidFill>
+              <a:srgbClr val="C00000"/>
+            </a:solidFill>
+          </a:ln>
+        </p:spPr>
+        <p:txBody>
+          <a:bodyPr wrap="square" rtlCol="0">
+            <a:spAutoFit/>
+          </a:bodyPr>
+          <a:lstStyle/>
+          <a:p>
+            <a:r>
+              <a:rPr lang="de-DE" sz="1100" i="1">
+                <a:solidFill>
+                  <a:srgbClr val="C00000"/>
+                </a:solidFill>
+              </a:rPr>
+              <a:t>Metadata table updates due to periodic metadata table sync</a:t>
+            </a:r>
+          </a:p>
+        </p:txBody>
+      </p:sp>
+      <p:cxnSp>
+        <p:nvCxnSpPr>
+          <p:cNvPr id="98" name="Gerader Verbinder 97">
+            <a:extLst>
+              <a:ext uri="{FF2B5EF4-FFF2-40B4-BE49-F238E27FC236}">
+                <a16:creationId xmlns:a16="http://schemas.microsoft.com/office/drawing/2014/main" id="{FA6F17D8-7174-CE80-EC30-CD893D65C407}"/>
+              </a:ext>
+            </a:extLst>
+          </p:cNvPr>
+          <p:cNvCxnSpPr/>
+          <p:nvPr/>
+        </p:nvCxnSpPr>
+        <p:spPr>
+          <a:xfrm>
+            <a:off x="3427200" y="3184393"/>
+            <a:ext cx="0" cy="3464127"/>
+          </a:xfrm>
+          <a:prstGeom prst="line">
+            <a:avLst/>
+          </a:prstGeom>
+          <a:ln w="12700">
+            <a:solidFill>
+              <a:schemeClr val="accent5">
+                <a:lumMod val="50000"/>
+              </a:schemeClr>
+            </a:solidFill>
+            <a:prstDash val="sysDot"/>
+          </a:ln>
+        </p:spPr>
+        <p:style>
+          <a:lnRef idx="2">
+            <a:schemeClr val="accent1"/>
+          </a:lnRef>
+          <a:fillRef idx="0">
+            <a:schemeClr val="accent1"/>
+          </a:fillRef>
+          <a:effectRef idx="1">
+            <a:schemeClr val="accent1"/>
+          </a:effectRef>
+          <a:fontRef idx="minor">
+            <a:schemeClr val="tx1"/>
+          </a:fontRef>
+        </p:style>
+      </p:cxnSp>
+      <p:sp>
+        <p:nvSpPr>
+          <p:cNvPr id="3" name="Rechteck 2">
+            <a:extLst>
+              <a:ext uri="{FF2B5EF4-FFF2-40B4-BE49-F238E27FC236}">
+                <a16:creationId xmlns:a16="http://schemas.microsoft.com/office/drawing/2014/main" id="{E1D69767-7FF5-D705-649D-33C9E6F1EC03}"/>
+              </a:ext>
+            </a:extLst>
+          </p:cNvPr>
+          <p:cNvSpPr/>
+          <p:nvPr/>
+        </p:nvSpPr>
+        <p:spPr>
+          <a:xfrm>
+            <a:off x="14117620" y="274320"/>
+            <a:ext cx="1532899" cy="413816"/>
+          </a:xfrm>
+          <a:prstGeom prst="rect">
+            <a:avLst/>
+          </a:prstGeom>
+        </p:spPr>
+        <p:style>
+          <a:lnRef idx="2">
+            <a:schemeClr val="accent5">
+              <a:shade val="15000"/>
+            </a:schemeClr>
+          </a:lnRef>
+          <a:fillRef idx="1">
+            <a:schemeClr val="accent5"/>
+          </a:fillRef>
+          <a:effectRef idx="0">
+            <a:schemeClr val="accent5"/>
+          </a:effectRef>
+          <a:fontRef idx="minor">
+            <a:schemeClr val="lt1"/>
+          </a:fontRef>
+        </p:style>
+        <p:txBody>
+          <a:bodyPr rtlCol="0" anchor="ctr"/>
+          <a:lstStyle/>
+          <a:p>
+            <a:pPr algn="ctr"/>
+            <a:r>
+              <a:rPr lang="de-DE"/>
+              <a:t>MWDI v1.3.0</a:t>
+            </a:r>
+          </a:p>
+        </p:txBody>
+      </p:sp>
+    </p:spTree>
+    <p:extLst>
+      <p:ext uri="{BB962C8B-B14F-4D97-AF65-F5344CB8AC3E}">
+        <p14:creationId xmlns:p14="http://schemas.microsoft.com/office/powerpoint/2010/main" val="4217530779"/>
+      </p:ext>
+    </p:extLst>
+  </p:cSld>
+  <p:clrMapOvr>
+    <a:masterClrMapping/>
+  </p:clrMapOvr>
+</p:sld>
+</file>
+
+<file path=ppt/slides/slide3.xml><?xml version="1.0" encoding="utf-8"?>
+<p:sld xmlns:a="http://schemas.openxmlformats.org/drawingml/2006/main" xmlns:r="http://schemas.openxmlformats.org/officeDocument/2006/relationships" xmlns:p="http://schemas.openxmlformats.org/presentationml/2006/main">
+  <p:cSld>
+    <p:spTree>
+      <p:nvGrpSpPr>
+        <p:cNvPr id="1" name=""/>
+        <p:cNvGrpSpPr/>
+        <p:nvPr/>
+      </p:nvGrpSpPr>
+      <p:grpSpPr>
+        <a:xfrm>
+          <a:off x="0" y="0"/>
+          <a:ext cx="0" cy="0"/>
+          <a:chOff x="0" y="0"/>
+          <a:chExt cx="0" cy="0"/>
+        </a:xfrm>
+      </p:grpSpPr>
+      <p:graphicFrame>
+        <p:nvGraphicFramePr>
+          <p:cNvPr id="4" name="Tabelle 3">
+            <a:extLst>
+              <a:ext uri="{FF2B5EF4-FFF2-40B4-BE49-F238E27FC236}">
+                <a16:creationId xmlns:a16="http://schemas.microsoft.com/office/drawing/2014/main" id="{DB033A91-99C9-2A9C-8811-F479AB1BA229}"/>
+              </a:ext>
+            </a:extLst>
+          </p:cNvPr>
+          <p:cNvGraphicFramePr>
+            <a:graphicFrameLocks noGrp="1"/>
+          </p:cNvGraphicFramePr>
+          <p:nvPr>
+            <p:extLst>
+              <p:ext uri="{D42A27DB-BD31-4B8C-83A1-F6EECF244321}">
+                <p14:modId xmlns:p14="http://schemas.microsoft.com/office/powerpoint/2010/main" val="2330782632"/>
+              </p:ext>
+            </p:extLst>
+          </p:nvPr>
+        </p:nvGraphicFramePr>
+        <p:xfrm>
+          <a:off x="317499" y="536786"/>
+          <a:ext cx="10788790" cy="4053840"/>
+        </p:xfrm>
+        <a:graphic>
+          <a:graphicData uri="http://schemas.openxmlformats.org/drawingml/2006/table">
+            <a:tbl>
+              <a:tblPr firstRow="1" bandRow="1">
+                <a:tableStyleId>{5C22544A-7EE6-4342-B048-85BDC9FD1C3A}</a:tableStyleId>
+              </a:tblPr>
+              <a:tblGrid>
+                <a:gridCol w="5395873">
+                  <a:extLst>
+                    <a:ext uri="{9D8B030D-6E8A-4147-A177-3AD203B41FA5}">
+                      <a16:colId xmlns:a16="http://schemas.microsoft.com/office/drawing/2014/main" val="1973923140"/>
+                    </a:ext>
+                  </a:extLst>
+                </a:gridCol>
+                <a:gridCol w="1796654">
+                  <a:extLst>
+                    <a:ext uri="{9D8B030D-6E8A-4147-A177-3AD203B41FA5}">
+                      <a16:colId xmlns:a16="http://schemas.microsoft.com/office/drawing/2014/main" val="934169871"/>
+                    </a:ext>
+                  </a:extLst>
+                </a:gridCol>
+                <a:gridCol w="3596263">
+                  <a:extLst>
+                    <a:ext uri="{9D8B030D-6E8A-4147-A177-3AD203B41FA5}">
+                      <a16:colId xmlns:a16="http://schemas.microsoft.com/office/drawing/2014/main" val="2420230584"/>
+                    </a:ext>
+                  </a:extLst>
+                </a:gridCol>
+              </a:tblGrid>
+              <a:tr h="370840">
+                <a:tc>
+                  <a:txBody>
+                    <a:bodyPr/>
+                    <a:lstStyle/>
+                    <a:p>
+                      <a:r>
+                        <a:rPr lang="de-DE" sz="1200"/>
+                        <a:t>Column</a:t>
+                      </a:r>
+                    </a:p>
+                  </a:txBody>
+                  <a:tcPr/>
+                </a:tc>
+                <a:tc>
+                  <a:txBody>
+                    <a:bodyPr/>
+                    <a:lstStyle/>
+                    <a:p>
+                      <a:r>
+                        <a:rPr lang="de-DE" sz="1200"/>
+                        <a:t>Type</a:t>
+                      </a:r>
+                    </a:p>
+                  </a:txBody>
+                  <a:tcPr/>
+                </a:tc>
+                <a:tc>
+                  <a:txBody>
+                    <a:bodyPr/>
+                    <a:lstStyle/>
+                    <a:p>
+                      <a:r>
+                        <a:rPr lang="de-DE" sz="1200"/>
+                        <a:t>Based on</a:t>
+                      </a:r>
+                    </a:p>
+                  </a:txBody>
+                  <a:tcPr/>
+                </a:tc>
+                <a:extLst>
+                  <a:ext uri="{0D108BD9-81ED-4DB2-BD59-A6C34878D82A}">
+                    <a16:rowId xmlns:a16="http://schemas.microsoft.com/office/drawing/2014/main" val="2334020561"/>
+                  </a:ext>
+                </a:extLst>
+              </a:tr>
+              <a:tr h="370840">
+                <a:tc>
+                  <a:txBody>
+                    <a:bodyPr/>
+                    <a:lstStyle/>
+                    <a:p>
+                      <a:r>
+                        <a:rPr lang="de-DE" sz="1200"/>
+                        <a:t>mount-name</a:t>
+                      </a:r>
+                    </a:p>
+                  </a:txBody>
+                  <a:tcPr/>
+                </a:tc>
+                <a:tc>
+                  <a:txBody>
+                    <a:bodyPr/>
+                    <a:lstStyle/>
+                    <a:p>
+                      <a:r>
+                        <a:rPr lang="de-DE" sz="1200"/>
+                        <a:t>string</a:t>
+                      </a:r>
+                    </a:p>
+                  </a:txBody>
+                  <a:tcPr/>
+                </a:tc>
+                <a:tc>
+                  <a:txBody>
+                    <a:bodyPr/>
+                    <a:lstStyle/>
+                    <a:p>
+                      <a:r>
+                        <a:rPr lang="de-DE" sz="1200"/>
+                        <a:t>periodic sync, notification</a:t>
+                      </a:r>
+                    </a:p>
+                  </a:txBody>
+                  <a:tcPr/>
+                </a:tc>
+                <a:extLst>
+                  <a:ext uri="{0D108BD9-81ED-4DB2-BD59-A6C34878D82A}">
+                    <a16:rowId xmlns:a16="http://schemas.microsoft.com/office/drawing/2014/main" val="625363744"/>
+                  </a:ext>
+                </a:extLst>
+              </a:tr>
+              <a:tr h="370840">
+                <a:tc>
+                  <a:txBody>
+                    <a:bodyPr/>
+                    <a:lstStyle/>
+                    <a:p>
+                      <a:r>
+                        <a:rPr lang="de-DE" sz="1200"/>
+                        <a:t>connection-status</a:t>
+                      </a:r>
+                    </a:p>
+                  </a:txBody>
+                  <a:tcPr/>
+                </a:tc>
+                <a:tc>
+                  <a:txBody>
+                    <a:bodyPr/>
+                    <a:lstStyle/>
+                    <a:p>
+                      <a:r>
+                        <a:rPr lang="de-DE" sz="1200"/>
+                        <a:t>string</a:t>
+                      </a:r>
+                    </a:p>
+                  </a:txBody>
+                  <a:tcPr/>
+                </a:tc>
+                <a:tc>
+                  <a:txBody>
+                    <a:bodyPr/>
+                    <a:lstStyle/>
+                    <a:p>
+                      <a:pPr marL="0" marR="0" lvl="0" indent="0" algn="l" defTabSz="914400" rtl="0" eaLnBrk="1" fontAlgn="auto" latinLnBrk="0" hangingPunct="1">
+                        <a:lnSpc>
+                          <a:spcPct val="100000"/>
+                        </a:lnSpc>
+                        <a:spcBef>
+                          <a:spcPts val="0"/>
+                        </a:spcBef>
+                        <a:spcAft>
+                          <a:spcPts val="0"/>
+                        </a:spcAft>
+                        <a:buClrTx/>
+                        <a:buSzTx/>
+                        <a:buFontTx/>
+                        <a:buNone/>
+                        <a:tabLst/>
+                        <a:defRPr/>
+                      </a:pPr>
+                      <a:r>
+                        <a:rPr lang="de-DE" sz="1200"/>
+                        <a:t>periodic sync, notification</a:t>
+                      </a:r>
+                    </a:p>
+                    <a:p>
+                      <a:endParaRPr lang="de-DE" sz="1200"/>
+                    </a:p>
+                  </a:txBody>
+                  <a:tcPr/>
+                </a:tc>
+                <a:extLst>
+                  <a:ext uri="{0D108BD9-81ED-4DB2-BD59-A6C34878D82A}">
+                    <a16:rowId xmlns:a16="http://schemas.microsoft.com/office/drawing/2014/main" val="1158804284"/>
+                  </a:ext>
+                </a:extLst>
+              </a:tr>
+              <a:tr h="370840">
+                <a:tc>
+                  <a:txBody>
+                    <a:bodyPr/>
+                    <a:lstStyle/>
+                    <a:p>
+                      <a:r>
+                        <a:rPr lang="de-DE" sz="1200"/>
+                        <a:t>changed-to-disconnected-time</a:t>
+                      </a:r>
+                    </a:p>
+                  </a:txBody>
+                  <a:tcPr/>
+                </a:tc>
+                <a:tc>
+                  <a:txBody>
+                    <a:bodyPr/>
+                    <a:lstStyle/>
+                    <a:p>
+                      <a:r>
+                        <a:rPr lang="de-DE" sz="1200"/>
+                        <a:t>string, timestamp</a:t>
+                      </a:r>
+                    </a:p>
+                  </a:txBody>
+                  <a:tcPr/>
+                </a:tc>
+                <a:tc>
+                  <a:txBody>
+                    <a:bodyPr/>
+                    <a:lstStyle/>
+                    <a:p>
+                      <a:pPr marL="0" marR="0" lvl="0" indent="0" algn="l" defTabSz="914400" rtl="0" eaLnBrk="1" fontAlgn="auto" latinLnBrk="0" hangingPunct="1">
+                        <a:lnSpc>
+                          <a:spcPct val="100000"/>
+                        </a:lnSpc>
+                        <a:spcBef>
+                          <a:spcPts val="0"/>
+                        </a:spcBef>
+                        <a:spcAft>
+                          <a:spcPts val="0"/>
+                        </a:spcAft>
+                        <a:buClrTx/>
+                        <a:buSzTx/>
+                        <a:buFontTx/>
+                        <a:buNone/>
+                        <a:tabLst/>
+                        <a:defRPr/>
+                      </a:pPr>
+                      <a:r>
+                        <a:rPr lang="de-DE" sz="1200"/>
+                        <a:t>periodic sync, notification</a:t>
+                      </a:r>
+                    </a:p>
+                    <a:p>
+                      <a:endParaRPr lang="de-DE" sz="1200"/>
+                    </a:p>
+                  </a:txBody>
+                  <a:tcPr/>
+                </a:tc>
+                <a:extLst>
+                  <a:ext uri="{0D108BD9-81ED-4DB2-BD59-A6C34878D82A}">
+                    <a16:rowId xmlns:a16="http://schemas.microsoft.com/office/drawing/2014/main" val="3795152502"/>
+                  </a:ext>
+                </a:extLst>
+              </a:tr>
+              <a:tr h="370840">
+                <a:tc>
+                  <a:txBody>
+                    <a:bodyPr/>
+                    <a:lstStyle/>
+                    <a:p>
+                      <a:r>
+                        <a:rPr lang="de-DE" sz="1200"/>
+                        <a:t>added-to-device-list-time</a:t>
+                      </a:r>
+                    </a:p>
+                  </a:txBody>
+                  <a:tcPr/>
+                </a:tc>
+                <a:tc>
+                  <a:txBody>
+                    <a:bodyPr/>
+                    <a:lstStyle/>
+                    <a:p>
+                      <a:r>
+                        <a:rPr lang="de-DE" sz="1200"/>
+                        <a:t>string, timestamp</a:t>
+                      </a:r>
+                    </a:p>
+                  </a:txBody>
+                  <a:tcPr/>
+                </a:tc>
+                <a:tc>
+                  <a:txBody>
+                    <a:bodyPr/>
+                    <a:lstStyle/>
+                    <a:p>
+                      <a:pPr marL="0" marR="0" lvl="0" indent="0" algn="l" defTabSz="914400" rtl="0" eaLnBrk="1" fontAlgn="auto" latinLnBrk="0" hangingPunct="1">
+                        <a:lnSpc>
+                          <a:spcPct val="100000"/>
+                        </a:lnSpc>
+                        <a:spcBef>
+                          <a:spcPts val="0"/>
+                        </a:spcBef>
+                        <a:spcAft>
+                          <a:spcPts val="0"/>
+                        </a:spcAft>
+                        <a:buClrTx/>
+                        <a:buSzTx/>
+                        <a:buFontTx/>
+                        <a:buNone/>
+                        <a:tabLst/>
+                        <a:defRPr/>
+                      </a:pPr>
+                      <a:r>
+                        <a:rPr lang="de-DE" sz="1200"/>
+                        <a:t>periodic sync, notification</a:t>
+                      </a:r>
+                    </a:p>
+                    <a:p>
+                      <a:endParaRPr lang="de-DE" sz="1200"/>
+                    </a:p>
+                  </a:txBody>
+                  <a:tcPr/>
+                </a:tc>
+                <a:extLst>
+                  <a:ext uri="{0D108BD9-81ED-4DB2-BD59-A6C34878D82A}">
+                    <a16:rowId xmlns:a16="http://schemas.microsoft.com/office/drawing/2014/main" val="1915236450"/>
+                  </a:ext>
+                </a:extLst>
+              </a:tr>
+              <a:tr h="370840">
+                <a:tc>
+                  <a:txBody>
+                    <a:bodyPr/>
+                    <a:lstStyle/>
+                    <a:p>
+                      <a:r>
+                        <a:rPr lang="de-DE" sz="1200"/>
+                        <a:t>last-complete-control-construct-update-time</a:t>
+                      </a:r>
+                    </a:p>
+                  </a:txBody>
+                  <a:tcPr/>
+                </a:tc>
+                <a:tc>
+                  <a:txBody>
+                    <a:bodyPr/>
+                    <a:lstStyle/>
+                    <a:p>
+                      <a:r>
+                        <a:rPr lang="de-DE" sz="1200"/>
+                        <a:t>string, timestamp</a:t>
+                      </a:r>
+                    </a:p>
+                  </a:txBody>
+                  <a:tcPr/>
+                </a:tc>
+                <a:tc>
+                  <a:txBody>
+                    <a:bodyPr/>
+                    <a:lstStyle/>
+                    <a:p>
+                      <a:r>
+                        <a:rPr lang="de-DE" sz="1200"/>
+                        <a:t>periodic CC retrieval by slidingWindow,</a:t>
+                      </a:r>
+                    </a:p>
+                    <a:p>
+                      <a:r>
+                        <a:rPr lang="de-DE" sz="1200"/>
+                        <a:t>periodic CC retrieval by quality measurement cycle</a:t>
+                      </a:r>
+                    </a:p>
+                  </a:txBody>
+                  <a:tcPr/>
+                </a:tc>
+                <a:extLst>
+                  <a:ext uri="{0D108BD9-81ED-4DB2-BD59-A6C34878D82A}">
+                    <a16:rowId xmlns:a16="http://schemas.microsoft.com/office/drawing/2014/main" val="4128198377"/>
+                  </a:ext>
+                </a:extLst>
+              </a:tr>
+              <a:tr h="370840">
+                <a:tc>
+                  <a:txBody>
+                    <a:bodyPr/>
+                    <a:lstStyle/>
+                    <a:p>
+                      <a:r>
+                        <a:rPr lang="de-DE" sz="1200"/>
+                        <a:t>last-control-construct-notification-update-time</a:t>
+                      </a:r>
+                    </a:p>
+                  </a:txBody>
+                  <a:tcPr/>
+                </a:tc>
+                <a:tc>
+                  <a:txBody>
+                    <a:bodyPr/>
+                    <a:lstStyle/>
+                    <a:p>
+                      <a:r>
+                        <a:rPr lang="de-DE" sz="1200"/>
+                        <a:t>string, timestamp</a:t>
+                      </a:r>
+                    </a:p>
+                  </a:txBody>
+                  <a:tcPr/>
+                </a:tc>
+                <a:tc>
+                  <a:txBody>
+                    <a:bodyPr/>
+                    <a:lstStyle/>
+                    <a:p>
+                      <a:r>
+                        <a:rPr lang="de-DE" sz="1200"/>
+                        <a:t>notification</a:t>
+                      </a:r>
+                    </a:p>
+                  </a:txBody>
+                  <a:tcPr/>
+                </a:tc>
+                <a:extLst>
+                  <a:ext uri="{0D108BD9-81ED-4DB2-BD59-A6C34878D82A}">
+                    <a16:rowId xmlns:a16="http://schemas.microsoft.com/office/drawing/2014/main" val="3885316261"/>
+                  </a:ext>
+                </a:extLst>
+              </a:tr>
+              <a:tr h="370840">
+                <a:tc>
+                  <a:txBody>
+                    <a:bodyPr/>
+                    <a:lstStyle/>
+                    <a:p>
+                      <a:r>
+                        <a:rPr lang="de-DE" sz="1200"/>
+                        <a:t>number-of-partial-updates-since-last-complete-update</a:t>
+                      </a:r>
+                    </a:p>
+                  </a:txBody>
+                  <a:tcPr/>
+                </a:tc>
+                <a:tc>
+                  <a:txBody>
+                    <a:bodyPr/>
+                    <a:lstStyle/>
+                    <a:p>
+                      <a:r>
+                        <a:rPr lang="de-DE" sz="1200"/>
+                        <a:t>integer</a:t>
+                      </a:r>
+                    </a:p>
+                  </a:txBody>
+                  <a:tcPr/>
+                </a:tc>
+                <a:tc>
+                  <a:txBody>
+                    <a:bodyPr/>
+                    <a:lstStyle/>
+                    <a:p>
+                      <a:r>
+                        <a:rPr lang="de-DE" sz="1200"/>
+                        <a:t>notification</a:t>
+                      </a:r>
+                    </a:p>
+                  </a:txBody>
+                  <a:tcPr/>
+                </a:tc>
+                <a:extLst>
+                  <a:ext uri="{0D108BD9-81ED-4DB2-BD59-A6C34878D82A}">
+                    <a16:rowId xmlns:a16="http://schemas.microsoft.com/office/drawing/2014/main" val="2030681551"/>
+                  </a:ext>
+                </a:extLst>
+              </a:tr>
+              <a:tr h="370840">
+                <a:tc>
+                  <a:txBody>
+                    <a:bodyPr/>
+                    <a:lstStyle/>
+                    <a:p>
+                      <a:r>
+                        <a:rPr lang="de-DE" sz="1200"/>
+                        <a:t>schema-cache-directory</a:t>
+                      </a:r>
+                    </a:p>
+                  </a:txBody>
+                  <a:tcPr/>
+                </a:tc>
+                <a:tc>
+                  <a:txBody>
+                    <a:bodyPr/>
+                    <a:lstStyle/>
+                    <a:p>
+                      <a:r>
+                        <a:rPr lang="de-DE" sz="1200"/>
+                        <a:t>string</a:t>
+                      </a:r>
+                    </a:p>
+                  </a:txBody>
+                  <a:tcPr/>
+                </a:tc>
+                <a:tc>
+                  <a:txBody>
+                    <a:bodyPr/>
+                    <a:lstStyle/>
+                    <a:p>
+                      <a:r>
+                        <a:rPr lang="de-DE" sz="1200"/>
+                        <a:t>periodic sync</a:t>
+                      </a:r>
+                    </a:p>
+                  </a:txBody>
+                  <a:tcPr/>
+                </a:tc>
+                <a:extLst>
+                  <a:ext uri="{0D108BD9-81ED-4DB2-BD59-A6C34878D82A}">
+                    <a16:rowId xmlns:a16="http://schemas.microsoft.com/office/drawing/2014/main" val="3589919307"/>
+                  </a:ext>
+                </a:extLst>
+              </a:tr>
+              <a:tr h="370840">
+                <a:tc>
+                  <a:txBody>
+                    <a:bodyPr/>
+                    <a:lstStyle/>
+                    <a:p>
+                      <a:r>
+                        <a:rPr lang="de-DE" sz="1200"/>
+                        <a:t>device-type</a:t>
+                      </a:r>
+                    </a:p>
+                  </a:txBody>
+                  <a:tcPr/>
+                </a:tc>
+                <a:tc>
+                  <a:txBody>
+                    <a:bodyPr/>
+                    <a:lstStyle/>
+                    <a:p>
+                      <a:r>
+                        <a:rPr lang="de-DE" sz="1200"/>
+                        <a:t>string</a:t>
+                      </a:r>
+                    </a:p>
+                  </a:txBody>
+                  <a:tcPr/>
+                </a:tc>
+                <a:tc>
+                  <a:txBody>
+                    <a:bodyPr/>
+                    <a:lstStyle/>
+                    <a:p>
+                      <a:r>
+                        <a:rPr lang="de-DE" sz="1200"/>
+                        <a:t>periodic sync</a:t>
+                      </a:r>
+                    </a:p>
+                  </a:txBody>
+                  <a:tcPr/>
+                </a:tc>
+                <a:extLst>
+                  <a:ext uri="{0D108BD9-81ED-4DB2-BD59-A6C34878D82A}">
+                    <a16:rowId xmlns:a16="http://schemas.microsoft.com/office/drawing/2014/main" val="336995638"/>
+                  </a:ext>
+                </a:extLst>
+              </a:tr>
+            </a:tbl>
+          </a:graphicData>
+        </a:graphic>
+      </p:graphicFrame>
+      <p:sp>
+        <p:nvSpPr>
+          <p:cNvPr id="5" name="Textfeld 4">
+            <a:extLst>
+              <a:ext uri="{FF2B5EF4-FFF2-40B4-BE49-F238E27FC236}">
+                <a16:creationId xmlns:a16="http://schemas.microsoft.com/office/drawing/2014/main" id="{DDD8C17A-8806-8ECF-BB5E-66DAB9EF3F14}"/>
+              </a:ext>
+            </a:extLst>
+          </p:cNvPr>
+          <p:cNvSpPr txBox="1"/>
+          <p:nvPr/>
+        </p:nvSpPr>
+        <p:spPr>
+          <a:xfrm>
+            <a:off x="0" y="0"/>
+            <a:ext cx="12192000" cy="369332"/>
+          </a:xfrm>
+          <a:prstGeom prst="rect">
+            <a:avLst/>
+          </a:prstGeom>
+          <a:solidFill>
+            <a:srgbClr val="002060"/>
+          </a:solidFill>
+        </p:spPr>
+        <p:txBody>
+          <a:bodyPr wrap="square" rtlCol="0">
+            <a:spAutoFit/>
+          </a:bodyPr>
+          <a:lstStyle/>
+          <a:p>
+            <a:r>
+              <a:rPr lang="de-DE">
+                <a:solidFill>
+                  <a:schemeClr val="bg1"/>
+                </a:solidFill>
+              </a:rPr>
+              <a:t>Table columns</a:t>
+            </a:r>
+          </a:p>
+        </p:txBody>
+      </p:sp>
+    </p:spTree>
+    <p:extLst>
+      <p:ext uri="{BB962C8B-B14F-4D97-AF65-F5344CB8AC3E}">
+        <p14:creationId xmlns:p14="http://schemas.microsoft.com/office/powerpoint/2010/main" val="1795366189"/>
+      </p:ext>
+    </p:extLst>
+  </p:cSld>
+  <p:clrMapOvr>
+    <a:masterClrMapping/>
+  </p:clrMapOvr>
+</p:sld>
+</file>
+
+<file path=ppt/slides/slide4.xml><?xml version="1.0" encoding="utf-8"?>
+<p:sld xmlns:a="http://schemas.openxmlformats.org/drawingml/2006/main" xmlns:r="http://schemas.openxmlformats.org/officeDocument/2006/relationships" xmlns:p="http://schemas.openxmlformats.org/presentationml/2006/main">
+  <p:cSld>
+    <p:spTree>
+      <p:nvGrpSpPr>
+        <p:cNvPr id="1" name=""/>
+        <p:cNvGrpSpPr/>
+        <p:nvPr/>
+      </p:nvGrpSpPr>
+      <p:grpSpPr>
+        <a:xfrm>
+          <a:off x="0" y="0"/>
+          <a:ext cx="0" cy="0"/>
+          <a:chOff x="0" y="0"/>
+          <a:chExt cx="0" cy="0"/>
+        </a:xfrm>
+      </p:grpSpPr>
+      <p:sp>
+        <p:nvSpPr>
+          <p:cNvPr id="4" name="Rechteck 3">
+            <a:extLst>
+              <a:ext uri="{FF2B5EF4-FFF2-40B4-BE49-F238E27FC236}">
+                <a16:creationId xmlns:a16="http://schemas.microsoft.com/office/drawing/2014/main" id="{F464661C-4935-14AE-EDCB-C40A7BCD2332}"/>
+              </a:ext>
+            </a:extLst>
+          </p:cNvPr>
+          <p:cNvSpPr/>
+          <p:nvPr/>
+        </p:nvSpPr>
+        <p:spPr>
+          <a:xfrm>
+            <a:off x="203200" y="0"/>
+            <a:ext cx="10147300" cy="327048"/>
+          </a:xfrm>
+          <a:prstGeom prst="rect">
+            <a:avLst/>
+          </a:prstGeom>
+        </p:spPr>
+        <p:style>
+          <a:lnRef idx="2">
+            <a:schemeClr val="accent1">
+              <a:shade val="15000"/>
+            </a:schemeClr>
+          </a:lnRef>
+          <a:fillRef idx="1">
+            <a:schemeClr val="accent1"/>
+          </a:fillRef>
+          <a:effectRef idx="0">
+            <a:schemeClr val="accent1"/>
+          </a:effectRef>
+          <a:fontRef idx="minor">
+            <a:schemeClr val="lt1"/>
+          </a:fontRef>
+        </p:style>
+        <p:txBody>
+          <a:bodyPr rtlCol="0" anchor="ctr"/>
+          <a:lstStyle/>
+          <a:p>
+            <a:pPr algn="ctr"/>
+            <a:r>
+              <a:rPr lang="de-DE"/>
+              <a:t>MWDI deviceList &amp; metadata table</a:t>
+            </a:r>
+          </a:p>
+        </p:txBody>
+      </p:sp>
+      <p:sp>
+        <p:nvSpPr>
+          <p:cNvPr id="5" name="Rechteck: abgerundete Ecken 4">
+            <a:extLst>
+              <a:ext uri="{FF2B5EF4-FFF2-40B4-BE49-F238E27FC236}">
+                <a16:creationId xmlns:a16="http://schemas.microsoft.com/office/drawing/2014/main" id="{52AA7FA5-C085-79F2-0107-E0EA0612820E}"/>
+              </a:ext>
+            </a:extLst>
+          </p:cNvPr>
+          <p:cNvSpPr/>
+          <p:nvPr/>
+        </p:nvSpPr>
+        <p:spPr>
+          <a:xfrm>
+            <a:off x="347072" y="640747"/>
+            <a:ext cx="4191556" cy="5576506"/>
+          </a:xfrm>
+          <a:prstGeom prst="roundRect">
+            <a:avLst>
+              <a:gd name="adj" fmla="val 3132"/>
+            </a:avLst>
+          </a:prstGeom>
+          <a:gradFill>
+            <a:gsLst>
+              <a:gs pos="26000">
+                <a:srgbClr val="DDEEFB"/>
+              </a:gs>
+              <a:gs pos="79000">
+                <a:srgbClr val="CEE7FA"/>
+              </a:gs>
+              <a:gs pos="100000">
+                <a:schemeClr val="accent4">
+                  <a:lumMod val="105000"/>
+                  <a:satMod val="109000"/>
+                  <a:tint val="81000"/>
+                </a:schemeClr>
+              </a:gs>
+            </a:gsLst>
+          </a:gradFill>
+          <a:ln>
+            <a:solidFill>
+              <a:srgbClr val="002060"/>
+            </a:solidFill>
+          </a:ln>
+        </p:spPr>
+        <p:style>
+          <a:lnRef idx="1">
+            <a:schemeClr val="accent4"/>
+          </a:lnRef>
+          <a:fillRef idx="2">
+            <a:schemeClr val="accent4"/>
+          </a:fillRef>
+          <a:effectRef idx="1">
+            <a:schemeClr val="accent4"/>
+          </a:effectRef>
+          <a:fontRef idx="minor">
+            <a:schemeClr val="dk1"/>
+          </a:fontRef>
+        </p:style>
+        <p:txBody>
+          <a:bodyPr rtlCol="0" anchor="ctr"/>
+          <a:lstStyle/>
+          <a:p>
+            <a:pPr algn="ctr"/>
+            <a:endParaRPr lang="de-DE">
+              <a:solidFill>
+                <a:schemeClr val="dk1"/>
+              </a:solidFill>
+            </a:endParaRPr>
+          </a:p>
+        </p:txBody>
+      </p:sp>
+      <p:sp>
+        <p:nvSpPr>
+          <p:cNvPr id="6" name="Textfeld 5">
+            <a:extLst>
+              <a:ext uri="{FF2B5EF4-FFF2-40B4-BE49-F238E27FC236}">
+                <a16:creationId xmlns:a16="http://schemas.microsoft.com/office/drawing/2014/main" id="{441CD519-2B66-00F3-C4CE-00F8A60F9D95}"/>
+              </a:ext>
+            </a:extLst>
+          </p:cNvPr>
+          <p:cNvSpPr txBox="1"/>
+          <p:nvPr/>
+        </p:nvSpPr>
+        <p:spPr>
+          <a:xfrm>
+            <a:off x="377107" y="640747"/>
+            <a:ext cx="4131486" cy="5539978"/>
+          </a:xfrm>
+          <a:prstGeom prst="rect">
+            <a:avLst/>
+          </a:prstGeom>
+          <a:noFill/>
+        </p:spPr>
+        <p:txBody>
+          <a:bodyPr wrap="square" rtlCol="0">
+            <a:spAutoFit/>
+          </a:bodyPr>
+          <a:lstStyle/>
+          <a:p>
+            <a:r>
+              <a:rPr lang="de-DE" sz="1400" b="1">
+                <a:solidFill>
+                  <a:srgbClr val="002060"/>
+                </a:solidFill>
+              </a:rPr>
+              <a:t>DeviceList</a:t>
+            </a:r>
+          </a:p>
+          <a:p>
+            <a:endParaRPr lang="de-DE" sz="1200"/>
+          </a:p>
+          <a:p>
+            <a:pPr marL="285750" indent="-285750">
+              <a:buFont typeface="Arial" panose="020B0604020202020204" pitchFamily="34" charset="0"/>
+              <a:buChar char="•"/>
+            </a:pPr>
+            <a:r>
+              <a:rPr lang="de-DE" sz="1200"/>
+              <a:t>Contains </a:t>
+            </a:r>
+            <a:r>
+              <a:rPr lang="de-DE" sz="1200" b="1"/>
+              <a:t>only devices </a:t>
+            </a:r>
+            <a:r>
+              <a:rPr lang="de-DE" sz="1200"/>
+              <a:t>which are </a:t>
+            </a:r>
+            <a:r>
+              <a:rPr lang="de-DE" sz="1200" b="1"/>
+              <a:t>in connected state </a:t>
+            </a:r>
+            <a:r>
+              <a:rPr lang="de-DE" sz="1200"/>
+              <a:t>on the Controller</a:t>
+            </a:r>
+          </a:p>
+          <a:p>
+            <a:pPr marL="285750" indent="-285750">
+              <a:buFont typeface="Arial" panose="020B0604020202020204" pitchFamily="34" charset="0"/>
+              <a:buChar char="•"/>
+            </a:pPr>
+            <a:r>
+              <a:rPr lang="de-DE" sz="1200" b="1"/>
+              <a:t>MWDI</a:t>
+            </a:r>
+            <a:r>
+              <a:rPr lang="de-DE" sz="1200"/>
+              <a:t> </a:t>
+            </a:r>
+            <a:r>
+              <a:rPr lang="de-DE" sz="1200" b="1"/>
+              <a:t>stores</a:t>
+            </a:r>
+            <a:r>
+              <a:rPr lang="de-DE" sz="1200"/>
+              <a:t> the controlConstructs (</a:t>
+            </a:r>
+            <a:r>
+              <a:rPr lang="de-DE" sz="1200" b="1"/>
+              <a:t>CCs</a:t>
+            </a:r>
+            <a:r>
+              <a:rPr lang="de-DE" sz="1200"/>
+              <a:t>) </a:t>
+            </a:r>
+            <a:r>
+              <a:rPr lang="de-DE" sz="1200" b="1"/>
+              <a:t>of all devices in the deviceList</a:t>
+            </a:r>
+            <a:r>
+              <a:rPr lang="de-DE" sz="1200"/>
+              <a:t> in its cache</a:t>
+            </a:r>
+          </a:p>
+          <a:p>
+            <a:endParaRPr lang="de-DE" sz="1200"/>
+          </a:p>
+          <a:p>
+            <a:r>
+              <a:rPr lang="de-DE" sz="1200" b="1" u="sng"/>
+              <a:t>DeviceList Update</a:t>
+            </a:r>
+          </a:p>
+          <a:p>
+            <a:pPr marL="285750" indent="-285750">
+              <a:buFont typeface="Arial" panose="020B0604020202020204" pitchFamily="34" charset="0"/>
+              <a:buChar char="•"/>
+            </a:pPr>
+            <a:r>
+              <a:rPr lang="de-DE" sz="1200"/>
+              <a:t>deviceList is </a:t>
+            </a:r>
+            <a:r>
+              <a:rPr lang="de-DE" sz="1200" b="1"/>
+              <a:t>periodically</a:t>
+            </a:r>
+            <a:r>
+              <a:rPr lang="de-DE" sz="1200"/>
+              <a:t> </a:t>
+            </a:r>
+            <a:r>
+              <a:rPr lang="de-DE" sz="1200" b="1"/>
+              <a:t>synced</a:t>
+            </a:r>
+            <a:r>
+              <a:rPr lang="de-DE" sz="1200"/>
+              <a:t> with Controller </a:t>
+            </a:r>
+            <a:r>
+              <a:rPr lang="de-DE" sz="1200" b="1"/>
+              <a:t>&amp;</a:t>
+            </a:r>
+            <a:r>
+              <a:rPr lang="de-DE" sz="1200"/>
+              <a:t> also </a:t>
+            </a:r>
+            <a:r>
+              <a:rPr lang="de-DE" sz="1200" b="1"/>
+              <a:t>updated by related notifications</a:t>
+            </a:r>
+          </a:p>
+          <a:p>
+            <a:pPr marL="742950" lvl="1" indent="-285750">
+              <a:buFont typeface="Wingdings" panose="05000000000000000000" pitchFamily="2" charset="2"/>
+              <a:buChar char="§"/>
+            </a:pPr>
+            <a:r>
+              <a:rPr lang="de-DE" sz="1100"/>
+              <a:t>Not yet included devices in connected state are added to MWDI deviceList; their CCs are retrieved with priority</a:t>
+            </a:r>
+          </a:p>
+          <a:p>
+            <a:pPr marL="742950" lvl="1" indent="-285750">
+              <a:buFont typeface="Wingdings" panose="05000000000000000000" pitchFamily="2" charset="2"/>
+              <a:buChar char="§"/>
+            </a:pPr>
+            <a:r>
+              <a:rPr lang="de-DE" sz="1100"/>
+              <a:t>Device no longer in connected state are deleted from MWDI deviceList if still included; the related CC is deleted from the cache</a:t>
+            </a:r>
+          </a:p>
+          <a:p>
+            <a:pPr marL="742950" lvl="1" indent="-285750">
+              <a:buFont typeface="Wingdings" panose="05000000000000000000" pitchFamily="2" charset="2"/>
+              <a:buChar char="§"/>
+            </a:pPr>
+            <a:r>
+              <a:rPr lang="de-DE" sz="1100"/>
+              <a:t>The periodic sync time period is set in integer profile </a:t>
+            </a:r>
+            <a:r>
+              <a:rPr lang="de-DE" sz="1100" i="1"/>
+              <a:t>deviceListSyncPeriod</a:t>
+            </a:r>
+            <a:r>
+              <a:rPr lang="de-DE" sz="1100"/>
+              <a:t> (in spec 24 hours)</a:t>
+            </a:r>
+          </a:p>
+          <a:p>
+            <a:pPr marL="285750" indent="-285750">
+              <a:buFont typeface="Arial" panose="020B0604020202020204" pitchFamily="34" charset="0"/>
+              <a:buChar char="•"/>
+            </a:pPr>
+            <a:endParaRPr lang="de-DE" sz="1200"/>
+          </a:p>
+          <a:p>
+            <a:r>
+              <a:rPr lang="de-DE" sz="1200" b="1" u="sng"/>
+              <a:t>ControlConstruct updates</a:t>
+            </a:r>
+          </a:p>
+          <a:p>
+            <a:pPr marL="285750" indent="-285750">
+              <a:buFont typeface="Arial" panose="020B0604020202020204" pitchFamily="34" charset="0"/>
+              <a:buChar char="•"/>
+            </a:pPr>
+            <a:r>
+              <a:rPr lang="de-DE" sz="1200"/>
+              <a:t>To retrieve the CCs of all devices, a </a:t>
+            </a:r>
+            <a:r>
+              <a:rPr lang="de-DE" sz="1200" b="1"/>
+              <a:t>sliding window </a:t>
+            </a:r>
+            <a:r>
+              <a:rPr lang="de-DE" sz="1200"/>
+              <a:t>runs over the deviceList (periodic retrieval)</a:t>
+            </a:r>
+          </a:p>
+          <a:p>
+            <a:pPr marL="285750" indent="-285750">
+              <a:buFont typeface="Arial" panose="020B0604020202020204" pitchFamily="34" charset="0"/>
+              <a:buChar char="•"/>
+            </a:pPr>
+            <a:r>
+              <a:rPr lang="de-DE" sz="1200"/>
+              <a:t>The device‘s </a:t>
+            </a:r>
+            <a:r>
+              <a:rPr lang="de-DE" sz="1200" b="1"/>
+              <a:t>CCs</a:t>
+            </a:r>
+            <a:r>
+              <a:rPr lang="de-DE" sz="1200"/>
+              <a:t> are</a:t>
+            </a:r>
+            <a:r>
+              <a:rPr lang="de-DE" sz="1200" b="1"/>
+              <a:t> updated completely by the periodic retrieval</a:t>
+            </a:r>
+          </a:p>
+          <a:p>
+            <a:pPr marL="285750" indent="-285750">
+              <a:buFont typeface="Arial" panose="020B0604020202020204" pitchFamily="34" charset="0"/>
+              <a:buChar char="•"/>
+            </a:pPr>
+            <a:r>
+              <a:rPr lang="de-DE" sz="1200"/>
+              <a:t>In addition the </a:t>
+            </a:r>
+            <a:r>
+              <a:rPr lang="de-DE" sz="1200" b="1"/>
+              <a:t>CCs are updated partially </a:t>
+            </a:r>
+            <a:r>
+              <a:rPr lang="de-DE" sz="1200"/>
+              <a:t>after related </a:t>
+            </a:r>
+            <a:r>
+              <a:rPr lang="de-DE" sz="1200" b="1"/>
+              <a:t>notifications</a:t>
+            </a:r>
+            <a:r>
+              <a:rPr lang="de-DE" sz="1200"/>
+              <a:t> are received</a:t>
+            </a:r>
+          </a:p>
+          <a:p>
+            <a:pPr marL="285750" indent="-285750">
+              <a:buFont typeface="Arial" panose="020B0604020202020204" pitchFamily="34" charset="0"/>
+              <a:buChar char="•"/>
+            </a:pPr>
+            <a:endParaRPr lang="de-DE" sz="1200"/>
+          </a:p>
+          <a:p>
+            <a:pPr marL="285750" indent="-285750">
+              <a:buFont typeface="Arial" panose="020B0604020202020204" pitchFamily="34" charset="0"/>
+              <a:buChar char="•"/>
+            </a:pPr>
+            <a:r>
+              <a:rPr lang="de-DE" sz="1200"/>
+              <a:t>The deviceList can be retrieved via service </a:t>
+            </a:r>
+            <a:r>
+              <a:rPr lang="de-DE" sz="1200" b="1"/>
+              <a:t>/v1/provide-list-of-connected-devices</a:t>
+            </a:r>
+            <a:r>
+              <a:rPr lang="de-DE" sz="1200"/>
+              <a:t>, which only returns the list of mount-names without any additional information</a:t>
+            </a:r>
+          </a:p>
+        </p:txBody>
+      </p:sp>
+      <p:sp>
+        <p:nvSpPr>
+          <p:cNvPr id="9" name="Rechteck: abgerundete Ecken 8">
+            <a:extLst>
+              <a:ext uri="{FF2B5EF4-FFF2-40B4-BE49-F238E27FC236}">
+                <a16:creationId xmlns:a16="http://schemas.microsoft.com/office/drawing/2014/main" id="{91F2F1E8-04E1-EB5A-C1CA-3AC3155C5ECC}"/>
+              </a:ext>
+            </a:extLst>
+          </p:cNvPr>
+          <p:cNvSpPr/>
+          <p:nvPr/>
+        </p:nvSpPr>
+        <p:spPr>
+          <a:xfrm>
+            <a:off x="5098170" y="640747"/>
+            <a:ext cx="5147116" cy="5576506"/>
+          </a:xfrm>
+          <a:prstGeom prst="roundRect">
+            <a:avLst>
+              <a:gd name="adj" fmla="val 3132"/>
+            </a:avLst>
+          </a:prstGeom>
+          <a:gradFill>
+            <a:gsLst>
+              <a:gs pos="26000">
+                <a:schemeClr val="accent6">
+                  <a:lumMod val="20000"/>
+                  <a:lumOff val="80000"/>
+                </a:schemeClr>
+              </a:gs>
+              <a:gs pos="78000">
+                <a:srgbClr val="CEE7FA"/>
+              </a:gs>
+              <a:gs pos="100000">
+                <a:schemeClr val="accent4">
+                  <a:lumMod val="105000"/>
+                  <a:satMod val="109000"/>
+                  <a:tint val="81000"/>
+                </a:schemeClr>
+              </a:gs>
+            </a:gsLst>
+          </a:gradFill>
+          <a:ln>
+            <a:solidFill>
+              <a:srgbClr val="002060"/>
+            </a:solidFill>
+          </a:ln>
+        </p:spPr>
+        <p:style>
+          <a:lnRef idx="1">
+            <a:schemeClr val="accent4"/>
+          </a:lnRef>
+          <a:fillRef idx="2">
+            <a:schemeClr val="accent4"/>
+          </a:fillRef>
+          <a:effectRef idx="1">
+            <a:schemeClr val="accent4"/>
+          </a:effectRef>
+          <a:fontRef idx="minor">
+            <a:schemeClr val="dk1"/>
+          </a:fontRef>
+        </p:style>
+        <p:txBody>
+          <a:bodyPr rtlCol="0" anchor="ctr"/>
+          <a:lstStyle/>
+          <a:p>
+            <a:pPr algn="ctr"/>
+            <a:endParaRPr lang="de-DE">
+              <a:solidFill>
+                <a:schemeClr val="dk1"/>
+              </a:solidFill>
+            </a:endParaRPr>
+          </a:p>
+        </p:txBody>
+      </p:sp>
+      <p:sp>
+        <p:nvSpPr>
+          <p:cNvPr id="10" name="Textfeld 9">
+            <a:extLst>
+              <a:ext uri="{FF2B5EF4-FFF2-40B4-BE49-F238E27FC236}">
+                <a16:creationId xmlns:a16="http://schemas.microsoft.com/office/drawing/2014/main" id="{866064A0-3D33-468D-D66B-665A651E8387}"/>
+              </a:ext>
+            </a:extLst>
+          </p:cNvPr>
+          <p:cNvSpPr txBox="1"/>
+          <p:nvPr/>
+        </p:nvSpPr>
+        <p:spPr>
+          <a:xfrm>
+            <a:off x="5172702" y="677275"/>
+            <a:ext cx="5072584" cy="5109091"/>
+          </a:xfrm>
+          <a:prstGeom prst="rect">
+            <a:avLst/>
+          </a:prstGeom>
+          <a:noFill/>
+        </p:spPr>
+        <p:txBody>
+          <a:bodyPr wrap="square" rtlCol="0">
+            <a:spAutoFit/>
+          </a:bodyPr>
+          <a:lstStyle/>
+          <a:p>
+            <a:r>
+              <a:rPr lang="de-DE" sz="1400" b="1">
+                <a:solidFill>
+                  <a:schemeClr val="accent6">
+                    <a:lumMod val="50000"/>
+                  </a:schemeClr>
+                </a:solidFill>
+              </a:rPr>
+              <a:t>Metadata table</a:t>
+            </a:r>
+          </a:p>
+          <a:p>
+            <a:endParaRPr lang="de-DE" sz="1200"/>
+          </a:p>
+          <a:p>
+            <a:pPr marL="285750" indent="-285750">
+              <a:buFont typeface="Arial" panose="020B0604020202020204" pitchFamily="34" charset="0"/>
+              <a:buChar char="•"/>
+            </a:pPr>
+            <a:r>
+              <a:rPr lang="de-DE" sz="1200"/>
+              <a:t>Contains </a:t>
+            </a:r>
+            <a:r>
+              <a:rPr lang="de-DE" sz="1200" b="1"/>
+              <a:t>all devices</a:t>
+            </a:r>
+            <a:r>
+              <a:rPr lang="de-DE" sz="1200"/>
+              <a:t>, not only connected ones</a:t>
+            </a:r>
+          </a:p>
+          <a:p>
+            <a:pPr marL="285750" indent="-285750">
+              <a:buFont typeface="Arial" panose="020B0604020202020204" pitchFamily="34" charset="0"/>
+              <a:buChar char="•"/>
+            </a:pPr>
+            <a:r>
+              <a:rPr lang="de-DE" sz="1200"/>
+              <a:t>Stores </a:t>
+            </a:r>
+            <a:r>
+              <a:rPr lang="de-DE" sz="1200" b="1"/>
+              <a:t>metadata about the devices and CCs</a:t>
+            </a:r>
+          </a:p>
+          <a:p>
+            <a:pPr marL="285750" indent="-285750">
+              <a:buFont typeface="Arial" panose="020B0604020202020204" pitchFamily="34" charset="0"/>
+              <a:buChar char="•"/>
+            </a:pPr>
+            <a:endParaRPr lang="de-DE" sz="1200" b="1"/>
+          </a:p>
+          <a:p>
+            <a:pPr marL="285750" indent="-285750">
+              <a:buFont typeface="Arial" panose="020B0604020202020204" pitchFamily="34" charset="0"/>
+              <a:buChar char="•"/>
+            </a:pPr>
+            <a:endParaRPr lang="de-DE" sz="1200" b="1"/>
+          </a:p>
+          <a:p>
+            <a:pPr marL="285750" indent="-285750">
+              <a:buFont typeface="Arial" panose="020B0604020202020204" pitchFamily="34" charset="0"/>
+              <a:buChar char="•"/>
+            </a:pPr>
+            <a:endParaRPr lang="de-DE" sz="1200" b="1"/>
+          </a:p>
+          <a:p>
+            <a:r>
+              <a:rPr lang="de-DE" sz="1200" b="1" u="sng"/>
+              <a:t>Contained devices</a:t>
+            </a:r>
+          </a:p>
+          <a:p>
+            <a:pPr marL="171450" indent="-171450">
+              <a:buFont typeface="Arial" panose="020B0604020202020204" pitchFamily="34" charset="0"/>
+              <a:buChar char="•"/>
+            </a:pPr>
+            <a:r>
+              <a:rPr lang="de-DE" sz="1200"/>
+              <a:t>Added: </a:t>
+            </a:r>
+          </a:p>
+          <a:p>
+            <a:pPr marL="628650" lvl="1" indent="-171450">
+              <a:buFont typeface="Arial" panose="020B0604020202020204" pitchFamily="34" charset="0"/>
+              <a:buChar char="•"/>
+            </a:pPr>
+            <a:r>
+              <a:rPr lang="de-DE" sz="1200"/>
+              <a:t>when device is added to deviceList, it is also added to the metadata table (periodic deviceList sync or notification-based update)</a:t>
+            </a:r>
+          </a:p>
+          <a:p>
+            <a:pPr marL="628650" lvl="1" indent="-171450">
+              <a:buFont typeface="Arial" panose="020B0604020202020204" pitchFamily="34" charset="0"/>
+              <a:buChar char="•"/>
+            </a:pPr>
+            <a:r>
+              <a:rPr lang="de-DE" sz="1200"/>
+              <a:t>And in addition there is a periodic connection-state retrieval (</a:t>
+            </a:r>
+            <a:r>
+              <a:rPr lang="de-DE" sz="1200" i="1"/>
+              <a:t>connectionStatusSyncPeriod </a:t>
+            </a:r>
+            <a:r>
+              <a:rPr lang="de-DE" sz="1200"/>
+              <a:t>profile instance)</a:t>
+            </a:r>
+          </a:p>
+          <a:p>
+            <a:pPr marL="171450" indent="-171450">
+              <a:buFont typeface="Arial" panose="020B0604020202020204" pitchFamily="34" charset="0"/>
+              <a:buChar char="•"/>
+            </a:pPr>
+            <a:r>
+              <a:rPr lang="de-DE" sz="1200"/>
+              <a:t>Deletion:</a:t>
+            </a:r>
+          </a:p>
+          <a:p>
+            <a:pPr marL="628650" lvl="1" indent="-171450">
+              <a:buFont typeface="Arial" panose="020B0604020202020204" pitchFamily="34" charset="0"/>
+              <a:buChar char="•"/>
+            </a:pPr>
+            <a:r>
+              <a:rPr lang="de-DE" sz="1200"/>
+              <a:t>It is not deleted immediately upon leaving the connected state, but is kept for a retention period (</a:t>
+            </a:r>
+            <a:r>
+              <a:rPr lang="de-DE" sz="1200" i="1"/>
+              <a:t>metadataTableRetentionPeriod </a:t>
+            </a:r>
+            <a:r>
+              <a:rPr lang="de-DE" sz="1200"/>
+              <a:t>profile instance)</a:t>
+            </a:r>
+          </a:p>
+          <a:p>
+            <a:pPr marL="628650" lvl="1" indent="-171450">
+              <a:buFont typeface="Arial" panose="020B0604020202020204" pitchFamily="34" charset="0"/>
+              <a:buChar char="•"/>
+            </a:pPr>
+            <a:endParaRPr lang="de-DE" sz="1200" b="1"/>
+          </a:p>
+          <a:p>
+            <a:r>
+              <a:rPr lang="de-DE" sz="1200" b="1" u="sng"/>
+              <a:t>Stored data</a:t>
+            </a:r>
+          </a:p>
+          <a:p>
+            <a:pPr marL="285750" indent="-285750">
+              <a:buFont typeface="Arial" panose="020B0604020202020204" pitchFamily="34" charset="0"/>
+              <a:buChar char="•"/>
+            </a:pPr>
+            <a:r>
+              <a:rPr lang="de-DE" sz="1200"/>
+              <a:t>mount-name</a:t>
+            </a:r>
+          </a:p>
+          <a:p>
+            <a:pPr marL="285750" indent="-285750">
+              <a:buFont typeface="Arial" panose="020B0604020202020204" pitchFamily="34" charset="0"/>
+              <a:buChar char="•"/>
+            </a:pPr>
+            <a:r>
+              <a:rPr lang="de-DE" sz="1200"/>
+              <a:t>connection-status</a:t>
+            </a:r>
+          </a:p>
+          <a:p>
+            <a:pPr marL="285750" indent="-285750">
+              <a:buFont typeface="Arial" panose="020B0604020202020204" pitchFamily="34" charset="0"/>
+              <a:buChar char="•"/>
+            </a:pPr>
+            <a:r>
+              <a:rPr lang="de-DE" sz="1200"/>
+              <a:t>timestamps: change-to-disconnected-time, added-to-deviceList-time, last-complete-control-construct-update-time, last-control-construct-notification-update-time</a:t>
+            </a:r>
+          </a:p>
+          <a:p>
+            <a:pPr marL="285750" indent="-285750">
+              <a:buFont typeface="Arial" panose="020B0604020202020204" pitchFamily="34" charset="0"/>
+              <a:buChar char="•"/>
+            </a:pPr>
+            <a:r>
+              <a:rPr lang="de-DE" sz="1200"/>
+              <a:t>number-of-partial-updates-since-last-complete-update</a:t>
+            </a:r>
+          </a:p>
+          <a:p>
+            <a:pPr marL="285750" indent="-285750">
+              <a:buFont typeface="Arial" panose="020B0604020202020204" pitchFamily="34" charset="0"/>
+              <a:buChar char="•"/>
+            </a:pPr>
+            <a:r>
+              <a:rPr lang="de-DE" sz="1200"/>
+              <a:t>schema-cache-directory </a:t>
+            </a:r>
+          </a:p>
+        </p:txBody>
+      </p:sp>
+      <p:sp>
+        <p:nvSpPr>
+          <p:cNvPr id="2" name="Rechteck 1">
+            <a:extLst>
+              <a:ext uri="{FF2B5EF4-FFF2-40B4-BE49-F238E27FC236}">
+                <a16:creationId xmlns:a16="http://schemas.microsoft.com/office/drawing/2014/main" id="{634C3E3B-A3C3-FD81-0FAA-3D589DB7FFF6}"/>
+              </a:ext>
+            </a:extLst>
+          </p:cNvPr>
+          <p:cNvSpPr/>
+          <p:nvPr/>
+        </p:nvSpPr>
+        <p:spPr>
+          <a:xfrm>
+            <a:off x="0" y="2623060"/>
+            <a:ext cx="12192000" cy="413816"/>
+          </a:xfrm>
+          <a:prstGeom prst="rect">
+            <a:avLst/>
+          </a:prstGeom>
+        </p:spPr>
+        <p:style>
+          <a:lnRef idx="2">
+            <a:schemeClr val="accent5">
+              <a:shade val="15000"/>
+            </a:schemeClr>
+          </a:lnRef>
+          <a:fillRef idx="1">
+            <a:schemeClr val="accent5"/>
+          </a:fillRef>
+          <a:effectRef idx="0">
+            <a:schemeClr val="accent5"/>
+          </a:effectRef>
+          <a:fontRef idx="minor">
+            <a:schemeClr val="lt1"/>
+          </a:fontRef>
+        </p:style>
+        <p:txBody>
+          <a:bodyPr rtlCol="0" anchor="ctr"/>
+          <a:lstStyle/>
+          <a:p>
+            <a:pPr algn="ctr"/>
+            <a:r>
+              <a:rPr lang="de-DE"/>
+              <a:t>MWDI v1.2.x</a:t>
+            </a:r>
+          </a:p>
+        </p:txBody>
+      </p:sp>
+    </p:spTree>
+    <p:extLst>
+      <p:ext uri="{BB962C8B-B14F-4D97-AF65-F5344CB8AC3E}">
+        <p14:creationId xmlns:p14="http://schemas.microsoft.com/office/powerpoint/2010/main" val="3096072215"/>
+      </p:ext>
+    </p:extLst>
+  </p:cSld>
+  <p:clrMapOvr>
+    <a:masterClrMapping/>
+  </p:clrMapOvr>
+</p:sld>
+</file>
+
+<file path=ppt/slides/slide5.xml><?xml version="1.0" encoding="utf-8"?>
+<p:sld xmlns:a="http://schemas.openxmlformats.org/drawingml/2006/main" xmlns:r="http://schemas.openxmlformats.org/officeDocument/2006/relationships" xmlns:p="http://schemas.openxmlformats.org/presentationml/2006/main">
+  <p:cSld>
+    <p:spTree>
+      <p:nvGrpSpPr>
+        <p:cNvPr id="1" name="">
+          <a:extLst>
+            <a:ext uri="{FF2B5EF4-FFF2-40B4-BE49-F238E27FC236}">
+              <a16:creationId xmlns:a16="http://schemas.microsoft.com/office/drawing/2014/main" id="{8A0139B0-4B1C-1EF1-D2D0-7A0846BB4C27}"/>
+            </a:ext>
+          </a:extLst>
+        </p:cNvPr>
+        <p:cNvGrpSpPr/>
+        <p:nvPr/>
+      </p:nvGrpSpPr>
+      <p:grpSpPr>
+        <a:xfrm>
+          <a:off x="0" y="0"/>
+          <a:ext cx="0" cy="0"/>
+          <a:chOff x="0" y="0"/>
+          <a:chExt cx="0" cy="0"/>
+        </a:xfrm>
+      </p:grpSpPr>
+      <p:sp>
+        <p:nvSpPr>
+          <p:cNvPr id="31" name="Rechteck 30">
+            <a:extLst>
+              <a:ext uri="{FF2B5EF4-FFF2-40B4-BE49-F238E27FC236}">
+                <a16:creationId xmlns:a16="http://schemas.microsoft.com/office/drawing/2014/main" id="{72F7733C-AEF2-D6FA-1641-FBD13D72F52A}"/>
+              </a:ext>
+            </a:extLst>
+          </p:cNvPr>
+          <p:cNvSpPr/>
+          <p:nvPr/>
+        </p:nvSpPr>
+        <p:spPr>
+          <a:xfrm>
+            <a:off x="30709" y="209480"/>
+            <a:ext cx="13672592" cy="12414320"/>
+          </a:xfrm>
+          <a:prstGeom prst="rect">
+            <a:avLst/>
+          </a:prstGeom>
+          <a:solidFill>
+            <a:schemeClr val="bg1"/>
+          </a:solidFill>
+        </p:spPr>
+        <p:style>
+          <a:lnRef idx="2">
+            <a:schemeClr val="accent1">
+              <a:shade val="15000"/>
+            </a:schemeClr>
+          </a:lnRef>
+          <a:fillRef idx="1">
+            <a:schemeClr val="accent1"/>
+          </a:fillRef>
+          <a:effectRef idx="0">
+            <a:schemeClr val="accent1"/>
+          </a:effectRef>
+          <a:fontRef idx="minor">
+            <a:schemeClr val="lt1"/>
+          </a:fontRef>
+        </p:style>
+        <p:txBody>
+          <a:bodyPr rtlCol="0" anchor="ctr"/>
+          <a:lstStyle/>
+          <a:p>
+            <a:pPr algn="ctr"/>
+            <a:endParaRPr lang="de-DE"/>
+          </a:p>
+        </p:txBody>
+      </p:sp>
+      <p:sp>
+        <p:nvSpPr>
+          <p:cNvPr id="25" name="Textfeld 24">
+            <a:extLst>
+              <a:ext uri="{FF2B5EF4-FFF2-40B4-BE49-F238E27FC236}">
+                <a16:creationId xmlns:a16="http://schemas.microsoft.com/office/drawing/2014/main" id="{2FCFAF5C-A6EA-4E29-D883-2D67E89FFA6D}"/>
+              </a:ext>
+            </a:extLst>
+          </p:cNvPr>
+          <p:cNvSpPr txBox="1"/>
+          <p:nvPr/>
+        </p:nvSpPr>
+        <p:spPr>
+          <a:xfrm>
+            <a:off x="9946321" y="2219038"/>
+            <a:ext cx="2266943" cy="7894469"/>
+          </a:xfrm>
+          <a:prstGeom prst="rect">
+            <a:avLst/>
+          </a:prstGeom>
+          <a:noFill/>
+        </p:spPr>
+        <p:txBody>
+          <a:bodyPr wrap="square" rtlCol="0">
+            <a:spAutoFit/>
+          </a:bodyPr>
+          <a:lstStyle/>
+          <a:p>
+            <a:r>
+              <a:rPr lang="de-DE" sz="1000" b="1">
+                <a:solidFill>
+                  <a:schemeClr val="accent6">
+                    <a:lumMod val="50000"/>
+                  </a:schemeClr>
+                </a:solidFill>
+              </a:rPr>
+              <a:t>Does device from controller exist in metadata table already?</a:t>
+            </a:r>
+          </a:p>
+          <a:p>
+            <a:endParaRPr lang="de-DE" sz="1000" b="1">
+              <a:solidFill>
+                <a:schemeClr val="accent6">
+                  <a:lumMod val="50000"/>
+                </a:schemeClr>
+              </a:solidFill>
+            </a:endParaRPr>
+          </a:p>
+          <a:p>
+            <a:pPr marL="171450" indent="-171450">
+              <a:buFont typeface="Wingdings" panose="05000000000000000000" pitchFamily="2" charset="2"/>
+              <a:buChar char="Ø"/>
+            </a:pPr>
+            <a:r>
+              <a:rPr lang="de-DE" sz="1000" b="1">
+                <a:solidFill>
+                  <a:schemeClr val="accent6">
+                    <a:lumMod val="50000"/>
+                  </a:schemeClr>
+                </a:solidFill>
+              </a:rPr>
+              <a:t>no: </a:t>
+            </a:r>
+            <a:r>
+              <a:rPr lang="de-DE" sz="1000" u="sng">
+                <a:solidFill>
+                  <a:schemeClr val="accent6">
+                    <a:lumMod val="50000"/>
+                  </a:schemeClr>
+                </a:solidFill>
+              </a:rPr>
+              <a:t>add </a:t>
+            </a:r>
+            <a:r>
+              <a:rPr lang="de-DE" sz="1000">
+                <a:solidFill>
+                  <a:schemeClr val="accent6">
+                    <a:lumMod val="50000"/>
+                  </a:schemeClr>
+                </a:solidFill>
+              </a:rPr>
+              <a:t>it</a:t>
+            </a:r>
+          </a:p>
+          <a:p>
+            <a:endParaRPr lang="de-DE" sz="1000">
+              <a:solidFill>
+                <a:schemeClr val="accent6">
+                  <a:lumMod val="50000"/>
+                </a:schemeClr>
+              </a:solidFill>
+            </a:endParaRPr>
+          </a:p>
+          <a:p>
+            <a:endParaRPr lang="de-DE" sz="1000">
+              <a:solidFill>
+                <a:schemeClr val="accent6">
+                  <a:lumMod val="50000"/>
+                </a:schemeClr>
+              </a:solidFill>
+            </a:endParaRPr>
+          </a:p>
+          <a:p>
+            <a:endParaRPr lang="de-DE" sz="1000">
+              <a:solidFill>
+                <a:schemeClr val="accent6">
+                  <a:lumMod val="50000"/>
+                </a:schemeClr>
+              </a:solidFill>
+            </a:endParaRPr>
+          </a:p>
+          <a:p>
+            <a:endParaRPr lang="de-DE" sz="1000">
+              <a:solidFill>
+                <a:schemeClr val="accent6">
+                  <a:lumMod val="50000"/>
+                </a:schemeClr>
+              </a:solidFill>
+            </a:endParaRPr>
+          </a:p>
+          <a:p>
+            <a:endParaRPr lang="de-DE" sz="1000">
+              <a:solidFill>
+                <a:schemeClr val="accent6">
+                  <a:lumMod val="50000"/>
+                </a:schemeClr>
+              </a:solidFill>
+            </a:endParaRPr>
+          </a:p>
+          <a:p>
+            <a:endParaRPr lang="de-DE" sz="1000">
+              <a:solidFill>
+                <a:schemeClr val="accent6">
+                  <a:lumMod val="50000"/>
+                </a:schemeClr>
+              </a:solidFill>
+            </a:endParaRPr>
+          </a:p>
+          <a:p>
+            <a:endParaRPr lang="de-DE" sz="1000">
+              <a:solidFill>
+                <a:schemeClr val="accent6">
+                  <a:lumMod val="50000"/>
+                </a:schemeClr>
+              </a:solidFill>
+            </a:endParaRPr>
+          </a:p>
+          <a:p>
+            <a:endParaRPr lang="de-DE" sz="700">
+              <a:solidFill>
+                <a:schemeClr val="accent6">
+                  <a:lumMod val="50000"/>
+                </a:schemeClr>
+              </a:solidFill>
+            </a:endParaRPr>
+          </a:p>
+          <a:p>
+            <a:pPr marL="171450" indent="-171450">
+              <a:buFont typeface="Wingdings" panose="05000000000000000000" pitchFamily="2" charset="2"/>
+              <a:buChar char="Ø"/>
+            </a:pPr>
+            <a:r>
+              <a:rPr lang="de-DE" sz="1000" b="1">
+                <a:solidFill>
+                  <a:schemeClr val="accent6">
+                    <a:lumMod val="50000"/>
+                  </a:schemeClr>
+                </a:solidFill>
+              </a:rPr>
+              <a:t>Yes</a:t>
+            </a:r>
+            <a:r>
+              <a:rPr lang="de-DE" sz="1000">
+                <a:solidFill>
+                  <a:schemeClr val="accent6">
+                    <a:lumMod val="50000"/>
+                  </a:schemeClr>
+                </a:solidFill>
+              </a:rPr>
+              <a:t>: </a:t>
+            </a:r>
+            <a:r>
+              <a:rPr lang="de-DE" sz="1000" u="sng">
+                <a:solidFill>
+                  <a:schemeClr val="accent6">
+                    <a:lumMod val="50000"/>
+                  </a:schemeClr>
+                </a:solidFill>
+              </a:rPr>
+              <a:t>update </a:t>
+            </a:r>
+            <a:r>
+              <a:rPr lang="de-DE" sz="1000">
+                <a:solidFill>
+                  <a:schemeClr val="accent6">
+                    <a:lumMod val="50000"/>
+                  </a:schemeClr>
+                </a:solidFill>
+              </a:rPr>
+              <a:t>it if necessary</a:t>
+            </a:r>
+          </a:p>
+          <a:p>
+            <a:pPr marL="361950" indent="-180975">
+              <a:buFont typeface="Wingdings" panose="05000000000000000000" pitchFamily="2" charset="2"/>
+              <a:buChar char="§"/>
+            </a:pPr>
+            <a:r>
+              <a:rPr lang="de-DE" sz="1000">
+                <a:solidFill>
+                  <a:schemeClr val="accent6">
+                    <a:lumMod val="50000"/>
+                  </a:schemeClr>
+                </a:solidFill>
+              </a:rPr>
+              <a:t>If status is connected on controller, but not in table:</a:t>
+            </a:r>
+          </a:p>
+          <a:p>
+            <a:pPr marL="361950" indent="-180975">
+              <a:buFont typeface="Wingdings" panose="05000000000000000000" pitchFamily="2" charset="2"/>
+              <a:buChar char="§"/>
+            </a:pPr>
+            <a:endParaRPr lang="de-DE" sz="1000">
+              <a:solidFill>
+                <a:schemeClr val="accent6">
+                  <a:lumMod val="50000"/>
+                </a:schemeClr>
+              </a:solidFill>
+            </a:endParaRPr>
+          </a:p>
+          <a:p>
+            <a:pPr marL="361950" indent="-180975">
+              <a:buFont typeface="Wingdings" panose="05000000000000000000" pitchFamily="2" charset="2"/>
+              <a:buChar char="§"/>
+            </a:pPr>
+            <a:endParaRPr lang="de-DE" sz="1000">
+              <a:solidFill>
+                <a:schemeClr val="accent6">
+                  <a:lumMod val="50000"/>
+                </a:schemeClr>
+              </a:solidFill>
+            </a:endParaRPr>
+          </a:p>
+          <a:p>
+            <a:pPr marL="361950" indent="-180975">
+              <a:buFont typeface="Wingdings" panose="05000000000000000000" pitchFamily="2" charset="2"/>
+              <a:buChar char="§"/>
+            </a:pPr>
+            <a:endParaRPr lang="de-DE" sz="1000">
+              <a:solidFill>
+                <a:schemeClr val="accent6">
+                  <a:lumMod val="50000"/>
+                </a:schemeClr>
+              </a:solidFill>
+            </a:endParaRPr>
+          </a:p>
+          <a:p>
+            <a:pPr marL="361950" indent="-180975">
+              <a:buFont typeface="Wingdings" panose="05000000000000000000" pitchFamily="2" charset="2"/>
+              <a:buChar char="§"/>
+            </a:pPr>
+            <a:endParaRPr lang="de-DE" sz="1000">
+              <a:solidFill>
+                <a:schemeClr val="accent6">
+                  <a:lumMod val="50000"/>
+                </a:schemeClr>
+              </a:solidFill>
+            </a:endParaRPr>
+          </a:p>
+          <a:p>
+            <a:pPr marL="361950" indent="-180975">
+              <a:buFont typeface="Wingdings" panose="05000000000000000000" pitchFamily="2" charset="2"/>
+              <a:buChar char="§"/>
+            </a:pPr>
+            <a:r>
+              <a:rPr lang="de-DE" sz="1000">
+                <a:solidFill>
+                  <a:schemeClr val="accent6">
+                    <a:lumMod val="50000"/>
+                  </a:schemeClr>
+                </a:solidFill>
+              </a:rPr>
+              <a:t>If status != connected anymore on controller, but in table still marked as connected:</a:t>
+            </a:r>
+          </a:p>
+          <a:p>
+            <a:pPr marL="361950" indent="-180975">
+              <a:buFont typeface="Wingdings" panose="05000000000000000000" pitchFamily="2" charset="2"/>
+              <a:buChar char="§"/>
+            </a:pPr>
+            <a:endParaRPr lang="de-DE" sz="1000">
+              <a:solidFill>
+                <a:schemeClr val="accent6">
+                  <a:lumMod val="50000"/>
+                </a:schemeClr>
+              </a:solidFill>
+            </a:endParaRPr>
+          </a:p>
+          <a:p>
+            <a:pPr marL="361950" indent="-180975">
+              <a:buFont typeface="Wingdings" panose="05000000000000000000" pitchFamily="2" charset="2"/>
+              <a:buChar char="§"/>
+            </a:pPr>
+            <a:endParaRPr lang="de-DE" sz="1000">
+              <a:solidFill>
+                <a:schemeClr val="accent6">
+                  <a:lumMod val="50000"/>
+                </a:schemeClr>
+              </a:solidFill>
+            </a:endParaRPr>
+          </a:p>
+          <a:p>
+            <a:endParaRPr lang="de-DE" sz="1000">
+              <a:solidFill>
+                <a:schemeClr val="accent6">
+                  <a:lumMod val="50000"/>
+                </a:schemeClr>
+              </a:solidFill>
+            </a:endParaRPr>
+          </a:p>
+          <a:p>
+            <a:endParaRPr lang="de-DE" sz="1000">
+              <a:solidFill>
+                <a:schemeClr val="accent6">
+                  <a:lumMod val="50000"/>
+                </a:schemeClr>
+              </a:solidFill>
+            </a:endParaRPr>
+          </a:p>
+          <a:p>
+            <a:endParaRPr lang="de-DE" sz="1000">
+              <a:solidFill>
+                <a:schemeClr val="accent6">
+                  <a:lumMod val="50000"/>
+                </a:schemeClr>
+              </a:solidFill>
+            </a:endParaRPr>
+          </a:p>
+          <a:p>
+            <a:endParaRPr lang="de-DE" sz="1000">
+              <a:solidFill>
+                <a:schemeClr val="accent6">
+                  <a:lumMod val="50000"/>
+                </a:schemeClr>
+              </a:solidFill>
+            </a:endParaRPr>
+          </a:p>
+          <a:p>
+            <a:endParaRPr lang="de-DE" sz="1000">
+              <a:solidFill>
+                <a:schemeClr val="accent6">
+                  <a:lumMod val="50000"/>
+                </a:schemeClr>
+              </a:solidFill>
+            </a:endParaRPr>
+          </a:p>
+          <a:p>
+            <a:endParaRPr lang="de-DE" sz="1000">
+              <a:solidFill>
+                <a:schemeClr val="accent6">
+                  <a:lumMod val="50000"/>
+                </a:schemeClr>
+              </a:solidFill>
+            </a:endParaRPr>
+          </a:p>
+          <a:p>
+            <a:r>
+              <a:rPr lang="de-DE" sz="1000" b="1">
+                <a:solidFill>
+                  <a:schemeClr val="accent6">
+                    <a:lumMod val="50000"/>
+                  </a:schemeClr>
+                </a:solidFill>
+              </a:rPr>
+              <a:t>A device from the metadata table does no longer exist in the controller:</a:t>
+            </a:r>
+          </a:p>
+          <a:p>
+            <a:pPr marL="171450" indent="-171450">
+              <a:buFont typeface="Wingdings" panose="05000000000000000000" pitchFamily="2" charset="2"/>
+              <a:buChar char="Ø"/>
+            </a:pPr>
+            <a:r>
+              <a:rPr lang="de-DE" sz="1000">
+                <a:solidFill>
+                  <a:schemeClr val="accent6">
+                    <a:lumMod val="50000"/>
+                  </a:schemeClr>
+                </a:solidFill>
+              </a:rPr>
+              <a:t>It still has status connected in the table: </a:t>
+            </a:r>
+          </a:p>
+          <a:p>
+            <a:endParaRPr lang="de-DE" sz="1000">
+              <a:solidFill>
+                <a:schemeClr val="accent6">
+                  <a:lumMod val="50000"/>
+                </a:schemeClr>
+              </a:solidFill>
+            </a:endParaRPr>
+          </a:p>
+          <a:p>
+            <a:endParaRPr lang="de-DE" sz="1000">
+              <a:solidFill>
+                <a:schemeClr val="accent6">
+                  <a:lumMod val="50000"/>
+                </a:schemeClr>
+              </a:solidFill>
+            </a:endParaRPr>
+          </a:p>
+          <a:p>
+            <a:endParaRPr lang="de-DE" sz="1000">
+              <a:solidFill>
+                <a:schemeClr val="accent6">
+                  <a:lumMod val="50000"/>
+                </a:schemeClr>
+              </a:solidFill>
+            </a:endParaRPr>
+          </a:p>
+          <a:p>
+            <a:endParaRPr lang="de-DE" sz="1000">
+              <a:solidFill>
+                <a:schemeClr val="accent6">
+                  <a:lumMod val="50000"/>
+                </a:schemeClr>
+              </a:solidFill>
+            </a:endParaRPr>
+          </a:p>
+          <a:p>
+            <a:endParaRPr lang="de-DE" sz="1000">
+              <a:solidFill>
+                <a:schemeClr val="accent6">
+                  <a:lumMod val="50000"/>
+                </a:schemeClr>
+              </a:solidFill>
+            </a:endParaRPr>
+          </a:p>
+          <a:p>
+            <a:endParaRPr lang="de-DE" sz="1000">
+              <a:solidFill>
+                <a:schemeClr val="accent6">
+                  <a:lumMod val="50000"/>
+                </a:schemeClr>
+              </a:solidFill>
+            </a:endParaRPr>
+          </a:p>
+          <a:p>
+            <a:endParaRPr lang="de-DE" sz="1000">
+              <a:solidFill>
+                <a:schemeClr val="accent6">
+                  <a:lumMod val="50000"/>
+                </a:schemeClr>
+              </a:solidFill>
+            </a:endParaRPr>
+          </a:p>
+          <a:p>
+            <a:pPr marL="171450" indent="-171450">
+              <a:buFont typeface="Wingdings" panose="05000000000000000000" pitchFamily="2" charset="2"/>
+              <a:buChar char="Ø"/>
+            </a:pPr>
+            <a:r>
+              <a:rPr lang="de-DE" sz="1000">
+                <a:solidFill>
+                  <a:schemeClr val="accent6">
+                    <a:lumMod val="50000"/>
+                  </a:schemeClr>
+                </a:solidFill>
+              </a:rPr>
+              <a:t>It is already marked as connecting or unable-to-connect and the time between the current time and the dcTime is more than the allowed retention period: the device is deleted from the metadata table</a:t>
+            </a:r>
+          </a:p>
+          <a:p>
+            <a:pPr marL="171450" indent="-171450">
+              <a:buFont typeface="Wingdings" panose="05000000000000000000" pitchFamily="2" charset="2"/>
+              <a:buChar char="Ø"/>
+            </a:pPr>
+            <a:endParaRPr lang="de-DE" sz="1000">
+              <a:solidFill>
+                <a:schemeClr val="accent6">
+                  <a:lumMod val="50000"/>
+                </a:schemeClr>
+              </a:solidFill>
+            </a:endParaRPr>
+          </a:p>
+          <a:p>
+            <a:r>
+              <a:rPr lang="de-DE" sz="1000">
+                <a:solidFill>
+                  <a:schemeClr val="accent6">
+                    <a:lumMod val="50000"/>
+                  </a:schemeClr>
+                </a:solidFill>
+              </a:rPr>
+              <a:t>The schema-cache-directory is only set by the periodic sync</a:t>
+            </a:r>
+          </a:p>
+        </p:txBody>
+      </p:sp>
+      <p:sp>
+        <p:nvSpPr>
+          <p:cNvPr id="20" name="Rechteck: abgerundete Ecken 19">
+            <a:extLst>
+              <a:ext uri="{FF2B5EF4-FFF2-40B4-BE49-F238E27FC236}">
+                <a16:creationId xmlns:a16="http://schemas.microsoft.com/office/drawing/2014/main" id="{672FC20B-5DA9-02BE-11D9-8FF8C4130E91}"/>
+              </a:ext>
+            </a:extLst>
+          </p:cNvPr>
+          <p:cNvSpPr/>
+          <p:nvPr/>
+        </p:nvSpPr>
+        <p:spPr>
+          <a:xfrm>
+            <a:off x="3885247" y="1137808"/>
+            <a:ext cx="5337810" cy="1130396"/>
+          </a:xfrm>
+          <a:prstGeom prst="roundRect">
+            <a:avLst>
+              <a:gd name="adj" fmla="val 5207"/>
+            </a:avLst>
+          </a:prstGeom>
+          <a:solidFill>
+            <a:schemeClr val="bg1">
+              <a:lumMod val="75000"/>
+            </a:schemeClr>
+          </a:solidFill>
+        </p:spPr>
+        <p:style>
+          <a:lnRef idx="2">
+            <a:schemeClr val="dk1">
+              <a:shade val="15000"/>
+            </a:schemeClr>
+          </a:lnRef>
+          <a:fillRef idx="1">
+            <a:schemeClr val="dk1"/>
+          </a:fillRef>
+          <a:effectRef idx="0">
+            <a:schemeClr val="dk1"/>
+          </a:effectRef>
+          <a:fontRef idx="minor">
+            <a:schemeClr val="lt1"/>
+          </a:fontRef>
+        </p:style>
+        <p:txBody>
+          <a:bodyPr rtlCol="0" anchor="ctr"/>
+          <a:lstStyle/>
+          <a:p>
+            <a:pPr algn="ctr"/>
+            <a:endParaRPr lang="de-DE"/>
+          </a:p>
+        </p:txBody>
+      </p:sp>
+      <p:sp>
+        <p:nvSpPr>
+          <p:cNvPr id="18" name="Rechteck: abgerundete Ecken 17">
+            <a:extLst>
+              <a:ext uri="{FF2B5EF4-FFF2-40B4-BE49-F238E27FC236}">
+                <a16:creationId xmlns:a16="http://schemas.microsoft.com/office/drawing/2014/main" id="{953E8975-8C45-8E28-05A0-AA20B5E029CB}"/>
+              </a:ext>
+            </a:extLst>
+          </p:cNvPr>
+          <p:cNvSpPr/>
+          <p:nvPr/>
+        </p:nvSpPr>
+        <p:spPr>
+          <a:xfrm>
+            <a:off x="187648" y="274320"/>
+            <a:ext cx="13395094" cy="627690"/>
+          </a:xfrm>
+          <a:prstGeom prst="roundRect">
+            <a:avLst>
+              <a:gd name="adj" fmla="val 5207"/>
+            </a:avLst>
+          </a:prstGeom>
+          <a:solidFill>
+            <a:schemeClr val="tx1">
+              <a:lumMod val="95000"/>
+              <a:lumOff val="5000"/>
+            </a:schemeClr>
+          </a:solidFill>
+        </p:spPr>
+        <p:style>
+          <a:lnRef idx="2">
+            <a:schemeClr val="dk1">
+              <a:shade val="15000"/>
+            </a:schemeClr>
+          </a:lnRef>
+          <a:fillRef idx="1">
+            <a:schemeClr val="dk1"/>
+          </a:fillRef>
+          <a:effectRef idx="0">
+            <a:schemeClr val="dk1"/>
+          </a:effectRef>
+          <a:fontRef idx="minor">
+            <a:schemeClr val="lt1"/>
+          </a:fontRef>
+        </p:style>
+        <p:txBody>
+          <a:bodyPr rtlCol="0" anchor="ctr"/>
+          <a:lstStyle/>
+          <a:p>
+            <a:pPr algn="ctr"/>
+            <a:endParaRPr lang="de-DE"/>
+          </a:p>
+        </p:txBody>
+      </p:sp>
+      <p:sp>
+        <p:nvSpPr>
+          <p:cNvPr id="4" name="Rechteck: abgerundete Ecken 3">
+            <a:extLst>
+              <a:ext uri="{FF2B5EF4-FFF2-40B4-BE49-F238E27FC236}">
+                <a16:creationId xmlns:a16="http://schemas.microsoft.com/office/drawing/2014/main" id="{B6DC05D9-ACC7-246D-5E93-B45E6CADF035}"/>
+              </a:ext>
+            </a:extLst>
+          </p:cNvPr>
+          <p:cNvSpPr/>
+          <p:nvPr/>
+        </p:nvSpPr>
+        <p:spPr>
+          <a:xfrm>
+            <a:off x="902017" y="900608"/>
+            <a:ext cx="1866900" cy="391905"/>
+          </a:xfrm>
+          <a:prstGeom prst="roundRect">
+            <a:avLst/>
+          </a:prstGeom>
+        </p:spPr>
+        <p:style>
+          <a:lnRef idx="1">
+            <a:schemeClr val="accent5"/>
+          </a:lnRef>
+          <a:fillRef idx="2">
+            <a:schemeClr val="accent5"/>
+          </a:fillRef>
+          <a:effectRef idx="1">
+            <a:schemeClr val="accent5"/>
+          </a:effectRef>
+          <a:fontRef idx="minor">
+            <a:schemeClr val="dk1"/>
+          </a:fontRef>
+        </p:style>
+        <p:txBody>
+          <a:bodyPr rtlCol="0" anchor="ctr"/>
+          <a:lstStyle/>
+          <a:p>
+            <a:pPr algn="ctr"/>
+            <a:r>
+              <a:rPr lang="de-DE" sz="1200"/>
+              <a:t>deviceList periodic sync with Controller</a:t>
+            </a:r>
+          </a:p>
+        </p:txBody>
+      </p:sp>
+      <p:sp>
+        <p:nvSpPr>
+          <p:cNvPr id="5" name="Rechteck: abgerundete Ecken 4">
+            <a:extLst>
+              <a:ext uri="{FF2B5EF4-FFF2-40B4-BE49-F238E27FC236}">
+                <a16:creationId xmlns:a16="http://schemas.microsoft.com/office/drawing/2014/main" id="{C9A59DD5-9D20-778F-3D4A-C8944FCBE433}"/>
+              </a:ext>
+            </a:extLst>
+          </p:cNvPr>
+          <p:cNvSpPr/>
+          <p:nvPr/>
+        </p:nvSpPr>
+        <p:spPr>
+          <a:xfrm>
+            <a:off x="9522144" y="918316"/>
+            <a:ext cx="1866900" cy="373380"/>
+          </a:xfrm>
+          <a:prstGeom prst="roundRect">
+            <a:avLst/>
+          </a:prstGeom>
+          <a:gradFill>
+            <a:gsLst>
+              <a:gs pos="37000">
+                <a:srgbClr val="CEE8CA"/>
+              </a:gs>
+              <a:gs pos="73000">
+                <a:srgbClr val="B7D9B1"/>
+              </a:gs>
+              <a:gs pos="100000">
+                <a:schemeClr val="accent6">
+                  <a:lumMod val="105000"/>
+                  <a:satMod val="109000"/>
+                  <a:tint val="81000"/>
+                </a:schemeClr>
+              </a:gs>
+            </a:gsLst>
+          </a:gradFill>
+        </p:spPr>
+        <p:style>
+          <a:lnRef idx="1">
+            <a:schemeClr val="accent6"/>
+          </a:lnRef>
+          <a:fillRef idx="2">
+            <a:schemeClr val="accent6"/>
+          </a:fillRef>
+          <a:effectRef idx="1">
+            <a:schemeClr val="accent6"/>
+          </a:effectRef>
+          <a:fontRef idx="minor">
+            <a:schemeClr val="dk1"/>
+          </a:fontRef>
+        </p:style>
+        <p:txBody>
+          <a:bodyPr rtlCol="0" anchor="ctr"/>
+          <a:lstStyle/>
+          <a:p>
+            <a:pPr algn="ctr"/>
+            <a:r>
+              <a:rPr lang="de-DE" sz="1200"/>
+              <a:t>metadata table periodic connection status sync</a:t>
+            </a:r>
+          </a:p>
+        </p:txBody>
+      </p:sp>
+      <p:sp>
+        <p:nvSpPr>
+          <p:cNvPr id="7" name="Rechteck: abgerundete Ecken 6">
+            <a:extLst>
+              <a:ext uri="{FF2B5EF4-FFF2-40B4-BE49-F238E27FC236}">
+                <a16:creationId xmlns:a16="http://schemas.microsoft.com/office/drawing/2014/main" id="{D05E23C1-9517-3B3F-DF44-CEADBD8BB6FF}"/>
+              </a:ext>
+            </a:extLst>
+          </p:cNvPr>
+          <p:cNvSpPr/>
+          <p:nvPr/>
+        </p:nvSpPr>
+        <p:spPr>
+          <a:xfrm>
+            <a:off x="4068127" y="1808726"/>
+            <a:ext cx="1988822" cy="373380"/>
+          </a:xfrm>
+          <a:prstGeom prst="roundRect">
+            <a:avLst/>
+          </a:prstGeom>
+        </p:spPr>
+        <p:style>
+          <a:lnRef idx="1">
+            <a:schemeClr val="accent5"/>
+          </a:lnRef>
+          <a:fillRef idx="2">
+            <a:schemeClr val="accent5"/>
+          </a:fillRef>
+          <a:effectRef idx="1">
+            <a:schemeClr val="accent5"/>
+          </a:effectRef>
+          <a:fontRef idx="minor">
+            <a:schemeClr val="dk1"/>
+          </a:fontRef>
+        </p:style>
+        <p:txBody>
+          <a:bodyPr rtlCol="0" anchor="ctr"/>
+          <a:lstStyle/>
+          <a:p>
+            <a:pPr algn="ctr"/>
+            <a:r>
+              <a:rPr lang="de-DE" sz="1200"/>
+              <a:t>controller-attribute-value-change notification</a:t>
+            </a:r>
+          </a:p>
+        </p:txBody>
+      </p:sp>
+      <p:sp>
+        <p:nvSpPr>
+          <p:cNvPr id="11" name="Rechteck: abgerundete Ecken 10">
+            <a:extLst>
+              <a:ext uri="{FF2B5EF4-FFF2-40B4-BE49-F238E27FC236}">
+                <a16:creationId xmlns:a16="http://schemas.microsoft.com/office/drawing/2014/main" id="{CAAC29CC-0A32-1979-EAB0-1D98C8057567}"/>
+              </a:ext>
+            </a:extLst>
+          </p:cNvPr>
+          <p:cNvSpPr/>
+          <p:nvPr/>
+        </p:nvSpPr>
+        <p:spPr>
+          <a:xfrm>
+            <a:off x="6365559" y="1743956"/>
+            <a:ext cx="2777490" cy="457200"/>
+          </a:xfrm>
+          <a:prstGeom prst="roundRect">
+            <a:avLst>
+              <a:gd name="adj" fmla="val 9625"/>
+            </a:avLst>
+          </a:prstGeom>
+        </p:spPr>
+        <p:style>
+          <a:lnRef idx="1">
+            <a:schemeClr val="accent2"/>
+          </a:lnRef>
+          <a:fillRef idx="2">
+            <a:schemeClr val="accent2"/>
+          </a:fillRef>
+          <a:effectRef idx="1">
+            <a:schemeClr val="accent2"/>
+          </a:effectRef>
+          <a:fontRef idx="minor">
+            <a:schemeClr val="dk1"/>
+          </a:fontRef>
+        </p:style>
+        <p:txBody>
+          <a:bodyPr rtlCol="0" anchor="ctr"/>
+          <a:lstStyle/>
+          <a:p>
+            <a:r>
+              <a:rPr lang="de-DE" sz="1200"/>
+              <a:t>device notifications: alarm, attribute-value-change, object creation/deletion</a:t>
+            </a:r>
+          </a:p>
+        </p:txBody>
+      </p:sp>
+      <p:sp>
+        <p:nvSpPr>
+          <p:cNvPr id="13" name="Rechteck: abgerundete Ecken 12">
+            <a:extLst>
+              <a:ext uri="{FF2B5EF4-FFF2-40B4-BE49-F238E27FC236}">
+                <a16:creationId xmlns:a16="http://schemas.microsoft.com/office/drawing/2014/main" id="{5BBC3A39-1D2A-7E59-ED5B-006C89E24A11}"/>
+              </a:ext>
+            </a:extLst>
+          </p:cNvPr>
+          <p:cNvSpPr/>
+          <p:nvPr/>
+        </p:nvSpPr>
+        <p:spPr>
+          <a:xfrm>
+            <a:off x="271288" y="2583847"/>
+            <a:ext cx="2266943" cy="601313"/>
+          </a:xfrm>
+          <a:prstGeom prst="roundRect">
+            <a:avLst>
+              <a:gd name="adj" fmla="val 3132"/>
+            </a:avLst>
+          </a:prstGeom>
+          <a:gradFill>
+            <a:gsLst>
+              <a:gs pos="26000">
+                <a:srgbClr val="DDEEFB"/>
+              </a:gs>
+              <a:gs pos="79000">
+                <a:srgbClr val="CEE7FA"/>
+              </a:gs>
+              <a:gs pos="100000">
+                <a:schemeClr val="accent4">
+                  <a:lumMod val="105000"/>
+                  <a:satMod val="109000"/>
+                  <a:tint val="81000"/>
+                </a:schemeClr>
+              </a:gs>
+            </a:gsLst>
+          </a:gradFill>
+          <a:ln>
+            <a:solidFill>
+              <a:srgbClr val="002060"/>
+            </a:solidFill>
+          </a:ln>
+        </p:spPr>
+        <p:style>
+          <a:lnRef idx="1">
+            <a:schemeClr val="accent4"/>
+          </a:lnRef>
+          <a:fillRef idx="2">
+            <a:schemeClr val="accent4"/>
+          </a:fillRef>
+          <a:effectRef idx="1">
+            <a:schemeClr val="accent4"/>
+          </a:effectRef>
+          <a:fontRef idx="minor">
+            <a:schemeClr val="dk1"/>
+          </a:fontRef>
+        </p:style>
+        <p:txBody>
+          <a:bodyPr rtlCol="0" anchor="ctr"/>
+          <a:lstStyle/>
+          <a:p>
+            <a:pPr algn="ctr"/>
+            <a:r>
+              <a:rPr lang="de-DE">
+                <a:solidFill>
+                  <a:schemeClr val="dk1"/>
+                </a:solidFill>
+              </a:rPr>
+              <a:t>DeviceList</a:t>
+            </a:r>
+          </a:p>
+        </p:txBody>
+      </p:sp>
+      <p:cxnSp>
+        <p:nvCxnSpPr>
+          <p:cNvPr id="15" name="Gerade Verbindung mit Pfeil 14">
+            <a:extLst>
+              <a:ext uri="{FF2B5EF4-FFF2-40B4-BE49-F238E27FC236}">
+                <a16:creationId xmlns:a16="http://schemas.microsoft.com/office/drawing/2014/main" id="{9A518553-BEB1-2C00-B460-5E5CD3059638}"/>
+              </a:ext>
+            </a:extLst>
+          </p:cNvPr>
+          <p:cNvCxnSpPr>
+            <a:cxnSpLocks/>
+          </p:cNvCxnSpPr>
+          <p:nvPr/>
+        </p:nvCxnSpPr>
+        <p:spPr>
+          <a:xfrm>
+            <a:off x="1214437" y="1292513"/>
+            <a:ext cx="0" cy="1291334"/>
+          </a:xfrm>
+          <a:prstGeom prst="straightConnector1">
+            <a:avLst/>
+          </a:prstGeom>
+          <a:ln w="12700">
+            <a:solidFill>
+              <a:schemeClr val="accent5">
+                <a:lumMod val="75000"/>
+              </a:schemeClr>
+            </a:solidFill>
+            <a:tailEnd type="triangle"/>
+          </a:ln>
+        </p:spPr>
+        <p:style>
+          <a:lnRef idx="2">
+            <a:schemeClr val="accent1"/>
+          </a:lnRef>
+          <a:fillRef idx="0">
+            <a:schemeClr val="accent1"/>
+          </a:fillRef>
+          <a:effectRef idx="1">
+            <a:schemeClr val="accent1"/>
+          </a:effectRef>
+          <a:fontRef idx="minor">
+            <a:schemeClr val="tx1"/>
+          </a:fontRef>
+        </p:style>
+      </p:cxnSp>
+      <p:sp>
+        <p:nvSpPr>
+          <p:cNvPr id="16" name="Textfeld 15">
+            <a:extLst>
+              <a:ext uri="{FF2B5EF4-FFF2-40B4-BE49-F238E27FC236}">
+                <a16:creationId xmlns:a16="http://schemas.microsoft.com/office/drawing/2014/main" id="{05212BE8-7754-255E-FE8A-F69871C79867}"/>
+              </a:ext>
+            </a:extLst>
+          </p:cNvPr>
+          <p:cNvSpPr txBox="1"/>
+          <p:nvPr/>
+        </p:nvSpPr>
+        <p:spPr>
+          <a:xfrm>
+            <a:off x="1214437" y="1892799"/>
+            <a:ext cx="2266943" cy="577081"/>
+          </a:xfrm>
+          <a:prstGeom prst="rect">
+            <a:avLst/>
+          </a:prstGeom>
+          <a:noFill/>
+        </p:spPr>
+        <p:txBody>
+          <a:bodyPr wrap="square" rtlCol="0">
+            <a:spAutoFit/>
+          </a:bodyPr>
+          <a:lstStyle/>
+          <a:p>
+            <a:r>
+              <a:rPr lang="de-DE" sz="1050">
+                <a:solidFill>
+                  <a:schemeClr val="accent5">
+                    <a:lumMod val="75000"/>
+                  </a:schemeClr>
+                </a:solidFill>
+              </a:rPr>
+              <a:t>Add (new) connected,</a:t>
+            </a:r>
+          </a:p>
+          <a:p>
+            <a:r>
+              <a:rPr lang="de-DE" sz="1050">
+                <a:solidFill>
+                  <a:schemeClr val="accent5">
+                    <a:lumMod val="75000"/>
+                  </a:schemeClr>
+                </a:solidFill>
+              </a:rPr>
+              <a:t>Delete disconnected devices &amp; their CCs</a:t>
+            </a:r>
+          </a:p>
+        </p:txBody>
+      </p:sp>
+      <p:sp>
+        <p:nvSpPr>
+          <p:cNvPr id="19" name="Textfeld 18">
+            <a:extLst>
+              <a:ext uri="{FF2B5EF4-FFF2-40B4-BE49-F238E27FC236}">
+                <a16:creationId xmlns:a16="http://schemas.microsoft.com/office/drawing/2014/main" id="{D0846948-F15F-AC38-AB39-1310C305C092}"/>
+              </a:ext>
+            </a:extLst>
+          </p:cNvPr>
+          <p:cNvSpPr txBox="1"/>
+          <p:nvPr/>
+        </p:nvSpPr>
+        <p:spPr>
+          <a:xfrm>
+            <a:off x="5402072" y="352718"/>
+            <a:ext cx="1191416" cy="369332"/>
+          </a:xfrm>
+          <a:prstGeom prst="rect">
+            <a:avLst/>
+          </a:prstGeom>
+          <a:noFill/>
+        </p:spPr>
+        <p:txBody>
+          <a:bodyPr wrap="none" rtlCol="0">
+            <a:spAutoFit/>
+          </a:bodyPr>
+          <a:lstStyle/>
+          <a:p>
+            <a:r>
+              <a:rPr lang="de-DE">
+                <a:solidFill>
+                  <a:schemeClr val="bg1"/>
+                </a:solidFill>
+              </a:rPr>
+              <a:t>Controller</a:t>
+            </a:r>
+          </a:p>
+        </p:txBody>
+      </p:sp>
+      <p:sp>
+        <p:nvSpPr>
+          <p:cNvPr id="21" name="Textfeld 20">
+            <a:extLst>
+              <a:ext uri="{FF2B5EF4-FFF2-40B4-BE49-F238E27FC236}">
+                <a16:creationId xmlns:a16="http://schemas.microsoft.com/office/drawing/2014/main" id="{AE7E6766-ACD7-D7D5-0697-14BBA7240506}"/>
+              </a:ext>
+            </a:extLst>
+          </p:cNvPr>
+          <p:cNvSpPr txBox="1"/>
+          <p:nvPr/>
+        </p:nvSpPr>
+        <p:spPr>
+          <a:xfrm>
+            <a:off x="3885247" y="1137808"/>
+            <a:ext cx="1516825" cy="307777"/>
+          </a:xfrm>
+          <a:prstGeom prst="rect">
+            <a:avLst/>
+          </a:prstGeom>
+          <a:noFill/>
+        </p:spPr>
+        <p:txBody>
+          <a:bodyPr wrap="none" rtlCol="0">
+            <a:spAutoFit/>
+          </a:bodyPr>
+          <a:lstStyle/>
+          <a:p>
+            <a:r>
+              <a:rPr lang="de-DE" sz="1400"/>
+              <a:t>NotificationProxy</a:t>
+            </a:r>
+          </a:p>
+        </p:txBody>
+      </p:sp>
+      <p:cxnSp>
+        <p:nvCxnSpPr>
+          <p:cNvPr id="24" name="Gerade Verbindung mit Pfeil 23">
+            <a:extLst>
+              <a:ext uri="{FF2B5EF4-FFF2-40B4-BE49-F238E27FC236}">
+                <a16:creationId xmlns:a16="http://schemas.microsoft.com/office/drawing/2014/main" id="{2767DD05-1323-DA20-9562-A998EFE7230C}"/>
+              </a:ext>
+            </a:extLst>
+          </p:cNvPr>
+          <p:cNvCxnSpPr>
+            <a:cxnSpLocks/>
+          </p:cNvCxnSpPr>
+          <p:nvPr/>
+        </p:nvCxnSpPr>
+        <p:spPr>
+          <a:xfrm>
+            <a:off x="4285297" y="900608"/>
+            <a:ext cx="0" cy="237200"/>
+          </a:xfrm>
+          <a:prstGeom prst="straightConnector1">
+            <a:avLst/>
+          </a:prstGeom>
+          <a:ln w="9525">
+            <a:solidFill>
+              <a:schemeClr val="tx1"/>
+            </a:solidFill>
+            <a:prstDash val="dash"/>
+            <a:tailEnd type="triangle"/>
+          </a:ln>
+        </p:spPr>
+        <p:style>
+          <a:lnRef idx="2">
+            <a:schemeClr val="accent1"/>
+          </a:lnRef>
+          <a:fillRef idx="0">
+            <a:schemeClr val="accent1"/>
+          </a:fillRef>
+          <a:effectRef idx="1">
+            <a:schemeClr val="accent1"/>
+          </a:effectRef>
+          <a:fontRef idx="minor">
+            <a:schemeClr val="tx1"/>
+          </a:fontRef>
+        </p:style>
+      </p:cxnSp>
+      <p:sp>
+        <p:nvSpPr>
+          <p:cNvPr id="28" name="Rechteck: abgerundete Ecken 27">
+            <a:extLst>
+              <a:ext uri="{FF2B5EF4-FFF2-40B4-BE49-F238E27FC236}">
+                <a16:creationId xmlns:a16="http://schemas.microsoft.com/office/drawing/2014/main" id="{07BF002E-0B17-C64E-2555-8E3D4A1FA118}"/>
+              </a:ext>
+            </a:extLst>
+          </p:cNvPr>
+          <p:cNvSpPr/>
+          <p:nvPr/>
+        </p:nvSpPr>
+        <p:spPr>
+          <a:xfrm>
+            <a:off x="2538231" y="2811780"/>
+            <a:ext cx="939341" cy="373380"/>
+          </a:xfrm>
+          <a:prstGeom prst="roundRect">
+            <a:avLst>
+              <a:gd name="adj" fmla="val 3132"/>
+            </a:avLst>
+          </a:prstGeom>
+          <a:gradFill>
+            <a:gsLst>
+              <a:gs pos="26000">
+                <a:srgbClr val="DDEEFB"/>
+              </a:gs>
+              <a:gs pos="79000">
+                <a:srgbClr val="CEE7FA"/>
+              </a:gs>
+              <a:gs pos="100000">
+                <a:schemeClr val="accent4">
+                  <a:lumMod val="105000"/>
+                  <a:satMod val="109000"/>
+                  <a:tint val="81000"/>
+                </a:schemeClr>
+              </a:gs>
+            </a:gsLst>
+          </a:gradFill>
+          <a:ln>
+            <a:solidFill>
+              <a:srgbClr val="002060"/>
+            </a:solidFill>
+          </a:ln>
+        </p:spPr>
+        <p:style>
+          <a:lnRef idx="1">
+            <a:schemeClr val="accent4"/>
+          </a:lnRef>
+          <a:fillRef idx="2">
+            <a:schemeClr val="accent4"/>
+          </a:fillRef>
+          <a:effectRef idx="1">
+            <a:schemeClr val="accent4"/>
+          </a:effectRef>
+          <a:fontRef idx="minor">
+            <a:schemeClr val="dk1"/>
+          </a:fontRef>
+        </p:style>
+        <p:txBody>
+          <a:bodyPr rtlCol="0" anchor="ctr"/>
+          <a:lstStyle/>
+          <a:p>
+            <a:pPr algn="ctr"/>
+            <a:r>
+              <a:rPr lang="de-DE" sz="1200"/>
+              <a:t>Cached CCs</a:t>
+            </a:r>
+            <a:endParaRPr lang="de-DE" sz="1200">
+              <a:solidFill>
+                <a:schemeClr val="dk1"/>
+              </a:solidFill>
+            </a:endParaRPr>
+          </a:p>
+        </p:txBody>
+      </p:sp>
+      <p:cxnSp>
+        <p:nvCxnSpPr>
+          <p:cNvPr id="32" name="Gerade Verbindung mit Pfeil 31">
+            <a:extLst>
+              <a:ext uri="{FF2B5EF4-FFF2-40B4-BE49-F238E27FC236}">
+                <a16:creationId xmlns:a16="http://schemas.microsoft.com/office/drawing/2014/main" id="{0BB82D6F-9A0C-4C08-B84D-487623AB494E}"/>
+              </a:ext>
+            </a:extLst>
+          </p:cNvPr>
+          <p:cNvCxnSpPr/>
+          <p:nvPr/>
+        </p:nvCxnSpPr>
+        <p:spPr>
+          <a:xfrm flipH="1">
+            <a:off x="2538231" y="1995416"/>
+            <a:ext cx="1529896" cy="588431"/>
+          </a:xfrm>
+          <a:prstGeom prst="straightConnector1">
+            <a:avLst/>
+          </a:prstGeom>
+          <a:ln w="12700">
+            <a:solidFill>
+              <a:schemeClr val="accent5">
+                <a:lumMod val="75000"/>
+              </a:schemeClr>
+            </a:solidFill>
+            <a:tailEnd type="triangle"/>
+          </a:ln>
+        </p:spPr>
+        <p:style>
+          <a:lnRef idx="2">
+            <a:schemeClr val="accent1"/>
+          </a:lnRef>
+          <a:fillRef idx="0">
+            <a:schemeClr val="accent1"/>
+          </a:fillRef>
+          <a:effectRef idx="1">
+            <a:schemeClr val="accent1"/>
+          </a:effectRef>
+          <a:fontRef idx="minor">
+            <a:schemeClr val="tx1"/>
+          </a:fontRef>
+        </p:style>
+      </p:cxnSp>
+      <p:cxnSp>
+        <p:nvCxnSpPr>
+          <p:cNvPr id="34" name="Gerade Verbindung mit Pfeil 33">
+            <a:extLst>
+              <a:ext uri="{FF2B5EF4-FFF2-40B4-BE49-F238E27FC236}">
+                <a16:creationId xmlns:a16="http://schemas.microsoft.com/office/drawing/2014/main" id="{FF95AC16-0892-9EE9-B3E8-DE9C57224E45}"/>
+              </a:ext>
+            </a:extLst>
+          </p:cNvPr>
+          <p:cNvCxnSpPr/>
+          <p:nvPr/>
+        </p:nvCxnSpPr>
+        <p:spPr>
+          <a:xfrm flipH="1">
+            <a:off x="3477572" y="2181339"/>
+            <a:ext cx="2887987" cy="630441"/>
+          </a:xfrm>
+          <a:prstGeom prst="straightConnector1">
+            <a:avLst/>
+          </a:prstGeom>
+          <a:ln w="12700">
+            <a:solidFill>
+              <a:schemeClr val="accent2">
+                <a:lumMod val="75000"/>
+              </a:schemeClr>
+            </a:solidFill>
+            <a:tailEnd type="triangle"/>
+          </a:ln>
+        </p:spPr>
+        <p:style>
+          <a:lnRef idx="2">
+            <a:schemeClr val="accent1"/>
+          </a:lnRef>
+          <a:fillRef idx="0">
+            <a:schemeClr val="accent1"/>
+          </a:fillRef>
+          <a:effectRef idx="1">
+            <a:schemeClr val="accent1"/>
+          </a:effectRef>
+          <a:fontRef idx="minor">
+            <a:schemeClr val="tx1"/>
+          </a:fontRef>
+        </p:style>
+      </p:cxnSp>
+      <p:sp>
+        <p:nvSpPr>
+          <p:cNvPr id="35" name="Textfeld 34">
+            <a:extLst>
+              <a:ext uri="{FF2B5EF4-FFF2-40B4-BE49-F238E27FC236}">
+                <a16:creationId xmlns:a16="http://schemas.microsoft.com/office/drawing/2014/main" id="{3AD625DD-B2A6-3C6C-5957-78E3B934CC6D}"/>
+              </a:ext>
+            </a:extLst>
+          </p:cNvPr>
+          <p:cNvSpPr txBox="1"/>
+          <p:nvPr/>
+        </p:nvSpPr>
+        <p:spPr>
+          <a:xfrm>
+            <a:off x="3648245" y="2339075"/>
+            <a:ext cx="1261884" cy="261610"/>
+          </a:xfrm>
+          <a:prstGeom prst="rect">
+            <a:avLst/>
+          </a:prstGeom>
+          <a:noFill/>
+        </p:spPr>
+        <p:txBody>
+          <a:bodyPr wrap="none" rtlCol="0">
+            <a:spAutoFit/>
+          </a:bodyPr>
+          <a:lstStyle/>
+          <a:p>
+            <a:r>
+              <a:rPr lang="de-DE" sz="1050">
+                <a:solidFill>
+                  <a:schemeClr val="accent2">
+                    <a:lumMod val="75000"/>
+                  </a:schemeClr>
+                </a:solidFill>
+              </a:rPr>
+              <a:t>Partial CC update</a:t>
+            </a:r>
+          </a:p>
+        </p:txBody>
+      </p:sp>
+      <p:sp>
+        <p:nvSpPr>
+          <p:cNvPr id="36" name="Rechteck: abgerundete Ecken 35">
+            <a:extLst>
+              <a:ext uri="{FF2B5EF4-FFF2-40B4-BE49-F238E27FC236}">
+                <a16:creationId xmlns:a16="http://schemas.microsoft.com/office/drawing/2014/main" id="{E8B4907C-82DC-D80A-206A-D8674B858857}"/>
+              </a:ext>
+            </a:extLst>
+          </p:cNvPr>
+          <p:cNvSpPr/>
+          <p:nvPr/>
+        </p:nvSpPr>
+        <p:spPr>
+          <a:xfrm>
+            <a:off x="187648" y="10357287"/>
+            <a:ext cx="13194696" cy="2117818"/>
+          </a:xfrm>
+          <a:prstGeom prst="roundRect">
+            <a:avLst>
+              <a:gd name="adj" fmla="val 3132"/>
+            </a:avLst>
+          </a:prstGeom>
+          <a:gradFill>
+            <a:gsLst>
+              <a:gs pos="26000">
+                <a:schemeClr val="accent6">
+                  <a:lumMod val="20000"/>
+                  <a:lumOff val="80000"/>
+                </a:schemeClr>
+              </a:gs>
+              <a:gs pos="79000">
+                <a:srgbClr val="CEE7FA"/>
+              </a:gs>
+              <a:gs pos="100000">
+                <a:schemeClr val="accent4">
+                  <a:lumMod val="105000"/>
+                  <a:satMod val="109000"/>
+                  <a:tint val="81000"/>
+                </a:schemeClr>
+              </a:gs>
+            </a:gsLst>
+          </a:gradFill>
+          <a:ln>
+            <a:solidFill>
+              <a:srgbClr val="002060"/>
+            </a:solidFill>
+          </a:ln>
+        </p:spPr>
+        <p:style>
+          <a:lnRef idx="1">
+            <a:schemeClr val="accent4"/>
+          </a:lnRef>
+          <a:fillRef idx="2">
+            <a:schemeClr val="accent4"/>
+          </a:fillRef>
+          <a:effectRef idx="1">
+            <a:schemeClr val="accent4"/>
+          </a:effectRef>
+          <a:fontRef idx="minor">
+            <a:schemeClr val="dk1"/>
+          </a:fontRef>
+        </p:style>
+        <p:txBody>
+          <a:bodyPr rtlCol="0" anchor="ctr"/>
+          <a:lstStyle/>
+          <a:p>
+            <a:pPr algn="ctr"/>
+            <a:r>
+              <a:rPr lang="de-DE">
+                <a:solidFill>
+                  <a:schemeClr val="dk1"/>
+                </a:solidFill>
+              </a:rPr>
+              <a:t>Metadata table</a:t>
+            </a:r>
+          </a:p>
+        </p:txBody>
+      </p:sp>
+      <p:cxnSp>
+        <p:nvCxnSpPr>
+          <p:cNvPr id="38" name="Gerade Verbindung mit Pfeil 37">
+            <a:extLst>
+              <a:ext uri="{FF2B5EF4-FFF2-40B4-BE49-F238E27FC236}">
+                <a16:creationId xmlns:a16="http://schemas.microsoft.com/office/drawing/2014/main" id="{5E21BDDE-63DD-88F7-9DF5-523363C88DAE}"/>
+              </a:ext>
+            </a:extLst>
+          </p:cNvPr>
+          <p:cNvCxnSpPr>
+            <a:cxnSpLocks/>
+          </p:cNvCxnSpPr>
+          <p:nvPr/>
+        </p:nvCxnSpPr>
+        <p:spPr>
+          <a:xfrm>
+            <a:off x="9794557" y="1291696"/>
+            <a:ext cx="0" cy="9065591"/>
+          </a:xfrm>
+          <a:prstGeom prst="straightConnector1">
+            <a:avLst/>
+          </a:prstGeom>
+          <a:ln w="12700">
+            <a:solidFill>
+              <a:schemeClr val="accent6">
+                <a:lumMod val="75000"/>
+              </a:schemeClr>
+            </a:solidFill>
+            <a:tailEnd type="triangle"/>
+          </a:ln>
+        </p:spPr>
+        <p:style>
+          <a:lnRef idx="2">
+            <a:schemeClr val="accent1"/>
+          </a:lnRef>
+          <a:fillRef idx="0">
+            <a:schemeClr val="accent1"/>
+          </a:fillRef>
+          <a:effectRef idx="1">
+            <a:schemeClr val="accent1"/>
+          </a:effectRef>
+          <a:fontRef idx="minor">
+            <a:schemeClr val="tx1"/>
+          </a:fontRef>
+        </p:style>
+      </p:cxnSp>
+      <p:cxnSp>
+        <p:nvCxnSpPr>
+          <p:cNvPr id="41" name="Gerade Verbindung mit Pfeil 40">
+            <a:extLst>
+              <a:ext uri="{FF2B5EF4-FFF2-40B4-BE49-F238E27FC236}">
+                <a16:creationId xmlns:a16="http://schemas.microsoft.com/office/drawing/2014/main" id="{83F21EAD-5D58-33C2-5338-128D86E3A487}"/>
+              </a:ext>
+            </a:extLst>
+          </p:cNvPr>
+          <p:cNvCxnSpPr>
+            <a:cxnSpLocks/>
+          </p:cNvCxnSpPr>
+          <p:nvPr/>
+        </p:nvCxnSpPr>
+        <p:spPr>
+          <a:xfrm flipH="1">
+            <a:off x="271288" y="3185160"/>
+            <a:ext cx="17144" cy="7130415"/>
+          </a:xfrm>
+          <a:prstGeom prst="straightConnector1">
+            <a:avLst/>
+          </a:prstGeom>
+          <a:ln w="12700">
+            <a:solidFill>
+              <a:schemeClr val="accent5">
+                <a:lumMod val="75000"/>
+              </a:schemeClr>
+            </a:solidFill>
+            <a:tailEnd type="triangle"/>
+          </a:ln>
+        </p:spPr>
+        <p:style>
+          <a:lnRef idx="2">
+            <a:schemeClr val="accent1"/>
+          </a:lnRef>
+          <a:fillRef idx="0">
+            <a:schemeClr val="accent1"/>
+          </a:fillRef>
+          <a:effectRef idx="1">
+            <a:schemeClr val="accent1"/>
+          </a:effectRef>
+          <a:fontRef idx="minor">
+            <a:schemeClr val="tx1"/>
+          </a:fontRef>
+        </p:style>
+      </p:cxnSp>
+      <p:sp>
+        <p:nvSpPr>
+          <p:cNvPr id="42" name="Textfeld 41">
+            <a:extLst>
+              <a:ext uri="{FF2B5EF4-FFF2-40B4-BE49-F238E27FC236}">
+                <a16:creationId xmlns:a16="http://schemas.microsoft.com/office/drawing/2014/main" id="{990C0341-C01A-6F63-A439-C05A8B686D38}"/>
+              </a:ext>
+            </a:extLst>
+          </p:cNvPr>
+          <p:cNvSpPr txBox="1"/>
+          <p:nvPr/>
+        </p:nvSpPr>
+        <p:spPr>
+          <a:xfrm>
+            <a:off x="449499" y="3682770"/>
+            <a:ext cx="2823214" cy="6524863"/>
+          </a:xfrm>
+          <a:prstGeom prst="rect">
+            <a:avLst/>
+          </a:prstGeom>
+          <a:noFill/>
+        </p:spPr>
+        <p:txBody>
+          <a:bodyPr wrap="square" rtlCol="0">
+            <a:spAutoFit/>
+          </a:bodyPr>
+          <a:lstStyle/>
+          <a:p>
+            <a:pPr marL="171450" indent="-171450">
+              <a:buFont typeface="Arial" panose="020B0604020202020204" pitchFamily="34" charset="0"/>
+              <a:buChar char="•"/>
+            </a:pPr>
+            <a:r>
+              <a:rPr lang="de-DE" sz="900" b="1">
+                <a:solidFill>
+                  <a:schemeClr val="accent5">
+                    <a:lumMod val="75000"/>
+                  </a:schemeClr>
+                </a:solidFill>
+              </a:rPr>
+              <a:t>DeviceList Cases</a:t>
+            </a:r>
+          </a:p>
+          <a:p>
+            <a:pPr marL="358775" indent="-176213">
+              <a:buFont typeface="+mj-lt"/>
+              <a:buAutoNum type="alphaLcPeriod"/>
+            </a:pPr>
+            <a:r>
+              <a:rPr lang="de-DE" sz="900">
+                <a:solidFill>
+                  <a:schemeClr val="accent5">
+                    <a:lumMod val="75000"/>
+                  </a:schemeClr>
+                </a:solidFill>
+              </a:rPr>
+              <a:t>Device was added to deviceList</a:t>
+            </a:r>
+          </a:p>
+          <a:p>
+            <a:pPr marL="358775" indent="-176213">
+              <a:buFont typeface="+mj-lt"/>
+              <a:buAutoNum type="alphaLcPeriod"/>
+            </a:pPr>
+            <a:r>
+              <a:rPr lang="de-DE" sz="900">
+                <a:solidFill>
+                  <a:schemeClr val="accent5">
+                    <a:lumMod val="75000"/>
+                  </a:schemeClr>
+                </a:solidFill>
+              </a:rPr>
+              <a:t>Device was deleted due to periodic update</a:t>
+            </a:r>
+          </a:p>
+          <a:p>
+            <a:pPr marL="358775" indent="-176213">
+              <a:buFont typeface="+mj-lt"/>
+              <a:buAutoNum type="alphaLcPeriod"/>
+            </a:pPr>
+            <a:r>
+              <a:rPr lang="de-DE" sz="900">
+                <a:solidFill>
+                  <a:schemeClr val="accent5">
+                    <a:lumMod val="75000"/>
+                  </a:schemeClr>
+                </a:solidFill>
+              </a:rPr>
+              <a:t>Device was deleted due to notification </a:t>
+            </a:r>
+          </a:p>
+          <a:p>
+            <a:pPr marL="171450" indent="-171450">
+              <a:buFont typeface="Arial" panose="020B0604020202020204" pitchFamily="34" charset="0"/>
+              <a:buChar char="•"/>
+            </a:pPr>
+            <a:r>
+              <a:rPr lang="de-DE" sz="900" b="1">
+                <a:solidFill>
+                  <a:schemeClr val="accent5">
+                    <a:lumMod val="75000"/>
+                  </a:schemeClr>
+                </a:solidFill>
+              </a:rPr>
+              <a:t>MetadataTable Cases</a:t>
+            </a:r>
+          </a:p>
+          <a:p>
+            <a:pPr marL="358775" lvl="1" indent="-176213">
+              <a:buFont typeface="+mj-lt"/>
+              <a:buAutoNum type="arabicPeriod"/>
+            </a:pPr>
+            <a:r>
+              <a:rPr lang="de-DE" sz="900">
+                <a:solidFill>
+                  <a:schemeClr val="accent5">
+                    <a:lumMod val="75000"/>
+                  </a:schemeClr>
+                </a:solidFill>
+              </a:rPr>
+              <a:t>Device existing</a:t>
+            </a:r>
+          </a:p>
+          <a:p>
+            <a:pPr marL="358775" lvl="1" indent="-176213">
+              <a:buFont typeface="+mj-lt"/>
+              <a:buAutoNum type="arabicPeriod"/>
+            </a:pPr>
+            <a:r>
+              <a:rPr lang="de-DE" sz="900">
+                <a:solidFill>
+                  <a:schemeClr val="accent5">
+                    <a:lumMod val="75000"/>
+                  </a:schemeClr>
+                </a:solidFill>
+              </a:rPr>
+              <a:t>Device not existing</a:t>
+            </a:r>
+          </a:p>
+          <a:p>
+            <a:endParaRPr lang="de-DE" sz="900">
+              <a:solidFill>
+                <a:schemeClr val="accent5">
+                  <a:lumMod val="75000"/>
+                </a:schemeClr>
+              </a:solidFill>
+            </a:endParaRPr>
+          </a:p>
+          <a:p>
+            <a:r>
+              <a:rPr lang="de-DE" sz="900" b="1">
+                <a:solidFill>
+                  <a:schemeClr val="accent5">
+                    <a:lumMod val="75000"/>
+                  </a:schemeClr>
+                </a:solidFill>
+              </a:rPr>
+              <a:t>Action depends on case:</a:t>
+            </a:r>
+          </a:p>
+          <a:p>
+            <a:pPr marL="171450" indent="-171450">
+              <a:buFont typeface="Wingdings" panose="05000000000000000000" pitchFamily="2" charset="2"/>
+              <a:buChar char="Ø"/>
+            </a:pPr>
+            <a:r>
+              <a:rPr lang="de-DE" sz="900">
+                <a:solidFill>
+                  <a:schemeClr val="accent5">
+                    <a:lumMod val="75000"/>
+                  </a:schemeClr>
+                </a:solidFill>
+              </a:rPr>
+              <a:t>(a1): update table record</a:t>
+            </a:r>
+          </a:p>
+          <a:p>
+            <a:pPr marL="171450" indent="-171450">
+              <a:buFont typeface="Wingdings" panose="05000000000000000000" pitchFamily="2" charset="2"/>
+              <a:buChar char="Ø"/>
+            </a:pPr>
+            <a:endParaRPr lang="de-DE" sz="900">
+              <a:solidFill>
+                <a:schemeClr val="accent5">
+                  <a:lumMod val="75000"/>
+                </a:schemeClr>
+              </a:solidFill>
+            </a:endParaRPr>
+          </a:p>
+          <a:p>
+            <a:pPr marL="171450" indent="-171450">
+              <a:buFont typeface="Wingdings" panose="05000000000000000000" pitchFamily="2" charset="2"/>
+              <a:buChar char="Ø"/>
+            </a:pPr>
+            <a:endParaRPr lang="de-DE" sz="900">
+              <a:solidFill>
+                <a:schemeClr val="accent5">
+                  <a:lumMod val="75000"/>
+                </a:schemeClr>
+              </a:solidFill>
+            </a:endParaRPr>
+          </a:p>
+          <a:p>
+            <a:pPr marL="171450" indent="-171450">
+              <a:buFont typeface="Wingdings" panose="05000000000000000000" pitchFamily="2" charset="2"/>
+              <a:buChar char="Ø"/>
+            </a:pPr>
+            <a:endParaRPr lang="de-DE" sz="900">
+              <a:solidFill>
+                <a:schemeClr val="accent5">
+                  <a:lumMod val="75000"/>
+                </a:schemeClr>
+              </a:solidFill>
+            </a:endParaRPr>
+          </a:p>
+          <a:p>
+            <a:pPr marL="171450" indent="-171450">
+              <a:buFont typeface="Wingdings" panose="05000000000000000000" pitchFamily="2" charset="2"/>
+              <a:buChar char="Ø"/>
+            </a:pPr>
+            <a:endParaRPr lang="de-DE" sz="900">
+              <a:solidFill>
+                <a:schemeClr val="accent5">
+                  <a:lumMod val="75000"/>
+                </a:schemeClr>
+              </a:solidFill>
+            </a:endParaRPr>
+          </a:p>
+          <a:p>
+            <a:pPr marL="171450" indent="-171450">
+              <a:buFont typeface="Wingdings" panose="05000000000000000000" pitchFamily="2" charset="2"/>
+              <a:buChar char="Ø"/>
+            </a:pPr>
+            <a:endParaRPr lang="de-DE" sz="900">
+              <a:solidFill>
+                <a:schemeClr val="accent5">
+                  <a:lumMod val="75000"/>
+                </a:schemeClr>
+              </a:solidFill>
+            </a:endParaRPr>
+          </a:p>
+          <a:p>
+            <a:endParaRPr lang="de-DE" sz="900">
+              <a:solidFill>
+                <a:schemeClr val="accent5">
+                  <a:lumMod val="75000"/>
+                </a:schemeClr>
+              </a:solidFill>
+            </a:endParaRPr>
+          </a:p>
+          <a:p>
+            <a:pPr marL="171450" indent="-171450">
+              <a:buFont typeface="Wingdings" panose="05000000000000000000" pitchFamily="2" charset="2"/>
+              <a:buChar char="Ø"/>
+            </a:pPr>
+            <a:r>
+              <a:rPr lang="de-DE" sz="900">
+                <a:solidFill>
+                  <a:schemeClr val="accent5">
+                    <a:lumMod val="75000"/>
+                  </a:schemeClr>
+                </a:solidFill>
+              </a:rPr>
+              <a:t>(a2): add table record</a:t>
+            </a:r>
+          </a:p>
+          <a:p>
+            <a:pPr marL="171450" indent="-171450">
+              <a:buFont typeface="Wingdings" panose="05000000000000000000" pitchFamily="2" charset="2"/>
+              <a:buChar char="Ø"/>
+            </a:pPr>
+            <a:endParaRPr lang="de-DE" sz="900">
+              <a:solidFill>
+                <a:schemeClr val="accent5">
+                  <a:lumMod val="75000"/>
+                </a:schemeClr>
+              </a:solidFill>
+            </a:endParaRPr>
+          </a:p>
+          <a:p>
+            <a:pPr marL="171450" indent="-171450">
+              <a:buFont typeface="Wingdings" panose="05000000000000000000" pitchFamily="2" charset="2"/>
+              <a:buChar char="Ø"/>
+            </a:pPr>
+            <a:endParaRPr lang="de-DE" sz="900">
+              <a:solidFill>
+                <a:schemeClr val="accent5">
+                  <a:lumMod val="75000"/>
+                </a:schemeClr>
+              </a:solidFill>
+            </a:endParaRPr>
+          </a:p>
+          <a:p>
+            <a:pPr marL="171450" indent="-171450">
+              <a:buFont typeface="Wingdings" panose="05000000000000000000" pitchFamily="2" charset="2"/>
+              <a:buChar char="Ø"/>
+            </a:pPr>
+            <a:endParaRPr lang="de-DE" sz="900">
+              <a:solidFill>
+                <a:schemeClr val="accent5">
+                  <a:lumMod val="75000"/>
+                </a:schemeClr>
+              </a:solidFill>
+            </a:endParaRPr>
+          </a:p>
+          <a:p>
+            <a:pPr marL="171450" indent="-171450">
+              <a:buFont typeface="Wingdings" panose="05000000000000000000" pitchFamily="2" charset="2"/>
+              <a:buChar char="Ø"/>
+            </a:pPr>
+            <a:endParaRPr lang="de-DE" sz="900">
+              <a:solidFill>
+                <a:schemeClr val="accent5">
+                  <a:lumMod val="75000"/>
+                </a:schemeClr>
+              </a:solidFill>
+            </a:endParaRPr>
+          </a:p>
+          <a:p>
+            <a:pPr marL="171450" indent="-171450">
+              <a:buFont typeface="Wingdings" panose="05000000000000000000" pitchFamily="2" charset="2"/>
+              <a:buChar char="Ø"/>
+            </a:pPr>
+            <a:endParaRPr lang="de-DE" sz="900">
+              <a:solidFill>
+                <a:schemeClr val="accent5">
+                  <a:lumMod val="75000"/>
+                </a:schemeClr>
+              </a:solidFill>
+            </a:endParaRPr>
+          </a:p>
+          <a:p>
+            <a:pPr marL="171450" indent="-171450">
+              <a:buFont typeface="Wingdings" panose="05000000000000000000" pitchFamily="2" charset="2"/>
+              <a:buChar char="Ø"/>
+            </a:pPr>
+            <a:endParaRPr lang="de-DE" sz="900">
+              <a:solidFill>
+                <a:schemeClr val="accent5">
+                  <a:lumMod val="75000"/>
+                </a:schemeClr>
+              </a:solidFill>
+            </a:endParaRPr>
+          </a:p>
+          <a:p>
+            <a:endParaRPr lang="de-DE" sz="900">
+              <a:solidFill>
+                <a:schemeClr val="accent5">
+                  <a:lumMod val="75000"/>
+                </a:schemeClr>
+              </a:solidFill>
+            </a:endParaRPr>
+          </a:p>
+          <a:p>
+            <a:endParaRPr lang="de-DE" sz="400">
+              <a:solidFill>
+                <a:schemeClr val="accent5">
+                  <a:lumMod val="75000"/>
+                </a:schemeClr>
+              </a:solidFill>
+            </a:endParaRPr>
+          </a:p>
+          <a:p>
+            <a:pPr marL="171450" indent="-171450">
+              <a:buFont typeface="Wingdings" panose="05000000000000000000" pitchFamily="2" charset="2"/>
+              <a:buChar char="Ø"/>
+            </a:pPr>
+            <a:r>
+              <a:rPr lang="de-DE" sz="900">
+                <a:solidFill>
+                  <a:schemeClr val="accent5">
+                    <a:lumMod val="75000"/>
+                  </a:schemeClr>
+                </a:solidFill>
+              </a:rPr>
+              <a:t>(b1): update table record</a:t>
+            </a:r>
+          </a:p>
+          <a:p>
+            <a:pPr marL="171450" indent="-171450">
+              <a:buFont typeface="Wingdings" panose="05000000000000000000" pitchFamily="2" charset="2"/>
+              <a:buChar char="Ø"/>
+            </a:pPr>
+            <a:endParaRPr lang="de-DE" sz="900">
+              <a:solidFill>
+                <a:schemeClr val="accent5">
+                  <a:lumMod val="75000"/>
+                </a:schemeClr>
+              </a:solidFill>
+            </a:endParaRPr>
+          </a:p>
+          <a:p>
+            <a:pPr marL="171450" indent="-171450">
+              <a:buFont typeface="Wingdings" panose="05000000000000000000" pitchFamily="2" charset="2"/>
+              <a:buChar char="Ø"/>
+            </a:pPr>
+            <a:endParaRPr lang="de-DE" sz="900">
+              <a:solidFill>
+                <a:schemeClr val="accent5">
+                  <a:lumMod val="75000"/>
+                </a:schemeClr>
+              </a:solidFill>
+            </a:endParaRPr>
+          </a:p>
+          <a:p>
+            <a:pPr marL="171450" indent="-171450">
+              <a:buFont typeface="Wingdings" panose="05000000000000000000" pitchFamily="2" charset="2"/>
+              <a:buChar char="Ø"/>
+            </a:pPr>
+            <a:endParaRPr lang="de-DE" sz="900">
+              <a:solidFill>
+                <a:schemeClr val="accent5">
+                  <a:lumMod val="75000"/>
+                </a:schemeClr>
+              </a:solidFill>
+            </a:endParaRPr>
+          </a:p>
+          <a:p>
+            <a:pPr marL="171450" indent="-171450">
+              <a:buFont typeface="Wingdings" panose="05000000000000000000" pitchFamily="2" charset="2"/>
+              <a:buChar char="Ø"/>
+            </a:pPr>
+            <a:endParaRPr lang="de-DE" sz="900">
+              <a:solidFill>
+                <a:schemeClr val="accent5">
+                  <a:lumMod val="75000"/>
+                </a:schemeClr>
+              </a:solidFill>
+            </a:endParaRPr>
+          </a:p>
+          <a:p>
+            <a:pPr marL="171450" indent="-171450">
+              <a:buFont typeface="Wingdings" panose="05000000000000000000" pitchFamily="2" charset="2"/>
+              <a:buChar char="Ø"/>
+            </a:pPr>
+            <a:endParaRPr lang="de-DE" sz="900">
+              <a:solidFill>
+                <a:schemeClr val="accent5">
+                  <a:lumMod val="75000"/>
+                </a:schemeClr>
+              </a:solidFill>
+            </a:endParaRPr>
+          </a:p>
+          <a:p>
+            <a:pPr marL="171450" indent="-171450">
+              <a:buFont typeface="Wingdings" panose="05000000000000000000" pitchFamily="2" charset="2"/>
+              <a:buChar char="Ø"/>
+            </a:pPr>
+            <a:endParaRPr lang="de-DE" sz="900">
+              <a:solidFill>
+                <a:schemeClr val="accent5">
+                  <a:lumMod val="75000"/>
+                </a:schemeClr>
+              </a:solidFill>
+            </a:endParaRPr>
+          </a:p>
+          <a:p>
+            <a:pPr marL="171450" indent="-171450">
+              <a:buFont typeface="Wingdings" panose="05000000000000000000" pitchFamily="2" charset="2"/>
+              <a:buChar char="Ø"/>
+            </a:pPr>
+            <a:endParaRPr lang="de-DE" sz="900">
+              <a:solidFill>
+                <a:schemeClr val="accent5">
+                  <a:lumMod val="75000"/>
+                </a:schemeClr>
+              </a:solidFill>
+            </a:endParaRPr>
+          </a:p>
+          <a:p>
+            <a:endParaRPr lang="de-DE" sz="900">
+              <a:solidFill>
+                <a:schemeClr val="accent5">
+                  <a:lumMod val="75000"/>
+                </a:schemeClr>
+              </a:solidFill>
+            </a:endParaRPr>
+          </a:p>
+          <a:p>
+            <a:pPr marL="171450" indent="-171450">
+              <a:buFont typeface="Wingdings" panose="05000000000000000000" pitchFamily="2" charset="2"/>
+              <a:buChar char="Ø"/>
+            </a:pPr>
+            <a:r>
+              <a:rPr lang="de-DE" sz="900">
+                <a:solidFill>
+                  <a:schemeClr val="accent5">
+                    <a:lumMod val="75000"/>
+                  </a:schemeClr>
+                </a:solidFill>
+              </a:rPr>
+              <a:t>(b2): add table record</a:t>
+            </a:r>
+          </a:p>
+          <a:p>
+            <a:pPr marL="171450" indent="-171450">
+              <a:buFont typeface="Wingdings" panose="05000000000000000000" pitchFamily="2" charset="2"/>
+              <a:buChar char="Ø"/>
+            </a:pPr>
+            <a:endParaRPr lang="de-DE" sz="900">
+              <a:solidFill>
+                <a:schemeClr val="accent5">
+                  <a:lumMod val="75000"/>
+                </a:schemeClr>
+              </a:solidFill>
+            </a:endParaRPr>
+          </a:p>
+          <a:p>
+            <a:pPr marL="171450" indent="-171450">
+              <a:buFont typeface="Wingdings" panose="05000000000000000000" pitchFamily="2" charset="2"/>
+              <a:buChar char="Ø"/>
+            </a:pPr>
+            <a:endParaRPr lang="de-DE" sz="900">
+              <a:solidFill>
+                <a:schemeClr val="accent5">
+                  <a:lumMod val="75000"/>
+                </a:schemeClr>
+              </a:solidFill>
+            </a:endParaRPr>
+          </a:p>
+          <a:p>
+            <a:pPr marL="171450" indent="-171450">
+              <a:buFont typeface="Wingdings" panose="05000000000000000000" pitchFamily="2" charset="2"/>
+              <a:buChar char="Ø"/>
+            </a:pPr>
+            <a:endParaRPr lang="de-DE" sz="900">
+              <a:solidFill>
+                <a:schemeClr val="accent5">
+                  <a:lumMod val="75000"/>
+                </a:schemeClr>
+              </a:solidFill>
+            </a:endParaRPr>
+          </a:p>
+          <a:p>
+            <a:pPr marL="171450" indent="-171450">
+              <a:buFont typeface="Wingdings" panose="05000000000000000000" pitchFamily="2" charset="2"/>
+              <a:buChar char="Ø"/>
+            </a:pPr>
+            <a:endParaRPr lang="de-DE" sz="900">
+              <a:solidFill>
+                <a:schemeClr val="accent5">
+                  <a:lumMod val="75000"/>
+                </a:schemeClr>
+              </a:solidFill>
+            </a:endParaRPr>
+          </a:p>
+          <a:p>
+            <a:pPr marL="171450" indent="-171450">
+              <a:buFont typeface="Wingdings" panose="05000000000000000000" pitchFamily="2" charset="2"/>
+              <a:buChar char="Ø"/>
+            </a:pPr>
+            <a:endParaRPr lang="de-DE" sz="900">
+              <a:solidFill>
+                <a:schemeClr val="accent5">
+                  <a:lumMod val="75000"/>
+                </a:schemeClr>
+              </a:solidFill>
+            </a:endParaRPr>
+          </a:p>
+          <a:p>
+            <a:pPr marL="171450" indent="-171450">
+              <a:buFont typeface="Wingdings" panose="05000000000000000000" pitchFamily="2" charset="2"/>
+              <a:buChar char="Ø"/>
+            </a:pPr>
+            <a:endParaRPr lang="de-DE" sz="900">
+              <a:solidFill>
+                <a:schemeClr val="accent5">
+                  <a:lumMod val="75000"/>
+                </a:schemeClr>
+              </a:solidFill>
+            </a:endParaRPr>
+          </a:p>
+          <a:p>
+            <a:pPr marL="171450" indent="-171450">
+              <a:buFont typeface="Wingdings" panose="05000000000000000000" pitchFamily="2" charset="2"/>
+              <a:buChar char="Ø"/>
+            </a:pPr>
+            <a:endParaRPr lang="de-DE" sz="900">
+              <a:solidFill>
+                <a:schemeClr val="accent5">
+                  <a:lumMod val="75000"/>
+                </a:schemeClr>
+              </a:solidFill>
+            </a:endParaRPr>
+          </a:p>
+          <a:p>
+            <a:pPr marL="171450" indent="-171450">
+              <a:buFont typeface="Wingdings" panose="05000000000000000000" pitchFamily="2" charset="2"/>
+              <a:buChar char="Ø"/>
+            </a:pPr>
+            <a:endParaRPr lang="de-DE" sz="900">
+              <a:solidFill>
+                <a:schemeClr val="accent5">
+                  <a:lumMod val="75000"/>
+                </a:schemeClr>
+              </a:solidFill>
+            </a:endParaRPr>
+          </a:p>
+          <a:p>
+            <a:endParaRPr lang="de-DE" sz="900">
+              <a:solidFill>
+                <a:schemeClr val="accent5">
+                  <a:lumMod val="75000"/>
+                </a:schemeClr>
+              </a:solidFill>
+            </a:endParaRPr>
+          </a:p>
+          <a:p>
+            <a:pPr marL="171450" indent="-171450">
+              <a:buFont typeface="Wingdings" panose="05000000000000000000" pitchFamily="2" charset="2"/>
+              <a:buChar char="Ø"/>
+            </a:pPr>
+            <a:r>
+              <a:rPr lang="de-DE" sz="900">
+                <a:solidFill>
+                  <a:schemeClr val="accent5">
+                    <a:lumMod val="75000"/>
+                  </a:schemeClr>
+                </a:solidFill>
+              </a:rPr>
+              <a:t>(c1,c2): if the device is deleted due to notification receipt, then this is handled by the notification caused updates to the metadata table</a:t>
+            </a:r>
+          </a:p>
+        </p:txBody>
+      </p:sp>
+      <p:cxnSp>
+        <p:nvCxnSpPr>
+          <p:cNvPr id="43" name="Gerade Verbindung mit Pfeil 42">
+            <a:extLst>
+              <a:ext uri="{FF2B5EF4-FFF2-40B4-BE49-F238E27FC236}">
+                <a16:creationId xmlns:a16="http://schemas.microsoft.com/office/drawing/2014/main" id="{1EE6FE33-D19F-1F6C-59F0-7D7CE753140E}"/>
+              </a:ext>
+            </a:extLst>
+          </p:cNvPr>
+          <p:cNvCxnSpPr>
+            <a:cxnSpLocks/>
+          </p:cNvCxnSpPr>
+          <p:nvPr/>
+        </p:nvCxnSpPr>
+        <p:spPr>
+          <a:xfrm>
+            <a:off x="5952162" y="2181339"/>
+            <a:ext cx="0" cy="8175948"/>
+          </a:xfrm>
+          <a:prstGeom prst="straightConnector1">
+            <a:avLst/>
+          </a:prstGeom>
+          <a:ln w="12700">
+            <a:solidFill>
+              <a:schemeClr val="accent5">
+                <a:lumMod val="75000"/>
+              </a:schemeClr>
+            </a:solidFill>
+            <a:tailEnd type="triangle"/>
+          </a:ln>
+        </p:spPr>
+        <p:style>
+          <a:lnRef idx="2">
+            <a:schemeClr val="accent1"/>
+          </a:lnRef>
+          <a:fillRef idx="0">
+            <a:schemeClr val="accent1"/>
+          </a:fillRef>
+          <a:effectRef idx="1">
+            <a:schemeClr val="accent1"/>
+          </a:effectRef>
+          <a:fontRef idx="minor">
+            <a:schemeClr val="tx1"/>
+          </a:fontRef>
+        </p:style>
+      </p:cxnSp>
+      <p:sp>
+        <p:nvSpPr>
+          <p:cNvPr id="47" name="Textfeld 46">
+            <a:extLst>
+              <a:ext uri="{FF2B5EF4-FFF2-40B4-BE49-F238E27FC236}">
+                <a16:creationId xmlns:a16="http://schemas.microsoft.com/office/drawing/2014/main" id="{D01B7103-55B0-4F11-2687-1DB4AFAF21D2}"/>
+              </a:ext>
+            </a:extLst>
+          </p:cNvPr>
+          <p:cNvSpPr txBox="1"/>
+          <p:nvPr/>
+        </p:nvSpPr>
+        <p:spPr>
+          <a:xfrm>
+            <a:off x="6261137" y="3184393"/>
+            <a:ext cx="3001339" cy="2123658"/>
+          </a:xfrm>
+          <a:prstGeom prst="rect">
+            <a:avLst/>
+          </a:prstGeom>
+          <a:noFill/>
+        </p:spPr>
+        <p:txBody>
+          <a:bodyPr wrap="square" rtlCol="0">
+            <a:spAutoFit/>
+          </a:bodyPr>
+          <a:lstStyle/>
+          <a:p>
+            <a:r>
+              <a:rPr lang="de-DE" sz="1050" b="1">
+                <a:solidFill>
+                  <a:schemeClr val="accent5">
+                    <a:lumMod val="75000"/>
+                  </a:schemeClr>
+                </a:solidFill>
+              </a:rPr>
+              <a:t>Does device exist in metadata table already?</a:t>
+            </a:r>
+          </a:p>
+          <a:p>
+            <a:pPr marL="171450" indent="-171450">
+              <a:buFont typeface="Wingdings" panose="05000000000000000000" pitchFamily="2" charset="2"/>
+              <a:buChar char="Ø"/>
+            </a:pPr>
+            <a:r>
+              <a:rPr lang="de-DE" sz="1050" b="1">
+                <a:solidFill>
+                  <a:schemeClr val="accent5">
+                    <a:lumMod val="75000"/>
+                  </a:schemeClr>
+                </a:solidFill>
+              </a:rPr>
+              <a:t>no</a:t>
+            </a:r>
+            <a:r>
+              <a:rPr lang="de-DE" sz="1050">
+                <a:solidFill>
+                  <a:schemeClr val="accent5">
+                    <a:lumMod val="75000"/>
+                  </a:schemeClr>
+                </a:solidFill>
+              </a:rPr>
+              <a:t>: </a:t>
+            </a:r>
+            <a:r>
+              <a:rPr lang="de-DE" sz="1050" u="sng">
+                <a:solidFill>
+                  <a:schemeClr val="accent5">
+                    <a:lumMod val="75000"/>
+                  </a:schemeClr>
+                </a:solidFill>
+              </a:rPr>
+              <a:t>add </a:t>
+            </a:r>
+            <a:r>
+              <a:rPr lang="de-DE" sz="1050">
+                <a:solidFill>
+                  <a:schemeClr val="accent5">
+                    <a:lumMod val="75000"/>
+                  </a:schemeClr>
+                </a:solidFill>
+              </a:rPr>
+              <a:t>it to the table</a:t>
+            </a:r>
+            <a:r>
+              <a:rPr lang="de-DE" sz="1050" i="1">
+                <a:solidFill>
+                  <a:schemeClr val="accent5">
+                    <a:lumMod val="75000"/>
+                  </a:schemeClr>
+                </a:solidFill>
+              </a:rPr>
+              <a:t> </a:t>
+            </a:r>
+          </a:p>
+          <a:p>
+            <a:pPr marL="358775" lvl="1" indent="-171450">
+              <a:buFont typeface="Arial" panose="020B0604020202020204" pitchFamily="34" charset="0"/>
+              <a:buChar char="•"/>
+            </a:pPr>
+            <a:r>
+              <a:rPr lang="de-DE" sz="1000">
+                <a:solidFill>
+                  <a:schemeClr val="accent5">
+                    <a:lumMod val="75000"/>
+                  </a:schemeClr>
+                </a:solidFill>
+              </a:rPr>
+              <a:t>If Status = connected:</a:t>
+            </a:r>
+          </a:p>
+          <a:p>
+            <a:pPr marL="358775" lvl="1" indent="-171450">
+              <a:buFont typeface="Arial" panose="020B0604020202020204" pitchFamily="34" charset="0"/>
+              <a:buChar char="•"/>
+            </a:pPr>
+            <a:endParaRPr lang="de-DE" sz="1000">
+              <a:solidFill>
+                <a:schemeClr val="accent5">
+                  <a:lumMod val="75000"/>
+                </a:schemeClr>
+              </a:solidFill>
+            </a:endParaRPr>
+          </a:p>
+          <a:p>
+            <a:pPr marL="358775" lvl="1" indent="-171450">
+              <a:buFont typeface="Arial" panose="020B0604020202020204" pitchFamily="34" charset="0"/>
+              <a:buChar char="•"/>
+            </a:pPr>
+            <a:endParaRPr lang="de-DE" sz="1000">
+              <a:solidFill>
+                <a:schemeClr val="accent5">
+                  <a:lumMod val="75000"/>
+                </a:schemeClr>
+              </a:solidFill>
+            </a:endParaRPr>
+          </a:p>
+          <a:p>
+            <a:pPr marL="358775" lvl="1" indent="-171450">
+              <a:buFont typeface="Arial" panose="020B0604020202020204" pitchFamily="34" charset="0"/>
+              <a:buChar char="•"/>
+            </a:pPr>
+            <a:endParaRPr lang="de-DE" sz="1000">
+              <a:solidFill>
+                <a:schemeClr val="accent5">
+                  <a:lumMod val="75000"/>
+                </a:schemeClr>
+              </a:solidFill>
+            </a:endParaRPr>
+          </a:p>
+          <a:p>
+            <a:pPr marL="358775" lvl="1" indent="-171450">
+              <a:buFont typeface="Arial" panose="020B0604020202020204" pitchFamily="34" charset="0"/>
+              <a:buChar char="•"/>
+            </a:pPr>
+            <a:endParaRPr lang="de-DE" sz="1000">
+              <a:solidFill>
+                <a:schemeClr val="accent5">
+                  <a:lumMod val="75000"/>
+                </a:schemeClr>
+              </a:solidFill>
+            </a:endParaRPr>
+          </a:p>
+          <a:p>
+            <a:pPr marL="358775" lvl="1" indent="-171450">
+              <a:buFont typeface="Arial" panose="020B0604020202020204" pitchFamily="34" charset="0"/>
+              <a:buChar char="•"/>
+            </a:pPr>
+            <a:endParaRPr lang="de-DE" sz="1000">
+              <a:solidFill>
+                <a:schemeClr val="accent5">
+                  <a:lumMod val="75000"/>
+                </a:schemeClr>
+              </a:solidFill>
+            </a:endParaRPr>
+          </a:p>
+          <a:p>
+            <a:pPr marL="358775" lvl="1" indent="-171450">
+              <a:buFont typeface="Arial" panose="020B0604020202020204" pitchFamily="34" charset="0"/>
+              <a:buChar char="•"/>
+            </a:pPr>
+            <a:endParaRPr lang="de-DE" sz="1000">
+              <a:solidFill>
+                <a:schemeClr val="accent5">
+                  <a:lumMod val="75000"/>
+                </a:schemeClr>
+              </a:solidFill>
+            </a:endParaRPr>
+          </a:p>
+          <a:p>
+            <a:pPr marL="187325" lvl="1"/>
+            <a:endParaRPr lang="de-DE" sz="1000">
+              <a:solidFill>
+                <a:schemeClr val="accent5">
+                  <a:lumMod val="75000"/>
+                </a:schemeClr>
+              </a:solidFill>
+            </a:endParaRPr>
+          </a:p>
+          <a:p>
+            <a:pPr marL="358775" lvl="1" indent="-171450">
+              <a:buFont typeface="Arial" panose="020B0604020202020204" pitchFamily="34" charset="0"/>
+              <a:buChar char="•"/>
+            </a:pPr>
+            <a:r>
+              <a:rPr lang="de-DE" sz="1000">
+                <a:solidFill>
+                  <a:schemeClr val="accent5">
+                    <a:lumMod val="75000"/>
+                  </a:schemeClr>
+                </a:solidFill>
+              </a:rPr>
+              <a:t>If Status != connected:</a:t>
+            </a:r>
+            <a:endParaRPr lang="de-DE" sz="1050">
+              <a:solidFill>
+                <a:schemeClr val="accent5">
+                  <a:lumMod val="75000"/>
+                </a:schemeClr>
+              </a:solidFill>
+            </a:endParaRPr>
+          </a:p>
+          <a:p>
+            <a:pPr marL="187325" lvl="1"/>
+            <a:endParaRPr lang="de-DE" sz="1050">
+              <a:solidFill>
+                <a:schemeClr val="accent5">
+                  <a:lumMod val="75000"/>
+                </a:schemeClr>
+              </a:solidFill>
+            </a:endParaRPr>
+          </a:p>
+          <a:p>
+            <a:pPr marL="187325" lvl="1"/>
+            <a:endParaRPr lang="de-DE" sz="1050">
+              <a:solidFill>
+                <a:schemeClr val="accent5">
+                  <a:lumMod val="75000"/>
+                </a:schemeClr>
+              </a:solidFill>
+            </a:endParaRPr>
+          </a:p>
+        </p:txBody>
+      </p:sp>
+      <p:cxnSp>
+        <p:nvCxnSpPr>
+          <p:cNvPr id="48" name="Gerade Verbindung mit Pfeil 47">
+            <a:extLst>
+              <a:ext uri="{FF2B5EF4-FFF2-40B4-BE49-F238E27FC236}">
+                <a16:creationId xmlns:a16="http://schemas.microsoft.com/office/drawing/2014/main" id="{2E6DCD51-1F74-C4BE-692A-6723AE34C0E0}"/>
+              </a:ext>
+            </a:extLst>
+          </p:cNvPr>
+          <p:cNvCxnSpPr>
+            <a:cxnSpLocks/>
+          </p:cNvCxnSpPr>
+          <p:nvPr/>
+        </p:nvCxnSpPr>
+        <p:spPr>
+          <a:xfrm>
+            <a:off x="3427200" y="3185160"/>
+            <a:ext cx="0" cy="7172127"/>
+          </a:xfrm>
+          <a:prstGeom prst="straightConnector1">
+            <a:avLst/>
+          </a:prstGeom>
+          <a:ln w="12700">
+            <a:solidFill>
+              <a:schemeClr val="accent2">
+                <a:lumMod val="75000"/>
+              </a:schemeClr>
+            </a:solidFill>
+            <a:tailEnd type="triangle"/>
+          </a:ln>
+        </p:spPr>
+        <p:style>
+          <a:lnRef idx="2">
+            <a:schemeClr val="accent1"/>
+          </a:lnRef>
+          <a:fillRef idx="0">
+            <a:schemeClr val="accent1"/>
+          </a:fillRef>
+          <a:effectRef idx="1">
+            <a:schemeClr val="accent1"/>
+          </a:effectRef>
+          <a:fontRef idx="minor">
+            <a:schemeClr val="tx1"/>
+          </a:fontRef>
+        </p:style>
+      </p:cxnSp>
+      <p:sp>
+        <p:nvSpPr>
+          <p:cNvPr id="51" name="Textfeld 50">
+            <a:extLst>
+              <a:ext uri="{FF2B5EF4-FFF2-40B4-BE49-F238E27FC236}">
+                <a16:creationId xmlns:a16="http://schemas.microsoft.com/office/drawing/2014/main" id="{9EF56F86-9A68-4AD3-136E-EF825AED7F4C}"/>
+              </a:ext>
+            </a:extLst>
+          </p:cNvPr>
+          <p:cNvSpPr txBox="1"/>
+          <p:nvPr/>
+        </p:nvSpPr>
+        <p:spPr>
+          <a:xfrm>
+            <a:off x="3530413" y="3743904"/>
             <a:ext cx="2310196" cy="1992853"/>
           </a:xfrm>
           <a:prstGeom prst="rect">
@@ -6749,7 +14019,7 @@
           <p:cNvPr id="56" name="Rechteck 55">
             <a:extLst>
               <a:ext uri="{FF2B5EF4-FFF2-40B4-BE49-F238E27FC236}">
-                <a16:creationId xmlns:a16="http://schemas.microsoft.com/office/drawing/2014/main" id="{17388A9D-D2CB-5A6C-DA78-1823CA848FE2}"/>
+                <a16:creationId xmlns:a16="http://schemas.microsoft.com/office/drawing/2014/main" id="{03479AED-5C08-6CFD-1E54-6D1F1AE3BB1B}"/>
               </a:ext>
             </a:extLst>
           </p:cNvPr>
@@ -6861,20 +14131,14 @@
           <p:cNvPr id="2" name="Tabelle 1">
             <a:extLst>
               <a:ext uri="{FF2B5EF4-FFF2-40B4-BE49-F238E27FC236}">
-                <a16:creationId xmlns:a16="http://schemas.microsoft.com/office/drawing/2014/main" id="{946D5548-63C6-A3FB-46CB-C16406FD78A0}"/>
+                <a16:creationId xmlns:a16="http://schemas.microsoft.com/office/drawing/2014/main" id="{8F31DF31-A096-D5B9-359A-9E1F07E0317D}"/>
               </a:ext>
             </a:extLst>
           </p:cNvPr>
           <p:cNvGraphicFramePr>
             <a:graphicFrameLocks noGrp="1"/>
           </p:cNvGraphicFramePr>
-          <p:nvPr>
-            <p:extLst>
-              <p:ext uri="{D42A27DB-BD31-4B8C-83A1-F6EECF244321}">
-                <p14:modId xmlns:p14="http://schemas.microsoft.com/office/powerpoint/2010/main" val="912324680"/>
-              </p:ext>
-            </p:extLst>
-          </p:nvPr>
+          <p:nvPr/>
         </p:nvGraphicFramePr>
         <p:xfrm>
           <a:off x="535216" y="10562913"/>
@@ -7245,7 +14509,7 @@
           <p:cNvPr id="8" name="Textfeld 7">
             <a:extLst>
               <a:ext uri="{FF2B5EF4-FFF2-40B4-BE49-F238E27FC236}">
-                <a16:creationId xmlns:a16="http://schemas.microsoft.com/office/drawing/2014/main" id="{3257BBB6-2A6D-94D0-069D-0590FA325D96}"/>
+                <a16:creationId xmlns:a16="http://schemas.microsoft.com/office/drawing/2014/main" id="{A8A2610B-1E35-39E7-3D1A-84504AAA01EF}"/>
               </a:ext>
             </a:extLst>
           </p:cNvPr>
@@ -7372,7 +14636,7 @@
           <p:cNvPr id="10" name="Textfeld 9">
             <a:extLst>
               <a:ext uri="{FF2B5EF4-FFF2-40B4-BE49-F238E27FC236}">
-                <a16:creationId xmlns:a16="http://schemas.microsoft.com/office/drawing/2014/main" id="{6E510005-0E35-B290-977C-27861FF72024}"/>
+                <a16:creationId xmlns:a16="http://schemas.microsoft.com/office/drawing/2014/main" id="{05B40F43-D862-F5CA-3CD2-E17F6D5BCED7}"/>
               </a:ext>
             </a:extLst>
           </p:cNvPr>
@@ -7528,7 +14792,7 @@
           <p:cNvPr id="14" name="Textfeld 13">
             <a:extLst>
               <a:ext uri="{FF2B5EF4-FFF2-40B4-BE49-F238E27FC236}">
-                <a16:creationId xmlns:a16="http://schemas.microsoft.com/office/drawing/2014/main" id="{FD18B820-B14A-5917-E67F-AA0CB72C0A9B}"/>
+                <a16:creationId xmlns:a16="http://schemas.microsoft.com/office/drawing/2014/main" id="{9F4A27BC-20DF-EFBD-3194-0AB298D1E0AC}"/>
               </a:ext>
             </a:extLst>
           </p:cNvPr>
@@ -7668,7 +14932,7 @@
           <p:cNvPr id="17" name="Textfeld 16">
             <a:extLst>
               <a:ext uri="{FF2B5EF4-FFF2-40B4-BE49-F238E27FC236}">
-                <a16:creationId xmlns:a16="http://schemas.microsoft.com/office/drawing/2014/main" id="{8E82E923-350D-B352-4937-8BEA2940067A}"/>
+                <a16:creationId xmlns:a16="http://schemas.microsoft.com/office/drawing/2014/main" id="{50F314D0-9F1D-CD56-F739-C59D01A58E24}"/>
               </a:ext>
             </a:extLst>
           </p:cNvPr>
@@ -7795,7 +15059,7 @@
           <p:cNvPr id="22" name="Textfeld 21">
             <a:extLst>
               <a:ext uri="{FF2B5EF4-FFF2-40B4-BE49-F238E27FC236}">
-                <a16:creationId xmlns:a16="http://schemas.microsoft.com/office/drawing/2014/main" id="{EA517859-89EE-F855-CDA8-2CCDEDFED70C}"/>
+                <a16:creationId xmlns:a16="http://schemas.microsoft.com/office/drawing/2014/main" id="{5C4874FF-443D-C920-182C-A270954B5DA1}"/>
               </a:ext>
             </a:extLst>
           </p:cNvPr>
@@ -7881,7 +15145,7 @@
           <p:cNvPr id="23" name="Textfeld 22">
             <a:extLst>
               <a:ext uri="{FF2B5EF4-FFF2-40B4-BE49-F238E27FC236}">
-                <a16:creationId xmlns:a16="http://schemas.microsoft.com/office/drawing/2014/main" id="{173BE658-32E1-BA7E-C685-B3319942F7E4}"/>
+                <a16:creationId xmlns:a16="http://schemas.microsoft.com/office/drawing/2014/main" id="{D2FB1E51-27D2-EB7A-DBCB-C5DDF5D7B4E4}"/>
               </a:ext>
             </a:extLst>
           </p:cNvPr>
@@ -8019,7 +15283,7 @@
           <p:cNvPr id="26" name="Textfeld 25">
             <a:extLst>
               <a:ext uri="{FF2B5EF4-FFF2-40B4-BE49-F238E27FC236}">
-                <a16:creationId xmlns:a16="http://schemas.microsoft.com/office/drawing/2014/main" id="{B003ED46-5195-39B6-0D7C-9727A827B544}"/>
+                <a16:creationId xmlns:a16="http://schemas.microsoft.com/office/drawing/2014/main" id="{F48B2C12-DCFF-CD9A-2B3E-DE38EB8EADA1}"/>
               </a:ext>
             </a:extLst>
           </p:cNvPr>
@@ -8094,7 +15358,7 @@
           <p:cNvPr id="27" name="Textfeld 26">
             <a:extLst>
               <a:ext uri="{FF2B5EF4-FFF2-40B4-BE49-F238E27FC236}">
-                <a16:creationId xmlns:a16="http://schemas.microsoft.com/office/drawing/2014/main" id="{61785A8A-ADFD-FB0F-6F2F-8E7E29B809F0}"/>
+                <a16:creationId xmlns:a16="http://schemas.microsoft.com/office/drawing/2014/main" id="{DD2C7DB9-2BEE-E98A-5B37-78BB5B36C4EB}"/>
               </a:ext>
             </a:extLst>
           </p:cNvPr>
@@ -8221,7 +15485,7 @@
           <p:cNvPr id="29" name="Textfeld 28">
             <a:extLst>
               <a:ext uri="{FF2B5EF4-FFF2-40B4-BE49-F238E27FC236}">
-                <a16:creationId xmlns:a16="http://schemas.microsoft.com/office/drawing/2014/main" id="{79F71CFE-8D74-B9FE-8668-F97EAE5368F0}"/>
+                <a16:creationId xmlns:a16="http://schemas.microsoft.com/office/drawing/2014/main" id="{835363B8-6B82-2748-D3D6-7AC0580F7D76}"/>
               </a:ext>
             </a:extLst>
           </p:cNvPr>
@@ -8264,7 +15528,7 @@
           <p:cNvPr id="30" name="Textfeld 29">
             <a:extLst>
               <a:ext uri="{FF2B5EF4-FFF2-40B4-BE49-F238E27FC236}">
-                <a16:creationId xmlns:a16="http://schemas.microsoft.com/office/drawing/2014/main" id="{7DB679D7-E52A-6259-89C9-9B8CA95A7943}"/>
+                <a16:creationId xmlns:a16="http://schemas.microsoft.com/office/drawing/2014/main" id="{9D345202-D03C-9C13-8DBD-197BB1AED27F}"/>
               </a:ext>
             </a:extLst>
           </p:cNvPr>
@@ -8391,7 +15655,7 @@
           <p:cNvPr id="40" name="Textfeld 39">
             <a:extLst>
               <a:ext uri="{FF2B5EF4-FFF2-40B4-BE49-F238E27FC236}">
-                <a16:creationId xmlns:a16="http://schemas.microsoft.com/office/drawing/2014/main" id="{09FCC31B-6779-19FC-A86E-331BDE089D11}"/>
+                <a16:creationId xmlns:a16="http://schemas.microsoft.com/office/drawing/2014/main" id="{1887770E-DF5A-A9C1-089D-E1BFF0C60A7D}"/>
               </a:ext>
             </a:extLst>
           </p:cNvPr>
@@ -8435,7 +15699,7 @@
           <p:cNvPr id="44" name="Textfeld 43">
             <a:extLst>
               <a:ext uri="{FF2B5EF4-FFF2-40B4-BE49-F238E27FC236}">
-                <a16:creationId xmlns:a16="http://schemas.microsoft.com/office/drawing/2014/main" id="{8379C4E6-619E-7FD2-167B-E0AFF1A4509A}"/>
+                <a16:creationId xmlns:a16="http://schemas.microsoft.com/office/drawing/2014/main" id="{3596EEE4-7726-8E3D-4EC6-F7FC595BB651}"/>
               </a:ext>
             </a:extLst>
           </p:cNvPr>
@@ -8479,7 +15743,7 @@
           <p:cNvPr id="45" name="Textfeld 44">
             <a:extLst>
               <a:ext uri="{FF2B5EF4-FFF2-40B4-BE49-F238E27FC236}">
-                <a16:creationId xmlns:a16="http://schemas.microsoft.com/office/drawing/2014/main" id="{D1F9B6A9-CA0F-6E25-C211-E9F078B79D87}"/>
+                <a16:creationId xmlns:a16="http://schemas.microsoft.com/office/drawing/2014/main" id="{6319D2FD-3396-57E2-E4EF-2D73C32982B2}"/>
               </a:ext>
             </a:extLst>
           </p:cNvPr>
@@ -8554,7 +15818,7 @@
           <p:cNvPr id="46" name="Textfeld 45">
             <a:extLst>
               <a:ext uri="{FF2B5EF4-FFF2-40B4-BE49-F238E27FC236}">
-                <a16:creationId xmlns:a16="http://schemas.microsoft.com/office/drawing/2014/main" id="{CABD0686-4E0B-E4CF-038C-5D139CAC034D}"/>
+                <a16:creationId xmlns:a16="http://schemas.microsoft.com/office/drawing/2014/main" id="{3DC97465-146B-3261-70CA-B19694ED9D6A}"/>
               </a:ext>
             </a:extLst>
           </p:cNvPr>
@@ -8629,7 +15893,7 @@
           <p:cNvPr id="49" name="Textfeld 48">
             <a:extLst>
               <a:ext uri="{FF2B5EF4-FFF2-40B4-BE49-F238E27FC236}">
-                <a16:creationId xmlns:a16="http://schemas.microsoft.com/office/drawing/2014/main" id="{99163760-81CC-D7A0-BD7C-8B30AC6104B0}"/>
+                <a16:creationId xmlns:a16="http://schemas.microsoft.com/office/drawing/2014/main" id="{54C52895-3A6A-C1E7-CCC2-21D221958027}"/>
               </a:ext>
             </a:extLst>
           </p:cNvPr>
@@ -8673,7 +15937,7 @@
           <p:cNvPr id="50" name="Textfeld 49">
             <a:extLst>
               <a:ext uri="{FF2B5EF4-FFF2-40B4-BE49-F238E27FC236}">
-                <a16:creationId xmlns:a16="http://schemas.microsoft.com/office/drawing/2014/main" id="{C65B7BC0-FB97-364B-C07D-33A52C3B85AA}"/>
+                <a16:creationId xmlns:a16="http://schemas.microsoft.com/office/drawing/2014/main" id="{B8DD0AF2-9932-91AA-70CA-1B6EFC003C1B}"/>
               </a:ext>
             </a:extLst>
           </p:cNvPr>
@@ -8774,7 +16038,7 @@
           <p:cNvPr id="52" name="Textfeld 51">
             <a:extLst>
               <a:ext uri="{FF2B5EF4-FFF2-40B4-BE49-F238E27FC236}">
-                <a16:creationId xmlns:a16="http://schemas.microsoft.com/office/drawing/2014/main" id="{A5CD8E84-F642-6DE6-EC7D-C870CDEB9944}"/>
+                <a16:creationId xmlns:a16="http://schemas.microsoft.com/office/drawing/2014/main" id="{09906EA2-933B-19ED-7270-A2DACF33C94C}"/>
               </a:ext>
             </a:extLst>
           </p:cNvPr>
@@ -8901,7 +16165,7 @@
           <p:cNvPr id="53" name="Textfeld 52">
             <a:extLst>
               <a:ext uri="{FF2B5EF4-FFF2-40B4-BE49-F238E27FC236}">
-                <a16:creationId xmlns:a16="http://schemas.microsoft.com/office/drawing/2014/main" id="{7BFCF8A0-A8A8-AC5B-62CA-A9617834AD02}"/>
+                <a16:creationId xmlns:a16="http://schemas.microsoft.com/office/drawing/2014/main" id="{69081677-A30B-5C16-482E-815745ABFC1B}"/>
               </a:ext>
             </a:extLst>
           </p:cNvPr>
@@ -8944,7 +16208,7 @@
           <p:cNvPr id="54" name="Textfeld 53">
             <a:extLst>
               <a:ext uri="{FF2B5EF4-FFF2-40B4-BE49-F238E27FC236}">
-                <a16:creationId xmlns:a16="http://schemas.microsoft.com/office/drawing/2014/main" id="{B7DC9D02-854D-50C3-BE00-58DF4B4F85C6}"/>
+                <a16:creationId xmlns:a16="http://schemas.microsoft.com/office/drawing/2014/main" id="{4589E9A3-B7CC-4CE1-7259-64981A9383F5}"/>
               </a:ext>
             </a:extLst>
           </p:cNvPr>
@@ -9071,7 +16335,7 @@
           <p:cNvPr id="57" name="Textfeld 56">
             <a:extLst>
               <a:ext uri="{FF2B5EF4-FFF2-40B4-BE49-F238E27FC236}">
-                <a16:creationId xmlns:a16="http://schemas.microsoft.com/office/drawing/2014/main" id="{C0556668-F443-585C-E309-EE70F5EED3AD}"/>
+                <a16:creationId xmlns:a16="http://schemas.microsoft.com/office/drawing/2014/main" id="{8E329066-D95C-CBE9-C96F-8011B148CB24}"/>
               </a:ext>
             </a:extLst>
           </p:cNvPr>
@@ -9114,7 +16378,7 @@
           <p:cNvPr id="58" name="Textfeld 57">
             <a:extLst>
               <a:ext uri="{FF2B5EF4-FFF2-40B4-BE49-F238E27FC236}">
-                <a16:creationId xmlns:a16="http://schemas.microsoft.com/office/drawing/2014/main" id="{91A247BC-E95A-383D-A984-BA57BFCC4366}"/>
+                <a16:creationId xmlns:a16="http://schemas.microsoft.com/office/drawing/2014/main" id="{0659A5C6-C15E-26A4-74A7-D061CD373BF3}"/>
               </a:ext>
             </a:extLst>
           </p:cNvPr>
@@ -9241,7 +16505,7 @@
           <p:cNvPr id="60" name="Gerader Verbinder 59">
             <a:extLst>
               <a:ext uri="{FF2B5EF4-FFF2-40B4-BE49-F238E27FC236}">
-                <a16:creationId xmlns:a16="http://schemas.microsoft.com/office/drawing/2014/main" id="{9D51AABB-7890-1D3C-38FE-6BC644DA1E49}"/>
+                <a16:creationId xmlns:a16="http://schemas.microsoft.com/office/drawing/2014/main" id="{2BEA8520-7153-8A41-197F-338428DA51F2}"/>
               </a:ext>
             </a:extLst>
           </p:cNvPr>
@@ -9288,7 +16552,7 @@
           <p:cNvPr id="61" name="Gerader Verbinder 60">
             <a:extLst>
               <a:ext uri="{FF2B5EF4-FFF2-40B4-BE49-F238E27FC236}">
-                <a16:creationId xmlns:a16="http://schemas.microsoft.com/office/drawing/2014/main" id="{DCE5EAEB-3F5C-E5DF-C233-068CD058695A}"/>
+                <a16:creationId xmlns:a16="http://schemas.microsoft.com/office/drawing/2014/main" id="{222F8309-F45C-4F6D-D4F8-06CCE24766FA}"/>
               </a:ext>
             </a:extLst>
           </p:cNvPr>
@@ -9335,7 +16599,7 @@
           <p:cNvPr id="76" name="Gerade Verbindung mit Pfeil 75">
             <a:extLst>
               <a:ext uri="{FF2B5EF4-FFF2-40B4-BE49-F238E27FC236}">
-                <a16:creationId xmlns:a16="http://schemas.microsoft.com/office/drawing/2014/main" id="{77ECC698-5DCE-39C1-9477-DD71481A86F5}"/>
+                <a16:creationId xmlns:a16="http://schemas.microsoft.com/office/drawing/2014/main" id="{09F145D2-EBBA-9B1D-F2D6-8922B5B344EE}"/>
               </a:ext>
             </a:extLst>
           </p:cNvPr>
@@ -9382,7 +16646,7 @@
           <p:cNvPr id="79" name="Gerade Verbindung mit Pfeil 78">
             <a:extLst>
               <a:ext uri="{FF2B5EF4-FFF2-40B4-BE49-F238E27FC236}">
-                <a16:creationId xmlns:a16="http://schemas.microsoft.com/office/drawing/2014/main" id="{E27B2061-C6F8-A646-CB16-7E4023277313}"/>
+                <a16:creationId xmlns:a16="http://schemas.microsoft.com/office/drawing/2014/main" id="{DB20C607-8824-EA46-80B7-E57F5FC22C63}"/>
               </a:ext>
             </a:extLst>
           </p:cNvPr>
@@ -9429,7 +16693,7 @@
           <p:cNvPr id="96" name="Textfeld 95">
             <a:extLst>
               <a:ext uri="{FF2B5EF4-FFF2-40B4-BE49-F238E27FC236}">
-                <a16:creationId xmlns:a16="http://schemas.microsoft.com/office/drawing/2014/main" id="{F016A024-E1FE-1CB0-E2AD-277F342C4FB9}"/>
+                <a16:creationId xmlns:a16="http://schemas.microsoft.com/office/drawing/2014/main" id="{C179B311-6158-AB03-6042-21C23BE7F767}"/>
               </a:ext>
             </a:extLst>
           </p:cNvPr>
@@ -9473,7 +16737,7 @@
           <p:cNvPr id="98" name="Gerader Verbinder 97">
             <a:extLst>
               <a:ext uri="{FF2B5EF4-FFF2-40B4-BE49-F238E27FC236}">
-                <a16:creationId xmlns:a16="http://schemas.microsoft.com/office/drawing/2014/main" id="{FA6F17D8-7174-CE80-EC30-CD893D65C407}"/>
+                <a16:creationId xmlns:a16="http://schemas.microsoft.com/office/drawing/2014/main" id="{D686FDA9-10BF-256A-5A18-CDD531DA36EA}"/>
               </a:ext>
             </a:extLst>
           </p:cNvPr>
@@ -9512,604 +16776,51 @@
           </a:fontRef>
         </p:style>
       </p:cxnSp>
-    </p:spTree>
-    <p:extLst>
-      <p:ext uri="{BB962C8B-B14F-4D97-AF65-F5344CB8AC3E}">
-        <p14:creationId xmlns:p14="http://schemas.microsoft.com/office/powerpoint/2010/main" val="4217530779"/>
-      </p:ext>
-    </p:extLst>
-  </p:cSld>
-  <p:clrMapOvr>
-    <a:masterClrMapping/>
-  </p:clrMapOvr>
-</p:sld>
-</file>
-
-<file path=ppt/slides/slide3.xml><?xml version="1.0" encoding="utf-8"?>
-<p:sld xmlns:a="http://schemas.openxmlformats.org/drawingml/2006/main" xmlns:r="http://schemas.openxmlformats.org/officeDocument/2006/relationships" xmlns:p="http://schemas.openxmlformats.org/presentationml/2006/main">
-  <p:cSld>
-    <p:spTree>
-      <p:nvGrpSpPr>
-        <p:cNvPr id="1" name=""/>
-        <p:cNvGrpSpPr/>
-        <p:nvPr/>
-      </p:nvGrpSpPr>
-      <p:grpSpPr>
-        <a:xfrm>
-          <a:off x="0" y="0"/>
-          <a:ext cx="0" cy="0"/>
-          <a:chOff x="0" y="0"/>
-          <a:chExt cx="0" cy="0"/>
-        </a:xfrm>
-      </p:grpSpPr>
-      <p:graphicFrame>
-        <p:nvGraphicFramePr>
-          <p:cNvPr id="4" name="Tabelle 3">
-            <a:extLst>
-              <a:ext uri="{FF2B5EF4-FFF2-40B4-BE49-F238E27FC236}">
-                <a16:creationId xmlns:a16="http://schemas.microsoft.com/office/drawing/2014/main" id="{DB033A91-99C9-2A9C-8811-F479AB1BA229}"/>
-              </a:ext>
-            </a:extLst>
-          </p:cNvPr>
-          <p:cNvGraphicFramePr>
-            <a:graphicFrameLocks noGrp="1"/>
-          </p:cNvGraphicFramePr>
-          <p:nvPr>
-            <p:extLst>
-              <p:ext uri="{D42A27DB-BD31-4B8C-83A1-F6EECF244321}">
-                <p14:modId xmlns:p14="http://schemas.microsoft.com/office/powerpoint/2010/main" val="2319279651"/>
-              </p:ext>
-            </p:extLst>
-          </p:nvPr>
-        </p:nvGraphicFramePr>
-        <p:xfrm>
-          <a:off x="317499" y="536786"/>
-          <a:ext cx="10495113" cy="3596640"/>
-        </p:xfrm>
-        <a:graphic>
-          <a:graphicData uri="http://schemas.openxmlformats.org/drawingml/2006/table">
-            <a:tbl>
-              <a:tblPr firstRow="1" bandRow="1">
-                <a:tableStyleId>{5C22544A-7EE6-4342-B048-85BDC9FD1C3A}</a:tableStyleId>
-              </a:tblPr>
-              <a:tblGrid>
-                <a:gridCol w="5248994">
-                  <a:extLst>
-                    <a:ext uri="{9D8B030D-6E8A-4147-A177-3AD203B41FA5}">
-                      <a16:colId xmlns:a16="http://schemas.microsoft.com/office/drawing/2014/main" val="1973923140"/>
-                    </a:ext>
-                  </a:extLst>
-                </a:gridCol>
-                <a:gridCol w="1747748">
-                  <a:extLst>
-                    <a:ext uri="{9D8B030D-6E8A-4147-A177-3AD203B41FA5}">
-                      <a16:colId xmlns:a16="http://schemas.microsoft.com/office/drawing/2014/main" val="934169871"/>
-                    </a:ext>
-                  </a:extLst>
-                </a:gridCol>
-                <a:gridCol w="3498371">
-                  <a:extLst>
-                    <a:ext uri="{9D8B030D-6E8A-4147-A177-3AD203B41FA5}">
-                      <a16:colId xmlns:a16="http://schemas.microsoft.com/office/drawing/2014/main" val="2420230584"/>
-                    </a:ext>
-                  </a:extLst>
-                </a:gridCol>
-              </a:tblGrid>
-              <a:tr h="370840">
-                <a:tc>
-                  <a:txBody>
-                    <a:bodyPr/>
-                    <a:lstStyle/>
-                    <a:p>
-                      <a:r>
-                        <a:rPr lang="de-DE" sz="1200"/>
-                        <a:t>Column</a:t>
-                      </a:r>
-                    </a:p>
-                  </a:txBody>
-                  <a:tcPr/>
-                </a:tc>
-                <a:tc>
-                  <a:txBody>
-                    <a:bodyPr/>
-                    <a:lstStyle/>
-                    <a:p>
-                      <a:r>
-                        <a:rPr lang="de-DE" sz="1200"/>
-                        <a:t>Type</a:t>
-                      </a:r>
-                    </a:p>
-                  </a:txBody>
-                  <a:tcPr/>
-                </a:tc>
-                <a:tc>
-                  <a:txBody>
-                    <a:bodyPr/>
-                    <a:lstStyle/>
-                    <a:p>
-                      <a:r>
-                        <a:rPr lang="de-DE" sz="1200"/>
-                        <a:t>Based on</a:t>
-                      </a:r>
-                    </a:p>
-                  </a:txBody>
-                  <a:tcPr/>
-                </a:tc>
-                <a:extLst>
-                  <a:ext uri="{0D108BD9-81ED-4DB2-BD59-A6C34878D82A}">
-                    <a16:rowId xmlns:a16="http://schemas.microsoft.com/office/drawing/2014/main" val="2334020561"/>
-                  </a:ext>
-                </a:extLst>
-              </a:tr>
-              <a:tr h="370840">
-                <a:tc>
-                  <a:txBody>
-                    <a:bodyPr/>
-                    <a:lstStyle/>
-                    <a:p>
-                      <a:r>
-                        <a:rPr lang="de-DE" sz="1200"/>
-                        <a:t>mount-name</a:t>
-                      </a:r>
-                    </a:p>
-                  </a:txBody>
-                  <a:tcPr/>
-                </a:tc>
-                <a:tc>
-                  <a:txBody>
-                    <a:bodyPr/>
-                    <a:lstStyle/>
-                    <a:p>
-                      <a:r>
-                        <a:rPr lang="de-DE" sz="1200"/>
-                        <a:t>String</a:t>
-                      </a:r>
-                    </a:p>
-                  </a:txBody>
-                  <a:tcPr/>
-                </a:tc>
-                <a:tc>
-                  <a:txBody>
-                    <a:bodyPr/>
-                    <a:lstStyle/>
-                    <a:p>
-                      <a:r>
-                        <a:rPr lang="de-DE" sz="1200"/>
-                        <a:t>Periodic sync, notification</a:t>
-                      </a:r>
-                    </a:p>
-                  </a:txBody>
-                  <a:tcPr/>
-                </a:tc>
-                <a:extLst>
-                  <a:ext uri="{0D108BD9-81ED-4DB2-BD59-A6C34878D82A}">
-                    <a16:rowId xmlns:a16="http://schemas.microsoft.com/office/drawing/2014/main" val="625363744"/>
-                  </a:ext>
-                </a:extLst>
-              </a:tr>
-              <a:tr h="370840">
-                <a:tc>
-                  <a:txBody>
-                    <a:bodyPr/>
-                    <a:lstStyle/>
-                    <a:p>
-                      <a:r>
-                        <a:rPr lang="de-DE" sz="1200"/>
-                        <a:t>connection-status</a:t>
-                      </a:r>
-                    </a:p>
-                  </a:txBody>
-                  <a:tcPr/>
-                </a:tc>
-                <a:tc>
-                  <a:txBody>
-                    <a:bodyPr/>
-                    <a:lstStyle/>
-                    <a:p>
-                      <a:r>
-                        <a:rPr lang="de-DE" sz="1200"/>
-                        <a:t>String</a:t>
-                      </a:r>
-                    </a:p>
-                  </a:txBody>
-                  <a:tcPr/>
-                </a:tc>
-                <a:tc>
-                  <a:txBody>
-                    <a:bodyPr/>
-                    <a:lstStyle/>
-                    <a:p>
-                      <a:pPr marL="0" marR="0" lvl="0" indent="0" algn="l" defTabSz="914400" rtl="0" eaLnBrk="1" fontAlgn="auto" latinLnBrk="0" hangingPunct="1">
-                        <a:lnSpc>
-                          <a:spcPct val="100000"/>
-                        </a:lnSpc>
-                        <a:spcBef>
-                          <a:spcPts val="0"/>
-                        </a:spcBef>
-                        <a:spcAft>
-                          <a:spcPts val="0"/>
-                        </a:spcAft>
-                        <a:buClrTx/>
-                        <a:buSzTx/>
-                        <a:buFontTx/>
-                        <a:buNone/>
-                        <a:tabLst/>
-                        <a:defRPr/>
-                      </a:pPr>
-                      <a:r>
-                        <a:rPr lang="de-DE" sz="1200"/>
-                        <a:t>Periodic sync, notification</a:t>
-                      </a:r>
-                    </a:p>
-                    <a:p>
-                      <a:endParaRPr lang="de-DE" sz="1200"/>
-                    </a:p>
-                  </a:txBody>
-                  <a:tcPr/>
-                </a:tc>
-                <a:extLst>
-                  <a:ext uri="{0D108BD9-81ED-4DB2-BD59-A6C34878D82A}">
-                    <a16:rowId xmlns:a16="http://schemas.microsoft.com/office/drawing/2014/main" val="1158804284"/>
-                  </a:ext>
-                </a:extLst>
-              </a:tr>
-              <a:tr h="370840">
-                <a:tc>
-                  <a:txBody>
-                    <a:bodyPr/>
-                    <a:lstStyle/>
-                    <a:p>
-                      <a:r>
-                        <a:rPr lang="de-DE" sz="1200"/>
-                        <a:t>changed-to-disconnected-time</a:t>
-                      </a:r>
-                    </a:p>
-                  </a:txBody>
-                  <a:tcPr/>
-                </a:tc>
-                <a:tc>
-                  <a:txBody>
-                    <a:bodyPr/>
-                    <a:lstStyle/>
-                    <a:p>
-                      <a:r>
-                        <a:rPr lang="de-DE" sz="1200"/>
-                        <a:t>String, timestamp</a:t>
-                      </a:r>
-                    </a:p>
-                  </a:txBody>
-                  <a:tcPr/>
-                </a:tc>
-                <a:tc>
-                  <a:txBody>
-                    <a:bodyPr/>
-                    <a:lstStyle/>
-                    <a:p>
-                      <a:pPr marL="0" marR="0" lvl="0" indent="0" algn="l" defTabSz="914400" rtl="0" eaLnBrk="1" fontAlgn="auto" latinLnBrk="0" hangingPunct="1">
-                        <a:lnSpc>
-                          <a:spcPct val="100000"/>
-                        </a:lnSpc>
-                        <a:spcBef>
-                          <a:spcPts val="0"/>
-                        </a:spcBef>
-                        <a:spcAft>
-                          <a:spcPts val="0"/>
-                        </a:spcAft>
-                        <a:buClrTx/>
-                        <a:buSzTx/>
-                        <a:buFontTx/>
-                        <a:buNone/>
-                        <a:tabLst/>
-                        <a:defRPr/>
-                      </a:pPr>
-                      <a:r>
-                        <a:rPr lang="de-DE" sz="1200"/>
-                        <a:t>Periodic sync, notification</a:t>
-                      </a:r>
-                    </a:p>
-                    <a:p>
-                      <a:endParaRPr lang="de-DE" sz="1200"/>
-                    </a:p>
-                  </a:txBody>
-                  <a:tcPr/>
-                </a:tc>
-                <a:extLst>
-                  <a:ext uri="{0D108BD9-81ED-4DB2-BD59-A6C34878D82A}">
-                    <a16:rowId xmlns:a16="http://schemas.microsoft.com/office/drawing/2014/main" val="3795152502"/>
-                  </a:ext>
-                </a:extLst>
-              </a:tr>
-              <a:tr h="370840">
-                <a:tc>
-                  <a:txBody>
-                    <a:bodyPr/>
-                    <a:lstStyle/>
-                    <a:p>
-                      <a:r>
-                        <a:rPr lang="de-DE" sz="1200"/>
-                        <a:t>added-to-device-list-time</a:t>
-                      </a:r>
-                    </a:p>
-                  </a:txBody>
-                  <a:tcPr/>
-                </a:tc>
-                <a:tc>
-                  <a:txBody>
-                    <a:bodyPr/>
-                    <a:lstStyle/>
-                    <a:p>
-                      <a:r>
-                        <a:rPr lang="de-DE" sz="1200"/>
-                        <a:t>String, timestamp</a:t>
-                      </a:r>
-                    </a:p>
-                  </a:txBody>
-                  <a:tcPr/>
-                </a:tc>
-                <a:tc>
-                  <a:txBody>
-                    <a:bodyPr/>
-                    <a:lstStyle/>
-                    <a:p>
-                      <a:pPr marL="0" marR="0" lvl="0" indent="0" algn="l" defTabSz="914400" rtl="0" eaLnBrk="1" fontAlgn="auto" latinLnBrk="0" hangingPunct="1">
-                        <a:lnSpc>
-                          <a:spcPct val="100000"/>
-                        </a:lnSpc>
-                        <a:spcBef>
-                          <a:spcPts val="0"/>
-                        </a:spcBef>
-                        <a:spcAft>
-                          <a:spcPts val="0"/>
-                        </a:spcAft>
-                        <a:buClrTx/>
-                        <a:buSzTx/>
-                        <a:buFontTx/>
-                        <a:buNone/>
-                        <a:tabLst/>
-                        <a:defRPr/>
-                      </a:pPr>
-                      <a:r>
-                        <a:rPr lang="de-DE" sz="1200"/>
-                        <a:t>Periodic sync, notification</a:t>
-                      </a:r>
-                    </a:p>
-                    <a:p>
-                      <a:endParaRPr lang="de-DE" sz="1200"/>
-                    </a:p>
-                  </a:txBody>
-                  <a:tcPr/>
-                </a:tc>
-                <a:extLst>
-                  <a:ext uri="{0D108BD9-81ED-4DB2-BD59-A6C34878D82A}">
-                    <a16:rowId xmlns:a16="http://schemas.microsoft.com/office/drawing/2014/main" val="1915236450"/>
-                  </a:ext>
-                </a:extLst>
-              </a:tr>
-              <a:tr h="370840">
-                <a:tc>
-                  <a:txBody>
-                    <a:bodyPr/>
-                    <a:lstStyle/>
-                    <a:p>
-                      <a:r>
-                        <a:rPr lang="de-DE" sz="1200"/>
-                        <a:t>last-complete-control-construct-update-time</a:t>
-                      </a:r>
-                    </a:p>
-                  </a:txBody>
-                  <a:tcPr/>
-                </a:tc>
-                <a:tc>
-                  <a:txBody>
-                    <a:bodyPr/>
-                    <a:lstStyle/>
-                    <a:p>
-                      <a:r>
-                        <a:rPr lang="de-DE" sz="1200"/>
-                        <a:t>String, timestamp</a:t>
-                      </a:r>
-                    </a:p>
-                  </a:txBody>
-                  <a:tcPr/>
-                </a:tc>
-                <a:tc>
-                  <a:txBody>
-                    <a:bodyPr/>
-                    <a:lstStyle/>
-                    <a:p>
-                      <a:r>
-                        <a:rPr lang="de-DE" sz="1200"/>
-                        <a:t>periodic CC retrieval (slidingWindow)</a:t>
-                      </a:r>
-                    </a:p>
-                  </a:txBody>
-                  <a:tcPr/>
-                </a:tc>
-                <a:extLst>
-                  <a:ext uri="{0D108BD9-81ED-4DB2-BD59-A6C34878D82A}">
-                    <a16:rowId xmlns:a16="http://schemas.microsoft.com/office/drawing/2014/main" val="4128198377"/>
-                  </a:ext>
-                </a:extLst>
-              </a:tr>
-              <a:tr h="370840">
-                <a:tc>
-                  <a:txBody>
-                    <a:bodyPr/>
-                    <a:lstStyle/>
-                    <a:p>
-                      <a:r>
-                        <a:rPr lang="de-DE" sz="1200"/>
-                        <a:t>last-control-construct-notification-update-time</a:t>
-                      </a:r>
-                    </a:p>
-                  </a:txBody>
-                  <a:tcPr/>
-                </a:tc>
-                <a:tc>
-                  <a:txBody>
-                    <a:bodyPr/>
-                    <a:lstStyle/>
-                    <a:p>
-                      <a:r>
-                        <a:rPr lang="de-DE" sz="1200"/>
-                        <a:t>String, timestamp</a:t>
-                      </a:r>
-                    </a:p>
-                  </a:txBody>
-                  <a:tcPr/>
-                </a:tc>
-                <a:tc>
-                  <a:txBody>
-                    <a:bodyPr/>
-                    <a:lstStyle/>
-                    <a:p>
-                      <a:r>
-                        <a:rPr lang="de-DE" sz="1200"/>
-                        <a:t>Notification</a:t>
-                      </a:r>
-                    </a:p>
-                  </a:txBody>
-                  <a:tcPr/>
-                </a:tc>
-                <a:extLst>
-                  <a:ext uri="{0D108BD9-81ED-4DB2-BD59-A6C34878D82A}">
-                    <a16:rowId xmlns:a16="http://schemas.microsoft.com/office/drawing/2014/main" val="3885316261"/>
-                  </a:ext>
-                </a:extLst>
-              </a:tr>
-              <a:tr h="370840">
-                <a:tc>
-                  <a:txBody>
-                    <a:bodyPr/>
-                    <a:lstStyle/>
-                    <a:p>
-                      <a:r>
-                        <a:rPr lang="de-DE" sz="1200"/>
-                        <a:t>number-of-partial-updates-since-last-complete-update</a:t>
-                      </a:r>
-                    </a:p>
-                  </a:txBody>
-                  <a:tcPr/>
-                </a:tc>
-                <a:tc>
-                  <a:txBody>
-                    <a:bodyPr/>
-                    <a:lstStyle/>
-                    <a:p>
-                      <a:r>
-                        <a:rPr lang="de-DE" sz="1200"/>
-                        <a:t>Integer</a:t>
-                      </a:r>
-                    </a:p>
-                  </a:txBody>
-                  <a:tcPr/>
-                </a:tc>
-                <a:tc>
-                  <a:txBody>
-                    <a:bodyPr/>
-                    <a:lstStyle/>
-                    <a:p>
-                      <a:r>
-                        <a:rPr lang="de-DE" sz="1200"/>
-                        <a:t>Notification</a:t>
-                      </a:r>
-                    </a:p>
-                  </a:txBody>
-                  <a:tcPr/>
-                </a:tc>
-                <a:extLst>
-                  <a:ext uri="{0D108BD9-81ED-4DB2-BD59-A6C34878D82A}">
-                    <a16:rowId xmlns:a16="http://schemas.microsoft.com/office/drawing/2014/main" val="2030681551"/>
-                  </a:ext>
-                </a:extLst>
-              </a:tr>
-              <a:tr h="370840">
-                <a:tc>
-                  <a:txBody>
-                    <a:bodyPr/>
-                    <a:lstStyle/>
-                    <a:p>
-                      <a:r>
-                        <a:rPr lang="de-DE" sz="1200"/>
-                        <a:t>schema-cache-directory</a:t>
-                      </a:r>
-                    </a:p>
-                  </a:txBody>
-                  <a:tcPr/>
-                </a:tc>
-                <a:tc>
-                  <a:txBody>
-                    <a:bodyPr/>
-                    <a:lstStyle/>
-                    <a:p>
-                      <a:r>
-                        <a:rPr lang="de-DE" sz="1200"/>
-                        <a:t>string</a:t>
-                      </a:r>
-                    </a:p>
-                  </a:txBody>
-                  <a:tcPr/>
-                </a:tc>
-                <a:tc>
-                  <a:txBody>
-                    <a:bodyPr/>
-                    <a:lstStyle/>
-                    <a:p>
-                      <a:r>
-                        <a:rPr lang="de-DE" sz="1200"/>
-                        <a:t>periodic sync</a:t>
-                      </a:r>
-                    </a:p>
-                  </a:txBody>
-                  <a:tcPr/>
-                </a:tc>
-                <a:extLst>
-                  <a:ext uri="{0D108BD9-81ED-4DB2-BD59-A6C34878D82A}">
-                    <a16:rowId xmlns:a16="http://schemas.microsoft.com/office/drawing/2014/main" val="3589919307"/>
-                  </a:ext>
-                </a:extLst>
-              </a:tr>
-            </a:tbl>
-          </a:graphicData>
-        </a:graphic>
-      </p:graphicFrame>
       <p:sp>
         <p:nvSpPr>
-          <p:cNvPr id="5" name="Textfeld 4">
-            <a:extLst>
-              <a:ext uri="{FF2B5EF4-FFF2-40B4-BE49-F238E27FC236}">
-                <a16:creationId xmlns:a16="http://schemas.microsoft.com/office/drawing/2014/main" id="{DDD8C17A-8806-8ECF-BB5E-66DAB9EF3F14}"/>
-              </a:ext>
-            </a:extLst>
-          </p:cNvPr>
-          <p:cNvSpPr txBox="1"/>
+          <p:cNvPr id="3" name="Rechteck 2">
+            <a:extLst>
+              <a:ext uri="{FF2B5EF4-FFF2-40B4-BE49-F238E27FC236}">
+                <a16:creationId xmlns:a16="http://schemas.microsoft.com/office/drawing/2014/main" id="{D1016D45-84D6-88C6-A316-B3F43C8491C2}"/>
+              </a:ext>
+            </a:extLst>
+          </p:cNvPr>
+          <p:cNvSpPr/>
           <p:nvPr/>
         </p:nvSpPr>
         <p:spPr>
           <a:xfrm>
-            <a:off x="0" y="0"/>
-            <a:ext cx="12192000" cy="369332"/>
+            <a:off x="0" y="2623060"/>
+            <a:ext cx="13700766" cy="413816"/>
           </a:xfrm>
           <a:prstGeom prst="rect">
             <a:avLst/>
           </a:prstGeom>
-          <a:solidFill>
-            <a:srgbClr val="002060"/>
-          </a:solidFill>
         </p:spPr>
+        <p:style>
+          <a:lnRef idx="2">
+            <a:schemeClr val="accent5">
+              <a:shade val="15000"/>
+            </a:schemeClr>
+          </a:lnRef>
+          <a:fillRef idx="1">
+            <a:schemeClr val="accent5"/>
+          </a:fillRef>
+          <a:effectRef idx="0">
+            <a:schemeClr val="accent5"/>
+          </a:effectRef>
+          <a:fontRef idx="minor">
+            <a:schemeClr val="lt1"/>
+          </a:fontRef>
+        </p:style>
         <p:txBody>
-          <a:bodyPr wrap="square" rtlCol="0">
-            <a:spAutoFit/>
-          </a:bodyPr>
+          <a:bodyPr rtlCol="0" anchor="ctr"/>
           <a:lstStyle/>
           <a:p>
-            <a:r>
-              <a:rPr lang="de-DE">
-                <a:solidFill>
-                  <a:schemeClr val="bg1"/>
-                </a:solidFill>
-              </a:rPr>
-              <a:t>Table columns</a:t>
+            <a:pPr algn="ctr"/>
+            <a:r>
+              <a:rPr lang="de-DE"/>
+              <a:t>MWDI v1.2.x</a:t>
             </a:r>
           </a:p>
         </p:txBody>
@@ -10117,7 +16828,7 @@
     </p:spTree>
     <p:extLst>
       <p:ext uri="{BB962C8B-B14F-4D97-AF65-F5344CB8AC3E}">
-        <p14:creationId xmlns:p14="http://schemas.microsoft.com/office/powerpoint/2010/main" val="1795366189"/>
+        <p14:creationId xmlns:p14="http://schemas.microsoft.com/office/powerpoint/2010/main" val="3580766576"/>
       </p:ext>
     </p:extLst>
   </p:cSld>

--- a/spec/additionalDescription/pictures/MetadataTablePics.pptx
+++ b/spec/additionalDescription/pictures/MetadataTablePics.pptx
@@ -263,7 +263,7 @@
           <a:p>
             <a:fld id="{A13AB217-A22B-45C9-B442-C9534E44A269}" type="datetimeFigureOut">
               <a:rPr lang="de-DE" smtClean="0"/>
-              <a:t>24.04.2025</a:t>
+              <a:t>02.05.2025</a:t>
             </a:fld>
             <a:endParaRPr lang="de-DE"/>
           </a:p>
@@ -461,7 +461,7 @@
           <a:p>
             <a:fld id="{A13AB217-A22B-45C9-B442-C9534E44A269}" type="datetimeFigureOut">
               <a:rPr lang="de-DE" smtClean="0"/>
-              <a:t>24.04.2025</a:t>
+              <a:t>02.05.2025</a:t>
             </a:fld>
             <a:endParaRPr lang="de-DE"/>
           </a:p>
@@ -669,7 +669,7 @@
           <a:p>
             <a:fld id="{A13AB217-A22B-45C9-B442-C9534E44A269}" type="datetimeFigureOut">
               <a:rPr lang="de-DE" smtClean="0"/>
-              <a:t>24.04.2025</a:t>
+              <a:t>02.05.2025</a:t>
             </a:fld>
             <a:endParaRPr lang="de-DE"/>
           </a:p>
@@ -867,7 +867,7 @@
           <a:p>
             <a:fld id="{A13AB217-A22B-45C9-B442-C9534E44A269}" type="datetimeFigureOut">
               <a:rPr lang="de-DE" smtClean="0"/>
-              <a:t>24.04.2025</a:t>
+              <a:t>02.05.2025</a:t>
             </a:fld>
             <a:endParaRPr lang="de-DE"/>
           </a:p>
@@ -1142,7 +1142,7 @@
           <a:p>
             <a:fld id="{A13AB217-A22B-45C9-B442-C9534E44A269}" type="datetimeFigureOut">
               <a:rPr lang="de-DE" smtClean="0"/>
-              <a:t>24.04.2025</a:t>
+              <a:t>02.05.2025</a:t>
             </a:fld>
             <a:endParaRPr lang="de-DE"/>
           </a:p>
@@ -1407,7 +1407,7 @@
           <a:p>
             <a:fld id="{A13AB217-A22B-45C9-B442-C9534E44A269}" type="datetimeFigureOut">
               <a:rPr lang="de-DE" smtClean="0"/>
-              <a:t>24.04.2025</a:t>
+              <a:t>02.05.2025</a:t>
             </a:fld>
             <a:endParaRPr lang="de-DE"/>
           </a:p>
@@ -1819,7 +1819,7 @@
           <a:p>
             <a:fld id="{A13AB217-A22B-45C9-B442-C9534E44A269}" type="datetimeFigureOut">
               <a:rPr lang="de-DE" smtClean="0"/>
-              <a:t>24.04.2025</a:t>
+              <a:t>02.05.2025</a:t>
             </a:fld>
             <a:endParaRPr lang="de-DE"/>
           </a:p>
@@ -1960,7 +1960,7 @@
           <a:p>
             <a:fld id="{A13AB217-A22B-45C9-B442-C9534E44A269}" type="datetimeFigureOut">
               <a:rPr lang="de-DE" smtClean="0"/>
-              <a:t>24.04.2025</a:t>
+              <a:t>02.05.2025</a:t>
             </a:fld>
             <a:endParaRPr lang="de-DE"/>
           </a:p>
@@ -2073,7 +2073,7 @@
           <a:p>
             <a:fld id="{A13AB217-A22B-45C9-B442-C9534E44A269}" type="datetimeFigureOut">
               <a:rPr lang="de-DE" smtClean="0"/>
-              <a:t>24.04.2025</a:t>
+              <a:t>02.05.2025</a:t>
             </a:fld>
             <a:endParaRPr lang="de-DE"/>
           </a:p>
@@ -2384,7 +2384,7 @@
           <a:p>
             <a:fld id="{A13AB217-A22B-45C9-B442-C9534E44A269}" type="datetimeFigureOut">
               <a:rPr lang="de-DE" smtClean="0"/>
-              <a:t>24.04.2025</a:t>
+              <a:t>02.05.2025</a:t>
             </a:fld>
             <a:endParaRPr lang="de-DE"/>
           </a:p>
@@ -2672,7 +2672,7 @@
           <a:p>
             <a:fld id="{A13AB217-A22B-45C9-B442-C9534E44A269}" type="datetimeFigureOut">
               <a:rPr lang="de-DE" smtClean="0"/>
-              <a:t>24.04.2025</a:t>
+              <a:t>02.05.2025</a:t>
             </a:fld>
             <a:endParaRPr lang="de-DE"/>
           </a:p>
@@ -2913,7 +2913,7 @@
           <a:p>
             <a:fld id="{A13AB217-A22B-45C9-B442-C9534E44A269}" type="datetimeFigureOut">
               <a:rPr lang="de-DE" smtClean="0"/>
-              <a:t>24.04.2025</a:t>
+              <a:t>02.05.2025</a:t>
             </a:fld>
             <a:endParaRPr lang="de-DE"/>
           </a:p>
@@ -4319,7 +4319,7 @@
         <p:spPr>
           <a:xfrm>
             <a:off x="9946321" y="2219038"/>
-            <a:ext cx="2705733" cy="8202245"/>
+            <a:ext cx="3583499" cy="8356134"/>
           </a:xfrm>
           <a:prstGeom prst="rect">
             <a:avLst/>
@@ -4575,33 +4575,66 @@
             </a:endParaRPr>
           </a:p>
           <a:p>
+            <a:pPr marL="358775"/>
+            <a:r>
+              <a:rPr lang="de-DE" sz="1000">
+                <a:solidFill>
+                  <a:schemeClr val="accent6">
+                    <a:lumMod val="50000"/>
+                  </a:schemeClr>
+                </a:solidFill>
+              </a:rPr>
+              <a:t>If device-type is „unknown“ for a connected device, try updating it again to a known device-type from CC data:</a:t>
+            </a:r>
+          </a:p>
+          <a:p>
+            <a:pPr marL="358775"/>
+            <a:endParaRPr lang="de-DE" sz="1000">
+              <a:solidFill>
+                <a:schemeClr val="accent6">
+                  <a:lumMod val="50000"/>
+                </a:schemeClr>
+              </a:solidFill>
+            </a:endParaRPr>
+          </a:p>
+          <a:p>
             <a:pPr marL="361950" indent="-180975">
               <a:buFont typeface="Wingdings" panose="05000000000000000000" pitchFamily="2" charset="2"/>
               <a:buChar char="§"/>
             </a:pPr>
-            <a:r>
-              <a:rPr lang="de-DE" sz="1000">
-                <a:solidFill>
-                  <a:schemeClr val="accent6">
-                    <a:lumMod val="50000"/>
-                  </a:schemeClr>
-                </a:solidFill>
-              </a:rPr>
-              <a:t>If status != connected anymore on controller, but in table still marked as connected:</a:t>
-            </a:r>
+            <a:endParaRPr lang="de-DE" sz="1000">
+              <a:solidFill>
+                <a:schemeClr val="accent6">
+                  <a:lumMod val="50000"/>
+                </a:schemeClr>
+              </a:solidFill>
+            </a:endParaRPr>
+          </a:p>
+          <a:p>
+            <a:pPr marL="180975"/>
+            <a:endParaRPr lang="de-DE" sz="1000">
+              <a:solidFill>
+                <a:schemeClr val="accent6">
+                  <a:lumMod val="50000"/>
+                </a:schemeClr>
+              </a:solidFill>
+            </a:endParaRPr>
           </a:p>
           <a:p>
             <a:pPr marL="361950" indent="-180975">
               <a:buFont typeface="Wingdings" panose="05000000000000000000" pitchFamily="2" charset="2"/>
               <a:buChar char="§"/>
             </a:pPr>
-            <a:endParaRPr lang="de-DE" sz="1000">
-              <a:solidFill>
-                <a:schemeClr val="accent6">
-                  <a:lumMod val="50000"/>
-                </a:schemeClr>
-              </a:solidFill>
-            </a:endParaRPr>
+            <a:r>
+              <a:rPr lang="de-DE" sz="1000">
+                <a:solidFill>
+                  <a:schemeClr val="accent6">
+                    <a:lumMod val="50000"/>
+                  </a:schemeClr>
+                </a:solidFill>
+              </a:rPr>
+              <a:t>If status != connected anymore on controller, but in table still marked as connected:</a:t>
+            </a:r>
           </a:p>
           <a:p>
             <a:pPr marL="361950" indent="-180975">
@@ -4669,6 +4702,19 @@
             </a:endParaRPr>
           </a:p>
           <a:p>
+            <a:pPr marL="361950" indent="-180975">
+              <a:buFont typeface="Wingdings" panose="05000000000000000000" pitchFamily="2" charset="2"/>
+              <a:buChar char="§"/>
+            </a:pPr>
+            <a:endParaRPr lang="de-DE" sz="1000">
+              <a:solidFill>
+                <a:schemeClr val="accent6">
+                  <a:lumMod val="50000"/>
+                </a:schemeClr>
+              </a:solidFill>
+            </a:endParaRPr>
+          </a:p>
+          <a:p>
             <a:pPr marL="180975"/>
             <a:endParaRPr lang="de-DE" sz="1000">
               <a:solidFill>
@@ -4680,6 +4726,15 @@
           </a:p>
           <a:p>
             <a:endParaRPr lang="de-DE" sz="1000">
+              <a:solidFill>
+                <a:schemeClr val="accent6">
+                  <a:lumMod val="50000"/>
+                </a:schemeClr>
+              </a:solidFill>
+            </a:endParaRPr>
+          </a:p>
+          <a:p>
+            <a:endParaRPr lang="de-DE" sz="1000" b="1">
               <a:solidFill>
                 <a:schemeClr val="accent6">
                   <a:lumMod val="50000"/>
@@ -4795,10 +4850,6 @@
             </a:r>
           </a:p>
           <a:p>
-            <a:pPr marL="171450" indent="-171450">
-              <a:buFont typeface="Wingdings" panose="05000000000000000000" pitchFamily="2" charset="2"/>
-              <a:buChar char="Ø"/>
-            </a:pPr>
             <a:endParaRPr lang="de-DE" sz="1000">
               <a:solidFill>
                 <a:schemeClr val="accent6">
@@ -4820,7 +4871,7 @@
                   </a:schemeClr>
                 </a:solidFill>
               </a:rPr>
-              <a:t>The schema-cache-directory is only set by the periodic sync</a:t>
+              <a:t>The schema-cache-directory is only set by the periodic sync when device is added</a:t>
             </a:r>
           </a:p>
           <a:p>
@@ -4836,7 +4887,7 @@
                   </a:schemeClr>
                 </a:solidFill>
               </a:rPr>
-              <a:t>The device-type as well; if it is „unknown“ from previous updates, it shall be attempted to again to derive the device type from the device‘s CC</a:t>
+              <a:t>Device-type is set when device is added, but also updated by periodic sync (if „unknown“ before and found later)</a:t>
             </a:r>
           </a:p>
         </p:txBody>
@@ -8326,7 +8377,7 @@
         </p:nvSpPr>
         <p:spPr>
           <a:xfrm>
-            <a:off x="10588034" y="4560709"/>
+            <a:off x="10566182" y="4411839"/>
             <a:ext cx="1160895" cy="461665"/>
           </a:xfrm>
           <a:prstGeom prst="rect">
@@ -8401,7 +8452,7 @@
         </p:nvSpPr>
         <p:spPr>
           <a:xfrm>
-            <a:off x="10492381" y="5674561"/>
+            <a:off x="10516289" y="6206885"/>
             <a:ext cx="1645002" cy="954107"/>
           </a:xfrm>
           <a:prstGeom prst="rect">
@@ -8528,7 +8579,7 @@
         </p:nvSpPr>
         <p:spPr>
           <a:xfrm>
-            <a:off x="12228554" y="5674561"/>
+            <a:off x="12258019" y="6192847"/>
             <a:ext cx="1257935" cy="923330"/>
           </a:xfrm>
           <a:prstGeom prst="rect">
@@ -8571,7 +8622,7 @@
         </p:nvSpPr>
         <p:spPr>
           <a:xfrm>
-            <a:off x="10666460" y="7341571"/>
+            <a:off x="10523022" y="7903120"/>
             <a:ext cx="1645002" cy="954107"/>
           </a:xfrm>
           <a:prstGeom prst="rect">
@@ -9859,6 +9910,68 @@
           </a:p>
         </p:txBody>
       </p:sp>
+      <p:sp>
+        <p:nvSpPr>
+          <p:cNvPr id="6" name="Textfeld 5">
+            <a:extLst>
+              <a:ext uri="{FF2B5EF4-FFF2-40B4-BE49-F238E27FC236}">
+                <a16:creationId xmlns:a16="http://schemas.microsoft.com/office/drawing/2014/main" id="{17A46516-029A-487A-4E48-450302CE0F53}"/>
+              </a:ext>
+            </a:extLst>
+          </p:cNvPr>
+          <p:cNvSpPr txBox="1"/>
+          <p:nvPr/>
+        </p:nvSpPr>
+        <p:spPr>
+          <a:xfrm>
+            <a:off x="10577175" y="5301950"/>
+            <a:ext cx="1763624" cy="338554"/>
+          </a:xfrm>
+          <a:prstGeom prst="rect">
+            <a:avLst/>
+          </a:prstGeom>
+          <a:noFill/>
+          <a:ln>
+            <a:solidFill>
+              <a:schemeClr val="bg1">
+                <a:lumMod val="50000"/>
+              </a:schemeClr>
+            </a:solidFill>
+          </a:ln>
+        </p:spPr>
+        <p:txBody>
+          <a:bodyPr wrap="none" rtlCol="0">
+            <a:spAutoFit/>
+          </a:bodyPr>
+          <a:lstStyle/>
+          <a:p>
+            <a:r>
+              <a:rPr lang="de-DE" sz="800" u="sng">
+                <a:solidFill>
+                  <a:schemeClr val="tx1">
+                    <a:lumMod val="75000"/>
+                    <a:lumOff val="25000"/>
+                  </a:schemeClr>
+                </a:solidFill>
+              </a:rPr>
+              <a:t>Update property</a:t>
+            </a:r>
+          </a:p>
+          <a:p>
+            <a:r>
+              <a:rPr lang="de-DE" sz="800">
+                <a:solidFill>
+                  <a:schemeClr val="tx1">
+                    <a:lumMod val="75000"/>
+                    <a:lumOff val="25000"/>
+                  </a:schemeClr>
+                </a:solidFill>
+              </a:rPr>
+              <a:t>deviceType = mapped from CC data</a:t>
+            </a:r>
+          </a:p>
+        </p:txBody>
+      </p:sp>
     </p:spTree>
     <p:extLst>
       <p:ext uri="{BB962C8B-B14F-4D97-AF65-F5344CB8AC3E}">
@@ -9904,14 +10017,14 @@
           <p:nvPr>
             <p:extLst>
               <p:ext uri="{D42A27DB-BD31-4B8C-83A1-F6EECF244321}">
-                <p14:modId xmlns:p14="http://schemas.microsoft.com/office/powerpoint/2010/main" val="2330782632"/>
+                <p14:modId xmlns:p14="http://schemas.microsoft.com/office/powerpoint/2010/main" val="3845858277"/>
               </p:ext>
             </p:extLst>
           </p:nvPr>
         </p:nvGraphicFramePr>
         <p:xfrm>
           <a:off x="317499" y="536786"/>
-          <a:ext cx="10788790" cy="4053840"/>
+          <a:ext cx="11129187" cy="4053840"/>
         </p:xfrm>
         <a:graphic>
           <a:graphicData uri="http://schemas.openxmlformats.org/drawingml/2006/table">
@@ -9920,21 +10033,21 @@
                 <a:tableStyleId>{5C22544A-7EE6-4342-B048-85BDC9FD1C3A}</a:tableStyleId>
               </a:tblPr>
               <a:tblGrid>
-                <a:gridCol w="5395873">
+                <a:gridCol w="4897174">
                   <a:extLst>
                     <a:ext uri="{9D8B030D-6E8A-4147-A177-3AD203B41FA5}">
                       <a16:colId xmlns:a16="http://schemas.microsoft.com/office/drawing/2014/main" val="1973923140"/>
                     </a:ext>
                   </a:extLst>
                 </a:gridCol>
-                <a:gridCol w="1796654">
+                <a:gridCol w="1846224">
                   <a:extLst>
                     <a:ext uri="{9D8B030D-6E8A-4147-A177-3AD203B41FA5}">
                       <a16:colId xmlns:a16="http://schemas.microsoft.com/office/drawing/2014/main" val="934169871"/>
                     </a:ext>
                   </a:extLst>
                 </a:gridCol>
-                <a:gridCol w="3596263">
+                <a:gridCol w="4385789">
                   <a:extLst>
                     <a:ext uri="{9D8B030D-6E8A-4147-A177-3AD203B41FA5}">
                       <a16:colId xmlns:a16="http://schemas.microsoft.com/office/drawing/2014/main" val="2420230584"/>
@@ -9976,7 +10089,7 @@
                     <a:p>
                       <a:r>
                         <a:rPr lang="de-DE" sz="1200"/>
-                        <a:t>Based on</a:t>
+                        <a:t>Updates based on</a:t>
                       </a:r>
                     </a:p>
                   </a:txBody>

--- a/spec/additionalDescription/pictures/MetadataTablePics.pptx
+++ b/spec/additionalDescription/pictures/MetadataTablePics.pptx
@@ -5,9 +5,11 @@
     <p:sldMasterId id="2147483648" r:id="rId1"/>
   </p:sldMasterIdLst>
   <p:sldIdLst>
-    <p:sldId id="258" r:id="rId2"/>
+    <p:sldId id="262" r:id="rId2"/>
     <p:sldId id="261" r:id="rId3"/>
     <p:sldId id="259" r:id="rId4"/>
+    <p:sldId id="258" r:id="rId5"/>
+    <p:sldId id="263" r:id="rId6"/>
   </p:sldIdLst>
   <p:sldSz cx="12192000" cy="6858000"/>
   <p:notesSz cx="6858000" cy="9144000"/>
@@ -261,7 +263,7 @@
           <a:p>
             <a:fld id="{A13AB217-A22B-45C9-B442-C9534E44A269}" type="datetimeFigureOut">
               <a:rPr lang="de-DE" smtClean="0"/>
-              <a:t>09.10.2024</a:t>
+              <a:t>02.05.2025</a:t>
             </a:fld>
             <a:endParaRPr lang="de-DE"/>
           </a:p>
@@ -459,7 +461,7 @@
           <a:p>
             <a:fld id="{A13AB217-A22B-45C9-B442-C9534E44A269}" type="datetimeFigureOut">
               <a:rPr lang="de-DE" smtClean="0"/>
-              <a:t>09.10.2024</a:t>
+              <a:t>02.05.2025</a:t>
             </a:fld>
             <a:endParaRPr lang="de-DE"/>
           </a:p>
@@ -667,7 +669,7 @@
           <a:p>
             <a:fld id="{A13AB217-A22B-45C9-B442-C9534E44A269}" type="datetimeFigureOut">
               <a:rPr lang="de-DE" smtClean="0"/>
-              <a:t>09.10.2024</a:t>
+              <a:t>02.05.2025</a:t>
             </a:fld>
             <a:endParaRPr lang="de-DE"/>
           </a:p>
@@ -865,7 +867,7 @@
           <a:p>
             <a:fld id="{A13AB217-A22B-45C9-B442-C9534E44A269}" type="datetimeFigureOut">
               <a:rPr lang="de-DE" smtClean="0"/>
-              <a:t>09.10.2024</a:t>
+              <a:t>02.05.2025</a:t>
             </a:fld>
             <a:endParaRPr lang="de-DE"/>
           </a:p>
@@ -1140,7 +1142,7 @@
           <a:p>
             <a:fld id="{A13AB217-A22B-45C9-B442-C9534E44A269}" type="datetimeFigureOut">
               <a:rPr lang="de-DE" smtClean="0"/>
-              <a:t>09.10.2024</a:t>
+              <a:t>02.05.2025</a:t>
             </a:fld>
             <a:endParaRPr lang="de-DE"/>
           </a:p>
@@ -1405,7 +1407,7 @@
           <a:p>
             <a:fld id="{A13AB217-A22B-45C9-B442-C9534E44A269}" type="datetimeFigureOut">
               <a:rPr lang="de-DE" smtClean="0"/>
-              <a:t>09.10.2024</a:t>
+              <a:t>02.05.2025</a:t>
             </a:fld>
             <a:endParaRPr lang="de-DE"/>
           </a:p>
@@ -1817,7 +1819,7 @@
           <a:p>
             <a:fld id="{A13AB217-A22B-45C9-B442-C9534E44A269}" type="datetimeFigureOut">
               <a:rPr lang="de-DE" smtClean="0"/>
-              <a:t>09.10.2024</a:t>
+              <a:t>02.05.2025</a:t>
             </a:fld>
             <a:endParaRPr lang="de-DE"/>
           </a:p>
@@ -1958,7 +1960,7 @@
           <a:p>
             <a:fld id="{A13AB217-A22B-45C9-B442-C9534E44A269}" type="datetimeFigureOut">
               <a:rPr lang="de-DE" smtClean="0"/>
-              <a:t>09.10.2024</a:t>
+              <a:t>02.05.2025</a:t>
             </a:fld>
             <a:endParaRPr lang="de-DE"/>
           </a:p>
@@ -2071,7 +2073,7 @@
           <a:p>
             <a:fld id="{A13AB217-A22B-45C9-B442-C9534E44A269}" type="datetimeFigureOut">
               <a:rPr lang="de-DE" smtClean="0"/>
-              <a:t>09.10.2024</a:t>
+              <a:t>02.05.2025</a:t>
             </a:fld>
             <a:endParaRPr lang="de-DE"/>
           </a:p>
@@ -2382,7 +2384,7 @@
           <a:p>
             <a:fld id="{A13AB217-A22B-45C9-B442-C9534E44A269}" type="datetimeFigureOut">
               <a:rPr lang="de-DE" smtClean="0"/>
-              <a:t>09.10.2024</a:t>
+              <a:t>02.05.2025</a:t>
             </a:fld>
             <a:endParaRPr lang="de-DE"/>
           </a:p>
@@ -2670,7 +2672,7 @@
           <a:p>
             <a:fld id="{A13AB217-A22B-45C9-B442-C9534E44A269}" type="datetimeFigureOut">
               <a:rPr lang="de-DE" smtClean="0"/>
-              <a:t>09.10.2024</a:t>
+              <a:t>02.05.2025</a:t>
             </a:fld>
             <a:endParaRPr lang="de-DE"/>
           </a:p>
@@ -2911,7 +2913,7 @@
           <a:p>
             <a:fld id="{A13AB217-A22B-45C9-B442-C9534E44A269}" type="datetimeFigureOut">
               <a:rPr lang="de-DE" smtClean="0"/>
-              <a:t>09.10.2024</a:t>
+              <a:t>02.05.2025</a:t>
             </a:fld>
             <a:endParaRPr lang="de-DE"/>
           </a:p>
@@ -3316,7 +3318,13 @@
   <p:cSld>
     <p:spTree>
       <p:nvGrpSpPr>
-        <p:cNvPr id="1" name=""/>
+        <p:cNvPr id="1" name="">
+          <a:extLst>
+            <a:ext uri="{FF2B5EF4-FFF2-40B4-BE49-F238E27FC236}">
+              <a16:creationId xmlns:a16="http://schemas.microsoft.com/office/drawing/2014/main" id="{3AD4D680-4073-36EC-D47A-A95C36D97726}"/>
+            </a:ext>
+          </a:extLst>
+        </p:cNvPr>
         <p:cNvGrpSpPr/>
         <p:nvPr/>
       </p:nvGrpSpPr>
@@ -3330,10 +3338,62 @@
       </p:grpSpPr>
       <p:sp>
         <p:nvSpPr>
+          <p:cNvPr id="3" name="Rechteck 2">
+            <a:extLst>
+              <a:ext uri="{FF2B5EF4-FFF2-40B4-BE49-F238E27FC236}">
+                <a16:creationId xmlns:a16="http://schemas.microsoft.com/office/drawing/2014/main" id="{DC78AFCD-B878-FEEF-78B4-D09EAB9FD89F}"/>
+              </a:ext>
+            </a:extLst>
+          </p:cNvPr>
+          <p:cNvSpPr/>
+          <p:nvPr/>
+        </p:nvSpPr>
+        <p:spPr>
+          <a:xfrm>
+            <a:off x="-266700" y="-411480"/>
+            <a:ext cx="11536680" cy="7962900"/>
+          </a:xfrm>
+          <a:prstGeom prst="rect">
+            <a:avLst/>
+          </a:prstGeom>
+          <a:solidFill>
+            <a:schemeClr val="bg1"/>
+          </a:solidFill>
+          <a:ln>
+            <a:noFill/>
+          </a:ln>
+        </p:spPr>
+        <p:style>
+          <a:lnRef idx="2">
+            <a:schemeClr val="accent1">
+              <a:shade val="15000"/>
+            </a:schemeClr>
+          </a:lnRef>
+          <a:fillRef idx="1">
+            <a:schemeClr val="accent1"/>
+          </a:fillRef>
+          <a:effectRef idx="0">
+            <a:schemeClr val="accent1"/>
+          </a:effectRef>
+          <a:fontRef idx="minor">
+            <a:schemeClr val="lt1"/>
+          </a:fontRef>
+        </p:style>
+        <p:txBody>
+          <a:bodyPr rtlCol="0" anchor="ctr"/>
+          <a:lstStyle/>
+          <a:p>
+            <a:pPr algn="ctr"/>
+            <a:endParaRPr lang="de-DE"/>
+          </a:p>
+        </p:txBody>
+      </p:sp>
+      <p:sp>
+        <p:nvSpPr>
           <p:cNvPr id="4" name="Rechteck 3">
             <a:extLst>
               <a:ext uri="{FF2B5EF4-FFF2-40B4-BE49-F238E27FC236}">
-                <a16:creationId xmlns:a16="http://schemas.microsoft.com/office/drawing/2014/main" id="{F464661C-4935-14AE-EDCB-C40A7BCD2332}"/>
+                <a16:creationId xmlns:a16="http://schemas.microsoft.com/office/drawing/2014/main" id="{B0AD26B1-47F2-DC35-92D1-BAD74F45797B}"/>
               </a:ext>
             </a:extLst>
           </p:cNvPr>
@@ -3382,7 +3442,7 @@
           <p:cNvPr id="5" name="Rechteck: abgerundete Ecken 4">
             <a:extLst>
               <a:ext uri="{FF2B5EF4-FFF2-40B4-BE49-F238E27FC236}">
-                <a16:creationId xmlns:a16="http://schemas.microsoft.com/office/drawing/2014/main" id="{52AA7FA5-C085-79F2-0107-E0EA0612820E}"/>
+                <a16:creationId xmlns:a16="http://schemas.microsoft.com/office/drawing/2014/main" id="{63866BA8-CF2A-0E9E-5E00-C729AE275AC7}"/>
               </a:ext>
             </a:extLst>
           </p:cNvPr>
@@ -3391,8 +3451,8 @@
         </p:nvSpPr>
         <p:spPr>
           <a:xfrm>
-            <a:off x="347072" y="640747"/>
-            <a:ext cx="4191556" cy="5576506"/>
+            <a:off x="347072" y="640746"/>
+            <a:ext cx="4191556" cy="6678751"/>
           </a:xfrm>
           <a:prstGeom prst="roundRect">
             <a:avLst>
@@ -3454,7 +3514,7 @@
           <p:cNvPr id="6" name="Textfeld 5">
             <a:extLst>
               <a:ext uri="{FF2B5EF4-FFF2-40B4-BE49-F238E27FC236}">
-                <a16:creationId xmlns:a16="http://schemas.microsoft.com/office/drawing/2014/main" id="{441CD519-2B66-00F3-C4CE-00F8A60F9D95}"/>
+                <a16:creationId xmlns:a16="http://schemas.microsoft.com/office/drawing/2014/main" id="{9D396D84-46F0-1709-BEB5-DDCE41EBFDF4}"/>
               </a:ext>
             </a:extLst>
           </p:cNvPr>
@@ -3464,7 +3524,7 @@
         <p:spPr>
           <a:xfrm>
             <a:off x="377107" y="640747"/>
-            <a:ext cx="4131486" cy="5539978"/>
+            <a:ext cx="4161521" cy="6678751"/>
           </a:xfrm>
           <a:prstGeom prst="rect">
             <a:avLst/>
@@ -3657,16 +3717,48 @@
               <a:buChar char="•"/>
             </a:pPr>
             <a:r>
-              <a:rPr lang="de-DE" sz="1200"/>
+              <a:rPr lang="de-DE" sz="1200" b="1"/>
+              <a:t>Cyclic process: sliding window</a:t>
+            </a:r>
+          </a:p>
+          <a:p>
+            <a:pPr marL="541338" lvl="1" indent="-180975">
+              <a:buFont typeface="Arial" panose="020B0604020202020204" pitchFamily="34" charset="0"/>
+              <a:buChar char="•"/>
+            </a:pPr>
+            <a:r>
+              <a:rPr lang="de-DE" sz="1100"/>
               <a:t>To retrieve the CCs of all devices, a </a:t>
             </a:r>
             <a:r>
-              <a:rPr lang="de-DE" sz="1200" b="1"/>
+              <a:rPr lang="de-DE" sz="1100" b="1"/>
               <a:t>sliding window </a:t>
             </a:r>
             <a:r>
-              <a:rPr lang="de-DE" sz="1200"/>
+              <a:rPr lang="de-DE" sz="1100"/>
               <a:t>runs over the deviceList (periodic retrieval)</a:t>
+            </a:r>
+          </a:p>
+          <a:p>
+            <a:pPr marL="541338" lvl="1" indent="-180975">
+              <a:buFont typeface="Arial" panose="020B0604020202020204" pitchFamily="34" charset="0"/>
+              <a:buChar char="•"/>
+            </a:pPr>
+            <a:r>
+              <a:rPr lang="de-DE" sz="1100"/>
+              <a:t>The device‘s </a:t>
+            </a:r>
+            <a:r>
+              <a:rPr lang="de-DE" sz="1100" b="1"/>
+              <a:t>CCs</a:t>
+            </a:r>
+            <a:r>
+              <a:rPr lang="de-DE" sz="1100"/>
+              <a:t> are</a:t>
+            </a:r>
+            <a:r>
+              <a:rPr lang="de-DE" sz="1100" b="1"/>
+              <a:t> updated completely by the periodic retrieval</a:t>
             </a:r>
           </a:p>
           <a:p>
@@ -3675,21 +3767,38 @@
               <a:buChar char="•"/>
             </a:pPr>
             <a:r>
-              <a:rPr lang="de-DE" sz="1200"/>
-              <a:t>The device‘s </a:t>
-            </a:r>
-            <a:r>
               <a:rPr lang="de-DE" sz="1200" b="1"/>
-              <a:t>CCs</a:t>
-            </a:r>
-            <a:r>
-              <a:rPr lang="de-DE" sz="1200"/>
-              <a:t> are</a:t>
-            </a:r>
-            <a:r>
-              <a:rPr lang="de-DE" sz="1200" b="1"/>
-              <a:t> updated completely by the periodic retrieval</a:t>
-            </a:r>
+              <a:t>Cyclic process: quality measurement</a:t>
+            </a:r>
+          </a:p>
+          <a:p>
+            <a:pPr marL="541338" indent="-180975">
+              <a:buFont typeface="Arial" panose="020B0604020202020204" pitchFamily="34" charset="0"/>
+              <a:buChar char="•"/>
+            </a:pPr>
+            <a:r>
+              <a:rPr lang="de-DE" sz="1100"/>
+              <a:t>Every x minutes the CC of a certain device is queried from the Controller for measuring the cache quality</a:t>
+            </a:r>
+          </a:p>
+          <a:p>
+            <a:pPr marL="541338" indent="-180975">
+              <a:buFont typeface="Arial" panose="020B0604020202020204" pitchFamily="34" charset="0"/>
+              <a:buChar char="•"/>
+            </a:pPr>
+            <a:r>
+              <a:rPr lang="de-DE" sz="1100"/>
+              <a:t>The </a:t>
+            </a:r>
+            <a:r>
+              <a:rPr lang="de-DE" sz="1100" b="1"/>
+              <a:t>device‘s CC is updated completely </a:t>
+            </a:r>
+            <a:r>
+              <a:rPr lang="de-DE" sz="1100"/>
+              <a:t>from that as well</a:t>
+            </a:r>
+            <a:endParaRPr lang="de-DE" sz="1200" b="1"/>
           </a:p>
           <a:p>
             <a:pPr marL="285750" indent="-285750">
@@ -3697,31 +3806,37 @@
               <a:buChar char="•"/>
             </a:pPr>
             <a:r>
-              <a:rPr lang="de-DE" sz="1200"/>
-              <a:t>In addition the </a:t>
-            </a:r>
-            <a:r>
               <a:rPr lang="de-DE" sz="1200" b="1"/>
-              <a:t>CCs are updated partially </a:t>
-            </a:r>
-            <a:r>
-              <a:rPr lang="de-DE" sz="1200"/>
-              <a:t>after related </a:t>
-            </a:r>
-            <a:r>
-              <a:rPr lang="de-DE" sz="1200" b="1"/>
-              <a:t>notifications</a:t>
-            </a:r>
-            <a:r>
-              <a:rPr lang="de-DE" sz="1200"/>
-              <a:t> are received</a:t>
-            </a:r>
-          </a:p>
-          <a:p>
-            <a:pPr marL="285750" indent="-285750">
+              <a:t>Notifications</a:t>
+            </a:r>
+          </a:p>
+          <a:p>
+            <a:pPr marL="541338" lvl="1" indent="-180975">
               <a:buFont typeface="Arial" panose="020B0604020202020204" pitchFamily="34" charset="0"/>
               <a:buChar char="•"/>
             </a:pPr>
+            <a:r>
+              <a:rPr lang="de-DE" sz="1100"/>
+              <a:t>In addition the </a:t>
+            </a:r>
+            <a:r>
+              <a:rPr lang="de-DE" sz="1100" b="1"/>
+              <a:t>CCs are updated partially </a:t>
+            </a:r>
+            <a:r>
+              <a:rPr lang="de-DE" sz="1100"/>
+              <a:t>after related </a:t>
+            </a:r>
+            <a:r>
+              <a:rPr lang="de-DE" sz="1100" b="1"/>
+              <a:t>notifications</a:t>
+            </a:r>
+            <a:r>
+              <a:rPr lang="de-DE" sz="1100"/>
+              <a:t> are received</a:t>
+            </a:r>
+          </a:p>
+          <a:p>
             <a:endParaRPr lang="de-DE" sz="1200"/>
           </a:p>
           <a:p>
@@ -3749,7 +3864,7 @@
           <p:cNvPr id="9" name="Rechteck: abgerundete Ecken 8">
             <a:extLst>
               <a:ext uri="{FF2B5EF4-FFF2-40B4-BE49-F238E27FC236}">
-                <a16:creationId xmlns:a16="http://schemas.microsoft.com/office/drawing/2014/main" id="{91F2F1E8-04E1-EB5A-C1CA-3AC3155C5ECC}"/>
+                <a16:creationId xmlns:a16="http://schemas.microsoft.com/office/drawing/2014/main" id="{65984A71-F2C3-709E-00C5-40D85415C8AF}"/>
               </a:ext>
             </a:extLst>
           </p:cNvPr>
@@ -3824,7 +3939,7 @@
           <p:cNvPr id="10" name="Textfeld 9">
             <a:extLst>
               <a:ext uri="{FF2B5EF4-FFF2-40B4-BE49-F238E27FC236}">
-                <a16:creationId xmlns:a16="http://schemas.microsoft.com/office/drawing/2014/main" id="{866064A0-3D33-468D-D66B-665A651E8387}"/>
+                <a16:creationId xmlns:a16="http://schemas.microsoft.com/office/drawing/2014/main" id="{E0AE3B85-D0C7-FCA8-B87F-CC999A9AC266}"/>
               </a:ext>
             </a:extLst>
           </p:cNvPr>
@@ -3834,7 +3949,7 @@
         <p:spPr>
           <a:xfrm>
             <a:off x="5172702" y="677275"/>
-            <a:ext cx="5072584" cy="5109091"/>
+            <a:ext cx="5072584" cy="5293757"/>
           </a:xfrm>
           <a:prstGeom prst="rect">
             <a:avLst/>
@@ -4049,12 +4164,71 @@
               <a:t>schema-cache-directory </a:t>
             </a:r>
           </a:p>
+          <a:p>
+            <a:pPr marL="285750" indent="-285750">
+              <a:buFont typeface="Arial" panose="020B0604020202020204" pitchFamily="34" charset="0"/>
+              <a:buChar char="•"/>
+            </a:pPr>
+            <a:r>
+              <a:rPr lang="de-DE" sz="1200"/>
+              <a:t>device-type</a:t>
+            </a:r>
+          </a:p>
+        </p:txBody>
+      </p:sp>
+      <p:sp>
+        <p:nvSpPr>
+          <p:cNvPr id="2" name="Rechteck 1">
+            <a:extLst>
+              <a:ext uri="{FF2B5EF4-FFF2-40B4-BE49-F238E27FC236}">
+                <a16:creationId xmlns:a16="http://schemas.microsoft.com/office/drawing/2014/main" id="{F1E9301A-5154-8EC7-6378-FBD757B0D67B}"/>
+              </a:ext>
+            </a:extLst>
+          </p:cNvPr>
+          <p:cNvSpPr/>
+          <p:nvPr/>
+        </p:nvSpPr>
+        <p:spPr>
+          <a:xfrm>
+            <a:off x="10659100" y="2623060"/>
+            <a:ext cx="1532899" cy="413816"/>
+          </a:xfrm>
+          <a:prstGeom prst="rect">
+            <a:avLst/>
+          </a:prstGeom>
+        </p:spPr>
+        <p:style>
+          <a:lnRef idx="2">
+            <a:schemeClr val="accent5">
+              <a:shade val="15000"/>
+            </a:schemeClr>
+          </a:lnRef>
+          <a:fillRef idx="1">
+            <a:schemeClr val="accent5"/>
+          </a:fillRef>
+          <a:effectRef idx="0">
+            <a:schemeClr val="accent5"/>
+          </a:effectRef>
+          <a:fontRef idx="minor">
+            <a:schemeClr val="lt1"/>
+          </a:fontRef>
+        </p:style>
+        <p:txBody>
+          <a:bodyPr rtlCol="0" anchor="ctr"/>
+          <a:lstStyle/>
+          <a:p>
+            <a:pPr algn="ctr"/>
+            <a:r>
+              <a:rPr lang="de-DE"/>
+              <a:t>MWDI v1.3.0</a:t>
+            </a:r>
+          </a:p>
         </p:txBody>
       </p:sp>
     </p:spTree>
     <p:extLst>
       <p:ext uri="{BB962C8B-B14F-4D97-AF65-F5344CB8AC3E}">
-        <p14:creationId xmlns:p14="http://schemas.microsoft.com/office/powerpoint/2010/main" val="3096072215"/>
+        <p14:creationId xmlns:p14="http://schemas.microsoft.com/office/powerpoint/2010/main" val="213401116"/>
       </p:ext>
     </p:extLst>
   </p:cSld>
@@ -4096,7 +4270,7 @@
         <p:spPr>
           <a:xfrm>
             <a:off x="30709" y="209480"/>
-            <a:ext cx="13672592" cy="12414320"/>
+            <a:ext cx="13672592" cy="12706420"/>
           </a:xfrm>
           <a:prstGeom prst="rect">
             <a:avLst/>
@@ -4145,7 +4319,7 @@
         <p:spPr>
           <a:xfrm>
             <a:off x="9946321" y="2219038"/>
-            <a:ext cx="2266943" cy="7894469"/>
+            <a:ext cx="3583499" cy="8356134"/>
           </a:xfrm>
           <a:prstGeom prst="rect">
             <a:avLst/>
@@ -4401,33 +4575,66 @@
             </a:endParaRPr>
           </a:p>
           <a:p>
+            <a:pPr marL="358775"/>
+            <a:r>
+              <a:rPr lang="de-DE" sz="1000">
+                <a:solidFill>
+                  <a:schemeClr val="accent6">
+                    <a:lumMod val="50000"/>
+                  </a:schemeClr>
+                </a:solidFill>
+              </a:rPr>
+              <a:t>If device-type is „unknown“ for a connected device, try updating it again to a known device-type from CC data:</a:t>
+            </a:r>
+          </a:p>
+          <a:p>
+            <a:pPr marL="358775"/>
+            <a:endParaRPr lang="de-DE" sz="1000">
+              <a:solidFill>
+                <a:schemeClr val="accent6">
+                  <a:lumMod val="50000"/>
+                </a:schemeClr>
+              </a:solidFill>
+            </a:endParaRPr>
+          </a:p>
+          <a:p>
             <a:pPr marL="361950" indent="-180975">
               <a:buFont typeface="Wingdings" panose="05000000000000000000" pitchFamily="2" charset="2"/>
               <a:buChar char="§"/>
             </a:pPr>
-            <a:r>
-              <a:rPr lang="de-DE" sz="1000">
-                <a:solidFill>
-                  <a:schemeClr val="accent6">
-                    <a:lumMod val="50000"/>
-                  </a:schemeClr>
-                </a:solidFill>
-              </a:rPr>
-              <a:t>If status != connected anymore on controller, but in table still marked as connected:</a:t>
-            </a:r>
+            <a:endParaRPr lang="de-DE" sz="1000">
+              <a:solidFill>
+                <a:schemeClr val="accent6">
+                  <a:lumMod val="50000"/>
+                </a:schemeClr>
+              </a:solidFill>
+            </a:endParaRPr>
+          </a:p>
+          <a:p>
+            <a:pPr marL="180975"/>
+            <a:endParaRPr lang="de-DE" sz="1000">
+              <a:solidFill>
+                <a:schemeClr val="accent6">
+                  <a:lumMod val="50000"/>
+                </a:schemeClr>
+              </a:solidFill>
+            </a:endParaRPr>
           </a:p>
           <a:p>
             <a:pPr marL="361950" indent="-180975">
               <a:buFont typeface="Wingdings" panose="05000000000000000000" pitchFamily="2" charset="2"/>
               <a:buChar char="§"/>
             </a:pPr>
-            <a:endParaRPr lang="de-DE" sz="1000">
-              <a:solidFill>
-                <a:schemeClr val="accent6">
-                  <a:lumMod val="50000"/>
-                </a:schemeClr>
-              </a:solidFill>
-            </a:endParaRPr>
+            <a:r>
+              <a:rPr lang="de-DE" sz="1000">
+                <a:solidFill>
+                  <a:schemeClr val="accent6">
+                    <a:lumMod val="50000"/>
+                  </a:schemeClr>
+                </a:solidFill>
+              </a:rPr>
+              <a:t>If status != connected anymore on controller, but in table still marked as connected:</a:t>
+            </a:r>
           </a:p>
           <a:p>
             <a:pPr marL="361950" indent="-180975">
@@ -4443,6 +4650,10 @@
             </a:endParaRPr>
           </a:p>
           <a:p>
+            <a:pPr marL="361950" indent="-180975">
+              <a:buFont typeface="Wingdings" panose="05000000000000000000" pitchFamily="2" charset="2"/>
+              <a:buChar char="§"/>
+            </a:pPr>
             <a:endParaRPr lang="de-DE" sz="1000">
               <a:solidFill>
                 <a:schemeClr val="accent6">
@@ -4452,6 +4663,10 @@
             </a:endParaRPr>
           </a:p>
           <a:p>
+            <a:pPr marL="361950" indent="-180975">
+              <a:buFont typeface="Wingdings" panose="05000000000000000000" pitchFamily="2" charset="2"/>
+              <a:buChar char="§"/>
+            </a:pPr>
             <a:endParaRPr lang="de-DE" sz="1000">
               <a:solidFill>
                 <a:schemeClr val="accent6">
@@ -4461,6 +4676,10 @@
             </a:endParaRPr>
           </a:p>
           <a:p>
+            <a:pPr marL="361950" indent="-180975">
+              <a:buFont typeface="Wingdings" panose="05000000000000000000" pitchFamily="2" charset="2"/>
+              <a:buChar char="§"/>
+            </a:pPr>
             <a:endParaRPr lang="de-DE" sz="1000">
               <a:solidFill>
                 <a:schemeClr val="accent6">
@@ -4470,6 +4689,10 @@
             </a:endParaRPr>
           </a:p>
           <a:p>
+            <a:pPr marL="361950" indent="-180975">
+              <a:buFont typeface="Wingdings" panose="05000000000000000000" pitchFamily="2" charset="2"/>
+              <a:buChar char="§"/>
+            </a:pPr>
             <a:endParaRPr lang="de-DE" sz="1000">
               <a:solidFill>
                 <a:schemeClr val="accent6">
@@ -4479,6 +4702,10 @@
             </a:endParaRPr>
           </a:p>
           <a:p>
+            <a:pPr marL="361950" indent="-180975">
+              <a:buFont typeface="Wingdings" panose="05000000000000000000" pitchFamily="2" charset="2"/>
+              <a:buChar char="§"/>
+            </a:pPr>
             <a:endParaRPr lang="de-DE" sz="1000">
               <a:solidFill>
                 <a:schemeClr val="accent6">
@@ -4488,7 +4715,26 @@
             </a:endParaRPr>
           </a:p>
           <a:p>
+            <a:pPr marL="180975"/>
             <a:endParaRPr lang="de-DE" sz="1000">
+              <a:solidFill>
+                <a:schemeClr val="accent6">
+                  <a:lumMod val="50000"/>
+                </a:schemeClr>
+              </a:solidFill>
+            </a:endParaRPr>
+          </a:p>
+          <a:p>
+            <a:endParaRPr lang="de-DE" sz="1000">
+              <a:solidFill>
+                <a:schemeClr val="accent6">
+                  <a:lumMod val="50000"/>
+                </a:schemeClr>
+              </a:solidFill>
+            </a:endParaRPr>
+          </a:p>
+          <a:p>
+            <a:endParaRPr lang="de-DE" sz="1000" b="1">
               <a:solidFill>
                 <a:schemeClr val="accent6">
                   <a:lumMod val="50000"/>
@@ -4604,10 +4850,6 @@
             </a:r>
           </a:p>
           <a:p>
-            <a:pPr marL="171450" indent="-171450">
-              <a:buFont typeface="Wingdings" panose="05000000000000000000" pitchFamily="2" charset="2"/>
-              <a:buChar char="Ø"/>
-            </a:pPr>
             <a:endParaRPr lang="de-DE" sz="1000">
               <a:solidFill>
                 <a:schemeClr val="accent6">
@@ -4617,6 +4859,10 @@
             </a:endParaRPr>
           </a:p>
           <a:p>
+            <a:pPr marL="171450" indent="-171450">
+              <a:buFont typeface="Arial" panose="020B0604020202020204" pitchFamily="34" charset="0"/>
+              <a:buChar char="•"/>
+            </a:pPr>
             <a:r>
               <a:rPr lang="de-DE" sz="1000">
                 <a:solidFill>
@@ -4625,7 +4871,23 @@
                   </a:schemeClr>
                 </a:solidFill>
               </a:rPr>
-              <a:t>The schema-cache-directory is only set by the periodic sync</a:t>
+              <a:t>The schema-cache-directory is only set by the periodic sync when device is added</a:t>
+            </a:r>
+          </a:p>
+          <a:p>
+            <a:pPr marL="171450" indent="-171450">
+              <a:buFont typeface="Arial" panose="020B0604020202020204" pitchFamily="34" charset="0"/>
+              <a:buChar char="•"/>
+            </a:pPr>
+            <a:r>
+              <a:rPr lang="de-DE" sz="1000">
+                <a:solidFill>
+                  <a:schemeClr val="accent6">
+                    <a:lumMod val="50000"/>
+                  </a:schemeClr>
+                </a:solidFill>
+              </a:rPr>
+              <a:t>Device-type is set when device is added, but also updated by periodic sync (if „unknown“ before and found later)</a:t>
             </a:r>
           </a:p>
         </p:txBody>
@@ -5455,8 +5717,8 @@
         </p:nvSpPr>
         <p:spPr>
           <a:xfrm>
-            <a:off x="187648" y="10357287"/>
-            <a:ext cx="13194696" cy="2117818"/>
+            <a:off x="187648" y="10357286"/>
+            <a:ext cx="13194696" cy="2411655"/>
           </a:xfrm>
           <a:prstGeom prst="roundRect">
             <a:avLst>
@@ -6587,6 +6849,7127 @@
         <p:spPr>
           <a:xfrm>
             <a:off x="3530413" y="3743904"/>
+            <a:ext cx="2310196" cy="2139047"/>
+          </a:xfrm>
+          <a:prstGeom prst="rect">
+            <a:avLst/>
+          </a:prstGeom>
+          <a:noFill/>
+        </p:spPr>
+        <p:txBody>
+          <a:bodyPr wrap="square" rtlCol="0">
+            <a:spAutoFit/>
+          </a:bodyPr>
+          <a:lstStyle/>
+          <a:p>
+            <a:pPr marL="171450" indent="-171450">
+              <a:buFont typeface="Wingdings" panose="05000000000000000000" pitchFamily="2" charset="2"/>
+              <a:buChar char="Ø"/>
+            </a:pPr>
+            <a:r>
+              <a:rPr lang="de-DE" sz="950" b="1"/>
+              <a:t>Upon completion of complete CC retrieval</a:t>
+            </a:r>
+            <a:r>
+              <a:rPr lang="de-DE" sz="950" b="1">
+                <a:solidFill>
+                  <a:schemeClr val="accent5">
+                    <a:lumMod val="75000"/>
+                  </a:schemeClr>
+                </a:solidFill>
+              </a:rPr>
+              <a:t> </a:t>
+            </a:r>
+            <a:r>
+              <a:rPr lang="de-DE" sz="950" b="1"/>
+              <a:t>by </a:t>
+            </a:r>
+            <a:r>
+              <a:rPr lang="de-DE" sz="950" b="1">
+                <a:solidFill>
+                  <a:schemeClr val="accent5">
+                    <a:lumMod val="75000"/>
+                  </a:schemeClr>
+                </a:solidFill>
+              </a:rPr>
+              <a:t>slidingWindow </a:t>
+            </a:r>
+            <a:r>
+              <a:rPr lang="de-DE" sz="950" b="1"/>
+              <a:t>or by </a:t>
+            </a:r>
+            <a:r>
+              <a:rPr lang="de-DE" sz="950" b="1">
+                <a:solidFill>
+                  <a:schemeClr val="accent4">
+                    <a:lumMod val="75000"/>
+                  </a:schemeClr>
+                </a:solidFill>
+              </a:rPr>
+              <a:t>qualityMeasurement process</a:t>
+            </a:r>
+          </a:p>
+          <a:p>
+            <a:pPr marL="171450" indent="-171450">
+              <a:buFont typeface="Wingdings" panose="05000000000000000000" pitchFamily="2" charset="2"/>
+              <a:buChar char="Ø"/>
+            </a:pPr>
+            <a:endParaRPr lang="de-DE" sz="950" b="1">
+              <a:solidFill>
+                <a:schemeClr val="accent5">
+                  <a:lumMod val="75000"/>
+                </a:schemeClr>
+              </a:solidFill>
+            </a:endParaRPr>
+          </a:p>
+          <a:p>
+            <a:pPr marL="171450" indent="-171450">
+              <a:buFont typeface="Wingdings" panose="05000000000000000000" pitchFamily="2" charset="2"/>
+              <a:buChar char="Ø"/>
+            </a:pPr>
+            <a:endParaRPr lang="de-DE" sz="950" b="1">
+              <a:solidFill>
+                <a:schemeClr val="accent5">
+                  <a:lumMod val="75000"/>
+                </a:schemeClr>
+              </a:solidFill>
+            </a:endParaRPr>
+          </a:p>
+          <a:p>
+            <a:pPr marL="171450" indent="-171450">
+              <a:buFont typeface="Wingdings" panose="05000000000000000000" pitchFamily="2" charset="2"/>
+              <a:buChar char="Ø"/>
+            </a:pPr>
+            <a:endParaRPr lang="de-DE" sz="950" b="1">
+              <a:solidFill>
+                <a:schemeClr val="accent5">
+                  <a:lumMod val="75000"/>
+                </a:schemeClr>
+              </a:solidFill>
+            </a:endParaRPr>
+          </a:p>
+          <a:p>
+            <a:pPr marL="182562" lvl="1"/>
+            <a:endParaRPr lang="de-DE" sz="950">
+              <a:solidFill>
+                <a:schemeClr val="accent2">
+                  <a:lumMod val="75000"/>
+                </a:schemeClr>
+              </a:solidFill>
+            </a:endParaRPr>
+          </a:p>
+          <a:p>
+            <a:pPr marL="182562" lvl="1"/>
+            <a:endParaRPr lang="de-DE" sz="950">
+              <a:solidFill>
+                <a:schemeClr val="accent2">
+                  <a:lumMod val="75000"/>
+                </a:schemeClr>
+              </a:solidFill>
+            </a:endParaRPr>
+          </a:p>
+          <a:p>
+            <a:pPr marL="171450" lvl="1" indent="-171450">
+              <a:buFont typeface="Wingdings" panose="05000000000000000000" pitchFamily="2" charset="2"/>
+              <a:buChar char="Ø"/>
+            </a:pPr>
+            <a:r>
+              <a:rPr lang="de-DE" sz="950" b="1">
+                <a:solidFill>
+                  <a:schemeClr val="accent2">
+                    <a:lumMod val="75000"/>
+                  </a:schemeClr>
+                </a:solidFill>
+              </a:rPr>
+              <a:t>Upon completion of partial CC update:</a:t>
+            </a:r>
+          </a:p>
+          <a:p>
+            <a:pPr marL="171450" lvl="1" indent="-171450">
+              <a:buFont typeface="Wingdings" panose="05000000000000000000" pitchFamily="2" charset="2"/>
+              <a:buChar char="Ø"/>
+            </a:pPr>
+            <a:endParaRPr lang="de-DE" sz="950" b="1">
+              <a:solidFill>
+                <a:schemeClr val="accent2">
+                  <a:lumMod val="75000"/>
+                </a:schemeClr>
+              </a:solidFill>
+            </a:endParaRPr>
+          </a:p>
+          <a:p>
+            <a:pPr marL="171450" lvl="1" indent="-171450">
+              <a:buFont typeface="Wingdings" panose="05000000000000000000" pitchFamily="2" charset="2"/>
+              <a:buChar char="Ø"/>
+            </a:pPr>
+            <a:endParaRPr lang="de-DE" sz="950" b="1">
+              <a:solidFill>
+                <a:schemeClr val="accent2">
+                  <a:lumMod val="75000"/>
+                </a:schemeClr>
+              </a:solidFill>
+            </a:endParaRPr>
+          </a:p>
+          <a:p>
+            <a:pPr marL="171450" lvl="1" indent="-171450">
+              <a:buFont typeface="Wingdings" panose="05000000000000000000" pitchFamily="2" charset="2"/>
+              <a:buChar char="Ø"/>
+            </a:pPr>
+            <a:endParaRPr lang="de-DE" sz="950" b="1">
+              <a:solidFill>
+                <a:schemeClr val="accent2">
+                  <a:lumMod val="75000"/>
+                </a:schemeClr>
+              </a:solidFill>
+            </a:endParaRPr>
+          </a:p>
+          <a:p>
+            <a:pPr marL="171450" lvl="1" indent="-171450">
+              <a:buFont typeface="Wingdings" panose="05000000000000000000" pitchFamily="2" charset="2"/>
+              <a:buChar char="Ø"/>
+            </a:pPr>
+            <a:endParaRPr lang="de-DE" sz="950" b="1">
+              <a:solidFill>
+                <a:schemeClr val="accent2">
+                  <a:lumMod val="75000"/>
+                </a:schemeClr>
+              </a:solidFill>
+            </a:endParaRPr>
+          </a:p>
+        </p:txBody>
+      </p:sp>
+      <p:sp>
+        <p:nvSpPr>
+          <p:cNvPr id="56" name="Rechteck 55">
+            <a:extLst>
+              <a:ext uri="{FF2B5EF4-FFF2-40B4-BE49-F238E27FC236}">
+                <a16:creationId xmlns:a16="http://schemas.microsoft.com/office/drawing/2014/main" id="{17388A9D-D2CB-5A6C-DA78-1823CA848FE2}"/>
+              </a:ext>
+            </a:extLst>
+          </p:cNvPr>
+          <p:cNvSpPr/>
+          <p:nvPr/>
+        </p:nvSpPr>
+        <p:spPr>
+          <a:xfrm>
+            <a:off x="10990939" y="10431596"/>
+            <a:ext cx="1942137" cy="833244"/>
+          </a:xfrm>
+          <a:prstGeom prst="rect">
+            <a:avLst/>
+          </a:prstGeom>
+          <a:solidFill>
+            <a:schemeClr val="bg1"/>
+          </a:solidFill>
+          <a:ln w="6350"/>
+        </p:spPr>
+        <p:style>
+          <a:lnRef idx="2">
+            <a:schemeClr val="accent1">
+              <a:shade val="15000"/>
+            </a:schemeClr>
+          </a:lnRef>
+          <a:fillRef idx="1">
+            <a:schemeClr val="accent1"/>
+          </a:fillRef>
+          <a:effectRef idx="0">
+            <a:schemeClr val="accent1"/>
+          </a:effectRef>
+          <a:fontRef idx="minor">
+            <a:schemeClr val="lt1"/>
+          </a:fontRef>
+        </p:style>
+        <p:txBody>
+          <a:bodyPr rtlCol="0" anchor="ctr"/>
+          <a:lstStyle/>
+          <a:p>
+            <a:r>
+              <a:rPr lang="de-DE" sz="900">
+                <a:solidFill>
+                  <a:schemeClr val="tx1"/>
+                </a:solidFill>
+              </a:rPr>
+              <a:t>Initial/default values:</a:t>
+            </a:r>
+          </a:p>
+          <a:p>
+            <a:pPr marL="171450" indent="-171450">
+              <a:buFont typeface="Arial" panose="020B0604020202020204" pitchFamily="34" charset="0"/>
+              <a:buChar char="•"/>
+            </a:pPr>
+            <a:r>
+              <a:rPr lang="de-DE" sz="900">
+                <a:solidFill>
+                  <a:schemeClr val="tx1"/>
+                </a:solidFill>
+              </a:rPr>
+              <a:t>connection-status = unknown</a:t>
+            </a:r>
+          </a:p>
+          <a:p>
+            <a:pPr marL="171450" indent="-171450">
+              <a:buFont typeface="Arial" panose="020B0604020202020204" pitchFamily="34" charset="0"/>
+              <a:buChar char="•"/>
+            </a:pPr>
+            <a:r>
+              <a:rPr lang="de-DE" sz="900">
+                <a:solidFill>
+                  <a:schemeClr val="tx1"/>
+                </a:solidFill>
+              </a:rPr>
+              <a:t>timestamps = null</a:t>
+            </a:r>
+          </a:p>
+          <a:p>
+            <a:pPr marL="171450" indent="-171450">
+              <a:buFont typeface="Arial" panose="020B0604020202020204" pitchFamily="34" charset="0"/>
+              <a:buChar char="•"/>
+            </a:pPr>
+            <a:r>
+              <a:rPr lang="de-DE" sz="900">
+                <a:solidFill>
+                  <a:schemeClr val="tx1"/>
+                </a:solidFill>
+              </a:rPr>
+              <a:t>update counter = 0</a:t>
+            </a:r>
+          </a:p>
+          <a:p>
+            <a:pPr marL="171450" indent="-171450">
+              <a:buFont typeface="Arial" panose="020B0604020202020204" pitchFamily="34" charset="0"/>
+              <a:buChar char="•"/>
+            </a:pPr>
+            <a:r>
+              <a:rPr lang="de-DE" sz="900">
+                <a:solidFill>
+                  <a:schemeClr val="tx1"/>
+                </a:solidFill>
+              </a:rPr>
+              <a:t>schema-cache-directory = null</a:t>
+            </a:r>
+          </a:p>
+          <a:p>
+            <a:pPr marL="171450" indent="-171450">
+              <a:buFont typeface="Arial" panose="020B0604020202020204" pitchFamily="34" charset="0"/>
+              <a:buChar char="•"/>
+            </a:pPr>
+            <a:r>
+              <a:rPr lang="de-DE" sz="900">
+                <a:solidFill>
+                  <a:schemeClr val="tx1"/>
+                </a:solidFill>
+              </a:rPr>
+              <a:t>device-type = unknown</a:t>
+            </a:r>
+          </a:p>
+        </p:txBody>
+      </p:sp>
+      <p:graphicFrame>
+        <p:nvGraphicFramePr>
+          <p:cNvPr id="2" name="Tabelle 1">
+            <a:extLst>
+              <a:ext uri="{FF2B5EF4-FFF2-40B4-BE49-F238E27FC236}">
+                <a16:creationId xmlns:a16="http://schemas.microsoft.com/office/drawing/2014/main" id="{946D5548-63C6-A3FB-46CB-C16406FD78A0}"/>
+              </a:ext>
+            </a:extLst>
+          </p:cNvPr>
+          <p:cNvGraphicFramePr>
+            <a:graphicFrameLocks noGrp="1"/>
+          </p:cNvGraphicFramePr>
+          <p:nvPr>
+            <p:extLst>
+              <p:ext uri="{D42A27DB-BD31-4B8C-83A1-F6EECF244321}">
+                <p14:modId xmlns:p14="http://schemas.microsoft.com/office/powerpoint/2010/main" val="3054001779"/>
+              </p:ext>
+            </p:extLst>
+          </p:nvPr>
+        </p:nvGraphicFramePr>
+        <p:xfrm>
+          <a:off x="535216" y="10562913"/>
+          <a:ext cx="4229100" cy="1920240"/>
+        </p:xfrm>
+        <a:graphic>
+          <a:graphicData uri="http://schemas.openxmlformats.org/drawingml/2006/table">
+            <a:tbl>
+              <a:tblPr firstRow="1" bandRow="1">
+                <a:tableStyleId>{5940675A-B579-460E-94D1-54222C63F5DA}</a:tableStyleId>
+              </a:tblPr>
+              <a:tblGrid>
+                <a:gridCol w="2819400">
+                  <a:extLst>
+                    <a:ext uri="{9D8B030D-6E8A-4147-A177-3AD203B41FA5}">
+                      <a16:colId xmlns:a16="http://schemas.microsoft.com/office/drawing/2014/main" val="3387609796"/>
+                    </a:ext>
+                  </a:extLst>
+                </a:gridCol>
+                <a:gridCol w="1409700">
+                  <a:extLst>
+                    <a:ext uri="{9D8B030D-6E8A-4147-A177-3AD203B41FA5}">
+                      <a16:colId xmlns:a16="http://schemas.microsoft.com/office/drawing/2014/main" val="3492777630"/>
+                    </a:ext>
+                  </a:extLst>
+                </a:gridCol>
+              </a:tblGrid>
+              <a:tr h="0">
+                <a:tc>
+                  <a:txBody>
+                    <a:bodyPr/>
+                    <a:lstStyle/>
+                    <a:p>
+                      <a:r>
+                        <a:rPr lang="de-DE" sz="800" b="1"/>
+                        <a:t>Property name</a:t>
+                      </a:r>
+                    </a:p>
+                  </a:txBody>
+                  <a:tcPr>
+                    <a:solidFill>
+                      <a:schemeClr val="tx1">
+                        <a:lumMod val="50000"/>
+                        <a:lumOff val="50000"/>
+                      </a:schemeClr>
+                    </a:solidFill>
+                  </a:tcPr>
+                </a:tc>
+                <a:tc>
+                  <a:txBody>
+                    <a:bodyPr/>
+                    <a:lstStyle/>
+                    <a:p>
+                      <a:r>
+                        <a:rPr lang="de-DE" sz="800" b="1"/>
+                        <a:t>Abbrebviation</a:t>
+                      </a:r>
+                    </a:p>
+                  </a:txBody>
+                  <a:tcPr>
+                    <a:solidFill>
+                      <a:schemeClr val="tx1">
+                        <a:lumMod val="50000"/>
+                        <a:lumOff val="50000"/>
+                      </a:schemeClr>
+                    </a:solidFill>
+                  </a:tcPr>
+                </a:tc>
+                <a:extLst>
+                  <a:ext uri="{0D108BD9-81ED-4DB2-BD59-A6C34878D82A}">
+                    <a16:rowId xmlns:a16="http://schemas.microsoft.com/office/drawing/2014/main" val="3652824297"/>
+                  </a:ext>
+                </a:extLst>
+              </a:tr>
+              <a:tr h="212696">
+                <a:tc>
+                  <a:txBody>
+                    <a:bodyPr/>
+                    <a:lstStyle/>
+                    <a:p>
+                      <a:r>
+                        <a:rPr lang="de-DE" sz="800"/>
+                        <a:t>Connection-status</a:t>
+                      </a:r>
+                    </a:p>
+                  </a:txBody>
+                  <a:tcPr>
+                    <a:solidFill>
+                      <a:schemeClr val="bg1"/>
+                    </a:solidFill>
+                  </a:tcPr>
+                </a:tc>
+                <a:tc>
+                  <a:txBody>
+                    <a:bodyPr/>
+                    <a:lstStyle/>
+                    <a:p>
+                      <a:r>
+                        <a:rPr lang="de-DE" sz="800"/>
+                        <a:t>connStat</a:t>
+                      </a:r>
+                    </a:p>
+                  </a:txBody>
+                  <a:tcPr>
+                    <a:solidFill>
+                      <a:schemeClr val="bg1"/>
+                    </a:solidFill>
+                  </a:tcPr>
+                </a:tc>
+                <a:extLst>
+                  <a:ext uri="{0D108BD9-81ED-4DB2-BD59-A6C34878D82A}">
+                    <a16:rowId xmlns:a16="http://schemas.microsoft.com/office/drawing/2014/main" val="1740639078"/>
+                  </a:ext>
+                </a:extLst>
+              </a:tr>
+              <a:tr h="212696">
+                <a:tc>
+                  <a:txBody>
+                    <a:bodyPr/>
+                    <a:lstStyle/>
+                    <a:p>
+                      <a:r>
+                        <a:rPr lang="de-DE" sz="800"/>
+                        <a:t>Changed-to-disconnected-time</a:t>
+                      </a:r>
+                    </a:p>
+                  </a:txBody>
+                  <a:tcPr>
+                    <a:solidFill>
+                      <a:schemeClr val="bg1"/>
+                    </a:solidFill>
+                  </a:tcPr>
+                </a:tc>
+                <a:tc>
+                  <a:txBody>
+                    <a:bodyPr/>
+                    <a:lstStyle/>
+                    <a:p>
+                      <a:r>
+                        <a:rPr lang="de-DE" sz="800"/>
+                        <a:t>dcTime</a:t>
+                      </a:r>
+                    </a:p>
+                  </a:txBody>
+                  <a:tcPr>
+                    <a:solidFill>
+                      <a:schemeClr val="bg1"/>
+                    </a:solidFill>
+                  </a:tcPr>
+                </a:tc>
+                <a:extLst>
+                  <a:ext uri="{0D108BD9-81ED-4DB2-BD59-A6C34878D82A}">
+                    <a16:rowId xmlns:a16="http://schemas.microsoft.com/office/drawing/2014/main" val="3066733952"/>
+                  </a:ext>
+                </a:extLst>
+              </a:tr>
+              <a:tr h="212696">
+                <a:tc>
+                  <a:txBody>
+                    <a:bodyPr/>
+                    <a:lstStyle/>
+                    <a:p>
+                      <a:r>
+                        <a:rPr lang="de-DE" sz="800"/>
+                        <a:t>added-to-device-list-time</a:t>
+                      </a:r>
+                    </a:p>
+                  </a:txBody>
+                  <a:tcPr>
+                    <a:solidFill>
+                      <a:schemeClr val="bg1"/>
+                    </a:solidFill>
+                  </a:tcPr>
+                </a:tc>
+                <a:tc>
+                  <a:txBody>
+                    <a:bodyPr/>
+                    <a:lstStyle/>
+                    <a:p>
+                      <a:r>
+                        <a:rPr lang="de-DE" sz="800"/>
+                        <a:t>addDevListTime</a:t>
+                      </a:r>
+                    </a:p>
+                  </a:txBody>
+                  <a:tcPr>
+                    <a:solidFill>
+                      <a:schemeClr val="bg1"/>
+                    </a:solidFill>
+                  </a:tcPr>
+                </a:tc>
+                <a:extLst>
+                  <a:ext uri="{0D108BD9-81ED-4DB2-BD59-A6C34878D82A}">
+                    <a16:rowId xmlns:a16="http://schemas.microsoft.com/office/drawing/2014/main" val="1733436190"/>
+                  </a:ext>
+                </a:extLst>
+              </a:tr>
+              <a:tr h="212696">
+                <a:tc>
+                  <a:txBody>
+                    <a:bodyPr/>
+                    <a:lstStyle/>
+                    <a:p>
+                      <a:r>
+                        <a:rPr lang="de-DE" sz="800"/>
+                        <a:t>last-complete-control-construct-update-time</a:t>
+                      </a:r>
+                    </a:p>
+                  </a:txBody>
+                  <a:tcPr>
+                    <a:solidFill>
+                      <a:schemeClr val="bg1"/>
+                    </a:solidFill>
+                  </a:tcPr>
+                </a:tc>
+                <a:tc>
+                  <a:txBody>
+                    <a:bodyPr/>
+                    <a:lstStyle/>
+                    <a:p>
+                      <a:r>
+                        <a:rPr lang="de-DE" sz="800"/>
+                        <a:t>lastCompleteTime</a:t>
+                      </a:r>
+                    </a:p>
+                  </a:txBody>
+                  <a:tcPr>
+                    <a:solidFill>
+                      <a:schemeClr val="bg1"/>
+                    </a:solidFill>
+                  </a:tcPr>
+                </a:tc>
+                <a:extLst>
+                  <a:ext uri="{0D108BD9-81ED-4DB2-BD59-A6C34878D82A}">
+                    <a16:rowId xmlns:a16="http://schemas.microsoft.com/office/drawing/2014/main" val="2854215282"/>
+                  </a:ext>
+                </a:extLst>
+              </a:tr>
+              <a:tr h="212696">
+                <a:tc>
+                  <a:txBody>
+                    <a:bodyPr/>
+                    <a:lstStyle/>
+                    <a:p>
+                      <a:r>
+                        <a:rPr lang="de-DE" sz="800"/>
+                        <a:t>last-control-construct-notification-update-time</a:t>
+                      </a:r>
+                    </a:p>
+                  </a:txBody>
+                  <a:tcPr>
+                    <a:solidFill>
+                      <a:schemeClr val="bg1"/>
+                    </a:solidFill>
+                  </a:tcPr>
+                </a:tc>
+                <a:tc>
+                  <a:txBody>
+                    <a:bodyPr/>
+                    <a:lstStyle/>
+                    <a:p>
+                      <a:r>
+                        <a:rPr lang="de-DE" sz="800"/>
+                        <a:t>lastNotifUpdateTime</a:t>
+                      </a:r>
+                    </a:p>
+                  </a:txBody>
+                  <a:tcPr>
+                    <a:solidFill>
+                      <a:schemeClr val="bg1"/>
+                    </a:solidFill>
+                  </a:tcPr>
+                </a:tc>
+                <a:extLst>
+                  <a:ext uri="{0D108BD9-81ED-4DB2-BD59-A6C34878D82A}">
+                    <a16:rowId xmlns:a16="http://schemas.microsoft.com/office/drawing/2014/main" val="2092144469"/>
+                  </a:ext>
+                </a:extLst>
+              </a:tr>
+              <a:tr h="212696">
+                <a:tc>
+                  <a:txBody>
+                    <a:bodyPr/>
+                    <a:lstStyle/>
+                    <a:p>
+                      <a:r>
+                        <a:rPr lang="de-DE" sz="800"/>
+                        <a:t>number-of-partial-updates-since-last-complete-update</a:t>
+                      </a:r>
+                    </a:p>
+                  </a:txBody>
+                  <a:tcPr>
+                    <a:solidFill>
+                      <a:schemeClr val="bg1"/>
+                    </a:solidFill>
+                  </a:tcPr>
+                </a:tc>
+                <a:tc>
+                  <a:txBody>
+                    <a:bodyPr/>
+                    <a:lstStyle/>
+                    <a:p>
+                      <a:r>
+                        <a:rPr lang="de-DE" sz="800"/>
+                        <a:t>updateCt</a:t>
+                      </a:r>
+                    </a:p>
+                  </a:txBody>
+                  <a:tcPr>
+                    <a:solidFill>
+                      <a:schemeClr val="bg1"/>
+                    </a:solidFill>
+                  </a:tcPr>
+                </a:tc>
+                <a:extLst>
+                  <a:ext uri="{0D108BD9-81ED-4DB2-BD59-A6C34878D82A}">
+                    <a16:rowId xmlns:a16="http://schemas.microsoft.com/office/drawing/2014/main" val="1232273593"/>
+                  </a:ext>
+                </a:extLst>
+              </a:tr>
+              <a:tr h="212696">
+                <a:tc>
+                  <a:txBody>
+                    <a:bodyPr/>
+                    <a:lstStyle/>
+                    <a:p>
+                      <a:r>
+                        <a:rPr lang="de-DE" sz="800"/>
+                        <a:t>schema-cache-directory</a:t>
+                      </a:r>
+                    </a:p>
+                  </a:txBody>
+                  <a:tcPr>
+                    <a:solidFill>
+                      <a:schemeClr val="bg1"/>
+                    </a:solidFill>
+                  </a:tcPr>
+                </a:tc>
+                <a:tc>
+                  <a:txBody>
+                    <a:bodyPr/>
+                    <a:lstStyle/>
+                    <a:p>
+                      <a:r>
+                        <a:rPr lang="de-DE" sz="800"/>
+                        <a:t>schemaDir</a:t>
+                      </a:r>
+                    </a:p>
+                  </a:txBody>
+                  <a:tcPr>
+                    <a:solidFill>
+                      <a:schemeClr val="bg1"/>
+                    </a:solidFill>
+                  </a:tcPr>
+                </a:tc>
+                <a:extLst>
+                  <a:ext uri="{0D108BD9-81ED-4DB2-BD59-A6C34878D82A}">
+                    <a16:rowId xmlns:a16="http://schemas.microsoft.com/office/drawing/2014/main" val="1266576467"/>
+                  </a:ext>
+                </a:extLst>
+              </a:tr>
+              <a:tr h="212696">
+                <a:tc>
+                  <a:txBody>
+                    <a:bodyPr/>
+                    <a:lstStyle/>
+                    <a:p>
+                      <a:r>
+                        <a:rPr lang="de-DE" sz="800"/>
+                        <a:t>device-type</a:t>
+                      </a:r>
+                    </a:p>
+                  </a:txBody>
+                  <a:tcPr>
+                    <a:solidFill>
+                      <a:schemeClr val="bg1"/>
+                    </a:solidFill>
+                  </a:tcPr>
+                </a:tc>
+                <a:tc>
+                  <a:txBody>
+                    <a:bodyPr/>
+                    <a:lstStyle/>
+                    <a:p>
+                      <a:r>
+                        <a:rPr lang="de-DE" sz="800"/>
+                        <a:t>deviceType</a:t>
+                      </a:r>
+                    </a:p>
+                  </a:txBody>
+                  <a:tcPr>
+                    <a:solidFill>
+                      <a:schemeClr val="bg1"/>
+                    </a:solidFill>
+                  </a:tcPr>
+                </a:tc>
+                <a:extLst>
+                  <a:ext uri="{0D108BD9-81ED-4DB2-BD59-A6C34878D82A}">
+                    <a16:rowId xmlns:a16="http://schemas.microsoft.com/office/drawing/2014/main" val="134600551"/>
+                  </a:ext>
+                </a:extLst>
+              </a:tr>
+            </a:tbl>
+          </a:graphicData>
+        </a:graphic>
+      </p:graphicFrame>
+      <p:sp>
+        <p:nvSpPr>
+          <p:cNvPr id="8" name="Textfeld 7">
+            <a:extLst>
+              <a:ext uri="{FF2B5EF4-FFF2-40B4-BE49-F238E27FC236}">
+                <a16:creationId xmlns:a16="http://schemas.microsoft.com/office/drawing/2014/main" id="{3257BBB6-2A6D-94D0-069D-0590FA325D96}"/>
+              </a:ext>
+            </a:extLst>
+          </p:cNvPr>
+          <p:cNvSpPr txBox="1"/>
+          <p:nvPr/>
+        </p:nvSpPr>
+        <p:spPr>
+          <a:xfrm>
+            <a:off x="7295671" y="3748271"/>
+            <a:ext cx="1375698" cy="954107"/>
+          </a:xfrm>
+          <a:prstGeom prst="rect">
+            <a:avLst/>
+          </a:prstGeom>
+          <a:noFill/>
+          <a:ln>
+            <a:solidFill>
+              <a:schemeClr val="bg1">
+                <a:lumMod val="50000"/>
+              </a:schemeClr>
+            </a:solidFill>
+          </a:ln>
+        </p:spPr>
+        <p:txBody>
+          <a:bodyPr wrap="none" rtlCol="0">
+            <a:spAutoFit/>
+          </a:bodyPr>
+          <a:lstStyle/>
+          <a:p>
+            <a:r>
+              <a:rPr lang="de-DE" sz="800">
+                <a:solidFill>
+                  <a:schemeClr val="tx1">
+                    <a:lumMod val="75000"/>
+                    <a:lumOff val="25000"/>
+                  </a:schemeClr>
+                </a:solidFill>
+              </a:rPr>
+              <a:t>connStat = connected</a:t>
+            </a:r>
+          </a:p>
+          <a:p>
+            <a:r>
+              <a:rPr lang="de-DE" sz="800">
+                <a:solidFill>
+                  <a:schemeClr val="tx1">
+                    <a:lumMod val="75000"/>
+                    <a:lumOff val="25000"/>
+                  </a:schemeClr>
+                </a:solidFill>
+              </a:rPr>
+              <a:t>dcTime = null</a:t>
+            </a:r>
+          </a:p>
+          <a:p>
+            <a:r>
+              <a:rPr lang="de-DE" sz="800">
+                <a:solidFill>
+                  <a:schemeClr val="tx1">
+                    <a:lumMod val="75000"/>
+                    <a:lumOff val="25000"/>
+                  </a:schemeClr>
+                </a:solidFill>
+              </a:rPr>
+              <a:t>addDevListTime = null</a:t>
+            </a:r>
+          </a:p>
+          <a:p>
+            <a:r>
+              <a:rPr lang="de-DE" sz="800">
+                <a:solidFill>
+                  <a:schemeClr val="tx1">
+                    <a:lumMod val="75000"/>
+                    <a:lumOff val="25000"/>
+                  </a:schemeClr>
+                </a:solidFill>
+              </a:rPr>
+              <a:t>lastCompleteTime = null</a:t>
+            </a:r>
+          </a:p>
+          <a:p>
+            <a:r>
+              <a:rPr lang="de-DE" sz="800">
+                <a:solidFill>
+                  <a:schemeClr val="tx1">
+                    <a:lumMod val="75000"/>
+                    <a:lumOff val="25000"/>
+                  </a:schemeClr>
+                </a:solidFill>
+              </a:rPr>
+              <a:t>lastNotifUpdateTime = null</a:t>
+            </a:r>
+          </a:p>
+          <a:p>
+            <a:r>
+              <a:rPr lang="de-DE" sz="800">
+                <a:solidFill>
+                  <a:schemeClr val="tx1">
+                    <a:lumMod val="75000"/>
+                    <a:lumOff val="25000"/>
+                  </a:schemeClr>
+                </a:solidFill>
+              </a:rPr>
+              <a:t>updateCt = 0</a:t>
+            </a:r>
+          </a:p>
+          <a:p>
+            <a:r>
+              <a:rPr lang="de-DE" sz="800">
+                <a:solidFill>
+                  <a:schemeClr val="tx1">
+                    <a:lumMod val="75000"/>
+                    <a:lumOff val="25000"/>
+                  </a:schemeClr>
+                </a:solidFill>
+              </a:rPr>
+              <a:t>schemaDir = null </a:t>
+            </a:r>
+          </a:p>
+        </p:txBody>
+      </p:sp>
+      <p:sp>
+        <p:nvSpPr>
+          <p:cNvPr id="10" name="Textfeld 9">
+            <a:extLst>
+              <a:ext uri="{FF2B5EF4-FFF2-40B4-BE49-F238E27FC236}">
+                <a16:creationId xmlns:a16="http://schemas.microsoft.com/office/drawing/2014/main" id="{6E510005-0E35-B290-977C-27861FF72024}"/>
+              </a:ext>
+            </a:extLst>
+          </p:cNvPr>
+          <p:cNvSpPr txBox="1"/>
+          <p:nvPr/>
+        </p:nvSpPr>
+        <p:spPr>
+          <a:xfrm>
+            <a:off x="6300664" y="6059898"/>
+            <a:ext cx="3001339" cy="1177245"/>
+          </a:xfrm>
+          <a:prstGeom prst="rect">
+            <a:avLst/>
+          </a:prstGeom>
+          <a:noFill/>
+        </p:spPr>
+        <p:txBody>
+          <a:bodyPr wrap="square" rtlCol="0">
+            <a:spAutoFit/>
+          </a:bodyPr>
+          <a:lstStyle/>
+          <a:p>
+            <a:pPr marL="171450" indent="-171450">
+              <a:buFont typeface="Wingdings" panose="05000000000000000000" pitchFamily="2" charset="2"/>
+              <a:buChar char="Ø"/>
+            </a:pPr>
+            <a:r>
+              <a:rPr lang="de-DE" sz="1050" b="1">
+                <a:solidFill>
+                  <a:schemeClr val="accent5">
+                    <a:lumMod val="75000"/>
+                  </a:schemeClr>
+                </a:solidFill>
+              </a:rPr>
+              <a:t>yes</a:t>
+            </a:r>
+            <a:r>
+              <a:rPr lang="de-DE" sz="1050">
+                <a:solidFill>
+                  <a:schemeClr val="accent5">
+                    <a:lumMod val="75000"/>
+                  </a:schemeClr>
+                </a:solidFill>
+              </a:rPr>
+              <a:t>: </a:t>
+            </a:r>
+            <a:r>
+              <a:rPr lang="de-DE" sz="1050" u="sng">
+                <a:solidFill>
+                  <a:schemeClr val="accent5">
+                    <a:lumMod val="75000"/>
+                  </a:schemeClr>
+                </a:solidFill>
+              </a:rPr>
+              <a:t>update</a:t>
+            </a:r>
+            <a:r>
+              <a:rPr lang="de-DE" sz="1050">
+                <a:solidFill>
+                  <a:schemeClr val="accent5">
+                    <a:lumMod val="75000"/>
+                  </a:schemeClr>
+                </a:solidFill>
+              </a:rPr>
+              <a:t> the record in the table</a:t>
+            </a:r>
+          </a:p>
+          <a:p>
+            <a:pPr marL="358775" lvl="1" indent="-171450">
+              <a:buFont typeface="Arial" panose="020B0604020202020204" pitchFamily="34" charset="0"/>
+              <a:buChar char="•"/>
+            </a:pPr>
+            <a:r>
+              <a:rPr lang="de-DE" sz="1000">
+                <a:solidFill>
+                  <a:schemeClr val="accent5">
+                    <a:lumMod val="75000"/>
+                  </a:schemeClr>
+                </a:solidFill>
+              </a:rPr>
+              <a:t>If new status = connected:</a:t>
+            </a:r>
+          </a:p>
+          <a:p>
+            <a:pPr marL="358775" lvl="1" indent="-171450">
+              <a:buFont typeface="Arial" panose="020B0604020202020204" pitchFamily="34" charset="0"/>
+              <a:buChar char="•"/>
+            </a:pPr>
+            <a:endParaRPr lang="de-DE" sz="1000">
+              <a:solidFill>
+                <a:schemeClr val="accent5">
+                  <a:lumMod val="75000"/>
+                </a:schemeClr>
+              </a:solidFill>
+            </a:endParaRPr>
+          </a:p>
+          <a:p>
+            <a:pPr marL="358775" lvl="1" indent="-171450">
+              <a:buFont typeface="Arial" panose="020B0604020202020204" pitchFamily="34" charset="0"/>
+              <a:buChar char="•"/>
+            </a:pPr>
+            <a:endParaRPr lang="de-DE" sz="1000">
+              <a:solidFill>
+                <a:schemeClr val="accent5">
+                  <a:lumMod val="75000"/>
+                </a:schemeClr>
+              </a:solidFill>
+            </a:endParaRPr>
+          </a:p>
+          <a:p>
+            <a:pPr marL="187325" lvl="1"/>
+            <a:endParaRPr lang="de-DE" sz="1000" u="sng">
+              <a:solidFill>
+                <a:schemeClr val="accent5">
+                  <a:lumMod val="75000"/>
+                </a:schemeClr>
+              </a:solidFill>
+            </a:endParaRPr>
+          </a:p>
+          <a:p>
+            <a:pPr marL="358775" lvl="1" indent="-171450">
+              <a:buFont typeface="Arial" panose="020B0604020202020204" pitchFamily="34" charset="0"/>
+              <a:buChar char="•"/>
+            </a:pPr>
+            <a:endParaRPr lang="de-DE" sz="1000" u="sng">
+              <a:solidFill>
+                <a:schemeClr val="accent5">
+                  <a:lumMod val="75000"/>
+                </a:schemeClr>
+              </a:solidFill>
+            </a:endParaRPr>
+          </a:p>
+          <a:p>
+            <a:pPr marL="358775" lvl="1" indent="-171450">
+              <a:buFont typeface="Arial" panose="020B0604020202020204" pitchFamily="34" charset="0"/>
+              <a:buChar char="•"/>
+            </a:pPr>
+            <a:r>
+              <a:rPr lang="de-DE" sz="1000">
+                <a:solidFill>
+                  <a:schemeClr val="accent5">
+                    <a:lumMod val="75000"/>
+                  </a:schemeClr>
+                </a:solidFill>
+              </a:rPr>
+              <a:t>If new status != connected:</a:t>
+            </a:r>
+          </a:p>
+        </p:txBody>
+      </p:sp>
+      <p:sp>
+        <p:nvSpPr>
+          <p:cNvPr id="14" name="Textfeld 13">
+            <a:extLst>
+              <a:ext uri="{FF2B5EF4-FFF2-40B4-BE49-F238E27FC236}">
+                <a16:creationId xmlns:a16="http://schemas.microsoft.com/office/drawing/2014/main" id="{FD18B820-B14A-5917-E67F-AA0CB72C0A9B}"/>
+              </a:ext>
+            </a:extLst>
+          </p:cNvPr>
+          <p:cNvSpPr txBox="1"/>
+          <p:nvPr/>
+        </p:nvSpPr>
+        <p:spPr>
+          <a:xfrm>
+            <a:off x="10230598" y="2877749"/>
+            <a:ext cx="2992958" cy="1077218"/>
+          </a:xfrm>
+          <a:prstGeom prst="rect">
+            <a:avLst/>
+          </a:prstGeom>
+          <a:noFill/>
+          <a:ln>
+            <a:solidFill>
+              <a:schemeClr val="bg1">
+                <a:lumMod val="50000"/>
+              </a:schemeClr>
+            </a:solidFill>
+          </a:ln>
+        </p:spPr>
+        <p:txBody>
+          <a:bodyPr wrap="square" rtlCol="0">
+            <a:spAutoFit/>
+          </a:bodyPr>
+          <a:lstStyle/>
+          <a:p>
+            <a:r>
+              <a:rPr lang="de-DE" sz="800">
+                <a:solidFill>
+                  <a:schemeClr val="tx1">
+                    <a:lumMod val="75000"/>
+                    <a:lumOff val="25000"/>
+                  </a:schemeClr>
+                </a:solidFill>
+              </a:rPr>
+              <a:t>connStat = status from controller</a:t>
+            </a:r>
+          </a:p>
+          <a:p>
+            <a:r>
+              <a:rPr lang="de-DE" sz="800">
+                <a:solidFill>
+                  <a:schemeClr val="tx1">
+                    <a:lumMod val="75000"/>
+                    <a:lumOff val="25000"/>
+                  </a:schemeClr>
+                </a:solidFill>
+              </a:rPr>
+              <a:t>dcTime = null</a:t>
+            </a:r>
+          </a:p>
+          <a:p>
+            <a:r>
+              <a:rPr lang="de-DE" sz="800">
+                <a:solidFill>
+                  <a:schemeClr val="tx1">
+                    <a:lumMod val="75000"/>
+                    <a:lumOff val="25000"/>
+                  </a:schemeClr>
+                </a:solidFill>
+              </a:rPr>
+              <a:t>addDevListTime = null</a:t>
+            </a:r>
+          </a:p>
+          <a:p>
+            <a:r>
+              <a:rPr lang="de-DE" sz="800">
+                <a:solidFill>
+                  <a:schemeClr val="tx1">
+                    <a:lumMod val="75000"/>
+                    <a:lumOff val="25000"/>
+                  </a:schemeClr>
+                </a:solidFill>
+              </a:rPr>
+              <a:t>lastCompleteTime = null</a:t>
+            </a:r>
+          </a:p>
+          <a:p>
+            <a:r>
+              <a:rPr lang="de-DE" sz="800">
+                <a:solidFill>
+                  <a:schemeClr val="tx1">
+                    <a:lumMod val="75000"/>
+                    <a:lumOff val="25000"/>
+                  </a:schemeClr>
+                </a:solidFill>
+              </a:rPr>
+              <a:t>lastNotifUpdateTime = null</a:t>
+            </a:r>
+          </a:p>
+          <a:p>
+            <a:r>
+              <a:rPr lang="de-DE" sz="800">
+                <a:solidFill>
+                  <a:schemeClr val="tx1">
+                    <a:lumMod val="75000"/>
+                    <a:lumOff val="25000"/>
+                  </a:schemeClr>
+                </a:solidFill>
+              </a:rPr>
+              <a:t>updateCt = 0</a:t>
+            </a:r>
+          </a:p>
+          <a:p>
+            <a:r>
+              <a:rPr lang="de-DE" sz="800">
+                <a:solidFill>
+                  <a:schemeClr val="tx1">
+                    <a:lumMod val="75000"/>
+                    <a:lumOff val="25000"/>
+                  </a:schemeClr>
+                </a:solidFill>
+              </a:rPr>
+              <a:t>schemaDir = schema-cache-directory from controller info</a:t>
+            </a:r>
+          </a:p>
+          <a:p>
+            <a:r>
+              <a:rPr lang="de-DE" sz="800">
+                <a:solidFill>
+                  <a:schemeClr val="tx1">
+                    <a:lumMod val="75000"/>
+                    <a:lumOff val="25000"/>
+                  </a:schemeClr>
+                </a:solidFill>
+              </a:rPr>
+              <a:t>deviceType = mapped from CC data</a:t>
+            </a:r>
+          </a:p>
+        </p:txBody>
+      </p:sp>
+      <p:sp>
+        <p:nvSpPr>
+          <p:cNvPr id="17" name="Textfeld 16">
+            <a:extLst>
+              <a:ext uri="{FF2B5EF4-FFF2-40B4-BE49-F238E27FC236}">
+                <a16:creationId xmlns:a16="http://schemas.microsoft.com/office/drawing/2014/main" id="{8E82E923-350D-B352-4937-8BEA2940067A}"/>
+              </a:ext>
+            </a:extLst>
+          </p:cNvPr>
+          <p:cNvSpPr txBox="1"/>
+          <p:nvPr/>
+        </p:nvSpPr>
+        <p:spPr>
+          <a:xfrm>
+            <a:off x="7295671" y="4982680"/>
+            <a:ext cx="1846980" cy="954107"/>
+          </a:xfrm>
+          <a:prstGeom prst="rect">
+            <a:avLst/>
+          </a:prstGeom>
+          <a:noFill/>
+          <a:ln>
+            <a:solidFill>
+              <a:schemeClr val="bg1">
+                <a:lumMod val="50000"/>
+              </a:schemeClr>
+            </a:solidFill>
+          </a:ln>
+        </p:spPr>
+        <p:txBody>
+          <a:bodyPr wrap="none" rtlCol="0">
+            <a:spAutoFit/>
+          </a:bodyPr>
+          <a:lstStyle/>
+          <a:p>
+            <a:r>
+              <a:rPr lang="de-DE" sz="800">
+                <a:solidFill>
+                  <a:schemeClr val="tx1">
+                    <a:lumMod val="75000"/>
+                    <a:lumOff val="25000"/>
+                  </a:schemeClr>
+                </a:solidFill>
+              </a:rPr>
+              <a:t>connStat = status from controller</a:t>
+            </a:r>
+          </a:p>
+          <a:p>
+            <a:r>
+              <a:rPr lang="de-DE" sz="800">
+                <a:solidFill>
+                  <a:schemeClr val="tx1">
+                    <a:lumMod val="75000"/>
+                    <a:lumOff val="25000"/>
+                  </a:schemeClr>
+                </a:solidFill>
+              </a:rPr>
+              <a:t>dcTime = timestamp from notification</a:t>
+            </a:r>
+          </a:p>
+          <a:p>
+            <a:r>
+              <a:rPr lang="de-DE" sz="800">
+                <a:solidFill>
+                  <a:schemeClr val="tx1">
+                    <a:lumMod val="75000"/>
+                    <a:lumOff val="25000"/>
+                  </a:schemeClr>
+                </a:solidFill>
+              </a:rPr>
+              <a:t>addDevListTime = null</a:t>
+            </a:r>
+          </a:p>
+          <a:p>
+            <a:r>
+              <a:rPr lang="de-DE" sz="800">
+                <a:solidFill>
+                  <a:schemeClr val="tx1">
+                    <a:lumMod val="75000"/>
+                    <a:lumOff val="25000"/>
+                  </a:schemeClr>
+                </a:solidFill>
+              </a:rPr>
+              <a:t>lastCompleteTime = null</a:t>
+            </a:r>
+          </a:p>
+          <a:p>
+            <a:r>
+              <a:rPr lang="de-DE" sz="800">
+                <a:solidFill>
+                  <a:schemeClr val="tx1">
+                    <a:lumMod val="75000"/>
+                    <a:lumOff val="25000"/>
+                  </a:schemeClr>
+                </a:solidFill>
+              </a:rPr>
+              <a:t>lastNotifUpdateTime = null</a:t>
+            </a:r>
+          </a:p>
+          <a:p>
+            <a:r>
+              <a:rPr lang="de-DE" sz="800">
+                <a:solidFill>
+                  <a:schemeClr val="tx1">
+                    <a:lumMod val="75000"/>
+                    <a:lumOff val="25000"/>
+                  </a:schemeClr>
+                </a:solidFill>
+              </a:rPr>
+              <a:t>updateCt = 0</a:t>
+            </a:r>
+          </a:p>
+          <a:p>
+            <a:r>
+              <a:rPr lang="de-DE" sz="800">
+                <a:solidFill>
+                  <a:schemeClr val="tx1">
+                    <a:lumMod val="75000"/>
+                    <a:lumOff val="25000"/>
+                  </a:schemeClr>
+                </a:solidFill>
+              </a:rPr>
+              <a:t>schemaDir = null </a:t>
+            </a:r>
+          </a:p>
+        </p:txBody>
+      </p:sp>
+      <p:sp>
+        <p:nvSpPr>
+          <p:cNvPr id="22" name="Textfeld 21">
+            <a:extLst>
+              <a:ext uri="{FF2B5EF4-FFF2-40B4-BE49-F238E27FC236}">
+                <a16:creationId xmlns:a16="http://schemas.microsoft.com/office/drawing/2014/main" id="{EA517859-89EE-F855-CDA8-2CCDEDFED70C}"/>
+              </a:ext>
+            </a:extLst>
+          </p:cNvPr>
+          <p:cNvSpPr txBox="1"/>
+          <p:nvPr/>
+        </p:nvSpPr>
+        <p:spPr>
+          <a:xfrm>
+            <a:off x="7308177" y="6486045"/>
+            <a:ext cx="1160895" cy="461665"/>
+          </a:xfrm>
+          <a:prstGeom prst="rect">
+            <a:avLst/>
+          </a:prstGeom>
+          <a:noFill/>
+          <a:ln>
+            <a:solidFill>
+              <a:schemeClr val="bg1">
+                <a:lumMod val="50000"/>
+              </a:schemeClr>
+            </a:solidFill>
+          </a:ln>
+        </p:spPr>
+        <p:txBody>
+          <a:bodyPr wrap="none" rtlCol="0">
+            <a:spAutoFit/>
+          </a:bodyPr>
+          <a:lstStyle/>
+          <a:p>
+            <a:r>
+              <a:rPr lang="de-DE" sz="800" u="sng">
+                <a:solidFill>
+                  <a:schemeClr val="tx1">
+                    <a:lumMod val="75000"/>
+                    <a:lumOff val="25000"/>
+                  </a:schemeClr>
+                </a:solidFill>
+              </a:rPr>
+              <a:t>Update properties</a:t>
+            </a:r>
+            <a:r>
+              <a:rPr lang="de-DE" sz="800">
+                <a:solidFill>
+                  <a:schemeClr val="tx1">
+                    <a:lumMod val="75000"/>
+                    <a:lumOff val="25000"/>
+                  </a:schemeClr>
+                </a:solidFill>
+              </a:rPr>
+              <a:t>:</a:t>
+            </a:r>
+          </a:p>
+          <a:p>
+            <a:r>
+              <a:rPr lang="de-DE" sz="800">
+                <a:solidFill>
+                  <a:schemeClr val="tx1">
+                    <a:lumMod val="75000"/>
+                    <a:lumOff val="25000"/>
+                  </a:schemeClr>
+                </a:solidFill>
+              </a:rPr>
+              <a:t>connStat = connected</a:t>
+            </a:r>
+          </a:p>
+          <a:p>
+            <a:r>
+              <a:rPr lang="de-DE" sz="800">
+                <a:solidFill>
+                  <a:schemeClr val="tx1">
+                    <a:lumMod val="75000"/>
+                    <a:lumOff val="25000"/>
+                  </a:schemeClr>
+                </a:solidFill>
+              </a:rPr>
+              <a:t>dcTime = null</a:t>
+            </a:r>
+          </a:p>
+        </p:txBody>
+      </p:sp>
+      <p:sp>
+        <p:nvSpPr>
+          <p:cNvPr id="23" name="Textfeld 22">
+            <a:extLst>
+              <a:ext uri="{FF2B5EF4-FFF2-40B4-BE49-F238E27FC236}">
+                <a16:creationId xmlns:a16="http://schemas.microsoft.com/office/drawing/2014/main" id="{173BE658-32E1-BA7E-C685-B3319942F7E4}"/>
+              </a:ext>
+            </a:extLst>
+          </p:cNvPr>
+          <p:cNvSpPr txBox="1"/>
+          <p:nvPr/>
+        </p:nvSpPr>
+        <p:spPr>
+          <a:xfrm>
+            <a:off x="7308177" y="7269063"/>
+            <a:ext cx="1846980" cy="954107"/>
+          </a:xfrm>
+          <a:prstGeom prst="rect">
+            <a:avLst/>
+          </a:prstGeom>
+          <a:noFill/>
+          <a:ln>
+            <a:solidFill>
+              <a:schemeClr val="bg1">
+                <a:lumMod val="50000"/>
+              </a:schemeClr>
+            </a:solidFill>
+          </a:ln>
+        </p:spPr>
+        <p:txBody>
+          <a:bodyPr wrap="none" rtlCol="0">
+            <a:spAutoFit/>
+          </a:bodyPr>
+          <a:lstStyle/>
+          <a:p>
+            <a:r>
+              <a:rPr lang="de-DE" sz="800" u="sng">
+                <a:solidFill>
+                  <a:schemeClr val="tx1">
+                    <a:lumMod val="75000"/>
+                    <a:lumOff val="25000"/>
+                  </a:schemeClr>
+                </a:solidFill>
+              </a:rPr>
+              <a:t>Update properties</a:t>
+            </a:r>
+            <a:r>
+              <a:rPr lang="de-DE" sz="800">
+                <a:solidFill>
+                  <a:schemeClr val="tx1">
+                    <a:lumMod val="75000"/>
+                    <a:lumOff val="25000"/>
+                  </a:schemeClr>
+                </a:solidFill>
+              </a:rPr>
+              <a:t>:</a:t>
+            </a:r>
+          </a:p>
+          <a:p>
+            <a:r>
+              <a:rPr lang="de-DE" sz="800">
+                <a:solidFill>
+                  <a:schemeClr val="tx1">
+                    <a:lumMod val="75000"/>
+                    <a:lumOff val="25000"/>
+                  </a:schemeClr>
+                </a:solidFill>
+              </a:rPr>
+              <a:t>connStat = status from controller</a:t>
+            </a:r>
+          </a:p>
+          <a:p>
+            <a:r>
+              <a:rPr lang="de-DE" sz="800">
+                <a:solidFill>
+                  <a:schemeClr val="tx1">
+                    <a:lumMod val="75000"/>
+                    <a:lumOff val="25000"/>
+                  </a:schemeClr>
+                </a:solidFill>
+              </a:rPr>
+              <a:t>dcTime = timestamp from notification</a:t>
+            </a:r>
+          </a:p>
+          <a:p>
+            <a:r>
+              <a:rPr lang="de-DE" sz="800">
+                <a:solidFill>
+                  <a:schemeClr val="tx1">
+                    <a:lumMod val="75000"/>
+                    <a:lumOff val="25000"/>
+                  </a:schemeClr>
+                </a:solidFill>
+              </a:rPr>
+              <a:t>addDevListTime = null</a:t>
+            </a:r>
+          </a:p>
+          <a:p>
+            <a:r>
+              <a:rPr lang="de-DE" sz="800">
+                <a:solidFill>
+                  <a:schemeClr val="tx1">
+                    <a:lumMod val="75000"/>
+                    <a:lumOff val="25000"/>
+                  </a:schemeClr>
+                </a:solidFill>
+              </a:rPr>
+              <a:t>lastCompleteTime = null</a:t>
+            </a:r>
+          </a:p>
+          <a:p>
+            <a:r>
+              <a:rPr lang="de-DE" sz="800">
+                <a:solidFill>
+                  <a:schemeClr val="tx1">
+                    <a:lumMod val="75000"/>
+                    <a:lumOff val="25000"/>
+                  </a:schemeClr>
+                </a:solidFill>
+              </a:rPr>
+              <a:t>lastNotifUpdateTime = null</a:t>
+            </a:r>
+          </a:p>
+          <a:p>
+            <a:r>
+              <a:rPr lang="de-DE" sz="800">
+                <a:solidFill>
+                  <a:schemeClr val="tx1">
+                    <a:lumMod val="75000"/>
+                    <a:lumOff val="25000"/>
+                  </a:schemeClr>
+                </a:solidFill>
+              </a:rPr>
+              <a:t>updateCt = 0</a:t>
+            </a:r>
+          </a:p>
+        </p:txBody>
+      </p:sp>
+      <p:sp>
+        <p:nvSpPr>
+          <p:cNvPr id="26" name="Textfeld 25">
+            <a:extLst>
+              <a:ext uri="{FF2B5EF4-FFF2-40B4-BE49-F238E27FC236}">
+                <a16:creationId xmlns:a16="http://schemas.microsoft.com/office/drawing/2014/main" id="{B003ED46-5195-39B6-0D7C-9727A827B544}"/>
+              </a:ext>
+            </a:extLst>
+          </p:cNvPr>
+          <p:cNvSpPr txBox="1"/>
+          <p:nvPr/>
+        </p:nvSpPr>
+        <p:spPr>
+          <a:xfrm>
+            <a:off x="10566182" y="4411839"/>
+            <a:ext cx="1160895" cy="461665"/>
+          </a:xfrm>
+          <a:prstGeom prst="rect">
+            <a:avLst/>
+          </a:prstGeom>
+          <a:noFill/>
+          <a:ln>
+            <a:solidFill>
+              <a:schemeClr val="bg1">
+                <a:lumMod val="50000"/>
+              </a:schemeClr>
+            </a:solidFill>
+          </a:ln>
+        </p:spPr>
+        <p:txBody>
+          <a:bodyPr wrap="none" rtlCol="0">
+            <a:spAutoFit/>
+          </a:bodyPr>
+          <a:lstStyle/>
+          <a:p>
+            <a:r>
+              <a:rPr lang="de-DE" sz="800" u="sng">
+                <a:solidFill>
+                  <a:schemeClr val="tx1">
+                    <a:lumMod val="75000"/>
+                    <a:lumOff val="25000"/>
+                  </a:schemeClr>
+                </a:solidFill>
+              </a:rPr>
+              <a:t>Update properties</a:t>
+            </a:r>
+          </a:p>
+          <a:p>
+            <a:r>
+              <a:rPr lang="de-DE" sz="800">
+                <a:solidFill>
+                  <a:schemeClr val="tx1">
+                    <a:lumMod val="75000"/>
+                    <a:lumOff val="25000"/>
+                  </a:schemeClr>
+                </a:solidFill>
+              </a:rPr>
+              <a:t>connStat = connected</a:t>
+            </a:r>
+          </a:p>
+          <a:p>
+            <a:r>
+              <a:rPr lang="de-DE" sz="800">
+                <a:solidFill>
+                  <a:schemeClr val="tx1">
+                    <a:lumMod val="75000"/>
+                    <a:lumOff val="25000"/>
+                  </a:schemeClr>
+                </a:solidFill>
+              </a:rPr>
+              <a:t>dcTime = null</a:t>
+            </a:r>
+          </a:p>
+        </p:txBody>
+      </p:sp>
+      <p:sp>
+        <p:nvSpPr>
+          <p:cNvPr id="27" name="Textfeld 26">
+            <a:extLst>
+              <a:ext uri="{FF2B5EF4-FFF2-40B4-BE49-F238E27FC236}">
+                <a16:creationId xmlns:a16="http://schemas.microsoft.com/office/drawing/2014/main" id="{61785A8A-ADFD-FB0F-6F2F-8E7E29B809F0}"/>
+              </a:ext>
+            </a:extLst>
+          </p:cNvPr>
+          <p:cNvSpPr txBox="1"/>
+          <p:nvPr/>
+        </p:nvSpPr>
+        <p:spPr>
+          <a:xfrm>
+            <a:off x="10516289" y="6206885"/>
+            <a:ext cx="1645002" cy="954107"/>
+          </a:xfrm>
+          <a:prstGeom prst="rect">
+            <a:avLst/>
+          </a:prstGeom>
+          <a:noFill/>
+          <a:ln>
+            <a:solidFill>
+              <a:schemeClr val="bg1">
+                <a:lumMod val="50000"/>
+              </a:schemeClr>
+            </a:solidFill>
+          </a:ln>
+        </p:spPr>
+        <p:txBody>
+          <a:bodyPr wrap="none" rtlCol="0">
+            <a:spAutoFit/>
+          </a:bodyPr>
+          <a:lstStyle/>
+          <a:p>
+            <a:r>
+              <a:rPr lang="de-DE" sz="800" u="sng">
+                <a:solidFill>
+                  <a:schemeClr val="tx1">
+                    <a:lumMod val="75000"/>
+                    <a:lumOff val="25000"/>
+                  </a:schemeClr>
+                </a:solidFill>
+              </a:rPr>
+              <a:t>Update properties:</a:t>
+            </a:r>
+          </a:p>
+          <a:p>
+            <a:r>
+              <a:rPr lang="de-DE" sz="800">
+                <a:solidFill>
+                  <a:schemeClr val="tx1">
+                    <a:lumMod val="75000"/>
+                    <a:lumOff val="25000"/>
+                  </a:schemeClr>
+                </a:solidFill>
+              </a:rPr>
+              <a:t>connStat = status from controller</a:t>
+            </a:r>
+          </a:p>
+          <a:p>
+            <a:r>
+              <a:rPr lang="de-DE" sz="800">
+                <a:solidFill>
+                  <a:schemeClr val="tx1">
+                    <a:lumMod val="75000"/>
+                    <a:lumOff val="25000"/>
+                  </a:schemeClr>
+                </a:solidFill>
+              </a:rPr>
+              <a:t>dcTime = current timestamp *</a:t>
+            </a:r>
+          </a:p>
+          <a:p>
+            <a:r>
+              <a:rPr lang="de-DE" sz="800">
+                <a:solidFill>
+                  <a:schemeClr val="tx1">
+                    <a:lumMod val="75000"/>
+                    <a:lumOff val="25000"/>
+                  </a:schemeClr>
+                </a:solidFill>
+              </a:rPr>
+              <a:t>addDevListTime = null</a:t>
+            </a:r>
+          </a:p>
+          <a:p>
+            <a:r>
+              <a:rPr lang="de-DE" sz="800">
+                <a:solidFill>
+                  <a:schemeClr val="tx1">
+                    <a:lumMod val="75000"/>
+                    <a:lumOff val="25000"/>
+                  </a:schemeClr>
+                </a:solidFill>
+              </a:rPr>
+              <a:t>lastCompleteTime = null</a:t>
+            </a:r>
+          </a:p>
+          <a:p>
+            <a:r>
+              <a:rPr lang="de-DE" sz="800">
+                <a:solidFill>
+                  <a:schemeClr val="tx1">
+                    <a:lumMod val="75000"/>
+                    <a:lumOff val="25000"/>
+                  </a:schemeClr>
+                </a:solidFill>
+              </a:rPr>
+              <a:t>lastNotifUpdateTime = null</a:t>
+            </a:r>
+          </a:p>
+          <a:p>
+            <a:r>
+              <a:rPr lang="de-DE" sz="800">
+                <a:solidFill>
+                  <a:schemeClr val="tx1">
+                    <a:lumMod val="75000"/>
+                    <a:lumOff val="25000"/>
+                  </a:schemeClr>
+                </a:solidFill>
+              </a:rPr>
+              <a:t>updateCt = 0</a:t>
+            </a:r>
+          </a:p>
+        </p:txBody>
+      </p:sp>
+      <p:sp>
+        <p:nvSpPr>
+          <p:cNvPr id="29" name="Textfeld 28">
+            <a:extLst>
+              <a:ext uri="{FF2B5EF4-FFF2-40B4-BE49-F238E27FC236}">
+                <a16:creationId xmlns:a16="http://schemas.microsoft.com/office/drawing/2014/main" id="{79F71CFE-8D74-B9FE-8668-F97EAE5368F0}"/>
+              </a:ext>
+            </a:extLst>
+          </p:cNvPr>
+          <p:cNvSpPr txBox="1"/>
+          <p:nvPr/>
+        </p:nvSpPr>
+        <p:spPr>
+          <a:xfrm>
+            <a:off x="12258019" y="6192847"/>
+            <a:ext cx="1257935" cy="923330"/>
+          </a:xfrm>
+          <a:prstGeom prst="rect">
+            <a:avLst/>
+          </a:prstGeom>
+          <a:solidFill>
+            <a:schemeClr val="bg1"/>
+          </a:solidFill>
+        </p:spPr>
+        <p:txBody>
+          <a:bodyPr wrap="square" rtlCol="0">
+            <a:spAutoFit/>
+          </a:bodyPr>
+          <a:lstStyle/>
+          <a:p>
+            <a:r>
+              <a:rPr lang="de-DE" sz="900" i="1">
+                <a:solidFill>
+                  <a:schemeClr val="bg1">
+                    <a:lumMod val="50000"/>
+                  </a:schemeClr>
+                </a:solidFill>
+              </a:rPr>
+              <a:t>(*) Actual disconnection time is not known, but is set to current timestamp for retention management</a:t>
+            </a:r>
+          </a:p>
+        </p:txBody>
+      </p:sp>
+      <p:sp>
+        <p:nvSpPr>
+          <p:cNvPr id="30" name="Textfeld 29">
+            <a:extLst>
+              <a:ext uri="{FF2B5EF4-FFF2-40B4-BE49-F238E27FC236}">
+                <a16:creationId xmlns:a16="http://schemas.microsoft.com/office/drawing/2014/main" id="{7DB679D7-E52A-6259-89C9-9B8CA95A7943}"/>
+              </a:ext>
+            </a:extLst>
+          </p:cNvPr>
+          <p:cNvSpPr txBox="1"/>
+          <p:nvPr/>
+        </p:nvSpPr>
+        <p:spPr>
+          <a:xfrm>
+            <a:off x="10523022" y="7903120"/>
+            <a:ext cx="1645002" cy="954107"/>
+          </a:xfrm>
+          <a:prstGeom prst="rect">
+            <a:avLst/>
+          </a:prstGeom>
+          <a:noFill/>
+          <a:ln>
+            <a:solidFill>
+              <a:schemeClr val="bg1">
+                <a:lumMod val="50000"/>
+              </a:schemeClr>
+            </a:solidFill>
+          </a:ln>
+        </p:spPr>
+        <p:txBody>
+          <a:bodyPr wrap="none" rtlCol="0">
+            <a:spAutoFit/>
+          </a:bodyPr>
+          <a:lstStyle/>
+          <a:p>
+            <a:r>
+              <a:rPr lang="de-DE" sz="800" u="sng">
+                <a:solidFill>
+                  <a:schemeClr val="tx1">
+                    <a:lumMod val="75000"/>
+                    <a:lumOff val="25000"/>
+                  </a:schemeClr>
+                </a:solidFill>
+              </a:rPr>
+              <a:t>Update properties:</a:t>
+            </a:r>
+          </a:p>
+          <a:p>
+            <a:r>
+              <a:rPr lang="de-DE" sz="800">
+                <a:solidFill>
+                  <a:schemeClr val="tx1">
+                    <a:lumMod val="75000"/>
+                    <a:lumOff val="25000"/>
+                  </a:schemeClr>
+                </a:solidFill>
+              </a:rPr>
+              <a:t>connStat = status from controller</a:t>
+            </a:r>
+          </a:p>
+          <a:p>
+            <a:r>
+              <a:rPr lang="de-DE" sz="800">
+                <a:solidFill>
+                  <a:schemeClr val="tx1">
+                    <a:lumMod val="75000"/>
+                    <a:lumOff val="25000"/>
+                  </a:schemeClr>
+                </a:solidFill>
+              </a:rPr>
+              <a:t>dcTime = current timestamp *</a:t>
+            </a:r>
+          </a:p>
+          <a:p>
+            <a:r>
+              <a:rPr lang="de-DE" sz="800">
+                <a:solidFill>
+                  <a:schemeClr val="tx1">
+                    <a:lumMod val="75000"/>
+                    <a:lumOff val="25000"/>
+                  </a:schemeClr>
+                </a:solidFill>
+              </a:rPr>
+              <a:t>addDevListTime = null</a:t>
+            </a:r>
+          </a:p>
+          <a:p>
+            <a:r>
+              <a:rPr lang="de-DE" sz="800">
+                <a:solidFill>
+                  <a:schemeClr val="tx1">
+                    <a:lumMod val="75000"/>
+                    <a:lumOff val="25000"/>
+                  </a:schemeClr>
+                </a:solidFill>
+              </a:rPr>
+              <a:t>lastCompleteTime = null</a:t>
+            </a:r>
+          </a:p>
+          <a:p>
+            <a:r>
+              <a:rPr lang="de-DE" sz="800">
+                <a:solidFill>
+                  <a:schemeClr val="tx1">
+                    <a:lumMod val="75000"/>
+                    <a:lumOff val="25000"/>
+                  </a:schemeClr>
+                </a:solidFill>
+              </a:rPr>
+              <a:t>lastNotifUpdateTime = null</a:t>
+            </a:r>
+          </a:p>
+          <a:p>
+            <a:r>
+              <a:rPr lang="de-DE" sz="800">
+                <a:solidFill>
+                  <a:schemeClr val="tx1">
+                    <a:lumMod val="75000"/>
+                    <a:lumOff val="25000"/>
+                  </a:schemeClr>
+                </a:solidFill>
+              </a:rPr>
+              <a:t>updateCt = 0</a:t>
+            </a:r>
+          </a:p>
+        </p:txBody>
+      </p:sp>
+      <p:sp>
+        <p:nvSpPr>
+          <p:cNvPr id="40" name="Textfeld 39">
+            <a:extLst>
+              <a:ext uri="{FF2B5EF4-FFF2-40B4-BE49-F238E27FC236}">
+                <a16:creationId xmlns:a16="http://schemas.microsoft.com/office/drawing/2014/main" id="{09FCC31B-6779-19FC-A86E-331BDE089D11}"/>
+              </a:ext>
+            </a:extLst>
+          </p:cNvPr>
+          <p:cNvSpPr txBox="1"/>
+          <p:nvPr/>
+        </p:nvSpPr>
+        <p:spPr>
+          <a:xfrm>
+            <a:off x="6258178" y="2535359"/>
+            <a:ext cx="2883124" cy="430887"/>
+          </a:xfrm>
+          <a:prstGeom prst="rect">
+            <a:avLst/>
+          </a:prstGeom>
+          <a:noFill/>
+          <a:ln>
+            <a:solidFill>
+              <a:srgbClr val="C00000"/>
+            </a:solidFill>
+          </a:ln>
+        </p:spPr>
+        <p:txBody>
+          <a:bodyPr wrap="square" rtlCol="0">
+            <a:spAutoFit/>
+          </a:bodyPr>
+          <a:lstStyle/>
+          <a:p>
+            <a:r>
+              <a:rPr lang="de-DE" sz="1100" i="1">
+                <a:solidFill>
+                  <a:srgbClr val="C00000"/>
+                </a:solidFill>
+              </a:rPr>
+              <a:t>Metadata table updates due to controller attribute value change notifications</a:t>
+            </a:r>
+          </a:p>
+        </p:txBody>
+      </p:sp>
+      <p:sp>
+        <p:nvSpPr>
+          <p:cNvPr id="44" name="Textfeld 43">
+            <a:extLst>
+              <a:ext uri="{FF2B5EF4-FFF2-40B4-BE49-F238E27FC236}">
+                <a16:creationId xmlns:a16="http://schemas.microsoft.com/office/drawing/2014/main" id="{8379C4E6-619E-7FD2-167B-E0AFF1A4509A}"/>
+              </a:ext>
+            </a:extLst>
+          </p:cNvPr>
+          <p:cNvSpPr txBox="1"/>
+          <p:nvPr/>
+        </p:nvSpPr>
+        <p:spPr>
+          <a:xfrm>
+            <a:off x="3547732" y="3241981"/>
+            <a:ext cx="2192237" cy="430887"/>
+          </a:xfrm>
+          <a:prstGeom prst="rect">
+            <a:avLst/>
+          </a:prstGeom>
+          <a:noFill/>
+          <a:ln>
+            <a:solidFill>
+              <a:srgbClr val="C00000"/>
+            </a:solidFill>
+          </a:ln>
+        </p:spPr>
+        <p:txBody>
+          <a:bodyPr wrap="square" rtlCol="0">
+            <a:spAutoFit/>
+          </a:bodyPr>
+          <a:lstStyle/>
+          <a:p>
+            <a:r>
+              <a:rPr lang="de-DE" sz="1100" i="1">
+                <a:solidFill>
+                  <a:srgbClr val="C00000"/>
+                </a:solidFill>
+              </a:rPr>
+              <a:t>Metadata table updates due to CC updates</a:t>
+            </a:r>
+          </a:p>
+        </p:txBody>
+      </p:sp>
+      <p:sp>
+        <p:nvSpPr>
+          <p:cNvPr id="45" name="Textfeld 44">
+            <a:extLst>
+              <a:ext uri="{FF2B5EF4-FFF2-40B4-BE49-F238E27FC236}">
+                <a16:creationId xmlns:a16="http://schemas.microsoft.com/office/drawing/2014/main" id="{D1F9B6A9-CA0F-6E25-C211-E9F078B79D87}"/>
+              </a:ext>
+            </a:extLst>
+          </p:cNvPr>
+          <p:cNvSpPr txBox="1"/>
+          <p:nvPr/>
+        </p:nvSpPr>
+        <p:spPr>
+          <a:xfrm>
+            <a:off x="3957342" y="4314300"/>
+            <a:ext cx="1649811" cy="461665"/>
+          </a:xfrm>
+          <a:prstGeom prst="rect">
+            <a:avLst/>
+          </a:prstGeom>
+          <a:noFill/>
+          <a:ln>
+            <a:solidFill>
+              <a:schemeClr val="bg1">
+                <a:lumMod val="50000"/>
+              </a:schemeClr>
+            </a:solidFill>
+          </a:ln>
+        </p:spPr>
+        <p:txBody>
+          <a:bodyPr wrap="none" rtlCol="0">
+            <a:spAutoFit/>
+          </a:bodyPr>
+          <a:lstStyle/>
+          <a:p>
+            <a:r>
+              <a:rPr lang="de-DE" sz="800" u="sng">
+                <a:solidFill>
+                  <a:schemeClr val="tx1">
+                    <a:lumMod val="75000"/>
+                    <a:lumOff val="25000"/>
+                  </a:schemeClr>
+                </a:solidFill>
+              </a:rPr>
+              <a:t>Update properties:</a:t>
+            </a:r>
+          </a:p>
+          <a:p>
+            <a:r>
+              <a:rPr lang="de-DE" sz="800">
+                <a:solidFill>
+                  <a:schemeClr val="tx1">
+                    <a:lumMod val="75000"/>
+                    <a:lumOff val="25000"/>
+                  </a:schemeClr>
+                </a:solidFill>
+              </a:rPr>
+              <a:t>lastCompleteTime = current time</a:t>
+            </a:r>
+          </a:p>
+          <a:p>
+            <a:r>
+              <a:rPr lang="de-DE" sz="800">
+                <a:solidFill>
+                  <a:schemeClr val="tx1">
+                    <a:lumMod val="75000"/>
+                    <a:lumOff val="25000"/>
+                  </a:schemeClr>
+                </a:solidFill>
+              </a:rPr>
+              <a:t>updateCt = 0</a:t>
+            </a:r>
+          </a:p>
+        </p:txBody>
+      </p:sp>
+      <p:sp>
+        <p:nvSpPr>
+          <p:cNvPr id="46" name="Textfeld 45">
+            <a:extLst>
+              <a:ext uri="{FF2B5EF4-FFF2-40B4-BE49-F238E27FC236}">
+                <a16:creationId xmlns:a16="http://schemas.microsoft.com/office/drawing/2014/main" id="{CABD0686-4E0B-E4CF-038C-5D139CAC034D}"/>
+              </a:ext>
+            </a:extLst>
+          </p:cNvPr>
+          <p:cNvSpPr txBox="1"/>
+          <p:nvPr/>
+        </p:nvSpPr>
+        <p:spPr>
+          <a:xfrm>
+            <a:off x="3888115" y="5272465"/>
+            <a:ext cx="1752403" cy="461665"/>
+          </a:xfrm>
+          <a:prstGeom prst="rect">
+            <a:avLst/>
+          </a:prstGeom>
+          <a:noFill/>
+          <a:ln>
+            <a:solidFill>
+              <a:schemeClr val="bg1">
+                <a:lumMod val="50000"/>
+              </a:schemeClr>
+            </a:solidFill>
+          </a:ln>
+        </p:spPr>
+        <p:txBody>
+          <a:bodyPr wrap="none" rtlCol="0">
+            <a:spAutoFit/>
+          </a:bodyPr>
+          <a:lstStyle/>
+          <a:p>
+            <a:r>
+              <a:rPr lang="de-DE" sz="800" u="sng">
+                <a:solidFill>
+                  <a:schemeClr val="tx1">
+                    <a:lumMod val="75000"/>
+                    <a:lumOff val="25000"/>
+                  </a:schemeClr>
+                </a:solidFill>
+              </a:rPr>
+              <a:t>Update properties:</a:t>
+            </a:r>
+          </a:p>
+          <a:p>
+            <a:r>
+              <a:rPr lang="de-DE" sz="800">
+                <a:solidFill>
+                  <a:schemeClr val="tx1">
+                    <a:lumMod val="75000"/>
+                    <a:lumOff val="25000"/>
+                  </a:schemeClr>
+                </a:solidFill>
+              </a:rPr>
+              <a:t>lastNotifUpdateTime = current time</a:t>
+            </a:r>
+          </a:p>
+          <a:p>
+            <a:r>
+              <a:rPr lang="de-DE" sz="800">
+                <a:solidFill>
+                  <a:schemeClr val="tx1">
+                    <a:lumMod val="75000"/>
+                    <a:lumOff val="25000"/>
+                  </a:schemeClr>
+                </a:solidFill>
+              </a:rPr>
+              <a:t>updateCt = updateCt + 1</a:t>
+            </a:r>
+          </a:p>
+        </p:txBody>
+      </p:sp>
+      <p:sp>
+        <p:nvSpPr>
+          <p:cNvPr id="49" name="Textfeld 48">
+            <a:extLst>
+              <a:ext uri="{FF2B5EF4-FFF2-40B4-BE49-F238E27FC236}">
+                <a16:creationId xmlns:a16="http://schemas.microsoft.com/office/drawing/2014/main" id="{99163760-81CC-D7A0-BD7C-8B30AC6104B0}"/>
+              </a:ext>
+            </a:extLst>
+          </p:cNvPr>
+          <p:cNvSpPr txBox="1"/>
+          <p:nvPr/>
+        </p:nvSpPr>
+        <p:spPr>
+          <a:xfrm>
+            <a:off x="398907" y="3241981"/>
+            <a:ext cx="2823214" cy="430887"/>
+          </a:xfrm>
+          <a:prstGeom prst="rect">
+            <a:avLst/>
+          </a:prstGeom>
+          <a:noFill/>
+          <a:ln>
+            <a:solidFill>
+              <a:srgbClr val="C00000"/>
+            </a:solidFill>
+          </a:ln>
+        </p:spPr>
+        <p:txBody>
+          <a:bodyPr wrap="square" rtlCol="0">
+            <a:spAutoFit/>
+          </a:bodyPr>
+          <a:lstStyle/>
+          <a:p>
+            <a:r>
+              <a:rPr lang="de-DE" sz="1100" i="1">
+                <a:solidFill>
+                  <a:srgbClr val="C00000"/>
+                </a:solidFill>
+              </a:rPr>
+              <a:t>Metadata table updates due to deviceList updates</a:t>
+            </a:r>
+          </a:p>
+        </p:txBody>
+      </p:sp>
+      <p:sp>
+        <p:nvSpPr>
+          <p:cNvPr id="50" name="Textfeld 49">
+            <a:extLst>
+              <a:ext uri="{FF2B5EF4-FFF2-40B4-BE49-F238E27FC236}">
+                <a16:creationId xmlns:a16="http://schemas.microsoft.com/office/drawing/2014/main" id="{C65B7BC0-FB97-364B-C07D-33A52C3B85AA}"/>
+              </a:ext>
+            </a:extLst>
+          </p:cNvPr>
+          <p:cNvSpPr txBox="1"/>
+          <p:nvPr/>
+        </p:nvSpPr>
+        <p:spPr>
+          <a:xfrm>
+            <a:off x="1605712" y="5119078"/>
+            <a:ext cx="1542410" cy="707886"/>
+          </a:xfrm>
+          <a:prstGeom prst="rect">
+            <a:avLst/>
+          </a:prstGeom>
+          <a:noFill/>
+          <a:ln>
+            <a:solidFill>
+              <a:schemeClr val="bg1">
+                <a:lumMod val="50000"/>
+              </a:schemeClr>
+            </a:solidFill>
+          </a:ln>
+        </p:spPr>
+        <p:txBody>
+          <a:bodyPr wrap="none" rtlCol="0">
+            <a:spAutoFit/>
+          </a:bodyPr>
+          <a:lstStyle/>
+          <a:p>
+            <a:r>
+              <a:rPr lang="de-DE" sz="800" u="sng">
+                <a:solidFill>
+                  <a:schemeClr val="tx1">
+                    <a:lumMod val="75000"/>
+                    <a:lumOff val="25000"/>
+                  </a:schemeClr>
+                </a:solidFill>
+              </a:rPr>
+              <a:t>Update properties:</a:t>
+            </a:r>
+          </a:p>
+          <a:p>
+            <a:r>
+              <a:rPr lang="de-DE" sz="800">
+                <a:solidFill>
+                  <a:schemeClr val="tx1">
+                    <a:lumMod val="75000"/>
+                    <a:lumOff val="25000"/>
+                  </a:schemeClr>
+                </a:solidFill>
+              </a:rPr>
+              <a:t>connStat = connected</a:t>
+            </a:r>
+          </a:p>
+          <a:p>
+            <a:r>
+              <a:rPr lang="de-DE" sz="800">
+                <a:solidFill>
+                  <a:schemeClr val="tx1">
+                    <a:lumMod val="75000"/>
+                    <a:lumOff val="25000"/>
+                  </a:schemeClr>
+                </a:solidFill>
+              </a:rPr>
+              <a:t>dcTime = null</a:t>
+            </a:r>
+          </a:p>
+          <a:p>
+            <a:r>
+              <a:rPr lang="de-DE" sz="800">
+                <a:solidFill>
+                  <a:schemeClr val="tx1">
+                    <a:lumMod val="75000"/>
+                    <a:lumOff val="25000"/>
+                  </a:schemeClr>
+                </a:solidFill>
+              </a:rPr>
+              <a:t>addDevListTime = current time</a:t>
+            </a:r>
+          </a:p>
+          <a:p>
+            <a:r>
+              <a:rPr lang="de-DE" sz="800">
+                <a:solidFill>
+                  <a:schemeClr val="tx1">
+                    <a:lumMod val="75000"/>
+                    <a:lumOff val="25000"/>
+                  </a:schemeClr>
+                </a:solidFill>
+              </a:rPr>
+              <a:t>updateCt = 0</a:t>
+            </a:r>
+          </a:p>
+        </p:txBody>
+      </p:sp>
+      <p:sp>
+        <p:nvSpPr>
+          <p:cNvPr id="52" name="Textfeld 51">
+            <a:extLst>
+              <a:ext uri="{FF2B5EF4-FFF2-40B4-BE49-F238E27FC236}">
+                <a16:creationId xmlns:a16="http://schemas.microsoft.com/office/drawing/2014/main" id="{A5CD8E84-F642-6DE6-EC7D-C870CDEB9944}"/>
+              </a:ext>
+            </a:extLst>
+          </p:cNvPr>
+          <p:cNvSpPr txBox="1"/>
+          <p:nvPr/>
+        </p:nvSpPr>
+        <p:spPr>
+          <a:xfrm>
+            <a:off x="1599040" y="6077477"/>
+            <a:ext cx="1542410" cy="954107"/>
+          </a:xfrm>
+          <a:prstGeom prst="rect">
+            <a:avLst/>
+          </a:prstGeom>
+          <a:noFill/>
+          <a:ln>
+            <a:solidFill>
+              <a:schemeClr val="bg1">
+                <a:lumMod val="50000"/>
+              </a:schemeClr>
+            </a:solidFill>
+          </a:ln>
+        </p:spPr>
+        <p:txBody>
+          <a:bodyPr wrap="none" rtlCol="0">
+            <a:spAutoFit/>
+          </a:bodyPr>
+          <a:lstStyle/>
+          <a:p>
+            <a:r>
+              <a:rPr lang="de-DE" sz="800">
+                <a:solidFill>
+                  <a:schemeClr val="tx1">
+                    <a:lumMod val="75000"/>
+                    <a:lumOff val="25000"/>
+                  </a:schemeClr>
+                </a:solidFill>
+              </a:rPr>
+              <a:t>connStat = connected</a:t>
+            </a:r>
+          </a:p>
+          <a:p>
+            <a:r>
+              <a:rPr lang="de-DE" sz="800">
+                <a:solidFill>
+                  <a:schemeClr val="tx1">
+                    <a:lumMod val="75000"/>
+                    <a:lumOff val="25000"/>
+                  </a:schemeClr>
+                </a:solidFill>
+              </a:rPr>
+              <a:t>dcTime = null</a:t>
+            </a:r>
+          </a:p>
+          <a:p>
+            <a:r>
+              <a:rPr lang="de-DE" sz="800">
+                <a:solidFill>
+                  <a:schemeClr val="tx1">
+                    <a:lumMod val="75000"/>
+                    <a:lumOff val="25000"/>
+                  </a:schemeClr>
+                </a:solidFill>
+              </a:rPr>
+              <a:t>addDevListTime = current time</a:t>
+            </a:r>
+          </a:p>
+          <a:p>
+            <a:r>
+              <a:rPr lang="de-DE" sz="800">
+                <a:solidFill>
+                  <a:schemeClr val="tx1">
+                    <a:lumMod val="75000"/>
+                    <a:lumOff val="25000"/>
+                  </a:schemeClr>
+                </a:solidFill>
+              </a:rPr>
+              <a:t>lastCompleteTime = null</a:t>
+            </a:r>
+          </a:p>
+          <a:p>
+            <a:r>
+              <a:rPr lang="de-DE" sz="800">
+                <a:solidFill>
+                  <a:schemeClr val="tx1">
+                    <a:lumMod val="75000"/>
+                    <a:lumOff val="25000"/>
+                  </a:schemeClr>
+                </a:solidFill>
+              </a:rPr>
+              <a:t>lastNotifUpdateTime = null</a:t>
+            </a:r>
+          </a:p>
+          <a:p>
+            <a:r>
+              <a:rPr lang="de-DE" sz="800">
+                <a:solidFill>
+                  <a:schemeClr val="tx1">
+                    <a:lumMod val="75000"/>
+                    <a:lumOff val="25000"/>
+                  </a:schemeClr>
+                </a:solidFill>
+              </a:rPr>
+              <a:t>updateCt = 0</a:t>
+            </a:r>
+          </a:p>
+          <a:p>
+            <a:r>
+              <a:rPr lang="de-DE" sz="800">
+                <a:solidFill>
+                  <a:schemeClr val="tx1">
+                    <a:lumMod val="75000"/>
+                    <a:lumOff val="25000"/>
+                  </a:schemeClr>
+                </a:solidFill>
+              </a:rPr>
+              <a:t>schemaDir = null </a:t>
+            </a:r>
+          </a:p>
+        </p:txBody>
+      </p:sp>
+      <p:sp>
+        <p:nvSpPr>
+          <p:cNvPr id="53" name="Textfeld 52">
+            <a:extLst>
+              <a:ext uri="{FF2B5EF4-FFF2-40B4-BE49-F238E27FC236}">
+                <a16:creationId xmlns:a16="http://schemas.microsoft.com/office/drawing/2014/main" id="{7BFCF8A0-A8A8-AC5B-62CA-A9617834AD02}"/>
+              </a:ext>
+            </a:extLst>
+          </p:cNvPr>
+          <p:cNvSpPr txBox="1"/>
+          <p:nvPr/>
+        </p:nvSpPr>
+        <p:spPr>
+          <a:xfrm>
+            <a:off x="8469072" y="14749678"/>
+            <a:ext cx="1257935" cy="230832"/>
+          </a:xfrm>
+          <a:prstGeom prst="rect">
+            <a:avLst/>
+          </a:prstGeom>
+          <a:solidFill>
+            <a:schemeClr val="bg1"/>
+          </a:solidFill>
+        </p:spPr>
+        <p:txBody>
+          <a:bodyPr wrap="square" rtlCol="0">
+            <a:spAutoFit/>
+          </a:bodyPr>
+          <a:lstStyle/>
+          <a:p>
+            <a:r>
+              <a:rPr lang="de-DE" sz="900" i="1">
+                <a:solidFill>
+                  <a:schemeClr val="bg1">
+                    <a:lumMod val="50000"/>
+                  </a:schemeClr>
+                </a:solidFill>
+              </a:rPr>
+              <a:t>x</a:t>
+            </a:r>
+          </a:p>
+        </p:txBody>
+      </p:sp>
+      <p:sp>
+        <p:nvSpPr>
+          <p:cNvPr id="54" name="Textfeld 53">
+            <a:extLst>
+              <a:ext uri="{FF2B5EF4-FFF2-40B4-BE49-F238E27FC236}">
+                <a16:creationId xmlns:a16="http://schemas.microsoft.com/office/drawing/2014/main" id="{B7DC9D02-854D-50C3-BE00-58DF4B4F85C6}"/>
+              </a:ext>
+            </a:extLst>
+          </p:cNvPr>
+          <p:cNvSpPr txBox="1"/>
+          <p:nvPr/>
+        </p:nvSpPr>
+        <p:spPr>
+          <a:xfrm>
+            <a:off x="846477" y="7233752"/>
+            <a:ext cx="2302056" cy="954107"/>
+          </a:xfrm>
+          <a:prstGeom prst="rect">
+            <a:avLst/>
+          </a:prstGeom>
+          <a:noFill/>
+          <a:ln>
+            <a:solidFill>
+              <a:schemeClr val="bg1">
+                <a:lumMod val="50000"/>
+              </a:schemeClr>
+            </a:solidFill>
+          </a:ln>
+        </p:spPr>
+        <p:txBody>
+          <a:bodyPr wrap="square" rtlCol="0">
+            <a:spAutoFit/>
+          </a:bodyPr>
+          <a:lstStyle/>
+          <a:p>
+            <a:r>
+              <a:rPr lang="de-DE" sz="800" u="sng">
+                <a:solidFill>
+                  <a:schemeClr val="tx1">
+                    <a:lumMod val="75000"/>
+                    <a:lumOff val="25000"/>
+                  </a:schemeClr>
+                </a:solidFill>
+              </a:rPr>
+              <a:t>Update properties:</a:t>
+            </a:r>
+          </a:p>
+          <a:p>
+            <a:r>
+              <a:rPr lang="de-DE" sz="800">
+                <a:solidFill>
+                  <a:schemeClr val="tx1">
+                    <a:lumMod val="75000"/>
+                    <a:lumOff val="25000"/>
+                  </a:schemeClr>
+                </a:solidFill>
+              </a:rPr>
+              <a:t>connStat = connection-status from controller</a:t>
+            </a:r>
+          </a:p>
+          <a:p>
+            <a:r>
+              <a:rPr lang="de-DE" sz="800">
+                <a:solidFill>
+                  <a:schemeClr val="tx1">
+                    <a:lumMod val="75000"/>
+                    <a:lumOff val="25000"/>
+                  </a:schemeClr>
+                </a:solidFill>
+              </a:rPr>
+              <a:t>dcTime = current time  (*)</a:t>
+            </a:r>
+          </a:p>
+          <a:p>
+            <a:r>
+              <a:rPr lang="de-DE" sz="800">
+                <a:solidFill>
+                  <a:schemeClr val="tx1">
+                    <a:lumMod val="75000"/>
+                    <a:lumOff val="25000"/>
+                  </a:schemeClr>
+                </a:solidFill>
+              </a:rPr>
+              <a:t>addDevListTime = null</a:t>
+            </a:r>
+          </a:p>
+          <a:p>
+            <a:r>
+              <a:rPr lang="de-DE" sz="800">
+                <a:solidFill>
+                  <a:schemeClr val="tx1">
+                    <a:lumMod val="75000"/>
+                    <a:lumOff val="25000"/>
+                  </a:schemeClr>
+                </a:solidFill>
+              </a:rPr>
+              <a:t>lastCompleteTime = null</a:t>
+            </a:r>
+          </a:p>
+          <a:p>
+            <a:r>
+              <a:rPr lang="de-DE" sz="800">
+                <a:solidFill>
+                  <a:schemeClr val="tx1">
+                    <a:lumMod val="75000"/>
+                    <a:lumOff val="25000"/>
+                  </a:schemeClr>
+                </a:solidFill>
+              </a:rPr>
+              <a:t>lastNotifUpdateTime = null</a:t>
+            </a:r>
+          </a:p>
+          <a:p>
+            <a:r>
+              <a:rPr lang="de-DE" sz="800">
+                <a:solidFill>
+                  <a:schemeClr val="tx1">
+                    <a:lumMod val="75000"/>
+                    <a:lumOff val="25000"/>
+                  </a:schemeClr>
+                </a:solidFill>
+              </a:rPr>
+              <a:t>updateCt = 0</a:t>
+            </a:r>
+          </a:p>
+        </p:txBody>
+      </p:sp>
+      <p:sp>
+        <p:nvSpPr>
+          <p:cNvPr id="57" name="Textfeld 56">
+            <a:extLst>
+              <a:ext uri="{FF2B5EF4-FFF2-40B4-BE49-F238E27FC236}">
+                <a16:creationId xmlns:a16="http://schemas.microsoft.com/office/drawing/2014/main" id="{C0556668-F443-585C-E309-EE70F5EED3AD}"/>
+              </a:ext>
+            </a:extLst>
+          </p:cNvPr>
+          <p:cNvSpPr txBox="1"/>
+          <p:nvPr/>
+        </p:nvSpPr>
+        <p:spPr>
+          <a:xfrm>
+            <a:off x="3574679" y="6793012"/>
+            <a:ext cx="1091282" cy="646331"/>
+          </a:xfrm>
+          <a:prstGeom prst="rect">
+            <a:avLst/>
+          </a:prstGeom>
+          <a:solidFill>
+            <a:schemeClr val="bg1"/>
+          </a:solidFill>
+        </p:spPr>
+        <p:txBody>
+          <a:bodyPr wrap="square" rtlCol="0">
+            <a:spAutoFit/>
+          </a:bodyPr>
+          <a:lstStyle/>
+          <a:p>
+            <a:r>
+              <a:rPr lang="de-DE" sz="900" i="1">
+                <a:solidFill>
+                  <a:schemeClr val="bg1">
+                    <a:lumMod val="50000"/>
+                  </a:schemeClr>
+                </a:solidFill>
+              </a:rPr>
+              <a:t>(*) Actual disconnection time is only approximated</a:t>
+            </a:r>
+          </a:p>
+        </p:txBody>
+      </p:sp>
+      <p:sp>
+        <p:nvSpPr>
+          <p:cNvPr id="58" name="Textfeld 57">
+            <a:extLst>
+              <a:ext uri="{FF2B5EF4-FFF2-40B4-BE49-F238E27FC236}">
+                <a16:creationId xmlns:a16="http://schemas.microsoft.com/office/drawing/2014/main" id="{91A247BC-E95A-383D-A984-BA57BFCC4366}"/>
+              </a:ext>
+            </a:extLst>
+          </p:cNvPr>
+          <p:cNvSpPr txBox="1"/>
+          <p:nvPr/>
+        </p:nvSpPr>
+        <p:spPr>
+          <a:xfrm>
+            <a:off x="957362" y="8575638"/>
+            <a:ext cx="2182008" cy="954107"/>
+          </a:xfrm>
+          <a:prstGeom prst="rect">
+            <a:avLst/>
+          </a:prstGeom>
+          <a:noFill/>
+          <a:ln>
+            <a:solidFill>
+              <a:schemeClr val="bg1">
+                <a:lumMod val="50000"/>
+              </a:schemeClr>
+            </a:solidFill>
+          </a:ln>
+        </p:spPr>
+        <p:txBody>
+          <a:bodyPr wrap="none" rtlCol="0">
+            <a:spAutoFit/>
+          </a:bodyPr>
+          <a:lstStyle/>
+          <a:p>
+            <a:r>
+              <a:rPr lang="de-DE" sz="800">
+                <a:solidFill>
+                  <a:schemeClr val="tx1">
+                    <a:lumMod val="75000"/>
+                    <a:lumOff val="25000"/>
+                  </a:schemeClr>
+                </a:solidFill>
+              </a:rPr>
+              <a:t>connStat = connection-status from controller</a:t>
+            </a:r>
+          </a:p>
+          <a:p>
+            <a:r>
+              <a:rPr lang="de-DE" sz="800">
+                <a:solidFill>
+                  <a:schemeClr val="tx1">
+                    <a:lumMod val="75000"/>
+                    <a:lumOff val="25000"/>
+                  </a:schemeClr>
+                </a:solidFill>
+              </a:rPr>
+              <a:t>dcTime =current time (*)</a:t>
+            </a:r>
+          </a:p>
+          <a:p>
+            <a:r>
+              <a:rPr lang="de-DE" sz="800">
+                <a:solidFill>
+                  <a:schemeClr val="tx1">
+                    <a:lumMod val="75000"/>
+                    <a:lumOff val="25000"/>
+                  </a:schemeClr>
+                </a:solidFill>
+              </a:rPr>
+              <a:t>addDevListTime = null</a:t>
+            </a:r>
+          </a:p>
+          <a:p>
+            <a:r>
+              <a:rPr lang="de-DE" sz="800">
+                <a:solidFill>
+                  <a:schemeClr val="tx1">
+                    <a:lumMod val="75000"/>
+                    <a:lumOff val="25000"/>
+                  </a:schemeClr>
+                </a:solidFill>
+              </a:rPr>
+              <a:t>lastCompleteTime = null</a:t>
+            </a:r>
+          </a:p>
+          <a:p>
+            <a:r>
+              <a:rPr lang="de-DE" sz="800">
+                <a:solidFill>
+                  <a:schemeClr val="tx1">
+                    <a:lumMod val="75000"/>
+                    <a:lumOff val="25000"/>
+                  </a:schemeClr>
+                </a:solidFill>
+              </a:rPr>
+              <a:t>lastNotifUpdateTime = null</a:t>
+            </a:r>
+          </a:p>
+          <a:p>
+            <a:r>
+              <a:rPr lang="de-DE" sz="800">
+                <a:solidFill>
+                  <a:schemeClr val="tx1">
+                    <a:lumMod val="75000"/>
+                    <a:lumOff val="25000"/>
+                  </a:schemeClr>
+                </a:solidFill>
+              </a:rPr>
+              <a:t>updateCt = 0</a:t>
+            </a:r>
+          </a:p>
+          <a:p>
+            <a:r>
+              <a:rPr lang="de-DE" sz="800">
+                <a:solidFill>
+                  <a:schemeClr val="tx1">
+                    <a:lumMod val="75000"/>
+                    <a:lumOff val="25000"/>
+                  </a:schemeClr>
+                </a:solidFill>
+              </a:rPr>
+              <a:t>schemaDir = null </a:t>
+            </a:r>
+          </a:p>
+        </p:txBody>
+      </p:sp>
+      <p:cxnSp>
+        <p:nvCxnSpPr>
+          <p:cNvPr id="60" name="Gerader Verbinder 59">
+            <a:extLst>
+              <a:ext uri="{FF2B5EF4-FFF2-40B4-BE49-F238E27FC236}">
+                <a16:creationId xmlns:a16="http://schemas.microsoft.com/office/drawing/2014/main" id="{9D51AABB-7890-1D3C-38FE-6BC644DA1E49}"/>
+              </a:ext>
+            </a:extLst>
+          </p:cNvPr>
+          <p:cNvCxnSpPr>
+            <a:cxnSpLocks/>
+            <a:stCxn id="57" idx="1"/>
+          </p:cNvCxnSpPr>
+          <p:nvPr/>
+        </p:nvCxnSpPr>
+        <p:spPr>
+          <a:xfrm flipH="1">
+            <a:off x="3148122" y="7116178"/>
+            <a:ext cx="426557" cy="408134"/>
+          </a:xfrm>
+          <a:prstGeom prst="line">
+            <a:avLst/>
+          </a:prstGeom>
+          <a:ln w="9525">
+            <a:solidFill>
+              <a:schemeClr val="bg1">
+                <a:lumMod val="75000"/>
+              </a:schemeClr>
+            </a:solidFill>
+            <a:prstDash val="dash"/>
+          </a:ln>
+        </p:spPr>
+        <p:style>
+          <a:lnRef idx="2">
+            <a:schemeClr val="accent1"/>
+          </a:lnRef>
+          <a:fillRef idx="0">
+            <a:schemeClr val="accent1"/>
+          </a:fillRef>
+          <a:effectRef idx="1">
+            <a:schemeClr val="accent1"/>
+          </a:effectRef>
+          <a:fontRef idx="minor">
+            <a:schemeClr val="tx1"/>
+          </a:fontRef>
+        </p:style>
+      </p:cxnSp>
+      <p:cxnSp>
+        <p:nvCxnSpPr>
+          <p:cNvPr id="61" name="Gerader Verbinder 60">
+            <a:extLst>
+              <a:ext uri="{FF2B5EF4-FFF2-40B4-BE49-F238E27FC236}">
+                <a16:creationId xmlns:a16="http://schemas.microsoft.com/office/drawing/2014/main" id="{DCE5EAEB-3F5C-E5DF-C233-068CD058695A}"/>
+              </a:ext>
+            </a:extLst>
+          </p:cNvPr>
+          <p:cNvCxnSpPr>
+            <a:cxnSpLocks/>
+            <a:stCxn id="57" idx="1"/>
+          </p:cNvCxnSpPr>
+          <p:nvPr/>
+        </p:nvCxnSpPr>
+        <p:spPr>
+          <a:xfrm flipH="1">
+            <a:off x="3148122" y="7116178"/>
+            <a:ext cx="426557" cy="1459460"/>
+          </a:xfrm>
+          <a:prstGeom prst="line">
+            <a:avLst/>
+          </a:prstGeom>
+          <a:ln w="9525">
+            <a:solidFill>
+              <a:schemeClr val="bg1">
+                <a:lumMod val="75000"/>
+              </a:schemeClr>
+            </a:solidFill>
+            <a:prstDash val="dash"/>
+          </a:ln>
+        </p:spPr>
+        <p:style>
+          <a:lnRef idx="2">
+            <a:schemeClr val="accent1"/>
+          </a:lnRef>
+          <a:fillRef idx="0">
+            <a:schemeClr val="accent1"/>
+          </a:fillRef>
+          <a:effectRef idx="1">
+            <a:schemeClr val="accent1"/>
+          </a:effectRef>
+          <a:fontRef idx="minor">
+            <a:schemeClr val="tx1"/>
+          </a:fontRef>
+        </p:style>
+      </p:cxnSp>
+      <p:cxnSp>
+        <p:nvCxnSpPr>
+          <p:cNvPr id="76" name="Gerade Verbindung mit Pfeil 75">
+            <a:extLst>
+              <a:ext uri="{FF2B5EF4-FFF2-40B4-BE49-F238E27FC236}">
+                <a16:creationId xmlns:a16="http://schemas.microsoft.com/office/drawing/2014/main" id="{77ECC698-5DCE-39C1-9477-DD71481A86F5}"/>
+              </a:ext>
+            </a:extLst>
+          </p:cNvPr>
+          <p:cNvCxnSpPr>
+            <a:cxnSpLocks/>
+          </p:cNvCxnSpPr>
+          <p:nvPr/>
+        </p:nvCxnSpPr>
+        <p:spPr>
+          <a:xfrm flipV="1">
+            <a:off x="3202280" y="4998360"/>
+            <a:ext cx="3269389" cy="4757614"/>
+          </a:xfrm>
+          <a:prstGeom prst="straightConnector1">
+            <a:avLst/>
+          </a:prstGeom>
+          <a:ln w="9525">
+            <a:solidFill>
+              <a:schemeClr val="accent5">
+                <a:lumMod val="75000"/>
+              </a:schemeClr>
+            </a:solidFill>
+            <a:prstDash val="dash"/>
+            <a:tailEnd type="triangle"/>
+          </a:ln>
+        </p:spPr>
+        <p:style>
+          <a:lnRef idx="2">
+            <a:schemeClr val="accent1"/>
+          </a:lnRef>
+          <a:fillRef idx="0">
+            <a:schemeClr val="accent1"/>
+          </a:fillRef>
+          <a:effectRef idx="1">
+            <a:schemeClr val="accent1"/>
+          </a:effectRef>
+          <a:fontRef idx="minor">
+            <a:schemeClr val="tx1"/>
+          </a:fontRef>
+        </p:style>
+      </p:cxnSp>
+      <p:cxnSp>
+        <p:nvCxnSpPr>
+          <p:cNvPr id="79" name="Gerade Verbindung mit Pfeil 78">
+            <a:extLst>
+              <a:ext uri="{FF2B5EF4-FFF2-40B4-BE49-F238E27FC236}">
+                <a16:creationId xmlns:a16="http://schemas.microsoft.com/office/drawing/2014/main" id="{E27B2061-C6F8-A646-CB16-7E4023277313}"/>
+              </a:ext>
+            </a:extLst>
+          </p:cNvPr>
+          <p:cNvCxnSpPr>
+            <a:cxnSpLocks/>
+          </p:cNvCxnSpPr>
+          <p:nvPr/>
+        </p:nvCxnSpPr>
+        <p:spPr>
+          <a:xfrm flipV="1">
+            <a:off x="4386360" y="7160992"/>
+            <a:ext cx="2068924" cy="862906"/>
+          </a:xfrm>
+          <a:prstGeom prst="straightConnector1">
+            <a:avLst/>
+          </a:prstGeom>
+          <a:ln w="9525">
+            <a:solidFill>
+              <a:schemeClr val="accent5">
+                <a:lumMod val="75000"/>
+              </a:schemeClr>
+            </a:solidFill>
+            <a:prstDash val="dash"/>
+            <a:tailEnd type="triangle"/>
+          </a:ln>
+        </p:spPr>
+        <p:style>
+          <a:lnRef idx="2">
+            <a:schemeClr val="accent1"/>
+          </a:lnRef>
+          <a:fillRef idx="0">
+            <a:schemeClr val="accent1"/>
+          </a:fillRef>
+          <a:effectRef idx="1">
+            <a:schemeClr val="accent1"/>
+          </a:effectRef>
+          <a:fontRef idx="minor">
+            <a:schemeClr val="tx1"/>
+          </a:fontRef>
+        </p:style>
+      </p:cxnSp>
+      <p:sp>
+        <p:nvSpPr>
+          <p:cNvPr id="96" name="Textfeld 95">
+            <a:extLst>
+              <a:ext uri="{FF2B5EF4-FFF2-40B4-BE49-F238E27FC236}">
+                <a16:creationId xmlns:a16="http://schemas.microsoft.com/office/drawing/2014/main" id="{F016A024-E1FE-1CB0-E2AD-277F342C4FB9}"/>
+              </a:ext>
+            </a:extLst>
+          </p:cNvPr>
+          <p:cNvSpPr txBox="1"/>
+          <p:nvPr/>
+        </p:nvSpPr>
+        <p:spPr>
+          <a:xfrm>
+            <a:off x="9940188" y="1556050"/>
+            <a:ext cx="2883124" cy="430887"/>
+          </a:xfrm>
+          <a:prstGeom prst="rect">
+            <a:avLst/>
+          </a:prstGeom>
+          <a:noFill/>
+          <a:ln>
+            <a:solidFill>
+              <a:srgbClr val="C00000"/>
+            </a:solidFill>
+          </a:ln>
+        </p:spPr>
+        <p:txBody>
+          <a:bodyPr wrap="square" rtlCol="0">
+            <a:spAutoFit/>
+          </a:bodyPr>
+          <a:lstStyle/>
+          <a:p>
+            <a:r>
+              <a:rPr lang="de-DE" sz="1100" i="1">
+                <a:solidFill>
+                  <a:srgbClr val="C00000"/>
+                </a:solidFill>
+              </a:rPr>
+              <a:t>Metadata table updates due to periodic metadata table sync</a:t>
+            </a:r>
+          </a:p>
+        </p:txBody>
+      </p:sp>
+      <p:cxnSp>
+        <p:nvCxnSpPr>
+          <p:cNvPr id="98" name="Gerader Verbinder 97">
+            <a:extLst>
+              <a:ext uri="{FF2B5EF4-FFF2-40B4-BE49-F238E27FC236}">
+                <a16:creationId xmlns:a16="http://schemas.microsoft.com/office/drawing/2014/main" id="{FA6F17D8-7174-CE80-EC30-CD893D65C407}"/>
+              </a:ext>
+            </a:extLst>
+          </p:cNvPr>
+          <p:cNvCxnSpPr/>
+          <p:nvPr/>
+        </p:nvCxnSpPr>
+        <p:spPr>
+          <a:xfrm>
+            <a:off x="3427200" y="3184393"/>
+            <a:ext cx="0" cy="3464127"/>
+          </a:xfrm>
+          <a:prstGeom prst="line">
+            <a:avLst/>
+          </a:prstGeom>
+          <a:ln w="12700">
+            <a:solidFill>
+              <a:schemeClr val="accent5">
+                <a:lumMod val="50000"/>
+              </a:schemeClr>
+            </a:solidFill>
+            <a:prstDash val="sysDot"/>
+          </a:ln>
+        </p:spPr>
+        <p:style>
+          <a:lnRef idx="2">
+            <a:schemeClr val="accent1"/>
+          </a:lnRef>
+          <a:fillRef idx="0">
+            <a:schemeClr val="accent1"/>
+          </a:fillRef>
+          <a:effectRef idx="1">
+            <a:schemeClr val="accent1"/>
+          </a:effectRef>
+          <a:fontRef idx="minor">
+            <a:schemeClr val="tx1"/>
+          </a:fontRef>
+        </p:style>
+      </p:cxnSp>
+      <p:sp>
+        <p:nvSpPr>
+          <p:cNvPr id="3" name="Rechteck 2">
+            <a:extLst>
+              <a:ext uri="{FF2B5EF4-FFF2-40B4-BE49-F238E27FC236}">
+                <a16:creationId xmlns:a16="http://schemas.microsoft.com/office/drawing/2014/main" id="{E1D69767-7FF5-D705-649D-33C9E6F1EC03}"/>
+              </a:ext>
+            </a:extLst>
+          </p:cNvPr>
+          <p:cNvSpPr/>
+          <p:nvPr/>
+        </p:nvSpPr>
+        <p:spPr>
+          <a:xfrm>
+            <a:off x="14117620" y="274320"/>
+            <a:ext cx="1532899" cy="413816"/>
+          </a:xfrm>
+          <a:prstGeom prst="rect">
+            <a:avLst/>
+          </a:prstGeom>
+        </p:spPr>
+        <p:style>
+          <a:lnRef idx="2">
+            <a:schemeClr val="accent5">
+              <a:shade val="15000"/>
+            </a:schemeClr>
+          </a:lnRef>
+          <a:fillRef idx="1">
+            <a:schemeClr val="accent5"/>
+          </a:fillRef>
+          <a:effectRef idx="0">
+            <a:schemeClr val="accent5"/>
+          </a:effectRef>
+          <a:fontRef idx="minor">
+            <a:schemeClr val="lt1"/>
+          </a:fontRef>
+        </p:style>
+        <p:txBody>
+          <a:bodyPr rtlCol="0" anchor="ctr"/>
+          <a:lstStyle/>
+          <a:p>
+            <a:pPr algn="ctr"/>
+            <a:r>
+              <a:rPr lang="de-DE"/>
+              <a:t>MWDI v1.3.0</a:t>
+            </a:r>
+          </a:p>
+        </p:txBody>
+      </p:sp>
+      <p:sp>
+        <p:nvSpPr>
+          <p:cNvPr id="6" name="Textfeld 5">
+            <a:extLst>
+              <a:ext uri="{FF2B5EF4-FFF2-40B4-BE49-F238E27FC236}">
+                <a16:creationId xmlns:a16="http://schemas.microsoft.com/office/drawing/2014/main" id="{17A46516-029A-487A-4E48-450302CE0F53}"/>
+              </a:ext>
+            </a:extLst>
+          </p:cNvPr>
+          <p:cNvSpPr txBox="1"/>
+          <p:nvPr/>
+        </p:nvSpPr>
+        <p:spPr>
+          <a:xfrm>
+            <a:off x="10577175" y="5301950"/>
+            <a:ext cx="1763624" cy="338554"/>
+          </a:xfrm>
+          <a:prstGeom prst="rect">
+            <a:avLst/>
+          </a:prstGeom>
+          <a:noFill/>
+          <a:ln>
+            <a:solidFill>
+              <a:schemeClr val="bg1">
+                <a:lumMod val="50000"/>
+              </a:schemeClr>
+            </a:solidFill>
+          </a:ln>
+        </p:spPr>
+        <p:txBody>
+          <a:bodyPr wrap="none" rtlCol="0">
+            <a:spAutoFit/>
+          </a:bodyPr>
+          <a:lstStyle/>
+          <a:p>
+            <a:r>
+              <a:rPr lang="de-DE" sz="800" u="sng">
+                <a:solidFill>
+                  <a:schemeClr val="tx1">
+                    <a:lumMod val="75000"/>
+                    <a:lumOff val="25000"/>
+                  </a:schemeClr>
+                </a:solidFill>
+              </a:rPr>
+              <a:t>Update property</a:t>
+            </a:r>
+          </a:p>
+          <a:p>
+            <a:r>
+              <a:rPr lang="de-DE" sz="800">
+                <a:solidFill>
+                  <a:schemeClr val="tx1">
+                    <a:lumMod val="75000"/>
+                    <a:lumOff val="25000"/>
+                  </a:schemeClr>
+                </a:solidFill>
+              </a:rPr>
+              <a:t>deviceType = mapped from CC data</a:t>
+            </a:r>
+          </a:p>
+        </p:txBody>
+      </p:sp>
+    </p:spTree>
+    <p:extLst>
+      <p:ext uri="{BB962C8B-B14F-4D97-AF65-F5344CB8AC3E}">
+        <p14:creationId xmlns:p14="http://schemas.microsoft.com/office/powerpoint/2010/main" val="4217530779"/>
+      </p:ext>
+    </p:extLst>
+  </p:cSld>
+  <p:clrMapOvr>
+    <a:masterClrMapping/>
+  </p:clrMapOvr>
+</p:sld>
+</file>
+
+<file path=ppt/slides/slide3.xml><?xml version="1.0" encoding="utf-8"?>
+<p:sld xmlns:a="http://schemas.openxmlformats.org/drawingml/2006/main" xmlns:r="http://schemas.openxmlformats.org/officeDocument/2006/relationships" xmlns:p="http://schemas.openxmlformats.org/presentationml/2006/main">
+  <p:cSld>
+    <p:spTree>
+      <p:nvGrpSpPr>
+        <p:cNvPr id="1" name=""/>
+        <p:cNvGrpSpPr/>
+        <p:nvPr/>
+      </p:nvGrpSpPr>
+      <p:grpSpPr>
+        <a:xfrm>
+          <a:off x="0" y="0"/>
+          <a:ext cx="0" cy="0"/>
+          <a:chOff x="0" y="0"/>
+          <a:chExt cx="0" cy="0"/>
+        </a:xfrm>
+      </p:grpSpPr>
+      <p:graphicFrame>
+        <p:nvGraphicFramePr>
+          <p:cNvPr id="4" name="Tabelle 3">
+            <a:extLst>
+              <a:ext uri="{FF2B5EF4-FFF2-40B4-BE49-F238E27FC236}">
+                <a16:creationId xmlns:a16="http://schemas.microsoft.com/office/drawing/2014/main" id="{DB033A91-99C9-2A9C-8811-F479AB1BA229}"/>
+              </a:ext>
+            </a:extLst>
+          </p:cNvPr>
+          <p:cNvGraphicFramePr>
+            <a:graphicFrameLocks noGrp="1"/>
+          </p:cNvGraphicFramePr>
+          <p:nvPr>
+            <p:extLst>
+              <p:ext uri="{D42A27DB-BD31-4B8C-83A1-F6EECF244321}">
+                <p14:modId xmlns:p14="http://schemas.microsoft.com/office/powerpoint/2010/main" val="3845858277"/>
+              </p:ext>
+            </p:extLst>
+          </p:nvPr>
+        </p:nvGraphicFramePr>
+        <p:xfrm>
+          <a:off x="317499" y="536786"/>
+          <a:ext cx="11129187" cy="4053840"/>
+        </p:xfrm>
+        <a:graphic>
+          <a:graphicData uri="http://schemas.openxmlformats.org/drawingml/2006/table">
+            <a:tbl>
+              <a:tblPr firstRow="1" bandRow="1">
+                <a:tableStyleId>{5C22544A-7EE6-4342-B048-85BDC9FD1C3A}</a:tableStyleId>
+              </a:tblPr>
+              <a:tblGrid>
+                <a:gridCol w="4897174">
+                  <a:extLst>
+                    <a:ext uri="{9D8B030D-6E8A-4147-A177-3AD203B41FA5}">
+                      <a16:colId xmlns:a16="http://schemas.microsoft.com/office/drawing/2014/main" val="1973923140"/>
+                    </a:ext>
+                  </a:extLst>
+                </a:gridCol>
+                <a:gridCol w="1846224">
+                  <a:extLst>
+                    <a:ext uri="{9D8B030D-6E8A-4147-A177-3AD203B41FA5}">
+                      <a16:colId xmlns:a16="http://schemas.microsoft.com/office/drawing/2014/main" val="934169871"/>
+                    </a:ext>
+                  </a:extLst>
+                </a:gridCol>
+                <a:gridCol w="4385789">
+                  <a:extLst>
+                    <a:ext uri="{9D8B030D-6E8A-4147-A177-3AD203B41FA5}">
+                      <a16:colId xmlns:a16="http://schemas.microsoft.com/office/drawing/2014/main" val="2420230584"/>
+                    </a:ext>
+                  </a:extLst>
+                </a:gridCol>
+              </a:tblGrid>
+              <a:tr h="370840">
+                <a:tc>
+                  <a:txBody>
+                    <a:bodyPr/>
+                    <a:lstStyle/>
+                    <a:p>
+                      <a:r>
+                        <a:rPr lang="de-DE" sz="1200"/>
+                        <a:t>Column</a:t>
+                      </a:r>
+                    </a:p>
+                  </a:txBody>
+                  <a:tcPr/>
+                </a:tc>
+                <a:tc>
+                  <a:txBody>
+                    <a:bodyPr/>
+                    <a:lstStyle/>
+                    <a:p>
+                      <a:r>
+                        <a:rPr lang="de-DE" sz="1200"/>
+                        <a:t>Type</a:t>
+                      </a:r>
+                    </a:p>
+                  </a:txBody>
+                  <a:tcPr/>
+                </a:tc>
+                <a:tc>
+                  <a:txBody>
+                    <a:bodyPr/>
+                    <a:lstStyle/>
+                    <a:p>
+                      <a:r>
+                        <a:rPr lang="de-DE" sz="1200"/>
+                        <a:t>Updates based on</a:t>
+                      </a:r>
+                    </a:p>
+                  </a:txBody>
+                  <a:tcPr/>
+                </a:tc>
+                <a:extLst>
+                  <a:ext uri="{0D108BD9-81ED-4DB2-BD59-A6C34878D82A}">
+                    <a16:rowId xmlns:a16="http://schemas.microsoft.com/office/drawing/2014/main" val="2334020561"/>
+                  </a:ext>
+                </a:extLst>
+              </a:tr>
+              <a:tr h="370840">
+                <a:tc>
+                  <a:txBody>
+                    <a:bodyPr/>
+                    <a:lstStyle/>
+                    <a:p>
+                      <a:r>
+                        <a:rPr lang="de-DE" sz="1200"/>
+                        <a:t>mount-name</a:t>
+                      </a:r>
+                    </a:p>
+                  </a:txBody>
+                  <a:tcPr/>
+                </a:tc>
+                <a:tc>
+                  <a:txBody>
+                    <a:bodyPr/>
+                    <a:lstStyle/>
+                    <a:p>
+                      <a:r>
+                        <a:rPr lang="de-DE" sz="1200"/>
+                        <a:t>string</a:t>
+                      </a:r>
+                    </a:p>
+                  </a:txBody>
+                  <a:tcPr/>
+                </a:tc>
+                <a:tc>
+                  <a:txBody>
+                    <a:bodyPr/>
+                    <a:lstStyle/>
+                    <a:p>
+                      <a:r>
+                        <a:rPr lang="de-DE" sz="1200"/>
+                        <a:t>periodic sync, notification</a:t>
+                      </a:r>
+                    </a:p>
+                  </a:txBody>
+                  <a:tcPr/>
+                </a:tc>
+                <a:extLst>
+                  <a:ext uri="{0D108BD9-81ED-4DB2-BD59-A6C34878D82A}">
+                    <a16:rowId xmlns:a16="http://schemas.microsoft.com/office/drawing/2014/main" val="625363744"/>
+                  </a:ext>
+                </a:extLst>
+              </a:tr>
+              <a:tr h="370840">
+                <a:tc>
+                  <a:txBody>
+                    <a:bodyPr/>
+                    <a:lstStyle/>
+                    <a:p>
+                      <a:r>
+                        <a:rPr lang="de-DE" sz="1200"/>
+                        <a:t>connection-status</a:t>
+                      </a:r>
+                    </a:p>
+                  </a:txBody>
+                  <a:tcPr/>
+                </a:tc>
+                <a:tc>
+                  <a:txBody>
+                    <a:bodyPr/>
+                    <a:lstStyle/>
+                    <a:p>
+                      <a:r>
+                        <a:rPr lang="de-DE" sz="1200"/>
+                        <a:t>string</a:t>
+                      </a:r>
+                    </a:p>
+                  </a:txBody>
+                  <a:tcPr/>
+                </a:tc>
+                <a:tc>
+                  <a:txBody>
+                    <a:bodyPr/>
+                    <a:lstStyle/>
+                    <a:p>
+                      <a:pPr marL="0" marR="0" lvl="0" indent="0" algn="l" defTabSz="914400" rtl="0" eaLnBrk="1" fontAlgn="auto" latinLnBrk="0" hangingPunct="1">
+                        <a:lnSpc>
+                          <a:spcPct val="100000"/>
+                        </a:lnSpc>
+                        <a:spcBef>
+                          <a:spcPts val="0"/>
+                        </a:spcBef>
+                        <a:spcAft>
+                          <a:spcPts val="0"/>
+                        </a:spcAft>
+                        <a:buClrTx/>
+                        <a:buSzTx/>
+                        <a:buFontTx/>
+                        <a:buNone/>
+                        <a:tabLst/>
+                        <a:defRPr/>
+                      </a:pPr>
+                      <a:r>
+                        <a:rPr lang="de-DE" sz="1200"/>
+                        <a:t>periodic sync, notification</a:t>
+                      </a:r>
+                    </a:p>
+                    <a:p>
+                      <a:endParaRPr lang="de-DE" sz="1200"/>
+                    </a:p>
+                  </a:txBody>
+                  <a:tcPr/>
+                </a:tc>
+                <a:extLst>
+                  <a:ext uri="{0D108BD9-81ED-4DB2-BD59-A6C34878D82A}">
+                    <a16:rowId xmlns:a16="http://schemas.microsoft.com/office/drawing/2014/main" val="1158804284"/>
+                  </a:ext>
+                </a:extLst>
+              </a:tr>
+              <a:tr h="370840">
+                <a:tc>
+                  <a:txBody>
+                    <a:bodyPr/>
+                    <a:lstStyle/>
+                    <a:p>
+                      <a:r>
+                        <a:rPr lang="de-DE" sz="1200"/>
+                        <a:t>changed-to-disconnected-time</a:t>
+                      </a:r>
+                    </a:p>
+                  </a:txBody>
+                  <a:tcPr/>
+                </a:tc>
+                <a:tc>
+                  <a:txBody>
+                    <a:bodyPr/>
+                    <a:lstStyle/>
+                    <a:p>
+                      <a:r>
+                        <a:rPr lang="de-DE" sz="1200"/>
+                        <a:t>string, timestamp</a:t>
+                      </a:r>
+                    </a:p>
+                  </a:txBody>
+                  <a:tcPr/>
+                </a:tc>
+                <a:tc>
+                  <a:txBody>
+                    <a:bodyPr/>
+                    <a:lstStyle/>
+                    <a:p>
+                      <a:pPr marL="0" marR="0" lvl="0" indent="0" algn="l" defTabSz="914400" rtl="0" eaLnBrk="1" fontAlgn="auto" latinLnBrk="0" hangingPunct="1">
+                        <a:lnSpc>
+                          <a:spcPct val="100000"/>
+                        </a:lnSpc>
+                        <a:spcBef>
+                          <a:spcPts val="0"/>
+                        </a:spcBef>
+                        <a:spcAft>
+                          <a:spcPts val="0"/>
+                        </a:spcAft>
+                        <a:buClrTx/>
+                        <a:buSzTx/>
+                        <a:buFontTx/>
+                        <a:buNone/>
+                        <a:tabLst/>
+                        <a:defRPr/>
+                      </a:pPr>
+                      <a:r>
+                        <a:rPr lang="de-DE" sz="1200"/>
+                        <a:t>periodic sync, notification</a:t>
+                      </a:r>
+                    </a:p>
+                    <a:p>
+                      <a:endParaRPr lang="de-DE" sz="1200"/>
+                    </a:p>
+                  </a:txBody>
+                  <a:tcPr/>
+                </a:tc>
+                <a:extLst>
+                  <a:ext uri="{0D108BD9-81ED-4DB2-BD59-A6C34878D82A}">
+                    <a16:rowId xmlns:a16="http://schemas.microsoft.com/office/drawing/2014/main" val="3795152502"/>
+                  </a:ext>
+                </a:extLst>
+              </a:tr>
+              <a:tr h="370840">
+                <a:tc>
+                  <a:txBody>
+                    <a:bodyPr/>
+                    <a:lstStyle/>
+                    <a:p>
+                      <a:r>
+                        <a:rPr lang="de-DE" sz="1200"/>
+                        <a:t>added-to-device-list-time</a:t>
+                      </a:r>
+                    </a:p>
+                  </a:txBody>
+                  <a:tcPr/>
+                </a:tc>
+                <a:tc>
+                  <a:txBody>
+                    <a:bodyPr/>
+                    <a:lstStyle/>
+                    <a:p>
+                      <a:r>
+                        <a:rPr lang="de-DE" sz="1200"/>
+                        <a:t>string, timestamp</a:t>
+                      </a:r>
+                    </a:p>
+                  </a:txBody>
+                  <a:tcPr/>
+                </a:tc>
+                <a:tc>
+                  <a:txBody>
+                    <a:bodyPr/>
+                    <a:lstStyle/>
+                    <a:p>
+                      <a:pPr marL="0" marR="0" lvl="0" indent="0" algn="l" defTabSz="914400" rtl="0" eaLnBrk="1" fontAlgn="auto" latinLnBrk="0" hangingPunct="1">
+                        <a:lnSpc>
+                          <a:spcPct val="100000"/>
+                        </a:lnSpc>
+                        <a:spcBef>
+                          <a:spcPts val="0"/>
+                        </a:spcBef>
+                        <a:spcAft>
+                          <a:spcPts val="0"/>
+                        </a:spcAft>
+                        <a:buClrTx/>
+                        <a:buSzTx/>
+                        <a:buFontTx/>
+                        <a:buNone/>
+                        <a:tabLst/>
+                        <a:defRPr/>
+                      </a:pPr>
+                      <a:r>
+                        <a:rPr lang="de-DE" sz="1200"/>
+                        <a:t>periodic sync, notification</a:t>
+                      </a:r>
+                    </a:p>
+                    <a:p>
+                      <a:endParaRPr lang="de-DE" sz="1200"/>
+                    </a:p>
+                  </a:txBody>
+                  <a:tcPr/>
+                </a:tc>
+                <a:extLst>
+                  <a:ext uri="{0D108BD9-81ED-4DB2-BD59-A6C34878D82A}">
+                    <a16:rowId xmlns:a16="http://schemas.microsoft.com/office/drawing/2014/main" val="1915236450"/>
+                  </a:ext>
+                </a:extLst>
+              </a:tr>
+              <a:tr h="370840">
+                <a:tc>
+                  <a:txBody>
+                    <a:bodyPr/>
+                    <a:lstStyle/>
+                    <a:p>
+                      <a:r>
+                        <a:rPr lang="de-DE" sz="1200"/>
+                        <a:t>last-complete-control-construct-update-time</a:t>
+                      </a:r>
+                    </a:p>
+                  </a:txBody>
+                  <a:tcPr/>
+                </a:tc>
+                <a:tc>
+                  <a:txBody>
+                    <a:bodyPr/>
+                    <a:lstStyle/>
+                    <a:p>
+                      <a:r>
+                        <a:rPr lang="de-DE" sz="1200"/>
+                        <a:t>string, timestamp</a:t>
+                      </a:r>
+                    </a:p>
+                  </a:txBody>
+                  <a:tcPr/>
+                </a:tc>
+                <a:tc>
+                  <a:txBody>
+                    <a:bodyPr/>
+                    <a:lstStyle/>
+                    <a:p>
+                      <a:r>
+                        <a:rPr lang="de-DE" sz="1200"/>
+                        <a:t>periodic CC retrieval by slidingWindow,</a:t>
+                      </a:r>
+                    </a:p>
+                    <a:p>
+                      <a:r>
+                        <a:rPr lang="de-DE" sz="1200"/>
+                        <a:t>periodic CC retrieval by quality measurement cycle</a:t>
+                      </a:r>
+                    </a:p>
+                  </a:txBody>
+                  <a:tcPr/>
+                </a:tc>
+                <a:extLst>
+                  <a:ext uri="{0D108BD9-81ED-4DB2-BD59-A6C34878D82A}">
+                    <a16:rowId xmlns:a16="http://schemas.microsoft.com/office/drawing/2014/main" val="4128198377"/>
+                  </a:ext>
+                </a:extLst>
+              </a:tr>
+              <a:tr h="370840">
+                <a:tc>
+                  <a:txBody>
+                    <a:bodyPr/>
+                    <a:lstStyle/>
+                    <a:p>
+                      <a:r>
+                        <a:rPr lang="de-DE" sz="1200"/>
+                        <a:t>last-control-construct-notification-update-time</a:t>
+                      </a:r>
+                    </a:p>
+                  </a:txBody>
+                  <a:tcPr/>
+                </a:tc>
+                <a:tc>
+                  <a:txBody>
+                    <a:bodyPr/>
+                    <a:lstStyle/>
+                    <a:p>
+                      <a:r>
+                        <a:rPr lang="de-DE" sz="1200"/>
+                        <a:t>string, timestamp</a:t>
+                      </a:r>
+                    </a:p>
+                  </a:txBody>
+                  <a:tcPr/>
+                </a:tc>
+                <a:tc>
+                  <a:txBody>
+                    <a:bodyPr/>
+                    <a:lstStyle/>
+                    <a:p>
+                      <a:r>
+                        <a:rPr lang="de-DE" sz="1200"/>
+                        <a:t>notification</a:t>
+                      </a:r>
+                    </a:p>
+                  </a:txBody>
+                  <a:tcPr/>
+                </a:tc>
+                <a:extLst>
+                  <a:ext uri="{0D108BD9-81ED-4DB2-BD59-A6C34878D82A}">
+                    <a16:rowId xmlns:a16="http://schemas.microsoft.com/office/drawing/2014/main" val="3885316261"/>
+                  </a:ext>
+                </a:extLst>
+              </a:tr>
+              <a:tr h="370840">
+                <a:tc>
+                  <a:txBody>
+                    <a:bodyPr/>
+                    <a:lstStyle/>
+                    <a:p>
+                      <a:r>
+                        <a:rPr lang="de-DE" sz="1200"/>
+                        <a:t>number-of-partial-updates-since-last-complete-update</a:t>
+                      </a:r>
+                    </a:p>
+                  </a:txBody>
+                  <a:tcPr/>
+                </a:tc>
+                <a:tc>
+                  <a:txBody>
+                    <a:bodyPr/>
+                    <a:lstStyle/>
+                    <a:p>
+                      <a:r>
+                        <a:rPr lang="de-DE" sz="1200"/>
+                        <a:t>integer</a:t>
+                      </a:r>
+                    </a:p>
+                  </a:txBody>
+                  <a:tcPr/>
+                </a:tc>
+                <a:tc>
+                  <a:txBody>
+                    <a:bodyPr/>
+                    <a:lstStyle/>
+                    <a:p>
+                      <a:r>
+                        <a:rPr lang="de-DE" sz="1200"/>
+                        <a:t>notification</a:t>
+                      </a:r>
+                    </a:p>
+                  </a:txBody>
+                  <a:tcPr/>
+                </a:tc>
+                <a:extLst>
+                  <a:ext uri="{0D108BD9-81ED-4DB2-BD59-A6C34878D82A}">
+                    <a16:rowId xmlns:a16="http://schemas.microsoft.com/office/drawing/2014/main" val="2030681551"/>
+                  </a:ext>
+                </a:extLst>
+              </a:tr>
+              <a:tr h="370840">
+                <a:tc>
+                  <a:txBody>
+                    <a:bodyPr/>
+                    <a:lstStyle/>
+                    <a:p>
+                      <a:r>
+                        <a:rPr lang="de-DE" sz="1200"/>
+                        <a:t>schema-cache-directory</a:t>
+                      </a:r>
+                    </a:p>
+                  </a:txBody>
+                  <a:tcPr/>
+                </a:tc>
+                <a:tc>
+                  <a:txBody>
+                    <a:bodyPr/>
+                    <a:lstStyle/>
+                    <a:p>
+                      <a:r>
+                        <a:rPr lang="de-DE" sz="1200"/>
+                        <a:t>string</a:t>
+                      </a:r>
+                    </a:p>
+                  </a:txBody>
+                  <a:tcPr/>
+                </a:tc>
+                <a:tc>
+                  <a:txBody>
+                    <a:bodyPr/>
+                    <a:lstStyle/>
+                    <a:p>
+                      <a:r>
+                        <a:rPr lang="de-DE" sz="1200"/>
+                        <a:t>periodic sync</a:t>
+                      </a:r>
+                    </a:p>
+                  </a:txBody>
+                  <a:tcPr/>
+                </a:tc>
+                <a:extLst>
+                  <a:ext uri="{0D108BD9-81ED-4DB2-BD59-A6C34878D82A}">
+                    <a16:rowId xmlns:a16="http://schemas.microsoft.com/office/drawing/2014/main" val="3589919307"/>
+                  </a:ext>
+                </a:extLst>
+              </a:tr>
+              <a:tr h="370840">
+                <a:tc>
+                  <a:txBody>
+                    <a:bodyPr/>
+                    <a:lstStyle/>
+                    <a:p>
+                      <a:r>
+                        <a:rPr lang="de-DE" sz="1200"/>
+                        <a:t>device-type</a:t>
+                      </a:r>
+                    </a:p>
+                  </a:txBody>
+                  <a:tcPr/>
+                </a:tc>
+                <a:tc>
+                  <a:txBody>
+                    <a:bodyPr/>
+                    <a:lstStyle/>
+                    <a:p>
+                      <a:r>
+                        <a:rPr lang="de-DE" sz="1200"/>
+                        <a:t>string</a:t>
+                      </a:r>
+                    </a:p>
+                  </a:txBody>
+                  <a:tcPr/>
+                </a:tc>
+                <a:tc>
+                  <a:txBody>
+                    <a:bodyPr/>
+                    <a:lstStyle/>
+                    <a:p>
+                      <a:r>
+                        <a:rPr lang="de-DE" sz="1200"/>
+                        <a:t>periodic sync</a:t>
+                      </a:r>
+                    </a:p>
+                  </a:txBody>
+                  <a:tcPr/>
+                </a:tc>
+                <a:extLst>
+                  <a:ext uri="{0D108BD9-81ED-4DB2-BD59-A6C34878D82A}">
+                    <a16:rowId xmlns:a16="http://schemas.microsoft.com/office/drawing/2014/main" val="336995638"/>
+                  </a:ext>
+                </a:extLst>
+              </a:tr>
+            </a:tbl>
+          </a:graphicData>
+        </a:graphic>
+      </p:graphicFrame>
+      <p:sp>
+        <p:nvSpPr>
+          <p:cNvPr id="5" name="Textfeld 4">
+            <a:extLst>
+              <a:ext uri="{FF2B5EF4-FFF2-40B4-BE49-F238E27FC236}">
+                <a16:creationId xmlns:a16="http://schemas.microsoft.com/office/drawing/2014/main" id="{DDD8C17A-8806-8ECF-BB5E-66DAB9EF3F14}"/>
+              </a:ext>
+            </a:extLst>
+          </p:cNvPr>
+          <p:cNvSpPr txBox="1"/>
+          <p:nvPr/>
+        </p:nvSpPr>
+        <p:spPr>
+          <a:xfrm>
+            <a:off x="0" y="0"/>
+            <a:ext cx="12192000" cy="369332"/>
+          </a:xfrm>
+          <a:prstGeom prst="rect">
+            <a:avLst/>
+          </a:prstGeom>
+          <a:solidFill>
+            <a:srgbClr val="002060"/>
+          </a:solidFill>
+        </p:spPr>
+        <p:txBody>
+          <a:bodyPr wrap="square" rtlCol="0">
+            <a:spAutoFit/>
+          </a:bodyPr>
+          <a:lstStyle/>
+          <a:p>
+            <a:r>
+              <a:rPr lang="de-DE">
+                <a:solidFill>
+                  <a:schemeClr val="bg1"/>
+                </a:solidFill>
+              </a:rPr>
+              <a:t>Table columns</a:t>
+            </a:r>
+          </a:p>
+        </p:txBody>
+      </p:sp>
+    </p:spTree>
+    <p:extLst>
+      <p:ext uri="{BB962C8B-B14F-4D97-AF65-F5344CB8AC3E}">
+        <p14:creationId xmlns:p14="http://schemas.microsoft.com/office/powerpoint/2010/main" val="1795366189"/>
+      </p:ext>
+    </p:extLst>
+  </p:cSld>
+  <p:clrMapOvr>
+    <a:masterClrMapping/>
+  </p:clrMapOvr>
+</p:sld>
+</file>
+
+<file path=ppt/slides/slide4.xml><?xml version="1.0" encoding="utf-8"?>
+<p:sld xmlns:a="http://schemas.openxmlformats.org/drawingml/2006/main" xmlns:r="http://schemas.openxmlformats.org/officeDocument/2006/relationships" xmlns:p="http://schemas.openxmlformats.org/presentationml/2006/main">
+  <p:cSld>
+    <p:spTree>
+      <p:nvGrpSpPr>
+        <p:cNvPr id="1" name=""/>
+        <p:cNvGrpSpPr/>
+        <p:nvPr/>
+      </p:nvGrpSpPr>
+      <p:grpSpPr>
+        <a:xfrm>
+          <a:off x="0" y="0"/>
+          <a:ext cx="0" cy="0"/>
+          <a:chOff x="0" y="0"/>
+          <a:chExt cx="0" cy="0"/>
+        </a:xfrm>
+      </p:grpSpPr>
+      <p:sp>
+        <p:nvSpPr>
+          <p:cNvPr id="4" name="Rechteck 3">
+            <a:extLst>
+              <a:ext uri="{FF2B5EF4-FFF2-40B4-BE49-F238E27FC236}">
+                <a16:creationId xmlns:a16="http://schemas.microsoft.com/office/drawing/2014/main" id="{F464661C-4935-14AE-EDCB-C40A7BCD2332}"/>
+              </a:ext>
+            </a:extLst>
+          </p:cNvPr>
+          <p:cNvSpPr/>
+          <p:nvPr/>
+        </p:nvSpPr>
+        <p:spPr>
+          <a:xfrm>
+            <a:off x="203200" y="0"/>
+            <a:ext cx="10147300" cy="327048"/>
+          </a:xfrm>
+          <a:prstGeom prst="rect">
+            <a:avLst/>
+          </a:prstGeom>
+        </p:spPr>
+        <p:style>
+          <a:lnRef idx="2">
+            <a:schemeClr val="accent1">
+              <a:shade val="15000"/>
+            </a:schemeClr>
+          </a:lnRef>
+          <a:fillRef idx="1">
+            <a:schemeClr val="accent1"/>
+          </a:fillRef>
+          <a:effectRef idx="0">
+            <a:schemeClr val="accent1"/>
+          </a:effectRef>
+          <a:fontRef idx="minor">
+            <a:schemeClr val="lt1"/>
+          </a:fontRef>
+        </p:style>
+        <p:txBody>
+          <a:bodyPr rtlCol="0" anchor="ctr"/>
+          <a:lstStyle/>
+          <a:p>
+            <a:pPr algn="ctr"/>
+            <a:r>
+              <a:rPr lang="de-DE"/>
+              <a:t>MWDI deviceList &amp; metadata table</a:t>
+            </a:r>
+          </a:p>
+        </p:txBody>
+      </p:sp>
+      <p:sp>
+        <p:nvSpPr>
+          <p:cNvPr id="5" name="Rechteck: abgerundete Ecken 4">
+            <a:extLst>
+              <a:ext uri="{FF2B5EF4-FFF2-40B4-BE49-F238E27FC236}">
+                <a16:creationId xmlns:a16="http://schemas.microsoft.com/office/drawing/2014/main" id="{52AA7FA5-C085-79F2-0107-E0EA0612820E}"/>
+              </a:ext>
+            </a:extLst>
+          </p:cNvPr>
+          <p:cNvSpPr/>
+          <p:nvPr/>
+        </p:nvSpPr>
+        <p:spPr>
+          <a:xfrm>
+            <a:off x="347072" y="640747"/>
+            <a:ext cx="4191556" cy="5576506"/>
+          </a:xfrm>
+          <a:prstGeom prst="roundRect">
+            <a:avLst>
+              <a:gd name="adj" fmla="val 3132"/>
+            </a:avLst>
+          </a:prstGeom>
+          <a:gradFill>
+            <a:gsLst>
+              <a:gs pos="26000">
+                <a:srgbClr val="DDEEFB"/>
+              </a:gs>
+              <a:gs pos="79000">
+                <a:srgbClr val="CEE7FA"/>
+              </a:gs>
+              <a:gs pos="100000">
+                <a:schemeClr val="accent4">
+                  <a:lumMod val="105000"/>
+                  <a:satMod val="109000"/>
+                  <a:tint val="81000"/>
+                </a:schemeClr>
+              </a:gs>
+            </a:gsLst>
+          </a:gradFill>
+          <a:ln>
+            <a:solidFill>
+              <a:srgbClr val="002060"/>
+            </a:solidFill>
+          </a:ln>
+        </p:spPr>
+        <p:style>
+          <a:lnRef idx="1">
+            <a:schemeClr val="accent4"/>
+          </a:lnRef>
+          <a:fillRef idx="2">
+            <a:schemeClr val="accent4"/>
+          </a:fillRef>
+          <a:effectRef idx="1">
+            <a:schemeClr val="accent4"/>
+          </a:effectRef>
+          <a:fontRef idx="minor">
+            <a:schemeClr val="dk1"/>
+          </a:fontRef>
+        </p:style>
+        <p:txBody>
+          <a:bodyPr rtlCol="0" anchor="ctr"/>
+          <a:lstStyle/>
+          <a:p>
+            <a:pPr algn="ctr"/>
+            <a:endParaRPr lang="de-DE">
+              <a:solidFill>
+                <a:schemeClr val="dk1"/>
+              </a:solidFill>
+            </a:endParaRPr>
+          </a:p>
+        </p:txBody>
+      </p:sp>
+      <p:sp>
+        <p:nvSpPr>
+          <p:cNvPr id="6" name="Textfeld 5">
+            <a:extLst>
+              <a:ext uri="{FF2B5EF4-FFF2-40B4-BE49-F238E27FC236}">
+                <a16:creationId xmlns:a16="http://schemas.microsoft.com/office/drawing/2014/main" id="{441CD519-2B66-00F3-C4CE-00F8A60F9D95}"/>
+              </a:ext>
+            </a:extLst>
+          </p:cNvPr>
+          <p:cNvSpPr txBox="1"/>
+          <p:nvPr/>
+        </p:nvSpPr>
+        <p:spPr>
+          <a:xfrm>
+            <a:off x="377107" y="640747"/>
+            <a:ext cx="4131486" cy="5539978"/>
+          </a:xfrm>
+          <a:prstGeom prst="rect">
+            <a:avLst/>
+          </a:prstGeom>
+          <a:noFill/>
+        </p:spPr>
+        <p:txBody>
+          <a:bodyPr wrap="square" rtlCol="0">
+            <a:spAutoFit/>
+          </a:bodyPr>
+          <a:lstStyle/>
+          <a:p>
+            <a:r>
+              <a:rPr lang="de-DE" sz="1400" b="1">
+                <a:solidFill>
+                  <a:srgbClr val="002060"/>
+                </a:solidFill>
+              </a:rPr>
+              <a:t>DeviceList</a:t>
+            </a:r>
+          </a:p>
+          <a:p>
+            <a:endParaRPr lang="de-DE" sz="1200"/>
+          </a:p>
+          <a:p>
+            <a:pPr marL="285750" indent="-285750">
+              <a:buFont typeface="Arial" panose="020B0604020202020204" pitchFamily="34" charset="0"/>
+              <a:buChar char="•"/>
+            </a:pPr>
+            <a:r>
+              <a:rPr lang="de-DE" sz="1200"/>
+              <a:t>Contains </a:t>
+            </a:r>
+            <a:r>
+              <a:rPr lang="de-DE" sz="1200" b="1"/>
+              <a:t>only devices </a:t>
+            </a:r>
+            <a:r>
+              <a:rPr lang="de-DE" sz="1200"/>
+              <a:t>which are </a:t>
+            </a:r>
+            <a:r>
+              <a:rPr lang="de-DE" sz="1200" b="1"/>
+              <a:t>in connected state </a:t>
+            </a:r>
+            <a:r>
+              <a:rPr lang="de-DE" sz="1200"/>
+              <a:t>on the Controller</a:t>
+            </a:r>
+          </a:p>
+          <a:p>
+            <a:pPr marL="285750" indent="-285750">
+              <a:buFont typeface="Arial" panose="020B0604020202020204" pitchFamily="34" charset="0"/>
+              <a:buChar char="•"/>
+            </a:pPr>
+            <a:r>
+              <a:rPr lang="de-DE" sz="1200" b="1"/>
+              <a:t>MWDI</a:t>
+            </a:r>
+            <a:r>
+              <a:rPr lang="de-DE" sz="1200"/>
+              <a:t> </a:t>
+            </a:r>
+            <a:r>
+              <a:rPr lang="de-DE" sz="1200" b="1"/>
+              <a:t>stores</a:t>
+            </a:r>
+            <a:r>
+              <a:rPr lang="de-DE" sz="1200"/>
+              <a:t> the controlConstructs (</a:t>
+            </a:r>
+            <a:r>
+              <a:rPr lang="de-DE" sz="1200" b="1"/>
+              <a:t>CCs</a:t>
+            </a:r>
+            <a:r>
+              <a:rPr lang="de-DE" sz="1200"/>
+              <a:t>) </a:t>
+            </a:r>
+            <a:r>
+              <a:rPr lang="de-DE" sz="1200" b="1"/>
+              <a:t>of all devices in the deviceList</a:t>
+            </a:r>
+            <a:r>
+              <a:rPr lang="de-DE" sz="1200"/>
+              <a:t> in its cache</a:t>
+            </a:r>
+          </a:p>
+          <a:p>
+            <a:endParaRPr lang="de-DE" sz="1200"/>
+          </a:p>
+          <a:p>
+            <a:r>
+              <a:rPr lang="de-DE" sz="1200" b="1" u="sng"/>
+              <a:t>DeviceList Update</a:t>
+            </a:r>
+          </a:p>
+          <a:p>
+            <a:pPr marL="285750" indent="-285750">
+              <a:buFont typeface="Arial" panose="020B0604020202020204" pitchFamily="34" charset="0"/>
+              <a:buChar char="•"/>
+            </a:pPr>
+            <a:r>
+              <a:rPr lang="de-DE" sz="1200"/>
+              <a:t>deviceList is </a:t>
+            </a:r>
+            <a:r>
+              <a:rPr lang="de-DE" sz="1200" b="1"/>
+              <a:t>periodically</a:t>
+            </a:r>
+            <a:r>
+              <a:rPr lang="de-DE" sz="1200"/>
+              <a:t> </a:t>
+            </a:r>
+            <a:r>
+              <a:rPr lang="de-DE" sz="1200" b="1"/>
+              <a:t>synced</a:t>
+            </a:r>
+            <a:r>
+              <a:rPr lang="de-DE" sz="1200"/>
+              <a:t> with Controller </a:t>
+            </a:r>
+            <a:r>
+              <a:rPr lang="de-DE" sz="1200" b="1"/>
+              <a:t>&amp;</a:t>
+            </a:r>
+            <a:r>
+              <a:rPr lang="de-DE" sz="1200"/>
+              <a:t> also </a:t>
+            </a:r>
+            <a:r>
+              <a:rPr lang="de-DE" sz="1200" b="1"/>
+              <a:t>updated by related notifications</a:t>
+            </a:r>
+          </a:p>
+          <a:p>
+            <a:pPr marL="742950" lvl="1" indent="-285750">
+              <a:buFont typeface="Wingdings" panose="05000000000000000000" pitchFamily="2" charset="2"/>
+              <a:buChar char="§"/>
+            </a:pPr>
+            <a:r>
+              <a:rPr lang="de-DE" sz="1100"/>
+              <a:t>Not yet included devices in connected state are added to MWDI deviceList; their CCs are retrieved with priority</a:t>
+            </a:r>
+          </a:p>
+          <a:p>
+            <a:pPr marL="742950" lvl="1" indent="-285750">
+              <a:buFont typeface="Wingdings" panose="05000000000000000000" pitchFamily="2" charset="2"/>
+              <a:buChar char="§"/>
+            </a:pPr>
+            <a:r>
+              <a:rPr lang="de-DE" sz="1100"/>
+              <a:t>Device no longer in connected state are deleted from MWDI deviceList if still included; the related CC is deleted from the cache</a:t>
+            </a:r>
+          </a:p>
+          <a:p>
+            <a:pPr marL="742950" lvl="1" indent="-285750">
+              <a:buFont typeface="Wingdings" panose="05000000000000000000" pitchFamily="2" charset="2"/>
+              <a:buChar char="§"/>
+            </a:pPr>
+            <a:r>
+              <a:rPr lang="de-DE" sz="1100"/>
+              <a:t>The periodic sync time period is set in integer profile </a:t>
+            </a:r>
+            <a:r>
+              <a:rPr lang="de-DE" sz="1100" i="1"/>
+              <a:t>deviceListSyncPeriod</a:t>
+            </a:r>
+            <a:r>
+              <a:rPr lang="de-DE" sz="1100"/>
+              <a:t> (in spec 24 hours)</a:t>
+            </a:r>
+          </a:p>
+          <a:p>
+            <a:pPr marL="285750" indent="-285750">
+              <a:buFont typeface="Arial" panose="020B0604020202020204" pitchFamily="34" charset="0"/>
+              <a:buChar char="•"/>
+            </a:pPr>
+            <a:endParaRPr lang="de-DE" sz="1200"/>
+          </a:p>
+          <a:p>
+            <a:r>
+              <a:rPr lang="de-DE" sz="1200" b="1" u="sng"/>
+              <a:t>ControlConstruct updates</a:t>
+            </a:r>
+          </a:p>
+          <a:p>
+            <a:pPr marL="285750" indent="-285750">
+              <a:buFont typeface="Arial" panose="020B0604020202020204" pitchFamily="34" charset="0"/>
+              <a:buChar char="•"/>
+            </a:pPr>
+            <a:r>
+              <a:rPr lang="de-DE" sz="1200"/>
+              <a:t>To retrieve the CCs of all devices, a </a:t>
+            </a:r>
+            <a:r>
+              <a:rPr lang="de-DE" sz="1200" b="1"/>
+              <a:t>sliding window </a:t>
+            </a:r>
+            <a:r>
+              <a:rPr lang="de-DE" sz="1200"/>
+              <a:t>runs over the deviceList (periodic retrieval)</a:t>
+            </a:r>
+          </a:p>
+          <a:p>
+            <a:pPr marL="285750" indent="-285750">
+              <a:buFont typeface="Arial" panose="020B0604020202020204" pitchFamily="34" charset="0"/>
+              <a:buChar char="•"/>
+            </a:pPr>
+            <a:r>
+              <a:rPr lang="de-DE" sz="1200"/>
+              <a:t>The device‘s </a:t>
+            </a:r>
+            <a:r>
+              <a:rPr lang="de-DE" sz="1200" b="1"/>
+              <a:t>CCs</a:t>
+            </a:r>
+            <a:r>
+              <a:rPr lang="de-DE" sz="1200"/>
+              <a:t> are</a:t>
+            </a:r>
+            <a:r>
+              <a:rPr lang="de-DE" sz="1200" b="1"/>
+              <a:t> updated completely by the periodic retrieval</a:t>
+            </a:r>
+          </a:p>
+          <a:p>
+            <a:pPr marL="285750" indent="-285750">
+              <a:buFont typeface="Arial" panose="020B0604020202020204" pitchFamily="34" charset="0"/>
+              <a:buChar char="•"/>
+            </a:pPr>
+            <a:r>
+              <a:rPr lang="de-DE" sz="1200"/>
+              <a:t>In addition the </a:t>
+            </a:r>
+            <a:r>
+              <a:rPr lang="de-DE" sz="1200" b="1"/>
+              <a:t>CCs are updated partially </a:t>
+            </a:r>
+            <a:r>
+              <a:rPr lang="de-DE" sz="1200"/>
+              <a:t>after related </a:t>
+            </a:r>
+            <a:r>
+              <a:rPr lang="de-DE" sz="1200" b="1"/>
+              <a:t>notifications</a:t>
+            </a:r>
+            <a:r>
+              <a:rPr lang="de-DE" sz="1200"/>
+              <a:t> are received</a:t>
+            </a:r>
+          </a:p>
+          <a:p>
+            <a:pPr marL="285750" indent="-285750">
+              <a:buFont typeface="Arial" panose="020B0604020202020204" pitchFamily="34" charset="0"/>
+              <a:buChar char="•"/>
+            </a:pPr>
+            <a:endParaRPr lang="de-DE" sz="1200"/>
+          </a:p>
+          <a:p>
+            <a:pPr marL="285750" indent="-285750">
+              <a:buFont typeface="Arial" panose="020B0604020202020204" pitchFamily="34" charset="0"/>
+              <a:buChar char="•"/>
+            </a:pPr>
+            <a:r>
+              <a:rPr lang="de-DE" sz="1200"/>
+              <a:t>The deviceList can be retrieved via service </a:t>
+            </a:r>
+            <a:r>
+              <a:rPr lang="de-DE" sz="1200" b="1"/>
+              <a:t>/v1/provide-list-of-connected-devices</a:t>
+            </a:r>
+            <a:r>
+              <a:rPr lang="de-DE" sz="1200"/>
+              <a:t>, which only returns the list of mount-names without any additional information</a:t>
+            </a:r>
+          </a:p>
+        </p:txBody>
+      </p:sp>
+      <p:sp>
+        <p:nvSpPr>
+          <p:cNvPr id="9" name="Rechteck: abgerundete Ecken 8">
+            <a:extLst>
+              <a:ext uri="{FF2B5EF4-FFF2-40B4-BE49-F238E27FC236}">
+                <a16:creationId xmlns:a16="http://schemas.microsoft.com/office/drawing/2014/main" id="{91F2F1E8-04E1-EB5A-C1CA-3AC3155C5ECC}"/>
+              </a:ext>
+            </a:extLst>
+          </p:cNvPr>
+          <p:cNvSpPr/>
+          <p:nvPr/>
+        </p:nvSpPr>
+        <p:spPr>
+          <a:xfrm>
+            <a:off x="5098170" y="640747"/>
+            <a:ext cx="5147116" cy="5576506"/>
+          </a:xfrm>
+          <a:prstGeom prst="roundRect">
+            <a:avLst>
+              <a:gd name="adj" fmla="val 3132"/>
+            </a:avLst>
+          </a:prstGeom>
+          <a:gradFill>
+            <a:gsLst>
+              <a:gs pos="26000">
+                <a:schemeClr val="accent6">
+                  <a:lumMod val="20000"/>
+                  <a:lumOff val="80000"/>
+                </a:schemeClr>
+              </a:gs>
+              <a:gs pos="78000">
+                <a:srgbClr val="CEE7FA"/>
+              </a:gs>
+              <a:gs pos="100000">
+                <a:schemeClr val="accent4">
+                  <a:lumMod val="105000"/>
+                  <a:satMod val="109000"/>
+                  <a:tint val="81000"/>
+                </a:schemeClr>
+              </a:gs>
+            </a:gsLst>
+          </a:gradFill>
+          <a:ln>
+            <a:solidFill>
+              <a:srgbClr val="002060"/>
+            </a:solidFill>
+          </a:ln>
+        </p:spPr>
+        <p:style>
+          <a:lnRef idx="1">
+            <a:schemeClr val="accent4"/>
+          </a:lnRef>
+          <a:fillRef idx="2">
+            <a:schemeClr val="accent4"/>
+          </a:fillRef>
+          <a:effectRef idx="1">
+            <a:schemeClr val="accent4"/>
+          </a:effectRef>
+          <a:fontRef idx="minor">
+            <a:schemeClr val="dk1"/>
+          </a:fontRef>
+        </p:style>
+        <p:txBody>
+          <a:bodyPr rtlCol="0" anchor="ctr"/>
+          <a:lstStyle/>
+          <a:p>
+            <a:pPr algn="ctr"/>
+            <a:endParaRPr lang="de-DE">
+              <a:solidFill>
+                <a:schemeClr val="dk1"/>
+              </a:solidFill>
+            </a:endParaRPr>
+          </a:p>
+        </p:txBody>
+      </p:sp>
+      <p:sp>
+        <p:nvSpPr>
+          <p:cNvPr id="10" name="Textfeld 9">
+            <a:extLst>
+              <a:ext uri="{FF2B5EF4-FFF2-40B4-BE49-F238E27FC236}">
+                <a16:creationId xmlns:a16="http://schemas.microsoft.com/office/drawing/2014/main" id="{866064A0-3D33-468D-D66B-665A651E8387}"/>
+              </a:ext>
+            </a:extLst>
+          </p:cNvPr>
+          <p:cNvSpPr txBox="1"/>
+          <p:nvPr/>
+        </p:nvSpPr>
+        <p:spPr>
+          <a:xfrm>
+            <a:off x="5172702" y="677275"/>
+            <a:ext cx="5072584" cy="5109091"/>
+          </a:xfrm>
+          <a:prstGeom prst="rect">
+            <a:avLst/>
+          </a:prstGeom>
+          <a:noFill/>
+        </p:spPr>
+        <p:txBody>
+          <a:bodyPr wrap="square" rtlCol="0">
+            <a:spAutoFit/>
+          </a:bodyPr>
+          <a:lstStyle/>
+          <a:p>
+            <a:r>
+              <a:rPr lang="de-DE" sz="1400" b="1">
+                <a:solidFill>
+                  <a:schemeClr val="accent6">
+                    <a:lumMod val="50000"/>
+                  </a:schemeClr>
+                </a:solidFill>
+              </a:rPr>
+              <a:t>Metadata table</a:t>
+            </a:r>
+          </a:p>
+          <a:p>
+            <a:endParaRPr lang="de-DE" sz="1200"/>
+          </a:p>
+          <a:p>
+            <a:pPr marL="285750" indent="-285750">
+              <a:buFont typeface="Arial" panose="020B0604020202020204" pitchFamily="34" charset="0"/>
+              <a:buChar char="•"/>
+            </a:pPr>
+            <a:r>
+              <a:rPr lang="de-DE" sz="1200"/>
+              <a:t>Contains </a:t>
+            </a:r>
+            <a:r>
+              <a:rPr lang="de-DE" sz="1200" b="1"/>
+              <a:t>all devices</a:t>
+            </a:r>
+            <a:r>
+              <a:rPr lang="de-DE" sz="1200"/>
+              <a:t>, not only connected ones</a:t>
+            </a:r>
+          </a:p>
+          <a:p>
+            <a:pPr marL="285750" indent="-285750">
+              <a:buFont typeface="Arial" panose="020B0604020202020204" pitchFamily="34" charset="0"/>
+              <a:buChar char="•"/>
+            </a:pPr>
+            <a:r>
+              <a:rPr lang="de-DE" sz="1200"/>
+              <a:t>Stores </a:t>
+            </a:r>
+            <a:r>
+              <a:rPr lang="de-DE" sz="1200" b="1"/>
+              <a:t>metadata about the devices and CCs</a:t>
+            </a:r>
+          </a:p>
+          <a:p>
+            <a:pPr marL="285750" indent="-285750">
+              <a:buFont typeface="Arial" panose="020B0604020202020204" pitchFamily="34" charset="0"/>
+              <a:buChar char="•"/>
+            </a:pPr>
+            <a:endParaRPr lang="de-DE" sz="1200" b="1"/>
+          </a:p>
+          <a:p>
+            <a:pPr marL="285750" indent="-285750">
+              <a:buFont typeface="Arial" panose="020B0604020202020204" pitchFamily="34" charset="0"/>
+              <a:buChar char="•"/>
+            </a:pPr>
+            <a:endParaRPr lang="de-DE" sz="1200" b="1"/>
+          </a:p>
+          <a:p>
+            <a:pPr marL="285750" indent="-285750">
+              <a:buFont typeface="Arial" panose="020B0604020202020204" pitchFamily="34" charset="0"/>
+              <a:buChar char="•"/>
+            </a:pPr>
+            <a:endParaRPr lang="de-DE" sz="1200" b="1"/>
+          </a:p>
+          <a:p>
+            <a:r>
+              <a:rPr lang="de-DE" sz="1200" b="1" u="sng"/>
+              <a:t>Contained devices</a:t>
+            </a:r>
+          </a:p>
+          <a:p>
+            <a:pPr marL="171450" indent="-171450">
+              <a:buFont typeface="Arial" panose="020B0604020202020204" pitchFamily="34" charset="0"/>
+              <a:buChar char="•"/>
+            </a:pPr>
+            <a:r>
+              <a:rPr lang="de-DE" sz="1200"/>
+              <a:t>Added: </a:t>
+            </a:r>
+          </a:p>
+          <a:p>
+            <a:pPr marL="628650" lvl="1" indent="-171450">
+              <a:buFont typeface="Arial" panose="020B0604020202020204" pitchFamily="34" charset="0"/>
+              <a:buChar char="•"/>
+            </a:pPr>
+            <a:r>
+              <a:rPr lang="de-DE" sz="1200"/>
+              <a:t>when device is added to deviceList, it is also added to the metadata table (periodic deviceList sync or notification-based update)</a:t>
+            </a:r>
+          </a:p>
+          <a:p>
+            <a:pPr marL="628650" lvl="1" indent="-171450">
+              <a:buFont typeface="Arial" panose="020B0604020202020204" pitchFamily="34" charset="0"/>
+              <a:buChar char="•"/>
+            </a:pPr>
+            <a:r>
+              <a:rPr lang="de-DE" sz="1200"/>
+              <a:t>And in addition there is a periodic connection-state retrieval (</a:t>
+            </a:r>
+            <a:r>
+              <a:rPr lang="de-DE" sz="1200" i="1"/>
+              <a:t>connectionStatusSyncPeriod </a:t>
+            </a:r>
+            <a:r>
+              <a:rPr lang="de-DE" sz="1200"/>
+              <a:t>profile instance)</a:t>
+            </a:r>
+          </a:p>
+          <a:p>
+            <a:pPr marL="171450" indent="-171450">
+              <a:buFont typeface="Arial" panose="020B0604020202020204" pitchFamily="34" charset="0"/>
+              <a:buChar char="•"/>
+            </a:pPr>
+            <a:r>
+              <a:rPr lang="de-DE" sz="1200"/>
+              <a:t>Deletion:</a:t>
+            </a:r>
+          </a:p>
+          <a:p>
+            <a:pPr marL="628650" lvl="1" indent="-171450">
+              <a:buFont typeface="Arial" panose="020B0604020202020204" pitchFamily="34" charset="0"/>
+              <a:buChar char="•"/>
+            </a:pPr>
+            <a:r>
+              <a:rPr lang="de-DE" sz="1200"/>
+              <a:t>It is not deleted immediately upon leaving the connected state, but is kept for a retention period (</a:t>
+            </a:r>
+            <a:r>
+              <a:rPr lang="de-DE" sz="1200" i="1"/>
+              <a:t>metadataTableRetentionPeriod </a:t>
+            </a:r>
+            <a:r>
+              <a:rPr lang="de-DE" sz="1200"/>
+              <a:t>profile instance)</a:t>
+            </a:r>
+          </a:p>
+          <a:p>
+            <a:pPr marL="628650" lvl="1" indent="-171450">
+              <a:buFont typeface="Arial" panose="020B0604020202020204" pitchFamily="34" charset="0"/>
+              <a:buChar char="•"/>
+            </a:pPr>
+            <a:endParaRPr lang="de-DE" sz="1200" b="1"/>
+          </a:p>
+          <a:p>
+            <a:r>
+              <a:rPr lang="de-DE" sz="1200" b="1" u="sng"/>
+              <a:t>Stored data</a:t>
+            </a:r>
+          </a:p>
+          <a:p>
+            <a:pPr marL="285750" indent="-285750">
+              <a:buFont typeface="Arial" panose="020B0604020202020204" pitchFamily="34" charset="0"/>
+              <a:buChar char="•"/>
+            </a:pPr>
+            <a:r>
+              <a:rPr lang="de-DE" sz="1200"/>
+              <a:t>mount-name</a:t>
+            </a:r>
+          </a:p>
+          <a:p>
+            <a:pPr marL="285750" indent="-285750">
+              <a:buFont typeface="Arial" panose="020B0604020202020204" pitchFamily="34" charset="0"/>
+              <a:buChar char="•"/>
+            </a:pPr>
+            <a:r>
+              <a:rPr lang="de-DE" sz="1200"/>
+              <a:t>connection-status</a:t>
+            </a:r>
+          </a:p>
+          <a:p>
+            <a:pPr marL="285750" indent="-285750">
+              <a:buFont typeface="Arial" panose="020B0604020202020204" pitchFamily="34" charset="0"/>
+              <a:buChar char="•"/>
+            </a:pPr>
+            <a:r>
+              <a:rPr lang="de-DE" sz="1200"/>
+              <a:t>timestamps: change-to-disconnected-time, added-to-deviceList-time, last-complete-control-construct-update-time, last-control-construct-notification-update-time</a:t>
+            </a:r>
+          </a:p>
+          <a:p>
+            <a:pPr marL="285750" indent="-285750">
+              <a:buFont typeface="Arial" panose="020B0604020202020204" pitchFamily="34" charset="0"/>
+              <a:buChar char="•"/>
+            </a:pPr>
+            <a:r>
+              <a:rPr lang="de-DE" sz="1200"/>
+              <a:t>number-of-partial-updates-since-last-complete-update</a:t>
+            </a:r>
+          </a:p>
+          <a:p>
+            <a:pPr marL="285750" indent="-285750">
+              <a:buFont typeface="Arial" panose="020B0604020202020204" pitchFamily="34" charset="0"/>
+              <a:buChar char="•"/>
+            </a:pPr>
+            <a:r>
+              <a:rPr lang="de-DE" sz="1200"/>
+              <a:t>schema-cache-directory </a:t>
+            </a:r>
+          </a:p>
+        </p:txBody>
+      </p:sp>
+      <p:sp>
+        <p:nvSpPr>
+          <p:cNvPr id="2" name="Rechteck 1">
+            <a:extLst>
+              <a:ext uri="{FF2B5EF4-FFF2-40B4-BE49-F238E27FC236}">
+                <a16:creationId xmlns:a16="http://schemas.microsoft.com/office/drawing/2014/main" id="{634C3E3B-A3C3-FD81-0FAA-3D589DB7FFF6}"/>
+              </a:ext>
+            </a:extLst>
+          </p:cNvPr>
+          <p:cNvSpPr/>
+          <p:nvPr/>
+        </p:nvSpPr>
+        <p:spPr>
+          <a:xfrm>
+            <a:off x="0" y="2623060"/>
+            <a:ext cx="12192000" cy="413816"/>
+          </a:xfrm>
+          <a:prstGeom prst="rect">
+            <a:avLst/>
+          </a:prstGeom>
+        </p:spPr>
+        <p:style>
+          <a:lnRef idx="2">
+            <a:schemeClr val="accent5">
+              <a:shade val="15000"/>
+            </a:schemeClr>
+          </a:lnRef>
+          <a:fillRef idx="1">
+            <a:schemeClr val="accent5"/>
+          </a:fillRef>
+          <a:effectRef idx="0">
+            <a:schemeClr val="accent5"/>
+          </a:effectRef>
+          <a:fontRef idx="minor">
+            <a:schemeClr val="lt1"/>
+          </a:fontRef>
+        </p:style>
+        <p:txBody>
+          <a:bodyPr rtlCol="0" anchor="ctr"/>
+          <a:lstStyle/>
+          <a:p>
+            <a:pPr algn="ctr"/>
+            <a:r>
+              <a:rPr lang="de-DE"/>
+              <a:t>MWDI v1.2.x</a:t>
+            </a:r>
+          </a:p>
+        </p:txBody>
+      </p:sp>
+    </p:spTree>
+    <p:extLst>
+      <p:ext uri="{BB962C8B-B14F-4D97-AF65-F5344CB8AC3E}">
+        <p14:creationId xmlns:p14="http://schemas.microsoft.com/office/powerpoint/2010/main" val="3096072215"/>
+      </p:ext>
+    </p:extLst>
+  </p:cSld>
+  <p:clrMapOvr>
+    <a:masterClrMapping/>
+  </p:clrMapOvr>
+</p:sld>
+</file>
+
+<file path=ppt/slides/slide5.xml><?xml version="1.0" encoding="utf-8"?>
+<p:sld xmlns:a="http://schemas.openxmlformats.org/drawingml/2006/main" xmlns:r="http://schemas.openxmlformats.org/officeDocument/2006/relationships" xmlns:p="http://schemas.openxmlformats.org/presentationml/2006/main">
+  <p:cSld>
+    <p:spTree>
+      <p:nvGrpSpPr>
+        <p:cNvPr id="1" name="">
+          <a:extLst>
+            <a:ext uri="{FF2B5EF4-FFF2-40B4-BE49-F238E27FC236}">
+              <a16:creationId xmlns:a16="http://schemas.microsoft.com/office/drawing/2014/main" id="{8A0139B0-4B1C-1EF1-D2D0-7A0846BB4C27}"/>
+            </a:ext>
+          </a:extLst>
+        </p:cNvPr>
+        <p:cNvGrpSpPr/>
+        <p:nvPr/>
+      </p:nvGrpSpPr>
+      <p:grpSpPr>
+        <a:xfrm>
+          <a:off x="0" y="0"/>
+          <a:ext cx="0" cy="0"/>
+          <a:chOff x="0" y="0"/>
+          <a:chExt cx="0" cy="0"/>
+        </a:xfrm>
+      </p:grpSpPr>
+      <p:sp>
+        <p:nvSpPr>
+          <p:cNvPr id="31" name="Rechteck 30">
+            <a:extLst>
+              <a:ext uri="{FF2B5EF4-FFF2-40B4-BE49-F238E27FC236}">
+                <a16:creationId xmlns:a16="http://schemas.microsoft.com/office/drawing/2014/main" id="{72F7733C-AEF2-D6FA-1641-FBD13D72F52A}"/>
+              </a:ext>
+            </a:extLst>
+          </p:cNvPr>
+          <p:cNvSpPr/>
+          <p:nvPr/>
+        </p:nvSpPr>
+        <p:spPr>
+          <a:xfrm>
+            <a:off x="30709" y="209480"/>
+            <a:ext cx="13672592" cy="12414320"/>
+          </a:xfrm>
+          <a:prstGeom prst="rect">
+            <a:avLst/>
+          </a:prstGeom>
+          <a:solidFill>
+            <a:schemeClr val="bg1"/>
+          </a:solidFill>
+        </p:spPr>
+        <p:style>
+          <a:lnRef idx="2">
+            <a:schemeClr val="accent1">
+              <a:shade val="15000"/>
+            </a:schemeClr>
+          </a:lnRef>
+          <a:fillRef idx="1">
+            <a:schemeClr val="accent1"/>
+          </a:fillRef>
+          <a:effectRef idx="0">
+            <a:schemeClr val="accent1"/>
+          </a:effectRef>
+          <a:fontRef idx="minor">
+            <a:schemeClr val="lt1"/>
+          </a:fontRef>
+        </p:style>
+        <p:txBody>
+          <a:bodyPr rtlCol="0" anchor="ctr"/>
+          <a:lstStyle/>
+          <a:p>
+            <a:pPr algn="ctr"/>
+            <a:endParaRPr lang="de-DE"/>
+          </a:p>
+        </p:txBody>
+      </p:sp>
+      <p:sp>
+        <p:nvSpPr>
+          <p:cNvPr id="25" name="Textfeld 24">
+            <a:extLst>
+              <a:ext uri="{FF2B5EF4-FFF2-40B4-BE49-F238E27FC236}">
+                <a16:creationId xmlns:a16="http://schemas.microsoft.com/office/drawing/2014/main" id="{2FCFAF5C-A6EA-4E29-D883-2D67E89FFA6D}"/>
+              </a:ext>
+            </a:extLst>
+          </p:cNvPr>
+          <p:cNvSpPr txBox="1"/>
+          <p:nvPr/>
+        </p:nvSpPr>
+        <p:spPr>
+          <a:xfrm>
+            <a:off x="9946321" y="2219038"/>
+            <a:ext cx="2266943" cy="7894469"/>
+          </a:xfrm>
+          <a:prstGeom prst="rect">
+            <a:avLst/>
+          </a:prstGeom>
+          <a:noFill/>
+        </p:spPr>
+        <p:txBody>
+          <a:bodyPr wrap="square" rtlCol="0">
+            <a:spAutoFit/>
+          </a:bodyPr>
+          <a:lstStyle/>
+          <a:p>
+            <a:r>
+              <a:rPr lang="de-DE" sz="1000" b="1">
+                <a:solidFill>
+                  <a:schemeClr val="accent6">
+                    <a:lumMod val="50000"/>
+                  </a:schemeClr>
+                </a:solidFill>
+              </a:rPr>
+              <a:t>Does device from controller exist in metadata table already?</a:t>
+            </a:r>
+          </a:p>
+          <a:p>
+            <a:endParaRPr lang="de-DE" sz="1000" b="1">
+              <a:solidFill>
+                <a:schemeClr val="accent6">
+                  <a:lumMod val="50000"/>
+                </a:schemeClr>
+              </a:solidFill>
+            </a:endParaRPr>
+          </a:p>
+          <a:p>
+            <a:pPr marL="171450" indent="-171450">
+              <a:buFont typeface="Wingdings" panose="05000000000000000000" pitchFamily="2" charset="2"/>
+              <a:buChar char="Ø"/>
+            </a:pPr>
+            <a:r>
+              <a:rPr lang="de-DE" sz="1000" b="1">
+                <a:solidFill>
+                  <a:schemeClr val="accent6">
+                    <a:lumMod val="50000"/>
+                  </a:schemeClr>
+                </a:solidFill>
+              </a:rPr>
+              <a:t>no: </a:t>
+            </a:r>
+            <a:r>
+              <a:rPr lang="de-DE" sz="1000" u="sng">
+                <a:solidFill>
+                  <a:schemeClr val="accent6">
+                    <a:lumMod val="50000"/>
+                  </a:schemeClr>
+                </a:solidFill>
+              </a:rPr>
+              <a:t>add </a:t>
+            </a:r>
+            <a:r>
+              <a:rPr lang="de-DE" sz="1000">
+                <a:solidFill>
+                  <a:schemeClr val="accent6">
+                    <a:lumMod val="50000"/>
+                  </a:schemeClr>
+                </a:solidFill>
+              </a:rPr>
+              <a:t>it</a:t>
+            </a:r>
+          </a:p>
+          <a:p>
+            <a:endParaRPr lang="de-DE" sz="1000">
+              <a:solidFill>
+                <a:schemeClr val="accent6">
+                  <a:lumMod val="50000"/>
+                </a:schemeClr>
+              </a:solidFill>
+            </a:endParaRPr>
+          </a:p>
+          <a:p>
+            <a:endParaRPr lang="de-DE" sz="1000">
+              <a:solidFill>
+                <a:schemeClr val="accent6">
+                  <a:lumMod val="50000"/>
+                </a:schemeClr>
+              </a:solidFill>
+            </a:endParaRPr>
+          </a:p>
+          <a:p>
+            <a:endParaRPr lang="de-DE" sz="1000">
+              <a:solidFill>
+                <a:schemeClr val="accent6">
+                  <a:lumMod val="50000"/>
+                </a:schemeClr>
+              </a:solidFill>
+            </a:endParaRPr>
+          </a:p>
+          <a:p>
+            <a:endParaRPr lang="de-DE" sz="1000">
+              <a:solidFill>
+                <a:schemeClr val="accent6">
+                  <a:lumMod val="50000"/>
+                </a:schemeClr>
+              </a:solidFill>
+            </a:endParaRPr>
+          </a:p>
+          <a:p>
+            <a:endParaRPr lang="de-DE" sz="1000">
+              <a:solidFill>
+                <a:schemeClr val="accent6">
+                  <a:lumMod val="50000"/>
+                </a:schemeClr>
+              </a:solidFill>
+            </a:endParaRPr>
+          </a:p>
+          <a:p>
+            <a:endParaRPr lang="de-DE" sz="1000">
+              <a:solidFill>
+                <a:schemeClr val="accent6">
+                  <a:lumMod val="50000"/>
+                </a:schemeClr>
+              </a:solidFill>
+            </a:endParaRPr>
+          </a:p>
+          <a:p>
+            <a:endParaRPr lang="de-DE" sz="1000">
+              <a:solidFill>
+                <a:schemeClr val="accent6">
+                  <a:lumMod val="50000"/>
+                </a:schemeClr>
+              </a:solidFill>
+            </a:endParaRPr>
+          </a:p>
+          <a:p>
+            <a:endParaRPr lang="de-DE" sz="700">
+              <a:solidFill>
+                <a:schemeClr val="accent6">
+                  <a:lumMod val="50000"/>
+                </a:schemeClr>
+              </a:solidFill>
+            </a:endParaRPr>
+          </a:p>
+          <a:p>
+            <a:pPr marL="171450" indent="-171450">
+              <a:buFont typeface="Wingdings" panose="05000000000000000000" pitchFamily="2" charset="2"/>
+              <a:buChar char="Ø"/>
+            </a:pPr>
+            <a:r>
+              <a:rPr lang="de-DE" sz="1000" b="1">
+                <a:solidFill>
+                  <a:schemeClr val="accent6">
+                    <a:lumMod val="50000"/>
+                  </a:schemeClr>
+                </a:solidFill>
+              </a:rPr>
+              <a:t>Yes</a:t>
+            </a:r>
+            <a:r>
+              <a:rPr lang="de-DE" sz="1000">
+                <a:solidFill>
+                  <a:schemeClr val="accent6">
+                    <a:lumMod val="50000"/>
+                  </a:schemeClr>
+                </a:solidFill>
+              </a:rPr>
+              <a:t>: </a:t>
+            </a:r>
+            <a:r>
+              <a:rPr lang="de-DE" sz="1000" u="sng">
+                <a:solidFill>
+                  <a:schemeClr val="accent6">
+                    <a:lumMod val="50000"/>
+                  </a:schemeClr>
+                </a:solidFill>
+              </a:rPr>
+              <a:t>update </a:t>
+            </a:r>
+            <a:r>
+              <a:rPr lang="de-DE" sz="1000">
+                <a:solidFill>
+                  <a:schemeClr val="accent6">
+                    <a:lumMod val="50000"/>
+                  </a:schemeClr>
+                </a:solidFill>
+              </a:rPr>
+              <a:t>it if necessary</a:t>
+            </a:r>
+          </a:p>
+          <a:p>
+            <a:pPr marL="361950" indent="-180975">
+              <a:buFont typeface="Wingdings" panose="05000000000000000000" pitchFamily="2" charset="2"/>
+              <a:buChar char="§"/>
+            </a:pPr>
+            <a:r>
+              <a:rPr lang="de-DE" sz="1000">
+                <a:solidFill>
+                  <a:schemeClr val="accent6">
+                    <a:lumMod val="50000"/>
+                  </a:schemeClr>
+                </a:solidFill>
+              </a:rPr>
+              <a:t>If status is connected on controller, but not in table:</a:t>
+            </a:r>
+          </a:p>
+          <a:p>
+            <a:pPr marL="361950" indent="-180975">
+              <a:buFont typeface="Wingdings" panose="05000000000000000000" pitchFamily="2" charset="2"/>
+              <a:buChar char="§"/>
+            </a:pPr>
+            <a:endParaRPr lang="de-DE" sz="1000">
+              <a:solidFill>
+                <a:schemeClr val="accent6">
+                  <a:lumMod val="50000"/>
+                </a:schemeClr>
+              </a:solidFill>
+            </a:endParaRPr>
+          </a:p>
+          <a:p>
+            <a:pPr marL="361950" indent="-180975">
+              <a:buFont typeface="Wingdings" panose="05000000000000000000" pitchFamily="2" charset="2"/>
+              <a:buChar char="§"/>
+            </a:pPr>
+            <a:endParaRPr lang="de-DE" sz="1000">
+              <a:solidFill>
+                <a:schemeClr val="accent6">
+                  <a:lumMod val="50000"/>
+                </a:schemeClr>
+              </a:solidFill>
+            </a:endParaRPr>
+          </a:p>
+          <a:p>
+            <a:pPr marL="361950" indent="-180975">
+              <a:buFont typeface="Wingdings" panose="05000000000000000000" pitchFamily="2" charset="2"/>
+              <a:buChar char="§"/>
+            </a:pPr>
+            <a:endParaRPr lang="de-DE" sz="1000">
+              <a:solidFill>
+                <a:schemeClr val="accent6">
+                  <a:lumMod val="50000"/>
+                </a:schemeClr>
+              </a:solidFill>
+            </a:endParaRPr>
+          </a:p>
+          <a:p>
+            <a:pPr marL="361950" indent="-180975">
+              <a:buFont typeface="Wingdings" panose="05000000000000000000" pitchFamily="2" charset="2"/>
+              <a:buChar char="§"/>
+            </a:pPr>
+            <a:endParaRPr lang="de-DE" sz="1000">
+              <a:solidFill>
+                <a:schemeClr val="accent6">
+                  <a:lumMod val="50000"/>
+                </a:schemeClr>
+              </a:solidFill>
+            </a:endParaRPr>
+          </a:p>
+          <a:p>
+            <a:pPr marL="361950" indent="-180975">
+              <a:buFont typeface="Wingdings" panose="05000000000000000000" pitchFamily="2" charset="2"/>
+              <a:buChar char="§"/>
+            </a:pPr>
+            <a:r>
+              <a:rPr lang="de-DE" sz="1000">
+                <a:solidFill>
+                  <a:schemeClr val="accent6">
+                    <a:lumMod val="50000"/>
+                  </a:schemeClr>
+                </a:solidFill>
+              </a:rPr>
+              <a:t>If status != connected anymore on controller, but in table still marked as connected:</a:t>
+            </a:r>
+          </a:p>
+          <a:p>
+            <a:pPr marL="361950" indent="-180975">
+              <a:buFont typeface="Wingdings" panose="05000000000000000000" pitchFamily="2" charset="2"/>
+              <a:buChar char="§"/>
+            </a:pPr>
+            <a:endParaRPr lang="de-DE" sz="1000">
+              <a:solidFill>
+                <a:schemeClr val="accent6">
+                  <a:lumMod val="50000"/>
+                </a:schemeClr>
+              </a:solidFill>
+            </a:endParaRPr>
+          </a:p>
+          <a:p>
+            <a:pPr marL="361950" indent="-180975">
+              <a:buFont typeface="Wingdings" panose="05000000000000000000" pitchFamily="2" charset="2"/>
+              <a:buChar char="§"/>
+            </a:pPr>
+            <a:endParaRPr lang="de-DE" sz="1000">
+              <a:solidFill>
+                <a:schemeClr val="accent6">
+                  <a:lumMod val="50000"/>
+                </a:schemeClr>
+              </a:solidFill>
+            </a:endParaRPr>
+          </a:p>
+          <a:p>
+            <a:endParaRPr lang="de-DE" sz="1000">
+              <a:solidFill>
+                <a:schemeClr val="accent6">
+                  <a:lumMod val="50000"/>
+                </a:schemeClr>
+              </a:solidFill>
+            </a:endParaRPr>
+          </a:p>
+          <a:p>
+            <a:endParaRPr lang="de-DE" sz="1000">
+              <a:solidFill>
+                <a:schemeClr val="accent6">
+                  <a:lumMod val="50000"/>
+                </a:schemeClr>
+              </a:solidFill>
+            </a:endParaRPr>
+          </a:p>
+          <a:p>
+            <a:endParaRPr lang="de-DE" sz="1000">
+              <a:solidFill>
+                <a:schemeClr val="accent6">
+                  <a:lumMod val="50000"/>
+                </a:schemeClr>
+              </a:solidFill>
+            </a:endParaRPr>
+          </a:p>
+          <a:p>
+            <a:endParaRPr lang="de-DE" sz="1000">
+              <a:solidFill>
+                <a:schemeClr val="accent6">
+                  <a:lumMod val="50000"/>
+                </a:schemeClr>
+              </a:solidFill>
+            </a:endParaRPr>
+          </a:p>
+          <a:p>
+            <a:endParaRPr lang="de-DE" sz="1000">
+              <a:solidFill>
+                <a:schemeClr val="accent6">
+                  <a:lumMod val="50000"/>
+                </a:schemeClr>
+              </a:solidFill>
+            </a:endParaRPr>
+          </a:p>
+          <a:p>
+            <a:endParaRPr lang="de-DE" sz="1000">
+              <a:solidFill>
+                <a:schemeClr val="accent6">
+                  <a:lumMod val="50000"/>
+                </a:schemeClr>
+              </a:solidFill>
+            </a:endParaRPr>
+          </a:p>
+          <a:p>
+            <a:r>
+              <a:rPr lang="de-DE" sz="1000" b="1">
+                <a:solidFill>
+                  <a:schemeClr val="accent6">
+                    <a:lumMod val="50000"/>
+                  </a:schemeClr>
+                </a:solidFill>
+              </a:rPr>
+              <a:t>A device from the metadata table does no longer exist in the controller:</a:t>
+            </a:r>
+          </a:p>
+          <a:p>
+            <a:pPr marL="171450" indent="-171450">
+              <a:buFont typeface="Wingdings" panose="05000000000000000000" pitchFamily="2" charset="2"/>
+              <a:buChar char="Ø"/>
+            </a:pPr>
+            <a:r>
+              <a:rPr lang="de-DE" sz="1000">
+                <a:solidFill>
+                  <a:schemeClr val="accent6">
+                    <a:lumMod val="50000"/>
+                  </a:schemeClr>
+                </a:solidFill>
+              </a:rPr>
+              <a:t>It still has status connected in the table: </a:t>
+            </a:r>
+          </a:p>
+          <a:p>
+            <a:endParaRPr lang="de-DE" sz="1000">
+              <a:solidFill>
+                <a:schemeClr val="accent6">
+                  <a:lumMod val="50000"/>
+                </a:schemeClr>
+              </a:solidFill>
+            </a:endParaRPr>
+          </a:p>
+          <a:p>
+            <a:endParaRPr lang="de-DE" sz="1000">
+              <a:solidFill>
+                <a:schemeClr val="accent6">
+                  <a:lumMod val="50000"/>
+                </a:schemeClr>
+              </a:solidFill>
+            </a:endParaRPr>
+          </a:p>
+          <a:p>
+            <a:endParaRPr lang="de-DE" sz="1000">
+              <a:solidFill>
+                <a:schemeClr val="accent6">
+                  <a:lumMod val="50000"/>
+                </a:schemeClr>
+              </a:solidFill>
+            </a:endParaRPr>
+          </a:p>
+          <a:p>
+            <a:endParaRPr lang="de-DE" sz="1000">
+              <a:solidFill>
+                <a:schemeClr val="accent6">
+                  <a:lumMod val="50000"/>
+                </a:schemeClr>
+              </a:solidFill>
+            </a:endParaRPr>
+          </a:p>
+          <a:p>
+            <a:endParaRPr lang="de-DE" sz="1000">
+              <a:solidFill>
+                <a:schemeClr val="accent6">
+                  <a:lumMod val="50000"/>
+                </a:schemeClr>
+              </a:solidFill>
+            </a:endParaRPr>
+          </a:p>
+          <a:p>
+            <a:endParaRPr lang="de-DE" sz="1000">
+              <a:solidFill>
+                <a:schemeClr val="accent6">
+                  <a:lumMod val="50000"/>
+                </a:schemeClr>
+              </a:solidFill>
+            </a:endParaRPr>
+          </a:p>
+          <a:p>
+            <a:endParaRPr lang="de-DE" sz="1000">
+              <a:solidFill>
+                <a:schemeClr val="accent6">
+                  <a:lumMod val="50000"/>
+                </a:schemeClr>
+              </a:solidFill>
+            </a:endParaRPr>
+          </a:p>
+          <a:p>
+            <a:pPr marL="171450" indent="-171450">
+              <a:buFont typeface="Wingdings" panose="05000000000000000000" pitchFamily="2" charset="2"/>
+              <a:buChar char="Ø"/>
+            </a:pPr>
+            <a:r>
+              <a:rPr lang="de-DE" sz="1000">
+                <a:solidFill>
+                  <a:schemeClr val="accent6">
+                    <a:lumMod val="50000"/>
+                  </a:schemeClr>
+                </a:solidFill>
+              </a:rPr>
+              <a:t>It is already marked as connecting or unable-to-connect and the time between the current time and the dcTime is more than the allowed retention period: the device is deleted from the metadata table</a:t>
+            </a:r>
+          </a:p>
+          <a:p>
+            <a:pPr marL="171450" indent="-171450">
+              <a:buFont typeface="Wingdings" panose="05000000000000000000" pitchFamily="2" charset="2"/>
+              <a:buChar char="Ø"/>
+            </a:pPr>
+            <a:endParaRPr lang="de-DE" sz="1000">
+              <a:solidFill>
+                <a:schemeClr val="accent6">
+                  <a:lumMod val="50000"/>
+                </a:schemeClr>
+              </a:solidFill>
+            </a:endParaRPr>
+          </a:p>
+          <a:p>
+            <a:r>
+              <a:rPr lang="de-DE" sz="1000">
+                <a:solidFill>
+                  <a:schemeClr val="accent6">
+                    <a:lumMod val="50000"/>
+                  </a:schemeClr>
+                </a:solidFill>
+              </a:rPr>
+              <a:t>The schema-cache-directory is only set by the periodic sync</a:t>
+            </a:r>
+          </a:p>
+        </p:txBody>
+      </p:sp>
+      <p:sp>
+        <p:nvSpPr>
+          <p:cNvPr id="20" name="Rechteck: abgerundete Ecken 19">
+            <a:extLst>
+              <a:ext uri="{FF2B5EF4-FFF2-40B4-BE49-F238E27FC236}">
+                <a16:creationId xmlns:a16="http://schemas.microsoft.com/office/drawing/2014/main" id="{672FC20B-5DA9-02BE-11D9-8FF8C4130E91}"/>
+              </a:ext>
+            </a:extLst>
+          </p:cNvPr>
+          <p:cNvSpPr/>
+          <p:nvPr/>
+        </p:nvSpPr>
+        <p:spPr>
+          <a:xfrm>
+            <a:off x="3885247" y="1137808"/>
+            <a:ext cx="5337810" cy="1130396"/>
+          </a:xfrm>
+          <a:prstGeom prst="roundRect">
+            <a:avLst>
+              <a:gd name="adj" fmla="val 5207"/>
+            </a:avLst>
+          </a:prstGeom>
+          <a:solidFill>
+            <a:schemeClr val="bg1">
+              <a:lumMod val="75000"/>
+            </a:schemeClr>
+          </a:solidFill>
+        </p:spPr>
+        <p:style>
+          <a:lnRef idx="2">
+            <a:schemeClr val="dk1">
+              <a:shade val="15000"/>
+            </a:schemeClr>
+          </a:lnRef>
+          <a:fillRef idx="1">
+            <a:schemeClr val="dk1"/>
+          </a:fillRef>
+          <a:effectRef idx="0">
+            <a:schemeClr val="dk1"/>
+          </a:effectRef>
+          <a:fontRef idx="minor">
+            <a:schemeClr val="lt1"/>
+          </a:fontRef>
+        </p:style>
+        <p:txBody>
+          <a:bodyPr rtlCol="0" anchor="ctr"/>
+          <a:lstStyle/>
+          <a:p>
+            <a:pPr algn="ctr"/>
+            <a:endParaRPr lang="de-DE"/>
+          </a:p>
+        </p:txBody>
+      </p:sp>
+      <p:sp>
+        <p:nvSpPr>
+          <p:cNvPr id="18" name="Rechteck: abgerundete Ecken 17">
+            <a:extLst>
+              <a:ext uri="{FF2B5EF4-FFF2-40B4-BE49-F238E27FC236}">
+                <a16:creationId xmlns:a16="http://schemas.microsoft.com/office/drawing/2014/main" id="{953E8975-8C45-8E28-05A0-AA20B5E029CB}"/>
+              </a:ext>
+            </a:extLst>
+          </p:cNvPr>
+          <p:cNvSpPr/>
+          <p:nvPr/>
+        </p:nvSpPr>
+        <p:spPr>
+          <a:xfrm>
+            <a:off x="187648" y="274320"/>
+            <a:ext cx="13395094" cy="627690"/>
+          </a:xfrm>
+          <a:prstGeom prst="roundRect">
+            <a:avLst>
+              <a:gd name="adj" fmla="val 5207"/>
+            </a:avLst>
+          </a:prstGeom>
+          <a:solidFill>
+            <a:schemeClr val="tx1">
+              <a:lumMod val="95000"/>
+              <a:lumOff val="5000"/>
+            </a:schemeClr>
+          </a:solidFill>
+        </p:spPr>
+        <p:style>
+          <a:lnRef idx="2">
+            <a:schemeClr val="dk1">
+              <a:shade val="15000"/>
+            </a:schemeClr>
+          </a:lnRef>
+          <a:fillRef idx="1">
+            <a:schemeClr val="dk1"/>
+          </a:fillRef>
+          <a:effectRef idx="0">
+            <a:schemeClr val="dk1"/>
+          </a:effectRef>
+          <a:fontRef idx="minor">
+            <a:schemeClr val="lt1"/>
+          </a:fontRef>
+        </p:style>
+        <p:txBody>
+          <a:bodyPr rtlCol="0" anchor="ctr"/>
+          <a:lstStyle/>
+          <a:p>
+            <a:pPr algn="ctr"/>
+            <a:endParaRPr lang="de-DE"/>
+          </a:p>
+        </p:txBody>
+      </p:sp>
+      <p:sp>
+        <p:nvSpPr>
+          <p:cNvPr id="4" name="Rechteck: abgerundete Ecken 3">
+            <a:extLst>
+              <a:ext uri="{FF2B5EF4-FFF2-40B4-BE49-F238E27FC236}">
+                <a16:creationId xmlns:a16="http://schemas.microsoft.com/office/drawing/2014/main" id="{B6DC05D9-ACC7-246D-5E93-B45E6CADF035}"/>
+              </a:ext>
+            </a:extLst>
+          </p:cNvPr>
+          <p:cNvSpPr/>
+          <p:nvPr/>
+        </p:nvSpPr>
+        <p:spPr>
+          <a:xfrm>
+            <a:off x="902017" y="900608"/>
+            <a:ext cx="1866900" cy="391905"/>
+          </a:xfrm>
+          <a:prstGeom prst="roundRect">
+            <a:avLst/>
+          </a:prstGeom>
+        </p:spPr>
+        <p:style>
+          <a:lnRef idx="1">
+            <a:schemeClr val="accent5"/>
+          </a:lnRef>
+          <a:fillRef idx="2">
+            <a:schemeClr val="accent5"/>
+          </a:fillRef>
+          <a:effectRef idx="1">
+            <a:schemeClr val="accent5"/>
+          </a:effectRef>
+          <a:fontRef idx="minor">
+            <a:schemeClr val="dk1"/>
+          </a:fontRef>
+        </p:style>
+        <p:txBody>
+          <a:bodyPr rtlCol="0" anchor="ctr"/>
+          <a:lstStyle/>
+          <a:p>
+            <a:pPr algn="ctr"/>
+            <a:r>
+              <a:rPr lang="de-DE" sz="1200"/>
+              <a:t>deviceList periodic sync with Controller</a:t>
+            </a:r>
+          </a:p>
+        </p:txBody>
+      </p:sp>
+      <p:sp>
+        <p:nvSpPr>
+          <p:cNvPr id="5" name="Rechteck: abgerundete Ecken 4">
+            <a:extLst>
+              <a:ext uri="{FF2B5EF4-FFF2-40B4-BE49-F238E27FC236}">
+                <a16:creationId xmlns:a16="http://schemas.microsoft.com/office/drawing/2014/main" id="{C9A59DD5-9D20-778F-3D4A-C8944FCBE433}"/>
+              </a:ext>
+            </a:extLst>
+          </p:cNvPr>
+          <p:cNvSpPr/>
+          <p:nvPr/>
+        </p:nvSpPr>
+        <p:spPr>
+          <a:xfrm>
+            <a:off x="9522144" y="918316"/>
+            <a:ext cx="1866900" cy="373380"/>
+          </a:xfrm>
+          <a:prstGeom prst="roundRect">
+            <a:avLst/>
+          </a:prstGeom>
+          <a:gradFill>
+            <a:gsLst>
+              <a:gs pos="37000">
+                <a:srgbClr val="CEE8CA"/>
+              </a:gs>
+              <a:gs pos="73000">
+                <a:srgbClr val="B7D9B1"/>
+              </a:gs>
+              <a:gs pos="100000">
+                <a:schemeClr val="accent6">
+                  <a:lumMod val="105000"/>
+                  <a:satMod val="109000"/>
+                  <a:tint val="81000"/>
+                </a:schemeClr>
+              </a:gs>
+            </a:gsLst>
+          </a:gradFill>
+        </p:spPr>
+        <p:style>
+          <a:lnRef idx="1">
+            <a:schemeClr val="accent6"/>
+          </a:lnRef>
+          <a:fillRef idx="2">
+            <a:schemeClr val="accent6"/>
+          </a:fillRef>
+          <a:effectRef idx="1">
+            <a:schemeClr val="accent6"/>
+          </a:effectRef>
+          <a:fontRef idx="minor">
+            <a:schemeClr val="dk1"/>
+          </a:fontRef>
+        </p:style>
+        <p:txBody>
+          <a:bodyPr rtlCol="0" anchor="ctr"/>
+          <a:lstStyle/>
+          <a:p>
+            <a:pPr algn="ctr"/>
+            <a:r>
+              <a:rPr lang="de-DE" sz="1200"/>
+              <a:t>metadata table periodic connection status sync</a:t>
+            </a:r>
+          </a:p>
+        </p:txBody>
+      </p:sp>
+      <p:sp>
+        <p:nvSpPr>
+          <p:cNvPr id="7" name="Rechteck: abgerundete Ecken 6">
+            <a:extLst>
+              <a:ext uri="{FF2B5EF4-FFF2-40B4-BE49-F238E27FC236}">
+                <a16:creationId xmlns:a16="http://schemas.microsoft.com/office/drawing/2014/main" id="{D05E23C1-9517-3B3F-DF44-CEADBD8BB6FF}"/>
+              </a:ext>
+            </a:extLst>
+          </p:cNvPr>
+          <p:cNvSpPr/>
+          <p:nvPr/>
+        </p:nvSpPr>
+        <p:spPr>
+          <a:xfrm>
+            <a:off x="4068127" y="1808726"/>
+            <a:ext cx="1988822" cy="373380"/>
+          </a:xfrm>
+          <a:prstGeom prst="roundRect">
+            <a:avLst/>
+          </a:prstGeom>
+        </p:spPr>
+        <p:style>
+          <a:lnRef idx="1">
+            <a:schemeClr val="accent5"/>
+          </a:lnRef>
+          <a:fillRef idx="2">
+            <a:schemeClr val="accent5"/>
+          </a:fillRef>
+          <a:effectRef idx="1">
+            <a:schemeClr val="accent5"/>
+          </a:effectRef>
+          <a:fontRef idx="minor">
+            <a:schemeClr val="dk1"/>
+          </a:fontRef>
+        </p:style>
+        <p:txBody>
+          <a:bodyPr rtlCol="0" anchor="ctr"/>
+          <a:lstStyle/>
+          <a:p>
+            <a:pPr algn="ctr"/>
+            <a:r>
+              <a:rPr lang="de-DE" sz="1200"/>
+              <a:t>controller-attribute-value-change notification</a:t>
+            </a:r>
+          </a:p>
+        </p:txBody>
+      </p:sp>
+      <p:sp>
+        <p:nvSpPr>
+          <p:cNvPr id="11" name="Rechteck: abgerundete Ecken 10">
+            <a:extLst>
+              <a:ext uri="{FF2B5EF4-FFF2-40B4-BE49-F238E27FC236}">
+                <a16:creationId xmlns:a16="http://schemas.microsoft.com/office/drawing/2014/main" id="{CAAC29CC-0A32-1979-EAB0-1D98C8057567}"/>
+              </a:ext>
+            </a:extLst>
+          </p:cNvPr>
+          <p:cNvSpPr/>
+          <p:nvPr/>
+        </p:nvSpPr>
+        <p:spPr>
+          <a:xfrm>
+            <a:off x="6365559" y="1743956"/>
+            <a:ext cx="2777490" cy="457200"/>
+          </a:xfrm>
+          <a:prstGeom prst="roundRect">
+            <a:avLst>
+              <a:gd name="adj" fmla="val 9625"/>
+            </a:avLst>
+          </a:prstGeom>
+        </p:spPr>
+        <p:style>
+          <a:lnRef idx="1">
+            <a:schemeClr val="accent2"/>
+          </a:lnRef>
+          <a:fillRef idx="2">
+            <a:schemeClr val="accent2"/>
+          </a:fillRef>
+          <a:effectRef idx="1">
+            <a:schemeClr val="accent2"/>
+          </a:effectRef>
+          <a:fontRef idx="minor">
+            <a:schemeClr val="dk1"/>
+          </a:fontRef>
+        </p:style>
+        <p:txBody>
+          <a:bodyPr rtlCol="0" anchor="ctr"/>
+          <a:lstStyle/>
+          <a:p>
+            <a:r>
+              <a:rPr lang="de-DE" sz="1200"/>
+              <a:t>device notifications: alarm, attribute-value-change, object creation/deletion</a:t>
+            </a:r>
+          </a:p>
+        </p:txBody>
+      </p:sp>
+      <p:sp>
+        <p:nvSpPr>
+          <p:cNvPr id="13" name="Rechteck: abgerundete Ecken 12">
+            <a:extLst>
+              <a:ext uri="{FF2B5EF4-FFF2-40B4-BE49-F238E27FC236}">
+                <a16:creationId xmlns:a16="http://schemas.microsoft.com/office/drawing/2014/main" id="{5BBC3A39-1D2A-7E59-ED5B-006C89E24A11}"/>
+              </a:ext>
+            </a:extLst>
+          </p:cNvPr>
+          <p:cNvSpPr/>
+          <p:nvPr/>
+        </p:nvSpPr>
+        <p:spPr>
+          <a:xfrm>
+            <a:off x="271288" y="2583847"/>
+            <a:ext cx="2266943" cy="601313"/>
+          </a:xfrm>
+          <a:prstGeom prst="roundRect">
+            <a:avLst>
+              <a:gd name="adj" fmla="val 3132"/>
+            </a:avLst>
+          </a:prstGeom>
+          <a:gradFill>
+            <a:gsLst>
+              <a:gs pos="26000">
+                <a:srgbClr val="DDEEFB"/>
+              </a:gs>
+              <a:gs pos="79000">
+                <a:srgbClr val="CEE7FA"/>
+              </a:gs>
+              <a:gs pos="100000">
+                <a:schemeClr val="accent4">
+                  <a:lumMod val="105000"/>
+                  <a:satMod val="109000"/>
+                  <a:tint val="81000"/>
+                </a:schemeClr>
+              </a:gs>
+            </a:gsLst>
+          </a:gradFill>
+          <a:ln>
+            <a:solidFill>
+              <a:srgbClr val="002060"/>
+            </a:solidFill>
+          </a:ln>
+        </p:spPr>
+        <p:style>
+          <a:lnRef idx="1">
+            <a:schemeClr val="accent4"/>
+          </a:lnRef>
+          <a:fillRef idx="2">
+            <a:schemeClr val="accent4"/>
+          </a:fillRef>
+          <a:effectRef idx="1">
+            <a:schemeClr val="accent4"/>
+          </a:effectRef>
+          <a:fontRef idx="minor">
+            <a:schemeClr val="dk1"/>
+          </a:fontRef>
+        </p:style>
+        <p:txBody>
+          <a:bodyPr rtlCol="0" anchor="ctr"/>
+          <a:lstStyle/>
+          <a:p>
+            <a:pPr algn="ctr"/>
+            <a:r>
+              <a:rPr lang="de-DE">
+                <a:solidFill>
+                  <a:schemeClr val="dk1"/>
+                </a:solidFill>
+              </a:rPr>
+              <a:t>DeviceList</a:t>
+            </a:r>
+          </a:p>
+        </p:txBody>
+      </p:sp>
+      <p:cxnSp>
+        <p:nvCxnSpPr>
+          <p:cNvPr id="15" name="Gerade Verbindung mit Pfeil 14">
+            <a:extLst>
+              <a:ext uri="{FF2B5EF4-FFF2-40B4-BE49-F238E27FC236}">
+                <a16:creationId xmlns:a16="http://schemas.microsoft.com/office/drawing/2014/main" id="{9A518553-BEB1-2C00-B460-5E5CD3059638}"/>
+              </a:ext>
+            </a:extLst>
+          </p:cNvPr>
+          <p:cNvCxnSpPr>
+            <a:cxnSpLocks/>
+          </p:cNvCxnSpPr>
+          <p:nvPr/>
+        </p:nvCxnSpPr>
+        <p:spPr>
+          <a:xfrm>
+            <a:off x="1214437" y="1292513"/>
+            <a:ext cx="0" cy="1291334"/>
+          </a:xfrm>
+          <a:prstGeom prst="straightConnector1">
+            <a:avLst/>
+          </a:prstGeom>
+          <a:ln w="12700">
+            <a:solidFill>
+              <a:schemeClr val="accent5">
+                <a:lumMod val="75000"/>
+              </a:schemeClr>
+            </a:solidFill>
+            <a:tailEnd type="triangle"/>
+          </a:ln>
+        </p:spPr>
+        <p:style>
+          <a:lnRef idx="2">
+            <a:schemeClr val="accent1"/>
+          </a:lnRef>
+          <a:fillRef idx="0">
+            <a:schemeClr val="accent1"/>
+          </a:fillRef>
+          <a:effectRef idx="1">
+            <a:schemeClr val="accent1"/>
+          </a:effectRef>
+          <a:fontRef idx="minor">
+            <a:schemeClr val="tx1"/>
+          </a:fontRef>
+        </p:style>
+      </p:cxnSp>
+      <p:sp>
+        <p:nvSpPr>
+          <p:cNvPr id="16" name="Textfeld 15">
+            <a:extLst>
+              <a:ext uri="{FF2B5EF4-FFF2-40B4-BE49-F238E27FC236}">
+                <a16:creationId xmlns:a16="http://schemas.microsoft.com/office/drawing/2014/main" id="{05212BE8-7754-255E-FE8A-F69871C79867}"/>
+              </a:ext>
+            </a:extLst>
+          </p:cNvPr>
+          <p:cNvSpPr txBox="1"/>
+          <p:nvPr/>
+        </p:nvSpPr>
+        <p:spPr>
+          <a:xfrm>
+            <a:off x="1214437" y="1892799"/>
+            <a:ext cx="2266943" cy="577081"/>
+          </a:xfrm>
+          <a:prstGeom prst="rect">
+            <a:avLst/>
+          </a:prstGeom>
+          <a:noFill/>
+        </p:spPr>
+        <p:txBody>
+          <a:bodyPr wrap="square" rtlCol="0">
+            <a:spAutoFit/>
+          </a:bodyPr>
+          <a:lstStyle/>
+          <a:p>
+            <a:r>
+              <a:rPr lang="de-DE" sz="1050">
+                <a:solidFill>
+                  <a:schemeClr val="accent5">
+                    <a:lumMod val="75000"/>
+                  </a:schemeClr>
+                </a:solidFill>
+              </a:rPr>
+              <a:t>Add (new) connected,</a:t>
+            </a:r>
+          </a:p>
+          <a:p>
+            <a:r>
+              <a:rPr lang="de-DE" sz="1050">
+                <a:solidFill>
+                  <a:schemeClr val="accent5">
+                    <a:lumMod val="75000"/>
+                  </a:schemeClr>
+                </a:solidFill>
+              </a:rPr>
+              <a:t>Delete disconnected devices &amp; their CCs</a:t>
+            </a:r>
+          </a:p>
+        </p:txBody>
+      </p:sp>
+      <p:sp>
+        <p:nvSpPr>
+          <p:cNvPr id="19" name="Textfeld 18">
+            <a:extLst>
+              <a:ext uri="{FF2B5EF4-FFF2-40B4-BE49-F238E27FC236}">
+                <a16:creationId xmlns:a16="http://schemas.microsoft.com/office/drawing/2014/main" id="{D0846948-F15F-AC38-AB39-1310C305C092}"/>
+              </a:ext>
+            </a:extLst>
+          </p:cNvPr>
+          <p:cNvSpPr txBox="1"/>
+          <p:nvPr/>
+        </p:nvSpPr>
+        <p:spPr>
+          <a:xfrm>
+            <a:off x="5402072" y="352718"/>
+            <a:ext cx="1191416" cy="369332"/>
+          </a:xfrm>
+          <a:prstGeom prst="rect">
+            <a:avLst/>
+          </a:prstGeom>
+          <a:noFill/>
+        </p:spPr>
+        <p:txBody>
+          <a:bodyPr wrap="none" rtlCol="0">
+            <a:spAutoFit/>
+          </a:bodyPr>
+          <a:lstStyle/>
+          <a:p>
+            <a:r>
+              <a:rPr lang="de-DE">
+                <a:solidFill>
+                  <a:schemeClr val="bg1"/>
+                </a:solidFill>
+              </a:rPr>
+              <a:t>Controller</a:t>
+            </a:r>
+          </a:p>
+        </p:txBody>
+      </p:sp>
+      <p:sp>
+        <p:nvSpPr>
+          <p:cNvPr id="21" name="Textfeld 20">
+            <a:extLst>
+              <a:ext uri="{FF2B5EF4-FFF2-40B4-BE49-F238E27FC236}">
+                <a16:creationId xmlns:a16="http://schemas.microsoft.com/office/drawing/2014/main" id="{AE7E6766-ACD7-D7D5-0697-14BBA7240506}"/>
+              </a:ext>
+            </a:extLst>
+          </p:cNvPr>
+          <p:cNvSpPr txBox="1"/>
+          <p:nvPr/>
+        </p:nvSpPr>
+        <p:spPr>
+          <a:xfrm>
+            <a:off x="3885247" y="1137808"/>
+            <a:ext cx="1516825" cy="307777"/>
+          </a:xfrm>
+          <a:prstGeom prst="rect">
+            <a:avLst/>
+          </a:prstGeom>
+          <a:noFill/>
+        </p:spPr>
+        <p:txBody>
+          <a:bodyPr wrap="none" rtlCol="0">
+            <a:spAutoFit/>
+          </a:bodyPr>
+          <a:lstStyle/>
+          <a:p>
+            <a:r>
+              <a:rPr lang="de-DE" sz="1400"/>
+              <a:t>NotificationProxy</a:t>
+            </a:r>
+          </a:p>
+        </p:txBody>
+      </p:sp>
+      <p:cxnSp>
+        <p:nvCxnSpPr>
+          <p:cNvPr id="24" name="Gerade Verbindung mit Pfeil 23">
+            <a:extLst>
+              <a:ext uri="{FF2B5EF4-FFF2-40B4-BE49-F238E27FC236}">
+                <a16:creationId xmlns:a16="http://schemas.microsoft.com/office/drawing/2014/main" id="{2767DD05-1323-DA20-9562-A998EFE7230C}"/>
+              </a:ext>
+            </a:extLst>
+          </p:cNvPr>
+          <p:cNvCxnSpPr>
+            <a:cxnSpLocks/>
+          </p:cNvCxnSpPr>
+          <p:nvPr/>
+        </p:nvCxnSpPr>
+        <p:spPr>
+          <a:xfrm>
+            <a:off x="4285297" y="900608"/>
+            <a:ext cx="0" cy="237200"/>
+          </a:xfrm>
+          <a:prstGeom prst="straightConnector1">
+            <a:avLst/>
+          </a:prstGeom>
+          <a:ln w="9525">
+            <a:solidFill>
+              <a:schemeClr val="tx1"/>
+            </a:solidFill>
+            <a:prstDash val="dash"/>
+            <a:tailEnd type="triangle"/>
+          </a:ln>
+        </p:spPr>
+        <p:style>
+          <a:lnRef idx="2">
+            <a:schemeClr val="accent1"/>
+          </a:lnRef>
+          <a:fillRef idx="0">
+            <a:schemeClr val="accent1"/>
+          </a:fillRef>
+          <a:effectRef idx="1">
+            <a:schemeClr val="accent1"/>
+          </a:effectRef>
+          <a:fontRef idx="minor">
+            <a:schemeClr val="tx1"/>
+          </a:fontRef>
+        </p:style>
+      </p:cxnSp>
+      <p:sp>
+        <p:nvSpPr>
+          <p:cNvPr id="28" name="Rechteck: abgerundete Ecken 27">
+            <a:extLst>
+              <a:ext uri="{FF2B5EF4-FFF2-40B4-BE49-F238E27FC236}">
+                <a16:creationId xmlns:a16="http://schemas.microsoft.com/office/drawing/2014/main" id="{07BF002E-0B17-C64E-2555-8E3D4A1FA118}"/>
+              </a:ext>
+            </a:extLst>
+          </p:cNvPr>
+          <p:cNvSpPr/>
+          <p:nvPr/>
+        </p:nvSpPr>
+        <p:spPr>
+          <a:xfrm>
+            <a:off x="2538231" y="2811780"/>
+            <a:ext cx="939341" cy="373380"/>
+          </a:xfrm>
+          <a:prstGeom prst="roundRect">
+            <a:avLst>
+              <a:gd name="adj" fmla="val 3132"/>
+            </a:avLst>
+          </a:prstGeom>
+          <a:gradFill>
+            <a:gsLst>
+              <a:gs pos="26000">
+                <a:srgbClr val="DDEEFB"/>
+              </a:gs>
+              <a:gs pos="79000">
+                <a:srgbClr val="CEE7FA"/>
+              </a:gs>
+              <a:gs pos="100000">
+                <a:schemeClr val="accent4">
+                  <a:lumMod val="105000"/>
+                  <a:satMod val="109000"/>
+                  <a:tint val="81000"/>
+                </a:schemeClr>
+              </a:gs>
+            </a:gsLst>
+          </a:gradFill>
+          <a:ln>
+            <a:solidFill>
+              <a:srgbClr val="002060"/>
+            </a:solidFill>
+          </a:ln>
+        </p:spPr>
+        <p:style>
+          <a:lnRef idx="1">
+            <a:schemeClr val="accent4"/>
+          </a:lnRef>
+          <a:fillRef idx="2">
+            <a:schemeClr val="accent4"/>
+          </a:fillRef>
+          <a:effectRef idx="1">
+            <a:schemeClr val="accent4"/>
+          </a:effectRef>
+          <a:fontRef idx="minor">
+            <a:schemeClr val="dk1"/>
+          </a:fontRef>
+        </p:style>
+        <p:txBody>
+          <a:bodyPr rtlCol="0" anchor="ctr"/>
+          <a:lstStyle/>
+          <a:p>
+            <a:pPr algn="ctr"/>
+            <a:r>
+              <a:rPr lang="de-DE" sz="1200"/>
+              <a:t>Cached CCs</a:t>
+            </a:r>
+            <a:endParaRPr lang="de-DE" sz="1200">
+              <a:solidFill>
+                <a:schemeClr val="dk1"/>
+              </a:solidFill>
+            </a:endParaRPr>
+          </a:p>
+        </p:txBody>
+      </p:sp>
+      <p:cxnSp>
+        <p:nvCxnSpPr>
+          <p:cNvPr id="32" name="Gerade Verbindung mit Pfeil 31">
+            <a:extLst>
+              <a:ext uri="{FF2B5EF4-FFF2-40B4-BE49-F238E27FC236}">
+                <a16:creationId xmlns:a16="http://schemas.microsoft.com/office/drawing/2014/main" id="{0BB82D6F-9A0C-4C08-B84D-487623AB494E}"/>
+              </a:ext>
+            </a:extLst>
+          </p:cNvPr>
+          <p:cNvCxnSpPr/>
+          <p:nvPr/>
+        </p:nvCxnSpPr>
+        <p:spPr>
+          <a:xfrm flipH="1">
+            <a:off x="2538231" y="1995416"/>
+            <a:ext cx="1529896" cy="588431"/>
+          </a:xfrm>
+          <a:prstGeom prst="straightConnector1">
+            <a:avLst/>
+          </a:prstGeom>
+          <a:ln w="12700">
+            <a:solidFill>
+              <a:schemeClr val="accent5">
+                <a:lumMod val="75000"/>
+              </a:schemeClr>
+            </a:solidFill>
+            <a:tailEnd type="triangle"/>
+          </a:ln>
+        </p:spPr>
+        <p:style>
+          <a:lnRef idx="2">
+            <a:schemeClr val="accent1"/>
+          </a:lnRef>
+          <a:fillRef idx="0">
+            <a:schemeClr val="accent1"/>
+          </a:fillRef>
+          <a:effectRef idx="1">
+            <a:schemeClr val="accent1"/>
+          </a:effectRef>
+          <a:fontRef idx="minor">
+            <a:schemeClr val="tx1"/>
+          </a:fontRef>
+        </p:style>
+      </p:cxnSp>
+      <p:cxnSp>
+        <p:nvCxnSpPr>
+          <p:cNvPr id="34" name="Gerade Verbindung mit Pfeil 33">
+            <a:extLst>
+              <a:ext uri="{FF2B5EF4-FFF2-40B4-BE49-F238E27FC236}">
+                <a16:creationId xmlns:a16="http://schemas.microsoft.com/office/drawing/2014/main" id="{FF95AC16-0892-9EE9-B3E8-DE9C57224E45}"/>
+              </a:ext>
+            </a:extLst>
+          </p:cNvPr>
+          <p:cNvCxnSpPr/>
+          <p:nvPr/>
+        </p:nvCxnSpPr>
+        <p:spPr>
+          <a:xfrm flipH="1">
+            <a:off x="3477572" y="2181339"/>
+            <a:ext cx="2887987" cy="630441"/>
+          </a:xfrm>
+          <a:prstGeom prst="straightConnector1">
+            <a:avLst/>
+          </a:prstGeom>
+          <a:ln w="12700">
+            <a:solidFill>
+              <a:schemeClr val="accent2">
+                <a:lumMod val="75000"/>
+              </a:schemeClr>
+            </a:solidFill>
+            <a:tailEnd type="triangle"/>
+          </a:ln>
+        </p:spPr>
+        <p:style>
+          <a:lnRef idx="2">
+            <a:schemeClr val="accent1"/>
+          </a:lnRef>
+          <a:fillRef idx="0">
+            <a:schemeClr val="accent1"/>
+          </a:fillRef>
+          <a:effectRef idx="1">
+            <a:schemeClr val="accent1"/>
+          </a:effectRef>
+          <a:fontRef idx="minor">
+            <a:schemeClr val="tx1"/>
+          </a:fontRef>
+        </p:style>
+      </p:cxnSp>
+      <p:sp>
+        <p:nvSpPr>
+          <p:cNvPr id="35" name="Textfeld 34">
+            <a:extLst>
+              <a:ext uri="{FF2B5EF4-FFF2-40B4-BE49-F238E27FC236}">
+                <a16:creationId xmlns:a16="http://schemas.microsoft.com/office/drawing/2014/main" id="{3AD625DD-B2A6-3C6C-5957-78E3B934CC6D}"/>
+              </a:ext>
+            </a:extLst>
+          </p:cNvPr>
+          <p:cNvSpPr txBox="1"/>
+          <p:nvPr/>
+        </p:nvSpPr>
+        <p:spPr>
+          <a:xfrm>
+            <a:off x="3648245" y="2339075"/>
+            <a:ext cx="1261884" cy="261610"/>
+          </a:xfrm>
+          <a:prstGeom prst="rect">
+            <a:avLst/>
+          </a:prstGeom>
+          <a:noFill/>
+        </p:spPr>
+        <p:txBody>
+          <a:bodyPr wrap="none" rtlCol="0">
+            <a:spAutoFit/>
+          </a:bodyPr>
+          <a:lstStyle/>
+          <a:p>
+            <a:r>
+              <a:rPr lang="de-DE" sz="1050">
+                <a:solidFill>
+                  <a:schemeClr val="accent2">
+                    <a:lumMod val="75000"/>
+                  </a:schemeClr>
+                </a:solidFill>
+              </a:rPr>
+              <a:t>Partial CC update</a:t>
+            </a:r>
+          </a:p>
+        </p:txBody>
+      </p:sp>
+      <p:sp>
+        <p:nvSpPr>
+          <p:cNvPr id="36" name="Rechteck: abgerundete Ecken 35">
+            <a:extLst>
+              <a:ext uri="{FF2B5EF4-FFF2-40B4-BE49-F238E27FC236}">
+                <a16:creationId xmlns:a16="http://schemas.microsoft.com/office/drawing/2014/main" id="{E8B4907C-82DC-D80A-206A-D8674B858857}"/>
+              </a:ext>
+            </a:extLst>
+          </p:cNvPr>
+          <p:cNvSpPr/>
+          <p:nvPr/>
+        </p:nvSpPr>
+        <p:spPr>
+          <a:xfrm>
+            <a:off x="187648" y="10357287"/>
+            <a:ext cx="13194696" cy="2117818"/>
+          </a:xfrm>
+          <a:prstGeom prst="roundRect">
+            <a:avLst>
+              <a:gd name="adj" fmla="val 3132"/>
+            </a:avLst>
+          </a:prstGeom>
+          <a:gradFill>
+            <a:gsLst>
+              <a:gs pos="26000">
+                <a:schemeClr val="accent6">
+                  <a:lumMod val="20000"/>
+                  <a:lumOff val="80000"/>
+                </a:schemeClr>
+              </a:gs>
+              <a:gs pos="79000">
+                <a:srgbClr val="CEE7FA"/>
+              </a:gs>
+              <a:gs pos="100000">
+                <a:schemeClr val="accent4">
+                  <a:lumMod val="105000"/>
+                  <a:satMod val="109000"/>
+                  <a:tint val="81000"/>
+                </a:schemeClr>
+              </a:gs>
+            </a:gsLst>
+          </a:gradFill>
+          <a:ln>
+            <a:solidFill>
+              <a:srgbClr val="002060"/>
+            </a:solidFill>
+          </a:ln>
+        </p:spPr>
+        <p:style>
+          <a:lnRef idx="1">
+            <a:schemeClr val="accent4"/>
+          </a:lnRef>
+          <a:fillRef idx="2">
+            <a:schemeClr val="accent4"/>
+          </a:fillRef>
+          <a:effectRef idx="1">
+            <a:schemeClr val="accent4"/>
+          </a:effectRef>
+          <a:fontRef idx="minor">
+            <a:schemeClr val="dk1"/>
+          </a:fontRef>
+        </p:style>
+        <p:txBody>
+          <a:bodyPr rtlCol="0" anchor="ctr"/>
+          <a:lstStyle/>
+          <a:p>
+            <a:pPr algn="ctr"/>
+            <a:r>
+              <a:rPr lang="de-DE">
+                <a:solidFill>
+                  <a:schemeClr val="dk1"/>
+                </a:solidFill>
+              </a:rPr>
+              <a:t>Metadata table</a:t>
+            </a:r>
+          </a:p>
+        </p:txBody>
+      </p:sp>
+      <p:cxnSp>
+        <p:nvCxnSpPr>
+          <p:cNvPr id="38" name="Gerade Verbindung mit Pfeil 37">
+            <a:extLst>
+              <a:ext uri="{FF2B5EF4-FFF2-40B4-BE49-F238E27FC236}">
+                <a16:creationId xmlns:a16="http://schemas.microsoft.com/office/drawing/2014/main" id="{5E21BDDE-63DD-88F7-9DF5-523363C88DAE}"/>
+              </a:ext>
+            </a:extLst>
+          </p:cNvPr>
+          <p:cNvCxnSpPr>
+            <a:cxnSpLocks/>
+          </p:cNvCxnSpPr>
+          <p:nvPr/>
+        </p:nvCxnSpPr>
+        <p:spPr>
+          <a:xfrm>
+            <a:off x="9794557" y="1291696"/>
+            <a:ext cx="0" cy="9065591"/>
+          </a:xfrm>
+          <a:prstGeom prst="straightConnector1">
+            <a:avLst/>
+          </a:prstGeom>
+          <a:ln w="12700">
+            <a:solidFill>
+              <a:schemeClr val="accent6">
+                <a:lumMod val="75000"/>
+              </a:schemeClr>
+            </a:solidFill>
+            <a:tailEnd type="triangle"/>
+          </a:ln>
+        </p:spPr>
+        <p:style>
+          <a:lnRef idx="2">
+            <a:schemeClr val="accent1"/>
+          </a:lnRef>
+          <a:fillRef idx="0">
+            <a:schemeClr val="accent1"/>
+          </a:fillRef>
+          <a:effectRef idx="1">
+            <a:schemeClr val="accent1"/>
+          </a:effectRef>
+          <a:fontRef idx="minor">
+            <a:schemeClr val="tx1"/>
+          </a:fontRef>
+        </p:style>
+      </p:cxnSp>
+      <p:cxnSp>
+        <p:nvCxnSpPr>
+          <p:cNvPr id="41" name="Gerade Verbindung mit Pfeil 40">
+            <a:extLst>
+              <a:ext uri="{FF2B5EF4-FFF2-40B4-BE49-F238E27FC236}">
+                <a16:creationId xmlns:a16="http://schemas.microsoft.com/office/drawing/2014/main" id="{83F21EAD-5D58-33C2-5338-128D86E3A487}"/>
+              </a:ext>
+            </a:extLst>
+          </p:cNvPr>
+          <p:cNvCxnSpPr>
+            <a:cxnSpLocks/>
+          </p:cNvCxnSpPr>
+          <p:nvPr/>
+        </p:nvCxnSpPr>
+        <p:spPr>
+          <a:xfrm flipH="1">
+            <a:off x="271288" y="3185160"/>
+            <a:ext cx="17144" cy="7130415"/>
+          </a:xfrm>
+          <a:prstGeom prst="straightConnector1">
+            <a:avLst/>
+          </a:prstGeom>
+          <a:ln w="12700">
+            <a:solidFill>
+              <a:schemeClr val="accent5">
+                <a:lumMod val="75000"/>
+              </a:schemeClr>
+            </a:solidFill>
+            <a:tailEnd type="triangle"/>
+          </a:ln>
+        </p:spPr>
+        <p:style>
+          <a:lnRef idx="2">
+            <a:schemeClr val="accent1"/>
+          </a:lnRef>
+          <a:fillRef idx="0">
+            <a:schemeClr val="accent1"/>
+          </a:fillRef>
+          <a:effectRef idx="1">
+            <a:schemeClr val="accent1"/>
+          </a:effectRef>
+          <a:fontRef idx="minor">
+            <a:schemeClr val="tx1"/>
+          </a:fontRef>
+        </p:style>
+      </p:cxnSp>
+      <p:sp>
+        <p:nvSpPr>
+          <p:cNvPr id="42" name="Textfeld 41">
+            <a:extLst>
+              <a:ext uri="{FF2B5EF4-FFF2-40B4-BE49-F238E27FC236}">
+                <a16:creationId xmlns:a16="http://schemas.microsoft.com/office/drawing/2014/main" id="{990C0341-C01A-6F63-A439-C05A8B686D38}"/>
+              </a:ext>
+            </a:extLst>
+          </p:cNvPr>
+          <p:cNvSpPr txBox="1"/>
+          <p:nvPr/>
+        </p:nvSpPr>
+        <p:spPr>
+          <a:xfrm>
+            <a:off x="449499" y="3682770"/>
+            <a:ext cx="2823214" cy="6524863"/>
+          </a:xfrm>
+          <a:prstGeom prst="rect">
+            <a:avLst/>
+          </a:prstGeom>
+          <a:noFill/>
+        </p:spPr>
+        <p:txBody>
+          <a:bodyPr wrap="square" rtlCol="0">
+            <a:spAutoFit/>
+          </a:bodyPr>
+          <a:lstStyle/>
+          <a:p>
+            <a:pPr marL="171450" indent="-171450">
+              <a:buFont typeface="Arial" panose="020B0604020202020204" pitchFamily="34" charset="0"/>
+              <a:buChar char="•"/>
+            </a:pPr>
+            <a:r>
+              <a:rPr lang="de-DE" sz="900" b="1">
+                <a:solidFill>
+                  <a:schemeClr val="accent5">
+                    <a:lumMod val="75000"/>
+                  </a:schemeClr>
+                </a:solidFill>
+              </a:rPr>
+              <a:t>DeviceList Cases</a:t>
+            </a:r>
+          </a:p>
+          <a:p>
+            <a:pPr marL="358775" indent="-176213">
+              <a:buFont typeface="+mj-lt"/>
+              <a:buAutoNum type="alphaLcPeriod"/>
+            </a:pPr>
+            <a:r>
+              <a:rPr lang="de-DE" sz="900">
+                <a:solidFill>
+                  <a:schemeClr val="accent5">
+                    <a:lumMod val="75000"/>
+                  </a:schemeClr>
+                </a:solidFill>
+              </a:rPr>
+              <a:t>Device was added to deviceList</a:t>
+            </a:r>
+          </a:p>
+          <a:p>
+            <a:pPr marL="358775" indent="-176213">
+              <a:buFont typeface="+mj-lt"/>
+              <a:buAutoNum type="alphaLcPeriod"/>
+            </a:pPr>
+            <a:r>
+              <a:rPr lang="de-DE" sz="900">
+                <a:solidFill>
+                  <a:schemeClr val="accent5">
+                    <a:lumMod val="75000"/>
+                  </a:schemeClr>
+                </a:solidFill>
+              </a:rPr>
+              <a:t>Device was deleted due to periodic update</a:t>
+            </a:r>
+          </a:p>
+          <a:p>
+            <a:pPr marL="358775" indent="-176213">
+              <a:buFont typeface="+mj-lt"/>
+              <a:buAutoNum type="alphaLcPeriod"/>
+            </a:pPr>
+            <a:r>
+              <a:rPr lang="de-DE" sz="900">
+                <a:solidFill>
+                  <a:schemeClr val="accent5">
+                    <a:lumMod val="75000"/>
+                  </a:schemeClr>
+                </a:solidFill>
+              </a:rPr>
+              <a:t>Device was deleted due to notification </a:t>
+            </a:r>
+          </a:p>
+          <a:p>
+            <a:pPr marL="171450" indent="-171450">
+              <a:buFont typeface="Arial" panose="020B0604020202020204" pitchFamily="34" charset="0"/>
+              <a:buChar char="•"/>
+            </a:pPr>
+            <a:r>
+              <a:rPr lang="de-DE" sz="900" b="1">
+                <a:solidFill>
+                  <a:schemeClr val="accent5">
+                    <a:lumMod val="75000"/>
+                  </a:schemeClr>
+                </a:solidFill>
+              </a:rPr>
+              <a:t>MetadataTable Cases</a:t>
+            </a:r>
+          </a:p>
+          <a:p>
+            <a:pPr marL="358775" lvl="1" indent="-176213">
+              <a:buFont typeface="+mj-lt"/>
+              <a:buAutoNum type="arabicPeriod"/>
+            </a:pPr>
+            <a:r>
+              <a:rPr lang="de-DE" sz="900">
+                <a:solidFill>
+                  <a:schemeClr val="accent5">
+                    <a:lumMod val="75000"/>
+                  </a:schemeClr>
+                </a:solidFill>
+              </a:rPr>
+              <a:t>Device existing</a:t>
+            </a:r>
+          </a:p>
+          <a:p>
+            <a:pPr marL="358775" lvl="1" indent="-176213">
+              <a:buFont typeface="+mj-lt"/>
+              <a:buAutoNum type="arabicPeriod"/>
+            </a:pPr>
+            <a:r>
+              <a:rPr lang="de-DE" sz="900">
+                <a:solidFill>
+                  <a:schemeClr val="accent5">
+                    <a:lumMod val="75000"/>
+                  </a:schemeClr>
+                </a:solidFill>
+              </a:rPr>
+              <a:t>Device not existing</a:t>
+            </a:r>
+          </a:p>
+          <a:p>
+            <a:endParaRPr lang="de-DE" sz="900">
+              <a:solidFill>
+                <a:schemeClr val="accent5">
+                  <a:lumMod val="75000"/>
+                </a:schemeClr>
+              </a:solidFill>
+            </a:endParaRPr>
+          </a:p>
+          <a:p>
+            <a:r>
+              <a:rPr lang="de-DE" sz="900" b="1">
+                <a:solidFill>
+                  <a:schemeClr val="accent5">
+                    <a:lumMod val="75000"/>
+                  </a:schemeClr>
+                </a:solidFill>
+              </a:rPr>
+              <a:t>Action depends on case:</a:t>
+            </a:r>
+          </a:p>
+          <a:p>
+            <a:pPr marL="171450" indent="-171450">
+              <a:buFont typeface="Wingdings" panose="05000000000000000000" pitchFamily="2" charset="2"/>
+              <a:buChar char="Ø"/>
+            </a:pPr>
+            <a:r>
+              <a:rPr lang="de-DE" sz="900">
+                <a:solidFill>
+                  <a:schemeClr val="accent5">
+                    <a:lumMod val="75000"/>
+                  </a:schemeClr>
+                </a:solidFill>
+              </a:rPr>
+              <a:t>(a1): update table record</a:t>
+            </a:r>
+          </a:p>
+          <a:p>
+            <a:pPr marL="171450" indent="-171450">
+              <a:buFont typeface="Wingdings" panose="05000000000000000000" pitchFamily="2" charset="2"/>
+              <a:buChar char="Ø"/>
+            </a:pPr>
+            <a:endParaRPr lang="de-DE" sz="900">
+              <a:solidFill>
+                <a:schemeClr val="accent5">
+                  <a:lumMod val="75000"/>
+                </a:schemeClr>
+              </a:solidFill>
+            </a:endParaRPr>
+          </a:p>
+          <a:p>
+            <a:pPr marL="171450" indent="-171450">
+              <a:buFont typeface="Wingdings" panose="05000000000000000000" pitchFamily="2" charset="2"/>
+              <a:buChar char="Ø"/>
+            </a:pPr>
+            <a:endParaRPr lang="de-DE" sz="900">
+              <a:solidFill>
+                <a:schemeClr val="accent5">
+                  <a:lumMod val="75000"/>
+                </a:schemeClr>
+              </a:solidFill>
+            </a:endParaRPr>
+          </a:p>
+          <a:p>
+            <a:pPr marL="171450" indent="-171450">
+              <a:buFont typeface="Wingdings" panose="05000000000000000000" pitchFamily="2" charset="2"/>
+              <a:buChar char="Ø"/>
+            </a:pPr>
+            <a:endParaRPr lang="de-DE" sz="900">
+              <a:solidFill>
+                <a:schemeClr val="accent5">
+                  <a:lumMod val="75000"/>
+                </a:schemeClr>
+              </a:solidFill>
+            </a:endParaRPr>
+          </a:p>
+          <a:p>
+            <a:pPr marL="171450" indent="-171450">
+              <a:buFont typeface="Wingdings" panose="05000000000000000000" pitchFamily="2" charset="2"/>
+              <a:buChar char="Ø"/>
+            </a:pPr>
+            <a:endParaRPr lang="de-DE" sz="900">
+              <a:solidFill>
+                <a:schemeClr val="accent5">
+                  <a:lumMod val="75000"/>
+                </a:schemeClr>
+              </a:solidFill>
+            </a:endParaRPr>
+          </a:p>
+          <a:p>
+            <a:pPr marL="171450" indent="-171450">
+              <a:buFont typeface="Wingdings" panose="05000000000000000000" pitchFamily="2" charset="2"/>
+              <a:buChar char="Ø"/>
+            </a:pPr>
+            <a:endParaRPr lang="de-DE" sz="900">
+              <a:solidFill>
+                <a:schemeClr val="accent5">
+                  <a:lumMod val="75000"/>
+                </a:schemeClr>
+              </a:solidFill>
+            </a:endParaRPr>
+          </a:p>
+          <a:p>
+            <a:endParaRPr lang="de-DE" sz="900">
+              <a:solidFill>
+                <a:schemeClr val="accent5">
+                  <a:lumMod val="75000"/>
+                </a:schemeClr>
+              </a:solidFill>
+            </a:endParaRPr>
+          </a:p>
+          <a:p>
+            <a:pPr marL="171450" indent="-171450">
+              <a:buFont typeface="Wingdings" panose="05000000000000000000" pitchFamily="2" charset="2"/>
+              <a:buChar char="Ø"/>
+            </a:pPr>
+            <a:r>
+              <a:rPr lang="de-DE" sz="900">
+                <a:solidFill>
+                  <a:schemeClr val="accent5">
+                    <a:lumMod val="75000"/>
+                  </a:schemeClr>
+                </a:solidFill>
+              </a:rPr>
+              <a:t>(a2): add table record</a:t>
+            </a:r>
+          </a:p>
+          <a:p>
+            <a:pPr marL="171450" indent="-171450">
+              <a:buFont typeface="Wingdings" panose="05000000000000000000" pitchFamily="2" charset="2"/>
+              <a:buChar char="Ø"/>
+            </a:pPr>
+            <a:endParaRPr lang="de-DE" sz="900">
+              <a:solidFill>
+                <a:schemeClr val="accent5">
+                  <a:lumMod val="75000"/>
+                </a:schemeClr>
+              </a:solidFill>
+            </a:endParaRPr>
+          </a:p>
+          <a:p>
+            <a:pPr marL="171450" indent="-171450">
+              <a:buFont typeface="Wingdings" panose="05000000000000000000" pitchFamily="2" charset="2"/>
+              <a:buChar char="Ø"/>
+            </a:pPr>
+            <a:endParaRPr lang="de-DE" sz="900">
+              <a:solidFill>
+                <a:schemeClr val="accent5">
+                  <a:lumMod val="75000"/>
+                </a:schemeClr>
+              </a:solidFill>
+            </a:endParaRPr>
+          </a:p>
+          <a:p>
+            <a:pPr marL="171450" indent="-171450">
+              <a:buFont typeface="Wingdings" panose="05000000000000000000" pitchFamily="2" charset="2"/>
+              <a:buChar char="Ø"/>
+            </a:pPr>
+            <a:endParaRPr lang="de-DE" sz="900">
+              <a:solidFill>
+                <a:schemeClr val="accent5">
+                  <a:lumMod val="75000"/>
+                </a:schemeClr>
+              </a:solidFill>
+            </a:endParaRPr>
+          </a:p>
+          <a:p>
+            <a:pPr marL="171450" indent="-171450">
+              <a:buFont typeface="Wingdings" panose="05000000000000000000" pitchFamily="2" charset="2"/>
+              <a:buChar char="Ø"/>
+            </a:pPr>
+            <a:endParaRPr lang="de-DE" sz="900">
+              <a:solidFill>
+                <a:schemeClr val="accent5">
+                  <a:lumMod val="75000"/>
+                </a:schemeClr>
+              </a:solidFill>
+            </a:endParaRPr>
+          </a:p>
+          <a:p>
+            <a:pPr marL="171450" indent="-171450">
+              <a:buFont typeface="Wingdings" panose="05000000000000000000" pitchFamily="2" charset="2"/>
+              <a:buChar char="Ø"/>
+            </a:pPr>
+            <a:endParaRPr lang="de-DE" sz="900">
+              <a:solidFill>
+                <a:schemeClr val="accent5">
+                  <a:lumMod val="75000"/>
+                </a:schemeClr>
+              </a:solidFill>
+            </a:endParaRPr>
+          </a:p>
+          <a:p>
+            <a:pPr marL="171450" indent="-171450">
+              <a:buFont typeface="Wingdings" panose="05000000000000000000" pitchFamily="2" charset="2"/>
+              <a:buChar char="Ø"/>
+            </a:pPr>
+            <a:endParaRPr lang="de-DE" sz="900">
+              <a:solidFill>
+                <a:schemeClr val="accent5">
+                  <a:lumMod val="75000"/>
+                </a:schemeClr>
+              </a:solidFill>
+            </a:endParaRPr>
+          </a:p>
+          <a:p>
+            <a:endParaRPr lang="de-DE" sz="900">
+              <a:solidFill>
+                <a:schemeClr val="accent5">
+                  <a:lumMod val="75000"/>
+                </a:schemeClr>
+              </a:solidFill>
+            </a:endParaRPr>
+          </a:p>
+          <a:p>
+            <a:endParaRPr lang="de-DE" sz="400">
+              <a:solidFill>
+                <a:schemeClr val="accent5">
+                  <a:lumMod val="75000"/>
+                </a:schemeClr>
+              </a:solidFill>
+            </a:endParaRPr>
+          </a:p>
+          <a:p>
+            <a:pPr marL="171450" indent="-171450">
+              <a:buFont typeface="Wingdings" panose="05000000000000000000" pitchFamily="2" charset="2"/>
+              <a:buChar char="Ø"/>
+            </a:pPr>
+            <a:r>
+              <a:rPr lang="de-DE" sz="900">
+                <a:solidFill>
+                  <a:schemeClr val="accent5">
+                    <a:lumMod val="75000"/>
+                  </a:schemeClr>
+                </a:solidFill>
+              </a:rPr>
+              <a:t>(b1): update table record</a:t>
+            </a:r>
+          </a:p>
+          <a:p>
+            <a:pPr marL="171450" indent="-171450">
+              <a:buFont typeface="Wingdings" panose="05000000000000000000" pitchFamily="2" charset="2"/>
+              <a:buChar char="Ø"/>
+            </a:pPr>
+            <a:endParaRPr lang="de-DE" sz="900">
+              <a:solidFill>
+                <a:schemeClr val="accent5">
+                  <a:lumMod val="75000"/>
+                </a:schemeClr>
+              </a:solidFill>
+            </a:endParaRPr>
+          </a:p>
+          <a:p>
+            <a:pPr marL="171450" indent="-171450">
+              <a:buFont typeface="Wingdings" panose="05000000000000000000" pitchFamily="2" charset="2"/>
+              <a:buChar char="Ø"/>
+            </a:pPr>
+            <a:endParaRPr lang="de-DE" sz="900">
+              <a:solidFill>
+                <a:schemeClr val="accent5">
+                  <a:lumMod val="75000"/>
+                </a:schemeClr>
+              </a:solidFill>
+            </a:endParaRPr>
+          </a:p>
+          <a:p>
+            <a:pPr marL="171450" indent="-171450">
+              <a:buFont typeface="Wingdings" panose="05000000000000000000" pitchFamily="2" charset="2"/>
+              <a:buChar char="Ø"/>
+            </a:pPr>
+            <a:endParaRPr lang="de-DE" sz="900">
+              <a:solidFill>
+                <a:schemeClr val="accent5">
+                  <a:lumMod val="75000"/>
+                </a:schemeClr>
+              </a:solidFill>
+            </a:endParaRPr>
+          </a:p>
+          <a:p>
+            <a:pPr marL="171450" indent="-171450">
+              <a:buFont typeface="Wingdings" panose="05000000000000000000" pitchFamily="2" charset="2"/>
+              <a:buChar char="Ø"/>
+            </a:pPr>
+            <a:endParaRPr lang="de-DE" sz="900">
+              <a:solidFill>
+                <a:schemeClr val="accent5">
+                  <a:lumMod val="75000"/>
+                </a:schemeClr>
+              </a:solidFill>
+            </a:endParaRPr>
+          </a:p>
+          <a:p>
+            <a:pPr marL="171450" indent="-171450">
+              <a:buFont typeface="Wingdings" panose="05000000000000000000" pitchFamily="2" charset="2"/>
+              <a:buChar char="Ø"/>
+            </a:pPr>
+            <a:endParaRPr lang="de-DE" sz="900">
+              <a:solidFill>
+                <a:schemeClr val="accent5">
+                  <a:lumMod val="75000"/>
+                </a:schemeClr>
+              </a:solidFill>
+            </a:endParaRPr>
+          </a:p>
+          <a:p>
+            <a:pPr marL="171450" indent="-171450">
+              <a:buFont typeface="Wingdings" panose="05000000000000000000" pitchFamily="2" charset="2"/>
+              <a:buChar char="Ø"/>
+            </a:pPr>
+            <a:endParaRPr lang="de-DE" sz="900">
+              <a:solidFill>
+                <a:schemeClr val="accent5">
+                  <a:lumMod val="75000"/>
+                </a:schemeClr>
+              </a:solidFill>
+            </a:endParaRPr>
+          </a:p>
+          <a:p>
+            <a:pPr marL="171450" indent="-171450">
+              <a:buFont typeface="Wingdings" panose="05000000000000000000" pitchFamily="2" charset="2"/>
+              <a:buChar char="Ø"/>
+            </a:pPr>
+            <a:endParaRPr lang="de-DE" sz="900">
+              <a:solidFill>
+                <a:schemeClr val="accent5">
+                  <a:lumMod val="75000"/>
+                </a:schemeClr>
+              </a:solidFill>
+            </a:endParaRPr>
+          </a:p>
+          <a:p>
+            <a:endParaRPr lang="de-DE" sz="900">
+              <a:solidFill>
+                <a:schemeClr val="accent5">
+                  <a:lumMod val="75000"/>
+                </a:schemeClr>
+              </a:solidFill>
+            </a:endParaRPr>
+          </a:p>
+          <a:p>
+            <a:pPr marL="171450" indent="-171450">
+              <a:buFont typeface="Wingdings" panose="05000000000000000000" pitchFamily="2" charset="2"/>
+              <a:buChar char="Ø"/>
+            </a:pPr>
+            <a:r>
+              <a:rPr lang="de-DE" sz="900">
+                <a:solidFill>
+                  <a:schemeClr val="accent5">
+                    <a:lumMod val="75000"/>
+                  </a:schemeClr>
+                </a:solidFill>
+              </a:rPr>
+              <a:t>(b2): add table record</a:t>
+            </a:r>
+          </a:p>
+          <a:p>
+            <a:pPr marL="171450" indent="-171450">
+              <a:buFont typeface="Wingdings" panose="05000000000000000000" pitchFamily="2" charset="2"/>
+              <a:buChar char="Ø"/>
+            </a:pPr>
+            <a:endParaRPr lang="de-DE" sz="900">
+              <a:solidFill>
+                <a:schemeClr val="accent5">
+                  <a:lumMod val="75000"/>
+                </a:schemeClr>
+              </a:solidFill>
+            </a:endParaRPr>
+          </a:p>
+          <a:p>
+            <a:pPr marL="171450" indent="-171450">
+              <a:buFont typeface="Wingdings" panose="05000000000000000000" pitchFamily="2" charset="2"/>
+              <a:buChar char="Ø"/>
+            </a:pPr>
+            <a:endParaRPr lang="de-DE" sz="900">
+              <a:solidFill>
+                <a:schemeClr val="accent5">
+                  <a:lumMod val="75000"/>
+                </a:schemeClr>
+              </a:solidFill>
+            </a:endParaRPr>
+          </a:p>
+          <a:p>
+            <a:pPr marL="171450" indent="-171450">
+              <a:buFont typeface="Wingdings" panose="05000000000000000000" pitchFamily="2" charset="2"/>
+              <a:buChar char="Ø"/>
+            </a:pPr>
+            <a:endParaRPr lang="de-DE" sz="900">
+              <a:solidFill>
+                <a:schemeClr val="accent5">
+                  <a:lumMod val="75000"/>
+                </a:schemeClr>
+              </a:solidFill>
+            </a:endParaRPr>
+          </a:p>
+          <a:p>
+            <a:pPr marL="171450" indent="-171450">
+              <a:buFont typeface="Wingdings" panose="05000000000000000000" pitchFamily="2" charset="2"/>
+              <a:buChar char="Ø"/>
+            </a:pPr>
+            <a:endParaRPr lang="de-DE" sz="900">
+              <a:solidFill>
+                <a:schemeClr val="accent5">
+                  <a:lumMod val="75000"/>
+                </a:schemeClr>
+              </a:solidFill>
+            </a:endParaRPr>
+          </a:p>
+          <a:p>
+            <a:pPr marL="171450" indent="-171450">
+              <a:buFont typeface="Wingdings" panose="05000000000000000000" pitchFamily="2" charset="2"/>
+              <a:buChar char="Ø"/>
+            </a:pPr>
+            <a:endParaRPr lang="de-DE" sz="900">
+              <a:solidFill>
+                <a:schemeClr val="accent5">
+                  <a:lumMod val="75000"/>
+                </a:schemeClr>
+              </a:solidFill>
+            </a:endParaRPr>
+          </a:p>
+          <a:p>
+            <a:pPr marL="171450" indent="-171450">
+              <a:buFont typeface="Wingdings" panose="05000000000000000000" pitchFamily="2" charset="2"/>
+              <a:buChar char="Ø"/>
+            </a:pPr>
+            <a:endParaRPr lang="de-DE" sz="900">
+              <a:solidFill>
+                <a:schemeClr val="accent5">
+                  <a:lumMod val="75000"/>
+                </a:schemeClr>
+              </a:solidFill>
+            </a:endParaRPr>
+          </a:p>
+          <a:p>
+            <a:pPr marL="171450" indent="-171450">
+              <a:buFont typeface="Wingdings" panose="05000000000000000000" pitchFamily="2" charset="2"/>
+              <a:buChar char="Ø"/>
+            </a:pPr>
+            <a:endParaRPr lang="de-DE" sz="900">
+              <a:solidFill>
+                <a:schemeClr val="accent5">
+                  <a:lumMod val="75000"/>
+                </a:schemeClr>
+              </a:solidFill>
+            </a:endParaRPr>
+          </a:p>
+          <a:p>
+            <a:pPr marL="171450" indent="-171450">
+              <a:buFont typeface="Wingdings" panose="05000000000000000000" pitchFamily="2" charset="2"/>
+              <a:buChar char="Ø"/>
+            </a:pPr>
+            <a:endParaRPr lang="de-DE" sz="900">
+              <a:solidFill>
+                <a:schemeClr val="accent5">
+                  <a:lumMod val="75000"/>
+                </a:schemeClr>
+              </a:solidFill>
+            </a:endParaRPr>
+          </a:p>
+          <a:p>
+            <a:endParaRPr lang="de-DE" sz="900">
+              <a:solidFill>
+                <a:schemeClr val="accent5">
+                  <a:lumMod val="75000"/>
+                </a:schemeClr>
+              </a:solidFill>
+            </a:endParaRPr>
+          </a:p>
+          <a:p>
+            <a:pPr marL="171450" indent="-171450">
+              <a:buFont typeface="Wingdings" panose="05000000000000000000" pitchFamily="2" charset="2"/>
+              <a:buChar char="Ø"/>
+            </a:pPr>
+            <a:r>
+              <a:rPr lang="de-DE" sz="900">
+                <a:solidFill>
+                  <a:schemeClr val="accent5">
+                    <a:lumMod val="75000"/>
+                  </a:schemeClr>
+                </a:solidFill>
+              </a:rPr>
+              <a:t>(c1,c2): if the device is deleted due to notification receipt, then this is handled by the notification caused updates to the metadata table</a:t>
+            </a:r>
+          </a:p>
+        </p:txBody>
+      </p:sp>
+      <p:cxnSp>
+        <p:nvCxnSpPr>
+          <p:cNvPr id="43" name="Gerade Verbindung mit Pfeil 42">
+            <a:extLst>
+              <a:ext uri="{FF2B5EF4-FFF2-40B4-BE49-F238E27FC236}">
+                <a16:creationId xmlns:a16="http://schemas.microsoft.com/office/drawing/2014/main" id="{1EE6FE33-D19F-1F6C-59F0-7D7CE753140E}"/>
+              </a:ext>
+            </a:extLst>
+          </p:cNvPr>
+          <p:cNvCxnSpPr>
+            <a:cxnSpLocks/>
+          </p:cNvCxnSpPr>
+          <p:nvPr/>
+        </p:nvCxnSpPr>
+        <p:spPr>
+          <a:xfrm>
+            <a:off x="5952162" y="2181339"/>
+            <a:ext cx="0" cy="8175948"/>
+          </a:xfrm>
+          <a:prstGeom prst="straightConnector1">
+            <a:avLst/>
+          </a:prstGeom>
+          <a:ln w="12700">
+            <a:solidFill>
+              <a:schemeClr val="accent5">
+                <a:lumMod val="75000"/>
+              </a:schemeClr>
+            </a:solidFill>
+            <a:tailEnd type="triangle"/>
+          </a:ln>
+        </p:spPr>
+        <p:style>
+          <a:lnRef idx="2">
+            <a:schemeClr val="accent1"/>
+          </a:lnRef>
+          <a:fillRef idx="0">
+            <a:schemeClr val="accent1"/>
+          </a:fillRef>
+          <a:effectRef idx="1">
+            <a:schemeClr val="accent1"/>
+          </a:effectRef>
+          <a:fontRef idx="minor">
+            <a:schemeClr val="tx1"/>
+          </a:fontRef>
+        </p:style>
+      </p:cxnSp>
+      <p:sp>
+        <p:nvSpPr>
+          <p:cNvPr id="47" name="Textfeld 46">
+            <a:extLst>
+              <a:ext uri="{FF2B5EF4-FFF2-40B4-BE49-F238E27FC236}">
+                <a16:creationId xmlns:a16="http://schemas.microsoft.com/office/drawing/2014/main" id="{D01B7103-55B0-4F11-2687-1DB4AFAF21D2}"/>
+              </a:ext>
+            </a:extLst>
+          </p:cNvPr>
+          <p:cNvSpPr txBox="1"/>
+          <p:nvPr/>
+        </p:nvSpPr>
+        <p:spPr>
+          <a:xfrm>
+            <a:off x="6261137" y="3184393"/>
+            <a:ext cx="3001339" cy="2123658"/>
+          </a:xfrm>
+          <a:prstGeom prst="rect">
+            <a:avLst/>
+          </a:prstGeom>
+          <a:noFill/>
+        </p:spPr>
+        <p:txBody>
+          <a:bodyPr wrap="square" rtlCol="0">
+            <a:spAutoFit/>
+          </a:bodyPr>
+          <a:lstStyle/>
+          <a:p>
+            <a:r>
+              <a:rPr lang="de-DE" sz="1050" b="1">
+                <a:solidFill>
+                  <a:schemeClr val="accent5">
+                    <a:lumMod val="75000"/>
+                  </a:schemeClr>
+                </a:solidFill>
+              </a:rPr>
+              <a:t>Does device exist in metadata table already?</a:t>
+            </a:r>
+          </a:p>
+          <a:p>
+            <a:pPr marL="171450" indent="-171450">
+              <a:buFont typeface="Wingdings" panose="05000000000000000000" pitchFamily="2" charset="2"/>
+              <a:buChar char="Ø"/>
+            </a:pPr>
+            <a:r>
+              <a:rPr lang="de-DE" sz="1050" b="1">
+                <a:solidFill>
+                  <a:schemeClr val="accent5">
+                    <a:lumMod val="75000"/>
+                  </a:schemeClr>
+                </a:solidFill>
+              </a:rPr>
+              <a:t>no</a:t>
+            </a:r>
+            <a:r>
+              <a:rPr lang="de-DE" sz="1050">
+                <a:solidFill>
+                  <a:schemeClr val="accent5">
+                    <a:lumMod val="75000"/>
+                  </a:schemeClr>
+                </a:solidFill>
+              </a:rPr>
+              <a:t>: </a:t>
+            </a:r>
+            <a:r>
+              <a:rPr lang="de-DE" sz="1050" u="sng">
+                <a:solidFill>
+                  <a:schemeClr val="accent5">
+                    <a:lumMod val="75000"/>
+                  </a:schemeClr>
+                </a:solidFill>
+              </a:rPr>
+              <a:t>add </a:t>
+            </a:r>
+            <a:r>
+              <a:rPr lang="de-DE" sz="1050">
+                <a:solidFill>
+                  <a:schemeClr val="accent5">
+                    <a:lumMod val="75000"/>
+                  </a:schemeClr>
+                </a:solidFill>
+              </a:rPr>
+              <a:t>it to the table</a:t>
+            </a:r>
+            <a:r>
+              <a:rPr lang="de-DE" sz="1050" i="1">
+                <a:solidFill>
+                  <a:schemeClr val="accent5">
+                    <a:lumMod val="75000"/>
+                  </a:schemeClr>
+                </a:solidFill>
+              </a:rPr>
+              <a:t> </a:t>
+            </a:r>
+          </a:p>
+          <a:p>
+            <a:pPr marL="358775" lvl="1" indent="-171450">
+              <a:buFont typeface="Arial" panose="020B0604020202020204" pitchFamily="34" charset="0"/>
+              <a:buChar char="•"/>
+            </a:pPr>
+            <a:r>
+              <a:rPr lang="de-DE" sz="1000">
+                <a:solidFill>
+                  <a:schemeClr val="accent5">
+                    <a:lumMod val="75000"/>
+                  </a:schemeClr>
+                </a:solidFill>
+              </a:rPr>
+              <a:t>If Status = connected:</a:t>
+            </a:r>
+          </a:p>
+          <a:p>
+            <a:pPr marL="358775" lvl="1" indent="-171450">
+              <a:buFont typeface="Arial" panose="020B0604020202020204" pitchFamily="34" charset="0"/>
+              <a:buChar char="•"/>
+            </a:pPr>
+            <a:endParaRPr lang="de-DE" sz="1000">
+              <a:solidFill>
+                <a:schemeClr val="accent5">
+                  <a:lumMod val="75000"/>
+                </a:schemeClr>
+              </a:solidFill>
+            </a:endParaRPr>
+          </a:p>
+          <a:p>
+            <a:pPr marL="358775" lvl="1" indent="-171450">
+              <a:buFont typeface="Arial" panose="020B0604020202020204" pitchFamily="34" charset="0"/>
+              <a:buChar char="•"/>
+            </a:pPr>
+            <a:endParaRPr lang="de-DE" sz="1000">
+              <a:solidFill>
+                <a:schemeClr val="accent5">
+                  <a:lumMod val="75000"/>
+                </a:schemeClr>
+              </a:solidFill>
+            </a:endParaRPr>
+          </a:p>
+          <a:p>
+            <a:pPr marL="358775" lvl="1" indent="-171450">
+              <a:buFont typeface="Arial" panose="020B0604020202020204" pitchFamily="34" charset="0"/>
+              <a:buChar char="•"/>
+            </a:pPr>
+            <a:endParaRPr lang="de-DE" sz="1000">
+              <a:solidFill>
+                <a:schemeClr val="accent5">
+                  <a:lumMod val="75000"/>
+                </a:schemeClr>
+              </a:solidFill>
+            </a:endParaRPr>
+          </a:p>
+          <a:p>
+            <a:pPr marL="358775" lvl="1" indent="-171450">
+              <a:buFont typeface="Arial" panose="020B0604020202020204" pitchFamily="34" charset="0"/>
+              <a:buChar char="•"/>
+            </a:pPr>
+            <a:endParaRPr lang="de-DE" sz="1000">
+              <a:solidFill>
+                <a:schemeClr val="accent5">
+                  <a:lumMod val="75000"/>
+                </a:schemeClr>
+              </a:solidFill>
+            </a:endParaRPr>
+          </a:p>
+          <a:p>
+            <a:pPr marL="358775" lvl="1" indent="-171450">
+              <a:buFont typeface="Arial" panose="020B0604020202020204" pitchFamily="34" charset="0"/>
+              <a:buChar char="•"/>
+            </a:pPr>
+            <a:endParaRPr lang="de-DE" sz="1000">
+              <a:solidFill>
+                <a:schemeClr val="accent5">
+                  <a:lumMod val="75000"/>
+                </a:schemeClr>
+              </a:solidFill>
+            </a:endParaRPr>
+          </a:p>
+          <a:p>
+            <a:pPr marL="358775" lvl="1" indent="-171450">
+              <a:buFont typeface="Arial" panose="020B0604020202020204" pitchFamily="34" charset="0"/>
+              <a:buChar char="•"/>
+            </a:pPr>
+            <a:endParaRPr lang="de-DE" sz="1000">
+              <a:solidFill>
+                <a:schemeClr val="accent5">
+                  <a:lumMod val="75000"/>
+                </a:schemeClr>
+              </a:solidFill>
+            </a:endParaRPr>
+          </a:p>
+          <a:p>
+            <a:pPr marL="187325" lvl="1"/>
+            <a:endParaRPr lang="de-DE" sz="1000">
+              <a:solidFill>
+                <a:schemeClr val="accent5">
+                  <a:lumMod val="75000"/>
+                </a:schemeClr>
+              </a:solidFill>
+            </a:endParaRPr>
+          </a:p>
+          <a:p>
+            <a:pPr marL="358775" lvl="1" indent="-171450">
+              <a:buFont typeface="Arial" panose="020B0604020202020204" pitchFamily="34" charset="0"/>
+              <a:buChar char="•"/>
+            </a:pPr>
+            <a:r>
+              <a:rPr lang="de-DE" sz="1000">
+                <a:solidFill>
+                  <a:schemeClr val="accent5">
+                    <a:lumMod val="75000"/>
+                  </a:schemeClr>
+                </a:solidFill>
+              </a:rPr>
+              <a:t>If Status != connected:</a:t>
+            </a:r>
+            <a:endParaRPr lang="de-DE" sz="1050">
+              <a:solidFill>
+                <a:schemeClr val="accent5">
+                  <a:lumMod val="75000"/>
+                </a:schemeClr>
+              </a:solidFill>
+            </a:endParaRPr>
+          </a:p>
+          <a:p>
+            <a:pPr marL="187325" lvl="1"/>
+            <a:endParaRPr lang="de-DE" sz="1050">
+              <a:solidFill>
+                <a:schemeClr val="accent5">
+                  <a:lumMod val="75000"/>
+                </a:schemeClr>
+              </a:solidFill>
+            </a:endParaRPr>
+          </a:p>
+          <a:p>
+            <a:pPr marL="187325" lvl="1"/>
+            <a:endParaRPr lang="de-DE" sz="1050">
+              <a:solidFill>
+                <a:schemeClr val="accent5">
+                  <a:lumMod val="75000"/>
+                </a:schemeClr>
+              </a:solidFill>
+            </a:endParaRPr>
+          </a:p>
+        </p:txBody>
+      </p:sp>
+      <p:cxnSp>
+        <p:nvCxnSpPr>
+          <p:cNvPr id="48" name="Gerade Verbindung mit Pfeil 47">
+            <a:extLst>
+              <a:ext uri="{FF2B5EF4-FFF2-40B4-BE49-F238E27FC236}">
+                <a16:creationId xmlns:a16="http://schemas.microsoft.com/office/drawing/2014/main" id="{2E6DCD51-1F74-C4BE-692A-6723AE34C0E0}"/>
+              </a:ext>
+            </a:extLst>
+          </p:cNvPr>
+          <p:cNvCxnSpPr>
+            <a:cxnSpLocks/>
+          </p:cNvCxnSpPr>
+          <p:nvPr/>
+        </p:nvCxnSpPr>
+        <p:spPr>
+          <a:xfrm>
+            <a:off x="3427200" y="3185160"/>
+            <a:ext cx="0" cy="7172127"/>
+          </a:xfrm>
+          <a:prstGeom prst="straightConnector1">
+            <a:avLst/>
+          </a:prstGeom>
+          <a:ln w="12700">
+            <a:solidFill>
+              <a:schemeClr val="accent2">
+                <a:lumMod val="75000"/>
+              </a:schemeClr>
+            </a:solidFill>
+            <a:tailEnd type="triangle"/>
+          </a:ln>
+        </p:spPr>
+        <p:style>
+          <a:lnRef idx="2">
+            <a:schemeClr val="accent1"/>
+          </a:lnRef>
+          <a:fillRef idx="0">
+            <a:schemeClr val="accent1"/>
+          </a:fillRef>
+          <a:effectRef idx="1">
+            <a:schemeClr val="accent1"/>
+          </a:effectRef>
+          <a:fontRef idx="minor">
+            <a:schemeClr val="tx1"/>
+          </a:fontRef>
+        </p:style>
+      </p:cxnSp>
+      <p:sp>
+        <p:nvSpPr>
+          <p:cNvPr id="51" name="Textfeld 50">
+            <a:extLst>
+              <a:ext uri="{FF2B5EF4-FFF2-40B4-BE49-F238E27FC236}">
+                <a16:creationId xmlns:a16="http://schemas.microsoft.com/office/drawing/2014/main" id="{9EF56F86-9A68-4AD3-136E-EF825AED7F4C}"/>
+              </a:ext>
+            </a:extLst>
+          </p:cNvPr>
+          <p:cNvSpPr txBox="1"/>
+          <p:nvPr/>
+        </p:nvSpPr>
+        <p:spPr>
+          <a:xfrm>
+            <a:off x="3530413" y="3743904"/>
             <a:ext cx="2310196" cy="1992853"/>
           </a:xfrm>
           <a:prstGeom prst="rect">
@@ -6749,7 +14132,7 @@
           <p:cNvPr id="56" name="Rechteck 55">
             <a:extLst>
               <a:ext uri="{FF2B5EF4-FFF2-40B4-BE49-F238E27FC236}">
-                <a16:creationId xmlns:a16="http://schemas.microsoft.com/office/drawing/2014/main" id="{17388A9D-D2CB-5A6C-DA78-1823CA848FE2}"/>
+                <a16:creationId xmlns:a16="http://schemas.microsoft.com/office/drawing/2014/main" id="{03479AED-5C08-6CFD-1E54-6D1F1AE3BB1B}"/>
               </a:ext>
             </a:extLst>
           </p:cNvPr>
@@ -6861,20 +14244,14 @@
           <p:cNvPr id="2" name="Tabelle 1">
             <a:extLst>
               <a:ext uri="{FF2B5EF4-FFF2-40B4-BE49-F238E27FC236}">
-                <a16:creationId xmlns:a16="http://schemas.microsoft.com/office/drawing/2014/main" id="{946D5548-63C6-A3FB-46CB-C16406FD78A0}"/>
+                <a16:creationId xmlns:a16="http://schemas.microsoft.com/office/drawing/2014/main" id="{8F31DF31-A096-D5B9-359A-9E1F07E0317D}"/>
               </a:ext>
             </a:extLst>
           </p:cNvPr>
           <p:cNvGraphicFramePr>
             <a:graphicFrameLocks noGrp="1"/>
           </p:cNvGraphicFramePr>
-          <p:nvPr>
-            <p:extLst>
-              <p:ext uri="{D42A27DB-BD31-4B8C-83A1-F6EECF244321}">
-                <p14:modId xmlns:p14="http://schemas.microsoft.com/office/powerpoint/2010/main" val="912324680"/>
-              </p:ext>
-            </p:extLst>
-          </p:nvPr>
+          <p:nvPr/>
         </p:nvGraphicFramePr>
         <p:xfrm>
           <a:off x="535216" y="10562913"/>
@@ -7245,7 +14622,7 @@
           <p:cNvPr id="8" name="Textfeld 7">
             <a:extLst>
               <a:ext uri="{FF2B5EF4-FFF2-40B4-BE49-F238E27FC236}">
-                <a16:creationId xmlns:a16="http://schemas.microsoft.com/office/drawing/2014/main" id="{3257BBB6-2A6D-94D0-069D-0590FA325D96}"/>
+                <a16:creationId xmlns:a16="http://schemas.microsoft.com/office/drawing/2014/main" id="{A8A2610B-1E35-39E7-3D1A-84504AAA01EF}"/>
               </a:ext>
             </a:extLst>
           </p:cNvPr>
@@ -7372,7 +14749,7 @@
           <p:cNvPr id="10" name="Textfeld 9">
             <a:extLst>
               <a:ext uri="{FF2B5EF4-FFF2-40B4-BE49-F238E27FC236}">
-                <a16:creationId xmlns:a16="http://schemas.microsoft.com/office/drawing/2014/main" id="{6E510005-0E35-B290-977C-27861FF72024}"/>
+                <a16:creationId xmlns:a16="http://schemas.microsoft.com/office/drawing/2014/main" id="{05B40F43-D862-F5CA-3CD2-E17F6D5BCED7}"/>
               </a:ext>
             </a:extLst>
           </p:cNvPr>
@@ -7528,7 +14905,7 @@
           <p:cNvPr id="14" name="Textfeld 13">
             <a:extLst>
               <a:ext uri="{FF2B5EF4-FFF2-40B4-BE49-F238E27FC236}">
-                <a16:creationId xmlns:a16="http://schemas.microsoft.com/office/drawing/2014/main" id="{FD18B820-B14A-5917-E67F-AA0CB72C0A9B}"/>
+                <a16:creationId xmlns:a16="http://schemas.microsoft.com/office/drawing/2014/main" id="{9F4A27BC-20DF-EFBD-3194-0AB298D1E0AC}"/>
               </a:ext>
             </a:extLst>
           </p:cNvPr>
@@ -7668,7 +15045,7 @@
           <p:cNvPr id="17" name="Textfeld 16">
             <a:extLst>
               <a:ext uri="{FF2B5EF4-FFF2-40B4-BE49-F238E27FC236}">
-                <a16:creationId xmlns:a16="http://schemas.microsoft.com/office/drawing/2014/main" id="{8E82E923-350D-B352-4937-8BEA2940067A}"/>
+                <a16:creationId xmlns:a16="http://schemas.microsoft.com/office/drawing/2014/main" id="{50F314D0-9F1D-CD56-F739-C59D01A58E24}"/>
               </a:ext>
             </a:extLst>
           </p:cNvPr>
@@ -7795,7 +15172,7 @@
           <p:cNvPr id="22" name="Textfeld 21">
             <a:extLst>
               <a:ext uri="{FF2B5EF4-FFF2-40B4-BE49-F238E27FC236}">
-                <a16:creationId xmlns:a16="http://schemas.microsoft.com/office/drawing/2014/main" id="{EA517859-89EE-F855-CDA8-2CCDEDFED70C}"/>
+                <a16:creationId xmlns:a16="http://schemas.microsoft.com/office/drawing/2014/main" id="{5C4874FF-443D-C920-182C-A270954B5DA1}"/>
               </a:ext>
             </a:extLst>
           </p:cNvPr>
@@ -7881,7 +15258,7 @@
           <p:cNvPr id="23" name="Textfeld 22">
             <a:extLst>
               <a:ext uri="{FF2B5EF4-FFF2-40B4-BE49-F238E27FC236}">
-                <a16:creationId xmlns:a16="http://schemas.microsoft.com/office/drawing/2014/main" id="{173BE658-32E1-BA7E-C685-B3319942F7E4}"/>
+                <a16:creationId xmlns:a16="http://schemas.microsoft.com/office/drawing/2014/main" id="{D2FB1E51-27D2-EB7A-DBCB-C5DDF5D7B4E4}"/>
               </a:ext>
             </a:extLst>
           </p:cNvPr>
@@ -8019,7 +15396,7 @@
           <p:cNvPr id="26" name="Textfeld 25">
             <a:extLst>
               <a:ext uri="{FF2B5EF4-FFF2-40B4-BE49-F238E27FC236}">
-                <a16:creationId xmlns:a16="http://schemas.microsoft.com/office/drawing/2014/main" id="{B003ED46-5195-39B6-0D7C-9727A827B544}"/>
+                <a16:creationId xmlns:a16="http://schemas.microsoft.com/office/drawing/2014/main" id="{F48B2C12-DCFF-CD9A-2B3E-DE38EB8EADA1}"/>
               </a:ext>
             </a:extLst>
           </p:cNvPr>
@@ -8094,7 +15471,7 @@
           <p:cNvPr id="27" name="Textfeld 26">
             <a:extLst>
               <a:ext uri="{FF2B5EF4-FFF2-40B4-BE49-F238E27FC236}">
-                <a16:creationId xmlns:a16="http://schemas.microsoft.com/office/drawing/2014/main" id="{61785A8A-ADFD-FB0F-6F2F-8E7E29B809F0}"/>
+                <a16:creationId xmlns:a16="http://schemas.microsoft.com/office/drawing/2014/main" id="{DD2C7DB9-2BEE-E98A-5B37-78BB5B36C4EB}"/>
               </a:ext>
             </a:extLst>
           </p:cNvPr>
@@ -8221,7 +15598,7 @@
           <p:cNvPr id="29" name="Textfeld 28">
             <a:extLst>
               <a:ext uri="{FF2B5EF4-FFF2-40B4-BE49-F238E27FC236}">
-                <a16:creationId xmlns:a16="http://schemas.microsoft.com/office/drawing/2014/main" id="{79F71CFE-8D74-B9FE-8668-F97EAE5368F0}"/>
+                <a16:creationId xmlns:a16="http://schemas.microsoft.com/office/drawing/2014/main" id="{835363B8-6B82-2748-D3D6-7AC0580F7D76}"/>
               </a:ext>
             </a:extLst>
           </p:cNvPr>
@@ -8264,7 +15641,7 @@
           <p:cNvPr id="30" name="Textfeld 29">
             <a:extLst>
               <a:ext uri="{FF2B5EF4-FFF2-40B4-BE49-F238E27FC236}">
-                <a16:creationId xmlns:a16="http://schemas.microsoft.com/office/drawing/2014/main" id="{7DB679D7-E52A-6259-89C9-9B8CA95A7943}"/>
+                <a16:creationId xmlns:a16="http://schemas.microsoft.com/office/drawing/2014/main" id="{9D345202-D03C-9C13-8DBD-197BB1AED27F}"/>
               </a:ext>
             </a:extLst>
           </p:cNvPr>
@@ -8391,7 +15768,7 @@
           <p:cNvPr id="40" name="Textfeld 39">
             <a:extLst>
               <a:ext uri="{FF2B5EF4-FFF2-40B4-BE49-F238E27FC236}">
-                <a16:creationId xmlns:a16="http://schemas.microsoft.com/office/drawing/2014/main" id="{09FCC31B-6779-19FC-A86E-331BDE089D11}"/>
+                <a16:creationId xmlns:a16="http://schemas.microsoft.com/office/drawing/2014/main" id="{1887770E-DF5A-A9C1-089D-E1BFF0C60A7D}"/>
               </a:ext>
             </a:extLst>
           </p:cNvPr>
@@ -8435,7 +15812,7 @@
           <p:cNvPr id="44" name="Textfeld 43">
             <a:extLst>
               <a:ext uri="{FF2B5EF4-FFF2-40B4-BE49-F238E27FC236}">
-                <a16:creationId xmlns:a16="http://schemas.microsoft.com/office/drawing/2014/main" id="{8379C4E6-619E-7FD2-167B-E0AFF1A4509A}"/>
+                <a16:creationId xmlns:a16="http://schemas.microsoft.com/office/drawing/2014/main" id="{3596EEE4-7726-8E3D-4EC6-F7FC595BB651}"/>
               </a:ext>
             </a:extLst>
           </p:cNvPr>
@@ -8479,7 +15856,7 @@
           <p:cNvPr id="45" name="Textfeld 44">
             <a:extLst>
               <a:ext uri="{FF2B5EF4-FFF2-40B4-BE49-F238E27FC236}">
-                <a16:creationId xmlns:a16="http://schemas.microsoft.com/office/drawing/2014/main" id="{D1F9B6A9-CA0F-6E25-C211-E9F078B79D87}"/>
+                <a16:creationId xmlns:a16="http://schemas.microsoft.com/office/drawing/2014/main" id="{6319D2FD-3396-57E2-E4EF-2D73C32982B2}"/>
               </a:ext>
             </a:extLst>
           </p:cNvPr>
@@ -8554,7 +15931,7 @@
           <p:cNvPr id="46" name="Textfeld 45">
             <a:extLst>
               <a:ext uri="{FF2B5EF4-FFF2-40B4-BE49-F238E27FC236}">
-                <a16:creationId xmlns:a16="http://schemas.microsoft.com/office/drawing/2014/main" id="{CABD0686-4E0B-E4CF-038C-5D139CAC034D}"/>
+                <a16:creationId xmlns:a16="http://schemas.microsoft.com/office/drawing/2014/main" id="{3DC97465-146B-3261-70CA-B19694ED9D6A}"/>
               </a:ext>
             </a:extLst>
           </p:cNvPr>
@@ -8629,7 +16006,7 @@
           <p:cNvPr id="49" name="Textfeld 48">
             <a:extLst>
               <a:ext uri="{FF2B5EF4-FFF2-40B4-BE49-F238E27FC236}">
-                <a16:creationId xmlns:a16="http://schemas.microsoft.com/office/drawing/2014/main" id="{99163760-81CC-D7A0-BD7C-8B30AC6104B0}"/>
+                <a16:creationId xmlns:a16="http://schemas.microsoft.com/office/drawing/2014/main" id="{54C52895-3A6A-C1E7-CCC2-21D221958027}"/>
               </a:ext>
             </a:extLst>
           </p:cNvPr>
@@ -8673,7 +16050,7 @@
           <p:cNvPr id="50" name="Textfeld 49">
             <a:extLst>
               <a:ext uri="{FF2B5EF4-FFF2-40B4-BE49-F238E27FC236}">
-                <a16:creationId xmlns:a16="http://schemas.microsoft.com/office/drawing/2014/main" id="{C65B7BC0-FB97-364B-C07D-33A52C3B85AA}"/>
+                <a16:creationId xmlns:a16="http://schemas.microsoft.com/office/drawing/2014/main" id="{B8DD0AF2-9932-91AA-70CA-1B6EFC003C1B}"/>
               </a:ext>
             </a:extLst>
           </p:cNvPr>
@@ -8774,7 +16151,7 @@
           <p:cNvPr id="52" name="Textfeld 51">
             <a:extLst>
               <a:ext uri="{FF2B5EF4-FFF2-40B4-BE49-F238E27FC236}">
-                <a16:creationId xmlns:a16="http://schemas.microsoft.com/office/drawing/2014/main" id="{A5CD8E84-F642-6DE6-EC7D-C870CDEB9944}"/>
+                <a16:creationId xmlns:a16="http://schemas.microsoft.com/office/drawing/2014/main" id="{09906EA2-933B-19ED-7270-A2DACF33C94C}"/>
               </a:ext>
             </a:extLst>
           </p:cNvPr>
@@ -8901,7 +16278,7 @@
           <p:cNvPr id="53" name="Textfeld 52">
             <a:extLst>
               <a:ext uri="{FF2B5EF4-FFF2-40B4-BE49-F238E27FC236}">
-                <a16:creationId xmlns:a16="http://schemas.microsoft.com/office/drawing/2014/main" id="{7BFCF8A0-A8A8-AC5B-62CA-A9617834AD02}"/>
+                <a16:creationId xmlns:a16="http://schemas.microsoft.com/office/drawing/2014/main" id="{69081677-A30B-5C16-482E-815745ABFC1B}"/>
               </a:ext>
             </a:extLst>
           </p:cNvPr>
@@ -8944,7 +16321,7 @@
           <p:cNvPr id="54" name="Textfeld 53">
             <a:extLst>
               <a:ext uri="{FF2B5EF4-FFF2-40B4-BE49-F238E27FC236}">
-                <a16:creationId xmlns:a16="http://schemas.microsoft.com/office/drawing/2014/main" id="{B7DC9D02-854D-50C3-BE00-58DF4B4F85C6}"/>
+                <a16:creationId xmlns:a16="http://schemas.microsoft.com/office/drawing/2014/main" id="{4589E9A3-B7CC-4CE1-7259-64981A9383F5}"/>
               </a:ext>
             </a:extLst>
           </p:cNvPr>
@@ -9071,7 +16448,7 @@
           <p:cNvPr id="57" name="Textfeld 56">
             <a:extLst>
               <a:ext uri="{FF2B5EF4-FFF2-40B4-BE49-F238E27FC236}">
-                <a16:creationId xmlns:a16="http://schemas.microsoft.com/office/drawing/2014/main" id="{C0556668-F443-585C-E309-EE70F5EED3AD}"/>
+                <a16:creationId xmlns:a16="http://schemas.microsoft.com/office/drawing/2014/main" id="{8E329066-D95C-CBE9-C96F-8011B148CB24}"/>
               </a:ext>
             </a:extLst>
           </p:cNvPr>
@@ -9114,7 +16491,7 @@
           <p:cNvPr id="58" name="Textfeld 57">
             <a:extLst>
               <a:ext uri="{FF2B5EF4-FFF2-40B4-BE49-F238E27FC236}">
-                <a16:creationId xmlns:a16="http://schemas.microsoft.com/office/drawing/2014/main" id="{91A247BC-E95A-383D-A984-BA57BFCC4366}"/>
+                <a16:creationId xmlns:a16="http://schemas.microsoft.com/office/drawing/2014/main" id="{0659A5C6-C15E-26A4-74A7-D061CD373BF3}"/>
               </a:ext>
             </a:extLst>
           </p:cNvPr>
@@ -9241,7 +16618,7 @@
           <p:cNvPr id="60" name="Gerader Verbinder 59">
             <a:extLst>
               <a:ext uri="{FF2B5EF4-FFF2-40B4-BE49-F238E27FC236}">
-                <a16:creationId xmlns:a16="http://schemas.microsoft.com/office/drawing/2014/main" id="{9D51AABB-7890-1D3C-38FE-6BC644DA1E49}"/>
+                <a16:creationId xmlns:a16="http://schemas.microsoft.com/office/drawing/2014/main" id="{2BEA8520-7153-8A41-197F-338428DA51F2}"/>
               </a:ext>
             </a:extLst>
           </p:cNvPr>
@@ -9288,7 +16665,7 @@
           <p:cNvPr id="61" name="Gerader Verbinder 60">
             <a:extLst>
               <a:ext uri="{FF2B5EF4-FFF2-40B4-BE49-F238E27FC236}">
-                <a16:creationId xmlns:a16="http://schemas.microsoft.com/office/drawing/2014/main" id="{DCE5EAEB-3F5C-E5DF-C233-068CD058695A}"/>
+                <a16:creationId xmlns:a16="http://schemas.microsoft.com/office/drawing/2014/main" id="{222F8309-F45C-4F6D-D4F8-06CCE24766FA}"/>
               </a:ext>
             </a:extLst>
           </p:cNvPr>
@@ -9335,7 +16712,7 @@
           <p:cNvPr id="76" name="Gerade Verbindung mit Pfeil 75">
             <a:extLst>
               <a:ext uri="{FF2B5EF4-FFF2-40B4-BE49-F238E27FC236}">
-                <a16:creationId xmlns:a16="http://schemas.microsoft.com/office/drawing/2014/main" id="{77ECC698-5DCE-39C1-9477-DD71481A86F5}"/>
+                <a16:creationId xmlns:a16="http://schemas.microsoft.com/office/drawing/2014/main" id="{09F145D2-EBBA-9B1D-F2D6-8922B5B344EE}"/>
               </a:ext>
             </a:extLst>
           </p:cNvPr>
@@ -9382,7 +16759,7 @@
           <p:cNvPr id="79" name="Gerade Verbindung mit Pfeil 78">
             <a:extLst>
               <a:ext uri="{FF2B5EF4-FFF2-40B4-BE49-F238E27FC236}">
-                <a16:creationId xmlns:a16="http://schemas.microsoft.com/office/drawing/2014/main" id="{E27B2061-C6F8-A646-CB16-7E4023277313}"/>
+                <a16:creationId xmlns:a16="http://schemas.microsoft.com/office/drawing/2014/main" id="{DB20C607-8824-EA46-80B7-E57F5FC22C63}"/>
               </a:ext>
             </a:extLst>
           </p:cNvPr>
@@ -9429,7 +16806,7 @@
           <p:cNvPr id="96" name="Textfeld 95">
             <a:extLst>
               <a:ext uri="{FF2B5EF4-FFF2-40B4-BE49-F238E27FC236}">
-                <a16:creationId xmlns:a16="http://schemas.microsoft.com/office/drawing/2014/main" id="{F016A024-E1FE-1CB0-E2AD-277F342C4FB9}"/>
+                <a16:creationId xmlns:a16="http://schemas.microsoft.com/office/drawing/2014/main" id="{C179B311-6158-AB03-6042-21C23BE7F767}"/>
               </a:ext>
             </a:extLst>
           </p:cNvPr>
@@ -9473,7 +16850,7 @@
           <p:cNvPr id="98" name="Gerader Verbinder 97">
             <a:extLst>
               <a:ext uri="{FF2B5EF4-FFF2-40B4-BE49-F238E27FC236}">
-                <a16:creationId xmlns:a16="http://schemas.microsoft.com/office/drawing/2014/main" id="{FA6F17D8-7174-CE80-EC30-CD893D65C407}"/>
+                <a16:creationId xmlns:a16="http://schemas.microsoft.com/office/drawing/2014/main" id="{D686FDA9-10BF-256A-5A18-CDD531DA36EA}"/>
               </a:ext>
             </a:extLst>
           </p:cNvPr>
@@ -9512,604 +16889,51 @@
           </a:fontRef>
         </p:style>
       </p:cxnSp>
-    </p:spTree>
-    <p:extLst>
-      <p:ext uri="{BB962C8B-B14F-4D97-AF65-F5344CB8AC3E}">
-        <p14:creationId xmlns:p14="http://schemas.microsoft.com/office/powerpoint/2010/main" val="4217530779"/>
-      </p:ext>
-    </p:extLst>
-  </p:cSld>
-  <p:clrMapOvr>
-    <a:masterClrMapping/>
-  </p:clrMapOvr>
-</p:sld>
-</file>
-
-<file path=ppt/slides/slide3.xml><?xml version="1.0" encoding="utf-8"?>
-<p:sld xmlns:a="http://schemas.openxmlformats.org/drawingml/2006/main" xmlns:r="http://schemas.openxmlformats.org/officeDocument/2006/relationships" xmlns:p="http://schemas.openxmlformats.org/presentationml/2006/main">
-  <p:cSld>
-    <p:spTree>
-      <p:nvGrpSpPr>
-        <p:cNvPr id="1" name=""/>
-        <p:cNvGrpSpPr/>
-        <p:nvPr/>
-      </p:nvGrpSpPr>
-      <p:grpSpPr>
-        <a:xfrm>
-          <a:off x="0" y="0"/>
-          <a:ext cx="0" cy="0"/>
-          <a:chOff x="0" y="0"/>
-          <a:chExt cx="0" cy="0"/>
-        </a:xfrm>
-      </p:grpSpPr>
-      <p:graphicFrame>
-        <p:nvGraphicFramePr>
-          <p:cNvPr id="4" name="Tabelle 3">
-            <a:extLst>
-              <a:ext uri="{FF2B5EF4-FFF2-40B4-BE49-F238E27FC236}">
-                <a16:creationId xmlns:a16="http://schemas.microsoft.com/office/drawing/2014/main" id="{DB033A91-99C9-2A9C-8811-F479AB1BA229}"/>
-              </a:ext>
-            </a:extLst>
-          </p:cNvPr>
-          <p:cNvGraphicFramePr>
-            <a:graphicFrameLocks noGrp="1"/>
-          </p:cNvGraphicFramePr>
-          <p:nvPr>
-            <p:extLst>
-              <p:ext uri="{D42A27DB-BD31-4B8C-83A1-F6EECF244321}">
-                <p14:modId xmlns:p14="http://schemas.microsoft.com/office/powerpoint/2010/main" val="2319279651"/>
-              </p:ext>
-            </p:extLst>
-          </p:nvPr>
-        </p:nvGraphicFramePr>
-        <p:xfrm>
-          <a:off x="317499" y="536786"/>
-          <a:ext cx="10495113" cy="3596640"/>
-        </p:xfrm>
-        <a:graphic>
-          <a:graphicData uri="http://schemas.openxmlformats.org/drawingml/2006/table">
-            <a:tbl>
-              <a:tblPr firstRow="1" bandRow="1">
-                <a:tableStyleId>{5C22544A-7EE6-4342-B048-85BDC9FD1C3A}</a:tableStyleId>
-              </a:tblPr>
-              <a:tblGrid>
-                <a:gridCol w="5248994">
-                  <a:extLst>
-                    <a:ext uri="{9D8B030D-6E8A-4147-A177-3AD203B41FA5}">
-                      <a16:colId xmlns:a16="http://schemas.microsoft.com/office/drawing/2014/main" val="1973923140"/>
-                    </a:ext>
-                  </a:extLst>
-                </a:gridCol>
-                <a:gridCol w="1747748">
-                  <a:extLst>
-                    <a:ext uri="{9D8B030D-6E8A-4147-A177-3AD203B41FA5}">
-                      <a16:colId xmlns:a16="http://schemas.microsoft.com/office/drawing/2014/main" val="934169871"/>
-                    </a:ext>
-                  </a:extLst>
-                </a:gridCol>
-                <a:gridCol w="3498371">
-                  <a:extLst>
-                    <a:ext uri="{9D8B030D-6E8A-4147-A177-3AD203B41FA5}">
-                      <a16:colId xmlns:a16="http://schemas.microsoft.com/office/drawing/2014/main" val="2420230584"/>
-                    </a:ext>
-                  </a:extLst>
-                </a:gridCol>
-              </a:tblGrid>
-              <a:tr h="370840">
-                <a:tc>
-                  <a:txBody>
-                    <a:bodyPr/>
-                    <a:lstStyle/>
-                    <a:p>
-                      <a:r>
-                        <a:rPr lang="de-DE" sz="1200"/>
-                        <a:t>Column</a:t>
-                      </a:r>
-                    </a:p>
-                  </a:txBody>
-                  <a:tcPr/>
-                </a:tc>
-                <a:tc>
-                  <a:txBody>
-                    <a:bodyPr/>
-                    <a:lstStyle/>
-                    <a:p>
-                      <a:r>
-                        <a:rPr lang="de-DE" sz="1200"/>
-                        <a:t>Type</a:t>
-                      </a:r>
-                    </a:p>
-                  </a:txBody>
-                  <a:tcPr/>
-                </a:tc>
-                <a:tc>
-                  <a:txBody>
-                    <a:bodyPr/>
-                    <a:lstStyle/>
-                    <a:p>
-                      <a:r>
-                        <a:rPr lang="de-DE" sz="1200"/>
-                        <a:t>Based on</a:t>
-                      </a:r>
-                    </a:p>
-                  </a:txBody>
-                  <a:tcPr/>
-                </a:tc>
-                <a:extLst>
-                  <a:ext uri="{0D108BD9-81ED-4DB2-BD59-A6C34878D82A}">
-                    <a16:rowId xmlns:a16="http://schemas.microsoft.com/office/drawing/2014/main" val="2334020561"/>
-                  </a:ext>
-                </a:extLst>
-              </a:tr>
-              <a:tr h="370840">
-                <a:tc>
-                  <a:txBody>
-                    <a:bodyPr/>
-                    <a:lstStyle/>
-                    <a:p>
-                      <a:r>
-                        <a:rPr lang="de-DE" sz="1200"/>
-                        <a:t>mount-name</a:t>
-                      </a:r>
-                    </a:p>
-                  </a:txBody>
-                  <a:tcPr/>
-                </a:tc>
-                <a:tc>
-                  <a:txBody>
-                    <a:bodyPr/>
-                    <a:lstStyle/>
-                    <a:p>
-                      <a:r>
-                        <a:rPr lang="de-DE" sz="1200"/>
-                        <a:t>String</a:t>
-                      </a:r>
-                    </a:p>
-                  </a:txBody>
-                  <a:tcPr/>
-                </a:tc>
-                <a:tc>
-                  <a:txBody>
-                    <a:bodyPr/>
-                    <a:lstStyle/>
-                    <a:p>
-                      <a:r>
-                        <a:rPr lang="de-DE" sz="1200"/>
-                        <a:t>Periodic sync, notification</a:t>
-                      </a:r>
-                    </a:p>
-                  </a:txBody>
-                  <a:tcPr/>
-                </a:tc>
-                <a:extLst>
-                  <a:ext uri="{0D108BD9-81ED-4DB2-BD59-A6C34878D82A}">
-                    <a16:rowId xmlns:a16="http://schemas.microsoft.com/office/drawing/2014/main" val="625363744"/>
-                  </a:ext>
-                </a:extLst>
-              </a:tr>
-              <a:tr h="370840">
-                <a:tc>
-                  <a:txBody>
-                    <a:bodyPr/>
-                    <a:lstStyle/>
-                    <a:p>
-                      <a:r>
-                        <a:rPr lang="de-DE" sz="1200"/>
-                        <a:t>connection-status</a:t>
-                      </a:r>
-                    </a:p>
-                  </a:txBody>
-                  <a:tcPr/>
-                </a:tc>
-                <a:tc>
-                  <a:txBody>
-                    <a:bodyPr/>
-                    <a:lstStyle/>
-                    <a:p>
-                      <a:r>
-                        <a:rPr lang="de-DE" sz="1200"/>
-                        <a:t>String</a:t>
-                      </a:r>
-                    </a:p>
-                  </a:txBody>
-                  <a:tcPr/>
-                </a:tc>
-                <a:tc>
-                  <a:txBody>
-                    <a:bodyPr/>
-                    <a:lstStyle/>
-                    <a:p>
-                      <a:pPr marL="0" marR="0" lvl="0" indent="0" algn="l" defTabSz="914400" rtl="0" eaLnBrk="1" fontAlgn="auto" latinLnBrk="0" hangingPunct="1">
-                        <a:lnSpc>
-                          <a:spcPct val="100000"/>
-                        </a:lnSpc>
-                        <a:spcBef>
-                          <a:spcPts val="0"/>
-                        </a:spcBef>
-                        <a:spcAft>
-                          <a:spcPts val="0"/>
-                        </a:spcAft>
-                        <a:buClrTx/>
-                        <a:buSzTx/>
-                        <a:buFontTx/>
-                        <a:buNone/>
-                        <a:tabLst/>
-                        <a:defRPr/>
-                      </a:pPr>
-                      <a:r>
-                        <a:rPr lang="de-DE" sz="1200"/>
-                        <a:t>Periodic sync, notification</a:t>
-                      </a:r>
-                    </a:p>
-                    <a:p>
-                      <a:endParaRPr lang="de-DE" sz="1200"/>
-                    </a:p>
-                  </a:txBody>
-                  <a:tcPr/>
-                </a:tc>
-                <a:extLst>
-                  <a:ext uri="{0D108BD9-81ED-4DB2-BD59-A6C34878D82A}">
-                    <a16:rowId xmlns:a16="http://schemas.microsoft.com/office/drawing/2014/main" val="1158804284"/>
-                  </a:ext>
-                </a:extLst>
-              </a:tr>
-              <a:tr h="370840">
-                <a:tc>
-                  <a:txBody>
-                    <a:bodyPr/>
-                    <a:lstStyle/>
-                    <a:p>
-                      <a:r>
-                        <a:rPr lang="de-DE" sz="1200"/>
-                        <a:t>changed-to-disconnected-time</a:t>
-                      </a:r>
-                    </a:p>
-                  </a:txBody>
-                  <a:tcPr/>
-                </a:tc>
-                <a:tc>
-                  <a:txBody>
-                    <a:bodyPr/>
-                    <a:lstStyle/>
-                    <a:p>
-                      <a:r>
-                        <a:rPr lang="de-DE" sz="1200"/>
-                        <a:t>String, timestamp</a:t>
-                      </a:r>
-                    </a:p>
-                  </a:txBody>
-                  <a:tcPr/>
-                </a:tc>
-                <a:tc>
-                  <a:txBody>
-                    <a:bodyPr/>
-                    <a:lstStyle/>
-                    <a:p>
-                      <a:pPr marL="0" marR="0" lvl="0" indent="0" algn="l" defTabSz="914400" rtl="0" eaLnBrk="1" fontAlgn="auto" latinLnBrk="0" hangingPunct="1">
-                        <a:lnSpc>
-                          <a:spcPct val="100000"/>
-                        </a:lnSpc>
-                        <a:spcBef>
-                          <a:spcPts val="0"/>
-                        </a:spcBef>
-                        <a:spcAft>
-                          <a:spcPts val="0"/>
-                        </a:spcAft>
-                        <a:buClrTx/>
-                        <a:buSzTx/>
-                        <a:buFontTx/>
-                        <a:buNone/>
-                        <a:tabLst/>
-                        <a:defRPr/>
-                      </a:pPr>
-                      <a:r>
-                        <a:rPr lang="de-DE" sz="1200"/>
-                        <a:t>Periodic sync, notification</a:t>
-                      </a:r>
-                    </a:p>
-                    <a:p>
-                      <a:endParaRPr lang="de-DE" sz="1200"/>
-                    </a:p>
-                  </a:txBody>
-                  <a:tcPr/>
-                </a:tc>
-                <a:extLst>
-                  <a:ext uri="{0D108BD9-81ED-4DB2-BD59-A6C34878D82A}">
-                    <a16:rowId xmlns:a16="http://schemas.microsoft.com/office/drawing/2014/main" val="3795152502"/>
-                  </a:ext>
-                </a:extLst>
-              </a:tr>
-              <a:tr h="370840">
-                <a:tc>
-                  <a:txBody>
-                    <a:bodyPr/>
-                    <a:lstStyle/>
-                    <a:p>
-                      <a:r>
-                        <a:rPr lang="de-DE" sz="1200"/>
-                        <a:t>added-to-device-list-time</a:t>
-                      </a:r>
-                    </a:p>
-                  </a:txBody>
-                  <a:tcPr/>
-                </a:tc>
-                <a:tc>
-                  <a:txBody>
-                    <a:bodyPr/>
-                    <a:lstStyle/>
-                    <a:p>
-                      <a:r>
-                        <a:rPr lang="de-DE" sz="1200"/>
-                        <a:t>String, timestamp</a:t>
-                      </a:r>
-                    </a:p>
-                  </a:txBody>
-                  <a:tcPr/>
-                </a:tc>
-                <a:tc>
-                  <a:txBody>
-                    <a:bodyPr/>
-                    <a:lstStyle/>
-                    <a:p>
-                      <a:pPr marL="0" marR="0" lvl="0" indent="0" algn="l" defTabSz="914400" rtl="0" eaLnBrk="1" fontAlgn="auto" latinLnBrk="0" hangingPunct="1">
-                        <a:lnSpc>
-                          <a:spcPct val="100000"/>
-                        </a:lnSpc>
-                        <a:spcBef>
-                          <a:spcPts val="0"/>
-                        </a:spcBef>
-                        <a:spcAft>
-                          <a:spcPts val="0"/>
-                        </a:spcAft>
-                        <a:buClrTx/>
-                        <a:buSzTx/>
-                        <a:buFontTx/>
-                        <a:buNone/>
-                        <a:tabLst/>
-                        <a:defRPr/>
-                      </a:pPr>
-                      <a:r>
-                        <a:rPr lang="de-DE" sz="1200"/>
-                        <a:t>Periodic sync, notification</a:t>
-                      </a:r>
-                    </a:p>
-                    <a:p>
-                      <a:endParaRPr lang="de-DE" sz="1200"/>
-                    </a:p>
-                  </a:txBody>
-                  <a:tcPr/>
-                </a:tc>
-                <a:extLst>
-                  <a:ext uri="{0D108BD9-81ED-4DB2-BD59-A6C34878D82A}">
-                    <a16:rowId xmlns:a16="http://schemas.microsoft.com/office/drawing/2014/main" val="1915236450"/>
-                  </a:ext>
-                </a:extLst>
-              </a:tr>
-              <a:tr h="370840">
-                <a:tc>
-                  <a:txBody>
-                    <a:bodyPr/>
-                    <a:lstStyle/>
-                    <a:p>
-                      <a:r>
-                        <a:rPr lang="de-DE" sz="1200"/>
-                        <a:t>last-complete-control-construct-update-time</a:t>
-                      </a:r>
-                    </a:p>
-                  </a:txBody>
-                  <a:tcPr/>
-                </a:tc>
-                <a:tc>
-                  <a:txBody>
-                    <a:bodyPr/>
-                    <a:lstStyle/>
-                    <a:p>
-                      <a:r>
-                        <a:rPr lang="de-DE" sz="1200"/>
-                        <a:t>String, timestamp</a:t>
-                      </a:r>
-                    </a:p>
-                  </a:txBody>
-                  <a:tcPr/>
-                </a:tc>
-                <a:tc>
-                  <a:txBody>
-                    <a:bodyPr/>
-                    <a:lstStyle/>
-                    <a:p>
-                      <a:r>
-                        <a:rPr lang="de-DE" sz="1200"/>
-                        <a:t>periodic CC retrieval (slidingWindow)</a:t>
-                      </a:r>
-                    </a:p>
-                  </a:txBody>
-                  <a:tcPr/>
-                </a:tc>
-                <a:extLst>
-                  <a:ext uri="{0D108BD9-81ED-4DB2-BD59-A6C34878D82A}">
-                    <a16:rowId xmlns:a16="http://schemas.microsoft.com/office/drawing/2014/main" val="4128198377"/>
-                  </a:ext>
-                </a:extLst>
-              </a:tr>
-              <a:tr h="370840">
-                <a:tc>
-                  <a:txBody>
-                    <a:bodyPr/>
-                    <a:lstStyle/>
-                    <a:p>
-                      <a:r>
-                        <a:rPr lang="de-DE" sz="1200"/>
-                        <a:t>last-control-construct-notification-update-time</a:t>
-                      </a:r>
-                    </a:p>
-                  </a:txBody>
-                  <a:tcPr/>
-                </a:tc>
-                <a:tc>
-                  <a:txBody>
-                    <a:bodyPr/>
-                    <a:lstStyle/>
-                    <a:p>
-                      <a:r>
-                        <a:rPr lang="de-DE" sz="1200"/>
-                        <a:t>String, timestamp</a:t>
-                      </a:r>
-                    </a:p>
-                  </a:txBody>
-                  <a:tcPr/>
-                </a:tc>
-                <a:tc>
-                  <a:txBody>
-                    <a:bodyPr/>
-                    <a:lstStyle/>
-                    <a:p>
-                      <a:r>
-                        <a:rPr lang="de-DE" sz="1200"/>
-                        <a:t>Notification</a:t>
-                      </a:r>
-                    </a:p>
-                  </a:txBody>
-                  <a:tcPr/>
-                </a:tc>
-                <a:extLst>
-                  <a:ext uri="{0D108BD9-81ED-4DB2-BD59-A6C34878D82A}">
-                    <a16:rowId xmlns:a16="http://schemas.microsoft.com/office/drawing/2014/main" val="3885316261"/>
-                  </a:ext>
-                </a:extLst>
-              </a:tr>
-              <a:tr h="370840">
-                <a:tc>
-                  <a:txBody>
-                    <a:bodyPr/>
-                    <a:lstStyle/>
-                    <a:p>
-                      <a:r>
-                        <a:rPr lang="de-DE" sz="1200"/>
-                        <a:t>number-of-partial-updates-since-last-complete-update</a:t>
-                      </a:r>
-                    </a:p>
-                  </a:txBody>
-                  <a:tcPr/>
-                </a:tc>
-                <a:tc>
-                  <a:txBody>
-                    <a:bodyPr/>
-                    <a:lstStyle/>
-                    <a:p>
-                      <a:r>
-                        <a:rPr lang="de-DE" sz="1200"/>
-                        <a:t>Integer</a:t>
-                      </a:r>
-                    </a:p>
-                  </a:txBody>
-                  <a:tcPr/>
-                </a:tc>
-                <a:tc>
-                  <a:txBody>
-                    <a:bodyPr/>
-                    <a:lstStyle/>
-                    <a:p>
-                      <a:r>
-                        <a:rPr lang="de-DE" sz="1200"/>
-                        <a:t>Notification</a:t>
-                      </a:r>
-                    </a:p>
-                  </a:txBody>
-                  <a:tcPr/>
-                </a:tc>
-                <a:extLst>
-                  <a:ext uri="{0D108BD9-81ED-4DB2-BD59-A6C34878D82A}">
-                    <a16:rowId xmlns:a16="http://schemas.microsoft.com/office/drawing/2014/main" val="2030681551"/>
-                  </a:ext>
-                </a:extLst>
-              </a:tr>
-              <a:tr h="370840">
-                <a:tc>
-                  <a:txBody>
-                    <a:bodyPr/>
-                    <a:lstStyle/>
-                    <a:p>
-                      <a:r>
-                        <a:rPr lang="de-DE" sz="1200"/>
-                        <a:t>schema-cache-directory</a:t>
-                      </a:r>
-                    </a:p>
-                  </a:txBody>
-                  <a:tcPr/>
-                </a:tc>
-                <a:tc>
-                  <a:txBody>
-                    <a:bodyPr/>
-                    <a:lstStyle/>
-                    <a:p>
-                      <a:r>
-                        <a:rPr lang="de-DE" sz="1200"/>
-                        <a:t>string</a:t>
-                      </a:r>
-                    </a:p>
-                  </a:txBody>
-                  <a:tcPr/>
-                </a:tc>
-                <a:tc>
-                  <a:txBody>
-                    <a:bodyPr/>
-                    <a:lstStyle/>
-                    <a:p>
-                      <a:r>
-                        <a:rPr lang="de-DE" sz="1200"/>
-                        <a:t>periodic sync</a:t>
-                      </a:r>
-                    </a:p>
-                  </a:txBody>
-                  <a:tcPr/>
-                </a:tc>
-                <a:extLst>
-                  <a:ext uri="{0D108BD9-81ED-4DB2-BD59-A6C34878D82A}">
-                    <a16:rowId xmlns:a16="http://schemas.microsoft.com/office/drawing/2014/main" val="3589919307"/>
-                  </a:ext>
-                </a:extLst>
-              </a:tr>
-            </a:tbl>
-          </a:graphicData>
-        </a:graphic>
-      </p:graphicFrame>
       <p:sp>
         <p:nvSpPr>
-          <p:cNvPr id="5" name="Textfeld 4">
-            <a:extLst>
-              <a:ext uri="{FF2B5EF4-FFF2-40B4-BE49-F238E27FC236}">
-                <a16:creationId xmlns:a16="http://schemas.microsoft.com/office/drawing/2014/main" id="{DDD8C17A-8806-8ECF-BB5E-66DAB9EF3F14}"/>
-              </a:ext>
-            </a:extLst>
-          </p:cNvPr>
-          <p:cNvSpPr txBox="1"/>
+          <p:cNvPr id="3" name="Rechteck 2">
+            <a:extLst>
+              <a:ext uri="{FF2B5EF4-FFF2-40B4-BE49-F238E27FC236}">
+                <a16:creationId xmlns:a16="http://schemas.microsoft.com/office/drawing/2014/main" id="{D1016D45-84D6-88C6-A316-B3F43C8491C2}"/>
+              </a:ext>
+            </a:extLst>
+          </p:cNvPr>
+          <p:cNvSpPr/>
           <p:nvPr/>
         </p:nvSpPr>
         <p:spPr>
           <a:xfrm>
-            <a:off x="0" y="0"/>
-            <a:ext cx="12192000" cy="369332"/>
+            <a:off x="0" y="2623060"/>
+            <a:ext cx="13700766" cy="413816"/>
           </a:xfrm>
           <a:prstGeom prst="rect">
             <a:avLst/>
           </a:prstGeom>
-          <a:solidFill>
-            <a:srgbClr val="002060"/>
-          </a:solidFill>
         </p:spPr>
+        <p:style>
+          <a:lnRef idx="2">
+            <a:schemeClr val="accent5">
+              <a:shade val="15000"/>
+            </a:schemeClr>
+          </a:lnRef>
+          <a:fillRef idx="1">
+            <a:schemeClr val="accent5"/>
+          </a:fillRef>
+          <a:effectRef idx="0">
+            <a:schemeClr val="accent5"/>
+          </a:effectRef>
+          <a:fontRef idx="minor">
+            <a:schemeClr val="lt1"/>
+          </a:fontRef>
+        </p:style>
         <p:txBody>
-          <a:bodyPr wrap="square" rtlCol="0">
-            <a:spAutoFit/>
-          </a:bodyPr>
+          <a:bodyPr rtlCol="0" anchor="ctr"/>
           <a:lstStyle/>
           <a:p>
-            <a:r>
-              <a:rPr lang="de-DE">
-                <a:solidFill>
-                  <a:schemeClr val="bg1"/>
-                </a:solidFill>
-              </a:rPr>
-              <a:t>Table columns</a:t>
+            <a:pPr algn="ctr"/>
+            <a:r>
+              <a:rPr lang="de-DE"/>
+              <a:t>MWDI v1.2.x</a:t>
             </a:r>
           </a:p>
         </p:txBody>
@@ -10117,7 +16941,7 @@
     </p:spTree>
     <p:extLst>
       <p:ext uri="{BB962C8B-B14F-4D97-AF65-F5344CB8AC3E}">
-        <p14:creationId xmlns:p14="http://schemas.microsoft.com/office/powerpoint/2010/main" val="1795366189"/>
+        <p14:creationId xmlns:p14="http://schemas.microsoft.com/office/powerpoint/2010/main" val="3580766576"/>
       </p:ext>
     </p:extLst>
   </p:cSld>

--- a/spec/additionalDescription/pictures/MetadataTablePics.pptx
+++ b/spec/additionalDescription/pictures/MetadataTablePics.pptx
@@ -8,8 +8,10 @@
     <p:sldId id="262" r:id="rId2"/>
     <p:sldId id="261" r:id="rId3"/>
     <p:sldId id="259" r:id="rId4"/>
-    <p:sldId id="258" r:id="rId5"/>
-    <p:sldId id="263" r:id="rId6"/>
+    <p:sldId id="264" r:id="rId5"/>
+    <p:sldId id="265" r:id="rId6"/>
+    <p:sldId id="258" r:id="rId7"/>
+    <p:sldId id="263" r:id="rId8"/>
   </p:sldIdLst>
   <p:sldSz cx="12192000" cy="6858000"/>
   <p:notesSz cx="6858000" cy="9144000"/>
@@ -263,7 +265,7 @@
           <a:p>
             <a:fld id="{A13AB217-A22B-45C9-B442-C9534E44A269}" type="datetimeFigureOut">
               <a:rPr lang="de-DE" smtClean="0"/>
-              <a:t>02.05.2025</a:t>
+              <a:t>15.05.2025</a:t>
             </a:fld>
             <a:endParaRPr lang="de-DE"/>
           </a:p>
@@ -461,7 +463,7 @@
           <a:p>
             <a:fld id="{A13AB217-A22B-45C9-B442-C9534E44A269}" type="datetimeFigureOut">
               <a:rPr lang="de-DE" smtClean="0"/>
-              <a:t>02.05.2025</a:t>
+              <a:t>15.05.2025</a:t>
             </a:fld>
             <a:endParaRPr lang="de-DE"/>
           </a:p>
@@ -669,7 +671,7 @@
           <a:p>
             <a:fld id="{A13AB217-A22B-45C9-B442-C9534E44A269}" type="datetimeFigureOut">
               <a:rPr lang="de-DE" smtClean="0"/>
-              <a:t>02.05.2025</a:t>
+              <a:t>15.05.2025</a:t>
             </a:fld>
             <a:endParaRPr lang="de-DE"/>
           </a:p>
@@ -867,7 +869,7 @@
           <a:p>
             <a:fld id="{A13AB217-A22B-45C9-B442-C9534E44A269}" type="datetimeFigureOut">
               <a:rPr lang="de-DE" smtClean="0"/>
-              <a:t>02.05.2025</a:t>
+              <a:t>15.05.2025</a:t>
             </a:fld>
             <a:endParaRPr lang="de-DE"/>
           </a:p>
@@ -1142,7 +1144,7 @@
           <a:p>
             <a:fld id="{A13AB217-A22B-45C9-B442-C9534E44A269}" type="datetimeFigureOut">
               <a:rPr lang="de-DE" smtClean="0"/>
-              <a:t>02.05.2025</a:t>
+              <a:t>15.05.2025</a:t>
             </a:fld>
             <a:endParaRPr lang="de-DE"/>
           </a:p>
@@ -1407,7 +1409,7 @@
           <a:p>
             <a:fld id="{A13AB217-A22B-45C9-B442-C9534E44A269}" type="datetimeFigureOut">
               <a:rPr lang="de-DE" smtClean="0"/>
-              <a:t>02.05.2025</a:t>
+              <a:t>15.05.2025</a:t>
             </a:fld>
             <a:endParaRPr lang="de-DE"/>
           </a:p>
@@ -1819,7 +1821,7 @@
           <a:p>
             <a:fld id="{A13AB217-A22B-45C9-B442-C9534E44A269}" type="datetimeFigureOut">
               <a:rPr lang="de-DE" smtClean="0"/>
-              <a:t>02.05.2025</a:t>
+              <a:t>15.05.2025</a:t>
             </a:fld>
             <a:endParaRPr lang="de-DE"/>
           </a:p>
@@ -1960,7 +1962,7 @@
           <a:p>
             <a:fld id="{A13AB217-A22B-45C9-B442-C9534E44A269}" type="datetimeFigureOut">
               <a:rPr lang="de-DE" smtClean="0"/>
-              <a:t>02.05.2025</a:t>
+              <a:t>15.05.2025</a:t>
             </a:fld>
             <a:endParaRPr lang="de-DE"/>
           </a:p>
@@ -2073,7 +2075,7 @@
           <a:p>
             <a:fld id="{A13AB217-A22B-45C9-B442-C9534E44A269}" type="datetimeFigureOut">
               <a:rPr lang="de-DE" smtClean="0"/>
-              <a:t>02.05.2025</a:t>
+              <a:t>15.05.2025</a:t>
             </a:fld>
             <a:endParaRPr lang="de-DE"/>
           </a:p>
@@ -2384,7 +2386,7 @@
           <a:p>
             <a:fld id="{A13AB217-A22B-45C9-B442-C9534E44A269}" type="datetimeFigureOut">
               <a:rPr lang="de-DE" smtClean="0"/>
-              <a:t>02.05.2025</a:t>
+              <a:t>15.05.2025</a:t>
             </a:fld>
             <a:endParaRPr lang="de-DE"/>
           </a:p>
@@ -2672,7 +2674,7 @@
           <a:p>
             <a:fld id="{A13AB217-A22B-45C9-B442-C9534E44A269}" type="datetimeFigureOut">
               <a:rPr lang="de-DE" smtClean="0"/>
-              <a:t>02.05.2025</a:t>
+              <a:t>15.05.2025</a:t>
             </a:fld>
             <a:endParaRPr lang="de-DE"/>
           </a:p>
@@ -2913,7 +2915,7 @@
           <a:p>
             <a:fld id="{A13AB217-A22B-45C9-B442-C9534E44A269}" type="datetimeFigureOut">
               <a:rPr lang="de-DE" smtClean="0"/>
-              <a:t>02.05.2025</a:t>
+              <a:t>15.05.2025</a:t>
             </a:fld>
             <a:endParaRPr lang="de-DE"/>
           </a:p>
@@ -10658,6 +10660,4818 @@
       </p:grpSpPr>
       <p:sp>
         <p:nvSpPr>
+          <p:cNvPr id="16" name="Textfeld 15">
+            <a:extLst>
+              <a:ext uri="{FF2B5EF4-FFF2-40B4-BE49-F238E27FC236}">
+                <a16:creationId xmlns:a16="http://schemas.microsoft.com/office/drawing/2014/main" id="{D4C15A49-87F2-6713-D242-2BE979C7ED67}"/>
+              </a:ext>
+            </a:extLst>
+          </p:cNvPr>
+          <p:cNvSpPr txBox="1"/>
+          <p:nvPr/>
+        </p:nvSpPr>
+        <p:spPr>
+          <a:xfrm>
+            <a:off x="2980291" y="6092610"/>
+            <a:ext cx="2353094" cy="1117094"/>
+          </a:xfrm>
+          <a:prstGeom prst="rect">
+            <a:avLst/>
+          </a:prstGeom>
+          <a:gradFill>
+            <a:gsLst>
+              <a:gs pos="26000">
+                <a:srgbClr val="E4CFF3"/>
+              </a:gs>
+              <a:gs pos="89000">
+                <a:srgbClr val="CAC2EC"/>
+              </a:gs>
+              <a:gs pos="100000">
+                <a:srgbClr val="A99CE0"/>
+              </a:gs>
+            </a:gsLst>
+          </a:gradFill>
+          <a:ln>
+            <a:solidFill>
+              <a:srgbClr val="002060"/>
+            </a:solidFill>
+          </a:ln>
+        </p:spPr>
+        <p:style>
+          <a:lnRef idx="1">
+            <a:schemeClr val="accent4"/>
+          </a:lnRef>
+          <a:fillRef idx="2">
+            <a:schemeClr val="accent4"/>
+          </a:fillRef>
+          <a:effectRef idx="1">
+            <a:schemeClr val="accent4"/>
+          </a:effectRef>
+          <a:fontRef idx="minor">
+            <a:schemeClr val="dk1"/>
+          </a:fontRef>
+        </p:style>
+        <p:txBody>
+          <a:bodyPr rtlCol="0" anchor="ctr"/>
+          <a:lstStyle>
+            <a:defPPr>
+              <a:defRPr lang="de-DE"/>
+            </a:defPPr>
+            <a:lvl1pPr algn="ctr">
+              <a:defRPr>
+                <a:solidFill>
+                  <a:schemeClr val="dk1"/>
+                </a:solidFill>
+              </a:defRPr>
+            </a:lvl1pPr>
+            <a:lvl2pPr>
+              <a:defRPr>
+                <a:solidFill>
+                  <a:schemeClr val="dk1"/>
+                </a:solidFill>
+              </a:defRPr>
+            </a:lvl2pPr>
+            <a:lvl3pPr>
+              <a:defRPr>
+                <a:solidFill>
+                  <a:schemeClr val="dk1"/>
+                </a:solidFill>
+              </a:defRPr>
+            </a:lvl3pPr>
+            <a:lvl4pPr>
+              <a:defRPr>
+                <a:solidFill>
+                  <a:schemeClr val="dk1"/>
+                </a:solidFill>
+              </a:defRPr>
+            </a:lvl4pPr>
+            <a:lvl5pPr>
+              <a:defRPr>
+                <a:solidFill>
+                  <a:schemeClr val="dk1"/>
+                </a:solidFill>
+              </a:defRPr>
+            </a:lvl5pPr>
+            <a:lvl6pPr>
+              <a:defRPr>
+                <a:solidFill>
+                  <a:schemeClr val="dk1"/>
+                </a:solidFill>
+              </a:defRPr>
+            </a:lvl6pPr>
+            <a:lvl7pPr>
+              <a:defRPr>
+                <a:solidFill>
+                  <a:schemeClr val="dk1"/>
+                </a:solidFill>
+              </a:defRPr>
+            </a:lvl7pPr>
+            <a:lvl8pPr>
+              <a:defRPr>
+                <a:solidFill>
+                  <a:schemeClr val="dk1"/>
+                </a:solidFill>
+              </a:defRPr>
+            </a:lvl8pPr>
+            <a:lvl9pPr>
+              <a:defRPr>
+                <a:solidFill>
+                  <a:schemeClr val="dk1"/>
+                </a:solidFill>
+              </a:defRPr>
+            </a:lvl9pPr>
+          </a:lstStyle>
+          <a:p>
+            <a:endParaRPr lang="de-DE" sz="1200">
+              <a:solidFill>
+                <a:schemeClr val="accent5">
+                  <a:lumMod val="50000"/>
+                </a:schemeClr>
+              </a:solidFill>
+            </a:endParaRPr>
+          </a:p>
+        </p:txBody>
+      </p:sp>
+      <p:sp>
+        <p:nvSpPr>
+          <p:cNvPr id="4" name="Rechteck 3">
+            <a:extLst>
+              <a:ext uri="{FF2B5EF4-FFF2-40B4-BE49-F238E27FC236}">
+                <a16:creationId xmlns:a16="http://schemas.microsoft.com/office/drawing/2014/main" id="{4E2AC719-35CE-9944-3478-74712B9112BC}"/>
+              </a:ext>
+            </a:extLst>
+          </p:cNvPr>
+          <p:cNvSpPr/>
+          <p:nvPr/>
+        </p:nvSpPr>
+        <p:spPr>
+          <a:xfrm>
+            <a:off x="0" y="0"/>
+            <a:ext cx="10350500" cy="327048"/>
+          </a:xfrm>
+          <a:prstGeom prst="rect">
+            <a:avLst/>
+          </a:prstGeom>
+          <a:ln w="9525"/>
+        </p:spPr>
+        <p:style>
+          <a:lnRef idx="2">
+            <a:schemeClr val="accent1">
+              <a:shade val="15000"/>
+            </a:schemeClr>
+          </a:lnRef>
+          <a:fillRef idx="1">
+            <a:schemeClr val="accent1"/>
+          </a:fillRef>
+          <a:effectRef idx="0">
+            <a:schemeClr val="accent1"/>
+          </a:effectRef>
+          <a:fontRef idx="minor">
+            <a:schemeClr val="lt1"/>
+          </a:fontRef>
+        </p:style>
+        <p:txBody>
+          <a:bodyPr rtlCol="0" anchor="ctr"/>
+          <a:lstStyle/>
+          <a:p>
+            <a:pPr algn="ctr"/>
+            <a:r>
+              <a:rPr lang="de-DE"/>
+              <a:t>Metadata table ordering and update order</a:t>
+            </a:r>
+          </a:p>
+        </p:txBody>
+      </p:sp>
+      <p:graphicFrame>
+        <p:nvGraphicFramePr>
+          <p:cNvPr id="5" name="Tabelle 4">
+            <a:extLst>
+              <a:ext uri="{FF2B5EF4-FFF2-40B4-BE49-F238E27FC236}">
+                <a16:creationId xmlns:a16="http://schemas.microsoft.com/office/drawing/2014/main" id="{CEB4795E-8647-F9CD-CAB7-90FDAF73FDB8}"/>
+              </a:ext>
+            </a:extLst>
+          </p:cNvPr>
+          <p:cNvGraphicFramePr>
+            <a:graphicFrameLocks noGrp="1"/>
+          </p:cNvGraphicFramePr>
+          <p:nvPr>
+            <p:extLst>
+              <p:ext uri="{D42A27DB-BD31-4B8C-83A1-F6EECF244321}">
+                <p14:modId xmlns:p14="http://schemas.microsoft.com/office/powerpoint/2010/main" val="1604225398"/>
+              </p:ext>
+            </p:extLst>
+          </p:nvPr>
+        </p:nvGraphicFramePr>
+        <p:xfrm>
+          <a:off x="203200" y="447574"/>
+          <a:ext cx="4464471" cy="4126280"/>
+        </p:xfrm>
+        <a:graphic>
+          <a:graphicData uri="http://schemas.openxmlformats.org/drawingml/2006/table">
+            <a:tbl>
+              <a:tblPr firstRow="1" bandRow="1">
+                <a:tableStyleId>{5C22544A-7EE6-4342-B048-85BDC9FD1C3A}</a:tableStyleId>
+              </a:tblPr>
+              <a:tblGrid>
+                <a:gridCol w="435897">
+                  <a:extLst>
+                    <a:ext uri="{9D8B030D-6E8A-4147-A177-3AD203B41FA5}">
+                      <a16:colId xmlns:a16="http://schemas.microsoft.com/office/drawing/2014/main" val="1041723700"/>
+                    </a:ext>
+                  </a:extLst>
+                </a:gridCol>
+                <a:gridCol w="835742">
+                  <a:extLst>
+                    <a:ext uri="{9D8B030D-6E8A-4147-A177-3AD203B41FA5}">
+                      <a16:colId xmlns:a16="http://schemas.microsoft.com/office/drawing/2014/main" val="4138862625"/>
+                    </a:ext>
+                  </a:extLst>
+                </a:gridCol>
+                <a:gridCol w="1039566">
+                  <a:extLst>
+                    <a:ext uri="{9D8B030D-6E8A-4147-A177-3AD203B41FA5}">
+                      <a16:colId xmlns:a16="http://schemas.microsoft.com/office/drawing/2014/main" val="2629712541"/>
+                    </a:ext>
+                  </a:extLst>
+                </a:gridCol>
+                <a:gridCol w="1862733">
+                  <a:extLst>
+                    <a:ext uri="{9D8B030D-6E8A-4147-A177-3AD203B41FA5}">
+                      <a16:colId xmlns:a16="http://schemas.microsoft.com/office/drawing/2014/main" val="1231056635"/>
+                    </a:ext>
+                  </a:extLst>
+                </a:gridCol>
+                <a:gridCol w="290533">
+                  <a:extLst>
+                    <a:ext uri="{9D8B030D-6E8A-4147-A177-3AD203B41FA5}">
+                      <a16:colId xmlns:a16="http://schemas.microsoft.com/office/drawing/2014/main" val="3074369998"/>
+                    </a:ext>
+                  </a:extLst>
+                </a:gridCol>
+              </a:tblGrid>
+              <a:tr h="370840">
+                <a:tc>
+                  <a:txBody>
+                    <a:bodyPr/>
+                    <a:lstStyle/>
+                    <a:p>
+                      <a:r>
+                        <a:rPr lang="de-DE" sz="1000">
+                          <a:solidFill>
+                            <a:schemeClr val="bg1"/>
+                          </a:solidFill>
+                        </a:rPr>
+                        <a:t>#</a:t>
+                      </a:r>
+                    </a:p>
+                  </a:txBody>
+                  <a:tcPr marB="36000">
+                    <a:solidFill>
+                      <a:schemeClr val="tx2">
+                        <a:lumMod val="90000"/>
+                        <a:lumOff val="10000"/>
+                      </a:schemeClr>
+                    </a:solidFill>
+                  </a:tcPr>
+                </a:tc>
+                <a:tc>
+                  <a:txBody>
+                    <a:bodyPr/>
+                    <a:lstStyle/>
+                    <a:p>
+                      <a:r>
+                        <a:rPr lang="de-DE" sz="1000"/>
+                        <a:t>mount-name</a:t>
+                      </a:r>
+                    </a:p>
+                  </a:txBody>
+                  <a:tcPr marB="36000"/>
+                </a:tc>
+                <a:tc>
+                  <a:txBody>
+                    <a:bodyPr/>
+                    <a:lstStyle/>
+                    <a:p>
+                      <a:r>
+                        <a:rPr lang="de-DE" sz="1000"/>
+                        <a:t>connection-status</a:t>
+                      </a:r>
+                    </a:p>
+                  </a:txBody>
+                  <a:tcPr marB="36000"/>
+                </a:tc>
+                <a:tc>
+                  <a:txBody>
+                    <a:bodyPr/>
+                    <a:lstStyle/>
+                    <a:p>
+                      <a:r>
+                        <a:rPr lang="de-DE" sz="1000" b="1" i="0" kern="1200">
+                          <a:solidFill>
+                            <a:schemeClr val="lt1"/>
+                          </a:solidFill>
+                          <a:effectLst/>
+                          <a:latin typeface="+mn-lt"/>
+                          <a:ea typeface="+mn-ea"/>
+                          <a:cs typeface="+mn-cs"/>
+                        </a:rPr>
+                        <a:t>last-complete-control-construct-update-time</a:t>
+                      </a:r>
+                      <a:endParaRPr lang="de-DE" sz="1000"/>
+                    </a:p>
+                  </a:txBody>
+                  <a:tcPr marB="36000"/>
+                </a:tc>
+                <a:tc>
+                  <a:txBody>
+                    <a:bodyPr/>
+                    <a:lstStyle/>
+                    <a:p>
+                      <a:r>
+                        <a:rPr lang="de-DE" sz="1000"/>
+                        <a:t>…</a:t>
+                      </a:r>
+                    </a:p>
+                  </a:txBody>
+                  <a:tcPr marB="36000"/>
+                </a:tc>
+                <a:extLst>
+                  <a:ext uri="{0D108BD9-81ED-4DB2-BD59-A6C34878D82A}">
+                    <a16:rowId xmlns:a16="http://schemas.microsoft.com/office/drawing/2014/main" val="3597392727"/>
+                  </a:ext>
+                </a:extLst>
+              </a:tr>
+              <a:tr h="370840">
+                <a:tc>
+                  <a:txBody>
+                    <a:bodyPr/>
+                    <a:lstStyle/>
+                    <a:p>
+                      <a:r>
+                        <a:rPr lang="de-DE" sz="1000">
+                          <a:solidFill>
+                            <a:schemeClr val="bg1"/>
+                          </a:solidFill>
+                        </a:rPr>
+                        <a:t>A</a:t>
+                      </a:r>
+                    </a:p>
+                  </a:txBody>
+                  <a:tcPr marB="36000">
+                    <a:solidFill>
+                      <a:schemeClr val="tx2">
+                        <a:lumMod val="90000"/>
+                        <a:lumOff val="10000"/>
+                      </a:schemeClr>
+                    </a:solidFill>
+                  </a:tcPr>
+                </a:tc>
+                <a:tc>
+                  <a:txBody>
+                    <a:bodyPr/>
+                    <a:lstStyle/>
+                    <a:p>
+                      <a:r>
+                        <a:rPr lang="de-DE" sz="1000"/>
+                        <a:t>100250001</a:t>
+                      </a:r>
+                    </a:p>
+                  </a:txBody>
+                  <a:tcPr marB="36000"/>
+                </a:tc>
+                <a:tc>
+                  <a:txBody>
+                    <a:bodyPr/>
+                    <a:lstStyle/>
+                    <a:p>
+                      <a:r>
+                        <a:rPr lang="de-DE" sz="1000"/>
+                        <a:t>connected</a:t>
+                      </a:r>
+                    </a:p>
+                  </a:txBody>
+                  <a:tcPr marB="36000"/>
+                </a:tc>
+                <a:tc>
+                  <a:txBody>
+                    <a:bodyPr/>
+                    <a:lstStyle/>
+                    <a:p>
+                      <a:r>
+                        <a:rPr lang="de-DE" sz="1000"/>
+                        <a:t>null</a:t>
+                      </a:r>
+                    </a:p>
+                  </a:txBody>
+                  <a:tcPr marB="36000"/>
+                </a:tc>
+                <a:tc>
+                  <a:txBody>
+                    <a:bodyPr/>
+                    <a:lstStyle/>
+                    <a:p>
+                      <a:endParaRPr lang="de-DE" sz="1000"/>
+                    </a:p>
+                  </a:txBody>
+                  <a:tcPr marB="36000"/>
+                </a:tc>
+                <a:extLst>
+                  <a:ext uri="{0D108BD9-81ED-4DB2-BD59-A6C34878D82A}">
+                    <a16:rowId xmlns:a16="http://schemas.microsoft.com/office/drawing/2014/main" val="4125067818"/>
+                  </a:ext>
+                </a:extLst>
+              </a:tr>
+              <a:tr h="370840">
+                <a:tc>
+                  <a:txBody>
+                    <a:bodyPr/>
+                    <a:lstStyle/>
+                    <a:p>
+                      <a:r>
+                        <a:rPr lang="de-DE" sz="1000">
+                          <a:solidFill>
+                            <a:schemeClr val="bg1"/>
+                          </a:solidFill>
+                        </a:rPr>
+                        <a:t>B</a:t>
+                      </a:r>
+                    </a:p>
+                  </a:txBody>
+                  <a:tcPr marB="36000">
+                    <a:solidFill>
+                      <a:schemeClr val="tx2">
+                        <a:lumMod val="90000"/>
+                        <a:lumOff val="10000"/>
+                      </a:schemeClr>
+                    </a:solidFill>
+                  </a:tcPr>
+                </a:tc>
+                <a:tc>
+                  <a:txBody>
+                    <a:bodyPr/>
+                    <a:lstStyle/>
+                    <a:p>
+                      <a:r>
+                        <a:rPr lang="de-DE" sz="1000"/>
+                        <a:t>300259999</a:t>
+                      </a:r>
+                    </a:p>
+                  </a:txBody>
+                  <a:tcPr marB="36000"/>
+                </a:tc>
+                <a:tc>
+                  <a:txBody>
+                    <a:bodyPr/>
+                    <a:lstStyle/>
+                    <a:p>
+                      <a:r>
+                        <a:rPr lang="de-DE" sz="1000"/>
+                        <a:t>connected</a:t>
+                      </a:r>
+                    </a:p>
+                  </a:txBody>
+                  <a:tcPr marB="36000"/>
+                </a:tc>
+                <a:tc>
+                  <a:txBody>
+                    <a:bodyPr/>
+                    <a:lstStyle/>
+                    <a:p>
+                      <a:r>
+                        <a:rPr lang="de-DE" sz="1000"/>
+                        <a:t>null</a:t>
+                      </a:r>
+                    </a:p>
+                  </a:txBody>
+                  <a:tcPr marB="36000"/>
+                </a:tc>
+                <a:tc>
+                  <a:txBody>
+                    <a:bodyPr/>
+                    <a:lstStyle/>
+                    <a:p>
+                      <a:endParaRPr lang="de-DE" sz="1000"/>
+                    </a:p>
+                  </a:txBody>
+                  <a:tcPr marB="36000"/>
+                </a:tc>
+                <a:extLst>
+                  <a:ext uri="{0D108BD9-81ED-4DB2-BD59-A6C34878D82A}">
+                    <a16:rowId xmlns:a16="http://schemas.microsoft.com/office/drawing/2014/main" val="3149034477"/>
+                  </a:ext>
+                </a:extLst>
+              </a:tr>
+              <a:tr h="370840">
+                <a:tc>
+                  <a:txBody>
+                    <a:bodyPr/>
+                    <a:lstStyle/>
+                    <a:p>
+                      <a:r>
+                        <a:rPr lang="de-DE" sz="1000">
+                          <a:solidFill>
+                            <a:schemeClr val="bg1"/>
+                          </a:solidFill>
+                        </a:rPr>
+                        <a:t>C</a:t>
+                      </a:r>
+                    </a:p>
+                  </a:txBody>
+                  <a:tcPr marB="36000">
+                    <a:solidFill>
+                      <a:schemeClr val="tx2">
+                        <a:lumMod val="90000"/>
+                        <a:lumOff val="10000"/>
+                      </a:schemeClr>
+                    </a:solidFill>
+                  </a:tcPr>
+                </a:tc>
+                <a:tc>
+                  <a:txBody>
+                    <a:bodyPr/>
+                    <a:lstStyle/>
+                    <a:p>
+                      <a:r>
+                        <a:rPr lang="de-DE" sz="1000"/>
+                        <a:t>200250002</a:t>
+                      </a:r>
+                    </a:p>
+                  </a:txBody>
+                  <a:tcPr marB="36000"/>
+                </a:tc>
+                <a:tc>
+                  <a:txBody>
+                    <a:bodyPr/>
+                    <a:lstStyle/>
+                    <a:p>
+                      <a:r>
+                        <a:rPr lang="de-DE" sz="1000"/>
+                        <a:t>connected</a:t>
+                      </a:r>
+                    </a:p>
+                  </a:txBody>
+                  <a:tcPr marB="36000"/>
+                </a:tc>
+                <a:tc>
+                  <a:txBody>
+                    <a:bodyPr/>
+                    <a:lstStyle/>
+                    <a:p>
+                      <a:r>
+                        <a:rPr lang="de-DE" sz="1000"/>
+                        <a:t>2025-05-05T01:00:00+01:00</a:t>
+                      </a:r>
+                    </a:p>
+                  </a:txBody>
+                  <a:tcPr marB="36000"/>
+                </a:tc>
+                <a:tc>
+                  <a:txBody>
+                    <a:bodyPr/>
+                    <a:lstStyle/>
+                    <a:p>
+                      <a:endParaRPr lang="de-DE" sz="1000"/>
+                    </a:p>
+                  </a:txBody>
+                  <a:tcPr marB="36000"/>
+                </a:tc>
+                <a:extLst>
+                  <a:ext uri="{0D108BD9-81ED-4DB2-BD59-A6C34878D82A}">
+                    <a16:rowId xmlns:a16="http://schemas.microsoft.com/office/drawing/2014/main" val="2113767777"/>
+                  </a:ext>
+                </a:extLst>
+              </a:tr>
+              <a:tr h="370840">
+                <a:tc>
+                  <a:txBody>
+                    <a:bodyPr/>
+                    <a:lstStyle/>
+                    <a:p>
+                      <a:r>
+                        <a:rPr lang="de-DE" sz="1000">
+                          <a:solidFill>
+                            <a:schemeClr val="bg1"/>
+                          </a:solidFill>
+                        </a:rPr>
+                        <a:t>D</a:t>
+                      </a:r>
+                    </a:p>
+                  </a:txBody>
+                  <a:tcPr marB="36000">
+                    <a:solidFill>
+                      <a:schemeClr val="tx2">
+                        <a:lumMod val="90000"/>
+                        <a:lumOff val="10000"/>
+                      </a:schemeClr>
+                    </a:solidFill>
+                  </a:tcPr>
+                </a:tc>
+                <a:tc>
+                  <a:txBody>
+                    <a:bodyPr/>
+                    <a:lstStyle/>
+                    <a:p>
+                      <a:r>
+                        <a:rPr lang="de-DE" sz="1000"/>
+                        <a:t>200250003</a:t>
+                      </a:r>
+                    </a:p>
+                  </a:txBody>
+                  <a:tcPr marB="36000"/>
+                </a:tc>
+                <a:tc>
+                  <a:txBody>
+                    <a:bodyPr/>
+                    <a:lstStyle/>
+                    <a:p>
+                      <a:r>
+                        <a:rPr lang="de-DE" sz="1000"/>
+                        <a:t>connected</a:t>
+                      </a:r>
+                    </a:p>
+                  </a:txBody>
+                  <a:tcPr marB="36000"/>
+                </a:tc>
+                <a:tc>
+                  <a:txBody>
+                    <a:bodyPr/>
+                    <a:lstStyle/>
+                    <a:p>
+                      <a:pPr marL="0" marR="0" lvl="0" indent="0" algn="l" defTabSz="914400" rtl="0" eaLnBrk="1" fontAlgn="auto" latinLnBrk="0" hangingPunct="1">
+                        <a:lnSpc>
+                          <a:spcPct val="100000"/>
+                        </a:lnSpc>
+                        <a:spcBef>
+                          <a:spcPts val="0"/>
+                        </a:spcBef>
+                        <a:spcAft>
+                          <a:spcPts val="0"/>
+                        </a:spcAft>
+                        <a:buClrTx/>
+                        <a:buSzTx/>
+                        <a:buFontTx/>
+                        <a:buNone/>
+                        <a:tabLst/>
+                        <a:defRPr/>
+                      </a:pPr>
+                      <a:r>
+                        <a:rPr lang="de-DE" sz="1000"/>
+                        <a:t>2025-05-05T01:02:00+01:00</a:t>
+                      </a:r>
+                    </a:p>
+                  </a:txBody>
+                  <a:tcPr marB="36000"/>
+                </a:tc>
+                <a:tc>
+                  <a:txBody>
+                    <a:bodyPr/>
+                    <a:lstStyle/>
+                    <a:p>
+                      <a:endParaRPr lang="de-DE" sz="1000"/>
+                    </a:p>
+                  </a:txBody>
+                  <a:tcPr marB="36000"/>
+                </a:tc>
+                <a:extLst>
+                  <a:ext uri="{0D108BD9-81ED-4DB2-BD59-A6C34878D82A}">
+                    <a16:rowId xmlns:a16="http://schemas.microsoft.com/office/drawing/2014/main" val="3251364242"/>
+                  </a:ext>
+                </a:extLst>
+              </a:tr>
+              <a:tr h="370840">
+                <a:tc>
+                  <a:txBody>
+                    <a:bodyPr/>
+                    <a:lstStyle/>
+                    <a:p>
+                      <a:r>
+                        <a:rPr lang="de-DE" sz="1000">
+                          <a:solidFill>
+                            <a:schemeClr val="bg1"/>
+                          </a:solidFill>
+                        </a:rPr>
+                        <a:t>E</a:t>
+                      </a:r>
+                    </a:p>
+                  </a:txBody>
+                  <a:tcPr marB="36000">
+                    <a:solidFill>
+                      <a:schemeClr val="tx2">
+                        <a:lumMod val="90000"/>
+                        <a:lumOff val="10000"/>
+                      </a:schemeClr>
+                    </a:solidFill>
+                  </a:tcPr>
+                </a:tc>
+                <a:tc>
+                  <a:txBody>
+                    <a:bodyPr/>
+                    <a:lstStyle/>
+                    <a:p>
+                      <a:r>
+                        <a:rPr lang="de-DE" sz="1000"/>
+                        <a:t>200254678</a:t>
+                      </a:r>
+                    </a:p>
+                  </a:txBody>
+                  <a:tcPr marB="36000"/>
+                </a:tc>
+                <a:tc>
+                  <a:txBody>
+                    <a:bodyPr/>
+                    <a:lstStyle/>
+                    <a:p>
+                      <a:r>
+                        <a:rPr lang="de-DE" sz="1000"/>
+                        <a:t>connected</a:t>
+                      </a:r>
+                    </a:p>
+                  </a:txBody>
+                  <a:tcPr marB="36000"/>
+                </a:tc>
+                <a:tc>
+                  <a:txBody>
+                    <a:bodyPr/>
+                    <a:lstStyle/>
+                    <a:p>
+                      <a:pPr marL="0" marR="0" lvl="0" indent="0" algn="l" defTabSz="914400" rtl="0" eaLnBrk="1" fontAlgn="auto" latinLnBrk="0" hangingPunct="1">
+                        <a:lnSpc>
+                          <a:spcPct val="100000"/>
+                        </a:lnSpc>
+                        <a:spcBef>
+                          <a:spcPts val="0"/>
+                        </a:spcBef>
+                        <a:spcAft>
+                          <a:spcPts val="0"/>
+                        </a:spcAft>
+                        <a:buClrTx/>
+                        <a:buSzTx/>
+                        <a:buFontTx/>
+                        <a:buNone/>
+                        <a:tabLst/>
+                        <a:defRPr/>
+                      </a:pPr>
+                      <a:r>
+                        <a:rPr lang="de-DE" sz="1000"/>
+                        <a:t>2025-05-05T05:00:00+01:00</a:t>
+                      </a:r>
+                    </a:p>
+                  </a:txBody>
+                  <a:tcPr marB="36000"/>
+                </a:tc>
+                <a:tc>
+                  <a:txBody>
+                    <a:bodyPr/>
+                    <a:lstStyle/>
+                    <a:p>
+                      <a:endParaRPr lang="de-DE" sz="1000"/>
+                    </a:p>
+                  </a:txBody>
+                  <a:tcPr marB="36000"/>
+                </a:tc>
+                <a:extLst>
+                  <a:ext uri="{0D108BD9-81ED-4DB2-BD59-A6C34878D82A}">
+                    <a16:rowId xmlns:a16="http://schemas.microsoft.com/office/drawing/2014/main" val="2648806988"/>
+                  </a:ext>
+                </a:extLst>
+              </a:tr>
+              <a:tr h="370840">
+                <a:tc>
+                  <a:txBody>
+                    <a:bodyPr/>
+                    <a:lstStyle/>
+                    <a:p>
+                      <a:r>
+                        <a:rPr lang="de-DE" sz="1000">
+                          <a:solidFill>
+                            <a:schemeClr val="bg1"/>
+                          </a:solidFill>
+                        </a:rPr>
+                        <a:t>F</a:t>
+                      </a:r>
+                    </a:p>
+                  </a:txBody>
+                  <a:tcPr marB="36000">
+                    <a:solidFill>
+                      <a:schemeClr val="tx2">
+                        <a:lumMod val="90000"/>
+                        <a:lumOff val="10000"/>
+                      </a:schemeClr>
+                    </a:solidFill>
+                  </a:tcPr>
+                </a:tc>
+                <a:tc>
+                  <a:txBody>
+                    <a:bodyPr/>
+                    <a:lstStyle/>
+                    <a:p>
+                      <a:r>
+                        <a:rPr lang="de-DE" sz="1000"/>
+                        <a:t>500251234</a:t>
+                      </a:r>
+                    </a:p>
+                  </a:txBody>
+                  <a:tcPr marB="36000"/>
+                </a:tc>
+                <a:tc>
+                  <a:txBody>
+                    <a:bodyPr/>
+                    <a:lstStyle/>
+                    <a:p>
+                      <a:r>
+                        <a:rPr lang="de-DE" sz="1000"/>
+                        <a:t>connected</a:t>
+                      </a:r>
+                    </a:p>
+                  </a:txBody>
+                  <a:tcPr marB="36000"/>
+                </a:tc>
+                <a:tc>
+                  <a:txBody>
+                    <a:bodyPr/>
+                    <a:lstStyle/>
+                    <a:p>
+                      <a:pPr marL="0" marR="0" lvl="0" indent="0" algn="l" defTabSz="914400" rtl="0" eaLnBrk="1" fontAlgn="auto" latinLnBrk="0" hangingPunct="1">
+                        <a:lnSpc>
+                          <a:spcPct val="100000"/>
+                        </a:lnSpc>
+                        <a:spcBef>
+                          <a:spcPts val="0"/>
+                        </a:spcBef>
+                        <a:spcAft>
+                          <a:spcPts val="0"/>
+                        </a:spcAft>
+                        <a:buClrTx/>
+                        <a:buSzTx/>
+                        <a:buFontTx/>
+                        <a:buNone/>
+                        <a:tabLst/>
+                        <a:defRPr/>
+                      </a:pPr>
+                      <a:r>
+                        <a:rPr lang="de-DE" sz="1000"/>
+                        <a:t>2025-05-05T05:10:00+01:00</a:t>
+                      </a:r>
+                    </a:p>
+                    <a:p>
+                      <a:endParaRPr lang="de-DE" sz="1000"/>
+                    </a:p>
+                  </a:txBody>
+                  <a:tcPr marB="36000"/>
+                </a:tc>
+                <a:tc>
+                  <a:txBody>
+                    <a:bodyPr/>
+                    <a:lstStyle/>
+                    <a:p>
+                      <a:endParaRPr lang="de-DE" sz="1000"/>
+                    </a:p>
+                  </a:txBody>
+                  <a:tcPr marB="36000"/>
+                </a:tc>
+                <a:extLst>
+                  <a:ext uri="{0D108BD9-81ED-4DB2-BD59-A6C34878D82A}">
+                    <a16:rowId xmlns:a16="http://schemas.microsoft.com/office/drawing/2014/main" val="2579600615"/>
+                  </a:ext>
+                </a:extLst>
+              </a:tr>
+              <a:tr h="370840">
+                <a:tc>
+                  <a:txBody>
+                    <a:bodyPr/>
+                    <a:lstStyle/>
+                    <a:p>
+                      <a:r>
+                        <a:rPr lang="de-DE" sz="1000">
+                          <a:solidFill>
+                            <a:schemeClr val="bg1"/>
+                          </a:solidFill>
+                        </a:rPr>
+                        <a:t>G</a:t>
+                      </a:r>
+                    </a:p>
+                  </a:txBody>
+                  <a:tcPr marB="36000">
+                    <a:solidFill>
+                      <a:schemeClr val="tx2">
+                        <a:lumMod val="90000"/>
+                        <a:lumOff val="10000"/>
+                      </a:schemeClr>
+                    </a:solidFill>
+                  </a:tcPr>
+                </a:tc>
+                <a:tc>
+                  <a:txBody>
+                    <a:bodyPr/>
+                    <a:lstStyle/>
+                    <a:p>
+                      <a:r>
+                        <a:rPr lang="de-DE" sz="1000"/>
+                        <a:t>500251111</a:t>
+                      </a:r>
+                    </a:p>
+                  </a:txBody>
+                  <a:tcPr marB="36000"/>
+                </a:tc>
+                <a:tc>
+                  <a:txBody>
+                    <a:bodyPr/>
+                    <a:lstStyle/>
+                    <a:p>
+                      <a:r>
+                        <a:rPr lang="de-DE" sz="1000"/>
+                        <a:t>connected</a:t>
+                      </a:r>
+                    </a:p>
+                  </a:txBody>
+                  <a:tcPr marB="36000"/>
+                </a:tc>
+                <a:tc>
+                  <a:txBody>
+                    <a:bodyPr/>
+                    <a:lstStyle/>
+                    <a:p>
+                      <a:pPr marL="0" marR="0" lvl="0" indent="0" algn="l" defTabSz="914400" rtl="0" eaLnBrk="1" fontAlgn="auto" latinLnBrk="0" hangingPunct="1">
+                        <a:lnSpc>
+                          <a:spcPct val="100000"/>
+                        </a:lnSpc>
+                        <a:spcBef>
+                          <a:spcPts val="0"/>
+                        </a:spcBef>
+                        <a:spcAft>
+                          <a:spcPts val="0"/>
+                        </a:spcAft>
+                        <a:buClrTx/>
+                        <a:buSzTx/>
+                        <a:buFontTx/>
+                        <a:buNone/>
+                        <a:tabLst/>
+                        <a:defRPr/>
+                      </a:pPr>
+                      <a:r>
+                        <a:rPr lang="de-DE" sz="1000"/>
+                        <a:t>2025-05-05T05:20:00+01:00</a:t>
+                      </a:r>
+                    </a:p>
+                  </a:txBody>
+                  <a:tcPr marB="36000"/>
+                </a:tc>
+                <a:tc>
+                  <a:txBody>
+                    <a:bodyPr/>
+                    <a:lstStyle/>
+                    <a:p>
+                      <a:endParaRPr lang="de-DE" sz="1000"/>
+                    </a:p>
+                  </a:txBody>
+                  <a:tcPr marB="36000"/>
+                </a:tc>
+                <a:extLst>
+                  <a:ext uri="{0D108BD9-81ED-4DB2-BD59-A6C34878D82A}">
+                    <a16:rowId xmlns:a16="http://schemas.microsoft.com/office/drawing/2014/main" val="1726899579"/>
+                  </a:ext>
+                </a:extLst>
+              </a:tr>
+              <a:tr h="370840">
+                <a:tc>
+                  <a:txBody>
+                    <a:bodyPr/>
+                    <a:lstStyle/>
+                    <a:p>
+                      <a:endParaRPr lang="de-DE" sz="1000">
+                        <a:solidFill>
+                          <a:schemeClr val="bg1"/>
+                        </a:solidFill>
+                      </a:endParaRPr>
+                    </a:p>
+                  </a:txBody>
+                  <a:tcPr marB="36000">
+                    <a:solidFill>
+                      <a:schemeClr val="tx2">
+                        <a:lumMod val="90000"/>
+                        <a:lumOff val="10000"/>
+                      </a:schemeClr>
+                    </a:solidFill>
+                  </a:tcPr>
+                </a:tc>
+                <a:tc>
+                  <a:txBody>
+                    <a:bodyPr/>
+                    <a:lstStyle/>
+                    <a:p>
+                      <a:r>
+                        <a:rPr lang="de-DE" sz="1000"/>
+                        <a:t>…</a:t>
+                      </a:r>
+                    </a:p>
+                  </a:txBody>
+                  <a:tcPr marB="36000"/>
+                </a:tc>
+                <a:tc>
+                  <a:txBody>
+                    <a:bodyPr/>
+                    <a:lstStyle/>
+                    <a:p>
+                      <a:endParaRPr lang="de-DE" sz="1000"/>
+                    </a:p>
+                  </a:txBody>
+                  <a:tcPr marB="36000"/>
+                </a:tc>
+                <a:tc>
+                  <a:txBody>
+                    <a:bodyPr/>
+                    <a:lstStyle/>
+                    <a:p>
+                      <a:endParaRPr lang="de-DE" sz="1000"/>
+                    </a:p>
+                  </a:txBody>
+                  <a:tcPr marB="36000"/>
+                </a:tc>
+                <a:tc>
+                  <a:txBody>
+                    <a:bodyPr/>
+                    <a:lstStyle/>
+                    <a:p>
+                      <a:endParaRPr lang="de-DE" sz="1000"/>
+                    </a:p>
+                  </a:txBody>
+                  <a:tcPr marB="36000"/>
+                </a:tc>
+                <a:extLst>
+                  <a:ext uri="{0D108BD9-81ED-4DB2-BD59-A6C34878D82A}">
+                    <a16:rowId xmlns:a16="http://schemas.microsoft.com/office/drawing/2014/main" val="18228692"/>
+                  </a:ext>
+                </a:extLst>
+              </a:tr>
+              <a:tr h="370840">
+                <a:tc>
+                  <a:txBody>
+                    <a:bodyPr/>
+                    <a:lstStyle/>
+                    <a:p>
+                      <a:r>
+                        <a:rPr lang="de-DE" sz="1000">
+                          <a:solidFill>
+                            <a:schemeClr val="bg1"/>
+                          </a:solidFill>
+                        </a:rPr>
+                        <a:t>X</a:t>
+                      </a:r>
+                    </a:p>
+                  </a:txBody>
+                  <a:tcPr marB="36000">
+                    <a:solidFill>
+                      <a:schemeClr val="tx2">
+                        <a:lumMod val="90000"/>
+                        <a:lumOff val="10000"/>
+                      </a:schemeClr>
+                    </a:solidFill>
+                  </a:tcPr>
+                </a:tc>
+                <a:tc>
+                  <a:txBody>
+                    <a:bodyPr/>
+                    <a:lstStyle/>
+                    <a:p>
+                      <a:r>
+                        <a:rPr lang="de-DE" sz="1000"/>
+                        <a:t>100252222</a:t>
+                      </a:r>
+                    </a:p>
+                  </a:txBody>
+                  <a:tcPr marB="36000"/>
+                </a:tc>
+                <a:tc>
+                  <a:txBody>
+                    <a:bodyPr/>
+                    <a:lstStyle/>
+                    <a:p>
+                      <a:r>
+                        <a:rPr lang="de-DE" sz="1000"/>
+                        <a:t>connecting</a:t>
+                      </a:r>
+                    </a:p>
+                  </a:txBody>
+                  <a:tcPr marB="36000"/>
+                </a:tc>
+                <a:tc>
+                  <a:txBody>
+                    <a:bodyPr/>
+                    <a:lstStyle/>
+                    <a:p>
+                      <a:r>
+                        <a:rPr lang="de-DE" sz="1000"/>
+                        <a:t>null</a:t>
+                      </a:r>
+                    </a:p>
+                  </a:txBody>
+                  <a:tcPr marB="36000"/>
+                </a:tc>
+                <a:tc>
+                  <a:txBody>
+                    <a:bodyPr/>
+                    <a:lstStyle/>
+                    <a:p>
+                      <a:endParaRPr lang="de-DE" sz="1000"/>
+                    </a:p>
+                  </a:txBody>
+                  <a:tcPr marB="36000"/>
+                </a:tc>
+                <a:extLst>
+                  <a:ext uri="{0D108BD9-81ED-4DB2-BD59-A6C34878D82A}">
+                    <a16:rowId xmlns:a16="http://schemas.microsoft.com/office/drawing/2014/main" val="1162634327"/>
+                  </a:ext>
+                </a:extLst>
+              </a:tr>
+              <a:tr h="370840">
+                <a:tc>
+                  <a:txBody>
+                    <a:bodyPr/>
+                    <a:lstStyle/>
+                    <a:p>
+                      <a:r>
+                        <a:rPr lang="de-DE" sz="1000">
+                          <a:solidFill>
+                            <a:schemeClr val="bg1"/>
+                          </a:solidFill>
+                        </a:rPr>
+                        <a:t>Y</a:t>
+                      </a:r>
+                    </a:p>
+                  </a:txBody>
+                  <a:tcPr marB="36000">
+                    <a:solidFill>
+                      <a:schemeClr val="tx2">
+                        <a:lumMod val="90000"/>
+                        <a:lumOff val="10000"/>
+                      </a:schemeClr>
+                    </a:solidFill>
+                  </a:tcPr>
+                </a:tc>
+                <a:tc>
+                  <a:txBody>
+                    <a:bodyPr/>
+                    <a:lstStyle/>
+                    <a:p>
+                      <a:r>
+                        <a:rPr lang="de-DE" sz="1000"/>
+                        <a:t>300251234</a:t>
+                      </a:r>
+                    </a:p>
+                  </a:txBody>
+                  <a:tcPr marB="36000"/>
+                </a:tc>
+                <a:tc>
+                  <a:txBody>
+                    <a:bodyPr/>
+                    <a:lstStyle/>
+                    <a:p>
+                      <a:r>
+                        <a:rPr lang="de-DE" sz="1000"/>
+                        <a:t>unable-to-connect</a:t>
+                      </a:r>
+                    </a:p>
+                  </a:txBody>
+                  <a:tcPr marB="36000"/>
+                </a:tc>
+                <a:tc>
+                  <a:txBody>
+                    <a:bodyPr/>
+                    <a:lstStyle/>
+                    <a:p>
+                      <a:r>
+                        <a:rPr lang="de-DE" sz="1000"/>
+                        <a:t>null</a:t>
+                      </a:r>
+                    </a:p>
+                  </a:txBody>
+                  <a:tcPr marB="36000"/>
+                </a:tc>
+                <a:tc>
+                  <a:txBody>
+                    <a:bodyPr/>
+                    <a:lstStyle/>
+                    <a:p>
+                      <a:endParaRPr lang="de-DE" sz="1000"/>
+                    </a:p>
+                  </a:txBody>
+                  <a:tcPr marB="36000"/>
+                </a:tc>
+                <a:extLst>
+                  <a:ext uri="{0D108BD9-81ED-4DB2-BD59-A6C34878D82A}">
+                    <a16:rowId xmlns:a16="http://schemas.microsoft.com/office/drawing/2014/main" val="2652914032"/>
+                  </a:ext>
+                </a:extLst>
+              </a:tr>
+            </a:tbl>
+          </a:graphicData>
+        </a:graphic>
+      </p:graphicFrame>
+      <p:sp>
+        <p:nvSpPr>
+          <p:cNvPr id="6" name="Textfeld 5">
+            <a:extLst>
+              <a:ext uri="{FF2B5EF4-FFF2-40B4-BE49-F238E27FC236}">
+                <a16:creationId xmlns:a16="http://schemas.microsoft.com/office/drawing/2014/main" id="{50C2F33E-ABA4-2F52-0C4E-E405C93978CB}"/>
+              </a:ext>
+            </a:extLst>
+          </p:cNvPr>
+          <p:cNvSpPr txBox="1"/>
+          <p:nvPr/>
+        </p:nvSpPr>
+        <p:spPr>
+          <a:xfrm>
+            <a:off x="4794864" y="447573"/>
+            <a:ext cx="5482611" cy="1851127"/>
+          </a:xfrm>
+          <a:prstGeom prst="rect">
+            <a:avLst/>
+          </a:prstGeom>
+          <a:gradFill>
+            <a:gsLst>
+              <a:gs pos="26000">
+                <a:schemeClr val="accent6">
+                  <a:lumMod val="20000"/>
+                  <a:lumOff val="80000"/>
+                </a:schemeClr>
+              </a:gs>
+              <a:gs pos="78000">
+                <a:srgbClr val="CEE7FA"/>
+              </a:gs>
+              <a:gs pos="100000">
+                <a:schemeClr val="accent4">
+                  <a:lumMod val="105000"/>
+                  <a:satMod val="109000"/>
+                  <a:tint val="81000"/>
+                </a:schemeClr>
+              </a:gs>
+            </a:gsLst>
+          </a:gradFill>
+          <a:ln>
+            <a:solidFill>
+              <a:srgbClr val="002060"/>
+            </a:solidFill>
+          </a:ln>
+        </p:spPr>
+        <p:style>
+          <a:lnRef idx="1">
+            <a:schemeClr val="accent4"/>
+          </a:lnRef>
+          <a:fillRef idx="2">
+            <a:schemeClr val="accent4"/>
+          </a:fillRef>
+          <a:effectRef idx="1">
+            <a:schemeClr val="accent4"/>
+          </a:effectRef>
+          <a:fontRef idx="minor">
+            <a:schemeClr val="dk1"/>
+          </a:fontRef>
+        </p:style>
+        <p:txBody>
+          <a:bodyPr rtlCol="0" anchor="ctr"/>
+          <a:lstStyle>
+            <a:defPPr>
+              <a:defRPr lang="de-DE"/>
+            </a:defPPr>
+            <a:lvl1pPr algn="ctr">
+              <a:defRPr>
+                <a:solidFill>
+                  <a:schemeClr val="dk1"/>
+                </a:solidFill>
+              </a:defRPr>
+            </a:lvl1pPr>
+            <a:lvl2pPr>
+              <a:defRPr>
+                <a:solidFill>
+                  <a:schemeClr val="dk1"/>
+                </a:solidFill>
+              </a:defRPr>
+            </a:lvl2pPr>
+            <a:lvl3pPr>
+              <a:defRPr>
+                <a:solidFill>
+                  <a:schemeClr val="dk1"/>
+                </a:solidFill>
+              </a:defRPr>
+            </a:lvl3pPr>
+            <a:lvl4pPr>
+              <a:defRPr>
+                <a:solidFill>
+                  <a:schemeClr val="dk1"/>
+                </a:solidFill>
+              </a:defRPr>
+            </a:lvl4pPr>
+            <a:lvl5pPr>
+              <a:defRPr>
+                <a:solidFill>
+                  <a:schemeClr val="dk1"/>
+                </a:solidFill>
+              </a:defRPr>
+            </a:lvl5pPr>
+            <a:lvl6pPr>
+              <a:defRPr>
+                <a:solidFill>
+                  <a:schemeClr val="dk1"/>
+                </a:solidFill>
+              </a:defRPr>
+            </a:lvl6pPr>
+            <a:lvl7pPr>
+              <a:defRPr>
+                <a:solidFill>
+                  <a:schemeClr val="dk1"/>
+                </a:solidFill>
+              </a:defRPr>
+            </a:lvl7pPr>
+            <a:lvl8pPr>
+              <a:defRPr>
+                <a:solidFill>
+                  <a:schemeClr val="dk1"/>
+                </a:solidFill>
+              </a:defRPr>
+            </a:lvl8pPr>
+            <a:lvl9pPr>
+              <a:defRPr>
+                <a:solidFill>
+                  <a:schemeClr val="dk1"/>
+                </a:solidFill>
+              </a:defRPr>
+            </a:lvl9pPr>
+          </a:lstStyle>
+          <a:p>
+            <a:pPr algn="l"/>
+            <a:r>
+              <a:rPr lang="de-DE" sz="1100" b="1"/>
+              <a:t>Ordering</a:t>
+            </a:r>
+          </a:p>
+          <a:p>
+            <a:pPr marL="171450" indent="-171450" algn="l">
+              <a:buFont typeface="Arial" panose="020B0604020202020204" pitchFamily="34" charset="0"/>
+              <a:buChar char="•"/>
+            </a:pPr>
+            <a:r>
+              <a:rPr lang="de-DE" sz="1100"/>
+              <a:t>Connected devices with timestamp == null are listed first</a:t>
+            </a:r>
+          </a:p>
+          <a:p>
+            <a:pPr marL="171450" indent="-171450" algn="l">
+              <a:buFont typeface="Arial" panose="020B0604020202020204" pitchFamily="34" charset="0"/>
+              <a:buChar char="•"/>
+            </a:pPr>
+            <a:r>
+              <a:rPr lang="de-DE" sz="1100"/>
+              <a:t>Connected devices with timestamp </a:t>
+            </a:r>
+            <a:r>
+              <a:rPr lang="de-DE" sz="1100">
+                <a:sym typeface="Symbol" panose="05050102010706020507" pitchFamily="18" charset="2"/>
+              </a:rPr>
+              <a:t> </a:t>
+            </a:r>
+            <a:r>
+              <a:rPr lang="de-DE" sz="1100"/>
+              <a:t>null are sorted from old to new</a:t>
+            </a:r>
+          </a:p>
+          <a:p>
+            <a:pPr marL="171450" indent="-171450" algn="l">
+              <a:buFont typeface="Arial" panose="020B0604020202020204" pitchFamily="34" charset="0"/>
+              <a:buChar char="•"/>
+            </a:pPr>
+            <a:r>
+              <a:rPr lang="de-DE" sz="1100"/>
+              <a:t>Not connected devices are at the end of the table</a:t>
+            </a:r>
+          </a:p>
+          <a:p>
+            <a:pPr marL="171450" indent="-171450" algn="l">
+              <a:buFont typeface="Arial" panose="020B0604020202020204" pitchFamily="34" charset="0"/>
+              <a:buChar char="•"/>
+            </a:pPr>
+            <a:endParaRPr lang="de-DE" sz="1100"/>
+          </a:p>
+          <a:p>
+            <a:pPr algn="l"/>
+            <a:r>
+              <a:rPr lang="de-DE" sz="1100" b="1"/>
+              <a:t>Order updates</a:t>
+            </a:r>
+          </a:p>
+          <a:p>
+            <a:pPr marL="171450" indent="-171450" algn="l">
+              <a:buFont typeface="Arial" panose="020B0604020202020204" pitchFamily="34" charset="0"/>
+              <a:buChar char="•"/>
+            </a:pPr>
+            <a:r>
+              <a:rPr lang="de-DE" sz="1100"/>
+              <a:t>Successful retrieval: move device to the position after the last connected device in the table (i.e. right before the first not-connected device)</a:t>
+            </a:r>
+          </a:p>
+          <a:p>
+            <a:pPr marL="171450" indent="-171450" algn="l">
+              <a:buFont typeface="Arial" panose="020B0604020202020204" pitchFamily="34" charset="0"/>
+              <a:buChar char="•"/>
+            </a:pPr>
+            <a:r>
+              <a:rPr lang="de-DE" sz="1100"/>
+              <a:t>Retrieval fail: after allowed retries have failed, move also to right before the first not-connected device (or end of the list of only connected devices found)</a:t>
+            </a:r>
+          </a:p>
+        </p:txBody>
+      </p:sp>
+      <p:sp>
+        <p:nvSpPr>
+          <p:cNvPr id="11" name="Textfeld 10">
+            <a:extLst>
+              <a:ext uri="{FF2B5EF4-FFF2-40B4-BE49-F238E27FC236}">
+                <a16:creationId xmlns:a16="http://schemas.microsoft.com/office/drawing/2014/main" id="{278F0B88-9BBA-8235-3796-EDA6A1FCF2D9}"/>
+              </a:ext>
+            </a:extLst>
+          </p:cNvPr>
+          <p:cNvSpPr txBox="1"/>
+          <p:nvPr/>
+        </p:nvSpPr>
+        <p:spPr>
+          <a:xfrm>
+            <a:off x="203200" y="5101085"/>
+            <a:ext cx="5196860" cy="307777"/>
+          </a:xfrm>
+          <a:prstGeom prst="rect">
+            <a:avLst/>
+          </a:prstGeom>
+          <a:solidFill>
+            <a:schemeClr val="tx1"/>
+          </a:solidFill>
+        </p:spPr>
+        <p:txBody>
+          <a:bodyPr wrap="square" rtlCol="0">
+            <a:spAutoFit/>
+          </a:bodyPr>
+          <a:lstStyle/>
+          <a:p>
+            <a:r>
+              <a:rPr lang="de-DE" sz="1400">
+                <a:solidFill>
+                  <a:schemeClr val="bg1">
+                    <a:lumMod val="95000"/>
+                  </a:schemeClr>
+                </a:solidFill>
+              </a:rPr>
+              <a:t>Device selection strategy for updates</a:t>
+            </a:r>
+          </a:p>
+        </p:txBody>
+      </p:sp>
+      <p:sp>
+        <p:nvSpPr>
+          <p:cNvPr id="12" name="Rechteck 11">
+            <a:extLst>
+              <a:ext uri="{FF2B5EF4-FFF2-40B4-BE49-F238E27FC236}">
+                <a16:creationId xmlns:a16="http://schemas.microsoft.com/office/drawing/2014/main" id="{91467DFF-00D6-AF65-E8AE-C95E1B1F28FE}"/>
+              </a:ext>
+            </a:extLst>
+          </p:cNvPr>
+          <p:cNvSpPr/>
+          <p:nvPr/>
+        </p:nvSpPr>
+        <p:spPr>
+          <a:xfrm>
+            <a:off x="250825" y="6092612"/>
+            <a:ext cx="2606060" cy="1117094"/>
+          </a:xfrm>
+          <a:prstGeom prst="rect">
+            <a:avLst/>
+          </a:prstGeom>
+          <a:gradFill>
+            <a:gsLst>
+              <a:gs pos="26000">
+                <a:srgbClr val="DDEEFB"/>
+              </a:gs>
+              <a:gs pos="79000">
+                <a:srgbClr val="CEE7FA"/>
+              </a:gs>
+              <a:gs pos="100000">
+                <a:schemeClr val="accent4">
+                  <a:lumMod val="105000"/>
+                  <a:satMod val="109000"/>
+                  <a:tint val="81000"/>
+                </a:schemeClr>
+              </a:gs>
+            </a:gsLst>
+          </a:gradFill>
+          <a:ln>
+            <a:solidFill>
+              <a:srgbClr val="002060"/>
+            </a:solidFill>
+          </a:ln>
+        </p:spPr>
+        <p:style>
+          <a:lnRef idx="1">
+            <a:schemeClr val="accent4"/>
+          </a:lnRef>
+          <a:fillRef idx="2">
+            <a:schemeClr val="accent4"/>
+          </a:fillRef>
+          <a:effectRef idx="1">
+            <a:schemeClr val="accent4"/>
+          </a:effectRef>
+          <a:fontRef idx="minor">
+            <a:schemeClr val="dk1"/>
+          </a:fontRef>
+        </p:style>
+        <p:txBody>
+          <a:bodyPr rtlCol="0" anchor="ctr"/>
+          <a:lstStyle/>
+          <a:p>
+            <a:pPr algn="ctr"/>
+            <a:endParaRPr lang="de-DE" sz="1200" b="1">
+              <a:solidFill>
+                <a:schemeClr val="accent4">
+                  <a:lumMod val="50000"/>
+                </a:schemeClr>
+              </a:solidFill>
+            </a:endParaRPr>
+          </a:p>
+        </p:txBody>
+      </p:sp>
+      <p:sp>
+        <p:nvSpPr>
+          <p:cNvPr id="13" name="Textfeld 12">
+            <a:extLst>
+              <a:ext uri="{FF2B5EF4-FFF2-40B4-BE49-F238E27FC236}">
+                <a16:creationId xmlns:a16="http://schemas.microsoft.com/office/drawing/2014/main" id="{90A83C0F-E5F8-5151-BE99-3F62B1BA522B}"/>
+              </a:ext>
+            </a:extLst>
+          </p:cNvPr>
+          <p:cNvSpPr txBox="1"/>
+          <p:nvPr/>
+        </p:nvSpPr>
+        <p:spPr>
+          <a:xfrm>
+            <a:off x="250825" y="6101709"/>
+            <a:ext cx="2606060" cy="1107996"/>
+          </a:xfrm>
+          <a:prstGeom prst="rect">
+            <a:avLst/>
+          </a:prstGeom>
+          <a:noFill/>
+        </p:spPr>
+        <p:txBody>
+          <a:bodyPr wrap="square" rtlCol="0">
+            <a:spAutoFit/>
+          </a:bodyPr>
+          <a:lstStyle/>
+          <a:p>
+            <a:r>
+              <a:rPr lang="de-DE" sz="1100" b="1" u="sng"/>
+              <a:t>slidingWindow process</a:t>
+            </a:r>
+          </a:p>
+          <a:p>
+            <a:pPr marL="171450" indent="-171450">
+              <a:buFont typeface="Arial" panose="020B0604020202020204" pitchFamily="34" charset="0"/>
+              <a:buChar char="•"/>
+            </a:pPr>
+            <a:r>
+              <a:rPr lang="de-DE" sz="1100"/>
+              <a:t>select 1st  not-locked device from list with timestamp == null,</a:t>
+            </a:r>
+          </a:p>
+          <a:p>
+            <a:pPr marL="171450" indent="-171450">
+              <a:buFont typeface="Arial" panose="020B0604020202020204" pitchFamily="34" charset="0"/>
+              <a:buChar char="•"/>
+            </a:pPr>
+            <a:r>
+              <a:rPr lang="de-DE" sz="1100"/>
+              <a:t>If none found, select 1st  non-locked device from list (i.e. the one with oldest timestamp)</a:t>
+            </a:r>
+          </a:p>
+        </p:txBody>
+      </p:sp>
+      <p:sp>
+        <p:nvSpPr>
+          <p:cNvPr id="14" name="Textfeld 13">
+            <a:extLst>
+              <a:ext uri="{FF2B5EF4-FFF2-40B4-BE49-F238E27FC236}">
+                <a16:creationId xmlns:a16="http://schemas.microsoft.com/office/drawing/2014/main" id="{9B72CE72-48B2-E99F-B478-D7B542776371}"/>
+              </a:ext>
+            </a:extLst>
+          </p:cNvPr>
+          <p:cNvSpPr txBox="1"/>
+          <p:nvPr/>
+        </p:nvSpPr>
+        <p:spPr>
+          <a:xfrm>
+            <a:off x="250825" y="5446280"/>
+            <a:ext cx="4834910" cy="646331"/>
+          </a:xfrm>
+          <a:prstGeom prst="rect">
+            <a:avLst/>
+          </a:prstGeom>
+          <a:noFill/>
+        </p:spPr>
+        <p:txBody>
+          <a:bodyPr wrap="square" rtlCol="0">
+            <a:spAutoFit/>
+          </a:bodyPr>
+          <a:lstStyle/>
+          <a:p>
+            <a:pPr marL="171450" indent="-171450">
+              <a:buFont typeface="Arial" panose="020B0604020202020204" pitchFamily="34" charset="0"/>
+              <a:buChar char="•"/>
+            </a:pPr>
+            <a:r>
+              <a:rPr lang="de-DE" sz="1200"/>
+              <a:t>Select only connected devices</a:t>
+            </a:r>
+          </a:p>
+          <a:p>
+            <a:pPr marL="171450" indent="-171450">
+              <a:buFont typeface="Arial" panose="020B0604020202020204" pitchFamily="34" charset="0"/>
+              <a:buChar char="•"/>
+            </a:pPr>
+            <a:r>
+              <a:rPr lang="de-DE" sz="1200"/>
+              <a:t>If device is currently selected by either of the two processes: lock it for new selections</a:t>
+            </a:r>
+          </a:p>
+        </p:txBody>
+      </p:sp>
+      <p:sp>
+        <p:nvSpPr>
+          <p:cNvPr id="15" name="Textfeld 14">
+            <a:extLst>
+              <a:ext uri="{FF2B5EF4-FFF2-40B4-BE49-F238E27FC236}">
+                <a16:creationId xmlns:a16="http://schemas.microsoft.com/office/drawing/2014/main" id="{217EC2A0-EC61-4DCF-7BD2-C5C4C8ECB7C9}"/>
+              </a:ext>
+            </a:extLst>
+          </p:cNvPr>
+          <p:cNvSpPr txBox="1"/>
+          <p:nvPr/>
+        </p:nvSpPr>
+        <p:spPr>
+          <a:xfrm>
+            <a:off x="2984078" y="6092611"/>
+            <a:ext cx="2352257" cy="600164"/>
+          </a:xfrm>
+          <a:prstGeom prst="rect">
+            <a:avLst/>
+          </a:prstGeom>
+          <a:noFill/>
+        </p:spPr>
+        <p:txBody>
+          <a:bodyPr wrap="square" rtlCol="0">
+            <a:spAutoFit/>
+          </a:bodyPr>
+          <a:lstStyle/>
+          <a:p>
+            <a:r>
+              <a:rPr lang="de-DE" sz="1100" b="1" u="sng"/>
+              <a:t>qualityMeasurement process</a:t>
+            </a:r>
+          </a:p>
+          <a:p>
+            <a:pPr marL="171450" indent="-171450">
+              <a:buFont typeface="Arial" panose="020B0604020202020204" pitchFamily="34" charset="0"/>
+              <a:buChar char="•"/>
+            </a:pPr>
+            <a:r>
+              <a:rPr lang="de-DE" sz="1100"/>
+              <a:t>select 1st not-locked device from list with timestamp </a:t>
+            </a:r>
+            <a:r>
+              <a:rPr lang="de-DE" sz="1100">
+                <a:sym typeface="Symbol" panose="05050102010706020507" pitchFamily="18" charset="2"/>
+              </a:rPr>
+              <a:t></a:t>
+            </a:r>
+            <a:r>
+              <a:rPr lang="de-DE" sz="1100"/>
+              <a:t> null</a:t>
+            </a:r>
+          </a:p>
+        </p:txBody>
+      </p:sp>
+      <p:sp>
+        <p:nvSpPr>
+          <p:cNvPr id="17" name="Rechteck 16">
+            <a:extLst>
+              <a:ext uri="{FF2B5EF4-FFF2-40B4-BE49-F238E27FC236}">
+                <a16:creationId xmlns:a16="http://schemas.microsoft.com/office/drawing/2014/main" id="{FAD5EE1D-6960-CBBD-AA8B-B9103F807D85}"/>
+              </a:ext>
+            </a:extLst>
+          </p:cNvPr>
+          <p:cNvSpPr/>
+          <p:nvPr/>
+        </p:nvSpPr>
+        <p:spPr>
+          <a:xfrm>
+            <a:off x="203200" y="5101085"/>
+            <a:ext cx="5196860" cy="2201415"/>
+          </a:xfrm>
+          <a:prstGeom prst="rect">
+            <a:avLst/>
+          </a:prstGeom>
+          <a:noFill/>
+          <a:ln w="12700">
+            <a:solidFill>
+              <a:schemeClr val="tx1"/>
+            </a:solidFill>
+          </a:ln>
+        </p:spPr>
+        <p:style>
+          <a:lnRef idx="2">
+            <a:schemeClr val="accent1">
+              <a:shade val="15000"/>
+            </a:schemeClr>
+          </a:lnRef>
+          <a:fillRef idx="1">
+            <a:schemeClr val="accent1"/>
+          </a:fillRef>
+          <a:effectRef idx="0">
+            <a:schemeClr val="accent1"/>
+          </a:effectRef>
+          <a:fontRef idx="minor">
+            <a:schemeClr val="lt1"/>
+          </a:fontRef>
+        </p:style>
+        <p:txBody>
+          <a:bodyPr rtlCol="0" anchor="ctr"/>
+          <a:lstStyle/>
+          <a:p>
+            <a:pPr algn="ctr"/>
+            <a:endParaRPr lang="de-DE"/>
+          </a:p>
+        </p:txBody>
+      </p:sp>
+      <p:sp>
+        <p:nvSpPr>
+          <p:cNvPr id="18" name="Rechteck 17">
+            <a:extLst>
+              <a:ext uri="{FF2B5EF4-FFF2-40B4-BE49-F238E27FC236}">
+                <a16:creationId xmlns:a16="http://schemas.microsoft.com/office/drawing/2014/main" id="{71DDA1AB-082B-1DDB-605D-DBB0811C23EA}"/>
+              </a:ext>
+            </a:extLst>
+          </p:cNvPr>
+          <p:cNvSpPr/>
+          <p:nvPr/>
+        </p:nvSpPr>
+        <p:spPr>
+          <a:xfrm>
+            <a:off x="0" y="0"/>
+            <a:ext cx="10350500" cy="4699000"/>
+          </a:xfrm>
+          <a:prstGeom prst="rect">
+            <a:avLst/>
+          </a:prstGeom>
+          <a:noFill/>
+          <a:ln w="6350"/>
+        </p:spPr>
+        <p:style>
+          <a:lnRef idx="2">
+            <a:schemeClr val="accent1">
+              <a:shade val="15000"/>
+            </a:schemeClr>
+          </a:lnRef>
+          <a:fillRef idx="1">
+            <a:schemeClr val="accent1"/>
+          </a:fillRef>
+          <a:effectRef idx="0">
+            <a:schemeClr val="accent1"/>
+          </a:effectRef>
+          <a:fontRef idx="minor">
+            <a:schemeClr val="lt1"/>
+          </a:fontRef>
+        </p:style>
+        <p:txBody>
+          <a:bodyPr rtlCol="0" anchor="ctr"/>
+          <a:lstStyle/>
+          <a:p>
+            <a:pPr algn="ctr"/>
+            <a:endParaRPr lang="de-DE"/>
+          </a:p>
+        </p:txBody>
+      </p:sp>
+    </p:spTree>
+    <p:extLst>
+      <p:ext uri="{BB962C8B-B14F-4D97-AF65-F5344CB8AC3E}">
+        <p14:creationId xmlns:p14="http://schemas.microsoft.com/office/powerpoint/2010/main" val="1544540054"/>
+      </p:ext>
+    </p:extLst>
+  </p:cSld>
+  <p:clrMapOvr>
+    <a:masterClrMapping/>
+  </p:clrMapOvr>
+</p:sld>
+</file>
+
+<file path=ppt/slides/slide5.xml><?xml version="1.0" encoding="utf-8"?>
+<p:sld xmlns:a="http://schemas.openxmlformats.org/drawingml/2006/main" xmlns:r="http://schemas.openxmlformats.org/officeDocument/2006/relationships" xmlns:p="http://schemas.openxmlformats.org/presentationml/2006/main">
+  <p:cSld>
+    <p:spTree>
+      <p:nvGrpSpPr>
+        <p:cNvPr id="1" name="">
+          <a:extLst>
+            <a:ext uri="{FF2B5EF4-FFF2-40B4-BE49-F238E27FC236}">
+              <a16:creationId xmlns:a16="http://schemas.microsoft.com/office/drawing/2014/main" id="{06D26E66-98D8-0ECD-F3AB-E39E3E647A56}"/>
+            </a:ext>
+          </a:extLst>
+        </p:cNvPr>
+        <p:cNvGrpSpPr/>
+        <p:nvPr/>
+      </p:nvGrpSpPr>
+      <p:grpSpPr>
+        <a:xfrm>
+          <a:off x="0" y="0"/>
+          <a:ext cx="0" cy="0"/>
+          <a:chOff x="0" y="0"/>
+          <a:chExt cx="0" cy="0"/>
+        </a:xfrm>
+      </p:grpSpPr>
+      <p:sp>
+        <p:nvSpPr>
+          <p:cNvPr id="101" name="Rechteck 100">
+            <a:extLst>
+              <a:ext uri="{FF2B5EF4-FFF2-40B4-BE49-F238E27FC236}">
+                <a16:creationId xmlns:a16="http://schemas.microsoft.com/office/drawing/2014/main" id="{3D7923B2-C8C1-6864-6FF1-C2B359363C38}"/>
+              </a:ext>
+            </a:extLst>
+          </p:cNvPr>
+          <p:cNvSpPr/>
+          <p:nvPr/>
+        </p:nvSpPr>
+        <p:spPr>
+          <a:xfrm>
+            <a:off x="84506" y="126721"/>
+            <a:ext cx="10519993" cy="5996443"/>
+          </a:xfrm>
+          <a:prstGeom prst="rect">
+            <a:avLst/>
+          </a:prstGeom>
+          <a:noFill/>
+          <a:ln w="9525"/>
+        </p:spPr>
+        <p:style>
+          <a:lnRef idx="2">
+            <a:schemeClr val="accent1">
+              <a:shade val="15000"/>
+            </a:schemeClr>
+          </a:lnRef>
+          <a:fillRef idx="1">
+            <a:schemeClr val="accent1"/>
+          </a:fillRef>
+          <a:effectRef idx="0">
+            <a:schemeClr val="accent1"/>
+          </a:effectRef>
+          <a:fontRef idx="minor">
+            <a:schemeClr val="lt1"/>
+          </a:fontRef>
+        </p:style>
+        <p:txBody>
+          <a:bodyPr rtlCol="0" anchor="ctr"/>
+          <a:lstStyle/>
+          <a:p>
+            <a:pPr algn="ctr"/>
+            <a:endParaRPr lang="de-DE"/>
+          </a:p>
+        </p:txBody>
+      </p:sp>
+      <p:sp>
+        <p:nvSpPr>
+          <p:cNvPr id="93" name="Pfeil: nach rechts 92">
+            <a:extLst>
+              <a:ext uri="{FF2B5EF4-FFF2-40B4-BE49-F238E27FC236}">
+                <a16:creationId xmlns:a16="http://schemas.microsoft.com/office/drawing/2014/main" id="{B53B69F2-73B7-63D8-C4E0-18771265D667}"/>
+              </a:ext>
+            </a:extLst>
+          </p:cNvPr>
+          <p:cNvSpPr/>
+          <p:nvPr/>
+        </p:nvSpPr>
+        <p:spPr>
+          <a:xfrm>
+            <a:off x="402910" y="1948760"/>
+            <a:ext cx="9947589" cy="869803"/>
+          </a:xfrm>
+          <a:prstGeom prst="rightArrow">
+            <a:avLst/>
+          </a:prstGeom>
+          <a:solidFill>
+            <a:schemeClr val="bg1">
+              <a:lumMod val="75000"/>
+            </a:schemeClr>
+          </a:solidFill>
+          <a:ln w="9525">
+            <a:solidFill>
+              <a:schemeClr val="tx1">
+                <a:lumMod val="75000"/>
+                <a:lumOff val="25000"/>
+              </a:schemeClr>
+            </a:solidFill>
+          </a:ln>
+        </p:spPr>
+        <p:style>
+          <a:lnRef idx="2">
+            <a:schemeClr val="accent1">
+              <a:shade val="15000"/>
+            </a:schemeClr>
+          </a:lnRef>
+          <a:fillRef idx="1">
+            <a:schemeClr val="accent1"/>
+          </a:fillRef>
+          <a:effectRef idx="0">
+            <a:schemeClr val="accent1"/>
+          </a:effectRef>
+          <a:fontRef idx="minor">
+            <a:schemeClr val="lt1"/>
+          </a:fontRef>
+        </p:style>
+        <p:txBody>
+          <a:bodyPr rtlCol="0" anchor="ctr"/>
+          <a:lstStyle/>
+          <a:p>
+            <a:pPr algn="ctr"/>
+            <a:endParaRPr lang="de-DE"/>
+          </a:p>
+        </p:txBody>
+      </p:sp>
+      <p:sp>
+        <p:nvSpPr>
+          <p:cNvPr id="92" name="Rechteck 91">
+            <a:extLst>
+              <a:ext uri="{FF2B5EF4-FFF2-40B4-BE49-F238E27FC236}">
+                <a16:creationId xmlns:a16="http://schemas.microsoft.com/office/drawing/2014/main" id="{B985722F-D707-51A5-DEAF-6A3898B17F1C}"/>
+              </a:ext>
+            </a:extLst>
+          </p:cNvPr>
+          <p:cNvSpPr/>
+          <p:nvPr/>
+        </p:nvSpPr>
+        <p:spPr>
+          <a:xfrm>
+            <a:off x="203199" y="3948970"/>
+            <a:ext cx="9055919" cy="1931130"/>
+          </a:xfrm>
+          <a:prstGeom prst="rect">
+            <a:avLst/>
+          </a:prstGeom>
+          <a:gradFill>
+            <a:gsLst>
+              <a:gs pos="26000">
+                <a:schemeClr val="accent6">
+                  <a:lumMod val="20000"/>
+                  <a:lumOff val="80000"/>
+                </a:schemeClr>
+              </a:gs>
+              <a:gs pos="78000">
+                <a:srgbClr val="CEE7FA"/>
+              </a:gs>
+              <a:gs pos="100000">
+                <a:schemeClr val="accent4">
+                  <a:lumMod val="105000"/>
+                  <a:satMod val="109000"/>
+                  <a:tint val="81000"/>
+                </a:schemeClr>
+              </a:gs>
+            </a:gsLst>
+          </a:gradFill>
+          <a:ln>
+            <a:solidFill>
+              <a:srgbClr val="002060"/>
+            </a:solidFill>
+          </a:ln>
+        </p:spPr>
+        <p:style>
+          <a:lnRef idx="1">
+            <a:schemeClr val="accent4"/>
+          </a:lnRef>
+          <a:fillRef idx="2">
+            <a:schemeClr val="accent4"/>
+          </a:fillRef>
+          <a:effectRef idx="1">
+            <a:schemeClr val="accent4"/>
+          </a:effectRef>
+          <a:fontRef idx="minor">
+            <a:schemeClr val="dk1"/>
+          </a:fontRef>
+        </p:style>
+        <p:txBody>
+          <a:bodyPr rtlCol="0" anchor="ctr"/>
+          <a:lstStyle/>
+          <a:p>
+            <a:endParaRPr lang="de-DE" sz="1100" b="1">
+              <a:solidFill>
+                <a:schemeClr val="dk1"/>
+              </a:solidFill>
+            </a:endParaRPr>
+          </a:p>
+        </p:txBody>
+      </p:sp>
+      <p:cxnSp>
+        <p:nvCxnSpPr>
+          <p:cNvPr id="38" name="Gerader Verbinder 37">
+            <a:extLst>
+              <a:ext uri="{FF2B5EF4-FFF2-40B4-BE49-F238E27FC236}">
+                <a16:creationId xmlns:a16="http://schemas.microsoft.com/office/drawing/2014/main" id="{83519430-F855-5C9B-A82E-9E2DA8FF57A0}"/>
+              </a:ext>
+            </a:extLst>
+          </p:cNvPr>
+          <p:cNvCxnSpPr/>
+          <p:nvPr/>
+        </p:nvCxnSpPr>
+        <p:spPr>
+          <a:xfrm flipV="1">
+            <a:off x="2421381" y="1511871"/>
+            <a:ext cx="0" cy="542439"/>
+          </a:xfrm>
+          <a:prstGeom prst="line">
+            <a:avLst/>
+          </a:prstGeom>
+        </p:spPr>
+        <p:style>
+          <a:lnRef idx="2">
+            <a:schemeClr val="accent1"/>
+          </a:lnRef>
+          <a:fillRef idx="0">
+            <a:schemeClr val="accent1"/>
+          </a:fillRef>
+          <a:effectRef idx="1">
+            <a:schemeClr val="accent1"/>
+          </a:effectRef>
+          <a:fontRef idx="minor">
+            <a:schemeClr val="tx1"/>
+          </a:fontRef>
+        </p:style>
+      </p:cxnSp>
+      <p:sp>
+        <p:nvSpPr>
+          <p:cNvPr id="4" name="Rechteck 3">
+            <a:extLst>
+              <a:ext uri="{FF2B5EF4-FFF2-40B4-BE49-F238E27FC236}">
+                <a16:creationId xmlns:a16="http://schemas.microsoft.com/office/drawing/2014/main" id="{722AADAF-B348-DDE7-2B81-A2937211B2D8}"/>
+              </a:ext>
+            </a:extLst>
+          </p:cNvPr>
+          <p:cNvSpPr/>
+          <p:nvPr/>
+        </p:nvSpPr>
+        <p:spPr>
+          <a:xfrm>
+            <a:off x="84506" y="126721"/>
+            <a:ext cx="10519993" cy="327048"/>
+          </a:xfrm>
+          <a:prstGeom prst="rect">
+            <a:avLst/>
+          </a:prstGeom>
+          <a:ln w="9525"/>
+        </p:spPr>
+        <p:style>
+          <a:lnRef idx="2">
+            <a:schemeClr val="accent1">
+              <a:shade val="15000"/>
+            </a:schemeClr>
+          </a:lnRef>
+          <a:fillRef idx="1">
+            <a:schemeClr val="accent1"/>
+          </a:fillRef>
+          <a:effectRef idx="0">
+            <a:schemeClr val="accent1"/>
+          </a:effectRef>
+          <a:fontRef idx="minor">
+            <a:schemeClr val="lt1"/>
+          </a:fontRef>
+        </p:style>
+        <p:txBody>
+          <a:bodyPr rtlCol="0" anchor="ctr"/>
+          <a:lstStyle/>
+          <a:p>
+            <a:pPr algn="ctr"/>
+            <a:r>
+              <a:rPr lang="de-DE"/>
+              <a:t>Metadata table ordering and CC update order</a:t>
+            </a:r>
+          </a:p>
+        </p:txBody>
+      </p:sp>
+      <p:sp>
+        <p:nvSpPr>
+          <p:cNvPr id="2" name="Rechteck 1">
+            <a:extLst>
+              <a:ext uri="{FF2B5EF4-FFF2-40B4-BE49-F238E27FC236}">
+                <a16:creationId xmlns:a16="http://schemas.microsoft.com/office/drawing/2014/main" id="{BF08142C-FAD9-EC88-5DFA-F972D8284F0C}"/>
+              </a:ext>
+            </a:extLst>
+          </p:cNvPr>
+          <p:cNvSpPr/>
+          <p:nvPr/>
+        </p:nvSpPr>
+        <p:spPr>
+          <a:xfrm>
+            <a:off x="203200" y="734836"/>
+            <a:ext cx="8908026" cy="226142"/>
+          </a:xfrm>
+          <a:prstGeom prst="rect">
+            <a:avLst/>
+          </a:prstGeom>
+          <a:gradFill>
+            <a:gsLst>
+              <a:gs pos="26000">
+                <a:srgbClr val="DDEEFB"/>
+              </a:gs>
+              <a:gs pos="79000">
+                <a:srgbClr val="CEE7FA"/>
+              </a:gs>
+              <a:gs pos="100000">
+                <a:schemeClr val="accent4">
+                  <a:lumMod val="105000"/>
+                  <a:satMod val="109000"/>
+                  <a:tint val="81000"/>
+                </a:schemeClr>
+              </a:gs>
+            </a:gsLst>
+          </a:gradFill>
+          <a:ln>
+            <a:solidFill>
+              <a:srgbClr val="002060"/>
+            </a:solidFill>
+          </a:ln>
+        </p:spPr>
+        <p:style>
+          <a:lnRef idx="1">
+            <a:schemeClr val="accent4"/>
+          </a:lnRef>
+          <a:fillRef idx="2">
+            <a:schemeClr val="accent4"/>
+          </a:fillRef>
+          <a:effectRef idx="1">
+            <a:schemeClr val="accent4"/>
+          </a:effectRef>
+          <a:fontRef idx="minor">
+            <a:schemeClr val="dk1"/>
+          </a:fontRef>
+        </p:style>
+        <p:txBody>
+          <a:bodyPr rtlCol="0" anchor="ctr"/>
+          <a:lstStyle/>
+          <a:p>
+            <a:pPr algn="ctr"/>
+            <a:r>
+              <a:rPr lang="de-DE" sz="1200" b="1">
+                <a:solidFill>
+                  <a:schemeClr val="accent4">
+                    <a:lumMod val="50000"/>
+                  </a:schemeClr>
+                </a:solidFill>
+              </a:rPr>
+              <a:t>slidingWindow process</a:t>
+            </a:r>
+          </a:p>
+        </p:txBody>
+      </p:sp>
+      <p:sp>
+        <p:nvSpPr>
+          <p:cNvPr id="3" name="Textfeld 2">
+            <a:extLst>
+              <a:ext uri="{FF2B5EF4-FFF2-40B4-BE49-F238E27FC236}">
+                <a16:creationId xmlns:a16="http://schemas.microsoft.com/office/drawing/2014/main" id="{3F9FD24F-C356-8A35-AB70-1A6D9723631F}"/>
+              </a:ext>
+            </a:extLst>
+          </p:cNvPr>
+          <p:cNvSpPr txBox="1"/>
+          <p:nvPr/>
+        </p:nvSpPr>
+        <p:spPr>
+          <a:xfrm>
+            <a:off x="203200" y="3650642"/>
+            <a:ext cx="9055919" cy="226142"/>
+          </a:xfrm>
+          <a:prstGeom prst="rect">
+            <a:avLst/>
+          </a:prstGeom>
+          <a:gradFill>
+            <a:gsLst>
+              <a:gs pos="26000">
+                <a:srgbClr val="E4CFF3"/>
+              </a:gs>
+              <a:gs pos="89000">
+                <a:srgbClr val="CAC2EC"/>
+              </a:gs>
+              <a:gs pos="100000">
+                <a:srgbClr val="A99CE0"/>
+              </a:gs>
+            </a:gsLst>
+          </a:gradFill>
+          <a:ln>
+            <a:solidFill>
+              <a:srgbClr val="002060"/>
+            </a:solidFill>
+          </a:ln>
+        </p:spPr>
+        <p:style>
+          <a:lnRef idx="1">
+            <a:schemeClr val="accent4"/>
+          </a:lnRef>
+          <a:fillRef idx="2">
+            <a:schemeClr val="accent4"/>
+          </a:fillRef>
+          <a:effectRef idx="1">
+            <a:schemeClr val="accent4"/>
+          </a:effectRef>
+          <a:fontRef idx="minor">
+            <a:schemeClr val="dk1"/>
+          </a:fontRef>
+        </p:style>
+        <p:txBody>
+          <a:bodyPr rtlCol="0" anchor="ctr"/>
+          <a:lstStyle>
+            <a:defPPr>
+              <a:defRPr lang="de-DE"/>
+            </a:defPPr>
+            <a:lvl1pPr algn="ctr">
+              <a:defRPr>
+                <a:solidFill>
+                  <a:schemeClr val="dk1"/>
+                </a:solidFill>
+              </a:defRPr>
+            </a:lvl1pPr>
+            <a:lvl2pPr>
+              <a:defRPr>
+                <a:solidFill>
+                  <a:schemeClr val="dk1"/>
+                </a:solidFill>
+              </a:defRPr>
+            </a:lvl2pPr>
+            <a:lvl3pPr>
+              <a:defRPr>
+                <a:solidFill>
+                  <a:schemeClr val="dk1"/>
+                </a:solidFill>
+              </a:defRPr>
+            </a:lvl3pPr>
+            <a:lvl4pPr>
+              <a:defRPr>
+                <a:solidFill>
+                  <a:schemeClr val="dk1"/>
+                </a:solidFill>
+              </a:defRPr>
+            </a:lvl4pPr>
+            <a:lvl5pPr>
+              <a:defRPr>
+                <a:solidFill>
+                  <a:schemeClr val="dk1"/>
+                </a:solidFill>
+              </a:defRPr>
+            </a:lvl5pPr>
+            <a:lvl6pPr>
+              <a:defRPr>
+                <a:solidFill>
+                  <a:schemeClr val="dk1"/>
+                </a:solidFill>
+              </a:defRPr>
+            </a:lvl6pPr>
+            <a:lvl7pPr>
+              <a:defRPr>
+                <a:solidFill>
+                  <a:schemeClr val="dk1"/>
+                </a:solidFill>
+              </a:defRPr>
+            </a:lvl7pPr>
+            <a:lvl8pPr>
+              <a:defRPr>
+                <a:solidFill>
+                  <a:schemeClr val="dk1"/>
+                </a:solidFill>
+              </a:defRPr>
+            </a:lvl8pPr>
+            <a:lvl9pPr>
+              <a:defRPr>
+                <a:solidFill>
+                  <a:schemeClr val="dk1"/>
+                </a:solidFill>
+              </a:defRPr>
+            </a:lvl9pPr>
+          </a:lstStyle>
+          <a:p>
+            <a:r>
+              <a:rPr lang="de-DE" sz="1200" b="1">
+                <a:solidFill>
+                  <a:schemeClr val="accent5">
+                    <a:lumMod val="50000"/>
+                  </a:schemeClr>
+                </a:solidFill>
+              </a:rPr>
+              <a:t>qualityMeasurement process</a:t>
+            </a:r>
+            <a:endParaRPr lang="de-DE" sz="1200">
+              <a:solidFill>
+                <a:schemeClr val="accent5">
+                  <a:lumMod val="50000"/>
+                </a:schemeClr>
+              </a:solidFill>
+            </a:endParaRPr>
+          </a:p>
+        </p:txBody>
+      </p:sp>
+      <p:cxnSp>
+        <p:nvCxnSpPr>
+          <p:cNvPr id="12" name="Gerader Verbinder 11">
+            <a:extLst>
+              <a:ext uri="{FF2B5EF4-FFF2-40B4-BE49-F238E27FC236}">
+                <a16:creationId xmlns:a16="http://schemas.microsoft.com/office/drawing/2014/main" id="{7FB22F78-46F4-CE40-AFB5-813500156135}"/>
+              </a:ext>
+            </a:extLst>
+          </p:cNvPr>
+          <p:cNvCxnSpPr/>
+          <p:nvPr/>
+        </p:nvCxnSpPr>
+        <p:spPr>
+          <a:xfrm flipV="1">
+            <a:off x="758313" y="1560871"/>
+            <a:ext cx="0" cy="542439"/>
+          </a:xfrm>
+          <a:prstGeom prst="line">
+            <a:avLst/>
+          </a:prstGeom>
+        </p:spPr>
+        <p:style>
+          <a:lnRef idx="2">
+            <a:schemeClr val="accent1"/>
+          </a:lnRef>
+          <a:fillRef idx="0">
+            <a:schemeClr val="accent1"/>
+          </a:fillRef>
+          <a:effectRef idx="1">
+            <a:schemeClr val="accent1"/>
+          </a:effectRef>
+          <a:fontRef idx="minor">
+            <a:schemeClr val="tx1"/>
+          </a:fontRef>
+        </p:style>
+      </p:cxnSp>
+      <p:sp>
+        <p:nvSpPr>
+          <p:cNvPr id="13" name="Textfeld 12">
+            <a:extLst>
+              <a:ext uri="{FF2B5EF4-FFF2-40B4-BE49-F238E27FC236}">
+                <a16:creationId xmlns:a16="http://schemas.microsoft.com/office/drawing/2014/main" id="{9FB39D4D-0B60-CAEF-B00B-9B9460DA5626}"/>
+              </a:ext>
+            </a:extLst>
+          </p:cNvPr>
+          <p:cNvSpPr txBox="1"/>
+          <p:nvPr/>
+        </p:nvSpPr>
+        <p:spPr>
+          <a:xfrm>
+            <a:off x="89804" y="1125079"/>
+            <a:ext cx="996334" cy="461665"/>
+          </a:xfrm>
+          <a:prstGeom prst="rect">
+            <a:avLst/>
+          </a:prstGeom>
+          <a:noFill/>
+        </p:spPr>
+        <p:txBody>
+          <a:bodyPr wrap="square" rtlCol="0">
+            <a:spAutoFit/>
+          </a:bodyPr>
+          <a:lstStyle/>
+          <a:p>
+            <a:pPr algn="r"/>
+            <a:r>
+              <a:rPr lang="de-DE" sz="1200">
+                <a:solidFill>
+                  <a:schemeClr val="accent4">
+                    <a:lumMod val="50000"/>
+                  </a:schemeClr>
+                </a:solidFill>
+              </a:rPr>
+              <a:t>select A for update</a:t>
+            </a:r>
+          </a:p>
+        </p:txBody>
+      </p:sp>
+      <p:cxnSp>
+        <p:nvCxnSpPr>
+          <p:cNvPr id="14" name="Gerader Verbinder 13">
+            <a:extLst>
+              <a:ext uri="{FF2B5EF4-FFF2-40B4-BE49-F238E27FC236}">
+                <a16:creationId xmlns:a16="http://schemas.microsoft.com/office/drawing/2014/main" id="{7D7F2FFE-3A94-B2F2-9E02-732EF7A78F9B}"/>
+              </a:ext>
+            </a:extLst>
+          </p:cNvPr>
+          <p:cNvCxnSpPr>
+            <a:cxnSpLocks/>
+          </p:cNvCxnSpPr>
+          <p:nvPr/>
+        </p:nvCxnSpPr>
+        <p:spPr>
+          <a:xfrm>
+            <a:off x="758313" y="1977838"/>
+            <a:ext cx="0" cy="125472"/>
+          </a:xfrm>
+          <a:prstGeom prst="line">
+            <a:avLst/>
+          </a:prstGeom>
+        </p:spPr>
+        <p:style>
+          <a:lnRef idx="2">
+            <a:schemeClr val="accent1"/>
+          </a:lnRef>
+          <a:fillRef idx="0">
+            <a:schemeClr val="accent1"/>
+          </a:fillRef>
+          <a:effectRef idx="1">
+            <a:schemeClr val="accent1"/>
+          </a:effectRef>
+          <a:fontRef idx="minor">
+            <a:schemeClr val="tx1"/>
+          </a:fontRef>
+        </p:style>
+      </p:cxnSp>
+      <p:sp>
+        <p:nvSpPr>
+          <p:cNvPr id="15" name="Textfeld 14">
+            <a:extLst>
+              <a:ext uri="{FF2B5EF4-FFF2-40B4-BE49-F238E27FC236}">
+                <a16:creationId xmlns:a16="http://schemas.microsoft.com/office/drawing/2014/main" id="{4383C3E2-BBB1-E6C6-46B7-22C85C4CC2F5}"/>
+              </a:ext>
+            </a:extLst>
+          </p:cNvPr>
+          <p:cNvSpPr txBox="1"/>
+          <p:nvPr/>
+        </p:nvSpPr>
+        <p:spPr>
+          <a:xfrm>
+            <a:off x="84506" y="3236179"/>
+            <a:ext cx="996334" cy="276999"/>
+          </a:xfrm>
+          <a:prstGeom prst="rect">
+            <a:avLst/>
+          </a:prstGeom>
+          <a:noFill/>
+        </p:spPr>
+        <p:txBody>
+          <a:bodyPr wrap="square" rtlCol="0">
+            <a:spAutoFit/>
+          </a:bodyPr>
+          <a:lstStyle/>
+          <a:p>
+            <a:pPr algn="r"/>
+            <a:r>
+              <a:rPr lang="de-DE" sz="1200">
+                <a:solidFill>
+                  <a:schemeClr val="accent5">
+                    <a:lumMod val="75000"/>
+                  </a:schemeClr>
+                </a:solidFill>
+              </a:rPr>
+              <a:t>select C</a:t>
+            </a:r>
+          </a:p>
+        </p:txBody>
+      </p:sp>
+      <p:cxnSp>
+        <p:nvCxnSpPr>
+          <p:cNvPr id="16" name="Gerader Verbinder 15">
+            <a:extLst>
+              <a:ext uri="{FF2B5EF4-FFF2-40B4-BE49-F238E27FC236}">
+                <a16:creationId xmlns:a16="http://schemas.microsoft.com/office/drawing/2014/main" id="{4EB74AE1-1C8E-EF78-3F43-9BD9318CD2D6}"/>
+              </a:ext>
+            </a:extLst>
+          </p:cNvPr>
+          <p:cNvCxnSpPr/>
+          <p:nvPr/>
+        </p:nvCxnSpPr>
+        <p:spPr>
+          <a:xfrm flipV="1">
+            <a:off x="1343333" y="1560870"/>
+            <a:ext cx="0" cy="542439"/>
+          </a:xfrm>
+          <a:prstGeom prst="line">
+            <a:avLst/>
+          </a:prstGeom>
+        </p:spPr>
+        <p:style>
+          <a:lnRef idx="2">
+            <a:schemeClr val="accent1"/>
+          </a:lnRef>
+          <a:fillRef idx="0">
+            <a:schemeClr val="accent1"/>
+          </a:fillRef>
+          <a:effectRef idx="1">
+            <a:schemeClr val="accent1"/>
+          </a:effectRef>
+          <a:fontRef idx="minor">
+            <a:schemeClr val="tx1"/>
+          </a:fontRef>
+        </p:style>
+      </p:cxnSp>
+      <p:sp>
+        <p:nvSpPr>
+          <p:cNvPr id="17" name="Textfeld 16">
+            <a:extLst>
+              <a:ext uri="{FF2B5EF4-FFF2-40B4-BE49-F238E27FC236}">
+                <a16:creationId xmlns:a16="http://schemas.microsoft.com/office/drawing/2014/main" id="{F75C9D51-DA48-6BBB-0A50-458441DD9AEE}"/>
+              </a:ext>
+            </a:extLst>
+          </p:cNvPr>
+          <p:cNvSpPr txBox="1"/>
+          <p:nvPr/>
+        </p:nvSpPr>
+        <p:spPr>
+          <a:xfrm>
+            <a:off x="1066083" y="1229263"/>
+            <a:ext cx="821708" cy="276999"/>
+          </a:xfrm>
+          <a:prstGeom prst="rect">
+            <a:avLst/>
+          </a:prstGeom>
+          <a:noFill/>
+        </p:spPr>
+        <p:txBody>
+          <a:bodyPr wrap="square" rtlCol="0">
+            <a:spAutoFit/>
+          </a:bodyPr>
+          <a:lstStyle/>
+          <a:p>
+            <a:r>
+              <a:rPr lang="de-DE" sz="1200">
+                <a:solidFill>
+                  <a:schemeClr val="accent4">
+                    <a:lumMod val="50000"/>
+                  </a:schemeClr>
+                </a:solidFill>
+              </a:rPr>
+              <a:t>select B</a:t>
+            </a:r>
+          </a:p>
+        </p:txBody>
+      </p:sp>
+      <p:cxnSp>
+        <p:nvCxnSpPr>
+          <p:cNvPr id="36" name="Gerader Verbinder 35">
+            <a:extLst>
+              <a:ext uri="{FF2B5EF4-FFF2-40B4-BE49-F238E27FC236}">
+                <a16:creationId xmlns:a16="http://schemas.microsoft.com/office/drawing/2014/main" id="{A199B4CA-36D6-1F44-1ACD-517EF266F81B}"/>
+              </a:ext>
+            </a:extLst>
+          </p:cNvPr>
+          <p:cNvCxnSpPr>
+            <a:cxnSpLocks/>
+          </p:cNvCxnSpPr>
+          <p:nvPr/>
+        </p:nvCxnSpPr>
+        <p:spPr>
+          <a:xfrm>
+            <a:off x="788380" y="2697050"/>
+            <a:ext cx="0" cy="577971"/>
+          </a:xfrm>
+          <a:prstGeom prst="line">
+            <a:avLst/>
+          </a:prstGeom>
+          <a:ln>
+            <a:solidFill>
+              <a:schemeClr val="accent5">
+                <a:lumMod val="50000"/>
+              </a:schemeClr>
+            </a:solidFill>
+          </a:ln>
+        </p:spPr>
+        <p:style>
+          <a:lnRef idx="2">
+            <a:schemeClr val="accent1"/>
+          </a:lnRef>
+          <a:fillRef idx="0">
+            <a:schemeClr val="accent1"/>
+          </a:fillRef>
+          <a:effectRef idx="1">
+            <a:schemeClr val="accent1"/>
+          </a:effectRef>
+          <a:fontRef idx="minor">
+            <a:schemeClr val="tx1"/>
+          </a:fontRef>
+        </p:style>
+      </p:cxnSp>
+      <p:sp>
+        <p:nvSpPr>
+          <p:cNvPr id="39" name="Textfeld 38">
+            <a:extLst>
+              <a:ext uri="{FF2B5EF4-FFF2-40B4-BE49-F238E27FC236}">
+                <a16:creationId xmlns:a16="http://schemas.microsoft.com/office/drawing/2014/main" id="{235CC739-3289-6AAF-E213-B7B32074A214}"/>
+              </a:ext>
+            </a:extLst>
+          </p:cNvPr>
+          <p:cNvSpPr txBox="1"/>
+          <p:nvPr/>
+        </p:nvSpPr>
+        <p:spPr>
+          <a:xfrm>
+            <a:off x="2062737" y="1232018"/>
+            <a:ext cx="735547" cy="276999"/>
+          </a:xfrm>
+          <a:prstGeom prst="rect">
+            <a:avLst/>
+          </a:prstGeom>
+          <a:noFill/>
+        </p:spPr>
+        <p:txBody>
+          <a:bodyPr wrap="square" rtlCol="0">
+            <a:spAutoFit/>
+          </a:bodyPr>
+          <a:lstStyle/>
+          <a:p>
+            <a:r>
+              <a:rPr lang="de-DE" sz="1200">
+                <a:solidFill>
+                  <a:schemeClr val="accent4">
+                    <a:lumMod val="50000"/>
+                  </a:schemeClr>
+                </a:solidFill>
+              </a:rPr>
+              <a:t>select D</a:t>
+            </a:r>
+          </a:p>
+        </p:txBody>
+      </p:sp>
+      <p:sp>
+        <p:nvSpPr>
+          <p:cNvPr id="40" name="Textfeld 39">
+            <a:extLst>
+              <a:ext uri="{FF2B5EF4-FFF2-40B4-BE49-F238E27FC236}">
+                <a16:creationId xmlns:a16="http://schemas.microsoft.com/office/drawing/2014/main" id="{60B50C5B-4085-97BC-7D32-706E000A3307}"/>
+              </a:ext>
+            </a:extLst>
+          </p:cNvPr>
+          <p:cNvSpPr txBox="1"/>
+          <p:nvPr/>
+        </p:nvSpPr>
+        <p:spPr>
+          <a:xfrm>
+            <a:off x="2711383" y="3235172"/>
+            <a:ext cx="996334" cy="276999"/>
+          </a:xfrm>
+          <a:prstGeom prst="rect">
+            <a:avLst/>
+          </a:prstGeom>
+          <a:noFill/>
+        </p:spPr>
+        <p:txBody>
+          <a:bodyPr wrap="square" rtlCol="0">
+            <a:spAutoFit/>
+          </a:bodyPr>
+          <a:lstStyle/>
+          <a:p>
+            <a:pPr algn="r"/>
+            <a:r>
+              <a:rPr lang="de-DE" sz="1200">
+                <a:solidFill>
+                  <a:schemeClr val="accent5">
+                    <a:lumMod val="75000"/>
+                  </a:schemeClr>
+                </a:solidFill>
+              </a:rPr>
+              <a:t>select E</a:t>
+            </a:r>
+          </a:p>
+        </p:txBody>
+      </p:sp>
+      <p:cxnSp>
+        <p:nvCxnSpPr>
+          <p:cNvPr id="41" name="Gerader Verbinder 40">
+            <a:extLst>
+              <a:ext uri="{FF2B5EF4-FFF2-40B4-BE49-F238E27FC236}">
+                <a16:creationId xmlns:a16="http://schemas.microsoft.com/office/drawing/2014/main" id="{103A179E-FCD5-09F8-EB89-D0D9269AF96B}"/>
+              </a:ext>
+            </a:extLst>
+          </p:cNvPr>
+          <p:cNvCxnSpPr/>
+          <p:nvPr/>
+        </p:nvCxnSpPr>
+        <p:spPr>
+          <a:xfrm>
+            <a:off x="3393544" y="2657201"/>
+            <a:ext cx="0" cy="577971"/>
+          </a:xfrm>
+          <a:prstGeom prst="line">
+            <a:avLst/>
+          </a:prstGeom>
+          <a:ln>
+            <a:solidFill>
+              <a:schemeClr val="accent5">
+                <a:lumMod val="50000"/>
+              </a:schemeClr>
+            </a:solidFill>
+          </a:ln>
+        </p:spPr>
+        <p:style>
+          <a:lnRef idx="2">
+            <a:schemeClr val="accent1"/>
+          </a:lnRef>
+          <a:fillRef idx="0">
+            <a:schemeClr val="accent1"/>
+          </a:fillRef>
+          <a:effectRef idx="1">
+            <a:schemeClr val="accent1"/>
+          </a:effectRef>
+          <a:fontRef idx="minor">
+            <a:schemeClr val="tx1"/>
+          </a:fontRef>
+        </p:style>
+      </p:cxnSp>
+      <p:cxnSp>
+        <p:nvCxnSpPr>
+          <p:cNvPr id="43" name="Gerader Verbinder 42">
+            <a:extLst>
+              <a:ext uri="{FF2B5EF4-FFF2-40B4-BE49-F238E27FC236}">
+                <a16:creationId xmlns:a16="http://schemas.microsoft.com/office/drawing/2014/main" id="{FA6200CA-02EA-CD57-BFCA-5AAFC7CF5C17}"/>
+              </a:ext>
+            </a:extLst>
+          </p:cNvPr>
+          <p:cNvCxnSpPr/>
+          <p:nvPr/>
+        </p:nvCxnSpPr>
+        <p:spPr>
+          <a:xfrm flipV="1">
+            <a:off x="4380581" y="1511871"/>
+            <a:ext cx="0" cy="542439"/>
+          </a:xfrm>
+          <a:prstGeom prst="line">
+            <a:avLst/>
+          </a:prstGeom>
+        </p:spPr>
+        <p:style>
+          <a:lnRef idx="2">
+            <a:schemeClr val="accent1"/>
+          </a:lnRef>
+          <a:fillRef idx="0">
+            <a:schemeClr val="accent1"/>
+          </a:fillRef>
+          <a:effectRef idx="1">
+            <a:schemeClr val="accent1"/>
+          </a:effectRef>
+          <a:fontRef idx="minor">
+            <a:schemeClr val="tx1"/>
+          </a:fontRef>
+        </p:style>
+      </p:cxnSp>
+      <p:sp>
+        <p:nvSpPr>
+          <p:cNvPr id="44" name="Textfeld 43">
+            <a:extLst>
+              <a:ext uri="{FF2B5EF4-FFF2-40B4-BE49-F238E27FC236}">
+                <a16:creationId xmlns:a16="http://schemas.microsoft.com/office/drawing/2014/main" id="{57144B60-686B-A83F-4A04-A3E15D5E5590}"/>
+              </a:ext>
+            </a:extLst>
+          </p:cNvPr>
+          <p:cNvSpPr txBox="1"/>
+          <p:nvPr/>
+        </p:nvSpPr>
+        <p:spPr>
+          <a:xfrm>
+            <a:off x="3575069" y="1233561"/>
+            <a:ext cx="996334" cy="276999"/>
+          </a:xfrm>
+          <a:prstGeom prst="rect">
+            <a:avLst/>
+          </a:prstGeom>
+          <a:noFill/>
+        </p:spPr>
+        <p:txBody>
+          <a:bodyPr wrap="square" rtlCol="0">
+            <a:spAutoFit/>
+          </a:bodyPr>
+          <a:lstStyle/>
+          <a:p>
+            <a:pPr algn="r"/>
+            <a:r>
+              <a:rPr lang="de-DE" sz="1200">
+                <a:solidFill>
+                  <a:schemeClr val="accent4">
+                    <a:lumMod val="50000"/>
+                  </a:schemeClr>
+                </a:solidFill>
+              </a:rPr>
+              <a:t>select F</a:t>
+            </a:r>
+          </a:p>
+        </p:txBody>
+      </p:sp>
+      <p:sp>
+        <p:nvSpPr>
+          <p:cNvPr id="33" name="Rechteck 32">
+            <a:extLst>
+              <a:ext uri="{FF2B5EF4-FFF2-40B4-BE49-F238E27FC236}">
+                <a16:creationId xmlns:a16="http://schemas.microsoft.com/office/drawing/2014/main" id="{7B836B62-EC51-A5F6-FFCC-DC35585AD6D7}"/>
+              </a:ext>
+            </a:extLst>
+          </p:cNvPr>
+          <p:cNvSpPr/>
+          <p:nvPr/>
+        </p:nvSpPr>
+        <p:spPr>
+          <a:xfrm>
+            <a:off x="2145090" y="2030443"/>
+            <a:ext cx="596972" cy="639514"/>
+          </a:xfrm>
+          <a:prstGeom prst="rect">
+            <a:avLst/>
+          </a:prstGeom>
+          <a:solidFill>
+            <a:schemeClr val="tx1">
+              <a:lumMod val="65000"/>
+              <a:lumOff val="35000"/>
+            </a:schemeClr>
+          </a:solidFill>
+          <a:ln w="9525">
+            <a:solidFill>
+              <a:schemeClr val="tx1">
+                <a:lumMod val="85000"/>
+                <a:lumOff val="15000"/>
+              </a:schemeClr>
+            </a:solidFill>
+          </a:ln>
+        </p:spPr>
+        <p:style>
+          <a:lnRef idx="2">
+            <a:schemeClr val="accent1">
+              <a:shade val="15000"/>
+            </a:schemeClr>
+          </a:lnRef>
+          <a:fillRef idx="1">
+            <a:schemeClr val="accent1"/>
+          </a:fillRef>
+          <a:effectRef idx="0">
+            <a:schemeClr val="accent1"/>
+          </a:effectRef>
+          <a:fontRef idx="minor">
+            <a:schemeClr val="lt1"/>
+          </a:fontRef>
+        </p:style>
+        <p:txBody>
+          <a:bodyPr rtlCol="0" anchor="ctr"/>
+          <a:lstStyle/>
+          <a:p>
+            <a:pPr algn="ctr"/>
+            <a:r>
+              <a:rPr lang="de-DE" sz="1000" i="1">
+                <a:solidFill>
+                  <a:schemeClr val="accent6">
+                    <a:lumMod val="40000"/>
+                    <a:lumOff val="60000"/>
+                  </a:schemeClr>
+                </a:solidFill>
+              </a:rPr>
+              <a:t>A done, move to end</a:t>
+            </a:r>
+          </a:p>
+        </p:txBody>
+      </p:sp>
+      <p:sp>
+        <p:nvSpPr>
+          <p:cNvPr id="62" name="Rechteck 61">
+            <a:extLst>
+              <a:ext uri="{FF2B5EF4-FFF2-40B4-BE49-F238E27FC236}">
+                <a16:creationId xmlns:a16="http://schemas.microsoft.com/office/drawing/2014/main" id="{A64ACF18-9D41-7397-1AD3-08AAF8112AC7}"/>
+              </a:ext>
+            </a:extLst>
+          </p:cNvPr>
+          <p:cNvSpPr/>
+          <p:nvPr/>
+        </p:nvSpPr>
+        <p:spPr>
+          <a:xfrm>
+            <a:off x="3038795" y="2035416"/>
+            <a:ext cx="662514" cy="639514"/>
+          </a:xfrm>
+          <a:prstGeom prst="rect">
+            <a:avLst/>
+          </a:prstGeom>
+          <a:solidFill>
+            <a:schemeClr val="tx1">
+              <a:lumMod val="65000"/>
+              <a:lumOff val="35000"/>
+            </a:schemeClr>
+          </a:solidFill>
+          <a:ln w="9525">
+            <a:solidFill>
+              <a:schemeClr val="tx1">
+                <a:lumMod val="85000"/>
+                <a:lumOff val="15000"/>
+              </a:schemeClr>
+            </a:solidFill>
+          </a:ln>
+        </p:spPr>
+        <p:style>
+          <a:lnRef idx="2">
+            <a:schemeClr val="accent1">
+              <a:shade val="15000"/>
+            </a:schemeClr>
+          </a:lnRef>
+          <a:fillRef idx="1">
+            <a:schemeClr val="accent1"/>
+          </a:fillRef>
+          <a:effectRef idx="0">
+            <a:schemeClr val="accent1"/>
+          </a:effectRef>
+          <a:fontRef idx="minor">
+            <a:schemeClr val="lt1"/>
+          </a:fontRef>
+        </p:style>
+        <p:txBody>
+          <a:bodyPr rtlCol="0" anchor="ctr"/>
+          <a:lstStyle/>
+          <a:p>
+            <a:pPr algn="ctr"/>
+            <a:r>
+              <a:rPr lang="de-DE" sz="1000" i="1">
+                <a:solidFill>
+                  <a:schemeClr val="accent6">
+                    <a:lumMod val="40000"/>
+                    <a:lumOff val="60000"/>
+                  </a:schemeClr>
+                </a:solidFill>
+              </a:rPr>
+              <a:t>C done, move to end</a:t>
+            </a:r>
+          </a:p>
+        </p:txBody>
+      </p:sp>
+      <p:sp>
+        <p:nvSpPr>
+          <p:cNvPr id="65" name="Rechteck 64">
+            <a:extLst>
+              <a:ext uri="{FF2B5EF4-FFF2-40B4-BE49-F238E27FC236}">
+                <a16:creationId xmlns:a16="http://schemas.microsoft.com/office/drawing/2014/main" id="{E248FDCF-73F1-C716-6183-C74EBFD28604}"/>
+              </a:ext>
+            </a:extLst>
+          </p:cNvPr>
+          <p:cNvSpPr/>
+          <p:nvPr/>
+        </p:nvSpPr>
+        <p:spPr>
+          <a:xfrm>
+            <a:off x="4007006" y="2038519"/>
+            <a:ext cx="662514" cy="639514"/>
+          </a:xfrm>
+          <a:prstGeom prst="rect">
+            <a:avLst/>
+          </a:prstGeom>
+          <a:solidFill>
+            <a:schemeClr val="tx1">
+              <a:lumMod val="65000"/>
+              <a:lumOff val="35000"/>
+            </a:schemeClr>
+          </a:solidFill>
+          <a:ln w="9525">
+            <a:solidFill>
+              <a:schemeClr val="tx1">
+                <a:lumMod val="85000"/>
+                <a:lumOff val="15000"/>
+              </a:schemeClr>
+            </a:solidFill>
+          </a:ln>
+        </p:spPr>
+        <p:style>
+          <a:lnRef idx="2">
+            <a:schemeClr val="accent1">
+              <a:shade val="15000"/>
+            </a:schemeClr>
+          </a:lnRef>
+          <a:fillRef idx="1">
+            <a:schemeClr val="accent1"/>
+          </a:fillRef>
+          <a:effectRef idx="0">
+            <a:schemeClr val="accent1"/>
+          </a:effectRef>
+          <a:fontRef idx="minor">
+            <a:schemeClr val="lt1"/>
+          </a:fontRef>
+        </p:style>
+        <p:txBody>
+          <a:bodyPr rtlCol="0" anchor="ctr"/>
+          <a:lstStyle/>
+          <a:p>
+            <a:pPr algn="ctr"/>
+            <a:r>
+              <a:rPr lang="de-DE" sz="1000" i="1">
+                <a:solidFill>
+                  <a:schemeClr val="accent6">
+                    <a:lumMod val="40000"/>
+                    <a:lumOff val="60000"/>
+                  </a:schemeClr>
+                </a:solidFill>
+              </a:rPr>
+              <a:t>D failed, move to end</a:t>
+            </a:r>
+          </a:p>
+        </p:txBody>
+      </p:sp>
+      <p:sp>
+        <p:nvSpPr>
+          <p:cNvPr id="66" name="Textfeld 65">
+            <a:extLst>
+              <a:ext uri="{FF2B5EF4-FFF2-40B4-BE49-F238E27FC236}">
+                <a16:creationId xmlns:a16="http://schemas.microsoft.com/office/drawing/2014/main" id="{FA7B890F-CAAC-8F6B-58EA-0D38BC6E9466}"/>
+              </a:ext>
+            </a:extLst>
+          </p:cNvPr>
+          <p:cNvSpPr txBox="1"/>
+          <p:nvPr/>
+        </p:nvSpPr>
+        <p:spPr>
+          <a:xfrm>
+            <a:off x="4606126" y="3235172"/>
+            <a:ext cx="996334" cy="276999"/>
+          </a:xfrm>
+          <a:prstGeom prst="rect">
+            <a:avLst/>
+          </a:prstGeom>
+          <a:noFill/>
+        </p:spPr>
+        <p:txBody>
+          <a:bodyPr wrap="square" rtlCol="0">
+            <a:spAutoFit/>
+          </a:bodyPr>
+          <a:lstStyle/>
+          <a:p>
+            <a:pPr algn="r"/>
+            <a:r>
+              <a:rPr lang="de-DE" sz="1200">
+                <a:solidFill>
+                  <a:schemeClr val="accent5">
+                    <a:lumMod val="75000"/>
+                  </a:schemeClr>
+                </a:solidFill>
+              </a:rPr>
+              <a:t>select G</a:t>
+            </a:r>
+          </a:p>
+        </p:txBody>
+      </p:sp>
+      <p:cxnSp>
+        <p:nvCxnSpPr>
+          <p:cNvPr id="67" name="Gerader Verbinder 66">
+            <a:extLst>
+              <a:ext uri="{FF2B5EF4-FFF2-40B4-BE49-F238E27FC236}">
+                <a16:creationId xmlns:a16="http://schemas.microsoft.com/office/drawing/2014/main" id="{C3E0D11C-2A82-CEF3-6EE1-0D10A9D97C42}"/>
+              </a:ext>
+            </a:extLst>
+          </p:cNvPr>
+          <p:cNvCxnSpPr/>
+          <p:nvPr/>
+        </p:nvCxnSpPr>
+        <p:spPr>
+          <a:xfrm>
+            <a:off x="5288287" y="2657201"/>
+            <a:ext cx="0" cy="577971"/>
+          </a:xfrm>
+          <a:prstGeom prst="line">
+            <a:avLst/>
+          </a:prstGeom>
+          <a:ln>
+            <a:solidFill>
+              <a:schemeClr val="accent5">
+                <a:lumMod val="50000"/>
+              </a:schemeClr>
+            </a:solidFill>
+          </a:ln>
+        </p:spPr>
+        <p:style>
+          <a:lnRef idx="2">
+            <a:schemeClr val="accent1"/>
+          </a:lnRef>
+          <a:fillRef idx="0">
+            <a:schemeClr val="accent1"/>
+          </a:fillRef>
+          <a:effectRef idx="1">
+            <a:schemeClr val="accent1"/>
+          </a:effectRef>
+          <a:fontRef idx="minor">
+            <a:schemeClr val="tx1"/>
+          </a:fontRef>
+        </p:style>
+      </p:cxnSp>
+      <p:sp>
+        <p:nvSpPr>
+          <p:cNvPr id="70" name="Rechteck 69">
+            <a:extLst>
+              <a:ext uri="{FF2B5EF4-FFF2-40B4-BE49-F238E27FC236}">
+                <a16:creationId xmlns:a16="http://schemas.microsoft.com/office/drawing/2014/main" id="{C051BDBD-FD97-1495-84BC-50542A608C5F}"/>
+              </a:ext>
+            </a:extLst>
+          </p:cNvPr>
+          <p:cNvSpPr/>
+          <p:nvPr/>
+        </p:nvSpPr>
+        <p:spPr>
+          <a:xfrm>
+            <a:off x="4933538" y="2022716"/>
+            <a:ext cx="662514" cy="639514"/>
+          </a:xfrm>
+          <a:prstGeom prst="rect">
+            <a:avLst/>
+          </a:prstGeom>
+          <a:solidFill>
+            <a:schemeClr val="tx1">
+              <a:lumMod val="65000"/>
+              <a:lumOff val="35000"/>
+            </a:schemeClr>
+          </a:solidFill>
+          <a:ln w="9525">
+            <a:solidFill>
+              <a:schemeClr val="tx1">
+                <a:lumMod val="85000"/>
+                <a:lumOff val="15000"/>
+              </a:schemeClr>
+            </a:solidFill>
+          </a:ln>
+        </p:spPr>
+        <p:style>
+          <a:lnRef idx="2">
+            <a:schemeClr val="accent1">
+              <a:shade val="15000"/>
+            </a:schemeClr>
+          </a:lnRef>
+          <a:fillRef idx="1">
+            <a:schemeClr val="accent1"/>
+          </a:fillRef>
+          <a:effectRef idx="0">
+            <a:schemeClr val="accent1"/>
+          </a:effectRef>
+          <a:fontRef idx="minor">
+            <a:schemeClr val="lt1"/>
+          </a:fontRef>
+        </p:style>
+        <p:txBody>
+          <a:bodyPr rtlCol="0" anchor="ctr"/>
+          <a:lstStyle/>
+          <a:p>
+            <a:pPr algn="ctr"/>
+            <a:r>
+              <a:rPr lang="de-DE" sz="1000" i="1">
+                <a:solidFill>
+                  <a:schemeClr val="accent6">
+                    <a:lumMod val="40000"/>
+                    <a:lumOff val="60000"/>
+                  </a:schemeClr>
+                </a:solidFill>
+              </a:rPr>
+              <a:t>E done, move to end</a:t>
+            </a:r>
+          </a:p>
+        </p:txBody>
+      </p:sp>
+      <p:sp>
+        <p:nvSpPr>
+          <p:cNvPr id="74" name="Rechteck 73">
+            <a:extLst>
+              <a:ext uri="{FF2B5EF4-FFF2-40B4-BE49-F238E27FC236}">
+                <a16:creationId xmlns:a16="http://schemas.microsoft.com/office/drawing/2014/main" id="{7918BD5D-F903-8116-26C4-ED2877D4D7E3}"/>
+              </a:ext>
+            </a:extLst>
+          </p:cNvPr>
+          <p:cNvSpPr/>
+          <p:nvPr/>
+        </p:nvSpPr>
+        <p:spPr>
+          <a:xfrm>
+            <a:off x="5838355" y="2022716"/>
+            <a:ext cx="662514" cy="639514"/>
+          </a:xfrm>
+          <a:prstGeom prst="rect">
+            <a:avLst/>
+          </a:prstGeom>
+          <a:solidFill>
+            <a:schemeClr val="tx1">
+              <a:lumMod val="65000"/>
+              <a:lumOff val="35000"/>
+            </a:schemeClr>
+          </a:solidFill>
+          <a:ln w="9525">
+            <a:solidFill>
+              <a:schemeClr val="tx1">
+                <a:lumMod val="85000"/>
+                <a:lumOff val="15000"/>
+              </a:schemeClr>
+            </a:solidFill>
+          </a:ln>
+        </p:spPr>
+        <p:style>
+          <a:lnRef idx="2">
+            <a:schemeClr val="accent1">
+              <a:shade val="15000"/>
+            </a:schemeClr>
+          </a:lnRef>
+          <a:fillRef idx="1">
+            <a:schemeClr val="accent1"/>
+          </a:fillRef>
+          <a:effectRef idx="0">
+            <a:schemeClr val="accent1"/>
+          </a:effectRef>
+          <a:fontRef idx="minor">
+            <a:schemeClr val="lt1"/>
+          </a:fontRef>
+        </p:style>
+        <p:txBody>
+          <a:bodyPr rtlCol="0" anchor="ctr"/>
+          <a:lstStyle/>
+          <a:p>
+            <a:pPr algn="ctr"/>
+            <a:r>
+              <a:rPr lang="de-DE" sz="1000" i="1">
+                <a:solidFill>
+                  <a:schemeClr val="accent6">
+                    <a:lumMod val="40000"/>
+                    <a:lumOff val="60000"/>
+                  </a:schemeClr>
+                </a:solidFill>
+              </a:rPr>
+              <a:t>G done, move to end</a:t>
+            </a:r>
+          </a:p>
+        </p:txBody>
+      </p:sp>
+      <p:sp>
+        <p:nvSpPr>
+          <p:cNvPr id="79" name="Rechteck 78">
+            <a:extLst>
+              <a:ext uri="{FF2B5EF4-FFF2-40B4-BE49-F238E27FC236}">
+                <a16:creationId xmlns:a16="http://schemas.microsoft.com/office/drawing/2014/main" id="{79172E93-D7E3-E0A7-FE1D-143F66E4099B}"/>
+              </a:ext>
+            </a:extLst>
+          </p:cNvPr>
+          <p:cNvSpPr/>
+          <p:nvPr/>
+        </p:nvSpPr>
+        <p:spPr>
+          <a:xfrm>
+            <a:off x="6667439" y="2022716"/>
+            <a:ext cx="662514" cy="639514"/>
+          </a:xfrm>
+          <a:prstGeom prst="rect">
+            <a:avLst/>
+          </a:prstGeom>
+          <a:solidFill>
+            <a:schemeClr val="tx1">
+              <a:lumMod val="65000"/>
+              <a:lumOff val="35000"/>
+            </a:schemeClr>
+          </a:solidFill>
+          <a:ln w="9525">
+            <a:solidFill>
+              <a:schemeClr val="tx1">
+                <a:lumMod val="85000"/>
+                <a:lumOff val="15000"/>
+              </a:schemeClr>
+            </a:solidFill>
+          </a:ln>
+        </p:spPr>
+        <p:style>
+          <a:lnRef idx="2">
+            <a:schemeClr val="accent1">
+              <a:shade val="15000"/>
+            </a:schemeClr>
+          </a:lnRef>
+          <a:fillRef idx="1">
+            <a:schemeClr val="accent1"/>
+          </a:fillRef>
+          <a:effectRef idx="0">
+            <a:schemeClr val="accent1"/>
+          </a:effectRef>
+          <a:fontRef idx="minor">
+            <a:schemeClr val="lt1"/>
+          </a:fontRef>
+        </p:style>
+        <p:txBody>
+          <a:bodyPr rtlCol="0" anchor="ctr"/>
+          <a:lstStyle/>
+          <a:p>
+            <a:pPr algn="ctr"/>
+            <a:r>
+              <a:rPr lang="de-DE" sz="1000" i="1">
+                <a:solidFill>
+                  <a:schemeClr val="accent6">
+                    <a:lumMod val="40000"/>
+                    <a:lumOff val="60000"/>
+                  </a:schemeClr>
+                </a:solidFill>
+              </a:rPr>
+              <a:t>B done, move to end</a:t>
+            </a:r>
+          </a:p>
+        </p:txBody>
+      </p:sp>
+      <p:sp>
+        <p:nvSpPr>
+          <p:cNvPr id="81" name="Textfeld 80">
+            <a:extLst>
+              <a:ext uri="{FF2B5EF4-FFF2-40B4-BE49-F238E27FC236}">
+                <a16:creationId xmlns:a16="http://schemas.microsoft.com/office/drawing/2014/main" id="{758DFAFD-A830-B491-F72D-C5B50BE94CCB}"/>
+              </a:ext>
+            </a:extLst>
+          </p:cNvPr>
+          <p:cNvSpPr txBox="1"/>
+          <p:nvPr/>
+        </p:nvSpPr>
+        <p:spPr>
+          <a:xfrm>
+            <a:off x="1045191" y="3997336"/>
+            <a:ext cx="478016" cy="1754326"/>
+          </a:xfrm>
+          <a:prstGeom prst="rect">
+            <a:avLst/>
+          </a:prstGeom>
+          <a:solidFill>
+            <a:schemeClr val="bg1"/>
+          </a:solidFill>
+          <a:ln>
+            <a:solidFill>
+              <a:schemeClr val="tx1">
+                <a:lumMod val="85000"/>
+                <a:lumOff val="15000"/>
+              </a:schemeClr>
+            </a:solidFill>
+          </a:ln>
+        </p:spPr>
+        <p:txBody>
+          <a:bodyPr wrap="none" rtlCol="0">
+            <a:spAutoFit/>
+          </a:bodyPr>
+          <a:lstStyle/>
+          <a:p>
+            <a:r>
+              <a:rPr lang="de-DE" sz="1200">
+                <a:solidFill>
+                  <a:srgbClr val="00B0F0"/>
+                </a:solidFill>
+              </a:rPr>
+              <a:t>A: S</a:t>
+            </a:r>
+          </a:p>
+          <a:p>
+            <a:r>
+              <a:rPr lang="de-DE" sz="1200">
+                <a:solidFill>
+                  <a:srgbClr val="00B0F0"/>
+                </a:solidFill>
+              </a:rPr>
+              <a:t>B: S</a:t>
+            </a:r>
+          </a:p>
+          <a:p>
+            <a:r>
+              <a:rPr lang="de-DE" sz="1200">
+                <a:solidFill>
+                  <a:schemeClr val="accent5">
+                    <a:lumMod val="60000"/>
+                    <a:lumOff val="40000"/>
+                  </a:schemeClr>
+                </a:solidFill>
+              </a:rPr>
+              <a:t>C: Q</a:t>
+            </a:r>
+          </a:p>
+          <a:p>
+            <a:r>
+              <a:rPr lang="de-DE" sz="1200"/>
+              <a:t>D</a:t>
+            </a:r>
+          </a:p>
+          <a:p>
+            <a:r>
+              <a:rPr lang="de-DE" sz="1200"/>
+              <a:t>E</a:t>
+            </a:r>
+          </a:p>
+          <a:p>
+            <a:r>
+              <a:rPr lang="de-DE" sz="1200"/>
+              <a:t>F</a:t>
+            </a:r>
+          </a:p>
+          <a:p>
+            <a:r>
+              <a:rPr lang="de-DE" sz="1200"/>
+              <a:t>G</a:t>
+            </a:r>
+          </a:p>
+          <a:p>
+            <a:r>
+              <a:rPr lang="de-DE" sz="1200">
+                <a:solidFill>
+                  <a:schemeClr val="bg1">
+                    <a:lumMod val="50000"/>
+                  </a:schemeClr>
+                </a:solidFill>
+              </a:rPr>
+              <a:t>X</a:t>
+            </a:r>
+            <a:br>
+              <a:rPr lang="de-DE" sz="1200">
+                <a:solidFill>
+                  <a:schemeClr val="bg1">
+                    <a:lumMod val="50000"/>
+                  </a:schemeClr>
+                </a:solidFill>
+              </a:rPr>
+            </a:br>
+            <a:r>
+              <a:rPr lang="de-DE" sz="1200">
+                <a:solidFill>
+                  <a:schemeClr val="bg1">
+                    <a:lumMod val="50000"/>
+                  </a:schemeClr>
+                </a:solidFill>
+              </a:rPr>
+              <a:t>Y</a:t>
+            </a:r>
+          </a:p>
+        </p:txBody>
+      </p:sp>
+      <p:sp>
+        <p:nvSpPr>
+          <p:cNvPr id="82" name="Textfeld 81">
+            <a:extLst>
+              <a:ext uri="{FF2B5EF4-FFF2-40B4-BE49-F238E27FC236}">
+                <a16:creationId xmlns:a16="http://schemas.microsoft.com/office/drawing/2014/main" id="{B6462A5D-946C-F3A9-31EE-8916E04CA307}"/>
+              </a:ext>
+            </a:extLst>
+          </p:cNvPr>
+          <p:cNvSpPr txBox="1"/>
+          <p:nvPr/>
+        </p:nvSpPr>
+        <p:spPr>
+          <a:xfrm>
+            <a:off x="2124198" y="3997336"/>
+            <a:ext cx="478016" cy="1754326"/>
+          </a:xfrm>
+          <a:prstGeom prst="rect">
+            <a:avLst/>
+          </a:prstGeom>
+          <a:solidFill>
+            <a:schemeClr val="bg1"/>
+          </a:solidFill>
+          <a:ln>
+            <a:solidFill>
+              <a:schemeClr val="tx1">
+                <a:lumMod val="85000"/>
+                <a:lumOff val="15000"/>
+              </a:schemeClr>
+            </a:solidFill>
+          </a:ln>
+        </p:spPr>
+        <p:txBody>
+          <a:bodyPr wrap="none" rtlCol="0">
+            <a:spAutoFit/>
+          </a:bodyPr>
+          <a:lstStyle/>
+          <a:p>
+            <a:r>
+              <a:rPr lang="de-DE" sz="1200">
+                <a:solidFill>
+                  <a:srgbClr val="00B0F0"/>
+                </a:solidFill>
+              </a:rPr>
+              <a:t>B: S</a:t>
+            </a:r>
+          </a:p>
+          <a:p>
+            <a:r>
+              <a:rPr lang="de-DE" sz="1200">
+                <a:solidFill>
+                  <a:schemeClr val="accent5">
+                    <a:lumMod val="60000"/>
+                    <a:lumOff val="40000"/>
+                  </a:schemeClr>
+                </a:solidFill>
+              </a:rPr>
+              <a:t>C: Q</a:t>
+            </a:r>
+          </a:p>
+          <a:p>
+            <a:r>
+              <a:rPr lang="de-DE" sz="1200">
+                <a:solidFill>
+                  <a:srgbClr val="00B0F0"/>
+                </a:solidFill>
+              </a:rPr>
+              <a:t>D: S</a:t>
+            </a:r>
+          </a:p>
+          <a:p>
+            <a:r>
+              <a:rPr lang="de-DE" sz="1200"/>
+              <a:t>E</a:t>
+            </a:r>
+          </a:p>
+          <a:p>
+            <a:r>
+              <a:rPr lang="de-DE" sz="1200"/>
+              <a:t>F</a:t>
+            </a:r>
+          </a:p>
+          <a:p>
+            <a:r>
+              <a:rPr lang="de-DE" sz="1200"/>
+              <a:t>G</a:t>
+            </a:r>
+          </a:p>
+          <a:p>
+            <a:r>
+              <a:rPr lang="de-DE" sz="1200">
+                <a:solidFill>
+                  <a:schemeClr val="accent2">
+                    <a:lumMod val="75000"/>
+                  </a:schemeClr>
+                </a:solidFill>
+              </a:rPr>
+              <a:t>A</a:t>
+            </a:r>
+          </a:p>
+          <a:p>
+            <a:r>
+              <a:rPr lang="de-DE" sz="1200">
+                <a:solidFill>
+                  <a:schemeClr val="bg1">
+                    <a:lumMod val="50000"/>
+                  </a:schemeClr>
+                </a:solidFill>
+              </a:rPr>
+              <a:t>X</a:t>
+            </a:r>
+            <a:br>
+              <a:rPr lang="de-DE" sz="1200">
+                <a:solidFill>
+                  <a:schemeClr val="bg1">
+                    <a:lumMod val="50000"/>
+                  </a:schemeClr>
+                </a:solidFill>
+              </a:rPr>
+            </a:br>
+            <a:r>
+              <a:rPr lang="de-DE" sz="1200">
+                <a:solidFill>
+                  <a:schemeClr val="bg1">
+                    <a:lumMod val="50000"/>
+                  </a:schemeClr>
+                </a:solidFill>
+              </a:rPr>
+              <a:t>Y</a:t>
+            </a:r>
+          </a:p>
+        </p:txBody>
+      </p:sp>
+      <p:sp>
+        <p:nvSpPr>
+          <p:cNvPr id="83" name="Textfeld 82">
+            <a:extLst>
+              <a:ext uri="{FF2B5EF4-FFF2-40B4-BE49-F238E27FC236}">
+                <a16:creationId xmlns:a16="http://schemas.microsoft.com/office/drawing/2014/main" id="{AB4C933D-E666-26E9-63E0-4D5237DE20F7}"/>
+              </a:ext>
+            </a:extLst>
+          </p:cNvPr>
+          <p:cNvSpPr txBox="1"/>
+          <p:nvPr/>
+        </p:nvSpPr>
+        <p:spPr>
+          <a:xfrm>
+            <a:off x="3021199" y="3997336"/>
+            <a:ext cx="457176" cy="1754326"/>
+          </a:xfrm>
+          <a:prstGeom prst="rect">
+            <a:avLst/>
+          </a:prstGeom>
+          <a:solidFill>
+            <a:schemeClr val="bg1"/>
+          </a:solidFill>
+          <a:ln>
+            <a:solidFill>
+              <a:schemeClr val="tx1">
+                <a:lumMod val="85000"/>
+                <a:lumOff val="15000"/>
+              </a:schemeClr>
+            </a:solidFill>
+          </a:ln>
+        </p:spPr>
+        <p:txBody>
+          <a:bodyPr wrap="none" rtlCol="0">
+            <a:spAutoFit/>
+          </a:bodyPr>
+          <a:lstStyle/>
+          <a:p>
+            <a:r>
+              <a:rPr lang="de-DE" sz="1200">
+                <a:solidFill>
+                  <a:srgbClr val="00B0F0"/>
+                </a:solidFill>
+              </a:rPr>
+              <a:t>B: S</a:t>
+            </a:r>
+            <a:endParaRPr lang="de-DE" sz="1200">
+              <a:solidFill>
+                <a:schemeClr val="accent5">
+                  <a:lumMod val="60000"/>
+                  <a:lumOff val="40000"/>
+                </a:schemeClr>
+              </a:solidFill>
+            </a:endParaRPr>
+          </a:p>
+          <a:p>
+            <a:r>
+              <a:rPr lang="de-DE" sz="1200">
+                <a:solidFill>
+                  <a:srgbClr val="00B0F0"/>
+                </a:solidFill>
+              </a:rPr>
+              <a:t>D: S</a:t>
+            </a:r>
+          </a:p>
+          <a:p>
+            <a:r>
+              <a:rPr lang="de-DE" sz="1200">
+                <a:solidFill>
+                  <a:schemeClr val="accent5">
+                    <a:lumMod val="60000"/>
+                    <a:lumOff val="40000"/>
+                  </a:schemeClr>
+                </a:solidFill>
+              </a:rPr>
+              <a:t>E: Q</a:t>
+            </a:r>
+          </a:p>
+          <a:p>
+            <a:r>
+              <a:rPr lang="de-DE" sz="1200"/>
+              <a:t>F</a:t>
+            </a:r>
+          </a:p>
+          <a:p>
+            <a:r>
+              <a:rPr lang="de-DE" sz="1200"/>
+              <a:t>G</a:t>
+            </a:r>
+          </a:p>
+          <a:p>
+            <a:r>
+              <a:rPr lang="de-DE" sz="1200"/>
+              <a:t>A</a:t>
+            </a:r>
+          </a:p>
+          <a:p>
+            <a:r>
+              <a:rPr lang="de-DE" sz="1200">
+                <a:solidFill>
+                  <a:schemeClr val="accent2">
+                    <a:lumMod val="75000"/>
+                  </a:schemeClr>
+                </a:solidFill>
+              </a:rPr>
+              <a:t>C</a:t>
+            </a:r>
+          </a:p>
+          <a:p>
+            <a:r>
+              <a:rPr lang="de-DE" sz="1200">
+                <a:solidFill>
+                  <a:schemeClr val="bg1">
+                    <a:lumMod val="50000"/>
+                  </a:schemeClr>
+                </a:solidFill>
+              </a:rPr>
+              <a:t>X</a:t>
+            </a:r>
+            <a:br>
+              <a:rPr lang="de-DE" sz="1200">
+                <a:solidFill>
+                  <a:schemeClr val="bg1">
+                    <a:lumMod val="50000"/>
+                  </a:schemeClr>
+                </a:solidFill>
+              </a:rPr>
+            </a:br>
+            <a:r>
+              <a:rPr lang="de-DE" sz="1200">
+                <a:solidFill>
+                  <a:schemeClr val="bg1">
+                    <a:lumMod val="50000"/>
+                  </a:schemeClr>
+                </a:solidFill>
+              </a:rPr>
+              <a:t>Y</a:t>
+            </a:r>
+          </a:p>
+        </p:txBody>
+      </p:sp>
+      <p:sp>
+        <p:nvSpPr>
+          <p:cNvPr id="84" name="Textfeld 83">
+            <a:extLst>
+              <a:ext uri="{FF2B5EF4-FFF2-40B4-BE49-F238E27FC236}">
+                <a16:creationId xmlns:a16="http://schemas.microsoft.com/office/drawing/2014/main" id="{C3671E0A-F932-3858-9067-D337C6B850E5}"/>
+              </a:ext>
+            </a:extLst>
+          </p:cNvPr>
+          <p:cNvSpPr txBox="1"/>
+          <p:nvPr/>
+        </p:nvSpPr>
+        <p:spPr>
+          <a:xfrm>
+            <a:off x="3959784" y="3997336"/>
+            <a:ext cx="457176" cy="1754326"/>
+          </a:xfrm>
+          <a:prstGeom prst="rect">
+            <a:avLst/>
+          </a:prstGeom>
+          <a:solidFill>
+            <a:schemeClr val="bg1"/>
+          </a:solidFill>
+          <a:ln>
+            <a:solidFill>
+              <a:schemeClr val="tx1">
+                <a:lumMod val="85000"/>
+                <a:lumOff val="15000"/>
+              </a:schemeClr>
+            </a:solidFill>
+          </a:ln>
+        </p:spPr>
+        <p:txBody>
+          <a:bodyPr wrap="none" rtlCol="0">
+            <a:spAutoFit/>
+          </a:bodyPr>
+          <a:lstStyle/>
+          <a:p>
+            <a:r>
+              <a:rPr lang="de-DE" sz="1200">
+                <a:solidFill>
+                  <a:srgbClr val="00B0F0"/>
+                </a:solidFill>
+              </a:rPr>
+              <a:t>B: S</a:t>
+            </a:r>
+          </a:p>
+          <a:p>
+            <a:r>
+              <a:rPr lang="de-DE" sz="1200">
+                <a:solidFill>
+                  <a:schemeClr val="accent5">
+                    <a:lumMod val="60000"/>
+                    <a:lumOff val="40000"/>
+                  </a:schemeClr>
+                </a:solidFill>
+              </a:rPr>
+              <a:t>E: Q</a:t>
+            </a:r>
+          </a:p>
+          <a:p>
+            <a:r>
+              <a:rPr lang="de-DE" sz="1200">
+                <a:solidFill>
+                  <a:srgbClr val="00B0F0"/>
+                </a:solidFill>
+              </a:rPr>
+              <a:t>F: S</a:t>
+            </a:r>
+          </a:p>
+          <a:p>
+            <a:r>
+              <a:rPr lang="de-DE" sz="1200"/>
+              <a:t>G</a:t>
+            </a:r>
+          </a:p>
+          <a:p>
+            <a:r>
+              <a:rPr lang="de-DE" sz="1200"/>
+              <a:t>A</a:t>
+            </a:r>
+          </a:p>
+          <a:p>
+            <a:r>
+              <a:rPr lang="de-DE" sz="1200"/>
+              <a:t>C</a:t>
+            </a:r>
+          </a:p>
+          <a:p>
+            <a:r>
+              <a:rPr lang="de-DE" sz="1200">
+                <a:solidFill>
+                  <a:schemeClr val="accent2">
+                    <a:lumMod val="75000"/>
+                  </a:schemeClr>
+                </a:solidFill>
+              </a:rPr>
+              <a:t>D</a:t>
+            </a:r>
+          </a:p>
+          <a:p>
+            <a:r>
+              <a:rPr lang="de-DE" sz="1200">
+                <a:solidFill>
+                  <a:schemeClr val="bg1">
+                    <a:lumMod val="50000"/>
+                  </a:schemeClr>
+                </a:solidFill>
+              </a:rPr>
+              <a:t>X</a:t>
+            </a:r>
+            <a:br>
+              <a:rPr lang="de-DE" sz="1200">
+                <a:solidFill>
+                  <a:schemeClr val="bg1">
+                    <a:lumMod val="50000"/>
+                  </a:schemeClr>
+                </a:solidFill>
+              </a:rPr>
+            </a:br>
+            <a:r>
+              <a:rPr lang="de-DE" sz="1200">
+                <a:solidFill>
+                  <a:schemeClr val="bg1">
+                    <a:lumMod val="50000"/>
+                  </a:schemeClr>
+                </a:solidFill>
+              </a:rPr>
+              <a:t>Y</a:t>
+            </a:r>
+          </a:p>
+        </p:txBody>
+      </p:sp>
+      <p:sp>
+        <p:nvSpPr>
+          <p:cNvPr id="85" name="Textfeld 84">
+            <a:extLst>
+              <a:ext uri="{FF2B5EF4-FFF2-40B4-BE49-F238E27FC236}">
+                <a16:creationId xmlns:a16="http://schemas.microsoft.com/office/drawing/2014/main" id="{4DE64F5B-CE35-8A5A-ED60-B83850D81AA7}"/>
+              </a:ext>
+            </a:extLst>
+          </p:cNvPr>
+          <p:cNvSpPr txBox="1"/>
+          <p:nvPr/>
+        </p:nvSpPr>
+        <p:spPr>
+          <a:xfrm>
+            <a:off x="5037169" y="3997336"/>
+            <a:ext cx="481222" cy="1754326"/>
+          </a:xfrm>
+          <a:prstGeom prst="rect">
+            <a:avLst/>
+          </a:prstGeom>
+          <a:solidFill>
+            <a:schemeClr val="bg1"/>
+          </a:solidFill>
+          <a:ln>
+            <a:solidFill>
+              <a:schemeClr val="tx1">
+                <a:lumMod val="85000"/>
+                <a:lumOff val="15000"/>
+              </a:schemeClr>
+            </a:solidFill>
+          </a:ln>
+        </p:spPr>
+        <p:txBody>
+          <a:bodyPr wrap="none" rtlCol="0">
+            <a:spAutoFit/>
+          </a:bodyPr>
+          <a:lstStyle/>
+          <a:p>
+            <a:r>
+              <a:rPr lang="de-DE" sz="1200">
+                <a:solidFill>
+                  <a:srgbClr val="00B0F0"/>
+                </a:solidFill>
+              </a:rPr>
+              <a:t>B: S</a:t>
+            </a:r>
+            <a:endParaRPr lang="de-DE" sz="1200">
+              <a:solidFill>
+                <a:schemeClr val="accent5">
+                  <a:lumMod val="60000"/>
+                  <a:lumOff val="40000"/>
+                </a:schemeClr>
+              </a:solidFill>
+            </a:endParaRPr>
+          </a:p>
+          <a:p>
+            <a:r>
+              <a:rPr lang="de-DE" sz="1200">
+                <a:solidFill>
+                  <a:srgbClr val="00B0F0"/>
+                </a:solidFill>
+              </a:rPr>
+              <a:t>F: S</a:t>
+            </a:r>
+          </a:p>
+          <a:p>
+            <a:r>
+              <a:rPr lang="de-DE" sz="1200">
+                <a:solidFill>
+                  <a:schemeClr val="accent5">
+                    <a:lumMod val="60000"/>
+                    <a:lumOff val="40000"/>
+                  </a:schemeClr>
+                </a:solidFill>
+              </a:rPr>
+              <a:t>G: Q</a:t>
+            </a:r>
+            <a:endParaRPr lang="de-DE" sz="1200"/>
+          </a:p>
+          <a:p>
+            <a:r>
+              <a:rPr lang="de-DE" sz="1200"/>
+              <a:t>A</a:t>
+            </a:r>
+          </a:p>
+          <a:p>
+            <a:r>
+              <a:rPr lang="de-DE" sz="1200"/>
+              <a:t>C</a:t>
+            </a:r>
+          </a:p>
+          <a:p>
+            <a:r>
+              <a:rPr lang="de-DE" sz="1200"/>
+              <a:t>D</a:t>
+            </a:r>
+          </a:p>
+          <a:p>
+            <a:r>
+              <a:rPr lang="de-DE" sz="1200">
+                <a:solidFill>
+                  <a:schemeClr val="accent2">
+                    <a:lumMod val="75000"/>
+                  </a:schemeClr>
+                </a:solidFill>
+              </a:rPr>
+              <a:t>E</a:t>
+            </a:r>
+          </a:p>
+          <a:p>
+            <a:r>
+              <a:rPr lang="de-DE" sz="1200">
+                <a:solidFill>
+                  <a:schemeClr val="bg1">
+                    <a:lumMod val="50000"/>
+                  </a:schemeClr>
+                </a:solidFill>
+              </a:rPr>
+              <a:t>X</a:t>
+            </a:r>
+            <a:br>
+              <a:rPr lang="de-DE" sz="1200">
+                <a:solidFill>
+                  <a:schemeClr val="bg1">
+                    <a:lumMod val="50000"/>
+                  </a:schemeClr>
+                </a:solidFill>
+              </a:rPr>
+            </a:br>
+            <a:r>
+              <a:rPr lang="de-DE" sz="1200">
+                <a:solidFill>
+                  <a:schemeClr val="bg1">
+                    <a:lumMod val="50000"/>
+                  </a:schemeClr>
+                </a:solidFill>
+              </a:rPr>
+              <a:t>Y</a:t>
+            </a:r>
+          </a:p>
+        </p:txBody>
+      </p:sp>
+      <p:sp>
+        <p:nvSpPr>
+          <p:cNvPr id="87" name="Textfeld 86">
+            <a:extLst>
+              <a:ext uri="{FF2B5EF4-FFF2-40B4-BE49-F238E27FC236}">
+                <a16:creationId xmlns:a16="http://schemas.microsoft.com/office/drawing/2014/main" id="{90FA0682-E868-CE47-8838-BCBAD12BBBF4}"/>
+              </a:ext>
+            </a:extLst>
+          </p:cNvPr>
+          <p:cNvSpPr txBox="1"/>
+          <p:nvPr/>
+        </p:nvSpPr>
+        <p:spPr>
+          <a:xfrm>
+            <a:off x="5981810" y="3997336"/>
+            <a:ext cx="463588" cy="1754326"/>
+          </a:xfrm>
+          <a:prstGeom prst="rect">
+            <a:avLst/>
+          </a:prstGeom>
+          <a:solidFill>
+            <a:schemeClr val="bg1"/>
+          </a:solidFill>
+          <a:ln>
+            <a:solidFill>
+              <a:schemeClr val="tx1">
+                <a:lumMod val="85000"/>
+                <a:lumOff val="15000"/>
+              </a:schemeClr>
+            </a:solidFill>
+          </a:ln>
+        </p:spPr>
+        <p:txBody>
+          <a:bodyPr wrap="none" rtlCol="0">
+            <a:spAutoFit/>
+          </a:bodyPr>
+          <a:lstStyle/>
+          <a:p>
+            <a:r>
+              <a:rPr lang="de-DE" sz="1200">
+                <a:solidFill>
+                  <a:srgbClr val="00B0F0"/>
+                </a:solidFill>
+              </a:rPr>
+              <a:t>B: S</a:t>
+            </a:r>
+            <a:endParaRPr lang="de-DE" sz="1200">
+              <a:solidFill>
+                <a:schemeClr val="accent5">
+                  <a:lumMod val="60000"/>
+                  <a:lumOff val="40000"/>
+                </a:schemeClr>
+              </a:solidFill>
+            </a:endParaRPr>
+          </a:p>
+          <a:p>
+            <a:r>
+              <a:rPr lang="de-DE" sz="1200">
+                <a:solidFill>
+                  <a:srgbClr val="00B0F0"/>
+                </a:solidFill>
+              </a:rPr>
+              <a:t>F: S</a:t>
+            </a:r>
+          </a:p>
+          <a:p>
+            <a:r>
+              <a:rPr lang="de-DE" sz="1200">
+                <a:solidFill>
+                  <a:schemeClr val="accent5">
+                    <a:lumMod val="60000"/>
+                    <a:lumOff val="40000"/>
+                  </a:schemeClr>
+                </a:solidFill>
+              </a:rPr>
+              <a:t>A: Q</a:t>
+            </a:r>
+            <a:endParaRPr lang="de-DE" sz="1200"/>
+          </a:p>
+          <a:p>
+            <a:r>
+              <a:rPr lang="de-DE" sz="1200"/>
+              <a:t>C</a:t>
+            </a:r>
+          </a:p>
+          <a:p>
+            <a:r>
+              <a:rPr lang="de-DE" sz="1200"/>
+              <a:t>D</a:t>
+            </a:r>
+          </a:p>
+          <a:p>
+            <a:r>
+              <a:rPr lang="de-DE" sz="1200"/>
+              <a:t>E</a:t>
+            </a:r>
+          </a:p>
+          <a:p>
+            <a:r>
+              <a:rPr lang="de-DE" sz="1200">
+                <a:solidFill>
+                  <a:schemeClr val="accent2">
+                    <a:lumMod val="75000"/>
+                  </a:schemeClr>
+                </a:solidFill>
+              </a:rPr>
+              <a:t>G</a:t>
+            </a:r>
+          </a:p>
+          <a:p>
+            <a:r>
+              <a:rPr lang="de-DE" sz="1200">
+                <a:solidFill>
+                  <a:schemeClr val="bg1">
+                    <a:lumMod val="50000"/>
+                  </a:schemeClr>
+                </a:solidFill>
+              </a:rPr>
+              <a:t>X</a:t>
+            </a:r>
+            <a:br>
+              <a:rPr lang="de-DE" sz="1200">
+                <a:solidFill>
+                  <a:schemeClr val="bg1">
+                    <a:lumMod val="50000"/>
+                  </a:schemeClr>
+                </a:solidFill>
+              </a:rPr>
+            </a:br>
+            <a:r>
+              <a:rPr lang="de-DE" sz="1200">
+                <a:solidFill>
+                  <a:schemeClr val="bg1">
+                    <a:lumMod val="50000"/>
+                  </a:schemeClr>
+                </a:solidFill>
+              </a:rPr>
+              <a:t>Y</a:t>
+            </a:r>
+          </a:p>
+        </p:txBody>
+      </p:sp>
+      <p:sp>
+        <p:nvSpPr>
+          <p:cNvPr id="88" name="Textfeld 87">
+            <a:extLst>
+              <a:ext uri="{FF2B5EF4-FFF2-40B4-BE49-F238E27FC236}">
+                <a16:creationId xmlns:a16="http://schemas.microsoft.com/office/drawing/2014/main" id="{1B2AF344-5C0A-3850-8436-BA3B6E6583B9}"/>
+              </a:ext>
+            </a:extLst>
+          </p:cNvPr>
+          <p:cNvSpPr txBox="1"/>
+          <p:nvPr/>
+        </p:nvSpPr>
+        <p:spPr>
+          <a:xfrm>
+            <a:off x="5504535" y="3232567"/>
+            <a:ext cx="996334" cy="276999"/>
+          </a:xfrm>
+          <a:prstGeom prst="rect">
+            <a:avLst/>
+          </a:prstGeom>
+          <a:noFill/>
+        </p:spPr>
+        <p:txBody>
+          <a:bodyPr wrap="square" rtlCol="0">
+            <a:spAutoFit/>
+          </a:bodyPr>
+          <a:lstStyle/>
+          <a:p>
+            <a:pPr algn="r"/>
+            <a:r>
+              <a:rPr lang="de-DE" sz="1200">
+                <a:solidFill>
+                  <a:schemeClr val="accent5">
+                    <a:lumMod val="75000"/>
+                  </a:schemeClr>
+                </a:solidFill>
+              </a:rPr>
+              <a:t>select A</a:t>
+            </a:r>
+          </a:p>
+        </p:txBody>
+      </p:sp>
+      <p:cxnSp>
+        <p:nvCxnSpPr>
+          <p:cNvPr id="89" name="Gerader Verbinder 88">
+            <a:extLst>
+              <a:ext uri="{FF2B5EF4-FFF2-40B4-BE49-F238E27FC236}">
+                <a16:creationId xmlns:a16="http://schemas.microsoft.com/office/drawing/2014/main" id="{B44CB97A-2A3B-5F66-91AF-AA44BA06C280}"/>
+              </a:ext>
+            </a:extLst>
+          </p:cNvPr>
+          <p:cNvCxnSpPr/>
+          <p:nvPr/>
+        </p:nvCxnSpPr>
+        <p:spPr>
+          <a:xfrm>
+            <a:off x="6186696" y="2667296"/>
+            <a:ext cx="0" cy="577971"/>
+          </a:xfrm>
+          <a:prstGeom prst="line">
+            <a:avLst/>
+          </a:prstGeom>
+          <a:ln>
+            <a:solidFill>
+              <a:schemeClr val="accent5">
+                <a:lumMod val="50000"/>
+              </a:schemeClr>
+            </a:solidFill>
+          </a:ln>
+        </p:spPr>
+        <p:style>
+          <a:lnRef idx="2">
+            <a:schemeClr val="accent1"/>
+          </a:lnRef>
+          <a:fillRef idx="0">
+            <a:schemeClr val="accent1"/>
+          </a:fillRef>
+          <a:effectRef idx="1">
+            <a:schemeClr val="accent1"/>
+          </a:effectRef>
+          <a:fontRef idx="minor">
+            <a:schemeClr val="tx1"/>
+          </a:fontRef>
+        </p:style>
+      </p:cxnSp>
+      <p:sp>
+        <p:nvSpPr>
+          <p:cNvPr id="90" name="Rechteck 89">
+            <a:extLst>
+              <a:ext uri="{FF2B5EF4-FFF2-40B4-BE49-F238E27FC236}">
+                <a16:creationId xmlns:a16="http://schemas.microsoft.com/office/drawing/2014/main" id="{332F2A0F-5F15-8417-739C-5F253E639591}"/>
+              </a:ext>
+            </a:extLst>
+          </p:cNvPr>
+          <p:cNvSpPr/>
+          <p:nvPr/>
+        </p:nvSpPr>
+        <p:spPr>
+          <a:xfrm>
+            <a:off x="678436" y="2068124"/>
+            <a:ext cx="166256" cy="639514"/>
+          </a:xfrm>
+          <a:prstGeom prst="rect">
+            <a:avLst/>
+          </a:prstGeom>
+          <a:solidFill>
+            <a:schemeClr val="tx1">
+              <a:lumMod val="65000"/>
+              <a:lumOff val="35000"/>
+            </a:schemeClr>
+          </a:solidFill>
+          <a:ln w="9525">
+            <a:solidFill>
+              <a:schemeClr val="tx1">
+                <a:lumMod val="85000"/>
+                <a:lumOff val="15000"/>
+              </a:schemeClr>
+            </a:solidFill>
+          </a:ln>
+        </p:spPr>
+        <p:style>
+          <a:lnRef idx="2">
+            <a:schemeClr val="accent1">
+              <a:shade val="15000"/>
+            </a:schemeClr>
+          </a:lnRef>
+          <a:fillRef idx="1">
+            <a:schemeClr val="accent1"/>
+          </a:fillRef>
+          <a:effectRef idx="0">
+            <a:schemeClr val="accent1"/>
+          </a:effectRef>
+          <a:fontRef idx="minor">
+            <a:schemeClr val="lt1"/>
+          </a:fontRef>
+        </p:style>
+        <p:txBody>
+          <a:bodyPr rtlCol="0" anchor="ctr"/>
+          <a:lstStyle/>
+          <a:p>
+            <a:pPr algn="ctr"/>
+            <a:endParaRPr lang="de-DE" sz="1000" i="1">
+              <a:solidFill>
+                <a:schemeClr val="accent6">
+                  <a:lumMod val="40000"/>
+                  <a:lumOff val="60000"/>
+                </a:schemeClr>
+              </a:solidFill>
+            </a:endParaRPr>
+          </a:p>
+        </p:txBody>
+      </p:sp>
+      <p:sp>
+        <p:nvSpPr>
+          <p:cNvPr id="91" name="Rechteck 90">
+            <a:extLst>
+              <a:ext uri="{FF2B5EF4-FFF2-40B4-BE49-F238E27FC236}">
+                <a16:creationId xmlns:a16="http://schemas.microsoft.com/office/drawing/2014/main" id="{CE55FE21-B259-AB9A-772B-56711A020E15}"/>
+              </a:ext>
+            </a:extLst>
+          </p:cNvPr>
+          <p:cNvSpPr/>
+          <p:nvPr/>
+        </p:nvSpPr>
+        <p:spPr>
+          <a:xfrm>
+            <a:off x="1287063" y="2068124"/>
+            <a:ext cx="166256" cy="639514"/>
+          </a:xfrm>
+          <a:prstGeom prst="rect">
+            <a:avLst/>
+          </a:prstGeom>
+          <a:solidFill>
+            <a:schemeClr val="tx1">
+              <a:lumMod val="65000"/>
+              <a:lumOff val="35000"/>
+            </a:schemeClr>
+          </a:solidFill>
+          <a:ln w="9525">
+            <a:solidFill>
+              <a:schemeClr val="tx1">
+                <a:lumMod val="85000"/>
+                <a:lumOff val="15000"/>
+              </a:schemeClr>
+            </a:solidFill>
+          </a:ln>
+        </p:spPr>
+        <p:style>
+          <a:lnRef idx="2">
+            <a:schemeClr val="accent1">
+              <a:shade val="15000"/>
+            </a:schemeClr>
+          </a:lnRef>
+          <a:fillRef idx="1">
+            <a:schemeClr val="accent1"/>
+          </a:fillRef>
+          <a:effectRef idx="0">
+            <a:schemeClr val="accent1"/>
+          </a:effectRef>
+          <a:fontRef idx="minor">
+            <a:schemeClr val="lt1"/>
+          </a:fontRef>
+        </p:style>
+        <p:txBody>
+          <a:bodyPr rtlCol="0" anchor="ctr"/>
+          <a:lstStyle/>
+          <a:p>
+            <a:pPr algn="ctr"/>
+            <a:endParaRPr lang="de-DE" sz="1000" i="1">
+              <a:solidFill>
+                <a:schemeClr val="accent6">
+                  <a:lumMod val="40000"/>
+                  <a:lumOff val="60000"/>
+                </a:schemeClr>
+              </a:solidFill>
+            </a:endParaRPr>
+          </a:p>
+        </p:txBody>
+      </p:sp>
+      <p:sp>
+        <p:nvSpPr>
+          <p:cNvPr id="94" name="Textfeld 93">
+            <a:extLst>
+              <a:ext uri="{FF2B5EF4-FFF2-40B4-BE49-F238E27FC236}">
+                <a16:creationId xmlns:a16="http://schemas.microsoft.com/office/drawing/2014/main" id="{67C6F033-3883-F6D1-46C1-50875EC1349A}"/>
+              </a:ext>
+            </a:extLst>
+          </p:cNvPr>
+          <p:cNvSpPr txBox="1"/>
+          <p:nvPr/>
+        </p:nvSpPr>
+        <p:spPr>
+          <a:xfrm>
+            <a:off x="9471312" y="2252856"/>
+            <a:ext cx="457176" cy="261610"/>
+          </a:xfrm>
+          <a:prstGeom prst="rect">
+            <a:avLst/>
+          </a:prstGeom>
+          <a:noFill/>
+        </p:spPr>
+        <p:txBody>
+          <a:bodyPr wrap="none" rtlCol="0">
+            <a:spAutoFit/>
+          </a:bodyPr>
+          <a:lstStyle/>
+          <a:p>
+            <a:r>
+              <a:rPr lang="de-DE" sz="1100"/>
+              <a:t>time</a:t>
+            </a:r>
+          </a:p>
+        </p:txBody>
+      </p:sp>
+      <p:sp>
+        <p:nvSpPr>
+          <p:cNvPr id="95" name="Textfeld 94">
+            <a:extLst>
+              <a:ext uri="{FF2B5EF4-FFF2-40B4-BE49-F238E27FC236}">
+                <a16:creationId xmlns:a16="http://schemas.microsoft.com/office/drawing/2014/main" id="{5B7C4A35-131B-D3BB-2E92-8BBE11F95275}"/>
+              </a:ext>
+            </a:extLst>
+          </p:cNvPr>
+          <p:cNvSpPr txBox="1"/>
+          <p:nvPr/>
+        </p:nvSpPr>
+        <p:spPr>
+          <a:xfrm>
+            <a:off x="6866365" y="3997336"/>
+            <a:ext cx="463588" cy="1754326"/>
+          </a:xfrm>
+          <a:prstGeom prst="rect">
+            <a:avLst/>
+          </a:prstGeom>
+          <a:solidFill>
+            <a:schemeClr val="bg1"/>
+          </a:solidFill>
+          <a:ln>
+            <a:solidFill>
+              <a:schemeClr val="tx1">
+                <a:lumMod val="85000"/>
+                <a:lumOff val="15000"/>
+              </a:schemeClr>
+            </a:solidFill>
+          </a:ln>
+        </p:spPr>
+        <p:txBody>
+          <a:bodyPr wrap="none" rtlCol="0">
+            <a:spAutoFit/>
+          </a:bodyPr>
+          <a:lstStyle/>
+          <a:p>
+            <a:r>
+              <a:rPr lang="de-DE" sz="1200">
+                <a:solidFill>
+                  <a:srgbClr val="00B0F0"/>
+                </a:solidFill>
+              </a:rPr>
+              <a:t>F: S</a:t>
+            </a:r>
+          </a:p>
+          <a:p>
+            <a:r>
+              <a:rPr lang="de-DE" sz="1200">
+                <a:solidFill>
+                  <a:schemeClr val="accent5">
+                    <a:lumMod val="60000"/>
+                    <a:lumOff val="40000"/>
+                  </a:schemeClr>
+                </a:solidFill>
+              </a:rPr>
+              <a:t>A: Q</a:t>
+            </a:r>
+            <a:endParaRPr lang="de-DE" sz="1200"/>
+          </a:p>
+          <a:p>
+            <a:r>
+              <a:rPr lang="de-DE" sz="1200">
+                <a:solidFill>
+                  <a:srgbClr val="00B0F0"/>
+                </a:solidFill>
+              </a:rPr>
+              <a:t>C: S</a:t>
+            </a:r>
+          </a:p>
+          <a:p>
+            <a:r>
+              <a:rPr lang="de-DE" sz="1200"/>
+              <a:t>D</a:t>
+            </a:r>
+          </a:p>
+          <a:p>
+            <a:r>
+              <a:rPr lang="de-DE" sz="1200"/>
+              <a:t>E</a:t>
+            </a:r>
+          </a:p>
+          <a:p>
+            <a:r>
+              <a:rPr lang="de-DE" sz="1200"/>
+              <a:t>G</a:t>
+            </a:r>
+          </a:p>
+          <a:p>
+            <a:r>
+              <a:rPr lang="de-DE" sz="1200">
+                <a:solidFill>
+                  <a:schemeClr val="accent2">
+                    <a:lumMod val="75000"/>
+                  </a:schemeClr>
+                </a:solidFill>
+              </a:rPr>
+              <a:t>B</a:t>
+            </a:r>
+          </a:p>
+          <a:p>
+            <a:r>
+              <a:rPr lang="de-DE" sz="1200">
+                <a:solidFill>
+                  <a:schemeClr val="bg1">
+                    <a:lumMod val="50000"/>
+                  </a:schemeClr>
+                </a:solidFill>
+              </a:rPr>
+              <a:t>X</a:t>
+            </a:r>
+            <a:br>
+              <a:rPr lang="de-DE" sz="1200">
+                <a:solidFill>
+                  <a:schemeClr val="bg1">
+                    <a:lumMod val="50000"/>
+                  </a:schemeClr>
+                </a:solidFill>
+              </a:rPr>
+            </a:br>
+            <a:r>
+              <a:rPr lang="de-DE" sz="1200">
+                <a:solidFill>
+                  <a:schemeClr val="bg1">
+                    <a:lumMod val="50000"/>
+                  </a:schemeClr>
+                </a:solidFill>
+              </a:rPr>
+              <a:t>Y</a:t>
+            </a:r>
+          </a:p>
+        </p:txBody>
+      </p:sp>
+      <p:cxnSp>
+        <p:nvCxnSpPr>
+          <p:cNvPr id="96" name="Gerader Verbinder 95">
+            <a:extLst>
+              <a:ext uri="{FF2B5EF4-FFF2-40B4-BE49-F238E27FC236}">
+                <a16:creationId xmlns:a16="http://schemas.microsoft.com/office/drawing/2014/main" id="{FBFE03E2-9D3E-C634-66B6-18AB4798B738}"/>
+              </a:ext>
+            </a:extLst>
+          </p:cNvPr>
+          <p:cNvCxnSpPr/>
+          <p:nvPr/>
+        </p:nvCxnSpPr>
+        <p:spPr>
+          <a:xfrm flipV="1">
+            <a:off x="7063596" y="1502063"/>
+            <a:ext cx="0" cy="542439"/>
+          </a:xfrm>
+          <a:prstGeom prst="line">
+            <a:avLst/>
+          </a:prstGeom>
+        </p:spPr>
+        <p:style>
+          <a:lnRef idx="2">
+            <a:schemeClr val="accent1"/>
+          </a:lnRef>
+          <a:fillRef idx="0">
+            <a:schemeClr val="accent1"/>
+          </a:fillRef>
+          <a:effectRef idx="1">
+            <a:schemeClr val="accent1"/>
+          </a:effectRef>
+          <a:fontRef idx="minor">
+            <a:schemeClr val="tx1"/>
+          </a:fontRef>
+        </p:style>
+      </p:cxnSp>
+      <p:sp>
+        <p:nvSpPr>
+          <p:cNvPr id="97" name="Textfeld 96">
+            <a:extLst>
+              <a:ext uri="{FF2B5EF4-FFF2-40B4-BE49-F238E27FC236}">
+                <a16:creationId xmlns:a16="http://schemas.microsoft.com/office/drawing/2014/main" id="{006E14AA-1B32-9614-73D2-C905DFAC48DB}"/>
+              </a:ext>
+            </a:extLst>
+          </p:cNvPr>
+          <p:cNvSpPr txBox="1"/>
+          <p:nvPr/>
+        </p:nvSpPr>
+        <p:spPr>
+          <a:xfrm>
+            <a:off x="6258084" y="1223753"/>
+            <a:ext cx="996334" cy="276999"/>
+          </a:xfrm>
+          <a:prstGeom prst="rect">
+            <a:avLst/>
+          </a:prstGeom>
+          <a:noFill/>
+        </p:spPr>
+        <p:txBody>
+          <a:bodyPr wrap="square" rtlCol="0">
+            <a:spAutoFit/>
+          </a:bodyPr>
+          <a:lstStyle/>
+          <a:p>
+            <a:pPr algn="r"/>
+            <a:r>
+              <a:rPr lang="de-DE" sz="1200">
+                <a:solidFill>
+                  <a:schemeClr val="accent4">
+                    <a:lumMod val="50000"/>
+                  </a:schemeClr>
+                </a:solidFill>
+              </a:rPr>
+              <a:t>select C</a:t>
+            </a:r>
+          </a:p>
+        </p:txBody>
+      </p:sp>
+      <p:sp>
+        <p:nvSpPr>
+          <p:cNvPr id="98" name="Rechteck 97">
+            <a:extLst>
+              <a:ext uri="{FF2B5EF4-FFF2-40B4-BE49-F238E27FC236}">
+                <a16:creationId xmlns:a16="http://schemas.microsoft.com/office/drawing/2014/main" id="{2E71CD44-7533-F324-B5C6-A249B24634BB}"/>
+              </a:ext>
+            </a:extLst>
+          </p:cNvPr>
+          <p:cNvSpPr/>
+          <p:nvPr/>
+        </p:nvSpPr>
+        <p:spPr>
+          <a:xfrm>
+            <a:off x="7606084" y="2022927"/>
+            <a:ext cx="311783" cy="639514"/>
+          </a:xfrm>
+          <a:prstGeom prst="rect">
+            <a:avLst/>
+          </a:prstGeom>
+          <a:solidFill>
+            <a:schemeClr val="tx1">
+              <a:lumMod val="65000"/>
+              <a:lumOff val="35000"/>
+            </a:schemeClr>
+          </a:solidFill>
+          <a:ln w="9525">
+            <a:solidFill>
+              <a:schemeClr val="tx1">
+                <a:lumMod val="85000"/>
+                <a:lumOff val="15000"/>
+              </a:schemeClr>
+            </a:solidFill>
+          </a:ln>
+        </p:spPr>
+        <p:style>
+          <a:lnRef idx="2">
+            <a:schemeClr val="accent1">
+              <a:shade val="15000"/>
+            </a:schemeClr>
+          </a:lnRef>
+          <a:fillRef idx="1">
+            <a:schemeClr val="accent1"/>
+          </a:fillRef>
+          <a:effectRef idx="0">
+            <a:schemeClr val="accent1"/>
+          </a:effectRef>
+          <a:fontRef idx="minor">
+            <a:schemeClr val="lt1"/>
+          </a:fontRef>
+        </p:style>
+        <p:txBody>
+          <a:bodyPr rtlCol="0" anchor="ctr"/>
+          <a:lstStyle/>
+          <a:p>
+            <a:pPr algn="ctr"/>
+            <a:r>
+              <a:rPr lang="de-DE" sz="1000" i="1">
+                <a:solidFill>
+                  <a:schemeClr val="accent6">
+                    <a:lumMod val="40000"/>
+                    <a:lumOff val="60000"/>
+                  </a:schemeClr>
+                </a:solidFill>
+              </a:rPr>
+              <a:t>…</a:t>
+            </a:r>
+          </a:p>
+        </p:txBody>
+      </p:sp>
+      <p:sp>
+        <p:nvSpPr>
+          <p:cNvPr id="100" name="Textfeld 99">
+            <a:extLst>
+              <a:ext uri="{FF2B5EF4-FFF2-40B4-BE49-F238E27FC236}">
+                <a16:creationId xmlns:a16="http://schemas.microsoft.com/office/drawing/2014/main" id="{B99E6C57-3EB1-440A-E33A-02B99CE06A7E}"/>
+              </a:ext>
+            </a:extLst>
+          </p:cNvPr>
+          <p:cNvSpPr txBox="1"/>
+          <p:nvPr/>
+        </p:nvSpPr>
+        <p:spPr>
+          <a:xfrm>
+            <a:off x="8150775" y="3948970"/>
+            <a:ext cx="1227036" cy="261610"/>
+          </a:xfrm>
+          <a:prstGeom prst="rect">
+            <a:avLst/>
+          </a:prstGeom>
+          <a:noFill/>
+        </p:spPr>
+        <p:txBody>
+          <a:bodyPr wrap="square">
+            <a:spAutoFit/>
+          </a:bodyPr>
+          <a:lstStyle/>
+          <a:p>
+            <a:pPr algn="l"/>
+            <a:r>
+              <a:rPr lang="de-DE" sz="1100" b="1"/>
+              <a:t>Metadata table</a:t>
+            </a:r>
+            <a:endParaRPr lang="de-DE" sz="1100"/>
+          </a:p>
+        </p:txBody>
+      </p:sp>
+      <p:sp>
+        <p:nvSpPr>
+          <p:cNvPr id="102" name="Textfeld 101">
+            <a:extLst>
+              <a:ext uri="{FF2B5EF4-FFF2-40B4-BE49-F238E27FC236}">
+                <a16:creationId xmlns:a16="http://schemas.microsoft.com/office/drawing/2014/main" id="{DAA3C215-EF16-051F-663D-E869D3D8D81C}"/>
+              </a:ext>
+            </a:extLst>
+          </p:cNvPr>
+          <p:cNvSpPr txBox="1"/>
+          <p:nvPr/>
+        </p:nvSpPr>
+        <p:spPr>
+          <a:xfrm>
+            <a:off x="7706743" y="971484"/>
+            <a:ext cx="1468808" cy="253916"/>
+          </a:xfrm>
+          <a:prstGeom prst="rect">
+            <a:avLst/>
+          </a:prstGeom>
+          <a:noFill/>
+        </p:spPr>
+        <p:txBody>
+          <a:bodyPr wrap="square" rtlCol="0">
+            <a:spAutoFit/>
+          </a:bodyPr>
+          <a:lstStyle/>
+          <a:p>
+            <a:pPr algn="r"/>
+            <a:r>
+              <a:rPr lang="de-DE" sz="1000" i="1">
+                <a:solidFill>
+                  <a:schemeClr val="accent4">
+                    <a:lumMod val="50000"/>
+                  </a:schemeClr>
+                </a:solidFill>
+              </a:rPr>
+              <a:t>slidingWindowSize = 2</a:t>
+            </a:r>
+          </a:p>
+        </p:txBody>
+      </p:sp>
+      <p:cxnSp>
+        <p:nvCxnSpPr>
+          <p:cNvPr id="104" name="Gerader Verbinder 103">
+            <a:extLst>
+              <a:ext uri="{FF2B5EF4-FFF2-40B4-BE49-F238E27FC236}">
+                <a16:creationId xmlns:a16="http://schemas.microsoft.com/office/drawing/2014/main" id="{8539A5C9-CD2A-7F04-759A-0C24B9604B30}"/>
+              </a:ext>
+            </a:extLst>
+          </p:cNvPr>
+          <p:cNvCxnSpPr/>
+          <p:nvPr/>
+        </p:nvCxnSpPr>
+        <p:spPr>
+          <a:xfrm>
+            <a:off x="1887791" y="1125079"/>
+            <a:ext cx="0" cy="4856621"/>
+          </a:xfrm>
+          <a:prstGeom prst="line">
+            <a:avLst/>
+          </a:prstGeom>
+          <a:ln w="6350">
+            <a:solidFill>
+              <a:schemeClr val="bg1">
+                <a:lumMod val="65000"/>
+              </a:schemeClr>
+            </a:solidFill>
+            <a:prstDash val="dash"/>
+          </a:ln>
+        </p:spPr>
+        <p:style>
+          <a:lnRef idx="2">
+            <a:schemeClr val="accent1"/>
+          </a:lnRef>
+          <a:fillRef idx="0">
+            <a:schemeClr val="accent1"/>
+          </a:fillRef>
+          <a:effectRef idx="1">
+            <a:schemeClr val="accent1"/>
+          </a:effectRef>
+          <a:fontRef idx="minor">
+            <a:schemeClr val="tx1"/>
+          </a:fontRef>
+        </p:style>
+      </p:cxnSp>
+    </p:spTree>
+    <p:extLst>
+      <p:ext uri="{BB962C8B-B14F-4D97-AF65-F5344CB8AC3E}">
+        <p14:creationId xmlns:p14="http://schemas.microsoft.com/office/powerpoint/2010/main" val="3950557216"/>
+      </p:ext>
+    </p:extLst>
+  </p:cSld>
+  <p:clrMapOvr>
+    <a:masterClrMapping/>
+  </p:clrMapOvr>
+</p:sld>
+</file>
+
+<file path=ppt/slides/slide6.xml><?xml version="1.0" encoding="utf-8"?>
+<p:sld xmlns:a="http://schemas.openxmlformats.org/drawingml/2006/main" xmlns:r="http://schemas.openxmlformats.org/officeDocument/2006/relationships" xmlns:p="http://schemas.openxmlformats.org/presentationml/2006/main">
+  <p:cSld>
+    <p:spTree>
+      <p:nvGrpSpPr>
+        <p:cNvPr id="1" name=""/>
+        <p:cNvGrpSpPr/>
+        <p:nvPr/>
+      </p:nvGrpSpPr>
+      <p:grpSpPr>
+        <a:xfrm>
+          <a:off x="0" y="0"/>
+          <a:ext cx="0" cy="0"/>
+          <a:chOff x="0" y="0"/>
+          <a:chExt cx="0" cy="0"/>
+        </a:xfrm>
+      </p:grpSpPr>
+      <p:sp>
+        <p:nvSpPr>
           <p:cNvPr id="4" name="Rechteck 3">
             <a:extLst>
               <a:ext uri="{FF2B5EF4-FFF2-40B4-BE49-F238E27FC236}">
@@ -10791,7 +15605,7 @@
         </p:nvSpPr>
         <p:spPr>
           <a:xfrm>
-            <a:off x="377107" y="640747"/>
+            <a:off x="347072" y="677275"/>
             <a:ext cx="4131486" cy="5539978"/>
           </a:xfrm>
           <a:prstGeom prst="rect">
@@ -11441,7 +16255,7 @@
 </p:sld>
 </file>
 
-<file path=ppt/slides/slide5.xml><?xml version="1.0" encoding="utf-8"?>
+<file path=ppt/slides/slide7.xml><?xml version="1.0" encoding="utf-8"?>
 <p:sld xmlns:a="http://schemas.openxmlformats.org/drawingml/2006/main" xmlns:r="http://schemas.openxmlformats.org/officeDocument/2006/relationships" xmlns:p="http://schemas.openxmlformats.org/presentationml/2006/main">
   <p:cSld>
     <p:spTree>

--- a/spec/additionalDescription/pictures/MetadataTablePics.pptx
+++ b/spec/additionalDescription/pictures/MetadataTablePics.pptx
@@ -10672,8 +10672,8 @@
         </p:nvSpPr>
         <p:spPr>
           <a:xfrm>
-            <a:off x="2980291" y="6092610"/>
-            <a:ext cx="2353094" cy="1117094"/>
+            <a:off x="4667671" y="6092611"/>
+            <a:ext cx="3781423" cy="778538"/>
           </a:xfrm>
           <a:prstGeom prst="rect">
             <a:avLst/>
@@ -12094,8 +12094,8 @@
         </p:nvSpPr>
         <p:spPr>
           <a:xfrm>
-            <a:off x="203200" y="5101085"/>
-            <a:ext cx="5196860" cy="307777"/>
+            <a:off x="203199" y="5101085"/>
+            <a:ext cx="9004722" cy="307777"/>
           </a:xfrm>
           <a:prstGeom prst="rect">
             <a:avLst/>
@@ -12137,8 +12137,8 @@
         </p:nvSpPr>
         <p:spPr>
           <a:xfrm>
-            <a:off x="250825" y="6092612"/>
-            <a:ext cx="2606060" cy="1117094"/>
+            <a:off x="250824" y="6092613"/>
+            <a:ext cx="4203187" cy="778538"/>
           </a:xfrm>
           <a:prstGeom prst="rect">
             <a:avLst/>
@@ -12210,7 +12210,7 @@
         <p:spPr>
           <a:xfrm>
             <a:off x="250825" y="6101709"/>
-            <a:ext cx="2606060" cy="1107996"/>
+            <a:ext cx="4203188" cy="769441"/>
           </a:xfrm>
           <a:prstGeom prst="rect">
             <a:avLst/>
@@ -12235,7 +12235,7 @@
             </a:pPr>
             <a:r>
               <a:rPr lang="de-DE" sz="1100"/>
-              <a:t>select 1st  not-locked device from list with timestamp == null,</a:t>
+              <a:t>select 1st  not-locked device from table with timestamp == null,</a:t>
             </a:r>
           </a:p>
           <a:p>
@@ -12245,7 +12245,7 @@
             </a:pPr>
             <a:r>
               <a:rPr lang="de-DE" sz="1100"/>
-              <a:t>If none found, select 1st  non-locked device from list (i.e. the one with oldest timestamp)</a:t>
+              <a:t>If none found, select 1st  non-locked device from table (i.e. the one with oldest timestamp)</a:t>
             </a:r>
           </a:p>
         </p:txBody>
@@ -12264,8 +12264,8 @@
         </p:nvSpPr>
         <p:spPr>
           <a:xfrm>
-            <a:off x="250825" y="5446280"/>
-            <a:ext cx="4834910" cy="646331"/>
+            <a:off x="250824" y="5446280"/>
+            <a:ext cx="9119318" cy="461665"/>
           </a:xfrm>
           <a:prstGeom prst="rect">
             <a:avLst/>
@@ -12294,7 +12294,7 @@
             </a:pPr>
             <a:r>
               <a:rPr lang="de-DE" sz="1200"/>
-              <a:t>If device is currently selected by either of the two processes: lock it for new selections</a:t>
+              <a:t>If device is currently selected by either of the two processes: lock it (cannot be selected until unlocked) until it has been processed</a:t>
             </a:r>
           </a:p>
         </p:txBody>
@@ -12313,8 +12313,8 @@
         </p:nvSpPr>
         <p:spPr>
           <a:xfrm>
-            <a:off x="2984078" y="6092611"/>
-            <a:ext cx="2352257" cy="600164"/>
+            <a:off x="4667669" y="6092612"/>
+            <a:ext cx="3784375" cy="600164"/>
           </a:xfrm>
           <a:prstGeom prst="rect">
             <a:avLst/>
@@ -12339,7 +12339,7 @@
             </a:pPr>
             <a:r>
               <a:rPr lang="de-DE" sz="1100"/>
-              <a:t>select 1st not-locked device from list with timestamp </a:t>
+              <a:t>select 1st not-locked device from table with timestamp </a:t>
             </a:r>
             <a:r>
               <a:rPr lang="de-DE" sz="1100">
@@ -12369,7 +12369,7 @@
         <p:spPr>
           <a:xfrm>
             <a:off x="203200" y="5101085"/>
-            <a:ext cx="5196860" cy="2201415"/>
+            <a:ext cx="9004722" cy="1840489"/>
           </a:xfrm>
           <a:prstGeom prst="rect">
             <a:avLst/>

--- a/spec/additionalDescription/pictures/MetadataTablePics.pptx
+++ b/spec/additionalDescription/pictures/MetadataTablePics.pptx
@@ -12245,7 +12245,7 @@
             </a:pPr>
             <a:r>
               <a:rPr lang="de-DE" sz="1100"/>
-              <a:t>If none found, select 1st  non-locked device from table (i.e. the one with oldest timestamp)</a:t>
+              <a:t>If none found, select 1st  not-locked device from table (i.e. the one with oldest timestamp)</a:t>
             </a:r>
           </a:p>
         </p:txBody>

--- a/spec/additionalDescription/pictures/MetadataTablePics.pptx
+++ b/spec/additionalDescription/pictures/MetadataTablePics.pptx
@@ -8,8 +8,10 @@
     <p:sldId id="262" r:id="rId2"/>
     <p:sldId id="261" r:id="rId3"/>
     <p:sldId id="259" r:id="rId4"/>
-    <p:sldId id="258" r:id="rId5"/>
-    <p:sldId id="263" r:id="rId6"/>
+    <p:sldId id="264" r:id="rId5"/>
+    <p:sldId id="265" r:id="rId6"/>
+    <p:sldId id="258" r:id="rId7"/>
+    <p:sldId id="263" r:id="rId8"/>
   </p:sldIdLst>
   <p:sldSz cx="12192000" cy="6858000"/>
   <p:notesSz cx="6858000" cy="9144000"/>
@@ -263,7 +265,7 @@
           <a:p>
             <a:fld id="{A13AB217-A22B-45C9-B442-C9534E44A269}" type="datetimeFigureOut">
               <a:rPr lang="de-DE" smtClean="0"/>
-              <a:t>02.05.2025</a:t>
+              <a:t>15.05.2025</a:t>
             </a:fld>
             <a:endParaRPr lang="de-DE"/>
           </a:p>
@@ -461,7 +463,7 @@
           <a:p>
             <a:fld id="{A13AB217-A22B-45C9-B442-C9534E44A269}" type="datetimeFigureOut">
               <a:rPr lang="de-DE" smtClean="0"/>
-              <a:t>02.05.2025</a:t>
+              <a:t>15.05.2025</a:t>
             </a:fld>
             <a:endParaRPr lang="de-DE"/>
           </a:p>
@@ -669,7 +671,7 @@
           <a:p>
             <a:fld id="{A13AB217-A22B-45C9-B442-C9534E44A269}" type="datetimeFigureOut">
               <a:rPr lang="de-DE" smtClean="0"/>
-              <a:t>02.05.2025</a:t>
+              <a:t>15.05.2025</a:t>
             </a:fld>
             <a:endParaRPr lang="de-DE"/>
           </a:p>
@@ -867,7 +869,7 @@
           <a:p>
             <a:fld id="{A13AB217-A22B-45C9-B442-C9534E44A269}" type="datetimeFigureOut">
               <a:rPr lang="de-DE" smtClean="0"/>
-              <a:t>02.05.2025</a:t>
+              <a:t>15.05.2025</a:t>
             </a:fld>
             <a:endParaRPr lang="de-DE"/>
           </a:p>
@@ -1142,7 +1144,7 @@
           <a:p>
             <a:fld id="{A13AB217-A22B-45C9-B442-C9534E44A269}" type="datetimeFigureOut">
               <a:rPr lang="de-DE" smtClean="0"/>
-              <a:t>02.05.2025</a:t>
+              <a:t>15.05.2025</a:t>
             </a:fld>
             <a:endParaRPr lang="de-DE"/>
           </a:p>
@@ -1407,7 +1409,7 @@
           <a:p>
             <a:fld id="{A13AB217-A22B-45C9-B442-C9534E44A269}" type="datetimeFigureOut">
               <a:rPr lang="de-DE" smtClean="0"/>
-              <a:t>02.05.2025</a:t>
+              <a:t>15.05.2025</a:t>
             </a:fld>
             <a:endParaRPr lang="de-DE"/>
           </a:p>
@@ -1819,7 +1821,7 @@
           <a:p>
             <a:fld id="{A13AB217-A22B-45C9-B442-C9534E44A269}" type="datetimeFigureOut">
               <a:rPr lang="de-DE" smtClean="0"/>
-              <a:t>02.05.2025</a:t>
+              <a:t>15.05.2025</a:t>
             </a:fld>
             <a:endParaRPr lang="de-DE"/>
           </a:p>
@@ -1960,7 +1962,7 @@
           <a:p>
             <a:fld id="{A13AB217-A22B-45C9-B442-C9534E44A269}" type="datetimeFigureOut">
               <a:rPr lang="de-DE" smtClean="0"/>
-              <a:t>02.05.2025</a:t>
+              <a:t>15.05.2025</a:t>
             </a:fld>
             <a:endParaRPr lang="de-DE"/>
           </a:p>
@@ -2073,7 +2075,7 @@
           <a:p>
             <a:fld id="{A13AB217-A22B-45C9-B442-C9534E44A269}" type="datetimeFigureOut">
               <a:rPr lang="de-DE" smtClean="0"/>
-              <a:t>02.05.2025</a:t>
+              <a:t>15.05.2025</a:t>
             </a:fld>
             <a:endParaRPr lang="de-DE"/>
           </a:p>
@@ -2384,7 +2386,7 @@
           <a:p>
             <a:fld id="{A13AB217-A22B-45C9-B442-C9534E44A269}" type="datetimeFigureOut">
               <a:rPr lang="de-DE" smtClean="0"/>
-              <a:t>02.05.2025</a:t>
+              <a:t>15.05.2025</a:t>
             </a:fld>
             <a:endParaRPr lang="de-DE"/>
           </a:p>
@@ -2672,7 +2674,7 @@
           <a:p>
             <a:fld id="{A13AB217-A22B-45C9-B442-C9534E44A269}" type="datetimeFigureOut">
               <a:rPr lang="de-DE" smtClean="0"/>
-              <a:t>02.05.2025</a:t>
+              <a:t>15.05.2025</a:t>
             </a:fld>
             <a:endParaRPr lang="de-DE"/>
           </a:p>
@@ -2913,7 +2915,7 @@
           <a:p>
             <a:fld id="{A13AB217-A22B-45C9-B442-C9534E44A269}" type="datetimeFigureOut">
               <a:rPr lang="de-DE" smtClean="0"/>
-              <a:t>02.05.2025</a:t>
+              <a:t>15.05.2025</a:t>
             </a:fld>
             <a:endParaRPr lang="de-DE"/>
           </a:p>
@@ -10658,6 +10660,4818 @@
       </p:grpSpPr>
       <p:sp>
         <p:nvSpPr>
+          <p:cNvPr id="16" name="Textfeld 15">
+            <a:extLst>
+              <a:ext uri="{FF2B5EF4-FFF2-40B4-BE49-F238E27FC236}">
+                <a16:creationId xmlns:a16="http://schemas.microsoft.com/office/drawing/2014/main" id="{D4C15A49-87F2-6713-D242-2BE979C7ED67}"/>
+              </a:ext>
+            </a:extLst>
+          </p:cNvPr>
+          <p:cNvSpPr txBox="1"/>
+          <p:nvPr/>
+        </p:nvSpPr>
+        <p:spPr>
+          <a:xfrm>
+            <a:off x="4667671" y="6092611"/>
+            <a:ext cx="3781423" cy="778538"/>
+          </a:xfrm>
+          <a:prstGeom prst="rect">
+            <a:avLst/>
+          </a:prstGeom>
+          <a:gradFill>
+            <a:gsLst>
+              <a:gs pos="26000">
+                <a:srgbClr val="E4CFF3"/>
+              </a:gs>
+              <a:gs pos="89000">
+                <a:srgbClr val="CAC2EC"/>
+              </a:gs>
+              <a:gs pos="100000">
+                <a:srgbClr val="A99CE0"/>
+              </a:gs>
+            </a:gsLst>
+          </a:gradFill>
+          <a:ln>
+            <a:solidFill>
+              <a:srgbClr val="002060"/>
+            </a:solidFill>
+          </a:ln>
+        </p:spPr>
+        <p:style>
+          <a:lnRef idx="1">
+            <a:schemeClr val="accent4"/>
+          </a:lnRef>
+          <a:fillRef idx="2">
+            <a:schemeClr val="accent4"/>
+          </a:fillRef>
+          <a:effectRef idx="1">
+            <a:schemeClr val="accent4"/>
+          </a:effectRef>
+          <a:fontRef idx="minor">
+            <a:schemeClr val="dk1"/>
+          </a:fontRef>
+        </p:style>
+        <p:txBody>
+          <a:bodyPr rtlCol="0" anchor="ctr"/>
+          <a:lstStyle>
+            <a:defPPr>
+              <a:defRPr lang="de-DE"/>
+            </a:defPPr>
+            <a:lvl1pPr algn="ctr">
+              <a:defRPr>
+                <a:solidFill>
+                  <a:schemeClr val="dk1"/>
+                </a:solidFill>
+              </a:defRPr>
+            </a:lvl1pPr>
+            <a:lvl2pPr>
+              <a:defRPr>
+                <a:solidFill>
+                  <a:schemeClr val="dk1"/>
+                </a:solidFill>
+              </a:defRPr>
+            </a:lvl2pPr>
+            <a:lvl3pPr>
+              <a:defRPr>
+                <a:solidFill>
+                  <a:schemeClr val="dk1"/>
+                </a:solidFill>
+              </a:defRPr>
+            </a:lvl3pPr>
+            <a:lvl4pPr>
+              <a:defRPr>
+                <a:solidFill>
+                  <a:schemeClr val="dk1"/>
+                </a:solidFill>
+              </a:defRPr>
+            </a:lvl4pPr>
+            <a:lvl5pPr>
+              <a:defRPr>
+                <a:solidFill>
+                  <a:schemeClr val="dk1"/>
+                </a:solidFill>
+              </a:defRPr>
+            </a:lvl5pPr>
+            <a:lvl6pPr>
+              <a:defRPr>
+                <a:solidFill>
+                  <a:schemeClr val="dk1"/>
+                </a:solidFill>
+              </a:defRPr>
+            </a:lvl6pPr>
+            <a:lvl7pPr>
+              <a:defRPr>
+                <a:solidFill>
+                  <a:schemeClr val="dk1"/>
+                </a:solidFill>
+              </a:defRPr>
+            </a:lvl7pPr>
+            <a:lvl8pPr>
+              <a:defRPr>
+                <a:solidFill>
+                  <a:schemeClr val="dk1"/>
+                </a:solidFill>
+              </a:defRPr>
+            </a:lvl8pPr>
+            <a:lvl9pPr>
+              <a:defRPr>
+                <a:solidFill>
+                  <a:schemeClr val="dk1"/>
+                </a:solidFill>
+              </a:defRPr>
+            </a:lvl9pPr>
+          </a:lstStyle>
+          <a:p>
+            <a:endParaRPr lang="de-DE" sz="1200">
+              <a:solidFill>
+                <a:schemeClr val="accent5">
+                  <a:lumMod val="50000"/>
+                </a:schemeClr>
+              </a:solidFill>
+            </a:endParaRPr>
+          </a:p>
+        </p:txBody>
+      </p:sp>
+      <p:sp>
+        <p:nvSpPr>
+          <p:cNvPr id="4" name="Rechteck 3">
+            <a:extLst>
+              <a:ext uri="{FF2B5EF4-FFF2-40B4-BE49-F238E27FC236}">
+                <a16:creationId xmlns:a16="http://schemas.microsoft.com/office/drawing/2014/main" id="{4E2AC719-35CE-9944-3478-74712B9112BC}"/>
+              </a:ext>
+            </a:extLst>
+          </p:cNvPr>
+          <p:cNvSpPr/>
+          <p:nvPr/>
+        </p:nvSpPr>
+        <p:spPr>
+          <a:xfrm>
+            <a:off x="0" y="0"/>
+            <a:ext cx="10350500" cy="327048"/>
+          </a:xfrm>
+          <a:prstGeom prst="rect">
+            <a:avLst/>
+          </a:prstGeom>
+          <a:ln w="9525"/>
+        </p:spPr>
+        <p:style>
+          <a:lnRef idx="2">
+            <a:schemeClr val="accent1">
+              <a:shade val="15000"/>
+            </a:schemeClr>
+          </a:lnRef>
+          <a:fillRef idx="1">
+            <a:schemeClr val="accent1"/>
+          </a:fillRef>
+          <a:effectRef idx="0">
+            <a:schemeClr val="accent1"/>
+          </a:effectRef>
+          <a:fontRef idx="minor">
+            <a:schemeClr val="lt1"/>
+          </a:fontRef>
+        </p:style>
+        <p:txBody>
+          <a:bodyPr rtlCol="0" anchor="ctr"/>
+          <a:lstStyle/>
+          <a:p>
+            <a:pPr algn="ctr"/>
+            <a:r>
+              <a:rPr lang="de-DE"/>
+              <a:t>Metadata table ordering and update order</a:t>
+            </a:r>
+          </a:p>
+        </p:txBody>
+      </p:sp>
+      <p:graphicFrame>
+        <p:nvGraphicFramePr>
+          <p:cNvPr id="5" name="Tabelle 4">
+            <a:extLst>
+              <a:ext uri="{FF2B5EF4-FFF2-40B4-BE49-F238E27FC236}">
+                <a16:creationId xmlns:a16="http://schemas.microsoft.com/office/drawing/2014/main" id="{CEB4795E-8647-F9CD-CAB7-90FDAF73FDB8}"/>
+              </a:ext>
+            </a:extLst>
+          </p:cNvPr>
+          <p:cNvGraphicFramePr>
+            <a:graphicFrameLocks noGrp="1"/>
+          </p:cNvGraphicFramePr>
+          <p:nvPr>
+            <p:extLst>
+              <p:ext uri="{D42A27DB-BD31-4B8C-83A1-F6EECF244321}">
+                <p14:modId xmlns:p14="http://schemas.microsoft.com/office/powerpoint/2010/main" val="1604225398"/>
+              </p:ext>
+            </p:extLst>
+          </p:nvPr>
+        </p:nvGraphicFramePr>
+        <p:xfrm>
+          <a:off x="203200" y="447574"/>
+          <a:ext cx="4464471" cy="4126280"/>
+        </p:xfrm>
+        <a:graphic>
+          <a:graphicData uri="http://schemas.openxmlformats.org/drawingml/2006/table">
+            <a:tbl>
+              <a:tblPr firstRow="1" bandRow="1">
+                <a:tableStyleId>{5C22544A-7EE6-4342-B048-85BDC9FD1C3A}</a:tableStyleId>
+              </a:tblPr>
+              <a:tblGrid>
+                <a:gridCol w="435897">
+                  <a:extLst>
+                    <a:ext uri="{9D8B030D-6E8A-4147-A177-3AD203B41FA5}">
+                      <a16:colId xmlns:a16="http://schemas.microsoft.com/office/drawing/2014/main" val="1041723700"/>
+                    </a:ext>
+                  </a:extLst>
+                </a:gridCol>
+                <a:gridCol w="835742">
+                  <a:extLst>
+                    <a:ext uri="{9D8B030D-6E8A-4147-A177-3AD203B41FA5}">
+                      <a16:colId xmlns:a16="http://schemas.microsoft.com/office/drawing/2014/main" val="4138862625"/>
+                    </a:ext>
+                  </a:extLst>
+                </a:gridCol>
+                <a:gridCol w="1039566">
+                  <a:extLst>
+                    <a:ext uri="{9D8B030D-6E8A-4147-A177-3AD203B41FA5}">
+                      <a16:colId xmlns:a16="http://schemas.microsoft.com/office/drawing/2014/main" val="2629712541"/>
+                    </a:ext>
+                  </a:extLst>
+                </a:gridCol>
+                <a:gridCol w="1862733">
+                  <a:extLst>
+                    <a:ext uri="{9D8B030D-6E8A-4147-A177-3AD203B41FA5}">
+                      <a16:colId xmlns:a16="http://schemas.microsoft.com/office/drawing/2014/main" val="1231056635"/>
+                    </a:ext>
+                  </a:extLst>
+                </a:gridCol>
+                <a:gridCol w="290533">
+                  <a:extLst>
+                    <a:ext uri="{9D8B030D-6E8A-4147-A177-3AD203B41FA5}">
+                      <a16:colId xmlns:a16="http://schemas.microsoft.com/office/drawing/2014/main" val="3074369998"/>
+                    </a:ext>
+                  </a:extLst>
+                </a:gridCol>
+              </a:tblGrid>
+              <a:tr h="370840">
+                <a:tc>
+                  <a:txBody>
+                    <a:bodyPr/>
+                    <a:lstStyle/>
+                    <a:p>
+                      <a:r>
+                        <a:rPr lang="de-DE" sz="1000">
+                          <a:solidFill>
+                            <a:schemeClr val="bg1"/>
+                          </a:solidFill>
+                        </a:rPr>
+                        <a:t>#</a:t>
+                      </a:r>
+                    </a:p>
+                  </a:txBody>
+                  <a:tcPr marB="36000">
+                    <a:solidFill>
+                      <a:schemeClr val="tx2">
+                        <a:lumMod val="90000"/>
+                        <a:lumOff val="10000"/>
+                      </a:schemeClr>
+                    </a:solidFill>
+                  </a:tcPr>
+                </a:tc>
+                <a:tc>
+                  <a:txBody>
+                    <a:bodyPr/>
+                    <a:lstStyle/>
+                    <a:p>
+                      <a:r>
+                        <a:rPr lang="de-DE" sz="1000"/>
+                        <a:t>mount-name</a:t>
+                      </a:r>
+                    </a:p>
+                  </a:txBody>
+                  <a:tcPr marB="36000"/>
+                </a:tc>
+                <a:tc>
+                  <a:txBody>
+                    <a:bodyPr/>
+                    <a:lstStyle/>
+                    <a:p>
+                      <a:r>
+                        <a:rPr lang="de-DE" sz="1000"/>
+                        <a:t>connection-status</a:t>
+                      </a:r>
+                    </a:p>
+                  </a:txBody>
+                  <a:tcPr marB="36000"/>
+                </a:tc>
+                <a:tc>
+                  <a:txBody>
+                    <a:bodyPr/>
+                    <a:lstStyle/>
+                    <a:p>
+                      <a:r>
+                        <a:rPr lang="de-DE" sz="1000" b="1" i="0" kern="1200">
+                          <a:solidFill>
+                            <a:schemeClr val="lt1"/>
+                          </a:solidFill>
+                          <a:effectLst/>
+                          <a:latin typeface="+mn-lt"/>
+                          <a:ea typeface="+mn-ea"/>
+                          <a:cs typeface="+mn-cs"/>
+                        </a:rPr>
+                        <a:t>last-complete-control-construct-update-time</a:t>
+                      </a:r>
+                      <a:endParaRPr lang="de-DE" sz="1000"/>
+                    </a:p>
+                  </a:txBody>
+                  <a:tcPr marB="36000"/>
+                </a:tc>
+                <a:tc>
+                  <a:txBody>
+                    <a:bodyPr/>
+                    <a:lstStyle/>
+                    <a:p>
+                      <a:r>
+                        <a:rPr lang="de-DE" sz="1000"/>
+                        <a:t>…</a:t>
+                      </a:r>
+                    </a:p>
+                  </a:txBody>
+                  <a:tcPr marB="36000"/>
+                </a:tc>
+                <a:extLst>
+                  <a:ext uri="{0D108BD9-81ED-4DB2-BD59-A6C34878D82A}">
+                    <a16:rowId xmlns:a16="http://schemas.microsoft.com/office/drawing/2014/main" val="3597392727"/>
+                  </a:ext>
+                </a:extLst>
+              </a:tr>
+              <a:tr h="370840">
+                <a:tc>
+                  <a:txBody>
+                    <a:bodyPr/>
+                    <a:lstStyle/>
+                    <a:p>
+                      <a:r>
+                        <a:rPr lang="de-DE" sz="1000">
+                          <a:solidFill>
+                            <a:schemeClr val="bg1"/>
+                          </a:solidFill>
+                        </a:rPr>
+                        <a:t>A</a:t>
+                      </a:r>
+                    </a:p>
+                  </a:txBody>
+                  <a:tcPr marB="36000">
+                    <a:solidFill>
+                      <a:schemeClr val="tx2">
+                        <a:lumMod val="90000"/>
+                        <a:lumOff val="10000"/>
+                      </a:schemeClr>
+                    </a:solidFill>
+                  </a:tcPr>
+                </a:tc>
+                <a:tc>
+                  <a:txBody>
+                    <a:bodyPr/>
+                    <a:lstStyle/>
+                    <a:p>
+                      <a:r>
+                        <a:rPr lang="de-DE" sz="1000"/>
+                        <a:t>100250001</a:t>
+                      </a:r>
+                    </a:p>
+                  </a:txBody>
+                  <a:tcPr marB="36000"/>
+                </a:tc>
+                <a:tc>
+                  <a:txBody>
+                    <a:bodyPr/>
+                    <a:lstStyle/>
+                    <a:p>
+                      <a:r>
+                        <a:rPr lang="de-DE" sz="1000"/>
+                        <a:t>connected</a:t>
+                      </a:r>
+                    </a:p>
+                  </a:txBody>
+                  <a:tcPr marB="36000"/>
+                </a:tc>
+                <a:tc>
+                  <a:txBody>
+                    <a:bodyPr/>
+                    <a:lstStyle/>
+                    <a:p>
+                      <a:r>
+                        <a:rPr lang="de-DE" sz="1000"/>
+                        <a:t>null</a:t>
+                      </a:r>
+                    </a:p>
+                  </a:txBody>
+                  <a:tcPr marB="36000"/>
+                </a:tc>
+                <a:tc>
+                  <a:txBody>
+                    <a:bodyPr/>
+                    <a:lstStyle/>
+                    <a:p>
+                      <a:endParaRPr lang="de-DE" sz="1000"/>
+                    </a:p>
+                  </a:txBody>
+                  <a:tcPr marB="36000"/>
+                </a:tc>
+                <a:extLst>
+                  <a:ext uri="{0D108BD9-81ED-4DB2-BD59-A6C34878D82A}">
+                    <a16:rowId xmlns:a16="http://schemas.microsoft.com/office/drawing/2014/main" val="4125067818"/>
+                  </a:ext>
+                </a:extLst>
+              </a:tr>
+              <a:tr h="370840">
+                <a:tc>
+                  <a:txBody>
+                    <a:bodyPr/>
+                    <a:lstStyle/>
+                    <a:p>
+                      <a:r>
+                        <a:rPr lang="de-DE" sz="1000">
+                          <a:solidFill>
+                            <a:schemeClr val="bg1"/>
+                          </a:solidFill>
+                        </a:rPr>
+                        <a:t>B</a:t>
+                      </a:r>
+                    </a:p>
+                  </a:txBody>
+                  <a:tcPr marB="36000">
+                    <a:solidFill>
+                      <a:schemeClr val="tx2">
+                        <a:lumMod val="90000"/>
+                        <a:lumOff val="10000"/>
+                      </a:schemeClr>
+                    </a:solidFill>
+                  </a:tcPr>
+                </a:tc>
+                <a:tc>
+                  <a:txBody>
+                    <a:bodyPr/>
+                    <a:lstStyle/>
+                    <a:p>
+                      <a:r>
+                        <a:rPr lang="de-DE" sz="1000"/>
+                        <a:t>300259999</a:t>
+                      </a:r>
+                    </a:p>
+                  </a:txBody>
+                  <a:tcPr marB="36000"/>
+                </a:tc>
+                <a:tc>
+                  <a:txBody>
+                    <a:bodyPr/>
+                    <a:lstStyle/>
+                    <a:p>
+                      <a:r>
+                        <a:rPr lang="de-DE" sz="1000"/>
+                        <a:t>connected</a:t>
+                      </a:r>
+                    </a:p>
+                  </a:txBody>
+                  <a:tcPr marB="36000"/>
+                </a:tc>
+                <a:tc>
+                  <a:txBody>
+                    <a:bodyPr/>
+                    <a:lstStyle/>
+                    <a:p>
+                      <a:r>
+                        <a:rPr lang="de-DE" sz="1000"/>
+                        <a:t>null</a:t>
+                      </a:r>
+                    </a:p>
+                  </a:txBody>
+                  <a:tcPr marB="36000"/>
+                </a:tc>
+                <a:tc>
+                  <a:txBody>
+                    <a:bodyPr/>
+                    <a:lstStyle/>
+                    <a:p>
+                      <a:endParaRPr lang="de-DE" sz="1000"/>
+                    </a:p>
+                  </a:txBody>
+                  <a:tcPr marB="36000"/>
+                </a:tc>
+                <a:extLst>
+                  <a:ext uri="{0D108BD9-81ED-4DB2-BD59-A6C34878D82A}">
+                    <a16:rowId xmlns:a16="http://schemas.microsoft.com/office/drawing/2014/main" val="3149034477"/>
+                  </a:ext>
+                </a:extLst>
+              </a:tr>
+              <a:tr h="370840">
+                <a:tc>
+                  <a:txBody>
+                    <a:bodyPr/>
+                    <a:lstStyle/>
+                    <a:p>
+                      <a:r>
+                        <a:rPr lang="de-DE" sz="1000">
+                          <a:solidFill>
+                            <a:schemeClr val="bg1"/>
+                          </a:solidFill>
+                        </a:rPr>
+                        <a:t>C</a:t>
+                      </a:r>
+                    </a:p>
+                  </a:txBody>
+                  <a:tcPr marB="36000">
+                    <a:solidFill>
+                      <a:schemeClr val="tx2">
+                        <a:lumMod val="90000"/>
+                        <a:lumOff val="10000"/>
+                      </a:schemeClr>
+                    </a:solidFill>
+                  </a:tcPr>
+                </a:tc>
+                <a:tc>
+                  <a:txBody>
+                    <a:bodyPr/>
+                    <a:lstStyle/>
+                    <a:p>
+                      <a:r>
+                        <a:rPr lang="de-DE" sz="1000"/>
+                        <a:t>200250002</a:t>
+                      </a:r>
+                    </a:p>
+                  </a:txBody>
+                  <a:tcPr marB="36000"/>
+                </a:tc>
+                <a:tc>
+                  <a:txBody>
+                    <a:bodyPr/>
+                    <a:lstStyle/>
+                    <a:p>
+                      <a:r>
+                        <a:rPr lang="de-DE" sz="1000"/>
+                        <a:t>connected</a:t>
+                      </a:r>
+                    </a:p>
+                  </a:txBody>
+                  <a:tcPr marB="36000"/>
+                </a:tc>
+                <a:tc>
+                  <a:txBody>
+                    <a:bodyPr/>
+                    <a:lstStyle/>
+                    <a:p>
+                      <a:r>
+                        <a:rPr lang="de-DE" sz="1000"/>
+                        <a:t>2025-05-05T01:00:00+01:00</a:t>
+                      </a:r>
+                    </a:p>
+                  </a:txBody>
+                  <a:tcPr marB="36000"/>
+                </a:tc>
+                <a:tc>
+                  <a:txBody>
+                    <a:bodyPr/>
+                    <a:lstStyle/>
+                    <a:p>
+                      <a:endParaRPr lang="de-DE" sz="1000"/>
+                    </a:p>
+                  </a:txBody>
+                  <a:tcPr marB="36000"/>
+                </a:tc>
+                <a:extLst>
+                  <a:ext uri="{0D108BD9-81ED-4DB2-BD59-A6C34878D82A}">
+                    <a16:rowId xmlns:a16="http://schemas.microsoft.com/office/drawing/2014/main" val="2113767777"/>
+                  </a:ext>
+                </a:extLst>
+              </a:tr>
+              <a:tr h="370840">
+                <a:tc>
+                  <a:txBody>
+                    <a:bodyPr/>
+                    <a:lstStyle/>
+                    <a:p>
+                      <a:r>
+                        <a:rPr lang="de-DE" sz="1000">
+                          <a:solidFill>
+                            <a:schemeClr val="bg1"/>
+                          </a:solidFill>
+                        </a:rPr>
+                        <a:t>D</a:t>
+                      </a:r>
+                    </a:p>
+                  </a:txBody>
+                  <a:tcPr marB="36000">
+                    <a:solidFill>
+                      <a:schemeClr val="tx2">
+                        <a:lumMod val="90000"/>
+                        <a:lumOff val="10000"/>
+                      </a:schemeClr>
+                    </a:solidFill>
+                  </a:tcPr>
+                </a:tc>
+                <a:tc>
+                  <a:txBody>
+                    <a:bodyPr/>
+                    <a:lstStyle/>
+                    <a:p>
+                      <a:r>
+                        <a:rPr lang="de-DE" sz="1000"/>
+                        <a:t>200250003</a:t>
+                      </a:r>
+                    </a:p>
+                  </a:txBody>
+                  <a:tcPr marB="36000"/>
+                </a:tc>
+                <a:tc>
+                  <a:txBody>
+                    <a:bodyPr/>
+                    <a:lstStyle/>
+                    <a:p>
+                      <a:r>
+                        <a:rPr lang="de-DE" sz="1000"/>
+                        <a:t>connected</a:t>
+                      </a:r>
+                    </a:p>
+                  </a:txBody>
+                  <a:tcPr marB="36000"/>
+                </a:tc>
+                <a:tc>
+                  <a:txBody>
+                    <a:bodyPr/>
+                    <a:lstStyle/>
+                    <a:p>
+                      <a:pPr marL="0" marR="0" lvl="0" indent="0" algn="l" defTabSz="914400" rtl="0" eaLnBrk="1" fontAlgn="auto" latinLnBrk="0" hangingPunct="1">
+                        <a:lnSpc>
+                          <a:spcPct val="100000"/>
+                        </a:lnSpc>
+                        <a:spcBef>
+                          <a:spcPts val="0"/>
+                        </a:spcBef>
+                        <a:spcAft>
+                          <a:spcPts val="0"/>
+                        </a:spcAft>
+                        <a:buClrTx/>
+                        <a:buSzTx/>
+                        <a:buFontTx/>
+                        <a:buNone/>
+                        <a:tabLst/>
+                        <a:defRPr/>
+                      </a:pPr>
+                      <a:r>
+                        <a:rPr lang="de-DE" sz="1000"/>
+                        <a:t>2025-05-05T01:02:00+01:00</a:t>
+                      </a:r>
+                    </a:p>
+                  </a:txBody>
+                  <a:tcPr marB="36000"/>
+                </a:tc>
+                <a:tc>
+                  <a:txBody>
+                    <a:bodyPr/>
+                    <a:lstStyle/>
+                    <a:p>
+                      <a:endParaRPr lang="de-DE" sz="1000"/>
+                    </a:p>
+                  </a:txBody>
+                  <a:tcPr marB="36000"/>
+                </a:tc>
+                <a:extLst>
+                  <a:ext uri="{0D108BD9-81ED-4DB2-BD59-A6C34878D82A}">
+                    <a16:rowId xmlns:a16="http://schemas.microsoft.com/office/drawing/2014/main" val="3251364242"/>
+                  </a:ext>
+                </a:extLst>
+              </a:tr>
+              <a:tr h="370840">
+                <a:tc>
+                  <a:txBody>
+                    <a:bodyPr/>
+                    <a:lstStyle/>
+                    <a:p>
+                      <a:r>
+                        <a:rPr lang="de-DE" sz="1000">
+                          <a:solidFill>
+                            <a:schemeClr val="bg1"/>
+                          </a:solidFill>
+                        </a:rPr>
+                        <a:t>E</a:t>
+                      </a:r>
+                    </a:p>
+                  </a:txBody>
+                  <a:tcPr marB="36000">
+                    <a:solidFill>
+                      <a:schemeClr val="tx2">
+                        <a:lumMod val="90000"/>
+                        <a:lumOff val="10000"/>
+                      </a:schemeClr>
+                    </a:solidFill>
+                  </a:tcPr>
+                </a:tc>
+                <a:tc>
+                  <a:txBody>
+                    <a:bodyPr/>
+                    <a:lstStyle/>
+                    <a:p>
+                      <a:r>
+                        <a:rPr lang="de-DE" sz="1000"/>
+                        <a:t>200254678</a:t>
+                      </a:r>
+                    </a:p>
+                  </a:txBody>
+                  <a:tcPr marB="36000"/>
+                </a:tc>
+                <a:tc>
+                  <a:txBody>
+                    <a:bodyPr/>
+                    <a:lstStyle/>
+                    <a:p>
+                      <a:r>
+                        <a:rPr lang="de-DE" sz="1000"/>
+                        <a:t>connected</a:t>
+                      </a:r>
+                    </a:p>
+                  </a:txBody>
+                  <a:tcPr marB="36000"/>
+                </a:tc>
+                <a:tc>
+                  <a:txBody>
+                    <a:bodyPr/>
+                    <a:lstStyle/>
+                    <a:p>
+                      <a:pPr marL="0" marR="0" lvl="0" indent="0" algn="l" defTabSz="914400" rtl="0" eaLnBrk="1" fontAlgn="auto" latinLnBrk="0" hangingPunct="1">
+                        <a:lnSpc>
+                          <a:spcPct val="100000"/>
+                        </a:lnSpc>
+                        <a:spcBef>
+                          <a:spcPts val="0"/>
+                        </a:spcBef>
+                        <a:spcAft>
+                          <a:spcPts val="0"/>
+                        </a:spcAft>
+                        <a:buClrTx/>
+                        <a:buSzTx/>
+                        <a:buFontTx/>
+                        <a:buNone/>
+                        <a:tabLst/>
+                        <a:defRPr/>
+                      </a:pPr>
+                      <a:r>
+                        <a:rPr lang="de-DE" sz="1000"/>
+                        <a:t>2025-05-05T05:00:00+01:00</a:t>
+                      </a:r>
+                    </a:p>
+                  </a:txBody>
+                  <a:tcPr marB="36000"/>
+                </a:tc>
+                <a:tc>
+                  <a:txBody>
+                    <a:bodyPr/>
+                    <a:lstStyle/>
+                    <a:p>
+                      <a:endParaRPr lang="de-DE" sz="1000"/>
+                    </a:p>
+                  </a:txBody>
+                  <a:tcPr marB="36000"/>
+                </a:tc>
+                <a:extLst>
+                  <a:ext uri="{0D108BD9-81ED-4DB2-BD59-A6C34878D82A}">
+                    <a16:rowId xmlns:a16="http://schemas.microsoft.com/office/drawing/2014/main" val="2648806988"/>
+                  </a:ext>
+                </a:extLst>
+              </a:tr>
+              <a:tr h="370840">
+                <a:tc>
+                  <a:txBody>
+                    <a:bodyPr/>
+                    <a:lstStyle/>
+                    <a:p>
+                      <a:r>
+                        <a:rPr lang="de-DE" sz="1000">
+                          <a:solidFill>
+                            <a:schemeClr val="bg1"/>
+                          </a:solidFill>
+                        </a:rPr>
+                        <a:t>F</a:t>
+                      </a:r>
+                    </a:p>
+                  </a:txBody>
+                  <a:tcPr marB="36000">
+                    <a:solidFill>
+                      <a:schemeClr val="tx2">
+                        <a:lumMod val="90000"/>
+                        <a:lumOff val="10000"/>
+                      </a:schemeClr>
+                    </a:solidFill>
+                  </a:tcPr>
+                </a:tc>
+                <a:tc>
+                  <a:txBody>
+                    <a:bodyPr/>
+                    <a:lstStyle/>
+                    <a:p>
+                      <a:r>
+                        <a:rPr lang="de-DE" sz="1000"/>
+                        <a:t>500251234</a:t>
+                      </a:r>
+                    </a:p>
+                  </a:txBody>
+                  <a:tcPr marB="36000"/>
+                </a:tc>
+                <a:tc>
+                  <a:txBody>
+                    <a:bodyPr/>
+                    <a:lstStyle/>
+                    <a:p>
+                      <a:r>
+                        <a:rPr lang="de-DE" sz="1000"/>
+                        <a:t>connected</a:t>
+                      </a:r>
+                    </a:p>
+                  </a:txBody>
+                  <a:tcPr marB="36000"/>
+                </a:tc>
+                <a:tc>
+                  <a:txBody>
+                    <a:bodyPr/>
+                    <a:lstStyle/>
+                    <a:p>
+                      <a:pPr marL="0" marR="0" lvl="0" indent="0" algn="l" defTabSz="914400" rtl="0" eaLnBrk="1" fontAlgn="auto" latinLnBrk="0" hangingPunct="1">
+                        <a:lnSpc>
+                          <a:spcPct val="100000"/>
+                        </a:lnSpc>
+                        <a:spcBef>
+                          <a:spcPts val="0"/>
+                        </a:spcBef>
+                        <a:spcAft>
+                          <a:spcPts val="0"/>
+                        </a:spcAft>
+                        <a:buClrTx/>
+                        <a:buSzTx/>
+                        <a:buFontTx/>
+                        <a:buNone/>
+                        <a:tabLst/>
+                        <a:defRPr/>
+                      </a:pPr>
+                      <a:r>
+                        <a:rPr lang="de-DE" sz="1000"/>
+                        <a:t>2025-05-05T05:10:00+01:00</a:t>
+                      </a:r>
+                    </a:p>
+                    <a:p>
+                      <a:endParaRPr lang="de-DE" sz="1000"/>
+                    </a:p>
+                  </a:txBody>
+                  <a:tcPr marB="36000"/>
+                </a:tc>
+                <a:tc>
+                  <a:txBody>
+                    <a:bodyPr/>
+                    <a:lstStyle/>
+                    <a:p>
+                      <a:endParaRPr lang="de-DE" sz="1000"/>
+                    </a:p>
+                  </a:txBody>
+                  <a:tcPr marB="36000"/>
+                </a:tc>
+                <a:extLst>
+                  <a:ext uri="{0D108BD9-81ED-4DB2-BD59-A6C34878D82A}">
+                    <a16:rowId xmlns:a16="http://schemas.microsoft.com/office/drawing/2014/main" val="2579600615"/>
+                  </a:ext>
+                </a:extLst>
+              </a:tr>
+              <a:tr h="370840">
+                <a:tc>
+                  <a:txBody>
+                    <a:bodyPr/>
+                    <a:lstStyle/>
+                    <a:p>
+                      <a:r>
+                        <a:rPr lang="de-DE" sz="1000">
+                          <a:solidFill>
+                            <a:schemeClr val="bg1"/>
+                          </a:solidFill>
+                        </a:rPr>
+                        <a:t>G</a:t>
+                      </a:r>
+                    </a:p>
+                  </a:txBody>
+                  <a:tcPr marB="36000">
+                    <a:solidFill>
+                      <a:schemeClr val="tx2">
+                        <a:lumMod val="90000"/>
+                        <a:lumOff val="10000"/>
+                      </a:schemeClr>
+                    </a:solidFill>
+                  </a:tcPr>
+                </a:tc>
+                <a:tc>
+                  <a:txBody>
+                    <a:bodyPr/>
+                    <a:lstStyle/>
+                    <a:p>
+                      <a:r>
+                        <a:rPr lang="de-DE" sz="1000"/>
+                        <a:t>500251111</a:t>
+                      </a:r>
+                    </a:p>
+                  </a:txBody>
+                  <a:tcPr marB="36000"/>
+                </a:tc>
+                <a:tc>
+                  <a:txBody>
+                    <a:bodyPr/>
+                    <a:lstStyle/>
+                    <a:p>
+                      <a:r>
+                        <a:rPr lang="de-DE" sz="1000"/>
+                        <a:t>connected</a:t>
+                      </a:r>
+                    </a:p>
+                  </a:txBody>
+                  <a:tcPr marB="36000"/>
+                </a:tc>
+                <a:tc>
+                  <a:txBody>
+                    <a:bodyPr/>
+                    <a:lstStyle/>
+                    <a:p>
+                      <a:pPr marL="0" marR="0" lvl="0" indent="0" algn="l" defTabSz="914400" rtl="0" eaLnBrk="1" fontAlgn="auto" latinLnBrk="0" hangingPunct="1">
+                        <a:lnSpc>
+                          <a:spcPct val="100000"/>
+                        </a:lnSpc>
+                        <a:spcBef>
+                          <a:spcPts val="0"/>
+                        </a:spcBef>
+                        <a:spcAft>
+                          <a:spcPts val="0"/>
+                        </a:spcAft>
+                        <a:buClrTx/>
+                        <a:buSzTx/>
+                        <a:buFontTx/>
+                        <a:buNone/>
+                        <a:tabLst/>
+                        <a:defRPr/>
+                      </a:pPr>
+                      <a:r>
+                        <a:rPr lang="de-DE" sz="1000"/>
+                        <a:t>2025-05-05T05:20:00+01:00</a:t>
+                      </a:r>
+                    </a:p>
+                  </a:txBody>
+                  <a:tcPr marB="36000"/>
+                </a:tc>
+                <a:tc>
+                  <a:txBody>
+                    <a:bodyPr/>
+                    <a:lstStyle/>
+                    <a:p>
+                      <a:endParaRPr lang="de-DE" sz="1000"/>
+                    </a:p>
+                  </a:txBody>
+                  <a:tcPr marB="36000"/>
+                </a:tc>
+                <a:extLst>
+                  <a:ext uri="{0D108BD9-81ED-4DB2-BD59-A6C34878D82A}">
+                    <a16:rowId xmlns:a16="http://schemas.microsoft.com/office/drawing/2014/main" val="1726899579"/>
+                  </a:ext>
+                </a:extLst>
+              </a:tr>
+              <a:tr h="370840">
+                <a:tc>
+                  <a:txBody>
+                    <a:bodyPr/>
+                    <a:lstStyle/>
+                    <a:p>
+                      <a:endParaRPr lang="de-DE" sz="1000">
+                        <a:solidFill>
+                          <a:schemeClr val="bg1"/>
+                        </a:solidFill>
+                      </a:endParaRPr>
+                    </a:p>
+                  </a:txBody>
+                  <a:tcPr marB="36000">
+                    <a:solidFill>
+                      <a:schemeClr val="tx2">
+                        <a:lumMod val="90000"/>
+                        <a:lumOff val="10000"/>
+                      </a:schemeClr>
+                    </a:solidFill>
+                  </a:tcPr>
+                </a:tc>
+                <a:tc>
+                  <a:txBody>
+                    <a:bodyPr/>
+                    <a:lstStyle/>
+                    <a:p>
+                      <a:r>
+                        <a:rPr lang="de-DE" sz="1000"/>
+                        <a:t>…</a:t>
+                      </a:r>
+                    </a:p>
+                  </a:txBody>
+                  <a:tcPr marB="36000"/>
+                </a:tc>
+                <a:tc>
+                  <a:txBody>
+                    <a:bodyPr/>
+                    <a:lstStyle/>
+                    <a:p>
+                      <a:endParaRPr lang="de-DE" sz="1000"/>
+                    </a:p>
+                  </a:txBody>
+                  <a:tcPr marB="36000"/>
+                </a:tc>
+                <a:tc>
+                  <a:txBody>
+                    <a:bodyPr/>
+                    <a:lstStyle/>
+                    <a:p>
+                      <a:endParaRPr lang="de-DE" sz="1000"/>
+                    </a:p>
+                  </a:txBody>
+                  <a:tcPr marB="36000"/>
+                </a:tc>
+                <a:tc>
+                  <a:txBody>
+                    <a:bodyPr/>
+                    <a:lstStyle/>
+                    <a:p>
+                      <a:endParaRPr lang="de-DE" sz="1000"/>
+                    </a:p>
+                  </a:txBody>
+                  <a:tcPr marB="36000"/>
+                </a:tc>
+                <a:extLst>
+                  <a:ext uri="{0D108BD9-81ED-4DB2-BD59-A6C34878D82A}">
+                    <a16:rowId xmlns:a16="http://schemas.microsoft.com/office/drawing/2014/main" val="18228692"/>
+                  </a:ext>
+                </a:extLst>
+              </a:tr>
+              <a:tr h="370840">
+                <a:tc>
+                  <a:txBody>
+                    <a:bodyPr/>
+                    <a:lstStyle/>
+                    <a:p>
+                      <a:r>
+                        <a:rPr lang="de-DE" sz="1000">
+                          <a:solidFill>
+                            <a:schemeClr val="bg1"/>
+                          </a:solidFill>
+                        </a:rPr>
+                        <a:t>X</a:t>
+                      </a:r>
+                    </a:p>
+                  </a:txBody>
+                  <a:tcPr marB="36000">
+                    <a:solidFill>
+                      <a:schemeClr val="tx2">
+                        <a:lumMod val="90000"/>
+                        <a:lumOff val="10000"/>
+                      </a:schemeClr>
+                    </a:solidFill>
+                  </a:tcPr>
+                </a:tc>
+                <a:tc>
+                  <a:txBody>
+                    <a:bodyPr/>
+                    <a:lstStyle/>
+                    <a:p>
+                      <a:r>
+                        <a:rPr lang="de-DE" sz="1000"/>
+                        <a:t>100252222</a:t>
+                      </a:r>
+                    </a:p>
+                  </a:txBody>
+                  <a:tcPr marB="36000"/>
+                </a:tc>
+                <a:tc>
+                  <a:txBody>
+                    <a:bodyPr/>
+                    <a:lstStyle/>
+                    <a:p>
+                      <a:r>
+                        <a:rPr lang="de-DE" sz="1000"/>
+                        <a:t>connecting</a:t>
+                      </a:r>
+                    </a:p>
+                  </a:txBody>
+                  <a:tcPr marB="36000"/>
+                </a:tc>
+                <a:tc>
+                  <a:txBody>
+                    <a:bodyPr/>
+                    <a:lstStyle/>
+                    <a:p>
+                      <a:r>
+                        <a:rPr lang="de-DE" sz="1000"/>
+                        <a:t>null</a:t>
+                      </a:r>
+                    </a:p>
+                  </a:txBody>
+                  <a:tcPr marB="36000"/>
+                </a:tc>
+                <a:tc>
+                  <a:txBody>
+                    <a:bodyPr/>
+                    <a:lstStyle/>
+                    <a:p>
+                      <a:endParaRPr lang="de-DE" sz="1000"/>
+                    </a:p>
+                  </a:txBody>
+                  <a:tcPr marB="36000"/>
+                </a:tc>
+                <a:extLst>
+                  <a:ext uri="{0D108BD9-81ED-4DB2-BD59-A6C34878D82A}">
+                    <a16:rowId xmlns:a16="http://schemas.microsoft.com/office/drawing/2014/main" val="1162634327"/>
+                  </a:ext>
+                </a:extLst>
+              </a:tr>
+              <a:tr h="370840">
+                <a:tc>
+                  <a:txBody>
+                    <a:bodyPr/>
+                    <a:lstStyle/>
+                    <a:p>
+                      <a:r>
+                        <a:rPr lang="de-DE" sz="1000">
+                          <a:solidFill>
+                            <a:schemeClr val="bg1"/>
+                          </a:solidFill>
+                        </a:rPr>
+                        <a:t>Y</a:t>
+                      </a:r>
+                    </a:p>
+                  </a:txBody>
+                  <a:tcPr marB="36000">
+                    <a:solidFill>
+                      <a:schemeClr val="tx2">
+                        <a:lumMod val="90000"/>
+                        <a:lumOff val="10000"/>
+                      </a:schemeClr>
+                    </a:solidFill>
+                  </a:tcPr>
+                </a:tc>
+                <a:tc>
+                  <a:txBody>
+                    <a:bodyPr/>
+                    <a:lstStyle/>
+                    <a:p>
+                      <a:r>
+                        <a:rPr lang="de-DE" sz="1000"/>
+                        <a:t>300251234</a:t>
+                      </a:r>
+                    </a:p>
+                  </a:txBody>
+                  <a:tcPr marB="36000"/>
+                </a:tc>
+                <a:tc>
+                  <a:txBody>
+                    <a:bodyPr/>
+                    <a:lstStyle/>
+                    <a:p>
+                      <a:r>
+                        <a:rPr lang="de-DE" sz="1000"/>
+                        <a:t>unable-to-connect</a:t>
+                      </a:r>
+                    </a:p>
+                  </a:txBody>
+                  <a:tcPr marB="36000"/>
+                </a:tc>
+                <a:tc>
+                  <a:txBody>
+                    <a:bodyPr/>
+                    <a:lstStyle/>
+                    <a:p>
+                      <a:r>
+                        <a:rPr lang="de-DE" sz="1000"/>
+                        <a:t>null</a:t>
+                      </a:r>
+                    </a:p>
+                  </a:txBody>
+                  <a:tcPr marB="36000"/>
+                </a:tc>
+                <a:tc>
+                  <a:txBody>
+                    <a:bodyPr/>
+                    <a:lstStyle/>
+                    <a:p>
+                      <a:endParaRPr lang="de-DE" sz="1000"/>
+                    </a:p>
+                  </a:txBody>
+                  <a:tcPr marB="36000"/>
+                </a:tc>
+                <a:extLst>
+                  <a:ext uri="{0D108BD9-81ED-4DB2-BD59-A6C34878D82A}">
+                    <a16:rowId xmlns:a16="http://schemas.microsoft.com/office/drawing/2014/main" val="2652914032"/>
+                  </a:ext>
+                </a:extLst>
+              </a:tr>
+            </a:tbl>
+          </a:graphicData>
+        </a:graphic>
+      </p:graphicFrame>
+      <p:sp>
+        <p:nvSpPr>
+          <p:cNvPr id="6" name="Textfeld 5">
+            <a:extLst>
+              <a:ext uri="{FF2B5EF4-FFF2-40B4-BE49-F238E27FC236}">
+                <a16:creationId xmlns:a16="http://schemas.microsoft.com/office/drawing/2014/main" id="{50C2F33E-ABA4-2F52-0C4E-E405C93978CB}"/>
+              </a:ext>
+            </a:extLst>
+          </p:cNvPr>
+          <p:cNvSpPr txBox="1"/>
+          <p:nvPr/>
+        </p:nvSpPr>
+        <p:spPr>
+          <a:xfrm>
+            <a:off x="4794864" y="447573"/>
+            <a:ext cx="5482611" cy="1851127"/>
+          </a:xfrm>
+          <a:prstGeom prst="rect">
+            <a:avLst/>
+          </a:prstGeom>
+          <a:gradFill>
+            <a:gsLst>
+              <a:gs pos="26000">
+                <a:schemeClr val="accent6">
+                  <a:lumMod val="20000"/>
+                  <a:lumOff val="80000"/>
+                </a:schemeClr>
+              </a:gs>
+              <a:gs pos="78000">
+                <a:srgbClr val="CEE7FA"/>
+              </a:gs>
+              <a:gs pos="100000">
+                <a:schemeClr val="accent4">
+                  <a:lumMod val="105000"/>
+                  <a:satMod val="109000"/>
+                  <a:tint val="81000"/>
+                </a:schemeClr>
+              </a:gs>
+            </a:gsLst>
+          </a:gradFill>
+          <a:ln>
+            <a:solidFill>
+              <a:srgbClr val="002060"/>
+            </a:solidFill>
+          </a:ln>
+        </p:spPr>
+        <p:style>
+          <a:lnRef idx="1">
+            <a:schemeClr val="accent4"/>
+          </a:lnRef>
+          <a:fillRef idx="2">
+            <a:schemeClr val="accent4"/>
+          </a:fillRef>
+          <a:effectRef idx="1">
+            <a:schemeClr val="accent4"/>
+          </a:effectRef>
+          <a:fontRef idx="minor">
+            <a:schemeClr val="dk1"/>
+          </a:fontRef>
+        </p:style>
+        <p:txBody>
+          <a:bodyPr rtlCol="0" anchor="ctr"/>
+          <a:lstStyle>
+            <a:defPPr>
+              <a:defRPr lang="de-DE"/>
+            </a:defPPr>
+            <a:lvl1pPr algn="ctr">
+              <a:defRPr>
+                <a:solidFill>
+                  <a:schemeClr val="dk1"/>
+                </a:solidFill>
+              </a:defRPr>
+            </a:lvl1pPr>
+            <a:lvl2pPr>
+              <a:defRPr>
+                <a:solidFill>
+                  <a:schemeClr val="dk1"/>
+                </a:solidFill>
+              </a:defRPr>
+            </a:lvl2pPr>
+            <a:lvl3pPr>
+              <a:defRPr>
+                <a:solidFill>
+                  <a:schemeClr val="dk1"/>
+                </a:solidFill>
+              </a:defRPr>
+            </a:lvl3pPr>
+            <a:lvl4pPr>
+              <a:defRPr>
+                <a:solidFill>
+                  <a:schemeClr val="dk1"/>
+                </a:solidFill>
+              </a:defRPr>
+            </a:lvl4pPr>
+            <a:lvl5pPr>
+              <a:defRPr>
+                <a:solidFill>
+                  <a:schemeClr val="dk1"/>
+                </a:solidFill>
+              </a:defRPr>
+            </a:lvl5pPr>
+            <a:lvl6pPr>
+              <a:defRPr>
+                <a:solidFill>
+                  <a:schemeClr val="dk1"/>
+                </a:solidFill>
+              </a:defRPr>
+            </a:lvl6pPr>
+            <a:lvl7pPr>
+              <a:defRPr>
+                <a:solidFill>
+                  <a:schemeClr val="dk1"/>
+                </a:solidFill>
+              </a:defRPr>
+            </a:lvl7pPr>
+            <a:lvl8pPr>
+              <a:defRPr>
+                <a:solidFill>
+                  <a:schemeClr val="dk1"/>
+                </a:solidFill>
+              </a:defRPr>
+            </a:lvl8pPr>
+            <a:lvl9pPr>
+              <a:defRPr>
+                <a:solidFill>
+                  <a:schemeClr val="dk1"/>
+                </a:solidFill>
+              </a:defRPr>
+            </a:lvl9pPr>
+          </a:lstStyle>
+          <a:p>
+            <a:pPr algn="l"/>
+            <a:r>
+              <a:rPr lang="de-DE" sz="1100" b="1"/>
+              <a:t>Ordering</a:t>
+            </a:r>
+          </a:p>
+          <a:p>
+            <a:pPr marL="171450" indent="-171450" algn="l">
+              <a:buFont typeface="Arial" panose="020B0604020202020204" pitchFamily="34" charset="0"/>
+              <a:buChar char="•"/>
+            </a:pPr>
+            <a:r>
+              <a:rPr lang="de-DE" sz="1100"/>
+              <a:t>Connected devices with timestamp == null are listed first</a:t>
+            </a:r>
+          </a:p>
+          <a:p>
+            <a:pPr marL="171450" indent="-171450" algn="l">
+              <a:buFont typeface="Arial" panose="020B0604020202020204" pitchFamily="34" charset="0"/>
+              <a:buChar char="•"/>
+            </a:pPr>
+            <a:r>
+              <a:rPr lang="de-DE" sz="1100"/>
+              <a:t>Connected devices with timestamp </a:t>
+            </a:r>
+            <a:r>
+              <a:rPr lang="de-DE" sz="1100">
+                <a:sym typeface="Symbol" panose="05050102010706020507" pitchFamily="18" charset="2"/>
+              </a:rPr>
+              <a:t> </a:t>
+            </a:r>
+            <a:r>
+              <a:rPr lang="de-DE" sz="1100"/>
+              <a:t>null are sorted from old to new</a:t>
+            </a:r>
+          </a:p>
+          <a:p>
+            <a:pPr marL="171450" indent="-171450" algn="l">
+              <a:buFont typeface="Arial" panose="020B0604020202020204" pitchFamily="34" charset="0"/>
+              <a:buChar char="•"/>
+            </a:pPr>
+            <a:r>
+              <a:rPr lang="de-DE" sz="1100"/>
+              <a:t>Not connected devices are at the end of the table</a:t>
+            </a:r>
+          </a:p>
+          <a:p>
+            <a:pPr marL="171450" indent="-171450" algn="l">
+              <a:buFont typeface="Arial" panose="020B0604020202020204" pitchFamily="34" charset="0"/>
+              <a:buChar char="•"/>
+            </a:pPr>
+            <a:endParaRPr lang="de-DE" sz="1100"/>
+          </a:p>
+          <a:p>
+            <a:pPr algn="l"/>
+            <a:r>
+              <a:rPr lang="de-DE" sz="1100" b="1"/>
+              <a:t>Order updates</a:t>
+            </a:r>
+          </a:p>
+          <a:p>
+            <a:pPr marL="171450" indent="-171450" algn="l">
+              <a:buFont typeface="Arial" panose="020B0604020202020204" pitchFamily="34" charset="0"/>
+              <a:buChar char="•"/>
+            </a:pPr>
+            <a:r>
+              <a:rPr lang="de-DE" sz="1100"/>
+              <a:t>Successful retrieval: move device to the position after the last connected device in the table (i.e. right before the first not-connected device)</a:t>
+            </a:r>
+          </a:p>
+          <a:p>
+            <a:pPr marL="171450" indent="-171450" algn="l">
+              <a:buFont typeface="Arial" panose="020B0604020202020204" pitchFamily="34" charset="0"/>
+              <a:buChar char="•"/>
+            </a:pPr>
+            <a:r>
+              <a:rPr lang="de-DE" sz="1100"/>
+              <a:t>Retrieval fail: after allowed retries have failed, move also to right before the first not-connected device (or end of the list of only connected devices found)</a:t>
+            </a:r>
+          </a:p>
+        </p:txBody>
+      </p:sp>
+      <p:sp>
+        <p:nvSpPr>
+          <p:cNvPr id="11" name="Textfeld 10">
+            <a:extLst>
+              <a:ext uri="{FF2B5EF4-FFF2-40B4-BE49-F238E27FC236}">
+                <a16:creationId xmlns:a16="http://schemas.microsoft.com/office/drawing/2014/main" id="{278F0B88-9BBA-8235-3796-EDA6A1FCF2D9}"/>
+              </a:ext>
+            </a:extLst>
+          </p:cNvPr>
+          <p:cNvSpPr txBox="1"/>
+          <p:nvPr/>
+        </p:nvSpPr>
+        <p:spPr>
+          <a:xfrm>
+            <a:off x="203199" y="5101085"/>
+            <a:ext cx="9004722" cy="307777"/>
+          </a:xfrm>
+          <a:prstGeom prst="rect">
+            <a:avLst/>
+          </a:prstGeom>
+          <a:solidFill>
+            <a:schemeClr val="tx1"/>
+          </a:solidFill>
+        </p:spPr>
+        <p:txBody>
+          <a:bodyPr wrap="square" rtlCol="0">
+            <a:spAutoFit/>
+          </a:bodyPr>
+          <a:lstStyle/>
+          <a:p>
+            <a:r>
+              <a:rPr lang="de-DE" sz="1400">
+                <a:solidFill>
+                  <a:schemeClr val="bg1">
+                    <a:lumMod val="95000"/>
+                  </a:schemeClr>
+                </a:solidFill>
+              </a:rPr>
+              <a:t>Device selection strategy for updates</a:t>
+            </a:r>
+          </a:p>
+        </p:txBody>
+      </p:sp>
+      <p:sp>
+        <p:nvSpPr>
+          <p:cNvPr id="12" name="Rechteck 11">
+            <a:extLst>
+              <a:ext uri="{FF2B5EF4-FFF2-40B4-BE49-F238E27FC236}">
+                <a16:creationId xmlns:a16="http://schemas.microsoft.com/office/drawing/2014/main" id="{91467DFF-00D6-AF65-E8AE-C95E1B1F28FE}"/>
+              </a:ext>
+            </a:extLst>
+          </p:cNvPr>
+          <p:cNvSpPr/>
+          <p:nvPr/>
+        </p:nvSpPr>
+        <p:spPr>
+          <a:xfrm>
+            <a:off x="250824" y="6092613"/>
+            <a:ext cx="4203187" cy="778538"/>
+          </a:xfrm>
+          <a:prstGeom prst="rect">
+            <a:avLst/>
+          </a:prstGeom>
+          <a:gradFill>
+            <a:gsLst>
+              <a:gs pos="26000">
+                <a:srgbClr val="DDEEFB"/>
+              </a:gs>
+              <a:gs pos="79000">
+                <a:srgbClr val="CEE7FA"/>
+              </a:gs>
+              <a:gs pos="100000">
+                <a:schemeClr val="accent4">
+                  <a:lumMod val="105000"/>
+                  <a:satMod val="109000"/>
+                  <a:tint val="81000"/>
+                </a:schemeClr>
+              </a:gs>
+            </a:gsLst>
+          </a:gradFill>
+          <a:ln>
+            <a:solidFill>
+              <a:srgbClr val="002060"/>
+            </a:solidFill>
+          </a:ln>
+        </p:spPr>
+        <p:style>
+          <a:lnRef idx="1">
+            <a:schemeClr val="accent4"/>
+          </a:lnRef>
+          <a:fillRef idx="2">
+            <a:schemeClr val="accent4"/>
+          </a:fillRef>
+          <a:effectRef idx="1">
+            <a:schemeClr val="accent4"/>
+          </a:effectRef>
+          <a:fontRef idx="minor">
+            <a:schemeClr val="dk1"/>
+          </a:fontRef>
+        </p:style>
+        <p:txBody>
+          <a:bodyPr rtlCol="0" anchor="ctr"/>
+          <a:lstStyle/>
+          <a:p>
+            <a:pPr algn="ctr"/>
+            <a:endParaRPr lang="de-DE" sz="1200" b="1">
+              <a:solidFill>
+                <a:schemeClr val="accent4">
+                  <a:lumMod val="50000"/>
+                </a:schemeClr>
+              </a:solidFill>
+            </a:endParaRPr>
+          </a:p>
+        </p:txBody>
+      </p:sp>
+      <p:sp>
+        <p:nvSpPr>
+          <p:cNvPr id="13" name="Textfeld 12">
+            <a:extLst>
+              <a:ext uri="{FF2B5EF4-FFF2-40B4-BE49-F238E27FC236}">
+                <a16:creationId xmlns:a16="http://schemas.microsoft.com/office/drawing/2014/main" id="{90A83C0F-E5F8-5151-BE99-3F62B1BA522B}"/>
+              </a:ext>
+            </a:extLst>
+          </p:cNvPr>
+          <p:cNvSpPr txBox="1"/>
+          <p:nvPr/>
+        </p:nvSpPr>
+        <p:spPr>
+          <a:xfrm>
+            <a:off x="250825" y="6101709"/>
+            <a:ext cx="4203188" cy="769441"/>
+          </a:xfrm>
+          <a:prstGeom prst="rect">
+            <a:avLst/>
+          </a:prstGeom>
+          <a:noFill/>
+        </p:spPr>
+        <p:txBody>
+          <a:bodyPr wrap="square" rtlCol="0">
+            <a:spAutoFit/>
+          </a:bodyPr>
+          <a:lstStyle/>
+          <a:p>
+            <a:r>
+              <a:rPr lang="de-DE" sz="1100" b="1" u="sng"/>
+              <a:t>slidingWindow process</a:t>
+            </a:r>
+          </a:p>
+          <a:p>
+            <a:pPr marL="171450" indent="-171450">
+              <a:buFont typeface="Arial" panose="020B0604020202020204" pitchFamily="34" charset="0"/>
+              <a:buChar char="•"/>
+            </a:pPr>
+            <a:r>
+              <a:rPr lang="de-DE" sz="1100"/>
+              <a:t>select 1st  not-locked device from table with timestamp == null,</a:t>
+            </a:r>
+          </a:p>
+          <a:p>
+            <a:pPr marL="171450" indent="-171450">
+              <a:buFont typeface="Arial" panose="020B0604020202020204" pitchFamily="34" charset="0"/>
+              <a:buChar char="•"/>
+            </a:pPr>
+            <a:r>
+              <a:rPr lang="de-DE" sz="1100"/>
+              <a:t>If none found, select 1st  not-locked device from table (i.e. the one with oldest timestamp)</a:t>
+            </a:r>
+          </a:p>
+        </p:txBody>
+      </p:sp>
+      <p:sp>
+        <p:nvSpPr>
+          <p:cNvPr id="14" name="Textfeld 13">
+            <a:extLst>
+              <a:ext uri="{FF2B5EF4-FFF2-40B4-BE49-F238E27FC236}">
+                <a16:creationId xmlns:a16="http://schemas.microsoft.com/office/drawing/2014/main" id="{9B72CE72-48B2-E99F-B478-D7B542776371}"/>
+              </a:ext>
+            </a:extLst>
+          </p:cNvPr>
+          <p:cNvSpPr txBox="1"/>
+          <p:nvPr/>
+        </p:nvSpPr>
+        <p:spPr>
+          <a:xfrm>
+            <a:off x="250824" y="5446280"/>
+            <a:ext cx="9119318" cy="461665"/>
+          </a:xfrm>
+          <a:prstGeom prst="rect">
+            <a:avLst/>
+          </a:prstGeom>
+          <a:noFill/>
+        </p:spPr>
+        <p:txBody>
+          <a:bodyPr wrap="square" rtlCol="0">
+            <a:spAutoFit/>
+          </a:bodyPr>
+          <a:lstStyle/>
+          <a:p>
+            <a:pPr marL="171450" indent="-171450">
+              <a:buFont typeface="Arial" panose="020B0604020202020204" pitchFamily="34" charset="0"/>
+              <a:buChar char="•"/>
+            </a:pPr>
+            <a:r>
+              <a:rPr lang="de-DE" sz="1200"/>
+              <a:t>Select only connected devices</a:t>
+            </a:r>
+          </a:p>
+          <a:p>
+            <a:pPr marL="171450" indent="-171450">
+              <a:buFont typeface="Arial" panose="020B0604020202020204" pitchFamily="34" charset="0"/>
+              <a:buChar char="•"/>
+            </a:pPr>
+            <a:r>
+              <a:rPr lang="de-DE" sz="1200"/>
+              <a:t>If device is currently selected by either of the two processes: lock it (cannot be selected until unlocked) until it has been processed</a:t>
+            </a:r>
+          </a:p>
+        </p:txBody>
+      </p:sp>
+      <p:sp>
+        <p:nvSpPr>
+          <p:cNvPr id="15" name="Textfeld 14">
+            <a:extLst>
+              <a:ext uri="{FF2B5EF4-FFF2-40B4-BE49-F238E27FC236}">
+                <a16:creationId xmlns:a16="http://schemas.microsoft.com/office/drawing/2014/main" id="{217EC2A0-EC61-4DCF-7BD2-C5C4C8ECB7C9}"/>
+              </a:ext>
+            </a:extLst>
+          </p:cNvPr>
+          <p:cNvSpPr txBox="1"/>
+          <p:nvPr/>
+        </p:nvSpPr>
+        <p:spPr>
+          <a:xfrm>
+            <a:off x="4667669" y="6092612"/>
+            <a:ext cx="3784375" cy="600164"/>
+          </a:xfrm>
+          <a:prstGeom prst="rect">
+            <a:avLst/>
+          </a:prstGeom>
+          <a:noFill/>
+        </p:spPr>
+        <p:txBody>
+          <a:bodyPr wrap="square" rtlCol="0">
+            <a:spAutoFit/>
+          </a:bodyPr>
+          <a:lstStyle/>
+          <a:p>
+            <a:r>
+              <a:rPr lang="de-DE" sz="1100" b="1" u="sng"/>
+              <a:t>qualityMeasurement process</a:t>
+            </a:r>
+          </a:p>
+          <a:p>
+            <a:pPr marL="171450" indent="-171450">
+              <a:buFont typeface="Arial" panose="020B0604020202020204" pitchFamily="34" charset="0"/>
+              <a:buChar char="•"/>
+            </a:pPr>
+            <a:r>
+              <a:rPr lang="de-DE" sz="1100"/>
+              <a:t>select 1st not-locked device from table with timestamp </a:t>
+            </a:r>
+            <a:r>
+              <a:rPr lang="de-DE" sz="1100">
+                <a:sym typeface="Symbol" panose="05050102010706020507" pitchFamily="18" charset="2"/>
+              </a:rPr>
+              <a:t></a:t>
+            </a:r>
+            <a:r>
+              <a:rPr lang="de-DE" sz="1100"/>
+              <a:t> null</a:t>
+            </a:r>
+          </a:p>
+        </p:txBody>
+      </p:sp>
+      <p:sp>
+        <p:nvSpPr>
+          <p:cNvPr id="17" name="Rechteck 16">
+            <a:extLst>
+              <a:ext uri="{FF2B5EF4-FFF2-40B4-BE49-F238E27FC236}">
+                <a16:creationId xmlns:a16="http://schemas.microsoft.com/office/drawing/2014/main" id="{FAD5EE1D-6960-CBBD-AA8B-B9103F807D85}"/>
+              </a:ext>
+            </a:extLst>
+          </p:cNvPr>
+          <p:cNvSpPr/>
+          <p:nvPr/>
+        </p:nvSpPr>
+        <p:spPr>
+          <a:xfrm>
+            <a:off x="203200" y="5101085"/>
+            <a:ext cx="9004722" cy="1840489"/>
+          </a:xfrm>
+          <a:prstGeom prst="rect">
+            <a:avLst/>
+          </a:prstGeom>
+          <a:noFill/>
+          <a:ln w="12700">
+            <a:solidFill>
+              <a:schemeClr val="tx1"/>
+            </a:solidFill>
+          </a:ln>
+        </p:spPr>
+        <p:style>
+          <a:lnRef idx="2">
+            <a:schemeClr val="accent1">
+              <a:shade val="15000"/>
+            </a:schemeClr>
+          </a:lnRef>
+          <a:fillRef idx="1">
+            <a:schemeClr val="accent1"/>
+          </a:fillRef>
+          <a:effectRef idx="0">
+            <a:schemeClr val="accent1"/>
+          </a:effectRef>
+          <a:fontRef idx="minor">
+            <a:schemeClr val="lt1"/>
+          </a:fontRef>
+        </p:style>
+        <p:txBody>
+          <a:bodyPr rtlCol="0" anchor="ctr"/>
+          <a:lstStyle/>
+          <a:p>
+            <a:pPr algn="ctr"/>
+            <a:endParaRPr lang="de-DE"/>
+          </a:p>
+        </p:txBody>
+      </p:sp>
+      <p:sp>
+        <p:nvSpPr>
+          <p:cNvPr id="18" name="Rechteck 17">
+            <a:extLst>
+              <a:ext uri="{FF2B5EF4-FFF2-40B4-BE49-F238E27FC236}">
+                <a16:creationId xmlns:a16="http://schemas.microsoft.com/office/drawing/2014/main" id="{71DDA1AB-082B-1DDB-605D-DBB0811C23EA}"/>
+              </a:ext>
+            </a:extLst>
+          </p:cNvPr>
+          <p:cNvSpPr/>
+          <p:nvPr/>
+        </p:nvSpPr>
+        <p:spPr>
+          <a:xfrm>
+            <a:off x="0" y="0"/>
+            <a:ext cx="10350500" cy="4699000"/>
+          </a:xfrm>
+          <a:prstGeom prst="rect">
+            <a:avLst/>
+          </a:prstGeom>
+          <a:noFill/>
+          <a:ln w="6350"/>
+        </p:spPr>
+        <p:style>
+          <a:lnRef idx="2">
+            <a:schemeClr val="accent1">
+              <a:shade val="15000"/>
+            </a:schemeClr>
+          </a:lnRef>
+          <a:fillRef idx="1">
+            <a:schemeClr val="accent1"/>
+          </a:fillRef>
+          <a:effectRef idx="0">
+            <a:schemeClr val="accent1"/>
+          </a:effectRef>
+          <a:fontRef idx="minor">
+            <a:schemeClr val="lt1"/>
+          </a:fontRef>
+        </p:style>
+        <p:txBody>
+          <a:bodyPr rtlCol="0" anchor="ctr"/>
+          <a:lstStyle/>
+          <a:p>
+            <a:pPr algn="ctr"/>
+            <a:endParaRPr lang="de-DE"/>
+          </a:p>
+        </p:txBody>
+      </p:sp>
+    </p:spTree>
+    <p:extLst>
+      <p:ext uri="{BB962C8B-B14F-4D97-AF65-F5344CB8AC3E}">
+        <p14:creationId xmlns:p14="http://schemas.microsoft.com/office/powerpoint/2010/main" val="1544540054"/>
+      </p:ext>
+    </p:extLst>
+  </p:cSld>
+  <p:clrMapOvr>
+    <a:masterClrMapping/>
+  </p:clrMapOvr>
+</p:sld>
+</file>
+
+<file path=ppt/slides/slide5.xml><?xml version="1.0" encoding="utf-8"?>
+<p:sld xmlns:a="http://schemas.openxmlformats.org/drawingml/2006/main" xmlns:r="http://schemas.openxmlformats.org/officeDocument/2006/relationships" xmlns:p="http://schemas.openxmlformats.org/presentationml/2006/main">
+  <p:cSld>
+    <p:spTree>
+      <p:nvGrpSpPr>
+        <p:cNvPr id="1" name="">
+          <a:extLst>
+            <a:ext uri="{FF2B5EF4-FFF2-40B4-BE49-F238E27FC236}">
+              <a16:creationId xmlns:a16="http://schemas.microsoft.com/office/drawing/2014/main" id="{06D26E66-98D8-0ECD-F3AB-E39E3E647A56}"/>
+            </a:ext>
+          </a:extLst>
+        </p:cNvPr>
+        <p:cNvGrpSpPr/>
+        <p:nvPr/>
+      </p:nvGrpSpPr>
+      <p:grpSpPr>
+        <a:xfrm>
+          <a:off x="0" y="0"/>
+          <a:ext cx="0" cy="0"/>
+          <a:chOff x="0" y="0"/>
+          <a:chExt cx="0" cy="0"/>
+        </a:xfrm>
+      </p:grpSpPr>
+      <p:sp>
+        <p:nvSpPr>
+          <p:cNvPr id="101" name="Rechteck 100">
+            <a:extLst>
+              <a:ext uri="{FF2B5EF4-FFF2-40B4-BE49-F238E27FC236}">
+                <a16:creationId xmlns:a16="http://schemas.microsoft.com/office/drawing/2014/main" id="{3D7923B2-C8C1-6864-6FF1-C2B359363C38}"/>
+              </a:ext>
+            </a:extLst>
+          </p:cNvPr>
+          <p:cNvSpPr/>
+          <p:nvPr/>
+        </p:nvSpPr>
+        <p:spPr>
+          <a:xfrm>
+            <a:off x="84506" y="126721"/>
+            <a:ext cx="10519993" cy="5996443"/>
+          </a:xfrm>
+          <a:prstGeom prst="rect">
+            <a:avLst/>
+          </a:prstGeom>
+          <a:noFill/>
+          <a:ln w="9525"/>
+        </p:spPr>
+        <p:style>
+          <a:lnRef idx="2">
+            <a:schemeClr val="accent1">
+              <a:shade val="15000"/>
+            </a:schemeClr>
+          </a:lnRef>
+          <a:fillRef idx="1">
+            <a:schemeClr val="accent1"/>
+          </a:fillRef>
+          <a:effectRef idx="0">
+            <a:schemeClr val="accent1"/>
+          </a:effectRef>
+          <a:fontRef idx="minor">
+            <a:schemeClr val="lt1"/>
+          </a:fontRef>
+        </p:style>
+        <p:txBody>
+          <a:bodyPr rtlCol="0" anchor="ctr"/>
+          <a:lstStyle/>
+          <a:p>
+            <a:pPr algn="ctr"/>
+            <a:endParaRPr lang="de-DE"/>
+          </a:p>
+        </p:txBody>
+      </p:sp>
+      <p:sp>
+        <p:nvSpPr>
+          <p:cNvPr id="93" name="Pfeil: nach rechts 92">
+            <a:extLst>
+              <a:ext uri="{FF2B5EF4-FFF2-40B4-BE49-F238E27FC236}">
+                <a16:creationId xmlns:a16="http://schemas.microsoft.com/office/drawing/2014/main" id="{B53B69F2-73B7-63D8-C4E0-18771265D667}"/>
+              </a:ext>
+            </a:extLst>
+          </p:cNvPr>
+          <p:cNvSpPr/>
+          <p:nvPr/>
+        </p:nvSpPr>
+        <p:spPr>
+          <a:xfrm>
+            <a:off x="402910" y="1948760"/>
+            <a:ext cx="9947589" cy="869803"/>
+          </a:xfrm>
+          <a:prstGeom prst="rightArrow">
+            <a:avLst/>
+          </a:prstGeom>
+          <a:solidFill>
+            <a:schemeClr val="bg1">
+              <a:lumMod val="75000"/>
+            </a:schemeClr>
+          </a:solidFill>
+          <a:ln w="9525">
+            <a:solidFill>
+              <a:schemeClr val="tx1">
+                <a:lumMod val="75000"/>
+                <a:lumOff val="25000"/>
+              </a:schemeClr>
+            </a:solidFill>
+          </a:ln>
+        </p:spPr>
+        <p:style>
+          <a:lnRef idx="2">
+            <a:schemeClr val="accent1">
+              <a:shade val="15000"/>
+            </a:schemeClr>
+          </a:lnRef>
+          <a:fillRef idx="1">
+            <a:schemeClr val="accent1"/>
+          </a:fillRef>
+          <a:effectRef idx="0">
+            <a:schemeClr val="accent1"/>
+          </a:effectRef>
+          <a:fontRef idx="minor">
+            <a:schemeClr val="lt1"/>
+          </a:fontRef>
+        </p:style>
+        <p:txBody>
+          <a:bodyPr rtlCol="0" anchor="ctr"/>
+          <a:lstStyle/>
+          <a:p>
+            <a:pPr algn="ctr"/>
+            <a:endParaRPr lang="de-DE"/>
+          </a:p>
+        </p:txBody>
+      </p:sp>
+      <p:sp>
+        <p:nvSpPr>
+          <p:cNvPr id="92" name="Rechteck 91">
+            <a:extLst>
+              <a:ext uri="{FF2B5EF4-FFF2-40B4-BE49-F238E27FC236}">
+                <a16:creationId xmlns:a16="http://schemas.microsoft.com/office/drawing/2014/main" id="{B985722F-D707-51A5-DEAF-6A3898B17F1C}"/>
+              </a:ext>
+            </a:extLst>
+          </p:cNvPr>
+          <p:cNvSpPr/>
+          <p:nvPr/>
+        </p:nvSpPr>
+        <p:spPr>
+          <a:xfrm>
+            <a:off x="203199" y="3948970"/>
+            <a:ext cx="9055919" cy="1931130"/>
+          </a:xfrm>
+          <a:prstGeom prst="rect">
+            <a:avLst/>
+          </a:prstGeom>
+          <a:gradFill>
+            <a:gsLst>
+              <a:gs pos="26000">
+                <a:schemeClr val="accent6">
+                  <a:lumMod val="20000"/>
+                  <a:lumOff val="80000"/>
+                </a:schemeClr>
+              </a:gs>
+              <a:gs pos="78000">
+                <a:srgbClr val="CEE7FA"/>
+              </a:gs>
+              <a:gs pos="100000">
+                <a:schemeClr val="accent4">
+                  <a:lumMod val="105000"/>
+                  <a:satMod val="109000"/>
+                  <a:tint val="81000"/>
+                </a:schemeClr>
+              </a:gs>
+            </a:gsLst>
+          </a:gradFill>
+          <a:ln>
+            <a:solidFill>
+              <a:srgbClr val="002060"/>
+            </a:solidFill>
+          </a:ln>
+        </p:spPr>
+        <p:style>
+          <a:lnRef idx="1">
+            <a:schemeClr val="accent4"/>
+          </a:lnRef>
+          <a:fillRef idx="2">
+            <a:schemeClr val="accent4"/>
+          </a:fillRef>
+          <a:effectRef idx="1">
+            <a:schemeClr val="accent4"/>
+          </a:effectRef>
+          <a:fontRef idx="minor">
+            <a:schemeClr val="dk1"/>
+          </a:fontRef>
+        </p:style>
+        <p:txBody>
+          <a:bodyPr rtlCol="0" anchor="ctr"/>
+          <a:lstStyle/>
+          <a:p>
+            <a:endParaRPr lang="de-DE" sz="1100" b="1">
+              <a:solidFill>
+                <a:schemeClr val="dk1"/>
+              </a:solidFill>
+            </a:endParaRPr>
+          </a:p>
+        </p:txBody>
+      </p:sp>
+      <p:cxnSp>
+        <p:nvCxnSpPr>
+          <p:cNvPr id="38" name="Gerader Verbinder 37">
+            <a:extLst>
+              <a:ext uri="{FF2B5EF4-FFF2-40B4-BE49-F238E27FC236}">
+                <a16:creationId xmlns:a16="http://schemas.microsoft.com/office/drawing/2014/main" id="{83519430-F855-5C9B-A82E-9E2DA8FF57A0}"/>
+              </a:ext>
+            </a:extLst>
+          </p:cNvPr>
+          <p:cNvCxnSpPr/>
+          <p:nvPr/>
+        </p:nvCxnSpPr>
+        <p:spPr>
+          <a:xfrm flipV="1">
+            <a:off x="2421381" y="1511871"/>
+            <a:ext cx="0" cy="542439"/>
+          </a:xfrm>
+          <a:prstGeom prst="line">
+            <a:avLst/>
+          </a:prstGeom>
+        </p:spPr>
+        <p:style>
+          <a:lnRef idx="2">
+            <a:schemeClr val="accent1"/>
+          </a:lnRef>
+          <a:fillRef idx="0">
+            <a:schemeClr val="accent1"/>
+          </a:fillRef>
+          <a:effectRef idx="1">
+            <a:schemeClr val="accent1"/>
+          </a:effectRef>
+          <a:fontRef idx="minor">
+            <a:schemeClr val="tx1"/>
+          </a:fontRef>
+        </p:style>
+      </p:cxnSp>
+      <p:sp>
+        <p:nvSpPr>
+          <p:cNvPr id="4" name="Rechteck 3">
+            <a:extLst>
+              <a:ext uri="{FF2B5EF4-FFF2-40B4-BE49-F238E27FC236}">
+                <a16:creationId xmlns:a16="http://schemas.microsoft.com/office/drawing/2014/main" id="{722AADAF-B348-DDE7-2B81-A2937211B2D8}"/>
+              </a:ext>
+            </a:extLst>
+          </p:cNvPr>
+          <p:cNvSpPr/>
+          <p:nvPr/>
+        </p:nvSpPr>
+        <p:spPr>
+          <a:xfrm>
+            <a:off x="84506" y="126721"/>
+            <a:ext cx="10519993" cy="327048"/>
+          </a:xfrm>
+          <a:prstGeom prst="rect">
+            <a:avLst/>
+          </a:prstGeom>
+          <a:ln w="9525"/>
+        </p:spPr>
+        <p:style>
+          <a:lnRef idx="2">
+            <a:schemeClr val="accent1">
+              <a:shade val="15000"/>
+            </a:schemeClr>
+          </a:lnRef>
+          <a:fillRef idx="1">
+            <a:schemeClr val="accent1"/>
+          </a:fillRef>
+          <a:effectRef idx="0">
+            <a:schemeClr val="accent1"/>
+          </a:effectRef>
+          <a:fontRef idx="minor">
+            <a:schemeClr val="lt1"/>
+          </a:fontRef>
+        </p:style>
+        <p:txBody>
+          <a:bodyPr rtlCol="0" anchor="ctr"/>
+          <a:lstStyle/>
+          <a:p>
+            <a:pPr algn="ctr"/>
+            <a:r>
+              <a:rPr lang="de-DE"/>
+              <a:t>Metadata table ordering and CC update order</a:t>
+            </a:r>
+          </a:p>
+        </p:txBody>
+      </p:sp>
+      <p:sp>
+        <p:nvSpPr>
+          <p:cNvPr id="2" name="Rechteck 1">
+            <a:extLst>
+              <a:ext uri="{FF2B5EF4-FFF2-40B4-BE49-F238E27FC236}">
+                <a16:creationId xmlns:a16="http://schemas.microsoft.com/office/drawing/2014/main" id="{BF08142C-FAD9-EC88-5DFA-F972D8284F0C}"/>
+              </a:ext>
+            </a:extLst>
+          </p:cNvPr>
+          <p:cNvSpPr/>
+          <p:nvPr/>
+        </p:nvSpPr>
+        <p:spPr>
+          <a:xfrm>
+            <a:off x="203200" y="734836"/>
+            <a:ext cx="8908026" cy="226142"/>
+          </a:xfrm>
+          <a:prstGeom prst="rect">
+            <a:avLst/>
+          </a:prstGeom>
+          <a:gradFill>
+            <a:gsLst>
+              <a:gs pos="26000">
+                <a:srgbClr val="DDEEFB"/>
+              </a:gs>
+              <a:gs pos="79000">
+                <a:srgbClr val="CEE7FA"/>
+              </a:gs>
+              <a:gs pos="100000">
+                <a:schemeClr val="accent4">
+                  <a:lumMod val="105000"/>
+                  <a:satMod val="109000"/>
+                  <a:tint val="81000"/>
+                </a:schemeClr>
+              </a:gs>
+            </a:gsLst>
+          </a:gradFill>
+          <a:ln>
+            <a:solidFill>
+              <a:srgbClr val="002060"/>
+            </a:solidFill>
+          </a:ln>
+        </p:spPr>
+        <p:style>
+          <a:lnRef idx="1">
+            <a:schemeClr val="accent4"/>
+          </a:lnRef>
+          <a:fillRef idx="2">
+            <a:schemeClr val="accent4"/>
+          </a:fillRef>
+          <a:effectRef idx="1">
+            <a:schemeClr val="accent4"/>
+          </a:effectRef>
+          <a:fontRef idx="minor">
+            <a:schemeClr val="dk1"/>
+          </a:fontRef>
+        </p:style>
+        <p:txBody>
+          <a:bodyPr rtlCol="0" anchor="ctr"/>
+          <a:lstStyle/>
+          <a:p>
+            <a:pPr algn="ctr"/>
+            <a:r>
+              <a:rPr lang="de-DE" sz="1200" b="1">
+                <a:solidFill>
+                  <a:schemeClr val="accent4">
+                    <a:lumMod val="50000"/>
+                  </a:schemeClr>
+                </a:solidFill>
+              </a:rPr>
+              <a:t>slidingWindow process</a:t>
+            </a:r>
+          </a:p>
+        </p:txBody>
+      </p:sp>
+      <p:sp>
+        <p:nvSpPr>
+          <p:cNvPr id="3" name="Textfeld 2">
+            <a:extLst>
+              <a:ext uri="{FF2B5EF4-FFF2-40B4-BE49-F238E27FC236}">
+                <a16:creationId xmlns:a16="http://schemas.microsoft.com/office/drawing/2014/main" id="{3F9FD24F-C356-8A35-AB70-1A6D9723631F}"/>
+              </a:ext>
+            </a:extLst>
+          </p:cNvPr>
+          <p:cNvSpPr txBox="1"/>
+          <p:nvPr/>
+        </p:nvSpPr>
+        <p:spPr>
+          <a:xfrm>
+            <a:off x="203200" y="3650642"/>
+            <a:ext cx="9055919" cy="226142"/>
+          </a:xfrm>
+          <a:prstGeom prst="rect">
+            <a:avLst/>
+          </a:prstGeom>
+          <a:gradFill>
+            <a:gsLst>
+              <a:gs pos="26000">
+                <a:srgbClr val="E4CFF3"/>
+              </a:gs>
+              <a:gs pos="89000">
+                <a:srgbClr val="CAC2EC"/>
+              </a:gs>
+              <a:gs pos="100000">
+                <a:srgbClr val="A99CE0"/>
+              </a:gs>
+            </a:gsLst>
+          </a:gradFill>
+          <a:ln>
+            <a:solidFill>
+              <a:srgbClr val="002060"/>
+            </a:solidFill>
+          </a:ln>
+        </p:spPr>
+        <p:style>
+          <a:lnRef idx="1">
+            <a:schemeClr val="accent4"/>
+          </a:lnRef>
+          <a:fillRef idx="2">
+            <a:schemeClr val="accent4"/>
+          </a:fillRef>
+          <a:effectRef idx="1">
+            <a:schemeClr val="accent4"/>
+          </a:effectRef>
+          <a:fontRef idx="minor">
+            <a:schemeClr val="dk1"/>
+          </a:fontRef>
+        </p:style>
+        <p:txBody>
+          <a:bodyPr rtlCol="0" anchor="ctr"/>
+          <a:lstStyle>
+            <a:defPPr>
+              <a:defRPr lang="de-DE"/>
+            </a:defPPr>
+            <a:lvl1pPr algn="ctr">
+              <a:defRPr>
+                <a:solidFill>
+                  <a:schemeClr val="dk1"/>
+                </a:solidFill>
+              </a:defRPr>
+            </a:lvl1pPr>
+            <a:lvl2pPr>
+              <a:defRPr>
+                <a:solidFill>
+                  <a:schemeClr val="dk1"/>
+                </a:solidFill>
+              </a:defRPr>
+            </a:lvl2pPr>
+            <a:lvl3pPr>
+              <a:defRPr>
+                <a:solidFill>
+                  <a:schemeClr val="dk1"/>
+                </a:solidFill>
+              </a:defRPr>
+            </a:lvl3pPr>
+            <a:lvl4pPr>
+              <a:defRPr>
+                <a:solidFill>
+                  <a:schemeClr val="dk1"/>
+                </a:solidFill>
+              </a:defRPr>
+            </a:lvl4pPr>
+            <a:lvl5pPr>
+              <a:defRPr>
+                <a:solidFill>
+                  <a:schemeClr val="dk1"/>
+                </a:solidFill>
+              </a:defRPr>
+            </a:lvl5pPr>
+            <a:lvl6pPr>
+              <a:defRPr>
+                <a:solidFill>
+                  <a:schemeClr val="dk1"/>
+                </a:solidFill>
+              </a:defRPr>
+            </a:lvl6pPr>
+            <a:lvl7pPr>
+              <a:defRPr>
+                <a:solidFill>
+                  <a:schemeClr val="dk1"/>
+                </a:solidFill>
+              </a:defRPr>
+            </a:lvl7pPr>
+            <a:lvl8pPr>
+              <a:defRPr>
+                <a:solidFill>
+                  <a:schemeClr val="dk1"/>
+                </a:solidFill>
+              </a:defRPr>
+            </a:lvl8pPr>
+            <a:lvl9pPr>
+              <a:defRPr>
+                <a:solidFill>
+                  <a:schemeClr val="dk1"/>
+                </a:solidFill>
+              </a:defRPr>
+            </a:lvl9pPr>
+          </a:lstStyle>
+          <a:p>
+            <a:r>
+              <a:rPr lang="de-DE" sz="1200" b="1">
+                <a:solidFill>
+                  <a:schemeClr val="accent5">
+                    <a:lumMod val="50000"/>
+                  </a:schemeClr>
+                </a:solidFill>
+              </a:rPr>
+              <a:t>qualityMeasurement process</a:t>
+            </a:r>
+            <a:endParaRPr lang="de-DE" sz="1200">
+              <a:solidFill>
+                <a:schemeClr val="accent5">
+                  <a:lumMod val="50000"/>
+                </a:schemeClr>
+              </a:solidFill>
+            </a:endParaRPr>
+          </a:p>
+        </p:txBody>
+      </p:sp>
+      <p:cxnSp>
+        <p:nvCxnSpPr>
+          <p:cNvPr id="12" name="Gerader Verbinder 11">
+            <a:extLst>
+              <a:ext uri="{FF2B5EF4-FFF2-40B4-BE49-F238E27FC236}">
+                <a16:creationId xmlns:a16="http://schemas.microsoft.com/office/drawing/2014/main" id="{7FB22F78-46F4-CE40-AFB5-813500156135}"/>
+              </a:ext>
+            </a:extLst>
+          </p:cNvPr>
+          <p:cNvCxnSpPr/>
+          <p:nvPr/>
+        </p:nvCxnSpPr>
+        <p:spPr>
+          <a:xfrm flipV="1">
+            <a:off x="758313" y="1560871"/>
+            <a:ext cx="0" cy="542439"/>
+          </a:xfrm>
+          <a:prstGeom prst="line">
+            <a:avLst/>
+          </a:prstGeom>
+        </p:spPr>
+        <p:style>
+          <a:lnRef idx="2">
+            <a:schemeClr val="accent1"/>
+          </a:lnRef>
+          <a:fillRef idx="0">
+            <a:schemeClr val="accent1"/>
+          </a:fillRef>
+          <a:effectRef idx="1">
+            <a:schemeClr val="accent1"/>
+          </a:effectRef>
+          <a:fontRef idx="minor">
+            <a:schemeClr val="tx1"/>
+          </a:fontRef>
+        </p:style>
+      </p:cxnSp>
+      <p:sp>
+        <p:nvSpPr>
+          <p:cNvPr id="13" name="Textfeld 12">
+            <a:extLst>
+              <a:ext uri="{FF2B5EF4-FFF2-40B4-BE49-F238E27FC236}">
+                <a16:creationId xmlns:a16="http://schemas.microsoft.com/office/drawing/2014/main" id="{9FB39D4D-0B60-CAEF-B00B-9B9460DA5626}"/>
+              </a:ext>
+            </a:extLst>
+          </p:cNvPr>
+          <p:cNvSpPr txBox="1"/>
+          <p:nvPr/>
+        </p:nvSpPr>
+        <p:spPr>
+          <a:xfrm>
+            <a:off x="89804" y="1125079"/>
+            <a:ext cx="996334" cy="461665"/>
+          </a:xfrm>
+          <a:prstGeom prst="rect">
+            <a:avLst/>
+          </a:prstGeom>
+          <a:noFill/>
+        </p:spPr>
+        <p:txBody>
+          <a:bodyPr wrap="square" rtlCol="0">
+            <a:spAutoFit/>
+          </a:bodyPr>
+          <a:lstStyle/>
+          <a:p>
+            <a:pPr algn="r"/>
+            <a:r>
+              <a:rPr lang="de-DE" sz="1200">
+                <a:solidFill>
+                  <a:schemeClr val="accent4">
+                    <a:lumMod val="50000"/>
+                  </a:schemeClr>
+                </a:solidFill>
+              </a:rPr>
+              <a:t>select A for update</a:t>
+            </a:r>
+          </a:p>
+        </p:txBody>
+      </p:sp>
+      <p:cxnSp>
+        <p:nvCxnSpPr>
+          <p:cNvPr id="14" name="Gerader Verbinder 13">
+            <a:extLst>
+              <a:ext uri="{FF2B5EF4-FFF2-40B4-BE49-F238E27FC236}">
+                <a16:creationId xmlns:a16="http://schemas.microsoft.com/office/drawing/2014/main" id="{7D7F2FFE-3A94-B2F2-9E02-732EF7A78F9B}"/>
+              </a:ext>
+            </a:extLst>
+          </p:cNvPr>
+          <p:cNvCxnSpPr>
+            <a:cxnSpLocks/>
+          </p:cNvCxnSpPr>
+          <p:nvPr/>
+        </p:nvCxnSpPr>
+        <p:spPr>
+          <a:xfrm>
+            <a:off x="758313" y="1977838"/>
+            <a:ext cx="0" cy="125472"/>
+          </a:xfrm>
+          <a:prstGeom prst="line">
+            <a:avLst/>
+          </a:prstGeom>
+        </p:spPr>
+        <p:style>
+          <a:lnRef idx="2">
+            <a:schemeClr val="accent1"/>
+          </a:lnRef>
+          <a:fillRef idx="0">
+            <a:schemeClr val="accent1"/>
+          </a:fillRef>
+          <a:effectRef idx="1">
+            <a:schemeClr val="accent1"/>
+          </a:effectRef>
+          <a:fontRef idx="minor">
+            <a:schemeClr val="tx1"/>
+          </a:fontRef>
+        </p:style>
+      </p:cxnSp>
+      <p:sp>
+        <p:nvSpPr>
+          <p:cNvPr id="15" name="Textfeld 14">
+            <a:extLst>
+              <a:ext uri="{FF2B5EF4-FFF2-40B4-BE49-F238E27FC236}">
+                <a16:creationId xmlns:a16="http://schemas.microsoft.com/office/drawing/2014/main" id="{4383C3E2-BBB1-E6C6-46B7-22C85C4CC2F5}"/>
+              </a:ext>
+            </a:extLst>
+          </p:cNvPr>
+          <p:cNvSpPr txBox="1"/>
+          <p:nvPr/>
+        </p:nvSpPr>
+        <p:spPr>
+          <a:xfrm>
+            <a:off x="84506" y="3236179"/>
+            <a:ext cx="996334" cy="276999"/>
+          </a:xfrm>
+          <a:prstGeom prst="rect">
+            <a:avLst/>
+          </a:prstGeom>
+          <a:noFill/>
+        </p:spPr>
+        <p:txBody>
+          <a:bodyPr wrap="square" rtlCol="0">
+            <a:spAutoFit/>
+          </a:bodyPr>
+          <a:lstStyle/>
+          <a:p>
+            <a:pPr algn="r"/>
+            <a:r>
+              <a:rPr lang="de-DE" sz="1200">
+                <a:solidFill>
+                  <a:schemeClr val="accent5">
+                    <a:lumMod val="75000"/>
+                  </a:schemeClr>
+                </a:solidFill>
+              </a:rPr>
+              <a:t>select C</a:t>
+            </a:r>
+          </a:p>
+        </p:txBody>
+      </p:sp>
+      <p:cxnSp>
+        <p:nvCxnSpPr>
+          <p:cNvPr id="16" name="Gerader Verbinder 15">
+            <a:extLst>
+              <a:ext uri="{FF2B5EF4-FFF2-40B4-BE49-F238E27FC236}">
+                <a16:creationId xmlns:a16="http://schemas.microsoft.com/office/drawing/2014/main" id="{4EB74AE1-1C8E-EF78-3F43-9BD9318CD2D6}"/>
+              </a:ext>
+            </a:extLst>
+          </p:cNvPr>
+          <p:cNvCxnSpPr/>
+          <p:nvPr/>
+        </p:nvCxnSpPr>
+        <p:spPr>
+          <a:xfrm flipV="1">
+            <a:off x="1343333" y="1560870"/>
+            <a:ext cx="0" cy="542439"/>
+          </a:xfrm>
+          <a:prstGeom prst="line">
+            <a:avLst/>
+          </a:prstGeom>
+        </p:spPr>
+        <p:style>
+          <a:lnRef idx="2">
+            <a:schemeClr val="accent1"/>
+          </a:lnRef>
+          <a:fillRef idx="0">
+            <a:schemeClr val="accent1"/>
+          </a:fillRef>
+          <a:effectRef idx="1">
+            <a:schemeClr val="accent1"/>
+          </a:effectRef>
+          <a:fontRef idx="minor">
+            <a:schemeClr val="tx1"/>
+          </a:fontRef>
+        </p:style>
+      </p:cxnSp>
+      <p:sp>
+        <p:nvSpPr>
+          <p:cNvPr id="17" name="Textfeld 16">
+            <a:extLst>
+              <a:ext uri="{FF2B5EF4-FFF2-40B4-BE49-F238E27FC236}">
+                <a16:creationId xmlns:a16="http://schemas.microsoft.com/office/drawing/2014/main" id="{F75C9D51-DA48-6BBB-0A50-458441DD9AEE}"/>
+              </a:ext>
+            </a:extLst>
+          </p:cNvPr>
+          <p:cNvSpPr txBox="1"/>
+          <p:nvPr/>
+        </p:nvSpPr>
+        <p:spPr>
+          <a:xfrm>
+            <a:off x="1066083" y="1229263"/>
+            <a:ext cx="821708" cy="276999"/>
+          </a:xfrm>
+          <a:prstGeom prst="rect">
+            <a:avLst/>
+          </a:prstGeom>
+          <a:noFill/>
+        </p:spPr>
+        <p:txBody>
+          <a:bodyPr wrap="square" rtlCol="0">
+            <a:spAutoFit/>
+          </a:bodyPr>
+          <a:lstStyle/>
+          <a:p>
+            <a:r>
+              <a:rPr lang="de-DE" sz="1200">
+                <a:solidFill>
+                  <a:schemeClr val="accent4">
+                    <a:lumMod val="50000"/>
+                  </a:schemeClr>
+                </a:solidFill>
+              </a:rPr>
+              <a:t>select B</a:t>
+            </a:r>
+          </a:p>
+        </p:txBody>
+      </p:sp>
+      <p:cxnSp>
+        <p:nvCxnSpPr>
+          <p:cNvPr id="36" name="Gerader Verbinder 35">
+            <a:extLst>
+              <a:ext uri="{FF2B5EF4-FFF2-40B4-BE49-F238E27FC236}">
+                <a16:creationId xmlns:a16="http://schemas.microsoft.com/office/drawing/2014/main" id="{A199B4CA-36D6-1F44-1ACD-517EF266F81B}"/>
+              </a:ext>
+            </a:extLst>
+          </p:cNvPr>
+          <p:cNvCxnSpPr>
+            <a:cxnSpLocks/>
+          </p:cNvCxnSpPr>
+          <p:nvPr/>
+        </p:nvCxnSpPr>
+        <p:spPr>
+          <a:xfrm>
+            <a:off x="788380" y="2697050"/>
+            <a:ext cx="0" cy="577971"/>
+          </a:xfrm>
+          <a:prstGeom prst="line">
+            <a:avLst/>
+          </a:prstGeom>
+          <a:ln>
+            <a:solidFill>
+              <a:schemeClr val="accent5">
+                <a:lumMod val="50000"/>
+              </a:schemeClr>
+            </a:solidFill>
+          </a:ln>
+        </p:spPr>
+        <p:style>
+          <a:lnRef idx="2">
+            <a:schemeClr val="accent1"/>
+          </a:lnRef>
+          <a:fillRef idx="0">
+            <a:schemeClr val="accent1"/>
+          </a:fillRef>
+          <a:effectRef idx="1">
+            <a:schemeClr val="accent1"/>
+          </a:effectRef>
+          <a:fontRef idx="minor">
+            <a:schemeClr val="tx1"/>
+          </a:fontRef>
+        </p:style>
+      </p:cxnSp>
+      <p:sp>
+        <p:nvSpPr>
+          <p:cNvPr id="39" name="Textfeld 38">
+            <a:extLst>
+              <a:ext uri="{FF2B5EF4-FFF2-40B4-BE49-F238E27FC236}">
+                <a16:creationId xmlns:a16="http://schemas.microsoft.com/office/drawing/2014/main" id="{235CC739-3289-6AAF-E213-B7B32074A214}"/>
+              </a:ext>
+            </a:extLst>
+          </p:cNvPr>
+          <p:cNvSpPr txBox="1"/>
+          <p:nvPr/>
+        </p:nvSpPr>
+        <p:spPr>
+          <a:xfrm>
+            <a:off x="2062737" y="1232018"/>
+            <a:ext cx="735547" cy="276999"/>
+          </a:xfrm>
+          <a:prstGeom prst="rect">
+            <a:avLst/>
+          </a:prstGeom>
+          <a:noFill/>
+        </p:spPr>
+        <p:txBody>
+          <a:bodyPr wrap="square" rtlCol="0">
+            <a:spAutoFit/>
+          </a:bodyPr>
+          <a:lstStyle/>
+          <a:p>
+            <a:r>
+              <a:rPr lang="de-DE" sz="1200">
+                <a:solidFill>
+                  <a:schemeClr val="accent4">
+                    <a:lumMod val="50000"/>
+                  </a:schemeClr>
+                </a:solidFill>
+              </a:rPr>
+              <a:t>select D</a:t>
+            </a:r>
+          </a:p>
+        </p:txBody>
+      </p:sp>
+      <p:sp>
+        <p:nvSpPr>
+          <p:cNvPr id="40" name="Textfeld 39">
+            <a:extLst>
+              <a:ext uri="{FF2B5EF4-FFF2-40B4-BE49-F238E27FC236}">
+                <a16:creationId xmlns:a16="http://schemas.microsoft.com/office/drawing/2014/main" id="{60B50C5B-4085-97BC-7D32-706E000A3307}"/>
+              </a:ext>
+            </a:extLst>
+          </p:cNvPr>
+          <p:cNvSpPr txBox="1"/>
+          <p:nvPr/>
+        </p:nvSpPr>
+        <p:spPr>
+          <a:xfrm>
+            <a:off x="2711383" y="3235172"/>
+            <a:ext cx="996334" cy="276999"/>
+          </a:xfrm>
+          <a:prstGeom prst="rect">
+            <a:avLst/>
+          </a:prstGeom>
+          <a:noFill/>
+        </p:spPr>
+        <p:txBody>
+          <a:bodyPr wrap="square" rtlCol="0">
+            <a:spAutoFit/>
+          </a:bodyPr>
+          <a:lstStyle/>
+          <a:p>
+            <a:pPr algn="r"/>
+            <a:r>
+              <a:rPr lang="de-DE" sz="1200">
+                <a:solidFill>
+                  <a:schemeClr val="accent5">
+                    <a:lumMod val="75000"/>
+                  </a:schemeClr>
+                </a:solidFill>
+              </a:rPr>
+              <a:t>select E</a:t>
+            </a:r>
+          </a:p>
+        </p:txBody>
+      </p:sp>
+      <p:cxnSp>
+        <p:nvCxnSpPr>
+          <p:cNvPr id="41" name="Gerader Verbinder 40">
+            <a:extLst>
+              <a:ext uri="{FF2B5EF4-FFF2-40B4-BE49-F238E27FC236}">
+                <a16:creationId xmlns:a16="http://schemas.microsoft.com/office/drawing/2014/main" id="{103A179E-FCD5-09F8-EB89-D0D9269AF96B}"/>
+              </a:ext>
+            </a:extLst>
+          </p:cNvPr>
+          <p:cNvCxnSpPr/>
+          <p:nvPr/>
+        </p:nvCxnSpPr>
+        <p:spPr>
+          <a:xfrm>
+            <a:off x="3393544" y="2657201"/>
+            <a:ext cx="0" cy="577971"/>
+          </a:xfrm>
+          <a:prstGeom prst="line">
+            <a:avLst/>
+          </a:prstGeom>
+          <a:ln>
+            <a:solidFill>
+              <a:schemeClr val="accent5">
+                <a:lumMod val="50000"/>
+              </a:schemeClr>
+            </a:solidFill>
+          </a:ln>
+        </p:spPr>
+        <p:style>
+          <a:lnRef idx="2">
+            <a:schemeClr val="accent1"/>
+          </a:lnRef>
+          <a:fillRef idx="0">
+            <a:schemeClr val="accent1"/>
+          </a:fillRef>
+          <a:effectRef idx="1">
+            <a:schemeClr val="accent1"/>
+          </a:effectRef>
+          <a:fontRef idx="minor">
+            <a:schemeClr val="tx1"/>
+          </a:fontRef>
+        </p:style>
+      </p:cxnSp>
+      <p:cxnSp>
+        <p:nvCxnSpPr>
+          <p:cNvPr id="43" name="Gerader Verbinder 42">
+            <a:extLst>
+              <a:ext uri="{FF2B5EF4-FFF2-40B4-BE49-F238E27FC236}">
+                <a16:creationId xmlns:a16="http://schemas.microsoft.com/office/drawing/2014/main" id="{FA6200CA-02EA-CD57-BFCA-5AAFC7CF5C17}"/>
+              </a:ext>
+            </a:extLst>
+          </p:cNvPr>
+          <p:cNvCxnSpPr/>
+          <p:nvPr/>
+        </p:nvCxnSpPr>
+        <p:spPr>
+          <a:xfrm flipV="1">
+            <a:off x="4380581" y="1511871"/>
+            <a:ext cx="0" cy="542439"/>
+          </a:xfrm>
+          <a:prstGeom prst="line">
+            <a:avLst/>
+          </a:prstGeom>
+        </p:spPr>
+        <p:style>
+          <a:lnRef idx="2">
+            <a:schemeClr val="accent1"/>
+          </a:lnRef>
+          <a:fillRef idx="0">
+            <a:schemeClr val="accent1"/>
+          </a:fillRef>
+          <a:effectRef idx="1">
+            <a:schemeClr val="accent1"/>
+          </a:effectRef>
+          <a:fontRef idx="minor">
+            <a:schemeClr val="tx1"/>
+          </a:fontRef>
+        </p:style>
+      </p:cxnSp>
+      <p:sp>
+        <p:nvSpPr>
+          <p:cNvPr id="44" name="Textfeld 43">
+            <a:extLst>
+              <a:ext uri="{FF2B5EF4-FFF2-40B4-BE49-F238E27FC236}">
+                <a16:creationId xmlns:a16="http://schemas.microsoft.com/office/drawing/2014/main" id="{57144B60-686B-A83F-4A04-A3E15D5E5590}"/>
+              </a:ext>
+            </a:extLst>
+          </p:cNvPr>
+          <p:cNvSpPr txBox="1"/>
+          <p:nvPr/>
+        </p:nvSpPr>
+        <p:spPr>
+          <a:xfrm>
+            <a:off x="3575069" y="1233561"/>
+            <a:ext cx="996334" cy="276999"/>
+          </a:xfrm>
+          <a:prstGeom prst="rect">
+            <a:avLst/>
+          </a:prstGeom>
+          <a:noFill/>
+        </p:spPr>
+        <p:txBody>
+          <a:bodyPr wrap="square" rtlCol="0">
+            <a:spAutoFit/>
+          </a:bodyPr>
+          <a:lstStyle/>
+          <a:p>
+            <a:pPr algn="r"/>
+            <a:r>
+              <a:rPr lang="de-DE" sz="1200">
+                <a:solidFill>
+                  <a:schemeClr val="accent4">
+                    <a:lumMod val="50000"/>
+                  </a:schemeClr>
+                </a:solidFill>
+              </a:rPr>
+              <a:t>select F</a:t>
+            </a:r>
+          </a:p>
+        </p:txBody>
+      </p:sp>
+      <p:sp>
+        <p:nvSpPr>
+          <p:cNvPr id="33" name="Rechteck 32">
+            <a:extLst>
+              <a:ext uri="{FF2B5EF4-FFF2-40B4-BE49-F238E27FC236}">
+                <a16:creationId xmlns:a16="http://schemas.microsoft.com/office/drawing/2014/main" id="{7B836B62-EC51-A5F6-FFCC-DC35585AD6D7}"/>
+              </a:ext>
+            </a:extLst>
+          </p:cNvPr>
+          <p:cNvSpPr/>
+          <p:nvPr/>
+        </p:nvSpPr>
+        <p:spPr>
+          <a:xfrm>
+            <a:off x="2145090" y="2030443"/>
+            <a:ext cx="596972" cy="639514"/>
+          </a:xfrm>
+          <a:prstGeom prst="rect">
+            <a:avLst/>
+          </a:prstGeom>
+          <a:solidFill>
+            <a:schemeClr val="tx1">
+              <a:lumMod val="65000"/>
+              <a:lumOff val="35000"/>
+            </a:schemeClr>
+          </a:solidFill>
+          <a:ln w="9525">
+            <a:solidFill>
+              <a:schemeClr val="tx1">
+                <a:lumMod val="85000"/>
+                <a:lumOff val="15000"/>
+              </a:schemeClr>
+            </a:solidFill>
+          </a:ln>
+        </p:spPr>
+        <p:style>
+          <a:lnRef idx="2">
+            <a:schemeClr val="accent1">
+              <a:shade val="15000"/>
+            </a:schemeClr>
+          </a:lnRef>
+          <a:fillRef idx="1">
+            <a:schemeClr val="accent1"/>
+          </a:fillRef>
+          <a:effectRef idx="0">
+            <a:schemeClr val="accent1"/>
+          </a:effectRef>
+          <a:fontRef idx="minor">
+            <a:schemeClr val="lt1"/>
+          </a:fontRef>
+        </p:style>
+        <p:txBody>
+          <a:bodyPr rtlCol="0" anchor="ctr"/>
+          <a:lstStyle/>
+          <a:p>
+            <a:pPr algn="ctr"/>
+            <a:r>
+              <a:rPr lang="de-DE" sz="1000" i="1">
+                <a:solidFill>
+                  <a:schemeClr val="accent6">
+                    <a:lumMod val="40000"/>
+                    <a:lumOff val="60000"/>
+                  </a:schemeClr>
+                </a:solidFill>
+              </a:rPr>
+              <a:t>A done, move to end</a:t>
+            </a:r>
+          </a:p>
+        </p:txBody>
+      </p:sp>
+      <p:sp>
+        <p:nvSpPr>
+          <p:cNvPr id="62" name="Rechteck 61">
+            <a:extLst>
+              <a:ext uri="{FF2B5EF4-FFF2-40B4-BE49-F238E27FC236}">
+                <a16:creationId xmlns:a16="http://schemas.microsoft.com/office/drawing/2014/main" id="{A64ACF18-9D41-7397-1AD3-08AAF8112AC7}"/>
+              </a:ext>
+            </a:extLst>
+          </p:cNvPr>
+          <p:cNvSpPr/>
+          <p:nvPr/>
+        </p:nvSpPr>
+        <p:spPr>
+          <a:xfrm>
+            <a:off x="3038795" y="2035416"/>
+            <a:ext cx="662514" cy="639514"/>
+          </a:xfrm>
+          <a:prstGeom prst="rect">
+            <a:avLst/>
+          </a:prstGeom>
+          <a:solidFill>
+            <a:schemeClr val="tx1">
+              <a:lumMod val="65000"/>
+              <a:lumOff val="35000"/>
+            </a:schemeClr>
+          </a:solidFill>
+          <a:ln w="9525">
+            <a:solidFill>
+              <a:schemeClr val="tx1">
+                <a:lumMod val="85000"/>
+                <a:lumOff val="15000"/>
+              </a:schemeClr>
+            </a:solidFill>
+          </a:ln>
+        </p:spPr>
+        <p:style>
+          <a:lnRef idx="2">
+            <a:schemeClr val="accent1">
+              <a:shade val="15000"/>
+            </a:schemeClr>
+          </a:lnRef>
+          <a:fillRef idx="1">
+            <a:schemeClr val="accent1"/>
+          </a:fillRef>
+          <a:effectRef idx="0">
+            <a:schemeClr val="accent1"/>
+          </a:effectRef>
+          <a:fontRef idx="minor">
+            <a:schemeClr val="lt1"/>
+          </a:fontRef>
+        </p:style>
+        <p:txBody>
+          <a:bodyPr rtlCol="0" anchor="ctr"/>
+          <a:lstStyle/>
+          <a:p>
+            <a:pPr algn="ctr"/>
+            <a:r>
+              <a:rPr lang="de-DE" sz="1000" i="1">
+                <a:solidFill>
+                  <a:schemeClr val="accent6">
+                    <a:lumMod val="40000"/>
+                    <a:lumOff val="60000"/>
+                  </a:schemeClr>
+                </a:solidFill>
+              </a:rPr>
+              <a:t>C done, move to end</a:t>
+            </a:r>
+          </a:p>
+        </p:txBody>
+      </p:sp>
+      <p:sp>
+        <p:nvSpPr>
+          <p:cNvPr id="65" name="Rechteck 64">
+            <a:extLst>
+              <a:ext uri="{FF2B5EF4-FFF2-40B4-BE49-F238E27FC236}">
+                <a16:creationId xmlns:a16="http://schemas.microsoft.com/office/drawing/2014/main" id="{E248FDCF-73F1-C716-6183-C74EBFD28604}"/>
+              </a:ext>
+            </a:extLst>
+          </p:cNvPr>
+          <p:cNvSpPr/>
+          <p:nvPr/>
+        </p:nvSpPr>
+        <p:spPr>
+          <a:xfrm>
+            <a:off x="4007006" y="2038519"/>
+            <a:ext cx="662514" cy="639514"/>
+          </a:xfrm>
+          <a:prstGeom prst="rect">
+            <a:avLst/>
+          </a:prstGeom>
+          <a:solidFill>
+            <a:schemeClr val="tx1">
+              <a:lumMod val="65000"/>
+              <a:lumOff val="35000"/>
+            </a:schemeClr>
+          </a:solidFill>
+          <a:ln w="9525">
+            <a:solidFill>
+              <a:schemeClr val="tx1">
+                <a:lumMod val="85000"/>
+                <a:lumOff val="15000"/>
+              </a:schemeClr>
+            </a:solidFill>
+          </a:ln>
+        </p:spPr>
+        <p:style>
+          <a:lnRef idx="2">
+            <a:schemeClr val="accent1">
+              <a:shade val="15000"/>
+            </a:schemeClr>
+          </a:lnRef>
+          <a:fillRef idx="1">
+            <a:schemeClr val="accent1"/>
+          </a:fillRef>
+          <a:effectRef idx="0">
+            <a:schemeClr val="accent1"/>
+          </a:effectRef>
+          <a:fontRef idx="minor">
+            <a:schemeClr val="lt1"/>
+          </a:fontRef>
+        </p:style>
+        <p:txBody>
+          <a:bodyPr rtlCol="0" anchor="ctr"/>
+          <a:lstStyle/>
+          <a:p>
+            <a:pPr algn="ctr"/>
+            <a:r>
+              <a:rPr lang="de-DE" sz="1000" i="1">
+                <a:solidFill>
+                  <a:schemeClr val="accent6">
+                    <a:lumMod val="40000"/>
+                    <a:lumOff val="60000"/>
+                  </a:schemeClr>
+                </a:solidFill>
+              </a:rPr>
+              <a:t>D failed, move to end</a:t>
+            </a:r>
+          </a:p>
+        </p:txBody>
+      </p:sp>
+      <p:sp>
+        <p:nvSpPr>
+          <p:cNvPr id="66" name="Textfeld 65">
+            <a:extLst>
+              <a:ext uri="{FF2B5EF4-FFF2-40B4-BE49-F238E27FC236}">
+                <a16:creationId xmlns:a16="http://schemas.microsoft.com/office/drawing/2014/main" id="{FA7B890F-CAAC-8F6B-58EA-0D38BC6E9466}"/>
+              </a:ext>
+            </a:extLst>
+          </p:cNvPr>
+          <p:cNvSpPr txBox="1"/>
+          <p:nvPr/>
+        </p:nvSpPr>
+        <p:spPr>
+          <a:xfrm>
+            <a:off x="4606126" y="3235172"/>
+            <a:ext cx="996334" cy="276999"/>
+          </a:xfrm>
+          <a:prstGeom prst="rect">
+            <a:avLst/>
+          </a:prstGeom>
+          <a:noFill/>
+        </p:spPr>
+        <p:txBody>
+          <a:bodyPr wrap="square" rtlCol="0">
+            <a:spAutoFit/>
+          </a:bodyPr>
+          <a:lstStyle/>
+          <a:p>
+            <a:pPr algn="r"/>
+            <a:r>
+              <a:rPr lang="de-DE" sz="1200">
+                <a:solidFill>
+                  <a:schemeClr val="accent5">
+                    <a:lumMod val="75000"/>
+                  </a:schemeClr>
+                </a:solidFill>
+              </a:rPr>
+              <a:t>select G</a:t>
+            </a:r>
+          </a:p>
+        </p:txBody>
+      </p:sp>
+      <p:cxnSp>
+        <p:nvCxnSpPr>
+          <p:cNvPr id="67" name="Gerader Verbinder 66">
+            <a:extLst>
+              <a:ext uri="{FF2B5EF4-FFF2-40B4-BE49-F238E27FC236}">
+                <a16:creationId xmlns:a16="http://schemas.microsoft.com/office/drawing/2014/main" id="{C3E0D11C-2A82-CEF3-6EE1-0D10A9D97C42}"/>
+              </a:ext>
+            </a:extLst>
+          </p:cNvPr>
+          <p:cNvCxnSpPr/>
+          <p:nvPr/>
+        </p:nvCxnSpPr>
+        <p:spPr>
+          <a:xfrm>
+            <a:off x="5288287" y="2657201"/>
+            <a:ext cx="0" cy="577971"/>
+          </a:xfrm>
+          <a:prstGeom prst="line">
+            <a:avLst/>
+          </a:prstGeom>
+          <a:ln>
+            <a:solidFill>
+              <a:schemeClr val="accent5">
+                <a:lumMod val="50000"/>
+              </a:schemeClr>
+            </a:solidFill>
+          </a:ln>
+        </p:spPr>
+        <p:style>
+          <a:lnRef idx="2">
+            <a:schemeClr val="accent1"/>
+          </a:lnRef>
+          <a:fillRef idx="0">
+            <a:schemeClr val="accent1"/>
+          </a:fillRef>
+          <a:effectRef idx="1">
+            <a:schemeClr val="accent1"/>
+          </a:effectRef>
+          <a:fontRef idx="minor">
+            <a:schemeClr val="tx1"/>
+          </a:fontRef>
+        </p:style>
+      </p:cxnSp>
+      <p:sp>
+        <p:nvSpPr>
+          <p:cNvPr id="70" name="Rechteck 69">
+            <a:extLst>
+              <a:ext uri="{FF2B5EF4-FFF2-40B4-BE49-F238E27FC236}">
+                <a16:creationId xmlns:a16="http://schemas.microsoft.com/office/drawing/2014/main" id="{C051BDBD-FD97-1495-84BC-50542A608C5F}"/>
+              </a:ext>
+            </a:extLst>
+          </p:cNvPr>
+          <p:cNvSpPr/>
+          <p:nvPr/>
+        </p:nvSpPr>
+        <p:spPr>
+          <a:xfrm>
+            <a:off x="4933538" y="2022716"/>
+            <a:ext cx="662514" cy="639514"/>
+          </a:xfrm>
+          <a:prstGeom prst="rect">
+            <a:avLst/>
+          </a:prstGeom>
+          <a:solidFill>
+            <a:schemeClr val="tx1">
+              <a:lumMod val="65000"/>
+              <a:lumOff val="35000"/>
+            </a:schemeClr>
+          </a:solidFill>
+          <a:ln w="9525">
+            <a:solidFill>
+              <a:schemeClr val="tx1">
+                <a:lumMod val="85000"/>
+                <a:lumOff val="15000"/>
+              </a:schemeClr>
+            </a:solidFill>
+          </a:ln>
+        </p:spPr>
+        <p:style>
+          <a:lnRef idx="2">
+            <a:schemeClr val="accent1">
+              <a:shade val="15000"/>
+            </a:schemeClr>
+          </a:lnRef>
+          <a:fillRef idx="1">
+            <a:schemeClr val="accent1"/>
+          </a:fillRef>
+          <a:effectRef idx="0">
+            <a:schemeClr val="accent1"/>
+          </a:effectRef>
+          <a:fontRef idx="minor">
+            <a:schemeClr val="lt1"/>
+          </a:fontRef>
+        </p:style>
+        <p:txBody>
+          <a:bodyPr rtlCol="0" anchor="ctr"/>
+          <a:lstStyle/>
+          <a:p>
+            <a:pPr algn="ctr"/>
+            <a:r>
+              <a:rPr lang="de-DE" sz="1000" i="1">
+                <a:solidFill>
+                  <a:schemeClr val="accent6">
+                    <a:lumMod val="40000"/>
+                    <a:lumOff val="60000"/>
+                  </a:schemeClr>
+                </a:solidFill>
+              </a:rPr>
+              <a:t>E done, move to end</a:t>
+            </a:r>
+          </a:p>
+        </p:txBody>
+      </p:sp>
+      <p:sp>
+        <p:nvSpPr>
+          <p:cNvPr id="74" name="Rechteck 73">
+            <a:extLst>
+              <a:ext uri="{FF2B5EF4-FFF2-40B4-BE49-F238E27FC236}">
+                <a16:creationId xmlns:a16="http://schemas.microsoft.com/office/drawing/2014/main" id="{7918BD5D-F903-8116-26C4-ED2877D4D7E3}"/>
+              </a:ext>
+            </a:extLst>
+          </p:cNvPr>
+          <p:cNvSpPr/>
+          <p:nvPr/>
+        </p:nvSpPr>
+        <p:spPr>
+          <a:xfrm>
+            <a:off x="5838355" y="2022716"/>
+            <a:ext cx="662514" cy="639514"/>
+          </a:xfrm>
+          <a:prstGeom prst="rect">
+            <a:avLst/>
+          </a:prstGeom>
+          <a:solidFill>
+            <a:schemeClr val="tx1">
+              <a:lumMod val="65000"/>
+              <a:lumOff val="35000"/>
+            </a:schemeClr>
+          </a:solidFill>
+          <a:ln w="9525">
+            <a:solidFill>
+              <a:schemeClr val="tx1">
+                <a:lumMod val="85000"/>
+                <a:lumOff val="15000"/>
+              </a:schemeClr>
+            </a:solidFill>
+          </a:ln>
+        </p:spPr>
+        <p:style>
+          <a:lnRef idx="2">
+            <a:schemeClr val="accent1">
+              <a:shade val="15000"/>
+            </a:schemeClr>
+          </a:lnRef>
+          <a:fillRef idx="1">
+            <a:schemeClr val="accent1"/>
+          </a:fillRef>
+          <a:effectRef idx="0">
+            <a:schemeClr val="accent1"/>
+          </a:effectRef>
+          <a:fontRef idx="minor">
+            <a:schemeClr val="lt1"/>
+          </a:fontRef>
+        </p:style>
+        <p:txBody>
+          <a:bodyPr rtlCol="0" anchor="ctr"/>
+          <a:lstStyle/>
+          <a:p>
+            <a:pPr algn="ctr"/>
+            <a:r>
+              <a:rPr lang="de-DE" sz="1000" i="1">
+                <a:solidFill>
+                  <a:schemeClr val="accent6">
+                    <a:lumMod val="40000"/>
+                    <a:lumOff val="60000"/>
+                  </a:schemeClr>
+                </a:solidFill>
+              </a:rPr>
+              <a:t>G done, move to end</a:t>
+            </a:r>
+          </a:p>
+        </p:txBody>
+      </p:sp>
+      <p:sp>
+        <p:nvSpPr>
+          <p:cNvPr id="79" name="Rechteck 78">
+            <a:extLst>
+              <a:ext uri="{FF2B5EF4-FFF2-40B4-BE49-F238E27FC236}">
+                <a16:creationId xmlns:a16="http://schemas.microsoft.com/office/drawing/2014/main" id="{79172E93-D7E3-E0A7-FE1D-143F66E4099B}"/>
+              </a:ext>
+            </a:extLst>
+          </p:cNvPr>
+          <p:cNvSpPr/>
+          <p:nvPr/>
+        </p:nvSpPr>
+        <p:spPr>
+          <a:xfrm>
+            <a:off x="6667439" y="2022716"/>
+            <a:ext cx="662514" cy="639514"/>
+          </a:xfrm>
+          <a:prstGeom prst="rect">
+            <a:avLst/>
+          </a:prstGeom>
+          <a:solidFill>
+            <a:schemeClr val="tx1">
+              <a:lumMod val="65000"/>
+              <a:lumOff val="35000"/>
+            </a:schemeClr>
+          </a:solidFill>
+          <a:ln w="9525">
+            <a:solidFill>
+              <a:schemeClr val="tx1">
+                <a:lumMod val="85000"/>
+                <a:lumOff val="15000"/>
+              </a:schemeClr>
+            </a:solidFill>
+          </a:ln>
+        </p:spPr>
+        <p:style>
+          <a:lnRef idx="2">
+            <a:schemeClr val="accent1">
+              <a:shade val="15000"/>
+            </a:schemeClr>
+          </a:lnRef>
+          <a:fillRef idx="1">
+            <a:schemeClr val="accent1"/>
+          </a:fillRef>
+          <a:effectRef idx="0">
+            <a:schemeClr val="accent1"/>
+          </a:effectRef>
+          <a:fontRef idx="minor">
+            <a:schemeClr val="lt1"/>
+          </a:fontRef>
+        </p:style>
+        <p:txBody>
+          <a:bodyPr rtlCol="0" anchor="ctr"/>
+          <a:lstStyle/>
+          <a:p>
+            <a:pPr algn="ctr"/>
+            <a:r>
+              <a:rPr lang="de-DE" sz="1000" i="1">
+                <a:solidFill>
+                  <a:schemeClr val="accent6">
+                    <a:lumMod val="40000"/>
+                    <a:lumOff val="60000"/>
+                  </a:schemeClr>
+                </a:solidFill>
+              </a:rPr>
+              <a:t>B done, move to end</a:t>
+            </a:r>
+          </a:p>
+        </p:txBody>
+      </p:sp>
+      <p:sp>
+        <p:nvSpPr>
+          <p:cNvPr id="81" name="Textfeld 80">
+            <a:extLst>
+              <a:ext uri="{FF2B5EF4-FFF2-40B4-BE49-F238E27FC236}">
+                <a16:creationId xmlns:a16="http://schemas.microsoft.com/office/drawing/2014/main" id="{758DFAFD-A830-B491-F72D-C5B50BE94CCB}"/>
+              </a:ext>
+            </a:extLst>
+          </p:cNvPr>
+          <p:cNvSpPr txBox="1"/>
+          <p:nvPr/>
+        </p:nvSpPr>
+        <p:spPr>
+          <a:xfrm>
+            <a:off x="1045191" y="3997336"/>
+            <a:ext cx="478016" cy="1754326"/>
+          </a:xfrm>
+          <a:prstGeom prst="rect">
+            <a:avLst/>
+          </a:prstGeom>
+          <a:solidFill>
+            <a:schemeClr val="bg1"/>
+          </a:solidFill>
+          <a:ln>
+            <a:solidFill>
+              <a:schemeClr val="tx1">
+                <a:lumMod val="85000"/>
+                <a:lumOff val="15000"/>
+              </a:schemeClr>
+            </a:solidFill>
+          </a:ln>
+        </p:spPr>
+        <p:txBody>
+          <a:bodyPr wrap="none" rtlCol="0">
+            <a:spAutoFit/>
+          </a:bodyPr>
+          <a:lstStyle/>
+          <a:p>
+            <a:r>
+              <a:rPr lang="de-DE" sz="1200">
+                <a:solidFill>
+                  <a:srgbClr val="00B0F0"/>
+                </a:solidFill>
+              </a:rPr>
+              <a:t>A: S</a:t>
+            </a:r>
+          </a:p>
+          <a:p>
+            <a:r>
+              <a:rPr lang="de-DE" sz="1200">
+                <a:solidFill>
+                  <a:srgbClr val="00B0F0"/>
+                </a:solidFill>
+              </a:rPr>
+              <a:t>B: S</a:t>
+            </a:r>
+          </a:p>
+          <a:p>
+            <a:r>
+              <a:rPr lang="de-DE" sz="1200">
+                <a:solidFill>
+                  <a:schemeClr val="accent5">
+                    <a:lumMod val="60000"/>
+                    <a:lumOff val="40000"/>
+                  </a:schemeClr>
+                </a:solidFill>
+              </a:rPr>
+              <a:t>C: Q</a:t>
+            </a:r>
+          </a:p>
+          <a:p>
+            <a:r>
+              <a:rPr lang="de-DE" sz="1200"/>
+              <a:t>D</a:t>
+            </a:r>
+          </a:p>
+          <a:p>
+            <a:r>
+              <a:rPr lang="de-DE" sz="1200"/>
+              <a:t>E</a:t>
+            </a:r>
+          </a:p>
+          <a:p>
+            <a:r>
+              <a:rPr lang="de-DE" sz="1200"/>
+              <a:t>F</a:t>
+            </a:r>
+          </a:p>
+          <a:p>
+            <a:r>
+              <a:rPr lang="de-DE" sz="1200"/>
+              <a:t>G</a:t>
+            </a:r>
+          </a:p>
+          <a:p>
+            <a:r>
+              <a:rPr lang="de-DE" sz="1200">
+                <a:solidFill>
+                  <a:schemeClr val="bg1">
+                    <a:lumMod val="50000"/>
+                  </a:schemeClr>
+                </a:solidFill>
+              </a:rPr>
+              <a:t>X</a:t>
+            </a:r>
+            <a:br>
+              <a:rPr lang="de-DE" sz="1200">
+                <a:solidFill>
+                  <a:schemeClr val="bg1">
+                    <a:lumMod val="50000"/>
+                  </a:schemeClr>
+                </a:solidFill>
+              </a:rPr>
+            </a:br>
+            <a:r>
+              <a:rPr lang="de-DE" sz="1200">
+                <a:solidFill>
+                  <a:schemeClr val="bg1">
+                    <a:lumMod val="50000"/>
+                  </a:schemeClr>
+                </a:solidFill>
+              </a:rPr>
+              <a:t>Y</a:t>
+            </a:r>
+          </a:p>
+        </p:txBody>
+      </p:sp>
+      <p:sp>
+        <p:nvSpPr>
+          <p:cNvPr id="82" name="Textfeld 81">
+            <a:extLst>
+              <a:ext uri="{FF2B5EF4-FFF2-40B4-BE49-F238E27FC236}">
+                <a16:creationId xmlns:a16="http://schemas.microsoft.com/office/drawing/2014/main" id="{B6462A5D-946C-F3A9-31EE-8916E04CA307}"/>
+              </a:ext>
+            </a:extLst>
+          </p:cNvPr>
+          <p:cNvSpPr txBox="1"/>
+          <p:nvPr/>
+        </p:nvSpPr>
+        <p:spPr>
+          <a:xfrm>
+            <a:off x="2124198" y="3997336"/>
+            <a:ext cx="478016" cy="1754326"/>
+          </a:xfrm>
+          <a:prstGeom prst="rect">
+            <a:avLst/>
+          </a:prstGeom>
+          <a:solidFill>
+            <a:schemeClr val="bg1"/>
+          </a:solidFill>
+          <a:ln>
+            <a:solidFill>
+              <a:schemeClr val="tx1">
+                <a:lumMod val="85000"/>
+                <a:lumOff val="15000"/>
+              </a:schemeClr>
+            </a:solidFill>
+          </a:ln>
+        </p:spPr>
+        <p:txBody>
+          <a:bodyPr wrap="none" rtlCol="0">
+            <a:spAutoFit/>
+          </a:bodyPr>
+          <a:lstStyle/>
+          <a:p>
+            <a:r>
+              <a:rPr lang="de-DE" sz="1200">
+                <a:solidFill>
+                  <a:srgbClr val="00B0F0"/>
+                </a:solidFill>
+              </a:rPr>
+              <a:t>B: S</a:t>
+            </a:r>
+          </a:p>
+          <a:p>
+            <a:r>
+              <a:rPr lang="de-DE" sz="1200">
+                <a:solidFill>
+                  <a:schemeClr val="accent5">
+                    <a:lumMod val="60000"/>
+                    <a:lumOff val="40000"/>
+                  </a:schemeClr>
+                </a:solidFill>
+              </a:rPr>
+              <a:t>C: Q</a:t>
+            </a:r>
+          </a:p>
+          <a:p>
+            <a:r>
+              <a:rPr lang="de-DE" sz="1200">
+                <a:solidFill>
+                  <a:srgbClr val="00B0F0"/>
+                </a:solidFill>
+              </a:rPr>
+              <a:t>D: S</a:t>
+            </a:r>
+          </a:p>
+          <a:p>
+            <a:r>
+              <a:rPr lang="de-DE" sz="1200"/>
+              <a:t>E</a:t>
+            </a:r>
+          </a:p>
+          <a:p>
+            <a:r>
+              <a:rPr lang="de-DE" sz="1200"/>
+              <a:t>F</a:t>
+            </a:r>
+          </a:p>
+          <a:p>
+            <a:r>
+              <a:rPr lang="de-DE" sz="1200"/>
+              <a:t>G</a:t>
+            </a:r>
+          </a:p>
+          <a:p>
+            <a:r>
+              <a:rPr lang="de-DE" sz="1200">
+                <a:solidFill>
+                  <a:schemeClr val="accent2">
+                    <a:lumMod val="75000"/>
+                  </a:schemeClr>
+                </a:solidFill>
+              </a:rPr>
+              <a:t>A</a:t>
+            </a:r>
+          </a:p>
+          <a:p>
+            <a:r>
+              <a:rPr lang="de-DE" sz="1200">
+                <a:solidFill>
+                  <a:schemeClr val="bg1">
+                    <a:lumMod val="50000"/>
+                  </a:schemeClr>
+                </a:solidFill>
+              </a:rPr>
+              <a:t>X</a:t>
+            </a:r>
+            <a:br>
+              <a:rPr lang="de-DE" sz="1200">
+                <a:solidFill>
+                  <a:schemeClr val="bg1">
+                    <a:lumMod val="50000"/>
+                  </a:schemeClr>
+                </a:solidFill>
+              </a:rPr>
+            </a:br>
+            <a:r>
+              <a:rPr lang="de-DE" sz="1200">
+                <a:solidFill>
+                  <a:schemeClr val="bg1">
+                    <a:lumMod val="50000"/>
+                  </a:schemeClr>
+                </a:solidFill>
+              </a:rPr>
+              <a:t>Y</a:t>
+            </a:r>
+          </a:p>
+        </p:txBody>
+      </p:sp>
+      <p:sp>
+        <p:nvSpPr>
+          <p:cNvPr id="83" name="Textfeld 82">
+            <a:extLst>
+              <a:ext uri="{FF2B5EF4-FFF2-40B4-BE49-F238E27FC236}">
+                <a16:creationId xmlns:a16="http://schemas.microsoft.com/office/drawing/2014/main" id="{AB4C933D-E666-26E9-63E0-4D5237DE20F7}"/>
+              </a:ext>
+            </a:extLst>
+          </p:cNvPr>
+          <p:cNvSpPr txBox="1"/>
+          <p:nvPr/>
+        </p:nvSpPr>
+        <p:spPr>
+          <a:xfrm>
+            <a:off x="3021199" y="3997336"/>
+            <a:ext cx="457176" cy="1754326"/>
+          </a:xfrm>
+          <a:prstGeom prst="rect">
+            <a:avLst/>
+          </a:prstGeom>
+          <a:solidFill>
+            <a:schemeClr val="bg1"/>
+          </a:solidFill>
+          <a:ln>
+            <a:solidFill>
+              <a:schemeClr val="tx1">
+                <a:lumMod val="85000"/>
+                <a:lumOff val="15000"/>
+              </a:schemeClr>
+            </a:solidFill>
+          </a:ln>
+        </p:spPr>
+        <p:txBody>
+          <a:bodyPr wrap="none" rtlCol="0">
+            <a:spAutoFit/>
+          </a:bodyPr>
+          <a:lstStyle/>
+          <a:p>
+            <a:r>
+              <a:rPr lang="de-DE" sz="1200">
+                <a:solidFill>
+                  <a:srgbClr val="00B0F0"/>
+                </a:solidFill>
+              </a:rPr>
+              <a:t>B: S</a:t>
+            </a:r>
+            <a:endParaRPr lang="de-DE" sz="1200">
+              <a:solidFill>
+                <a:schemeClr val="accent5">
+                  <a:lumMod val="60000"/>
+                  <a:lumOff val="40000"/>
+                </a:schemeClr>
+              </a:solidFill>
+            </a:endParaRPr>
+          </a:p>
+          <a:p>
+            <a:r>
+              <a:rPr lang="de-DE" sz="1200">
+                <a:solidFill>
+                  <a:srgbClr val="00B0F0"/>
+                </a:solidFill>
+              </a:rPr>
+              <a:t>D: S</a:t>
+            </a:r>
+          </a:p>
+          <a:p>
+            <a:r>
+              <a:rPr lang="de-DE" sz="1200">
+                <a:solidFill>
+                  <a:schemeClr val="accent5">
+                    <a:lumMod val="60000"/>
+                    <a:lumOff val="40000"/>
+                  </a:schemeClr>
+                </a:solidFill>
+              </a:rPr>
+              <a:t>E: Q</a:t>
+            </a:r>
+          </a:p>
+          <a:p>
+            <a:r>
+              <a:rPr lang="de-DE" sz="1200"/>
+              <a:t>F</a:t>
+            </a:r>
+          </a:p>
+          <a:p>
+            <a:r>
+              <a:rPr lang="de-DE" sz="1200"/>
+              <a:t>G</a:t>
+            </a:r>
+          </a:p>
+          <a:p>
+            <a:r>
+              <a:rPr lang="de-DE" sz="1200"/>
+              <a:t>A</a:t>
+            </a:r>
+          </a:p>
+          <a:p>
+            <a:r>
+              <a:rPr lang="de-DE" sz="1200">
+                <a:solidFill>
+                  <a:schemeClr val="accent2">
+                    <a:lumMod val="75000"/>
+                  </a:schemeClr>
+                </a:solidFill>
+              </a:rPr>
+              <a:t>C</a:t>
+            </a:r>
+          </a:p>
+          <a:p>
+            <a:r>
+              <a:rPr lang="de-DE" sz="1200">
+                <a:solidFill>
+                  <a:schemeClr val="bg1">
+                    <a:lumMod val="50000"/>
+                  </a:schemeClr>
+                </a:solidFill>
+              </a:rPr>
+              <a:t>X</a:t>
+            </a:r>
+            <a:br>
+              <a:rPr lang="de-DE" sz="1200">
+                <a:solidFill>
+                  <a:schemeClr val="bg1">
+                    <a:lumMod val="50000"/>
+                  </a:schemeClr>
+                </a:solidFill>
+              </a:rPr>
+            </a:br>
+            <a:r>
+              <a:rPr lang="de-DE" sz="1200">
+                <a:solidFill>
+                  <a:schemeClr val="bg1">
+                    <a:lumMod val="50000"/>
+                  </a:schemeClr>
+                </a:solidFill>
+              </a:rPr>
+              <a:t>Y</a:t>
+            </a:r>
+          </a:p>
+        </p:txBody>
+      </p:sp>
+      <p:sp>
+        <p:nvSpPr>
+          <p:cNvPr id="84" name="Textfeld 83">
+            <a:extLst>
+              <a:ext uri="{FF2B5EF4-FFF2-40B4-BE49-F238E27FC236}">
+                <a16:creationId xmlns:a16="http://schemas.microsoft.com/office/drawing/2014/main" id="{C3671E0A-F932-3858-9067-D337C6B850E5}"/>
+              </a:ext>
+            </a:extLst>
+          </p:cNvPr>
+          <p:cNvSpPr txBox="1"/>
+          <p:nvPr/>
+        </p:nvSpPr>
+        <p:spPr>
+          <a:xfrm>
+            <a:off x="3959784" y="3997336"/>
+            <a:ext cx="457176" cy="1754326"/>
+          </a:xfrm>
+          <a:prstGeom prst="rect">
+            <a:avLst/>
+          </a:prstGeom>
+          <a:solidFill>
+            <a:schemeClr val="bg1"/>
+          </a:solidFill>
+          <a:ln>
+            <a:solidFill>
+              <a:schemeClr val="tx1">
+                <a:lumMod val="85000"/>
+                <a:lumOff val="15000"/>
+              </a:schemeClr>
+            </a:solidFill>
+          </a:ln>
+        </p:spPr>
+        <p:txBody>
+          <a:bodyPr wrap="none" rtlCol="0">
+            <a:spAutoFit/>
+          </a:bodyPr>
+          <a:lstStyle/>
+          <a:p>
+            <a:r>
+              <a:rPr lang="de-DE" sz="1200">
+                <a:solidFill>
+                  <a:srgbClr val="00B0F0"/>
+                </a:solidFill>
+              </a:rPr>
+              <a:t>B: S</a:t>
+            </a:r>
+          </a:p>
+          <a:p>
+            <a:r>
+              <a:rPr lang="de-DE" sz="1200">
+                <a:solidFill>
+                  <a:schemeClr val="accent5">
+                    <a:lumMod val="60000"/>
+                    <a:lumOff val="40000"/>
+                  </a:schemeClr>
+                </a:solidFill>
+              </a:rPr>
+              <a:t>E: Q</a:t>
+            </a:r>
+          </a:p>
+          <a:p>
+            <a:r>
+              <a:rPr lang="de-DE" sz="1200">
+                <a:solidFill>
+                  <a:srgbClr val="00B0F0"/>
+                </a:solidFill>
+              </a:rPr>
+              <a:t>F: S</a:t>
+            </a:r>
+          </a:p>
+          <a:p>
+            <a:r>
+              <a:rPr lang="de-DE" sz="1200"/>
+              <a:t>G</a:t>
+            </a:r>
+          </a:p>
+          <a:p>
+            <a:r>
+              <a:rPr lang="de-DE" sz="1200"/>
+              <a:t>A</a:t>
+            </a:r>
+          </a:p>
+          <a:p>
+            <a:r>
+              <a:rPr lang="de-DE" sz="1200"/>
+              <a:t>C</a:t>
+            </a:r>
+          </a:p>
+          <a:p>
+            <a:r>
+              <a:rPr lang="de-DE" sz="1200">
+                <a:solidFill>
+                  <a:schemeClr val="accent2">
+                    <a:lumMod val="75000"/>
+                  </a:schemeClr>
+                </a:solidFill>
+              </a:rPr>
+              <a:t>D</a:t>
+            </a:r>
+          </a:p>
+          <a:p>
+            <a:r>
+              <a:rPr lang="de-DE" sz="1200">
+                <a:solidFill>
+                  <a:schemeClr val="bg1">
+                    <a:lumMod val="50000"/>
+                  </a:schemeClr>
+                </a:solidFill>
+              </a:rPr>
+              <a:t>X</a:t>
+            </a:r>
+            <a:br>
+              <a:rPr lang="de-DE" sz="1200">
+                <a:solidFill>
+                  <a:schemeClr val="bg1">
+                    <a:lumMod val="50000"/>
+                  </a:schemeClr>
+                </a:solidFill>
+              </a:rPr>
+            </a:br>
+            <a:r>
+              <a:rPr lang="de-DE" sz="1200">
+                <a:solidFill>
+                  <a:schemeClr val="bg1">
+                    <a:lumMod val="50000"/>
+                  </a:schemeClr>
+                </a:solidFill>
+              </a:rPr>
+              <a:t>Y</a:t>
+            </a:r>
+          </a:p>
+        </p:txBody>
+      </p:sp>
+      <p:sp>
+        <p:nvSpPr>
+          <p:cNvPr id="85" name="Textfeld 84">
+            <a:extLst>
+              <a:ext uri="{FF2B5EF4-FFF2-40B4-BE49-F238E27FC236}">
+                <a16:creationId xmlns:a16="http://schemas.microsoft.com/office/drawing/2014/main" id="{4DE64F5B-CE35-8A5A-ED60-B83850D81AA7}"/>
+              </a:ext>
+            </a:extLst>
+          </p:cNvPr>
+          <p:cNvSpPr txBox="1"/>
+          <p:nvPr/>
+        </p:nvSpPr>
+        <p:spPr>
+          <a:xfrm>
+            <a:off x="5037169" y="3997336"/>
+            <a:ext cx="481222" cy="1754326"/>
+          </a:xfrm>
+          <a:prstGeom prst="rect">
+            <a:avLst/>
+          </a:prstGeom>
+          <a:solidFill>
+            <a:schemeClr val="bg1"/>
+          </a:solidFill>
+          <a:ln>
+            <a:solidFill>
+              <a:schemeClr val="tx1">
+                <a:lumMod val="85000"/>
+                <a:lumOff val="15000"/>
+              </a:schemeClr>
+            </a:solidFill>
+          </a:ln>
+        </p:spPr>
+        <p:txBody>
+          <a:bodyPr wrap="none" rtlCol="0">
+            <a:spAutoFit/>
+          </a:bodyPr>
+          <a:lstStyle/>
+          <a:p>
+            <a:r>
+              <a:rPr lang="de-DE" sz="1200">
+                <a:solidFill>
+                  <a:srgbClr val="00B0F0"/>
+                </a:solidFill>
+              </a:rPr>
+              <a:t>B: S</a:t>
+            </a:r>
+            <a:endParaRPr lang="de-DE" sz="1200">
+              <a:solidFill>
+                <a:schemeClr val="accent5">
+                  <a:lumMod val="60000"/>
+                  <a:lumOff val="40000"/>
+                </a:schemeClr>
+              </a:solidFill>
+            </a:endParaRPr>
+          </a:p>
+          <a:p>
+            <a:r>
+              <a:rPr lang="de-DE" sz="1200">
+                <a:solidFill>
+                  <a:srgbClr val="00B0F0"/>
+                </a:solidFill>
+              </a:rPr>
+              <a:t>F: S</a:t>
+            </a:r>
+          </a:p>
+          <a:p>
+            <a:r>
+              <a:rPr lang="de-DE" sz="1200">
+                <a:solidFill>
+                  <a:schemeClr val="accent5">
+                    <a:lumMod val="60000"/>
+                    <a:lumOff val="40000"/>
+                  </a:schemeClr>
+                </a:solidFill>
+              </a:rPr>
+              <a:t>G: Q</a:t>
+            </a:r>
+            <a:endParaRPr lang="de-DE" sz="1200"/>
+          </a:p>
+          <a:p>
+            <a:r>
+              <a:rPr lang="de-DE" sz="1200"/>
+              <a:t>A</a:t>
+            </a:r>
+          </a:p>
+          <a:p>
+            <a:r>
+              <a:rPr lang="de-DE" sz="1200"/>
+              <a:t>C</a:t>
+            </a:r>
+          </a:p>
+          <a:p>
+            <a:r>
+              <a:rPr lang="de-DE" sz="1200"/>
+              <a:t>D</a:t>
+            </a:r>
+          </a:p>
+          <a:p>
+            <a:r>
+              <a:rPr lang="de-DE" sz="1200">
+                <a:solidFill>
+                  <a:schemeClr val="accent2">
+                    <a:lumMod val="75000"/>
+                  </a:schemeClr>
+                </a:solidFill>
+              </a:rPr>
+              <a:t>E</a:t>
+            </a:r>
+          </a:p>
+          <a:p>
+            <a:r>
+              <a:rPr lang="de-DE" sz="1200">
+                <a:solidFill>
+                  <a:schemeClr val="bg1">
+                    <a:lumMod val="50000"/>
+                  </a:schemeClr>
+                </a:solidFill>
+              </a:rPr>
+              <a:t>X</a:t>
+            </a:r>
+            <a:br>
+              <a:rPr lang="de-DE" sz="1200">
+                <a:solidFill>
+                  <a:schemeClr val="bg1">
+                    <a:lumMod val="50000"/>
+                  </a:schemeClr>
+                </a:solidFill>
+              </a:rPr>
+            </a:br>
+            <a:r>
+              <a:rPr lang="de-DE" sz="1200">
+                <a:solidFill>
+                  <a:schemeClr val="bg1">
+                    <a:lumMod val="50000"/>
+                  </a:schemeClr>
+                </a:solidFill>
+              </a:rPr>
+              <a:t>Y</a:t>
+            </a:r>
+          </a:p>
+        </p:txBody>
+      </p:sp>
+      <p:sp>
+        <p:nvSpPr>
+          <p:cNvPr id="87" name="Textfeld 86">
+            <a:extLst>
+              <a:ext uri="{FF2B5EF4-FFF2-40B4-BE49-F238E27FC236}">
+                <a16:creationId xmlns:a16="http://schemas.microsoft.com/office/drawing/2014/main" id="{90FA0682-E868-CE47-8838-BCBAD12BBBF4}"/>
+              </a:ext>
+            </a:extLst>
+          </p:cNvPr>
+          <p:cNvSpPr txBox="1"/>
+          <p:nvPr/>
+        </p:nvSpPr>
+        <p:spPr>
+          <a:xfrm>
+            <a:off x="5981810" y="3997336"/>
+            <a:ext cx="463588" cy="1754326"/>
+          </a:xfrm>
+          <a:prstGeom prst="rect">
+            <a:avLst/>
+          </a:prstGeom>
+          <a:solidFill>
+            <a:schemeClr val="bg1"/>
+          </a:solidFill>
+          <a:ln>
+            <a:solidFill>
+              <a:schemeClr val="tx1">
+                <a:lumMod val="85000"/>
+                <a:lumOff val="15000"/>
+              </a:schemeClr>
+            </a:solidFill>
+          </a:ln>
+        </p:spPr>
+        <p:txBody>
+          <a:bodyPr wrap="none" rtlCol="0">
+            <a:spAutoFit/>
+          </a:bodyPr>
+          <a:lstStyle/>
+          <a:p>
+            <a:r>
+              <a:rPr lang="de-DE" sz="1200">
+                <a:solidFill>
+                  <a:srgbClr val="00B0F0"/>
+                </a:solidFill>
+              </a:rPr>
+              <a:t>B: S</a:t>
+            </a:r>
+            <a:endParaRPr lang="de-DE" sz="1200">
+              <a:solidFill>
+                <a:schemeClr val="accent5">
+                  <a:lumMod val="60000"/>
+                  <a:lumOff val="40000"/>
+                </a:schemeClr>
+              </a:solidFill>
+            </a:endParaRPr>
+          </a:p>
+          <a:p>
+            <a:r>
+              <a:rPr lang="de-DE" sz="1200">
+                <a:solidFill>
+                  <a:srgbClr val="00B0F0"/>
+                </a:solidFill>
+              </a:rPr>
+              <a:t>F: S</a:t>
+            </a:r>
+          </a:p>
+          <a:p>
+            <a:r>
+              <a:rPr lang="de-DE" sz="1200">
+                <a:solidFill>
+                  <a:schemeClr val="accent5">
+                    <a:lumMod val="60000"/>
+                    <a:lumOff val="40000"/>
+                  </a:schemeClr>
+                </a:solidFill>
+              </a:rPr>
+              <a:t>A: Q</a:t>
+            </a:r>
+            <a:endParaRPr lang="de-DE" sz="1200"/>
+          </a:p>
+          <a:p>
+            <a:r>
+              <a:rPr lang="de-DE" sz="1200"/>
+              <a:t>C</a:t>
+            </a:r>
+          </a:p>
+          <a:p>
+            <a:r>
+              <a:rPr lang="de-DE" sz="1200"/>
+              <a:t>D</a:t>
+            </a:r>
+          </a:p>
+          <a:p>
+            <a:r>
+              <a:rPr lang="de-DE" sz="1200"/>
+              <a:t>E</a:t>
+            </a:r>
+          </a:p>
+          <a:p>
+            <a:r>
+              <a:rPr lang="de-DE" sz="1200">
+                <a:solidFill>
+                  <a:schemeClr val="accent2">
+                    <a:lumMod val="75000"/>
+                  </a:schemeClr>
+                </a:solidFill>
+              </a:rPr>
+              <a:t>G</a:t>
+            </a:r>
+          </a:p>
+          <a:p>
+            <a:r>
+              <a:rPr lang="de-DE" sz="1200">
+                <a:solidFill>
+                  <a:schemeClr val="bg1">
+                    <a:lumMod val="50000"/>
+                  </a:schemeClr>
+                </a:solidFill>
+              </a:rPr>
+              <a:t>X</a:t>
+            </a:r>
+            <a:br>
+              <a:rPr lang="de-DE" sz="1200">
+                <a:solidFill>
+                  <a:schemeClr val="bg1">
+                    <a:lumMod val="50000"/>
+                  </a:schemeClr>
+                </a:solidFill>
+              </a:rPr>
+            </a:br>
+            <a:r>
+              <a:rPr lang="de-DE" sz="1200">
+                <a:solidFill>
+                  <a:schemeClr val="bg1">
+                    <a:lumMod val="50000"/>
+                  </a:schemeClr>
+                </a:solidFill>
+              </a:rPr>
+              <a:t>Y</a:t>
+            </a:r>
+          </a:p>
+        </p:txBody>
+      </p:sp>
+      <p:sp>
+        <p:nvSpPr>
+          <p:cNvPr id="88" name="Textfeld 87">
+            <a:extLst>
+              <a:ext uri="{FF2B5EF4-FFF2-40B4-BE49-F238E27FC236}">
+                <a16:creationId xmlns:a16="http://schemas.microsoft.com/office/drawing/2014/main" id="{1B2AF344-5C0A-3850-8436-BA3B6E6583B9}"/>
+              </a:ext>
+            </a:extLst>
+          </p:cNvPr>
+          <p:cNvSpPr txBox="1"/>
+          <p:nvPr/>
+        </p:nvSpPr>
+        <p:spPr>
+          <a:xfrm>
+            <a:off x="5504535" y="3232567"/>
+            <a:ext cx="996334" cy="276999"/>
+          </a:xfrm>
+          <a:prstGeom prst="rect">
+            <a:avLst/>
+          </a:prstGeom>
+          <a:noFill/>
+        </p:spPr>
+        <p:txBody>
+          <a:bodyPr wrap="square" rtlCol="0">
+            <a:spAutoFit/>
+          </a:bodyPr>
+          <a:lstStyle/>
+          <a:p>
+            <a:pPr algn="r"/>
+            <a:r>
+              <a:rPr lang="de-DE" sz="1200">
+                <a:solidFill>
+                  <a:schemeClr val="accent5">
+                    <a:lumMod val="75000"/>
+                  </a:schemeClr>
+                </a:solidFill>
+              </a:rPr>
+              <a:t>select A</a:t>
+            </a:r>
+          </a:p>
+        </p:txBody>
+      </p:sp>
+      <p:cxnSp>
+        <p:nvCxnSpPr>
+          <p:cNvPr id="89" name="Gerader Verbinder 88">
+            <a:extLst>
+              <a:ext uri="{FF2B5EF4-FFF2-40B4-BE49-F238E27FC236}">
+                <a16:creationId xmlns:a16="http://schemas.microsoft.com/office/drawing/2014/main" id="{B44CB97A-2A3B-5F66-91AF-AA44BA06C280}"/>
+              </a:ext>
+            </a:extLst>
+          </p:cNvPr>
+          <p:cNvCxnSpPr/>
+          <p:nvPr/>
+        </p:nvCxnSpPr>
+        <p:spPr>
+          <a:xfrm>
+            <a:off x="6186696" y="2667296"/>
+            <a:ext cx="0" cy="577971"/>
+          </a:xfrm>
+          <a:prstGeom prst="line">
+            <a:avLst/>
+          </a:prstGeom>
+          <a:ln>
+            <a:solidFill>
+              <a:schemeClr val="accent5">
+                <a:lumMod val="50000"/>
+              </a:schemeClr>
+            </a:solidFill>
+          </a:ln>
+        </p:spPr>
+        <p:style>
+          <a:lnRef idx="2">
+            <a:schemeClr val="accent1"/>
+          </a:lnRef>
+          <a:fillRef idx="0">
+            <a:schemeClr val="accent1"/>
+          </a:fillRef>
+          <a:effectRef idx="1">
+            <a:schemeClr val="accent1"/>
+          </a:effectRef>
+          <a:fontRef idx="minor">
+            <a:schemeClr val="tx1"/>
+          </a:fontRef>
+        </p:style>
+      </p:cxnSp>
+      <p:sp>
+        <p:nvSpPr>
+          <p:cNvPr id="90" name="Rechteck 89">
+            <a:extLst>
+              <a:ext uri="{FF2B5EF4-FFF2-40B4-BE49-F238E27FC236}">
+                <a16:creationId xmlns:a16="http://schemas.microsoft.com/office/drawing/2014/main" id="{332F2A0F-5F15-8417-739C-5F253E639591}"/>
+              </a:ext>
+            </a:extLst>
+          </p:cNvPr>
+          <p:cNvSpPr/>
+          <p:nvPr/>
+        </p:nvSpPr>
+        <p:spPr>
+          <a:xfrm>
+            <a:off x="678436" y="2068124"/>
+            <a:ext cx="166256" cy="639514"/>
+          </a:xfrm>
+          <a:prstGeom prst="rect">
+            <a:avLst/>
+          </a:prstGeom>
+          <a:solidFill>
+            <a:schemeClr val="tx1">
+              <a:lumMod val="65000"/>
+              <a:lumOff val="35000"/>
+            </a:schemeClr>
+          </a:solidFill>
+          <a:ln w="9525">
+            <a:solidFill>
+              <a:schemeClr val="tx1">
+                <a:lumMod val="85000"/>
+                <a:lumOff val="15000"/>
+              </a:schemeClr>
+            </a:solidFill>
+          </a:ln>
+        </p:spPr>
+        <p:style>
+          <a:lnRef idx="2">
+            <a:schemeClr val="accent1">
+              <a:shade val="15000"/>
+            </a:schemeClr>
+          </a:lnRef>
+          <a:fillRef idx="1">
+            <a:schemeClr val="accent1"/>
+          </a:fillRef>
+          <a:effectRef idx="0">
+            <a:schemeClr val="accent1"/>
+          </a:effectRef>
+          <a:fontRef idx="minor">
+            <a:schemeClr val="lt1"/>
+          </a:fontRef>
+        </p:style>
+        <p:txBody>
+          <a:bodyPr rtlCol="0" anchor="ctr"/>
+          <a:lstStyle/>
+          <a:p>
+            <a:pPr algn="ctr"/>
+            <a:endParaRPr lang="de-DE" sz="1000" i="1">
+              <a:solidFill>
+                <a:schemeClr val="accent6">
+                  <a:lumMod val="40000"/>
+                  <a:lumOff val="60000"/>
+                </a:schemeClr>
+              </a:solidFill>
+            </a:endParaRPr>
+          </a:p>
+        </p:txBody>
+      </p:sp>
+      <p:sp>
+        <p:nvSpPr>
+          <p:cNvPr id="91" name="Rechteck 90">
+            <a:extLst>
+              <a:ext uri="{FF2B5EF4-FFF2-40B4-BE49-F238E27FC236}">
+                <a16:creationId xmlns:a16="http://schemas.microsoft.com/office/drawing/2014/main" id="{CE55FE21-B259-AB9A-772B-56711A020E15}"/>
+              </a:ext>
+            </a:extLst>
+          </p:cNvPr>
+          <p:cNvSpPr/>
+          <p:nvPr/>
+        </p:nvSpPr>
+        <p:spPr>
+          <a:xfrm>
+            <a:off x="1287063" y="2068124"/>
+            <a:ext cx="166256" cy="639514"/>
+          </a:xfrm>
+          <a:prstGeom prst="rect">
+            <a:avLst/>
+          </a:prstGeom>
+          <a:solidFill>
+            <a:schemeClr val="tx1">
+              <a:lumMod val="65000"/>
+              <a:lumOff val="35000"/>
+            </a:schemeClr>
+          </a:solidFill>
+          <a:ln w="9525">
+            <a:solidFill>
+              <a:schemeClr val="tx1">
+                <a:lumMod val="85000"/>
+                <a:lumOff val="15000"/>
+              </a:schemeClr>
+            </a:solidFill>
+          </a:ln>
+        </p:spPr>
+        <p:style>
+          <a:lnRef idx="2">
+            <a:schemeClr val="accent1">
+              <a:shade val="15000"/>
+            </a:schemeClr>
+          </a:lnRef>
+          <a:fillRef idx="1">
+            <a:schemeClr val="accent1"/>
+          </a:fillRef>
+          <a:effectRef idx="0">
+            <a:schemeClr val="accent1"/>
+          </a:effectRef>
+          <a:fontRef idx="minor">
+            <a:schemeClr val="lt1"/>
+          </a:fontRef>
+        </p:style>
+        <p:txBody>
+          <a:bodyPr rtlCol="0" anchor="ctr"/>
+          <a:lstStyle/>
+          <a:p>
+            <a:pPr algn="ctr"/>
+            <a:endParaRPr lang="de-DE" sz="1000" i="1">
+              <a:solidFill>
+                <a:schemeClr val="accent6">
+                  <a:lumMod val="40000"/>
+                  <a:lumOff val="60000"/>
+                </a:schemeClr>
+              </a:solidFill>
+            </a:endParaRPr>
+          </a:p>
+        </p:txBody>
+      </p:sp>
+      <p:sp>
+        <p:nvSpPr>
+          <p:cNvPr id="94" name="Textfeld 93">
+            <a:extLst>
+              <a:ext uri="{FF2B5EF4-FFF2-40B4-BE49-F238E27FC236}">
+                <a16:creationId xmlns:a16="http://schemas.microsoft.com/office/drawing/2014/main" id="{67C6F033-3883-F6D1-46C1-50875EC1349A}"/>
+              </a:ext>
+            </a:extLst>
+          </p:cNvPr>
+          <p:cNvSpPr txBox="1"/>
+          <p:nvPr/>
+        </p:nvSpPr>
+        <p:spPr>
+          <a:xfrm>
+            <a:off x="9471312" y="2252856"/>
+            <a:ext cx="457176" cy="261610"/>
+          </a:xfrm>
+          <a:prstGeom prst="rect">
+            <a:avLst/>
+          </a:prstGeom>
+          <a:noFill/>
+        </p:spPr>
+        <p:txBody>
+          <a:bodyPr wrap="none" rtlCol="0">
+            <a:spAutoFit/>
+          </a:bodyPr>
+          <a:lstStyle/>
+          <a:p>
+            <a:r>
+              <a:rPr lang="de-DE" sz="1100"/>
+              <a:t>time</a:t>
+            </a:r>
+          </a:p>
+        </p:txBody>
+      </p:sp>
+      <p:sp>
+        <p:nvSpPr>
+          <p:cNvPr id="95" name="Textfeld 94">
+            <a:extLst>
+              <a:ext uri="{FF2B5EF4-FFF2-40B4-BE49-F238E27FC236}">
+                <a16:creationId xmlns:a16="http://schemas.microsoft.com/office/drawing/2014/main" id="{5B7C4A35-131B-D3BB-2E92-8BBE11F95275}"/>
+              </a:ext>
+            </a:extLst>
+          </p:cNvPr>
+          <p:cNvSpPr txBox="1"/>
+          <p:nvPr/>
+        </p:nvSpPr>
+        <p:spPr>
+          <a:xfrm>
+            <a:off x="6866365" y="3997336"/>
+            <a:ext cx="463588" cy="1754326"/>
+          </a:xfrm>
+          <a:prstGeom prst="rect">
+            <a:avLst/>
+          </a:prstGeom>
+          <a:solidFill>
+            <a:schemeClr val="bg1"/>
+          </a:solidFill>
+          <a:ln>
+            <a:solidFill>
+              <a:schemeClr val="tx1">
+                <a:lumMod val="85000"/>
+                <a:lumOff val="15000"/>
+              </a:schemeClr>
+            </a:solidFill>
+          </a:ln>
+        </p:spPr>
+        <p:txBody>
+          <a:bodyPr wrap="none" rtlCol="0">
+            <a:spAutoFit/>
+          </a:bodyPr>
+          <a:lstStyle/>
+          <a:p>
+            <a:r>
+              <a:rPr lang="de-DE" sz="1200">
+                <a:solidFill>
+                  <a:srgbClr val="00B0F0"/>
+                </a:solidFill>
+              </a:rPr>
+              <a:t>F: S</a:t>
+            </a:r>
+          </a:p>
+          <a:p>
+            <a:r>
+              <a:rPr lang="de-DE" sz="1200">
+                <a:solidFill>
+                  <a:schemeClr val="accent5">
+                    <a:lumMod val="60000"/>
+                    <a:lumOff val="40000"/>
+                  </a:schemeClr>
+                </a:solidFill>
+              </a:rPr>
+              <a:t>A: Q</a:t>
+            </a:r>
+            <a:endParaRPr lang="de-DE" sz="1200"/>
+          </a:p>
+          <a:p>
+            <a:r>
+              <a:rPr lang="de-DE" sz="1200">
+                <a:solidFill>
+                  <a:srgbClr val="00B0F0"/>
+                </a:solidFill>
+              </a:rPr>
+              <a:t>C: S</a:t>
+            </a:r>
+          </a:p>
+          <a:p>
+            <a:r>
+              <a:rPr lang="de-DE" sz="1200"/>
+              <a:t>D</a:t>
+            </a:r>
+          </a:p>
+          <a:p>
+            <a:r>
+              <a:rPr lang="de-DE" sz="1200"/>
+              <a:t>E</a:t>
+            </a:r>
+          </a:p>
+          <a:p>
+            <a:r>
+              <a:rPr lang="de-DE" sz="1200"/>
+              <a:t>G</a:t>
+            </a:r>
+          </a:p>
+          <a:p>
+            <a:r>
+              <a:rPr lang="de-DE" sz="1200">
+                <a:solidFill>
+                  <a:schemeClr val="accent2">
+                    <a:lumMod val="75000"/>
+                  </a:schemeClr>
+                </a:solidFill>
+              </a:rPr>
+              <a:t>B</a:t>
+            </a:r>
+          </a:p>
+          <a:p>
+            <a:r>
+              <a:rPr lang="de-DE" sz="1200">
+                <a:solidFill>
+                  <a:schemeClr val="bg1">
+                    <a:lumMod val="50000"/>
+                  </a:schemeClr>
+                </a:solidFill>
+              </a:rPr>
+              <a:t>X</a:t>
+            </a:r>
+            <a:br>
+              <a:rPr lang="de-DE" sz="1200">
+                <a:solidFill>
+                  <a:schemeClr val="bg1">
+                    <a:lumMod val="50000"/>
+                  </a:schemeClr>
+                </a:solidFill>
+              </a:rPr>
+            </a:br>
+            <a:r>
+              <a:rPr lang="de-DE" sz="1200">
+                <a:solidFill>
+                  <a:schemeClr val="bg1">
+                    <a:lumMod val="50000"/>
+                  </a:schemeClr>
+                </a:solidFill>
+              </a:rPr>
+              <a:t>Y</a:t>
+            </a:r>
+          </a:p>
+        </p:txBody>
+      </p:sp>
+      <p:cxnSp>
+        <p:nvCxnSpPr>
+          <p:cNvPr id="96" name="Gerader Verbinder 95">
+            <a:extLst>
+              <a:ext uri="{FF2B5EF4-FFF2-40B4-BE49-F238E27FC236}">
+                <a16:creationId xmlns:a16="http://schemas.microsoft.com/office/drawing/2014/main" id="{FBFE03E2-9D3E-C634-66B6-18AB4798B738}"/>
+              </a:ext>
+            </a:extLst>
+          </p:cNvPr>
+          <p:cNvCxnSpPr/>
+          <p:nvPr/>
+        </p:nvCxnSpPr>
+        <p:spPr>
+          <a:xfrm flipV="1">
+            <a:off x="7063596" y="1502063"/>
+            <a:ext cx="0" cy="542439"/>
+          </a:xfrm>
+          <a:prstGeom prst="line">
+            <a:avLst/>
+          </a:prstGeom>
+        </p:spPr>
+        <p:style>
+          <a:lnRef idx="2">
+            <a:schemeClr val="accent1"/>
+          </a:lnRef>
+          <a:fillRef idx="0">
+            <a:schemeClr val="accent1"/>
+          </a:fillRef>
+          <a:effectRef idx="1">
+            <a:schemeClr val="accent1"/>
+          </a:effectRef>
+          <a:fontRef idx="minor">
+            <a:schemeClr val="tx1"/>
+          </a:fontRef>
+        </p:style>
+      </p:cxnSp>
+      <p:sp>
+        <p:nvSpPr>
+          <p:cNvPr id="97" name="Textfeld 96">
+            <a:extLst>
+              <a:ext uri="{FF2B5EF4-FFF2-40B4-BE49-F238E27FC236}">
+                <a16:creationId xmlns:a16="http://schemas.microsoft.com/office/drawing/2014/main" id="{006E14AA-1B32-9614-73D2-C905DFAC48DB}"/>
+              </a:ext>
+            </a:extLst>
+          </p:cNvPr>
+          <p:cNvSpPr txBox="1"/>
+          <p:nvPr/>
+        </p:nvSpPr>
+        <p:spPr>
+          <a:xfrm>
+            <a:off x="6258084" y="1223753"/>
+            <a:ext cx="996334" cy="276999"/>
+          </a:xfrm>
+          <a:prstGeom prst="rect">
+            <a:avLst/>
+          </a:prstGeom>
+          <a:noFill/>
+        </p:spPr>
+        <p:txBody>
+          <a:bodyPr wrap="square" rtlCol="0">
+            <a:spAutoFit/>
+          </a:bodyPr>
+          <a:lstStyle/>
+          <a:p>
+            <a:pPr algn="r"/>
+            <a:r>
+              <a:rPr lang="de-DE" sz="1200">
+                <a:solidFill>
+                  <a:schemeClr val="accent4">
+                    <a:lumMod val="50000"/>
+                  </a:schemeClr>
+                </a:solidFill>
+              </a:rPr>
+              <a:t>select C</a:t>
+            </a:r>
+          </a:p>
+        </p:txBody>
+      </p:sp>
+      <p:sp>
+        <p:nvSpPr>
+          <p:cNvPr id="98" name="Rechteck 97">
+            <a:extLst>
+              <a:ext uri="{FF2B5EF4-FFF2-40B4-BE49-F238E27FC236}">
+                <a16:creationId xmlns:a16="http://schemas.microsoft.com/office/drawing/2014/main" id="{2E71CD44-7533-F324-B5C6-A249B24634BB}"/>
+              </a:ext>
+            </a:extLst>
+          </p:cNvPr>
+          <p:cNvSpPr/>
+          <p:nvPr/>
+        </p:nvSpPr>
+        <p:spPr>
+          <a:xfrm>
+            <a:off x="7606084" y="2022927"/>
+            <a:ext cx="311783" cy="639514"/>
+          </a:xfrm>
+          <a:prstGeom prst="rect">
+            <a:avLst/>
+          </a:prstGeom>
+          <a:solidFill>
+            <a:schemeClr val="tx1">
+              <a:lumMod val="65000"/>
+              <a:lumOff val="35000"/>
+            </a:schemeClr>
+          </a:solidFill>
+          <a:ln w="9525">
+            <a:solidFill>
+              <a:schemeClr val="tx1">
+                <a:lumMod val="85000"/>
+                <a:lumOff val="15000"/>
+              </a:schemeClr>
+            </a:solidFill>
+          </a:ln>
+        </p:spPr>
+        <p:style>
+          <a:lnRef idx="2">
+            <a:schemeClr val="accent1">
+              <a:shade val="15000"/>
+            </a:schemeClr>
+          </a:lnRef>
+          <a:fillRef idx="1">
+            <a:schemeClr val="accent1"/>
+          </a:fillRef>
+          <a:effectRef idx="0">
+            <a:schemeClr val="accent1"/>
+          </a:effectRef>
+          <a:fontRef idx="minor">
+            <a:schemeClr val="lt1"/>
+          </a:fontRef>
+        </p:style>
+        <p:txBody>
+          <a:bodyPr rtlCol="0" anchor="ctr"/>
+          <a:lstStyle/>
+          <a:p>
+            <a:pPr algn="ctr"/>
+            <a:r>
+              <a:rPr lang="de-DE" sz="1000" i="1">
+                <a:solidFill>
+                  <a:schemeClr val="accent6">
+                    <a:lumMod val="40000"/>
+                    <a:lumOff val="60000"/>
+                  </a:schemeClr>
+                </a:solidFill>
+              </a:rPr>
+              <a:t>…</a:t>
+            </a:r>
+          </a:p>
+        </p:txBody>
+      </p:sp>
+      <p:sp>
+        <p:nvSpPr>
+          <p:cNvPr id="100" name="Textfeld 99">
+            <a:extLst>
+              <a:ext uri="{FF2B5EF4-FFF2-40B4-BE49-F238E27FC236}">
+                <a16:creationId xmlns:a16="http://schemas.microsoft.com/office/drawing/2014/main" id="{B99E6C57-3EB1-440A-E33A-02B99CE06A7E}"/>
+              </a:ext>
+            </a:extLst>
+          </p:cNvPr>
+          <p:cNvSpPr txBox="1"/>
+          <p:nvPr/>
+        </p:nvSpPr>
+        <p:spPr>
+          <a:xfrm>
+            <a:off x="8150775" y="3948970"/>
+            <a:ext cx="1227036" cy="261610"/>
+          </a:xfrm>
+          <a:prstGeom prst="rect">
+            <a:avLst/>
+          </a:prstGeom>
+          <a:noFill/>
+        </p:spPr>
+        <p:txBody>
+          <a:bodyPr wrap="square">
+            <a:spAutoFit/>
+          </a:bodyPr>
+          <a:lstStyle/>
+          <a:p>
+            <a:pPr algn="l"/>
+            <a:r>
+              <a:rPr lang="de-DE" sz="1100" b="1"/>
+              <a:t>Metadata table</a:t>
+            </a:r>
+            <a:endParaRPr lang="de-DE" sz="1100"/>
+          </a:p>
+        </p:txBody>
+      </p:sp>
+      <p:sp>
+        <p:nvSpPr>
+          <p:cNvPr id="102" name="Textfeld 101">
+            <a:extLst>
+              <a:ext uri="{FF2B5EF4-FFF2-40B4-BE49-F238E27FC236}">
+                <a16:creationId xmlns:a16="http://schemas.microsoft.com/office/drawing/2014/main" id="{DAA3C215-EF16-051F-663D-E869D3D8D81C}"/>
+              </a:ext>
+            </a:extLst>
+          </p:cNvPr>
+          <p:cNvSpPr txBox="1"/>
+          <p:nvPr/>
+        </p:nvSpPr>
+        <p:spPr>
+          <a:xfrm>
+            <a:off x="7706743" y="971484"/>
+            <a:ext cx="1468808" cy="253916"/>
+          </a:xfrm>
+          <a:prstGeom prst="rect">
+            <a:avLst/>
+          </a:prstGeom>
+          <a:noFill/>
+        </p:spPr>
+        <p:txBody>
+          <a:bodyPr wrap="square" rtlCol="0">
+            <a:spAutoFit/>
+          </a:bodyPr>
+          <a:lstStyle/>
+          <a:p>
+            <a:pPr algn="r"/>
+            <a:r>
+              <a:rPr lang="de-DE" sz="1000" i="1">
+                <a:solidFill>
+                  <a:schemeClr val="accent4">
+                    <a:lumMod val="50000"/>
+                  </a:schemeClr>
+                </a:solidFill>
+              </a:rPr>
+              <a:t>slidingWindowSize = 2</a:t>
+            </a:r>
+          </a:p>
+        </p:txBody>
+      </p:sp>
+      <p:cxnSp>
+        <p:nvCxnSpPr>
+          <p:cNvPr id="104" name="Gerader Verbinder 103">
+            <a:extLst>
+              <a:ext uri="{FF2B5EF4-FFF2-40B4-BE49-F238E27FC236}">
+                <a16:creationId xmlns:a16="http://schemas.microsoft.com/office/drawing/2014/main" id="{8539A5C9-CD2A-7F04-759A-0C24B9604B30}"/>
+              </a:ext>
+            </a:extLst>
+          </p:cNvPr>
+          <p:cNvCxnSpPr/>
+          <p:nvPr/>
+        </p:nvCxnSpPr>
+        <p:spPr>
+          <a:xfrm>
+            <a:off x="1887791" y="1125079"/>
+            <a:ext cx="0" cy="4856621"/>
+          </a:xfrm>
+          <a:prstGeom prst="line">
+            <a:avLst/>
+          </a:prstGeom>
+          <a:ln w="6350">
+            <a:solidFill>
+              <a:schemeClr val="bg1">
+                <a:lumMod val="65000"/>
+              </a:schemeClr>
+            </a:solidFill>
+            <a:prstDash val="dash"/>
+          </a:ln>
+        </p:spPr>
+        <p:style>
+          <a:lnRef idx="2">
+            <a:schemeClr val="accent1"/>
+          </a:lnRef>
+          <a:fillRef idx="0">
+            <a:schemeClr val="accent1"/>
+          </a:fillRef>
+          <a:effectRef idx="1">
+            <a:schemeClr val="accent1"/>
+          </a:effectRef>
+          <a:fontRef idx="minor">
+            <a:schemeClr val="tx1"/>
+          </a:fontRef>
+        </p:style>
+      </p:cxnSp>
+    </p:spTree>
+    <p:extLst>
+      <p:ext uri="{BB962C8B-B14F-4D97-AF65-F5344CB8AC3E}">
+        <p14:creationId xmlns:p14="http://schemas.microsoft.com/office/powerpoint/2010/main" val="3950557216"/>
+      </p:ext>
+    </p:extLst>
+  </p:cSld>
+  <p:clrMapOvr>
+    <a:masterClrMapping/>
+  </p:clrMapOvr>
+</p:sld>
+</file>
+
+<file path=ppt/slides/slide6.xml><?xml version="1.0" encoding="utf-8"?>
+<p:sld xmlns:a="http://schemas.openxmlformats.org/drawingml/2006/main" xmlns:r="http://schemas.openxmlformats.org/officeDocument/2006/relationships" xmlns:p="http://schemas.openxmlformats.org/presentationml/2006/main">
+  <p:cSld>
+    <p:spTree>
+      <p:nvGrpSpPr>
+        <p:cNvPr id="1" name=""/>
+        <p:cNvGrpSpPr/>
+        <p:nvPr/>
+      </p:nvGrpSpPr>
+      <p:grpSpPr>
+        <a:xfrm>
+          <a:off x="0" y="0"/>
+          <a:ext cx="0" cy="0"/>
+          <a:chOff x="0" y="0"/>
+          <a:chExt cx="0" cy="0"/>
+        </a:xfrm>
+      </p:grpSpPr>
+      <p:sp>
+        <p:nvSpPr>
           <p:cNvPr id="4" name="Rechteck 3">
             <a:extLst>
               <a:ext uri="{FF2B5EF4-FFF2-40B4-BE49-F238E27FC236}">
@@ -10791,7 +15605,7 @@
         </p:nvSpPr>
         <p:spPr>
           <a:xfrm>
-            <a:off x="377107" y="640747"/>
+            <a:off x="347072" y="677275"/>
             <a:ext cx="4131486" cy="5539978"/>
           </a:xfrm>
           <a:prstGeom prst="rect">
@@ -11441,7 +16255,7 @@
 </p:sld>
 </file>
 
-<file path=ppt/slides/slide5.xml><?xml version="1.0" encoding="utf-8"?>
+<file path=ppt/slides/slide7.xml><?xml version="1.0" encoding="utf-8"?>
 <p:sld xmlns:a="http://schemas.openxmlformats.org/drawingml/2006/main" xmlns:r="http://schemas.openxmlformats.org/officeDocument/2006/relationships" xmlns:p="http://schemas.openxmlformats.org/presentationml/2006/main">
   <p:cSld>
     <p:spTree>

--- a/spec/additionalDescription/pictures/MetadataTablePics.pptx
+++ b/spec/additionalDescription/pictures/MetadataTablePics.pptx
@@ -3352,8 +3352,8 @@
         </p:nvSpPr>
         <p:spPr>
           <a:xfrm>
-            <a:off x="-266700" y="-411480"/>
-            <a:ext cx="11536680" cy="7962900"/>
+            <a:off x="203200" y="0"/>
+            <a:ext cx="10147300" cy="8984343"/>
           </a:xfrm>
           <a:prstGeom prst="rect">
             <a:avLst/>
@@ -3362,7 +3362,9 @@
             <a:schemeClr val="bg1"/>
           </a:solidFill>
           <a:ln>
-            <a:noFill/>
+            <a:solidFill>
+              <a:schemeClr val="tx1"/>
+            </a:solidFill>
           </a:ln>
         </p:spPr>
         <p:style>
@@ -3387,6 +3389,83 @@
           <a:p>
             <a:pPr algn="ctr"/>
             <a:endParaRPr lang="de-DE"/>
+          </a:p>
+        </p:txBody>
+      </p:sp>
+      <p:sp>
+        <p:nvSpPr>
+          <p:cNvPr id="11" name="Rechteck: abgerundete Ecken 10">
+            <a:extLst>
+              <a:ext uri="{FF2B5EF4-FFF2-40B4-BE49-F238E27FC236}">
+                <a16:creationId xmlns:a16="http://schemas.microsoft.com/office/drawing/2014/main" id="{4EEB77E8-CA0A-4E09-D4E2-B999ACF72F42}"/>
+              </a:ext>
+            </a:extLst>
+          </p:cNvPr>
+          <p:cNvSpPr/>
+          <p:nvPr/>
+        </p:nvSpPr>
+        <p:spPr>
+          <a:xfrm>
+            <a:off x="332054" y="6309271"/>
+            <a:ext cx="8974728" cy="2554545"/>
+          </a:xfrm>
+          <a:prstGeom prst="roundRect">
+            <a:avLst>
+              <a:gd name="adj" fmla="val 2940"/>
+            </a:avLst>
+          </a:prstGeom>
+          <a:gradFill>
+            <a:gsLst>
+              <a:gs pos="26000">
+                <a:schemeClr val="accent2">
+                  <a:lumMod val="20000"/>
+                  <a:lumOff val="80000"/>
+                </a:schemeClr>
+              </a:gs>
+              <a:gs pos="78000">
+                <a:schemeClr val="accent2">
+                  <a:lumMod val="40000"/>
+                  <a:lumOff val="60000"/>
+                </a:schemeClr>
+              </a:gs>
+              <a:gs pos="99000">
+                <a:schemeClr val="accent2">
+                  <a:lumMod val="60000"/>
+                  <a:lumOff val="40000"/>
+                </a:schemeClr>
+              </a:gs>
+            </a:gsLst>
+          </a:gradFill>
+          <a:ln>
+            <a:solidFill>
+              <a:srgbClr val="002060"/>
+            </a:solidFill>
+          </a:ln>
+        </p:spPr>
+        <p:style>
+          <a:lnRef idx="1">
+            <a:schemeClr val="accent4"/>
+          </a:lnRef>
+          <a:fillRef idx="2">
+            <a:schemeClr val="accent4"/>
+          </a:fillRef>
+          <a:effectRef idx="1">
+            <a:schemeClr val="accent4"/>
+          </a:effectRef>
+          <a:fontRef idx="minor">
+            <a:schemeClr val="dk1"/>
+          </a:fontRef>
+        </p:style>
+        <p:txBody>
+          <a:bodyPr rtlCol="0" anchor="ctr"/>
+          <a:lstStyle/>
+          <a:p>
+            <a:pPr algn="ctr"/>
+            <a:endParaRPr lang="de-DE">
+              <a:solidFill>
+                <a:schemeClr val="dk1"/>
+              </a:solidFill>
+            </a:endParaRPr>
           </a:p>
         </p:txBody>
       </p:sp>
@@ -3434,7 +3513,7 @@
             <a:pPr algn="ctr"/>
             <a:r>
               <a:rPr lang="de-DE"/>
-              <a:t>MWDI deviceList &amp; metadata table</a:t>
+              <a:t>MWDI deviceList, metadata table and ControlConstruct updates</a:t>
             </a:r>
           </a:p>
         </p:txBody>
@@ -3454,7 +3533,7 @@
         <p:spPr>
           <a:xfrm>
             <a:off x="347072" y="640746"/>
-            <a:ext cx="4191556" cy="6678751"/>
+            <a:ext cx="4191556" cy="4247317"/>
           </a:xfrm>
           <a:prstGeom prst="roundRect">
             <a:avLst>
@@ -3526,7 +3605,7 @@
         <p:spPr>
           <a:xfrm>
             <a:off x="377107" y="640747"/>
-            <a:ext cx="4161521" cy="6678751"/>
+            <a:ext cx="4161521" cy="4247317"/>
           </a:xfrm>
           <a:prstGeom prst="rect">
             <a:avLst/>
@@ -3669,7 +3748,7 @@
             </a:pPr>
             <a:r>
               <a:rPr lang="de-DE" sz="1100"/>
-              <a:t>Not yet included devices in connected state are added to MWDI deviceList; their CCs are retrieved with priority</a:t>
+              <a:t>Not yet included devices in connected state are added to MWDI deviceList and also into the metadata status table (CCs will be queried with priority)</a:t>
             </a:r>
           </a:p>
           <a:p>
@@ -3706,137 +3785,6 @@
               <a:buChar char="•"/>
             </a:pPr>
             <a:endParaRPr lang="de-DE" sz="1200"/>
-          </a:p>
-          <a:p>
-            <a:r>
-              <a:rPr lang="de-DE" sz="1200" b="1" u="sng"/>
-              <a:t>ControlConstruct updates</a:t>
-            </a:r>
-          </a:p>
-          <a:p>
-            <a:pPr marL="285750" indent="-285750">
-              <a:buFont typeface="Arial" panose="020B0604020202020204" pitchFamily="34" charset="0"/>
-              <a:buChar char="•"/>
-            </a:pPr>
-            <a:r>
-              <a:rPr lang="de-DE" sz="1200" b="1"/>
-              <a:t>Cyclic process: sliding window</a:t>
-            </a:r>
-          </a:p>
-          <a:p>
-            <a:pPr marL="541338" lvl="1" indent="-180975">
-              <a:buFont typeface="Arial" panose="020B0604020202020204" pitchFamily="34" charset="0"/>
-              <a:buChar char="•"/>
-            </a:pPr>
-            <a:r>
-              <a:rPr lang="de-DE" sz="1100"/>
-              <a:t>To retrieve the CCs of all devices, a </a:t>
-            </a:r>
-            <a:r>
-              <a:rPr lang="de-DE" sz="1100" b="1"/>
-              <a:t>sliding window </a:t>
-            </a:r>
-            <a:r>
-              <a:rPr lang="de-DE" sz="1100"/>
-              <a:t>runs over the deviceList (periodic retrieval)</a:t>
-            </a:r>
-          </a:p>
-          <a:p>
-            <a:pPr marL="541338" lvl="1" indent="-180975">
-              <a:buFont typeface="Arial" panose="020B0604020202020204" pitchFamily="34" charset="0"/>
-              <a:buChar char="•"/>
-            </a:pPr>
-            <a:r>
-              <a:rPr lang="de-DE" sz="1100"/>
-              <a:t>The device‘s </a:t>
-            </a:r>
-            <a:r>
-              <a:rPr lang="de-DE" sz="1100" b="1"/>
-              <a:t>CCs</a:t>
-            </a:r>
-            <a:r>
-              <a:rPr lang="de-DE" sz="1100"/>
-              <a:t> are</a:t>
-            </a:r>
-            <a:r>
-              <a:rPr lang="de-DE" sz="1100" b="1"/>
-              <a:t> updated completely by the periodic retrieval</a:t>
-            </a:r>
-          </a:p>
-          <a:p>
-            <a:pPr marL="285750" indent="-285750">
-              <a:buFont typeface="Arial" panose="020B0604020202020204" pitchFamily="34" charset="0"/>
-              <a:buChar char="•"/>
-            </a:pPr>
-            <a:r>
-              <a:rPr lang="de-DE" sz="1200" b="1"/>
-              <a:t>Cyclic process: quality measurement</a:t>
-            </a:r>
-          </a:p>
-          <a:p>
-            <a:pPr marL="541338" indent="-180975">
-              <a:buFont typeface="Arial" panose="020B0604020202020204" pitchFamily="34" charset="0"/>
-              <a:buChar char="•"/>
-            </a:pPr>
-            <a:r>
-              <a:rPr lang="de-DE" sz="1100"/>
-              <a:t>Every x minutes the CC of a certain device is queried from the Controller for measuring the cache quality</a:t>
-            </a:r>
-          </a:p>
-          <a:p>
-            <a:pPr marL="541338" indent="-180975">
-              <a:buFont typeface="Arial" panose="020B0604020202020204" pitchFamily="34" charset="0"/>
-              <a:buChar char="•"/>
-            </a:pPr>
-            <a:r>
-              <a:rPr lang="de-DE" sz="1100"/>
-              <a:t>The </a:t>
-            </a:r>
-            <a:r>
-              <a:rPr lang="de-DE" sz="1100" b="1"/>
-              <a:t>device‘s CC is updated completely </a:t>
-            </a:r>
-            <a:r>
-              <a:rPr lang="de-DE" sz="1100"/>
-              <a:t>from that as well</a:t>
-            </a:r>
-            <a:endParaRPr lang="de-DE" sz="1200" b="1"/>
-          </a:p>
-          <a:p>
-            <a:pPr marL="285750" indent="-285750">
-              <a:buFont typeface="Arial" panose="020B0604020202020204" pitchFamily="34" charset="0"/>
-              <a:buChar char="•"/>
-            </a:pPr>
-            <a:r>
-              <a:rPr lang="de-DE" sz="1200" b="1"/>
-              <a:t>Notifications</a:t>
-            </a:r>
-          </a:p>
-          <a:p>
-            <a:pPr marL="541338" lvl="1" indent="-180975">
-              <a:buFont typeface="Arial" panose="020B0604020202020204" pitchFamily="34" charset="0"/>
-              <a:buChar char="•"/>
-            </a:pPr>
-            <a:r>
-              <a:rPr lang="de-DE" sz="1100"/>
-              <a:t>In addition the </a:t>
-            </a:r>
-            <a:r>
-              <a:rPr lang="de-DE" sz="1100" b="1"/>
-              <a:t>CCs are updated partially </a:t>
-            </a:r>
-            <a:r>
-              <a:rPr lang="de-DE" sz="1100"/>
-              <a:t>after related </a:t>
-            </a:r>
-            <a:r>
-              <a:rPr lang="de-DE" sz="1100" b="1"/>
-              <a:t>notifications</a:t>
-            </a:r>
-            <a:r>
-              <a:rPr lang="de-DE" sz="1100"/>
-              <a:t> are received</a:t>
-            </a:r>
           </a:p>
           <a:p>
             <a:endParaRPr lang="de-DE" sz="1200"/>
@@ -3876,7 +3824,7 @@
         <p:spPr>
           <a:xfrm>
             <a:off x="5098170" y="640747"/>
-            <a:ext cx="5147116" cy="5576506"/>
+            <a:ext cx="5147116" cy="5330285"/>
           </a:xfrm>
           <a:prstGeom prst="roundRect">
             <a:avLst>
@@ -4015,20 +3963,15 @@
               <a:buFont typeface="Arial" panose="020B0604020202020204" pitchFamily="34" charset="0"/>
               <a:buChar char="•"/>
             </a:pPr>
+            <a:r>
+              <a:rPr lang="de-DE" sz="1200" b="1"/>
+              <a:t>Ordered according to CC retrieval priority</a:t>
+            </a:r>
+          </a:p>
+          <a:p>
             <a:endParaRPr lang="de-DE" sz="1200" b="1"/>
           </a:p>
           <a:p>
-            <a:pPr marL="285750" indent="-285750">
-              <a:buFont typeface="Arial" panose="020B0604020202020204" pitchFamily="34" charset="0"/>
-              <a:buChar char="•"/>
-            </a:pPr>
-            <a:endParaRPr lang="de-DE" sz="1200" b="1"/>
-          </a:p>
-          <a:p>
-            <a:pPr marL="285750" indent="-285750">
-              <a:buFont typeface="Arial" panose="020B0604020202020204" pitchFamily="34" charset="0"/>
-              <a:buChar char="•"/>
-            </a:pPr>
             <a:endParaRPr lang="de-DE" sz="1200" b="1"/>
           </a:p>
           <a:p>
@@ -4223,6 +4166,464 @@
             <a:r>
               <a:rPr lang="de-DE"/>
               <a:t>MWDI v1.3.0</a:t>
+            </a:r>
+          </a:p>
+        </p:txBody>
+      </p:sp>
+      <p:sp>
+        <p:nvSpPr>
+          <p:cNvPr id="8" name="Textfeld 7">
+            <a:extLst>
+              <a:ext uri="{FF2B5EF4-FFF2-40B4-BE49-F238E27FC236}">
+                <a16:creationId xmlns:a16="http://schemas.microsoft.com/office/drawing/2014/main" id="{CAAA6B89-3E82-8279-1513-38C3B2D27578}"/>
+              </a:ext>
+            </a:extLst>
+          </p:cNvPr>
+          <p:cNvSpPr txBox="1"/>
+          <p:nvPr/>
+        </p:nvSpPr>
+        <p:spPr>
+          <a:xfrm>
+            <a:off x="347072" y="6309271"/>
+            <a:ext cx="8974728" cy="2554545"/>
+          </a:xfrm>
+          <a:prstGeom prst="rect">
+            <a:avLst/>
+          </a:prstGeom>
+          <a:noFill/>
+        </p:spPr>
+        <p:txBody>
+          <a:bodyPr wrap="square">
+            <a:spAutoFit/>
+          </a:bodyPr>
+          <a:lstStyle/>
+          <a:p>
+            <a:r>
+              <a:rPr lang="de-DE" sz="1200" b="1" u="sng"/>
+              <a:t>ControlConstruct updates</a:t>
+            </a:r>
+          </a:p>
+          <a:p>
+            <a:pPr marL="285750" indent="-285750">
+              <a:buFont typeface="Arial" panose="020B0604020202020204" pitchFamily="34" charset="0"/>
+              <a:buChar char="•"/>
+            </a:pPr>
+            <a:r>
+              <a:rPr lang="de-DE" sz="1200" b="1"/>
+              <a:t>Cyclic process: sliding window</a:t>
+            </a:r>
+          </a:p>
+          <a:p>
+            <a:pPr marL="541338" lvl="1" indent="-180975">
+              <a:buFont typeface="Arial" panose="020B0604020202020204" pitchFamily="34" charset="0"/>
+              <a:buChar char="•"/>
+            </a:pPr>
+            <a:r>
+              <a:rPr lang="de-DE" sz="1100"/>
+              <a:t>To retrieve the CCs of all devices, a </a:t>
+            </a:r>
+            <a:r>
+              <a:rPr lang="de-DE" sz="1100" b="1"/>
+              <a:t>sliding window </a:t>
+            </a:r>
+            <a:r>
+              <a:rPr lang="de-DE" sz="1100"/>
+              <a:t>is filled with devices fetched from metadata status table according to retrieval priority (periodic retrieval)</a:t>
+            </a:r>
+          </a:p>
+          <a:p>
+            <a:pPr marL="541338" lvl="1" indent="-180975">
+              <a:buFont typeface="Arial" panose="020B0604020202020204" pitchFamily="34" charset="0"/>
+              <a:buChar char="•"/>
+            </a:pPr>
+            <a:r>
+              <a:rPr lang="de-DE" sz="1100"/>
+              <a:t>The device‘s </a:t>
+            </a:r>
+            <a:r>
+              <a:rPr lang="de-DE" sz="1100" b="1"/>
+              <a:t>CCs</a:t>
+            </a:r>
+            <a:r>
+              <a:rPr lang="de-DE" sz="1100"/>
+              <a:t> are</a:t>
+            </a:r>
+            <a:r>
+              <a:rPr lang="de-DE" sz="1100" b="1"/>
+              <a:t> updated completely by the periodic retrieval</a:t>
+            </a:r>
+          </a:p>
+          <a:p>
+            <a:pPr marL="285750" indent="-285750">
+              <a:buFont typeface="Arial" panose="020B0604020202020204" pitchFamily="34" charset="0"/>
+              <a:buChar char="•"/>
+            </a:pPr>
+            <a:r>
+              <a:rPr lang="de-DE" sz="1200" b="1"/>
+              <a:t>Cyclic process: quality measurement</a:t>
+            </a:r>
+          </a:p>
+          <a:p>
+            <a:pPr marL="541338" indent="-180975">
+              <a:buFont typeface="Arial" panose="020B0604020202020204" pitchFamily="34" charset="0"/>
+              <a:buChar char="•"/>
+            </a:pPr>
+            <a:r>
+              <a:rPr lang="de-DE" sz="1100"/>
+              <a:t>Every x minutes the CC of a the next candidate device (determined again from metadata status table) is queried from the Controller for measuring the cache quality</a:t>
+            </a:r>
+          </a:p>
+          <a:p>
+            <a:pPr marL="541338" indent="-180975">
+              <a:buFont typeface="Arial" panose="020B0604020202020204" pitchFamily="34" charset="0"/>
+              <a:buChar char="•"/>
+            </a:pPr>
+            <a:r>
+              <a:rPr lang="de-DE" sz="1100"/>
+              <a:t>The </a:t>
+            </a:r>
+            <a:r>
+              <a:rPr lang="de-DE" sz="1100" b="1"/>
+              <a:t>device‘s CC is updated completely </a:t>
+            </a:r>
+            <a:r>
+              <a:rPr lang="de-DE" sz="1100"/>
+              <a:t>from that as well</a:t>
+            </a:r>
+            <a:endParaRPr lang="de-DE" sz="1200" b="1"/>
+          </a:p>
+          <a:p>
+            <a:pPr marL="285750" indent="-285750">
+              <a:buFont typeface="Arial" panose="020B0604020202020204" pitchFamily="34" charset="0"/>
+              <a:buChar char="•"/>
+            </a:pPr>
+            <a:r>
+              <a:rPr lang="de-DE" sz="1200" b="1"/>
+              <a:t>Notifications</a:t>
+            </a:r>
+          </a:p>
+          <a:p>
+            <a:pPr marL="541338" lvl="1" indent="-180975">
+              <a:buFont typeface="Arial" panose="020B0604020202020204" pitchFamily="34" charset="0"/>
+              <a:buChar char="•"/>
+            </a:pPr>
+            <a:r>
+              <a:rPr lang="de-DE" sz="1100"/>
+              <a:t>In addition the </a:t>
+            </a:r>
+            <a:r>
+              <a:rPr lang="de-DE" sz="1100" b="1"/>
+              <a:t>CCs are updated partially </a:t>
+            </a:r>
+            <a:r>
+              <a:rPr lang="de-DE" sz="1100"/>
+              <a:t>after related </a:t>
+            </a:r>
+            <a:r>
+              <a:rPr lang="de-DE" sz="1100" b="1"/>
+              <a:t>notifications</a:t>
+            </a:r>
+            <a:r>
+              <a:rPr lang="de-DE" sz="1100"/>
+              <a:t> are received</a:t>
+            </a:r>
+          </a:p>
+          <a:p>
+            <a:pPr marL="285750" indent="-285750">
+              <a:buFont typeface="Arial" panose="020B0604020202020204" pitchFamily="34" charset="0"/>
+              <a:buChar char="•"/>
+            </a:pPr>
+            <a:endParaRPr lang="de-DE" sz="1200" b="1"/>
+          </a:p>
+          <a:p>
+            <a:pPr marL="285750" indent="-285750">
+              <a:buFont typeface="Arial" panose="020B0604020202020204" pitchFamily="34" charset="0"/>
+              <a:buChar char="•"/>
+            </a:pPr>
+            <a:r>
+              <a:rPr lang="de-DE" sz="1200" b="1">
+                <a:solidFill>
+                  <a:schemeClr val="tx1">
+                    <a:lumMod val="65000"/>
+                    <a:lumOff val="35000"/>
+                  </a:schemeClr>
+                </a:solidFill>
+              </a:rPr>
+              <a:t>Live-services</a:t>
+            </a:r>
+          </a:p>
+          <a:p>
+            <a:pPr marL="541338" lvl="1" indent="-180975">
+              <a:buFont typeface="Arial" panose="020B0604020202020204" pitchFamily="34" charset="0"/>
+              <a:buChar char="•"/>
+            </a:pPr>
+            <a:r>
+              <a:rPr lang="de-DE" sz="1100"/>
+              <a:t>MWDI also offers domain=live ressource paths, which in rare cases may be called directly, these also lead to updates of cached data</a:t>
+            </a:r>
+          </a:p>
+        </p:txBody>
+      </p:sp>
+      <p:sp>
+        <p:nvSpPr>
+          <p:cNvPr id="12" name="Pfeil: nach rechts 11">
+            <a:extLst>
+              <a:ext uri="{FF2B5EF4-FFF2-40B4-BE49-F238E27FC236}">
+                <a16:creationId xmlns:a16="http://schemas.microsoft.com/office/drawing/2014/main" id="{7F081237-E2C9-649B-35DE-A8745A69FDAA}"/>
+              </a:ext>
+            </a:extLst>
+          </p:cNvPr>
+          <p:cNvSpPr/>
+          <p:nvPr/>
+        </p:nvSpPr>
+        <p:spPr>
+          <a:xfrm>
+            <a:off x="4495151" y="907212"/>
+            <a:ext cx="678570" cy="167132"/>
+          </a:xfrm>
+          <a:prstGeom prst="rightArrow">
+            <a:avLst/>
+          </a:prstGeom>
+          <a:ln w="9525"/>
+        </p:spPr>
+        <p:style>
+          <a:lnRef idx="2">
+            <a:schemeClr val="accent1">
+              <a:shade val="15000"/>
+            </a:schemeClr>
+          </a:lnRef>
+          <a:fillRef idx="1">
+            <a:schemeClr val="accent1"/>
+          </a:fillRef>
+          <a:effectRef idx="0">
+            <a:schemeClr val="accent1"/>
+          </a:effectRef>
+          <a:fontRef idx="minor">
+            <a:schemeClr val="lt1"/>
+          </a:fontRef>
+        </p:style>
+        <p:txBody>
+          <a:bodyPr rtlCol="0" anchor="ctr"/>
+          <a:lstStyle/>
+          <a:p>
+            <a:pPr algn="ctr"/>
+            <a:endParaRPr lang="de-DE"/>
+          </a:p>
+        </p:txBody>
+      </p:sp>
+      <p:sp>
+        <p:nvSpPr>
+          <p:cNvPr id="13" name="Pfeil: nach rechts 12">
+            <a:extLst>
+              <a:ext uri="{FF2B5EF4-FFF2-40B4-BE49-F238E27FC236}">
+                <a16:creationId xmlns:a16="http://schemas.microsoft.com/office/drawing/2014/main" id="{4EEEA63D-8D04-24E1-4B69-CA19FC50BFB0}"/>
+              </a:ext>
+            </a:extLst>
+          </p:cNvPr>
+          <p:cNvSpPr/>
+          <p:nvPr/>
+        </p:nvSpPr>
+        <p:spPr>
+          <a:xfrm rot="8244643">
+            <a:off x="4631224" y="6093278"/>
+            <a:ext cx="678570" cy="167132"/>
+          </a:xfrm>
+          <a:prstGeom prst="rightArrow">
+            <a:avLst/>
+          </a:prstGeom>
+          <a:ln w="9525"/>
+        </p:spPr>
+        <p:style>
+          <a:lnRef idx="2">
+            <a:schemeClr val="accent1">
+              <a:shade val="15000"/>
+            </a:schemeClr>
+          </a:lnRef>
+          <a:fillRef idx="1">
+            <a:schemeClr val="accent1"/>
+          </a:fillRef>
+          <a:effectRef idx="0">
+            <a:schemeClr val="accent1"/>
+          </a:effectRef>
+          <a:fontRef idx="minor">
+            <a:schemeClr val="lt1"/>
+          </a:fontRef>
+        </p:style>
+        <p:txBody>
+          <a:bodyPr rtlCol="0" anchor="ctr"/>
+          <a:lstStyle/>
+          <a:p>
+            <a:pPr algn="ctr"/>
+            <a:endParaRPr lang="de-DE"/>
+          </a:p>
+        </p:txBody>
+      </p:sp>
+      <p:sp>
+        <p:nvSpPr>
+          <p:cNvPr id="14" name="Textfeld 13">
+            <a:extLst>
+              <a:ext uri="{FF2B5EF4-FFF2-40B4-BE49-F238E27FC236}">
+                <a16:creationId xmlns:a16="http://schemas.microsoft.com/office/drawing/2014/main" id="{9E9B0513-871F-5169-C7A2-882D7A5D7AD8}"/>
+              </a:ext>
+            </a:extLst>
+          </p:cNvPr>
+          <p:cNvSpPr txBox="1"/>
+          <p:nvPr/>
+        </p:nvSpPr>
+        <p:spPr>
+          <a:xfrm>
+            <a:off x="4596223" y="738529"/>
+            <a:ext cx="471604" cy="246221"/>
+          </a:xfrm>
+          <a:prstGeom prst="rect">
+            <a:avLst/>
+          </a:prstGeom>
+          <a:noFill/>
+        </p:spPr>
+        <p:txBody>
+          <a:bodyPr wrap="none" rtlCol="0">
+            <a:spAutoFit/>
+          </a:bodyPr>
+          <a:lstStyle/>
+          <a:p>
+            <a:r>
+              <a:rPr lang="de-DE" sz="1000" i="1">
+                <a:solidFill>
+                  <a:schemeClr val="accent4">
+                    <a:lumMod val="50000"/>
+                  </a:schemeClr>
+                </a:solidFill>
+              </a:rPr>
+              <a:t>Input</a:t>
+            </a:r>
+          </a:p>
+        </p:txBody>
+      </p:sp>
+      <p:sp>
+        <p:nvSpPr>
+          <p:cNvPr id="15" name="Textfeld 14">
+            <a:extLst>
+              <a:ext uri="{FF2B5EF4-FFF2-40B4-BE49-F238E27FC236}">
+                <a16:creationId xmlns:a16="http://schemas.microsoft.com/office/drawing/2014/main" id="{BBEB1431-93B5-1644-44D0-29914411EF06}"/>
+              </a:ext>
+            </a:extLst>
+          </p:cNvPr>
+          <p:cNvSpPr txBox="1"/>
+          <p:nvPr/>
+        </p:nvSpPr>
+        <p:spPr>
+          <a:xfrm>
+            <a:off x="5119299" y="6053733"/>
+            <a:ext cx="1598515" cy="246221"/>
+          </a:xfrm>
+          <a:prstGeom prst="rect">
+            <a:avLst/>
+          </a:prstGeom>
+          <a:noFill/>
+        </p:spPr>
+        <p:txBody>
+          <a:bodyPr wrap="none" rtlCol="0">
+            <a:spAutoFit/>
+          </a:bodyPr>
+          <a:lstStyle/>
+          <a:p>
+            <a:r>
+              <a:rPr lang="de-DE" sz="1000" i="1">
+                <a:solidFill>
+                  <a:schemeClr val="accent4">
+                    <a:lumMod val="50000"/>
+                  </a:schemeClr>
+                </a:solidFill>
+              </a:rPr>
+              <a:t>Input for cyclic processes</a:t>
+            </a:r>
+          </a:p>
+        </p:txBody>
+      </p:sp>
+      <p:sp>
+        <p:nvSpPr>
+          <p:cNvPr id="16" name="Pfeil: nach rechts 15">
+            <a:extLst>
+              <a:ext uri="{FF2B5EF4-FFF2-40B4-BE49-F238E27FC236}">
+                <a16:creationId xmlns:a16="http://schemas.microsoft.com/office/drawing/2014/main" id="{12202DD3-E43A-2A55-ACFD-393B37383F88}"/>
+              </a:ext>
+            </a:extLst>
+          </p:cNvPr>
+          <p:cNvSpPr/>
+          <p:nvPr/>
+        </p:nvSpPr>
+        <p:spPr>
+          <a:xfrm rot="19225114">
+            <a:off x="7629848" y="6133687"/>
+            <a:ext cx="678570" cy="167132"/>
+          </a:xfrm>
+          <a:prstGeom prst="rightArrow">
+            <a:avLst/>
+          </a:prstGeom>
+          <a:ln w="9525"/>
+        </p:spPr>
+        <p:style>
+          <a:lnRef idx="2">
+            <a:schemeClr val="accent1">
+              <a:shade val="15000"/>
+            </a:schemeClr>
+          </a:lnRef>
+          <a:fillRef idx="1">
+            <a:schemeClr val="accent1"/>
+          </a:fillRef>
+          <a:effectRef idx="0">
+            <a:schemeClr val="accent1"/>
+          </a:effectRef>
+          <a:fontRef idx="minor">
+            <a:schemeClr val="lt1"/>
+          </a:fontRef>
+        </p:style>
+        <p:txBody>
+          <a:bodyPr rtlCol="0" anchor="ctr"/>
+          <a:lstStyle/>
+          <a:p>
+            <a:pPr algn="ctr"/>
+            <a:endParaRPr lang="de-DE"/>
+          </a:p>
+        </p:txBody>
+      </p:sp>
+      <p:sp>
+        <p:nvSpPr>
+          <p:cNvPr id="17" name="Textfeld 16">
+            <a:extLst>
+              <a:ext uri="{FF2B5EF4-FFF2-40B4-BE49-F238E27FC236}">
+                <a16:creationId xmlns:a16="http://schemas.microsoft.com/office/drawing/2014/main" id="{A7A85004-2443-A2A6-0F39-D89E414E661E}"/>
+              </a:ext>
+            </a:extLst>
+          </p:cNvPr>
+          <p:cNvSpPr txBox="1"/>
+          <p:nvPr/>
+        </p:nvSpPr>
+        <p:spPr>
+          <a:xfrm>
+            <a:off x="8179910" y="6066725"/>
+            <a:ext cx="1018227" cy="246221"/>
+          </a:xfrm>
+          <a:prstGeom prst="rect">
+            <a:avLst/>
+          </a:prstGeom>
+          <a:noFill/>
+        </p:spPr>
+        <p:txBody>
+          <a:bodyPr wrap="none" rtlCol="0">
+            <a:spAutoFit/>
+          </a:bodyPr>
+          <a:lstStyle/>
+          <a:p>
+            <a:r>
+              <a:rPr lang="de-DE" sz="1000" i="1">
+                <a:solidFill>
+                  <a:schemeClr val="accent4">
+                    <a:lumMod val="50000"/>
+                  </a:schemeClr>
+                </a:solidFill>
+              </a:rPr>
+              <a:t>Status updates</a:t>
             </a:r>
           </a:p>
         </p:txBody>
@@ -9970,6 +10371,62 @@
                 </a:solidFill>
               </a:rPr>
               <a:t>deviceType = mapped from CC data</a:t>
+            </a:r>
+          </a:p>
+        </p:txBody>
+      </p:sp>
+      <p:sp>
+        <p:nvSpPr>
+          <p:cNvPr id="9" name="Rechteck 8">
+            <a:extLst>
+              <a:ext uri="{FF2B5EF4-FFF2-40B4-BE49-F238E27FC236}">
+                <a16:creationId xmlns:a16="http://schemas.microsoft.com/office/drawing/2014/main" id="{60E7AE75-0912-435F-B87C-AB25196D36EE}"/>
+              </a:ext>
+            </a:extLst>
+          </p:cNvPr>
+          <p:cNvSpPr/>
+          <p:nvPr/>
+        </p:nvSpPr>
+        <p:spPr>
+          <a:xfrm>
+            <a:off x="2371411" y="2181339"/>
+            <a:ext cx="12088167" cy="2204683"/>
+          </a:xfrm>
+          <a:prstGeom prst="rect">
+            <a:avLst/>
+          </a:prstGeom>
+          <a:solidFill>
+            <a:srgbClr val="FFFF00"/>
+          </a:solidFill>
+        </p:spPr>
+        <p:style>
+          <a:lnRef idx="2">
+            <a:schemeClr val="accent1">
+              <a:shade val="15000"/>
+            </a:schemeClr>
+          </a:lnRef>
+          <a:fillRef idx="1">
+            <a:schemeClr val="accent1"/>
+          </a:fillRef>
+          <a:effectRef idx="0">
+            <a:schemeClr val="accent1"/>
+          </a:effectRef>
+          <a:fontRef idx="minor">
+            <a:schemeClr val="lt1"/>
+          </a:fontRef>
+        </p:style>
+        <p:txBody>
+          <a:bodyPr rtlCol="0" anchor="ctr"/>
+          <a:lstStyle/>
+          <a:p>
+            <a:pPr algn="ctr"/>
+            <a:r>
+              <a:rPr lang="de-DE">
+                <a:solidFill>
+                  <a:schemeClr val="tx1"/>
+                </a:solidFill>
+              </a:rPr>
+              <a:t>TO BE REFINED</a:t>
             </a:r>
           </a:p>
         </p:txBody>
